--- a/PySenseTutorial.pptx
+++ b/PySenseTutorial.pptx
@@ -5,33 +5,40 @@
     <p:sldMasterId id="2147483660" r:id="rId4"/>
   </p:sldMasterIdLst>
   <p:notesMasterIdLst>
-    <p:notesMasterId r:id="rId26"/>
+    <p:notesMasterId r:id="rId33"/>
   </p:notesMasterIdLst>
   <p:handoutMasterIdLst>
-    <p:handoutMasterId r:id="rId27"/>
+    <p:handoutMasterId r:id="rId34"/>
   </p:handoutMasterIdLst>
   <p:sldIdLst>
     <p:sldId id="257" r:id="rId5"/>
-    <p:sldId id="272" r:id="rId6"/>
-    <p:sldId id="278" r:id="rId7"/>
-    <p:sldId id="288" r:id="rId8"/>
-    <p:sldId id="267" r:id="rId9"/>
-    <p:sldId id="289" r:id="rId10"/>
-    <p:sldId id="292" r:id="rId11"/>
-    <p:sldId id="273" r:id="rId12"/>
-    <p:sldId id="274" r:id="rId13"/>
-    <p:sldId id="290" r:id="rId14"/>
-    <p:sldId id="293" r:id="rId15"/>
-    <p:sldId id="275" r:id="rId16"/>
-    <p:sldId id="276" r:id="rId17"/>
-    <p:sldId id="279" r:id="rId18"/>
-    <p:sldId id="291" r:id="rId19"/>
-    <p:sldId id="294" r:id="rId20"/>
-    <p:sldId id="280" r:id="rId21"/>
-    <p:sldId id="281" r:id="rId22"/>
-    <p:sldId id="295" r:id="rId23"/>
-    <p:sldId id="283" r:id="rId24"/>
-    <p:sldId id="297" r:id="rId25"/>
+    <p:sldId id="298" r:id="rId6"/>
+    <p:sldId id="299" r:id="rId7"/>
+    <p:sldId id="263" r:id="rId8"/>
+    <p:sldId id="261" r:id="rId9"/>
+    <p:sldId id="258" r:id="rId10"/>
+    <p:sldId id="264" r:id="rId11"/>
+    <p:sldId id="300" r:id="rId12"/>
+    <p:sldId id="272" r:id="rId13"/>
+    <p:sldId id="278" r:id="rId14"/>
+    <p:sldId id="288" r:id="rId15"/>
+    <p:sldId id="267" r:id="rId16"/>
+    <p:sldId id="289" r:id="rId17"/>
+    <p:sldId id="292" r:id="rId18"/>
+    <p:sldId id="273" r:id="rId19"/>
+    <p:sldId id="274" r:id="rId20"/>
+    <p:sldId id="290" r:id="rId21"/>
+    <p:sldId id="293" r:id="rId22"/>
+    <p:sldId id="275" r:id="rId23"/>
+    <p:sldId id="276" r:id="rId24"/>
+    <p:sldId id="279" r:id="rId25"/>
+    <p:sldId id="291" r:id="rId26"/>
+    <p:sldId id="294" r:id="rId27"/>
+    <p:sldId id="280" r:id="rId28"/>
+    <p:sldId id="281" r:id="rId29"/>
+    <p:sldId id="295" r:id="rId30"/>
+    <p:sldId id="283" r:id="rId31"/>
+    <p:sldId id="297" r:id="rId32"/>
   </p:sldIdLst>
   <p:sldSz cx="12188825" cy="6858000"/>
   <p:notesSz cx="6858000" cy="9144000"/>
@@ -245,7 +252,7 @@
           <a:p>
             <a:fld id="{FE5B4EDC-59C0-49C7-8ADA-5A781B329E02}" type="datetimeFigureOut">
               <a:rPr lang="en-US"/>
-              <a:t>4/17/2020</a:t>
+              <a:t>5/8/2020</a:t>
             </a:fld>
             <a:endParaRPr/>
           </a:p>
@@ -410,7 +417,7 @@
           <a:p>
             <a:fld id="{F2D8D46A-B586-417D-BFBD-8C8FE0AAF762}" type="datetimeFigureOut">
               <a:rPr lang="en-US"/>
-              <a:t>4/17/2020</a:t>
+              <a:t>5/8/2020</a:t>
             </a:fld>
             <a:endParaRPr/>
           </a:p>
@@ -670,6 +677,90 @@
     </a:lvl9pPr>
   </p:notesStyle>
 </p:notesMaster>
+</file>
+
+<file path=ppt/notesSlides/notesSlide1.xml><?xml version="1.0" encoding="utf-8"?>
+<p:notes xmlns:a="http://schemas.openxmlformats.org/drawingml/2006/main" xmlns:r="http://schemas.openxmlformats.org/officeDocument/2006/relationships" xmlns:p="http://schemas.openxmlformats.org/presentationml/2006/main">
+  <p:cSld>
+    <p:spTree>
+      <p:nvGrpSpPr>
+        <p:cNvPr id="1" name=""/>
+        <p:cNvGrpSpPr/>
+        <p:nvPr/>
+      </p:nvGrpSpPr>
+      <p:grpSpPr>
+        <a:xfrm>
+          <a:off x="0" y="0"/>
+          <a:ext cx="0" cy="0"/>
+          <a:chOff x="0" y="0"/>
+          <a:chExt cx="0" cy="0"/>
+        </a:xfrm>
+      </p:grpSpPr>
+      <p:sp>
+        <p:nvSpPr>
+          <p:cNvPr id="2" name="Slide Image Placeholder 1"/>
+          <p:cNvSpPr>
+            <a:spLocks noGrp="1" noRot="1" noChangeAspect="1"/>
+          </p:cNvSpPr>
+          <p:nvPr>
+            <p:ph type="sldImg"/>
+          </p:nvPr>
+        </p:nvSpPr>
+        <p:spPr/>
+      </p:sp>
+      <p:sp>
+        <p:nvSpPr>
+          <p:cNvPr id="3" name="Notes Placeholder 2"/>
+          <p:cNvSpPr>
+            <a:spLocks noGrp="1"/>
+          </p:cNvSpPr>
+          <p:nvPr>
+            <p:ph type="body" idx="1"/>
+          </p:nvPr>
+        </p:nvSpPr>
+        <p:spPr/>
+        <p:txBody>
+          <a:bodyPr/>
+          <a:lstStyle/>
+          <a:p>
+            <a:endParaRPr lang="en-US" dirty="0"/>
+          </a:p>
+        </p:txBody>
+      </p:sp>
+      <p:sp>
+        <p:nvSpPr>
+          <p:cNvPr id="4" name="Slide Number Placeholder 3"/>
+          <p:cNvSpPr>
+            <a:spLocks noGrp="1"/>
+          </p:cNvSpPr>
+          <p:nvPr>
+            <p:ph type="sldNum" sz="quarter" idx="5"/>
+          </p:nvPr>
+        </p:nvSpPr>
+        <p:spPr/>
+        <p:txBody>
+          <a:bodyPr/>
+          <a:lstStyle/>
+          <a:p>
+            <a:fld id="{3EBA5BD7-F043-4D1B-AA17-CD412FC534DE}" type="slidenum">
+              <a:rPr lang="en-US" smtClean="0"/>
+              <a:t>1</a:t>
+            </a:fld>
+            <a:endParaRPr lang="en-US"/>
+          </a:p>
+        </p:txBody>
+      </p:sp>
+    </p:spTree>
+    <p:extLst>
+      <p:ext uri="{BB962C8B-B14F-4D97-AF65-F5344CB8AC3E}">
+        <p14:creationId xmlns:p14="http://schemas.microsoft.com/office/powerpoint/2010/main" val="1705718499"/>
+      </p:ext>
+    </p:extLst>
+  </p:cSld>
+  <p:clrMapOvr>
+    <a:masterClrMapping/>
+  </p:clrMapOvr>
+</p:notes>
 </file>
 
 <file path=ppt/slideLayouts/slideLayout1.xml><?xml version="1.0" encoding="utf-8"?>
@@ -1428,7 +1519,7 @@
           <a:p>
             <a:fld id="{F0DFD029-FB74-4578-B929-F66AA97659CA}" type="datetimeFigureOut">
               <a:rPr lang="en-US"/>
-              <a:t>4/17/2020</a:t>
+              <a:t>5/8/2020</a:t>
             </a:fld>
             <a:endParaRPr/>
           </a:p>
@@ -1626,7 +1717,7 @@
           <a:p>
             <a:fld id="{F0DFD029-FB74-4578-B929-F66AA97659CA}" type="datetimeFigureOut">
               <a:rPr lang="en-US"/>
-              <a:t>4/17/2020</a:t>
+              <a:t>5/8/2020</a:t>
             </a:fld>
             <a:endParaRPr/>
           </a:p>
@@ -1834,7 +1925,7 @@
           <a:p>
             <a:fld id="{F0DFD029-FB74-4578-B929-F66AA97659CA}" type="datetimeFigureOut">
               <a:rPr lang="en-US"/>
-              <a:t>4/17/2020</a:t>
+              <a:t>5/8/2020</a:t>
             </a:fld>
             <a:endParaRPr/>
           </a:p>
@@ -2032,7 +2123,7 @@
           <a:p>
             <a:fld id="{F0DFD029-FB74-4578-B929-F66AA97659CA}" type="datetimeFigureOut">
               <a:rPr lang="en-US"/>
-              <a:t>4/17/2020</a:t>
+              <a:t>5/8/2020</a:t>
             </a:fld>
             <a:endParaRPr/>
           </a:p>
@@ -2464,7 +2555,7 @@
           <a:p>
             <a:fld id="{F0DFD029-FB74-4578-B929-F66AA97659CA}" type="datetimeFigureOut">
               <a:rPr lang="en-US"/>
-              <a:t>4/17/2020</a:t>
+              <a:t>5/8/2020</a:t>
             </a:fld>
             <a:endParaRPr/>
           </a:p>
@@ -2768,7 +2859,7 @@
           <a:p>
             <a:fld id="{F0DFD029-FB74-4578-B929-F66AA97659CA}" type="datetimeFigureOut">
               <a:rPr lang="en-US"/>
-              <a:t>4/17/2020</a:t>
+              <a:t>5/8/2020</a:t>
             </a:fld>
             <a:endParaRPr/>
           </a:p>
@@ -3224,7 +3315,7 @@
           <a:p>
             <a:fld id="{F0DFD029-FB74-4578-B929-F66AA97659CA}" type="datetimeFigureOut">
               <a:rPr lang="en-US"/>
-              <a:t>4/17/2020</a:t>
+              <a:t>5/8/2020</a:t>
             </a:fld>
             <a:endParaRPr/>
           </a:p>
@@ -3354,7 +3445,7 @@
           <a:p>
             <a:fld id="{F0DFD029-FB74-4578-B929-F66AA97659CA}" type="datetimeFigureOut">
               <a:rPr lang="en-US"/>
-              <a:t>4/17/2020</a:t>
+              <a:t>5/8/2020</a:t>
             </a:fld>
             <a:endParaRPr/>
           </a:p>
@@ -3461,7 +3552,7 @@
           <a:p>
             <a:fld id="{F0DFD029-FB74-4578-B929-F66AA97659CA}" type="datetimeFigureOut">
               <a:rPr lang="en-US"/>
-              <a:t>4/17/2020</a:t>
+              <a:t>5/8/2020</a:t>
             </a:fld>
             <a:endParaRPr/>
           </a:p>
@@ -3760,7 +3851,7 @@
           <a:p>
             <a:fld id="{F0DFD029-FB74-4578-B929-F66AA97659CA}" type="datetimeFigureOut">
               <a:rPr lang="en-US"/>
-              <a:t>4/17/2020</a:t>
+              <a:t>5/8/2020</a:t>
             </a:fld>
             <a:endParaRPr/>
           </a:p>
@@ -4048,7 +4139,7 @@
           <a:p>
             <a:fld id="{F0DFD029-FB74-4578-B929-F66AA97659CA}" type="datetimeFigureOut">
               <a:rPr lang="en-US"/>
-              <a:t>4/17/2020</a:t>
+              <a:t>5/8/2020</a:t>
             </a:fld>
             <a:endParaRPr/>
           </a:p>
@@ -4671,7 +4762,7 @@
             <a:fld id="{F0DFD029-FB74-4578-B929-F66AA97659CA}" type="datetimeFigureOut">
               <a:rPr lang="en-US"/>
               <a:pPr/>
-              <a:t>4/17/2020</a:t>
+              <a:t>5/8/2020</a:t>
             </a:fld>
             <a:endParaRPr/>
           </a:p>
@@ -5215,6 +5306,2453 @@
           <p:cNvPr id="2" name="Title 1">
             <a:extLst>
               <a:ext uri="{FF2B5EF4-FFF2-40B4-BE49-F238E27FC236}">
+                <a16:creationId xmlns:a16="http://schemas.microsoft.com/office/drawing/2014/main" id="{E5B5E963-FDC8-46B1-9027-27A15121BB68}"/>
+              </a:ext>
+            </a:extLst>
+          </p:cNvPr>
+          <p:cNvSpPr>
+            <a:spLocks noGrp="1"/>
+          </p:cNvSpPr>
+          <p:nvPr>
+            <p:ph type="title"/>
+          </p:nvPr>
+        </p:nvSpPr>
+        <p:spPr>
+          <a:xfrm>
+            <a:off x="1218883" y="274637"/>
+            <a:ext cx="10360501" cy="715963"/>
+          </a:xfrm>
+        </p:spPr>
+        <p:txBody>
+          <a:bodyPr/>
+          <a:lstStyle/>
+          <a:p>
+            <a:r>
+              <a:rPr lang="en-US" dirty="0"/>
+              <a:t>Python Tip!</a:t>
+            </a:r>
+          </a:p>
+        </p:txBody>
+      </p:sp>
+      <p:sp>
+        <p:nvSpPr>
+          <p:cNvPr id="3" name="Content Placeholder 2">
+            <a:extLst>
+              <a:ext uri="{FF2B5EF4-FFF2-40B4-BE49-F238E27FC236}">
+                <a16:creationId xmlns:a16="http://schemas.microsoft.com/office/drawing/2014/main" id="{0D1451B8-B56A-40CC-BCB3-71656BCF2307}"/>
+              </a:ext>
+            </a:extLst>
+          </p:cNvPr>
+          <p:cNvSpPr>
+            <a:spLocks noGrp="1"/>
+          </p:cNvSpPr>
+          <p:nvPr>
+            <p:ph idx="1"/>
+          </p:nvPr>
+        </p:nvSpPr>
+        <p:spPr>
+          <a:xfrm>
+            <a:off x="1218883" y="1066800"/>
+            <a:ext cx="10360501" cy="5097269"/>
+          </a:xfrm>
+        </p:spPr>
+        <p:txBody>
+          <a:bodyPr>
+            <a:normAutofit fontScale="92500" lnSpcReduction="10000"/>
+          </a:bodyPr>
+          <a:lstStyle/>
+          <a:p>
+            <a:r>
+              <a:rPr lang="en-US" dirty="0"/>
+              <a:t>When calling functions in python we have required arguments and optional arguments. </a:t>
+            </a:r>
+          </a:p>
+          <a:p>
+            <a:r>
+              <a:rPr lang="en-US" dirty="0"/>
+              <a:t>Required arguments come first and order matters</a:t>
+            </a:r>
+          </a:p>
+          <a:p>
+            <a:r>
+              <a:rPr lang="en-US" dirty="0"/>
+              <a:t>Optional arguments come after the required ones. You can add as many optional arguments as are supported. </a:t>
+            </a:r>
+          </a:p>
+          <a:p>
+            <a:r>
+              <a:rPr lang="en-US" dirty="0"/>
+              <a:t>Look at the call</a:t>
+            </a:r>
+          </a:p>
+          <a:p>
+            <a:r>
+              <a:rPr lang="en-US" dirty="0"/>
+              <a:t>Email address and role are required and must come first in that order</a:t>
+            </a:r>
+          </a:p>
+          <a:p>
+            <a:r>
+              <a:rPr lang="en-US" dirty="0" err="1"/>
+              <a:t>first_name</a:t>
+            </a:r>
+            <a:r>
+              <a:rPr lang="en-US" dirty="0"/>
+              <a:t> and </a:t>
+            </a:r>
+            <a:r>
+              <a:rPr lang="en-US" dirty="0" err="1"/>
+              <a:t>last_name</a:t>
+            </a:r>
+            <a:r>
+              <a:rPr lang="en-US" dirty="0"/>
+              <a:t> are optional and thus are added at the end and can be in any order.</a:t>
+            </a:r>
+          </a:p>
+          <a:p>
+            <a:r>
+              <a:rPr lang="en-US" dirty="0"/>
+              <a:t>The </a:t>
+            </a:r>
+            <a:r>
+              <a:rPr lang="en-US" dirty="0" err="1"/>
+              <a:t>PySense</a:t>
+            </a:r>
+            <a:r>
+              <a:rPr lang="en-US" dirty="0"/>
+              <a:t> </a:t>
+            </a:r>
+            <a:r>
+              <a:rPr lang="en-US" dirty="0">
+                <a:hlinkClick r:id="rId2"/>
+              </a:rPr>
+              <a:t>documentation</a:t>
+            </a:r>
+            <a:r>
+              <a:rPr lang="en-US" dirty="0"/>
+              <a:t> lists  which arguments are required and which are optional</a:t>
+            </a:r>
+          </a:p>
+        </p:txBody>
+      </p:sp>
+      <p:sp>
+        <p:nvSpPr>
+          <p:cNvPr id="4" name="Rectangle 2">
+            <a:extLst>
+              <a:ext uri="{FF2B5EF4-FFF2-40B4-BE49-F238E27FC236}">
+                <a16:creationId xmlns:a16="http://schemas.microsoft.com/office/drawing/2014/main" id="{206771C5-4A08-4F89-8974-DC18A665671D}"/>
+              </a:ext>
+            </a:extLst>
+          </p:cNvPr>
+          <p:cNvSpPr>
+            <a:spLocks noChangeArrowheads="1"/>
+          </p:cNvSpPr>
+          <p:nvPr/>
+        </p:nvSpPr>
+        <p:spPr bwMode="auto">
+          <a:xfrm>
+            <a:off x="3808412" y="3313584"/>
+            <a:ext cx="5865813" cy="230832"/>
+          </a:xfrm>
+          <a:prstGeom prst="rect">
+            <a:avLst/>
+          </a:prstGeom>
+          <a:solidFill>
+            <a:srgbClr val="2B2B2B"/>
+          </a:solidFill>
+          <a:ln>
+            <a:noFill/>
+          </a:ln>
+          <a:effectLst/>
+          <a:extLst>
+            <a:ext uri="{91240B29-F687-4F45-9708-019B960494DF}">
+              <a14:hiddenLine xmlns:a14="http://schemas.microsoft.com/office/drawing/2010/main" w="9525">
+                <a:solidFill>
+                  <a:schemeClr val="tx1"/>
+                </a:solidFill>
+                <a:miter lim="800000"/>
+                <a:headEnd/>
+                <a:tailEnd/>
+              </a14:hiddenLine>
+            </a:ext>
+            <a:ext uri="{AF507438-7753-43E0-B8FC-AC1667EBCBE1}">
+              <a14:hiddenEffects xmlns:a14="http://schemas.microsoft.com/office/drawing/2010/main">
+                <a:effectLst>
+                  <a:outerShdw dist="35921" dir="2700000" algn="ctr" rotWithShape="0">
+                    <a:schemeClr val="bg2"/>
+                  </a:outerShdw>
+                </a:effectLst>
+              </a14:hiddenEffects>
+            </a:ext>
+          </a:extLst>
+        </p:spPr>
+        <p:txBody>
+          <a:bodyPr vert="horz" wrap="square" lIns="91440" tIns="45720" rIns="91440" bIns="45720" numCol="1" anchor="ctr" anchorCtr="0" compatLnSpc="1">
+            <a:prstTxWarp prst="textNoShape">
+              <a:avLst/>
+            </a:prstTxWarp>
+            <a:spAutoFit/>
+          </a:bodyPr>
+          <a:lstStyle/>
+          <a:p>
+            <a:pPr marL="0" marR="0" lvl="0" indent="0" algn="l" defTabSz="914400" rtl="0" eaLnBrk="0" fontAlgn="base" latinLnBrk="0" hangingPunct="0">
+              <a:lnSpc>
+                <a:spcPct val="100000"/>
+              </a:lnSpc>
+              <a:spcBef>
+                <a:spcPct val="0"/>
+              </a:spcBef>
+              <a:spcAft>
+                <a:spcPct val="0"/>
+              </a:spcAft>
+              <a:buClrTx/>
+              <a:buSzTx/>
+              <a:buFontTx/>
+              <a:buNone/>
+              <a:tabLst/>
+            </a:pPr>
+            <a:r>
+              <a:rPr kumimoji="0" lang="en-US" altLang="en-US" sz="900" b="0" i="0" u="none" strike="noStrike" cap="none" normalizeH="0" baseline="0" dirty="0" err="1">
+                <a:ln>
+                  <a:noFill/>
+                </a:ln>
+                <a:solidFill>
+                  <a:srgbClr val="A9B7C6"/>
+                </a:solidFill>
+                <a:effectLst/>
+                <a:latin typeface="Consolas" panose="020B0609020204030204" pitchFamily="49" charset="0"/>
+              </a:rPr>
+              <a:t>py_client.add_user</a:t>
+            </a:r>
+            <a:r>
+              <a:rPr kumimoji="0" lang="en-US" altLang="en-US" sz="900" b="0" i="0" u="none" strike="noStrike" cap="none" normalizeH="0" baseline="0" dirty="0">
+                <a:ln>
+                  <a:noFill/>
+                </a:ln>
+                <a:solidFill>
+                  <a:srgbClr val="A9B7C6"/>
+                </a:solidFill>
+                <a:effectLst/>
+                <a:latin typeface="Consolas" panose="020B0609020204030204" pitchFamily="49" charset="0"/>
+              </a:rPr>
+              <a:t>(</a:t>
+            </a:r>
+            <a:r>
+              <a:rPr kumimoji="0" lang="en-US" altLang="en-US" sz="900" b="0" i="0" u="none" strike="noStrike" cap="none" normalizeH="0" baseline="0" dirty="0">
+                <a:ln>
+                  <a:noFill/>
+                </a:ln>
+                <a:solidFill>
+                  <a:srgbClr val="6A8759"/>
+                </a:solidFill>
+                <a:effectLst/>
+                <a:latin typeface="Consolas" panose="020B0609020204030204" pitchFamily="49" charset="0"/>
+              </a:rPr>
+              <a:t>'user@email.com'</a:t>
+            </a:r>
+            <a:r>
+              <a:rPr kumimoji="0" lang="en-US" altLang="en-US" sz="900" b="0" i="0" u="none" strike="noStrike" cap="none" normalizeH="0" baseline="0" dirty="0">
+                <a:ln>
+                  <a:noFill/>
+                </a:ln>
+                <a:solidFill>
+                  <a:srgbClr val="CC7832"/>
+                </a:solidFill>
+                <a:effectLst/>
+                <a:latin typeface="Consolas" panose="020B0609020204030204" pitchFamily="49" charset="0"/>
+              </a:rPr>
+              <a:t>, </a:t>
+            </a:r>
+            <a:r>
+              <a:rPr kumimoji="0" lang="en-US" altLang="en-US" sz="900" b="0" i="0" u="none" strike="noStrike" cap="none" normalizeH="0" baseline="0" dirty="0">
+                <a:ln>
+                  <a:noFill/>
+                </a:ln>
+                <a:solidFill>
+                  <a:srgbClr val="6A8759"/>
+                </a:solidFill>
+                <a:effectLst/>
+                <a:latin typeface="Consolas" panose="020B0609020204030204" pitchFamily="49" charset="0"/>
+              </a:rPr>
+              <a:t>'Data Designer'</a:t>
+            </a:r>
+            <a:r>
+              <a:rPr kumimoji="0" lang="en-US" altLang="en-US" sz="900" b="0" i="0" u="none" strike="noStrike" cap="none" normalizeH="0" baseline="0" dirty="0">
+                <a:ln>
+                  <a:noFill/>
+                </a:ln>
+                <a:solidFill>
+                  <a:srgbClr val="CC7832"/>
+                </a:solidFill>
+                <a:effectLst/>
+                <a:latin typeface="Consolas" panose="020B0609020204030204" pitchFamily="49" charset="0"/>
+              </a:rPr>
+              <a:t>, </a:t>
+            </a:r>
+            <a:r>
+              <a:rPr kumimoji="0" lang="en-US" altLang="en-US" sz="900" b="0" i="0" u="none" strike="noStrike" cap="none" normalizeH="0" baseline="0" dirty="0" err="1">
+                <a:ln>
+                  <a:noFill/>
+                </a:ln>
+                <a:solidFill>
+                  <a:srgbClr val="AA4926"/>
+                </a:solidFill>
+                <a:effectLst/>
+                <a:latin typeface="Consolas" panose="020B0609020204030204" pitchFamily="49" charset="0"/>
+              </a:rPr>
+              <a:t>first_name</a:t>
+            </a:r>
+            <a:r>
+              <a:rPr kumimoji="0" lang="en-US" altLang="en-US" sz="900" b="0" i="0" u="none" strike="noStrike" cap="none" normalizeH="0" baseline="0" dirty="0">
+                <a:ln>
+                  <a:noFill/>
+                </a:ln>
+                <a:solidFill>
+                  <a:srgbClr val="A9B7C6"/>
+                </a:solidFill>
+                <a:effectLst/>
+                <a:latin typeface="Consolas" panose="020B0609020204030204" pitchFamily="49" charset="0"/>
+              </a:rPr>
+              <a:t>=</a:t>
+            </a:r>
+            <a:r>
+              <a:rPr kumimoji="0" lang="en-US" altLang="en-US" sz="900" b="0" i="0" u="none" strike="noStrike" cap="none" normalizeH="0" baseline="0" dirty="0">
+                <a:ln>
+                  <a:noFill/>
+                </a:ln>
+                <a:solidFill>
+                  <a:srgbClr val="6A8759"/>
+                </a:solidFill>
+                <a:effectLst/>
+                <a:latin typeface="Consolas" panose="020B0609020204030204" pitchFamily="49" charset="0"/>
+              </a:rPr>
+              <a:t>'John'</a:t>
+            </a:r>
+            <a:r>
+              <a:rPr kumimoji="0" lang="en-US" altLang="en-US" sz="900" b="0" i="0" u="none" strike="noStrike" cap="none" normalizeH="0" baseline="0" dirty="0">
+                <a:ln>
+                  <a:noFill/>
+                </a:ln>
+                <a:solidFill>
+                  <a:srgbClr val="CC7832"/>
+                </a:solidFill>
+                <a:effectLst/>
+                <a:latin typeface="Consolas" panose="020B0609020204030204" pitchFamily="49" charset="0"/>
+              </a:rPr>
+              <a:t>, </a:t>
+            </a:r>
+            <a:r>
+              <a:rPr kumimoji="0" lang="en-US" altLang="en-US" sz="900" b="0" i="0" u="none" strike="noStrike" cap="none" normalizeH="0" baseline="0" dirty="0" err="1">
+                <a:ln>
+                  <a:noFill/>
+                </a:ln>
+                <a:solidFill>
+                  <a:srgbClr val="AA4926"/>
+                </a:solidFill>
+                <a:effectLst/>
+                <a:latin typeface="Consolas" panose="020B0609020204030204" pitchFamily="49" charset="0"/>
+              </a:rPr>
+              <a:t>last_name</a:t>
+            </a:r>
+            <a:r>
+              <a:rPr kumimoji="0" lang="en-US" altLang="en-US" sz="900" b="0" i="0" u="none" strike="noStrike" cap="none" normalizeH="0" baseline="0" dirty="0">
+                <a:ln>
+                  <a:noFill/>
+                </a:ln>
+                <a:solidFill>
+                  <a:srgbClr val="A9B7C6"/>
+                </a:solidFill>
+                <a:effectLst/>
+                <a:latin typeface="Consolas" panose="020B0609020204030204" pitchFamily="49" charset="0"/>
+              </a:rPr>
+              <a:t>=</a:t>
+            </a:r>
+            <a:r>
+              <a:rPr kumimoji="0" lang="en-US" altLang="en-US" sz="900" b="0" i="0" u="none" strike="noStrike" cap="none" normalizeH="0" baseline="0" dirty="0">
+                <a:ln>
+                  <a:noFill/>
+                </a:ln>
+                <a:solidFill>
+                  <a:srgbClr val="6A8759"/>
+                </a:solidFill>
+                <a:effectLst/>
+                <a:latin typeface="Consolas" panose="020B0609020204030204" pitchFamily="49" charset="0"/>
+              </a:rPr>
+              <a:t>'Doe'</a:t>
+            </a:r>
+            <a:r>
+              <a:rPr kumimoji="0" lang="en-US" altLang="en-US" sz="900" b="0" i="0" u="none" strike="noStrike" cap="none" normalizeH="0" baseline="0" dirty="0">
+                <a:ln>
+                  <a:noFill/>
+                </a:ln>
+                <a:solidFill>
+                  <a:srgbClr val="A9B7C6"/>
+                </a:solidFill>
+                <a:effectLst/>
+                <a:latin typeface="Consolas" panose="020B0609020204030204" pitchFamily="49" charset="0"/>
+              </a:rPr>
+              <a:t>)</a:t>
+            </a:r>
+            <a:endParaRPr kumimoji="0" lang="en-US" altLang="en-US" sz="1800" b="0" i="0" u="none" strike="noStrike" cap="none" normalizeH="0" baseline="0" dirty="0">
+              <a:ln>
+                <a:noFill/>
+              </a:ln>
+              <a:solidFill>
+                <a:schemeClr val="tx1"/>
+              </a:solidFill>
+              <a:effectLst/>
+              <a:latin typeface="Arial" panose="020B0604020202020204" pitchFamily="34" charset="0"/>
+            </a:endParaRPr>
+          </a:p>
+        </p:txBody>
+      </p:sp>
+    </p:spTree>
+    <p:extLst>
+      <p:ext uri="{BB962C8B-B14F-4D97-AF65-F5344CB8AC3E}">
+        <p14:creationId xmlns:p14="http://schemas.microsoft.com/office/powerpoint/2010/main" val="3676505348"/>
+      </p:ext>
+    </p:extLst>
+  </p:cSld>
+  <p:clrMapOvr>
+    <a:masterClrMapping/>
+  </p:clrMapOvr>
+  <mc:AlternateContent xmlns:mc="http://schemas.openxmlformats.org/markup-compatibility/2006" xmlns:p14="http://schemas.microsoft.com/office/powerpoint/2010/main">
+    <mc:Choice Requires="p14">
+      <p:transition spd="med" p14:dur="700">
+        <p:fade/>
+      </p:transition>
+    </mc:Choice>
+    <mc:Fallback xmlns="">
+      <p:transition spd="med">
+        <p:fade/>
+      </p:transition>
+    </mc:Fallback>
+  </mc:AlternateContent>
+</p:sld>
+</file>
+
+<file path=ppt/slides/slide11.xml><?xml version="1.0" encoding="utf-8"?>
+<p:sld xmlns:a="http://schemas.openxmlformats.org/drawingml/2006/main" xmlns:r="http://schemas.openxmlformats.org/officeDocument/2006/relationships" xmlns:p="http://schemas.openxmlformats.org/presentationml/2006/main">
+  <p:cSld>
+    <p:spTree>
+      <p:nvGrpSpPr>
+        <p:cNvPr id="1" name=""/>
+        <p:cNvGrpSpPr/>
+        <p:nvPr/>
+      </p:nvGrpSpPr>
+      <p:grpSpPr>
+        <a:xfrm>
+          <a:off x="0" y="0"/>
+          <a:ext cx="0" cy="0"/>
+          <a:chOff x="0" y="0"/>
+          <a:chExt cx="0" cy="0"/>
+        </a:xfrm>
+      </p:grpSpPr>
+      <p:sp>
+        <p:nvSpPr>
+          <p:cNvPr id="2" name="Title 1">
+            <a:extLst>
+              <a:ext uri="{FF2B5EF4-FFF2-40B4-BE49-F238E27FC236}">
+                <a16:creationId xmlns:a16="http://schemas.microsoft.com/office/drawing/2014/main" id="{526747FF-D7FB-4FD0-9096-897CDC0B9157}"/>
+              </a:ext>
+            </a:extLst>
+          </p:cNvPr>
+          <p:cNvSpPr>
+            <a:spLocks noGrp="1"/>
+          </p:cNvSpPr>
+          <p:nvPr>
+            <p:ph type="title"/>
+          </p:nvPr>
+        </p:nvSpPr>
+        <p:spPr/>
+        <p:txBody>
+          <a:bodyPr/>
+          <a:lstStyle/>
+          <a:p>
+            <a:r>
+              <a:rPr lang="en-US" dirty="0"/>
+              <a:t>Hands On</a:t>
+            </a:r>
+          </a:p>
+        </p:txBody>
+      </p:sp>
+      <p:sp>
+        <p:nvSpPr>
+          <p:cNvPr id="3" name="Content Placeholder 2">
+            <a:extLst>
+              <a:ext uri="{FF2B5EF4-FFF2-40B4-BE49-F238E27FC236}">
+                <a16:creationId xmlns:a16="http://schemas.microsoft.com/office/drawing/2014/main" id="{D3698E1F-E607-486A-9AC1-7FA984F129C5}"/>
+              </a:ext>
+            </a:extLst>
+          </p:cNvPr>
+          <p:cNvSpPr>
+            <a:spLocks noGrp="1"/>
+          </p:cNvSpPr>
+          <p:nvPr>
+            <p:ph idx="1"/>
+          </p:nvPr>
+        </p:nvSpPr>
+        <p:spPr/>
+        <p:txBody>
+          <a:bodyPr/>
+          <a:lstStyle/>
+          <a:p>
+            <a:r>
+              <a:rPr lang="en-US" dirty="0"/>
+              <a:t>Authenticate with our Sisense server</a:t>
+            </a:r>
+          </a:p>
+          <a:p>
+            <a:r>
+              <a:rPr lang="en-US" dirty="0"/>
+              <a:t>Create a user and add a security rule</a:t>
+            </a:r>
+          </a:p>
+          <a:p>
+            <a:r>
+              <a:rPr lang="en-US" dirty="0"/>
+              <a:t>Download our dashboards</a:t>
+            </a:r>
+          </a:p>
+          <a:p>
+            <a:r>
+              <a:rPr lang="en-US" dirty="0">
+                <a:hlinkClick r:id="rId2"/>
+              </a:rPr>
+              <a:t>https://github.com/nathangiusti/PySense/tree/master/Snippets</a:t>
+            </a:r>
+            <a:endParaRPr lang="en-US" dirty="0"/>
+          </a:p>
+        </p:txBody>
+      </p:sp>
+    </p:spTree>
+    <p:extLst>
+      <p:ext uri="{BB962C8B-B14F-4D97-AF65-F5344CB8AC3E}">
+        <p14:creationId xmlns:p14="http://schemas.microsoft.com/office/powerpoint/2010/main" val="3867761439"/>
+      </p:ext>
+    </p:extLst>
+  </p:cSld>
+  <p:clrMapOvr>
+    <a:masterClrMapping/>
+  </p:clrMapOvr>
+  <mc:AlternateContent xmlns:mc="http://schemas.openxmlformats.org/markup-compatibility/2006" xmlns:p14="http://schemas.microsoft.com/office/powerpoint/2010/main">
+    <mc:Choice Requires="p14">
+      <p:transition spd="med" p14:dur="700">
+        <p:fade/>
+      </p:transition>
+    </mc:Choice>
+    <mc:Fallback xmlns="">
+      <p:transition spd="med">
+        <p:fade/>
+      </p:transition>
+    </mc:Fallback>
+  </mc:AlternateContent>
+</p:sld>
+</file>
+
+<file path=ppt/slides/slide12.xml><?xml version="1.0" encoding="utf-8"?>
+<p:sld xmlns:a="http://schemas.openxmlformats.org/drawingml/2006/main" xmlns:r="http://schemas.openxmlformats.org/officeDocument/2006/relationships" xmlns:p="http://schemas.openxmlformats.org/presentationml/2006/main">
+  <p:cSld>
+    <p:spTree>
+      <p:nvGrpSpPr>
+        <p:cNvPr id="1" name=""/>
+        <p:cNvGrpSpPr/>
+        <p:nvPr/>
+      </p:nvGrpSpPr>
+      <p:grpSpPr>
+        <a:xfrm>
+          <a:off x="0" y="0"/>
+          <a:ext cx="0" cy="0"/>
+          <a:chOff x="0" y="0"/>
+          <a:chExt cx="0" cy="0"/>
+        </a:xfrm>
+      </p:grpSpPr>
+      <p:sp>
+        <p:nvSpPr>
+          <p:cNvPr id="7" name="Title 6"/>
+          <p:cNvSpPr>
+            <a:spLocks noGrp="1"/>
+          </p:cNvSpPr>
+          <p:nvPr>
+            <p:ph type="title"/>
+          </p:nvPr>
+        </p:nvSpPr>
+        <p:spPr/>
+        <p:txBody>
+          <a:bodyPr/>
+          <a:lstStyle/>
+          <a:p>
+            <a:r>
+              <a:rPr lang="en-US" dirty="0"/>
+              <a:t>Authentication</a:t>
+            </a:r>
+          </a:p>
+        </p:txBody>
+      </p:sp>
+      <p:sp>
+        <p:nvSpPr>
+          <p:cNvPr id="3" name="Content Placeholder 2">
+            <a:extLst>
+              <a:ext uri="{FF2B5EF4-FFF2-40B4-BE49-F238E27FC236}">
+                <a16:creationId xmlns:a16="http://schemas.microsoft.com/office/drawing/2014/main" id="{2ED27052-9A29-48B4-B0EC-AD50D2AF88EF}"/>
+              </a:ext>
+            </a:extLst>
+          </p:cNvPr>
+          <p:cNvSpPr>
+            <a:spLocks noGrp="1"/>
+          </p:cNvSpPr>
+          <p:nvPr>
+            <p:ph idx="1"/>
+          </p:nvPr>
+        </p:nvSpPr>
+        <p:spPr/>
+        <p:txBody>
+          <a:bodyPr>
+            <a:normAutofit/>
+          </a:bodyPr>
+          <a:lstStyle/>
+          <a:p>
+            <a:r>
+              <a:rPr lang="en-US" dirty="0"/>
+              <a:t>We must log in to Sisense via API as we would if we were logging in to the web. </a:t>
+            </a:r>
+          </a:p>
+          <a:p>
+            <a:r>
+              <a:rPr lang="en-US" dirty="0"/>
+              <a:t>Authentication returns us a </a:t>
+            </a:r>
+            <a:r>
+              <a:rPr lang="en-US" dirty="0" err="1"/>
+              <a:t>PySense</a:t>
+            </a:r>
+            <a:r>
+              <a:rPr lang="en-US" dirty="0"/>
+              <a:t> object which we name </a:t>
+            </a:r>
+            <a:r>
+              <a:rPr lang="en-US" dirty="0" err="1"/>
+              <a:t>py_client</a:t>
+            </a:r>
+            <a:endParaRPr lang="en-US" dirty="0"/>
+          </a:p>
+          <a:p>
+            <a:r>
+              <a:rPr lang="en-US" dirty="0"/>
+              <a:t>We can do this two ways</a:t>
+            </a:r>
+          </a:p>
+          <a:p>
+            <a:pPr lvl="1"/>
+            <a:r>
+              <a:rPr lang="en-US" dirty="0"/>
+              <a:t>Inline:</a:t>
+            </a:r>
+          </a:p>
+          <a:p>
+            <a:pPr lvl="1"/>
+            <a:r>
+              <a:rPr lang="en-US" dirty="0"/>
+              <a:t>From file: </a:t>
+            </a:r>
+          </a:p>
+          <a:p>
+            <a:pPr lvl="2"/>
+            <a:r>
+              <a:rPr lang="en-US" dirty="0" err="1"/>
+              <a:t>SampleConfig.yaml</a:t>
+            </a:r>
+            <a:r>
+              <a:rPr lang="en-US" dirty="0"/>
+              <a:t>:</a:t>
+            </a:r>
+          </a:p>
+        </p:txBody>
+      </p:sp>
+      <p:sp>
+        <p:nvSpPr>
+          <p:cNvPr id="5" name="Rectangle 2">
+            <a:extLst>
+              <a:ext uri="{FF2B5EF4-FFF2-40B4-BE49-F238E27FC236}">
+                <a16:creationId xmlns:a16="http://schemas.microsoft.com/office/drawing/2014/main" id="{874040FE-AF0A-43F7-A2F0-7977C9FFEDD1}"/>
+              </a:ext>
+            </a:extLst>
+          </p:cNvPr>
+          <p:cNvSpPr>
+            <a:spLocks noChangeArrowheads="1"/>
+          </p:cNvSpPr>
+          <p:nvPr/>
+        </p:nvSpPr>
+        <p:spPr bwMode="auto">
+          <a:xfrm>
+            <a:off x="2817812" y="4272599"/>
+            <a:ext cx="4648200" cy="230832"/>
+          </a:xfrm>
+          <a:prstGeom prst="rect">
+            <a:avLst/>
+          </a:prstGeom>
+          <a:solidFill>
+            <a:srgbClr val="2B2B2B"/>
+          </a:solidFill>
+          <a:ln>
+            <a:noFill/>
+          </a:ln>
+          <a:effectLst/>
+          <a:extLst>
+            <a:ext uri="{91240B29-F687-4F45-9708-019B960494DF}">
+              <a14:hiddenLine xmlns:a14="http://schemas.microsoft.com/office/drawing/2010/main" w="9525">
+                <a:solidFill>
+                  <a:schemeClr val="tx1"/>
+                </a:solidFill>
+                <a:miter lim="800000"/>
+                <a:headEnd/>
+                <a:tailEnd/>
+              </a14:hiddenLine>
+            </a:ext>
+            <a:ext uri="{AF507438-7753-43E0-B8FC-AC1667EBCBE1}">
+              <a14:hiddenEffects xmlns:a14="http://schemas.microsoft.com/office/drawing/2010/main">
+                <a:effectLst>
+                  <a:outerShdw dist="35921" dir="2700000" algn="ctr" rotWithShape="0">
+                    <a:schemeClr val="bg2"/>
+                  </a:outerShdw>
+                </a:effectLst>
+              </a14:hiddenEffects>
+            </a:ext>
+          </a:extLst>
+        </p:spPr>
+        <p:txBody>
+          <a:bodyPr vert="horz" wrap="square" lIns="91440" tIns="45720" rIns="91440" bIns="45720" numCol="1" anchor="ctr" anchorCtr="0" compatLnSpc="1">
+            <a:prstTxWarp prst="textNoShape">
+              <a:avLst/>
+            </a:prstTxWarp>
+            <a:spAutoFit/>
+          </a:bodyPr>
+          <a:lstStyle/>
+          <a:p>
+            <a:pPr marL="0" marR="0" lvl="0" indent="0" algn="l" defTabSz="914400" rtl="0" eaLnBrk="0" fontAlgn="base" latinLnBrk="0" hangingPunct="0">
+              <a:lnSpc>
+                <a:spcPct val="100000"/>
+              </a:lnSpc>
+              <a:spcBef>
+                <a:spcPct val="0"/>
+              </a:spcBef>
+              <a:spcAft>
+                <a:spcPct val="0"/>
+              </a:spcAft>
+              <a:buClrTx/>
+              <a:buSzTx/>
+              <a:buFontTx/>
+              <a:buNone/>
+              <a:tabLst/>
+            </a:pPr>
+            <a:r>
+              <a:rPr kumimoji="0" lang="en-US" altLang="en-US" sz="900" b="0" i="0" u="none" strike="noStrike" cap="none" normalizeH="0" baseline="0" dirty="0" err="1">
+                <a:ln>
+                  <a:noFill/>
+                </a:ln>
+                <a:solidFill>
+                  <a:srgbClr val="A9B7C6"/>
+                </a:solidFill>
+                <a:effectLst/>
+                <a:latin typeface="Consolas" panose="020B0609020204030204" pitchFamily="49" charset="0"/>
+              </a:rPr>
+              <a:t>py_client</a:t>
+            </a:r>
+            <a:r>
+              <a:rPr kumimoji="0" lang="en-US" altLang="en-US" sz="900" b="0" i="0" u="none" strike="noStrike" cap="none" normalizeH="0" baseline="0" dirty="0">
+                <a:ln>
+                  <a:noFill/>
+                </a:ln>
+                <a:solidFill>
+                  <a:srgbClr val="A9B7C6"/>
+                </a:solidFill>
+                <a:effectLst/>
+                <a:latin typeface="Consolas" panose="020B0609020204030204" pitchFamily="49" charset="0"/>
+              </a:rPr>
+              <a:t> = </a:t>
+            </a:r>
+            <a:r>
+              <a:rPr kumimoji="0" lang="en-US" altLang="en-US" sz="900" b="0" i="0" u="none" strike="noStrike" cap="none" normalizeH="0" baseline="0" dirty="0" err="1">
+                <a:ln>
+                  <a:noFill/>
+                </a:ln>
+                <a:solidFill>
+                  <a:srgbClr val="A9B7C6"/>
+                </a:solidFill>
+                <a:effectLst/>
+                <a:latin typeface="Consolas" panose="020B0609020204030204" pitchFamily="49" charset="0"/>
+              </a:rPr>
+              <a:t>PySense.PySense</a:t>
+            </a:r>
+            <a:r>
+              <a:rPr kumimoji="0" lang="en-US" altLang="en-US" sz="900" b="0" i="0" u="none" strike="noStrike" cap="none" normalizeH="0" baseline="0" dirty="0">
+                <a:ln>
+                  <a:noFill/>
+                </a:ln>
+                <a:solidFill>
+                  <a:srgbClr val="A9B7C6"/>
+                </a:solidFill>
+                <a:effectLst/>
+                <a:latin typeface="Consolas" panose="020B0609020204030204" pitchFamily="49" charset="0"/>
+              </a:rPr>
+              <a:t>(</a:t>
+            </a:r>
+            <a:r>
+              <a:rPr kumimoji="0" lang="en-US" altLang="en-US" sz="900" b="0" i="0" u="none" strike="noStrike" cap="none" normalizeH="0" baseline="0" dirty="0">
+                <a:ln>
+                  <a:noFill/>
+                </a:ln>
+                <a:solidFill>
+                  <a:srgbClr val="6A8759"/>
+                </a:solidFill>
+                <a:effectLst/>
+                <a:latin typeface="Consolas" panose="020B0609020204030204" pitchFamily="49" charset="0"/>
+              </a:rPr>
+              <a:t>‘localhost’</a:t>
+            </a:r>
+            <a:r>
+              <a:rPr kumimoji="0" lang="en-US" altLang="en-US" sz="900" b="0" i="0" u="none" strike="noStrike" cap="none" normalizeH="0" baseline="0" dirty="0">
+                <a:ln>
+                  <a:noFill/>
+                </a:ln>
+                <a:solidFill>
+                  <a:srgbClr val="CC7832"/>
+                </a:solidFill>
+                <a:effectLst/>
+                <a:latin typeface="Consolas" panose="020B0609020204030204" pitchFamily="49" charset="0"/>
+              </a:rPr>
+              <a:t>, </a:t>
+            </a:r>
+            <a:r>
+              <a:rPr kumimoji="0" lang="en-US" altLang="en-US" sz="900" b="0" i="0" u="none" strike="noStrike" cap="none" normalizeH="0" baseline="0" dirty="0">
+                <a:ln>
+                  <a:noFill/>
+                </a:ln>
+                <a:solidFill>
+                  <a:srgbClr val="6A8759"/>
+                </a:solidFill>
+                <a:effectLst/>
+                <a:latin typeface="Consolas" panose="020B0609020204030204" pitchFamily="49" charset="0"/>
+              </a:rPr>
+              <a:t>‘</a:t>
+            </a:r>
+            <a:r>
+              <a:rPr kumimoji="0" lang="en-US" altLang="en-US" sz="900" b="0" i="0" u="none" strike="noStrike" cap="none" normalizeH="0" baseline="0" dirty="0" err="1">
+                <a:ln>
+                  <a:noFill/>
+                </a:ln>
+                <a:solidFill>
+                  <a:srgbClr val="6A8759"/>
+                </a:solidFill>
+                <a:effectLst/>
+                <a:latin typeface="Consolas" panose="020B0609020204030204" pitchFamily="49" charset="0"/>
+              </a:rPr>
+              <a:t>myusername</a:t>
+            </a:r>
+            <a:r>
+              <a:rPr kumimoji="0" lang="en-US" altLang="en-US" sz="900" b="0" i="0" u="none" strike="noStrike" cap="none" normalizeH="0" baseline="0" dirty="0">
+                <a:ln>
+                  <a:noFill/>
+                </a:ln>
+                <a:solidFill>
+                  <a:srgbClr val="6A8759"/>
+                </a:solidFill>
+                <a:effectLst/>
+                <a:latin typeface="Consolas" panose="020B0609020204030204" pitchFamily="49" charset="0"/>
+              </a:rPr>
+              <a:t>’</a:t>
+            </a:r>
+            <a:r>
+              <a:rPr kumimoji="0" lang="en-US" altLang="en-US" sz="900" b="0" i="0" u="none" strike="noStrike" cap="none" normalizeH="0" baseline="0" dirty="0">
+                <a:ln>
+                  <a:noFill/>
+                </a:ln>
+                <a:solidFill>
+                  <a:srgbClr val="CC7832"/>
+                </a:solidFill>
+                <a:effectLst/>
+                <a:latin typeface="Consolas" panose="020B0609020204030204" pitchFamily="49" charset="0"/>
+              </a:rPr>
+              <a:t>, </a:t>
+            </a:r>
+            <a:r>
+              <a:rPr kumimoji="0" lang="en-US" altLang="en-US" sz="900" b="0" i="0" u="none" strike="noStrike" cap="none" normalizeH="0" baseline="0" dirty="0">
+                <a:ln>
+                  <a:noFill/>
+                </a:ln>
+                <a:solidFill>
+                  <a:srgbClr val="6A8759"/>
+                </a:solidFill>
+                <a:effectLst/>
+                <a:latin typeface="Consolas" panose="020B0609020204030204" pitchFamily="49" charset="0"/>
+              </a:rPr>
+              <a:t>‘</a:t>
+            </a:r>
+            <a:r>
+              <a:rPr kumimoji="0" lang="en-US" altLang="en-US" sz="900" b="0" i="0" u="none" strike="noStrike" cap="none" normalizeH="0" baseline="0" dirty="0" err="1">
+                <a:ln>
+                  <a:noFill/>
+                </a:ln>
+                <a:solidFill>
+                  <a:srgbClr val="6A8759"/>
+                </a:solidFill>
+                <a:effectLst/>
+                <a:latin typeface="Consolas" panose="020B0609020204030204" pitchFamily="49" charset="0"/>
+              </a:rPr>
+              <a:t>mypassword</a:t>
+            </a:r>
+            <a:r>
+              <a:rPr kumimoji="0" lang="en-US" altLang="en-US" sz="900" b="0" i="0" u="none" strike="noStrike" cap="none" normalizeH="0" baseline="0" dirty="0">
+                <a:ln>
+                  <a:noFill/>
+                </a:ln>
+                <a:solidFill>
+                  <a:srgbClr val="6A8759"/>
+                </a:solidFill>
+                <a:effectLst/>
+                <a:latin typeface="Consolas" panose="020B0609020204030204" pitchFamily="49" charset="0"/>
+              </a:rPr>
+              <a:t>'</a:t>
+            </a:r>
+            <a:r>
+              <a:rPr kumimoji="0" lang="en-US" altLang="en-US" sz="900" b="0" i="0" u="none" strike="noStrike" cap="none" normalizeH="0" baseline="0" dirty="0">
+                <a:ln>
+                  <a:noFill/>
+                </a:ln>
+                <a:solidFill>
+                  <a:srgbClr val="A9B7C6"/>
+                </a:solidFill>
+                <a:effectLst/>
+                <a:latin typeface="Consolas" panose="020B0609020204030204" pitchFamily="49" charset="0"/>
+              </a:rPr>
+              <a:t>)</a:t>
+            </a:r>
+            <a:endParaRPr kumimoji="0" lang="en-US" altLang="en-US" sz="1800" b="0" i="0" u="none" strike="noStrike" cap="none" normalizeH="0" baseline="0" dirty="0">
+              <a:ln>
+                <a:noFill/>
+              </a:ln>
+              <a:solidFill>
+                <a:schemeClr val="tx1"/>
+              </a:solidFill>
+              <a:effectLst/>
+              <a:latin typeface="Arial" panose="020B0604020202020204" pitchFamily="34" charset="0"/>
+            </a:endParaRPr>
+          </a:p>
+        </p:txBody>
+      </p:sp>
+      <p:sp>
+        <p:nvSpPr>
+          <p:cNvPr id="6" name="Rectangle 3">
+            <a:extLst>
+              <a:ext uri="{FF2B5EF4-FFF2-40B4-BE49-F238E27FC236}">
+                <a16:creationId xmlns:a16="http://schemas.microsoft.com/office/drawing/2014/main" id="{889F68C9-6A2D-49FA-B681-412795B0B0E5}"/>
+              </a:ext>
+            </a:extLst>
+          </p:cNvPr>
+          <p:cNvSpPr>
+            <a:spLocks noChangeArrowheads="1"/>
+          </p:cNvSpPr>
+          <p:nvPr/>
+        </p:nvSpPr>
+        <p:spPr bwMode="auto">
+          <a:xfrm>
+            <a:off x="3198812" y="4633077"/>
+            <a:ext cx="4114800" cy="230832"/>
+          </a:xfrm>
+          <a:prstGeom prst="rect">
+            <a:avLst/>
+          </a:prstGeom>
+          <a:solidFill>
+            <a:srgbClr val="2B2B2B"/>
+          </a:solidFill>
+          <a:ln>
+            <a:noFill/>
+          </a:ln>
+          <a:effectLst/>
+          <a:extLst>
+            <a:ext uri="{91240B29-F687-4F45-9708-019B960494DF}">
+              <a14:hiddenLine xmlns:a14="http://schemas.microsoft.com/office/drawing/2010/main" w="9525">
+                <a:solidFill>
+                  <a:schemeClr val="tx1"/>
+                </a:solidFill>
+                <a:miter lim="800000"/>
+                <a:headEnd/>
+                <a:tailEnd/>
+              </a14:hiddenLine>
+            </a:ext>
+            <a:ext uri="{AF507438-7753-43E0-B8FC-AC1667EBCBE1}">
+              <a14:hiddenEffects xmlns:a14="http://schemas.microsoft.com/office/drawing/2010/main">
+                <a:effectLst>
+                  <a:outerShdw dist="35921" dir="2700000" algn="ctr" rotWithShape="0">
+                    <a:schemeClr val="bg2"/>
+                  </a:outerShdw>
+                </a:effectLst>
+              </a14:hiddenEffects>
+            </a:ext>
+          </a:extLst>
+        </p:spPr>
+        <p:txBody>
+          <a:bodyPr vert="horz" wrap="square" lIns="91440" tIns="45720" rIns="91440" bIns="45720" numCol="1" anchor="ctr" anchorCtr="0" compatLnSpc="1">
+            <a:prstTxWarp prst="textNoShape">
+              <a:avLst/>
+            </a:prstTxWarp>
+            <a:spAutoFit/>
+          </a:bodyPr>
+          <a:lstStyle/>
+          <a:p>
+            <a:pPr marL="0" marR="0" lvl="0" indent="0" algn="l" defTabSz="914400" rtl="0" eaLnBrk="0" fontAlgn="base" latinLnBrk="0" hangingPunct="0">
+              <a:lnSpc>
+                <a:spcPct val="100000"/>
+              </a:lnSpc>
+              <a:spcBef>
+                <a:spcPct val="0"/>
+              </a:spcBef>
+              <a:spcAft>
+                <a:spcPct val="0"/>
+              </a:spcAft>
+              <a:buClrTx/>
+              <a:buSzTx/>
+              <a:buFontTx/>
+              <a:buNone/>
+              <a:tabLst/>
+            </a:pPr>
+            <a:r>
+              <a:rPr kumimoji="0" lang="en-US" altLang="en-US" sz="900" b="0" i="0" u="none" strike="noStrike" cap="none" normalizeH="0" baseline="0" dirty="0" err="1">
+                <a:ln>
+                  <a:noFill/>
+                </a:ln>
+                <a:solidFill>
+                  <a:srgbClr val="A9B7C6"/>
+                </a:solidFill>
+                <a:effectLst/>
+                <a:latin typeface="Consolas" panose="020B0609020204030204" pitchFamily="49" charset="0"/>
+              </a:rPr>
+              <a:t>py_client</a:t>
+            </a:r>
+            <a:r>
+              <a:rPr kumimoji="0" lang="en-US" altLang="en-US" sz="900" b="0" i="0" u="none" strike="noStrike" cap="none" normalizeH="0" baseline="0" dirty="0">
+                <a:ln>
+                  <a:noFill/>
+                </a:ln>
+                <a:solidFill>
+                  <a:srgbClr val="A9B7C6"/>
+                </a:solidFill>
+                <a:effectLst/>
+                <a:latin typeface="Consolas" panose="020B0609020204030204" pitchFamily="49" charset="0"/>
+              </a:rPr>
+              <a:t> = </a:t>
+            </a:r>
+            <a:r>
+              <a:rPr kumimoji="0" lang="en-US" altLang="en-US" sz="900" b="0" i="0" u="none" strike="noStrike" cap="none" normalizeH="0" baseline="0" dirty="0" err="1">
+                <a:ln>
+                  <a:noFill/>
+                </a:ln>
+                <a:solidFill>
+                  <a:srgbClr val="A9B7C6"/>
+                </a:solidFill>
+                <a:effectLst/>
+                <a:latin typeface="Consolas" panose="020B0609020204030204" pitchFamily="49" charset="0"/>
+              </a:rPr>
+              <a:t>PySense.authenticate_by_file</a:t>
+            </a:r>
+            <a:r>
+              <a:rPr kumimoji="0" lang="en-US" altLang="en-US" sz="900" b="0" i="0" u="none" strike="noStrike" cap="none" normalizeH="0" baseline="0" dirty="0">
+                <a:ln>
+                  <a:noFill/>
+                </a:ln>
+                <a:solidFill>
+                  <a:srgbClr val="A9B7C6"/>
+                </a:solidFill>
+                <a:effectLst/>
+                <a:latin typeface="Consolas" panose="020B0609020204030204" pitchFamily="49" charset="0"/>
+              </a:rPr>
+              <a:t>(</a:t>
+            </a:r>
+            <a:r>
+              <a:rPr kumimoji="0" lang="en-US" altLang="en-US" sz="900" b="0" i="0" u="none" strike="noStrike" cap="none" normalizeH="0" baseline="0" dirty="0">
+                <a:ln>
+                  <a:noFill/>
+                </a:ln>
+                <a:solidFill>
+                  <a:srgbClr val="6A8759"/>
+                </a:solidFill>
+                <a:effectLst/>
+                <a:latin typeface="Consolas" panose="020B0609020204030204" pitchFamily="49" charset="0"/>
+              </a:rPr>
+              <a:t>'</a:t>
+            </a:r>
+            <a:r>
+              <a:rPr kumimoji="0" lang="en-US" altLang="en-US" sz="900" b="0" i="0" u="none" strike="noStrike" cap="none" normalizeH="0" baseline="0" dirty="0" err="1">
+                <a:ln>
+                  <a:noFill/>
+                </a:ln>
+                <a:solidFill>
+                  <a:srgbClr val="6A8759"/>
+                </a:solidFill>
+                <a:effectLst/>
+                <a:latin typeface="Consolas" panose="020B0609020204030204" pitchFamily="49" charset="0"/>
+              </a:rPr>
+              <a:t>SampleConfig.yaml</a:t>
+            </a:r>
+            <a:r>
+              <a:rPr kumimoji="0" lang="en-US" altLang="en-US" sz="900" b="0" i="0" u="none" strike="noStrike" cap="none" normalizeH="0" baseline="0" dirty="0">
+                <a:ln>
+                  <a:noFill/>
+                </a:ln>
+                <a:solidFill>
+                  <a:srgbClr val="6A8759"/>
+                </a:solidFill>
+                <a:effectLst/>
+                <a:latin typeface="Consolas" panose="020B0609020204030204" pitchFamily="49" charset="0"/>
+              </a:rPr>
+              <a:t>'</a:t>
+            </a:r>
+            <a:r>
+              <a:rPr kumimoji="0" lang="en-US" altLang="en-US" sz="900" b="0" i="0" u="none" strike="noStrike" cap="none" normalizeH="0" baseline="0" dirty="0">
+                <a:ln>
+                  <a:noFill/>
+                </a:ln>
+                <a:solidFill>
+                  <a:srgbClr val="A9B7C6"/>
+                </a:solidFill>
+                <a:effectLst/>
+                <a:latin typeface="Consolas" panose="020B0609020204030204" pitchFamily="49" charset="0"/>
+              </a:rPr>
+              <a:t>)</a:t>
+            </a:r>
+            <a:endParaRPr kumimoji="0" lang="en-US" altLang="en-US" sz="1800" b="0" i="0" u="none" strike="noStrike" cap="none" normalizeH="0" baseline="0" dirty="0">
+              <a:ln>
+                <a:noFill/>
+              </a:ln>
+              <a:solidFill>
+                <a:schemeClr val="tx1"/>
+              </a:solidFill>
+              <a:effectLst/>
+              <a:latin typeface="Arial" panose="020B0604020202020204" pitchFamily="34" charset="0"/>
+            </a:endParaRPr>
+          </a:p>
+        </p:txBody>
+      </p:sp>
+      <p:sp>
+        <p:nvSpPr>
+          <p:cNvPr id="8" name="Rectangle 4">
+            <a:extLst>
+              <a:ext uri="{FF2B5EF4-FFF2-40B4-BE49-F238E27FC236}">
+                <a16:creationId xmlns:a16="http://schemas.microsoft.com/office/drawing/2014/main" id="{47AB30E1-ECBB-480B-A43D-3D0D5186D662}"/>
+              </a:ext>
+            </a:extLst>
+          </p:cNvPr>
+          <p:cNvSpPr>
+            <a:spLocks noChangeArrowheads="1"/>
+          </p:cNvSpPr>
+          <p:nvPr/>
+        </p:nvSpPr>
+        <p:spPr bwMode="auto">
+          <a:xfrm>
+            <a:off x="4341812" y="5079834"/>
+            <a:ext cx="2492990" cy="507831"/>
+          </a:xfrm>
+          <a:prstGeom prst="rect">
+            <a:avLst/>
+          </a:prstGeom>
+          <a:solidFill>
+            <a:srgbClr val="2B2B2B"/>
+          </a:solidFill>
+          <a:ln>
+            <a:noFill/>
+          </a:ln>
+          <a:effectLst/>
+          <a:extLst>
+            <a:ext uri="{91240B29-F687-4F45-9708-019B960494DF}">
+              <a14:hiddenLine xmlns:a14="http://schemas.microsoft.com/office/drawing/2010/main" w="9525">
+                <a:solidFill>
+                  <a:schemeClr val="tx1"/>
+                </a:solidFill>
+                <a:miter lim="800000"/>
+                <a:headEnd/>
+                <a:tailEnd/>
+              </a14:hiddenLine>
+            </a:ext>
+            <a:ext uri="{AF507438-7753-43E0-B8FC-AC1667EBCBE1}">
+              <a14:hiddenEffects xmlns:a14="http://schemas.microsoft.com/office/drawing/2010/main">
+                <a:effectLst>
+                  <a:outerShdw dist="35921" dir="2700000" algn="ctr" rotWithShape="0">
+                    <a:schemeClr val="bg2"/>
+                  </a:outerShdw>
+                </a:effectLst>
+              </a14:hiddenEffects>
+            </a:ext>
+          </a:extLst>
+        </p:spPr>
+        <p:txBody>
+          <a:bodyPr vert="horz" wrap="none" lIns="91440" tIns="45720" rIns="91440" bIns="45720" numCol="1" anchor="ctr" anchorCtr="0" compatLnSpc="1">
+            <a:prstTxWarp prst="textNoShape">
+              <a:avLst/>
+            </a:prstTxWarp>
+            <a:spAutoFit/>
+          </a:bodyPr>
+          <a:lstStyle/>
+          <a:p>
+            <a:pPr marL="0" marR="0" lvl="0" indent="0" algn="l" defTabSz="914400" rtl="0" eaLnBrk="0" fontAlgn="base" latinLnBrk="0" hangingPunct="0">
+              <a:lnSpc>
+                <a:spcPct val="100000"/>
+              </a:lnSpc>
+              <a:spcBef>
+                <a:spcPct val="0"/>
+              </a:spcBef>
+              <a:spcAft>
+                <a:spcPct val="0"/>
+              </a:spcAft>
+              <a:buClrTx/>
+              <a:buSzTx/>
+              <a:buFontTx/>
+              <a:buNone/>
+              <a:tabLst/>
+            </a:pPr>
+            <a:r>
+              <a:rPr kumimoji="0" lang="en-US" altLang="en-US" sz="900" b="0" i="0" u="none" strike="noStrike" cap="none" normalizeH="0" baseline="0" dirty="0">
+                <a:ln>
+                  <a:noFill/>
+                </a:ln>
+                <a:solidFill>
+                  <a:srgbClr val="CC7832"/>
+                </a:solidFill>
+                <a:effectLst/>
+                <a:latin typeface="Consolas" panose="020B0609020204030204" pitchFamily="49" charset="0"/>
+              </a:rPr>
+              <a:t>host</a:t>
+            </a:r>
+            <a:r>
+              <a:rPr kumimoji="0" lang="en-US" altLang="en-US" sz="900" b="0" i="0" u="none" strike="noStrike" cap="none" normalizeH="0" baseline="0" dirty="0">
+                <a:ln>
+                  <a:noFill/>
+                </a:ln>
+                <a:solidFill>
+                  <a:srgbClr val="A9B7C6"/>
+                </a:solidFill>
+                <a:effectLst/>
+                <a:latin typeface="Consolas" panose="020B0609020204030204" pitchFamily="49" charset="0"/>
+              </a:rPr>
+              <a:t>: </a:t>
+            </a:r>
+            <a:r>
+              <a:rPr kumimoji="0" lang="en-US" altLang="en-US" sz="900" b="0" i="0" u="none" strike="noStrike" cap="none" normalizeH="0" baseline="0" dirty="0">
+                <a:ln>
+                  <a:noFill/>
+                </a:ln>
+                <a:solidFill>
+                  <a:srgbClr val="6A8759"/>
+                </a:solidFill>
+                <a:effectLst/>
+                <a:latin typeface="Consolas" panose="020B0609020204030204" pitchFamily="49" charset="0"/>
+              </a:rPr>
+              <a:t>'</a:t>
+            </a:r>
+            <a:r>
+              <a:rPr kumimoji="0" lang="en-US" altLang="en-US" sz="900" b="0" i="0" u="none" strike="noStrike" cap="none" normalizeH="0" baseline="0" dirty="0" err="1">
+                <a:ln>
+                  <a:noFill/>
+                </a:ln>
+                <a:solidFill>
+                  <a:srgbClr val="6A8759"/>
+                </a:solidFill>
+                <a:effectLst/>
+                <a:latin typeface="Consolas" panose="020B0609020204030204" pitchFamily="49" charset="0"/>
+              </a:rPr>
+              <a:t>your_host</a:t>
+            </a:r>
+            <a:r>
+              <a:rPr kumimoji="0" lang="en-US" altLang="en-US" sz="900" b="0" i="0" u="none" strike="noStrike" cap="none" normalizeH="0" baseline="0" dirty="0">
+                <a:ln>
+                  <a:noFill/>
+                </a:ln>
+                <a:solidFill>
+                  <a:srgbClr val="6A8759"/>
+                </a:solidFill>
+                <a:effectLst/>
+                <a:latin typeface="Consolas" panose="020B0609020204030204" pitchFamily="49" charset="0"/>
+              </a:rPr>
+              <a:t>'</a:t>
+            </a:r>
+            <a:br>
+              <a:rPr kumimoji="0" lang="en-US" altLang="en-US" sz="900" b="0" i="0" u="none" strike="noStrike" cap="none" normalizeH="0" baseline="0" dirty="0">
+                <a:ln>
+                  <a:noFill/>
+                </a:ln>
+                <a:solidFill>
+                  <a:srgbClr val="6A8759"/>
+                </a:solidFill>
+                <a:effectLst/>
+                <a:latin typeface="Consolas" panose="020B0609020204030204" pitchFamily="49" charset="0"/>
+              </a:rPr>
+            </a:br>
+            <a:r>
+              <a:rPr kumimoji="0" lang="en-US" altLang="en-US" sz="900" b="0" i="0" u="none" strike="noStrike" cap="none" normalizeH="0" baseline="0" dirty="0">
+                <a:ln>
+                  <a:noFill/>
+                </a:ln>
+                <a:solidFill>
+                  <a:srgbClr val="CC7832"/>
+                </a:solidFill>
+                <a:effectLst/>
+                <a:latin typeface="Consolas" panose="020B0609020204030204" pitchFamily="49" charset="0"/>
+              </a:rPr>
+              <a:t>username</a:t>
+            </a:r>
+            <a:r>
+              <a:rPr kumimoji="0" lang="en-US" altLang="en-US" sz="900" b="0" i="0" u="none" strike="noStrike" cap="none" normalizeH="0" baseline="0" dirty="0">
+                <a:ln>
+                  <a:noFill/>
+                </a:ln>
+                <a:solidFill>
+                  <a:srgbClr val="A9B7C6"/>
+                </a:solidFill>
+                <a:effectLst/>
+                <a:latin typeface="Consolas" panose="020B0609020204030204" pitchFamily="49" charset="0"/>
+              </a:rPr>
+              <a:t>: </a:t>
+            </a:r>
+            <a:r>
+              <a:rPr kumimoji="0" lang="en-US" altLang="en-US" sz="900" b="0" i="0" u="none" strike="noStrike" cap="none" normalizeH="0" baseline="0" dirty="0">
+                <a:ln>
+                  <a:noFill/>
+                </a:ln>
+                <a:solidFill>
+                  <a:srgbClr val="6A8759"/>
+                </a:solidFill>
+                <a:effectLst/>
+                <a:latin typeface="Consolas" panose="020B0609020204030204" pitchFamily="49" charset="0"/>
+              </a:rPr>
+              <a:t>'your_username@sample.com'</a:t>
+            </a:r>
+            <a:br>
+              <a:rPr kumimoji="0" lang="en-US" altLang="en-US" sz="900" b="0" i="0" u="none" strike="noStrike" cap="none" normalizeH="0" baseline="0" dirty="0">
+                <a:ln>
+                  <a:noFill/>
+                </a:ln>
+                <a:solidFill>
+                  <a:srgbClr val="6A8759"/>
+                </a:solidFill>
+                <a:effectLst/>
+                <a:latin typeface="Consolas" panose="020B0609020204030204" pitchFamily="49" charset="0"/>
+              </a:rPr>
+            </a:br>
+            <a:r>
+              <a:rPr kumimoji="0" lang="en-US" altLang="en-US" sz="900" b="0" i="0" u="none" strike="noStrike" cap="none" normalizeH="0" baseline="0" dirty="0">
+                <a:ln>
+                  <a:noFill/>
+                </a:ln>
+                <a:solidFill>
+                  <a:srgbClr val="CC7832"/>
+                </a:solidFill>
+                <a:effectLst/>
+                <a:latin typeface="Consolas" panose="020B0609020204030204" pitchFamily="49" charset="0"/>
+              </a:rPr>
+              <a:t>password</a:t>
+            </a:r>
+            <a:r>
+              <a:rPr kumimoji="0" lang="en-US" altLang="en-US" sz="900" b="0" i="0" u="none" strike="noStrike" cap="none" normalizeH="0" baseline="0" dirty="0">
+                <a:ln>
+                  <a:noFill/>
+                </a:ln>
+                <a:solidFill>
+                  <a:srgbClr val="A9B7C6"/>
+                </a:solidFill>
+                <a:effectLst/>
+                <a:latin typeface="Consolas" panose="020B0609020204030204" pitchFamily="49" charset="0"/>
+              </a:rPr>
+              <a:t>: </a:t>
+            </a:r>
+            <a:r>
+              <a:rPr kumimoji="0" lang="en-US" altLang="en-US" sz="900" b="0" i="0" u="none" strike="noStrike" cap="none" normalizeH="0" baseline="0" dirty="0">
+                <a:ln>
+                  <a:noFill/>
+                </a:ln>
+                <a:solidFill>
+                  <a:srgbClr val="6A8759"/>
+                </a:solidFill>
+                <a:effectLst/>
+                <a:latin typeface="Consolas" panose="020B0609020204030204" pitchFamily="49" charset="0"/>
+              </a:rPr>
+              <a:t>'</a:t>
+            </a:r>
+            <a:r>
+              <a:rPr kumimoji="0" lang="en-US" altLang="en-US" sz="900" b="0" i="0" u="none" strike="noStrike" cap="none" normalizeH="0" baseline="0" dirty="0" err="1">
+                <a:ln>
+                  <a:noFill/>
+                </a:ln>
+                <a:solidFill>
+                  <a:srgbClr val="6A8759"/>
+                </a:solidFill>
+                <a:effectLst/>
+                <a:latin typeface="Consolas" panose="020B0609020204030204" pitchFamily="49" charset="0"/>
+              </a:rPr>
+              <a:t>your_password</a:t>
+            </a:r>
+            <a:r>
+              <a:rPr kumimoji="0" lang="en-US" altLang="en-US" sz="900" b="0" i="0" u="none" strike="noStrike" cap="none" normalizeH="0" baseline="0" dirty="0">
+                <a:ln>
+                  <a:noFill/>
+                </a:ln>
+                <a:solidFill>
+                  <a:srgbClr val="6A8759"/>
+                </a:solidFill>
+                <a:effectLst/>
+                <a:latin typeface="Consolas" panose="020B0609020204030204" pitchFamily="49" charset="0"/>
+              </a:rPr>
+              <a:t>'</a:t>
+            </a:r>
+            <a:endParaRPr kumimoji="0" lang="en-US" altLang="en-US" sz="1800" b="0" i="0" u="none" strike="noStrike" cap="none" normalizeH="0" baseline="0" dirty="0">
+              <a:ln>
+                <a:noFill/>
+              </a:ln>
+              <a:solidFill>
+                <a:schemeClr val="tx1"/>
+              </a:solidFill>
+              <a:effectLst/>
+              <a:latin typeface="Arial" panose="020B0604020202020204" pitchFamily="34" charset="0"/>
+            </a:endParaRPr>
+          </a:p>
+        </p:txBody>
+      </p:sp>
+    </p:spTree>
+    <p:extLst>
+      <p:ext uri="{BB962C8B-B14F-4D97-AF65-F5344CB8AC3E}">
+        <p14:creationId xmlns:p14="http://schemas.microsoft.com/office/powerpoint/2010/main" val="1484811712"/>
+      </p:ext>
+    </p:extLst>
+  </p:cSld>
+  <p:clrMapOvr>
+    <a:masterClrMapping/>
+  </p:clrMapOvr>
+  <mc:AlternateContent xmlns:mc="http://schemas.openxmlformats.org/markup-compatibility/2006" xmlns:p14="http://schemas.microsoft.com/office/powerpoint/2010/main">
+    <mc:Choice Requires="p14">
+      <p:transition spd="med" p14:dur="700">
+        <p:fade/>
+      </p:transition>
+    </mc:Choice>
+    <mc:Fallback xmlns="">
+      <p:transition spd="med">
+        <p:fade/>
+      </p:transition>
+    </mc:Fallback>
+  </mc:AlternateContent>
+</p:sld>
+</file>
+
+<file path=ppt/slides/slide13.xml><?xml version="1.0" encoding="utf-8"?>
+<p:sld xmlns:a="http://schemas.openxmlformats.org/drawingml/2006/main" xmlns:r="http://schemas.openxmlformats.org/officeDocument/2006/relationships" xmlns:p="http://schemas.openxmlformats.org/presentationml/2006/main">
+  <p:cSld>
+    <p:spTree>
+      <p:nvGrpSpPr>
+        <p:cNvPr id="1" name=""/>
+        <p:cNvGrpSpPr/>
+        <p:nvPr/>
+      </p:nvGrpSpPr>
+      <p:grpSpPr>
+        <a:xfrm>
+          <a:off x="0" y="0"/>
+          <a:ext cx="0" cy="0"/>
+          <a:chOff x="0" y="0"/>
+          <a:chExt cx="0" cy="0"/>
+        </a:xfrm>
+      </p:grpSpPr>
+      <p:sp>
+        <p:nvSpPr>
+          <p:cNvPr id="2" name="Title 1">
+            <a:extLst>
+              <a:ext uri="{FF2B5EF4-FFF2-40B4-BE49-F238E27FC236}">
+                <a16:creationId xmlns:a16="http://schemas.microsoft.com/office/drawing/2014/main" id="{0BE2205E-5DEB-4BCD-8512-D666ABFCA9C9}"/>
+              </a:ext>
+            </a:extLst>
+          </p:cNvPr>
+          <p:cNvSpPr>
+            <a:spLocks noGrp="1"/>
+          </p:cNvSpPr>
+          <p:nvPr>
+            <p:ph type="title"/>
+          </p:nvPr>
+        </p:nvSpPr>
+        <p:spPr/>
+        <p:txBody>
+          <a:bodyPr/>
+          <a:lstStyle/>
+          <a:p>
+            <a:r>
+              <a:rPr lang="en-US" dirty="0"/>
+              <a:t>Exercise One</a:t>
+            </a:r>
+          </a:p>
+        </p:txBody>
+      </p:sp>
+      <p:sp>
+        <p:nvSpPr>
+          <p:cNvPr id="3" name="Content Placeholder 2">
+            <a:extLst>
+              <a:ext uri="{FF2B5EF4-FFF2-40B4-BE49-F238E27FC236}">
+                <a16:creationId xmlns:a16="http://schemas.microsoft.com/office/drawing/2014/main" id="{0238A855-4BC3-47B1-8DA3-2C311D0D14AF}"/>
+              </a:ext>
+            </a:extLst>
+          </p:cNvPr>
+          <p:cNvSpPr>
+            <a:spLocks noGrp="1"/>
+          </p:cNvSpPr>
+          <p:nvPr>
+            <p:ph idx="1"/>
+          </p:nvPr>
+        </p:nvSpPr>
+        <p:spPr/>
+        <p:txBody>
+          <a:bodyPr/>
+          <a:lstStyle/>
+          <a:p>
+            <a:r>
+              <a:rPr lang="en-US" dirty="0"/>
+              <a:t>Authenticate with your Sisense server. </a:t>
+            </a:r>
+          </a:p>
+          <a:p>
+            <a:r>
+              <a:rPr lang="en-US" dirty="0"/>
+              <a:t>Call the </a:t>
+            </a:r>
+            <a:r>
+              <a:rPr lang="en-US" dirty="0" err="1"/>
+              <a:t>get_role_id</a:t>
+            </a:r>
+            <a:r>
+              <a:rPr lang="en-US" dirty="0"/>
+              <a:t> method and print the role id for any role (Viewer, Admin, </a:t>
+            </a:r>
+            <a:r>
+              <a:rPr lang="en-US" dirty="0" err="1"/>
+              <a:t>etc</a:t>
+            </a:r>
+            <a:r>
+              <a:rPr lang="en-US" dirty="0"/>
+              <a:t>).</a:t>
+            </a:r>
+          </a:p>
+          <a:p>
+            <a:endParaRPr lang="en-US" dirty="0"/>
+          </a:p>
+        </p:txBody>
+      </p:sp>
+    </p:spTree>
+    <p:extLst>
+      <p:ext uri="{BB962C8B-B14F-4D97-AF65-F5344CB8AC3E}">
+        <p14:creationId xmlns:p14="http://schemas.microsoft.com/office/powerpoint/2010/main" val="1790644778"/>
+      </p:ext>
+    </p:extLst>
+  </p:cSld>
+  <p:clrMapOvr>
+    <a:masterClrMapping/>
+  </p:clrMapOvr>
+  <mc:AlternateContent xmlns:mc="http://schemas.openxmlformats.org/markup-compatibility/2006" xmlns:p14="http://schemas.microsoft.com/office/powerpoint/2010/main">
+    <mc:Choice Requires="p14">
+      <p:transition spd="med" p14:dur="700">
+        <p:fade/>
+      </p:transition>
+    </mc:Choice>
+    <mc:Fallback xmlns="">
+      <p:transition spd="med">
+        <p:fade/>
+      </p:transition>
+    </mc:Fallback>
+  </mc:AlternateContent>
+</p:sld>
+</file>
+
+<file path=ppt/slides/slide14.xml><?xml version="1.0" encoding="utf-8"?>
+<p:sld xmlns:a="http://schemas.openxmlformats.org/drawingml/2006/main" xmlns:r="http://schemas.openxmlformats.org/officeDocument/2006/relationships" xmlns:p="http://schemas.openxmlformats.org/presentationml/2006/main">
+  <p:cSld>
+    <p:spTree>
+      <p:nvGrpSpPr>
+        <p:cNvPr id="1" name=""/>
+        <p:cNvGrpSpPr/>
+        <p:nvPr/>
+      </p:nvGrpSpPr>
+      <p:grpSpPr>
+        <a:xfrm>
+          <a:off x="0" y="0"/>
+          <a:ext cx="0" cy="0"/>
+          <a:chOff x="0" y="0"/>
+          <a:chExt cx="0" cy="0"/>
+        </a:xfrm>
+      </p:grpSpPr>
+      <p:sp>
+        <p:nvSpPr>
+          <p:cNvPr id="2" name="Title 1">
+            <a:extLst>
+              <a:ext uri="{FF2B5EF4-FFF2-40B4-BE49-F238E27FC236}">
+                <a16:creationId xmlns:a16="http://schemas.microsoft.com/office/drawing/2014/main" id="{F8B3AE6A-E00A-4A43-8D49-E68A735C4032}"/>
+              </a:ext>
+            </a:extLst>
+          </p:cNvPr>
+          <p:cNvSpPr>
+            <a:spLocks noGrp="1"/>
+          </p:cNvSpPr>
+          <p:nvPr>
+            <p:ph type="title"/>
+          </p:nvPr>
+        </p:nvSpPr>
+        <p:spPr/>
+        <p:txBody>
+          <a:bodyPr/>
+          <a:lstStyle/>
+          <a:p>
+            <a:r>
+              <a:rPr lang="en-US" dirty="0"/>
+              <a:t>Exercise One Solution</a:t>
+            </a:r>
+          </a:p>
+        </p:txBody>
+      </p:sp>
+      <p:pic>
+        <p:nvPicPr>
+          <p:cNvPr id="4" name="Picture 3">
+            <a:extLst>
+              <a:ext uri="{FF2B5EF4-FFF2-40B4-BE49-F238E27FC236}">
+                <a16:creationId xmlns:a16="http://schemas.microsoft.com/office/drawing/2014/main" id="{D7B669C5-294C-436C-A77D-36A3AA63E550}"/>
+              </a:ext>
+            </a:extLst>
+          </p:cNvPr>
+          <p:cNvPicPr>
+            <a:picLocks noChangeAspect="1"/>
+          </p:cNvPicPr>
+          <p:nvPr/>
+        </p:nvPicPr>
+        <p:blipFill>
+          <a:blip r:embed="rId2"/>
+          <a:stretch>
+            <a:fillRect/>
+          </a:stretch>
+        </p:blipFill>
+        <p:spPr>
+          <a:xfrm>
+            <a:off x="1214950" y="2136713"/>
+            <a:ext cx="6706536" cy="857370"/>
+          </a:xfrm>
+          <a:prstGeom prst="rect">
+            <a:avLst/>
+          </a:prstGeom>
+        </p:spPr>
+      </p:pic>
+      <p:pic>
+        <p:nvPicPr>
+          <p:cNvPr id="5" name="Picture 4">
+            <a:extLst>
+              <a:ext uri="{FF2B5EF4-FFF2-40B4-BE49-F238E27FC236}">
+                <a16:creationId xmlns:a16="http://schemas.microsoft.com/office/drawing/2014/main" id="{474EBC73-1306-4DCA-A719-4B6B512090F6}"/>
+              </a:ext>
+            </a:extLst>
+          </p:cNvPr>
+          <p:cNvPicPr>
+            <a:picLocks noChangeAspect="1"/>
+          </p:cNvPicPr>
+          <p:nvPr/>
+        </p:nvPicPr>
+        <p:blipFill>
+          <a:blip r:embed="rId3"/>
+          <a:stretch>
+            <a:fillRect/>
+          </a:stretch>
+        </p:blipFill>
+        <p:spPr>
+          <a:xfrm>
+            <a:off x="1214950" y="3193985"/>
+            <a:ext cx="10498015" cy="876422"/>
+          </a:xfrm>
+          <a:prstGeom prst="rect">
+            <a:avLst/>
+          </a:prstGeom>
+        </p:spPr>
+      </p:pic>
+    </p:spTree>
+    <p:extLst>
+      <p:ext uri="{BB962C8B-B14F-4D97-AF65-F5344CB8AC3E}">
+        <p14:creationId xmlns:p14="http://schemas.microsoft.com/office/powerpoint/2010/main" val="299945199"/>
+      </p:ext>
+    </p:extLst>
+  </p:cSld>
+  <p:clrMapOvr>
+    <a:masterClrMapping/>
+  </p:clrMapOvr>
+  <mc:AlternateContent xmlns:mc="http://schemas.openxmlformats.org/markup-compatibility/2006" xmlns:p14="http://schemas.microsoft.com/office/powerpoint/2010/main">
+    <mc:Choice Requires="p14">
+      <p:transition spd="med" p14:dur="700">
+        <p:fade/>
+      </p:transition>
+    </mc:Choice>
+    <mc:Fallback xmlns="">
+      <p:transition spd="med">
+        <p:fade/>
+      </p:transition>
+    </mc:Fallback>
+  </mc:AlternateContent>
+</p:sld>
+</file>
+
+<file path=ppt/slides/slide15.xml><?xml version="1.0" encoding="utf-8"?>
+<p:sld xmlns:a="http://schemas.openxmlformats.org/drawingml/2006/main" xmlns:r="http://schemas.openxmlformats.org/officeDocument/2006/relationships" xmlns:p="http://schemas.openxmlformats.org/presentationml/2006/main">
+  <p:cSld>
+    <p:spTree>
+      <p:nvGrpSpPr>
+        <p:cNvPr id="1" name=""/>
+        <p:cNvGrpSpPr/>
+        <p:nvPr/>
+      </p:nvGrpSpPr>
+      <p:grpSpPr>
+        <a:xfrm>
+          <a:off x="0" y="0"/>
+          <a:ext cx="0" cy="0"/>
+          <a:chOff x="0" y="0"/>
+          <a:chExt cx="0" cy="0"/>
+        </a:xfrm>
+      </p:grpSpPr>
+      <p:sp>
+        <p:nvSpPr>
+          <p:cNvPr id="2" name="Title 1">
+            <a:extLst>
+              <a:ext uri="{FF2B5EF4-FFF2-40B4-BE49-F238E27FC236}">
+                <a16:creationId xmlns:a16="http://schemas.microsoft.com/office/drawing/2014/main" id="{B80432DA-C568-494B-BC38-F0DF792A0B70}"/>
+              </a:ext>
+            </a:extLst>
+          </p:cNvPr>
+          <p:cNvSpPr>
+            <a:spLocks noGrp="1"/>
+          </p:cNvSpPr>
+          <p:nvPr>
+            <p:ph type="title"/>
+          </p:nvPr>
+        </p:nvSpPr>
+        <p:spPr/>
+        <p:txBody>
+          <a:bodyPr/>
+          <a:lstStyle/>
+          <a:p>
+            <a:r>
+              <a:rPr lang="en-US" dirty="0"/>
+              <a:t>The </a:t>
+            </a:r>
+            <a:r>
+              <a:rPr lang="en-US" dirty="0" err="1"/>
+              <a:t>PySense</a:t>
+            </a:r>
+            <a:r>
+              <a:rPr lang="en-US" dirty="0"/>
+              <a:t> object</a:t>
+            </a:r>
+          </a:p>
+        </p:txBody>
+      </p:sp>
+      <p:sp>
+        <p:nvSpPr>
+          <p:cNvPr id="3" name="Content Placeholder 2">
+            <a:extLst>
+              <a:ext uri="{FF2B5EF4-FFF2-40B4-BE49-F238E27FC236}">
+                <a16:creationId xmlns:a16="http://schemas.microsoft.com/office/drawing/2014/main" id="{40932187-EC80-40F9-8247-6A76F20E5CBB}"/>
+              </a:ext>
+            </a:extLst>
+          </p:cNvPr>
+          <p:cNvSpPr>
+            <a:spLocks noGrp="1"/>
+          </p:cNvSpPr>
+          <p:nvPr>
+            <p:ph idx="1"/>
+          </p:nvPr>
+        </p:nvSpPr>
+        <p:spPr/>
+        <p:txBody>
+          <a:bodyPr/>
+          <a:lstStyle/>
+          <a:p>
+            <a:r>
+              <a:rPr lang="en-US" dirty="0"/>
+              <a:t>The object created by authentication (</a:t>
+            </a:r>
+            <a:r>
+              <a:rPr lang="en-US" dirty="0" err="1"/>
+              <a:t>py_client</a:t>
+            </a:r>
+            <a:r>
+              <a:rPr lang="en-US" dirty="0"/>
+              <a:t>) in our example is our connection to our Sisense instance. </a:t>
+            </a:r>
+          </a:p>
+          <a:p>
+            <a:r>
+              <a:rPr lang="en-US" dirty="0"/>
+              <a:t>The </a:t>
+            </a:r>
+            <a:r>
+              <a:rPr lang="en-US" dirty="0" err="1"/>
+              <a:t>py_client</a:t>
+            </a:r>
+            <a:r>
+              <a:rPr lang="en-US" dirty="0"/>
+              <a:t> object is where we do things that involve the whole server, for example, adding users or retrieving dashboards and </a:t>
+            </a:r>
+            <a:r>
+              <a:rPr lang="en-US" dirty="0" err="1"/>
+              <a:t>elasticubes</a:t>
+            </a:r>
+            <a:r>
+              <a:rPr lang="en-US" dirty="0"/>
+              <a:t>. </a:t>
+            </a:r>
+          </a:p>
+          <a:p>
+            <a:r>
+              <a:rPr lang="en-US" dirty="0"/>
+              <a:t>See </a:t>
+            </a:r>
+            <a:r>
+              <a:rPr lang="en-US" dirty="0">
+                <a:hlinkClick r:id="rId2"/>
+              </a:rPr>
+              <a:t>documentation</a:t>
+            </a:r>
+            <a:r>
+              <a:rPr lang="en-US" dirty="0"/>
+              <a:t> for full list of features</a:t>
+            </a:r>
+          </a:p>
+        </p:txBody>
+      </p:sp>
+    </p:spTree>
+    <p:extLst>
+      <p:ext uri="{BB962C8B-B14F-4D97-AF65-F5344CB8AC3E}">
+        <p14:creationId xmlns:p14="http://schemas.microsoft.com/office/powerpoint/2010/main" val="2929755730"/>
+      </p:ext>
+    </p:extLst>
+  </p:cSld>
+  <p:clrMapOvr>
+    <a:masterClrMapping/>
+  </p:clrMapOvr>
+  <mc:AlternateContent xmlns:mc="http://schemas.openxmlformats.org/markup-compatibility/2006" xmlns:p14="http://schemas.microsoft.com/office/powerpoint/2010/main">
+    <mc:Choice Requires="p14">
+      <p:transition spd="med" p14:dur="700">
+        <p:fade/>
+      </p:transition>
+    </mc:Choice>
+    <mc:Fallback xmlns="">
+      <p:transition spd="med">
+        <p:fade/>
+      </p:transition>
+    </mc:Fallback>
+  </mc:AlternateContent>
+</p:sld>
+</file>
+
+<file path=ppt/slides/slide16.xml><?xml version="1.0" encoding="utf-8"?>
+<p:sld xmlns:a="http://schemas.openxmlformats.org/drawingml/2006/main" xmlns:r="http://schemas.openxmlformats.org/officeDocument/2006/relationships" xmlns:p="http://schemas.openxmlformats.org/presentationml/2006/main">
+  <p:cSld>
+    <p:spTree>
+      <p:nvGrpSpPr>
+        <p:cNvPr id="1" name=""/>
+        <p:cNvGrpSpPr/>
+        <p:nvPr/>
+      </p:nvGrpSpPr>
+      <p:grpSpPr>
+        <a:xfrm>
+          <a:off x="0" y="0"/>
+          <a:ext cx="0" cy="0"/>
+          <a:chOff x="0" y="0"/>
+          <a:chExt cx="0" cy="0"/>
+        </a:xfrm>
+      </p:grpSpPr>
+      <p:sp>
+        <p:nvSpPr>
+          <p:cNvPr id="2" name="Title 1">
+            <a:extLst>
+              <a:ext uri="{FF2B5EF4-FFF2-40B4-BE49-F238E27FC236}">
+                <a16:creationId xmlns:a16="http://schemas.microsoft.com/office/drawing/2014/main" id="{95699DB6-584C-430C-9192-7175835B8C34}"/>
+              </a:ext>
+            </a:extLst>
+          </p:cNvPr>
+          <p:cNvSpPr>
+            <a:spLocks noGrp="1"/>
+          </p:cNvSpPr>
+          <p:nvPr>
+            <p:ph type="title"/>
+          </p:nvPr>
+        </p:nvSpPr>
+        <p:spPr/>
+        <p:txBody>
+          <a:bodyPr/>
+          <a:lstStyle/>
+          <a:p>
+            <a:r>
+              <a:rPr lang="en-US" dirty="0"/>
+              <a:t>Users</a:t>
+            </a:r>
+          </a:p>
+        </p:txBody>
+      </p:sp>
+      <p:sp>
+        <p:nvSpPr>
+          <p:cNvPr id="3" name="Content Placeholder 2">
+            <a:extLst>
+              <a:ext uri="{FF2B5EF4-FFF2-40B4-BE49-F238E27FC236}">
+                <a16:creationId xmlns:a16="http://schemas.microsoft.com/office/drawing/2014/main" id="{505D94F6-E8E4-4CC7-80C6-966B6407CF2D}"/>
+              </a:ext>
+            </a:extLst>
+          </p:cNvPr>
+          <p:cNvSpPr>
+            <a:spLocks noGrp="1"/>
+          </p:cNvSpPr>
+          <p:nvPr>
+            <p:ph idx="1"/>
+          </p:nvPr>
+        </p:nvSpPr>
+        <p:spPr/>
+        <p:txBody>
+          <a:bodyPr/>
+          <a:lstStyle/>
+          <a:p>
+            <a:r>
+              <a:rPr lang="en-US" dirty="0"/>
+              <a:t>To add a user we call the </a:t>
+            </a:r>
+            <a:r>
+              <a:rPr lang="en-US" dirty="0" err="1"/>
+              <a:t>add_user</a:t>
+            </a:r>
+            <a:r>
+              <a:rPr lang="en-US" dirty="0"/>
+              <a:t> method on our </a:t>
+            </a:r>
+            <a:r>
+              <a:rPr lang="en-US" dirty="0" err="1"/>
+              <a:t>PySense</a:t>
+            </a:r>
+            <a:r>
+              <a:rPr lang="en-US" dirty="0"/>
+              <a:t> object with the user’s email and role. </a:t>
+            </a:r>
+          </a:p>
+          <a:p>
+            <a:r>
+              <a:rPr lang="en-US" dirty="0"/>
+              <a:t>Email and role are required but there are additional details we can set like so: </a:t>
+            </a:r>
+          </a:p>
+          <a:p>
+            <a:r>
+              <a:rPr lang="en-US" dirty="0"/>
+              <a:t>We can also use our </a:t>
+            </a:r>
+            <a:r>
+              <a:rPr lang="en-US" dirty="0" err="1"/>
+              <a:t>PySense</a:t>
+            </a:r>
+            <a:r>
+              <a:rPr lang="en-US" dirty="0"/>
+              <a:t> object to query for specific users or delete users. </a:t>
+            </a:r>
+          </a:p>
+          <a:p>
+            <a:r>
+              <a:rPr lang="en-US" dirty="0"/>
+              <a:t>To delete a user, we pass the user to our </a:t>
+            </a:r>
+            <a:r>
+              <a:rPr lang="en-US" dirty="0" err="1"/>
+              <a:t>delete_users</a:t>
+            </a:r>
+            <a:r>
+              <a:rPr lang="en-US" dirty="0"/>
+              <a:t> method. </a:t>
+            </a:r>
+          </a:p>
+        </p:txBody>
+      </p:sp>
+      <p:sp>
+        <p:nvSpPr>
+          <p:cNvPr id="4" name="Rectangle 1">
+            <a:extLst>
+              <a:ext uri="{FF2B5EF4-FFF2-40B4-BE49-F238E27FC236}">
+                <a16:creationId xmlns:a16="http://schemas.microsoft.com/office/drawing/2014/main" id="{55E3BABD-F12B-42A3-91E0-9470664B0B6E}"/>
+              </a:ext>
+            </a:extLst>
+          </p:cNvPr>
+          <p:cNvSpPr>
+            <a:spLocks noChangeArrowheads="1"/>
+          </p:cNvSpPr>
+          <p:nvPr/>
+        </p:nvSpPr>
+        <p:spPr bwMode="auto">
+          <a:xfrm>
+            <a:off x="6094412" y="2209800"/>
+            <a:ext cx="3276600" cy="230832"/>
+          </a:xfrm>
+          <a:prstGeom prst="rect">
+            <a:avLst/>
+          </a:prstGeom>
+          <a:solidFill>
+            <a:srgbClr val="2B2B2B"/>
+          </a:solidFill>
+          <a:ln>
+            <a:noFill/>
+          </a:ln>
+          <a:effectLst/>
+          <a:extLst>
+            <a:ext uri="{91240B29-F687-4F45-9708-019B960494DF}">
+              <a14:hiddenLine xmlns:a14="http://schemas.microsoft.com/office/drawing/2010/main" w="9525">
+                <a:solidFill>
+                  <a:schemeClr val="tx1"/>
+                </a:solidFill>
+                <a:miter lim="800000"/>
+                <a:headEnd/>
+                <a:tailEnd/>
+              </a14:hiddenLine>
+            </a:ext>
+            <a:ext uri="{AF507438-7753-43E0-B8FC-AC1667EBCBE1}">
+              <a14:hiddenEffects xmlns:a14="http://schemas.microsoft.com/office/drawing/2010/main">
+                <a:effectLst>
+                  <a:outerShdw dist="35921" dir="2700000" algn="ctr" rotWithShape="0">
+                    <a:schemeClr val="bg2"/>
+                  </a:outerShdw>
+                </a:effectLst>
+              </a14:hiddenEffects>
+            </a:ext>
+          </a:extLst>
+        </p:spPr>
+        <p:txBody>
+          <a:bodyPr vert="horz" wrap="square" lIns="91440" tIns="45720" rIns="91440" bIns="45720" numCol="1" anchor="ctr" anchorCtr="0" compatLnSpc="1">
+            <a:prstTxWarp prst="textNoShape">
+              <a:avLst/>
+            </a:prstTxWarp>
+            <a:spAutoFit/>
+          </a:bodyPr>
+          <a:lstStyle/>
+          <a:p>
+            <a:pPr marL="0" marR="0" lvl="0" indent="0" algn="l" defTabSz="914400" rtl="0" eaLnBrk="0" fontAlgn="base" latinLnBrk="0" hangingPunct="0">
+              <a:lnSpc>
+                <a:spcPct val="100000"/>
+              </a:lnSpc>
+              <a:spcBef>
+                <a:spcPct val="0"/>
+              </a:spcBef>
+              <a:spcAft>
+                <a:spcPct val="0"/>
+              </a:spcAft>
+              <a:buClrTx/>
+              <a:buSzTx/>
+              <a:buFontTx/>
+              <a:buNone/>
+              <a:tabLst/>
+            </a:pPr>
+            <a:r>
+              <a:rPr kumimoji="0" lang="en-US" altLang="en-US" sz="900" b="0" i="0" u="none" strike="noStrike" cap="none" normalizeH="0" baseline="0" dirty="0" err="1">
+                <a:ln>
+                  <a:noFill/>
+                </a:ln>
+                <a:solidFill>
+                  <a:srgbClr val="A9B7C6"/>
+                </a:solidFill>
+                <a:effectLst/>
+                <a:latin typeface="Consolas" panose="020B0609020204030204" pitchFamily="49" charset="0"/>
+              </a:rPr>
+              <a:t>py_client.add_user</a:t>
+            </a:r>
+            <a:r>
+              <a:rPr kumimoji="0" lang="en-US" altLang="en-US" sz="900" b="0" i="0" u="none" strike="noStrike" cap="none" normalizeH="0" baseline="0" dirty="0">
+                <a:ln>
+                  <a:noFill/>
+                </a:ln>
+                <a:solidFill>
+                  <a:srgbClr val="A9B7C6"/>
+                </a:solidFill>
+                <a:effectLst/>
+                <a:latin typeface="Consolas" panose="020B0609020204030204" pitchFamily="49" charset="0"/>
+              </a:rPr>
+              <a:t>(</a:t>
+            </a:r>
+            <a:r>
+              <a:rPr kumimoji="0" lang="en-US" altLang="en-US" sz="900" b="0" i="0" u="none" strike="noStrike" cap="none" normalizeH="0" baseline="0" dirty="0">
+                <a:ln>
+                  <a:noFill/>
+                </a:ln>
+                <a:solidFill>
+                  <a:srgbClr val="6A8759"/>
+                </a:solidFill>
+                <a:effectLst/>
+                <a:latin typeface="Consolas" panose="020B0609020204030204" pitchFamily="49" charset="0"/>
+              </a:rPr>
+              <a:t>'user@email.com'</a:t>
+            </a:r>
+            <a:r>
+              <a:rPr kumimoji="0" lang="en-US" altLang="en-US" sz="900" b="0" i="0" u="none" strike="noStrike" cap="none" normalizeH="0" baseline="0" dirty="0">
+                <a:ln>
+                  <a:noFill/>
+                </a:ln>
+                <a:solidFill>
+                  <a:srgbClr val="CC7832"/>
+                </a:solidFill>
+                <a:effectLst/>
+                <a:latin typeface="Consolas" panose="020B0609020204030204" pitchFamily="49" charset="0"/>
+              </a:rPr>
+              <a:t>, </a:t>
+            </a:r>
+            <a:r>
+              <a:rPr kumimoji="0" lang="en-US" altLang="en-US" sz="900" b="0" i="0" u="none" strike="noStrike" cap="none" normalizeH="0" baseline="0" dirty="0">
+                <a:ln>
+                  <a:noFill/>
+                </a:ln>
+                <a:solidFill>
+                  <a:srgbClr val="6A8759"/>
+                </a:solidFill>
+                <a:effectLst/>
+                <a:latin typeface="Consolas" panose="020B0609020204030204" pitchFamily="49" charset="0"/>
+              </a:rPr>
+              <a:t>'Viewer'</a:t>
+            </a:r>
+            <a:r>
+              <a:rPr kumimoji="0" lang="en-US" altLang="en-US" sz="900" b="0" i="0" u="none" strike="noStrike" cap="none" normalizeH="0" baseline="0" dirty="0">
+                <a:ln>
+                  <a:noFill/>
+                </a:ln>
+                <a:solidFill>
+                  <a:srgbClr val="A9B7C6"/>
+                </a:solidFill>
+                <a:effectLst/>
+                <a:latin typeface="Consolas" panose="020B0609020204030204" pitchFamily="49" charset="0"/>
+              </a:rPr>
+              <a:t>)</a:t>
+            </a:r>
+            <a:endParaRPr kumimoji="0" lang="en-US" altLang="en-US" sz="1800" b="0" i="0" u="none" strike="noStrike" cap="none" normalizeH="0" baseline="0" dirty="0">
+              <a:ln>
+                <a:noFill/>
+              </a:ln>
+              <a:solidFill>
+                <a:schemeClr val="tx1"/>
+              </a:solidFill>
+              <a:effectLst/>
+              <a:latin typeface="Arial" panose="020B0604020202020204" pitchFamily="34" charset="0"/>
+            </a:endParaRPr>
+          </a:p>
+        </p:txBody>
+      </p:sp>
+      <p:sp>
+        <p:nvSpPr>
+          <p:cNvPr id="5" name="Rectangle 2">
+            <a:extLst>
+              <a:ext uri="{FF2B5EF4-FFF2-40B4-BE49-F238E27FC236}">
+                <a16:creationId xmlns:a16="http://schemas.microsoft.com/office/drawing/2014/main" id="{677337AB-AEE4-4212-BDA6-78E5927CA6EB}"/>
+              </a:ext>
+            </a:extLst>
+          </p:cNvPr>
+          <p:cNvSpPr>
+            <a:spLocks noChangeArrowheads="1"/>
+          </p:cNvSpPr>
+          <p:nvPr/>
+        </p:nvSpPr>
+        <p:spPr bwMode="auto">
+          <a:xfrm>
+            <a:off x="3275012" y="3198168"/>
+            <a:ext cx="5865813" cy="230832"/>
+          </a:xfrm>
+          <a:prstGeom prst="rect">
+            <a:avLst/>
+          </a:prstGeom>
+          <a:solidFill>
+            <a:srgbClr val="2B2B2B"/>
+          </a:solidFill>
+          <a:ln>
+            <a:noFill/>
+          </a:ln>
+          <a:effectLst/>
+          <a:extLst>
+            <a:ext uri="{91240B29-F687-4F45-9708-019B960494DF}">
+              <a14:hiddenLine xmlns:a14="http://schemas.microsoft.com/office/drawing/2010/main" w="9525">
+                <a:solidFill>
+                  <a:schemeClr val="tx1"/>
+                </a:solidFill>
+                <a:miter lim="800000"/>
+                <a:headEnd/>
+                <a:tailEnd/>
+              </a14:hiddenLine>
+            </a:ext>
+            <a:ext uri="{AF507438-7753-43E0-B8FC-AC1667EBCBE1}">
+              <a14:hiddenEffects xmlns:a14="http://schemas.microsoft.com/office/drawing/2010/main">
+                <a:effectLst>
+                  <a:outerShdw dist="35921" dir="2700000" algn="ctr" rotWithShape="0">
+                    <a:schemeClr val="bg2"/>
+                  </a:outerShdw>
+                </a:effectLst>
+              </a14:hiddenEffects>
+            </a:ext>
+          </a:extLst>
+        </p:spPr>
+        <p:txBody>
+          <a:bodyPr vert="horz" wrap="square" lIns="91440" tIns="45720" rIns="91440" bIns="45720" numCol="1" anchor="ctr" anchorCtr="0" compatLnSpc="1">
+            <a:prstTxWarp prst="textNoShape">
+              <a:avLst/>
+            </a:prstTxWarp>
+            <a:spAutoFit/>
+          </a:bodyPr>
+          <a:lstStyle/>
+          <a:p>
+            <a:pPr marL="0" marR="0" lvl="0" indent="0" algn="l" defTabSz="914400" rtl="0" eaLnBrk="0" fontAlgn="base" latinLnBrk="0" hangingPunct="0">
+              <a:lnSpc>
+                <a:spcPct val="100000"/>
+              </a:lnSpc>
+              <a:spcBef>
+                <a:spcPct val="0"/>
+              </a:spcBef>
+              <a:spcAft>
+                <a:spcPct val="0"/>
+              </a:spcAft>
+              <a:buClrTx/>
+              <a:buSzTx/>
+              <a:buFontTx/>
+              <a:buNone/>
+              <a:tabLst/>
+            </a:pPr>
+            <a:r>
+              <a:rPr kumimoji="0" lang="en-US" altLang="en-US" sz="900" b="0" i="0" u="none" strike="noStrike" cap="none" normalizeH="0" baseline="0" dirty="0" err="1">
+                <a:ln>
+                  <a:noFill/>
+                </a:ln>
+                <a:solidFill>
+                  <a:srgbClr val="A9B7C6"/>
+                </a:solidFill>
+                <a:effectLst/>
+                <a:latin typeface="Consolas" panose="020B0609020204030204" pitchFamily="49" charset="0"/>
+              </a:rPr>
+              <a:t>py_client.add_user</a:t>
+            </a:r>
+            <a:r>
+              <a:rPr kumimoji="0" lang="en-US" altLang="en-US" sz="900" b="0" i="0" u="none" strike="noStrike" cap="none" normalizeH="0" baseline="0" dirty="0">
+                <a:ln>
+                  <a:noFill/>
+                </a:ln>
+                <a:solidFill>
+                  <a:srgbClr val="A9B7C6"/>
+                </a:solidFill>
+                <a:effectLst/>
+                <a:latin typeface="Consolas" panose="020B0609020204030204" pitchFamily="49" charset="0"/>
+              </a:rPr>
+              <a:t>(</a:t>
+            </a:r>
+            <a:r>
+              <a:rPr kumimoji="0" lang="en-US" altLang="en-US" sz="900" b="0" i="0" u="none" strike="noStrike" cap="none" normalizeH="0" baseline="0" dirty="0">
+                <a:ln>
+                  <a:noFill/>
+                </a:ln>
+                <a:solidFill>
+                  <a:srgbClr val="6A8759"/>
+                </a:solidFill>
+                <a:effectLst/>
+                <a:latin typeface="Consolas" panose="020B0609020204030204" pitchFamily="49" charset="0"/>
+              </a:rPr>
+              <a:t>'user@email.com'</a:t>
+            </a:r>
+            <a:r>
+              <a:rPr kumimoji="0" lang="en-US" altLang="en-US" sz="900" b="0" i="0" u="none" strike="noStrike" cap="none" normalizeH="0" baseline="0" dirty="0">
+                <a:ln>
+                  <a:noFill/>
+                </a:ln>
+                <a:solidFill>
+                  <a:srgbClr val="CC7832"/>
+                </a:solidFill>
+                <a:effectLst/>
+                <a:latin typeface="Consolas" panose="020B0609020204030204" pitchFamily="49" charset="0"/>
+              </a:rPr>
+              <a:t>, </a:t>
+            </a:r>
+            <a:r>
+              <a:rPr kumimoji="0" lang="en-US" altLang="en-US" sz="900" b="0" i="0" u="none" strike="noStrike" cap="none" normalizeH="0" baseline="0" dirty="0">
+                <a:ln>
+                  <a:noFill/>
+                </a:ln>
+                <a:solidFill>
+                  <a:srgbClr val="6A8759"/>
+                </a:solidFill>
+                <a:effectLst/>
+                <a:latin typeface="Consolas" panose="020B0609020204030204" pitchFamily="49" charset="0"/>
+              </a:rPr>
+              <a:t>'Data Designer'</a:t>
+            </a:r>
+            <a:r>
+              <a:rPr kumimoji="0" lang="en-US" altLang="en-US" sz="900" b="0" i="0" u="none" strike="noStrike" cap="none" normalizeH="0" baseline="0" dirty="0">
+                <a:ln>
+                  <a:noFill/>
+                </a:ln>
+                <a:solidFill>
+                  <a:srgbClr val="CC7832"/>
+                </a:solidFill>
+                <a:effectLst/>
+                <a:latin typeface="Consolas" panose="020B0609020204030204" pitchFamily="49" charset="0"/>
+              </a:rPr>
+              <a:t>, </a:t>
+            </a:r>
+            <a:r>
+              <a:rPr kumimoji="0" lang="en-US" altLang="en-US" sz="900" b="0" i="0" u="none" strike="noStrike" cap="none" normalizeH="0" baseline="0" dirty="0" err="1">
+                <a:ln>
+                  <a:noFill/>
+                </a:ln>
+                <a:solidFill>
+                  <a:srgbClr val="AA4926"/>
+                </a:solidFill>
+                <a:effectLst/>
+                <a:latin typeface="Consolas" panose="020B0609020204030204" pitchFamily="49" charset="0"/>
+              </a:rPr>
+              <a:t>first_name</a:t>
+            </a:r>
+            <a:r>
+              <a:rPr kumimoji="0" lang="en-US" altLang="en-US" sz="900" b="0" i="0" u="none" strike="noStrike" cap="none" normalizeH="0" baseline="0" dirty="0">
+                <a:ln>
+                  <a:noFill/>
+                </a:ln>
+                <a:solidFill>
+                  <a:srgbClr val="A9B7C6"/>
+                </a:solidFill>
+                <a:effectLst/>
+                <a:latin typeface="Consolas" panose="020B0609020204030204" pitchFamily="49" charset="0"/>
+              </a:rPr>
+              <a:t>=</a:t>
+            </a:r>
+            <a:r>
+              <a:rPr kumimoji="0" lang="en-US" altLang="en-US" sz="900" b="0" i="0" u="none" strike="noStrike" cap="none" normalizeH="0" baseline="0" dirty="0">
+                <a:ln>
+                  <a:noFill/>
+                </a:ln>
+                <a:solidFill>
+                  <a:srgbClr val="6A8759"/>
+                </a:solidFill>
+                <a:effectLst/>
+                <a:latin typeface="Consolas" panose="020B0609020204030204" pitchFamily="49" charset="0"/>
+              </a:rPr>
+              <a:t>'John'</a:t>
+            </a:r>
+            <a:r>
+              <a:rPr kumimoji="0" lang="en-US" altLang="en-US" sz="900" b="0" i="0" u="none" strike="noStrike" cap="none" normalizeH="0" baseline="0" dirty="0">
+                <a:ln>
+                  <a:noFill/>
+                </a:ln>
+                <a:solidFill>
+                  <a:srgbClr val="CC7832"/>
+                </a:solidFill>
+                <a:effectLst/>
+                <a:latin typeface="Consolas" panose="020B0609020204030204" pitchFamily="49" charset="0"/>
+              </a:rPr>
+              <a:t>, </a:t>
+            </a:r>
+            <a:r>
+              <a:rPr kumimoji="0" lang="en-US" altLang="en-US" sz="900" b="0" i="0" u="none" strike="noStrike" cap="none" normalizeH="0" baseline="0" dirty="0" err="1">
+                <a:ln>
+                  <a:noFill/>
+                </a:ln>
+                <a:solidFill>
+                  <a:srgbClr val="AA4926"/>
+                </a:solidFill>
+                <a:effectLst/>
+                <a:latin typeface="Consolas" panose="020B0609020204030204" pitchFamily="49" charset="0"/>
+              </a:rPr>
+              <a:t>last_name</a:t>
+            </a:r>
+            <a:r>
+              <a:rPr kumimoji="0" lang="en-US" altLang="en-US" sz="900" b="0" i="0" u="none" strike="noStrike" cap="none" normalizeH="0" baseline="0" dirty="0">
+                <a:ln>
+                  <a:noFill/>
+                </a:ln>
+                <a:solidFill>
+                  <a:srgbClr val="A9B7C6"/>
+                </a:solidFill>
+                <a:effectLst/>
+                <a:latin typeface="Consolas" panose="020B0609020204030204" pitchFamily="49" charset="0"/>
+              </a:rPr>
+              <a:t>=</a:t>
+            </a:r>
+            <a:r>
+              <a:rPr kumimoji="0" lang="en-US" altLang="en-US" sz="900" b="0" i="0" u="none" strike="noStrike" cap="none" normalizeH="0" baseline="0" dirty="0">
+                <a:ln>
+                  <a:noFill/>
+                </a:ln>
+                <a:solidFill>
+                  <a:srgbClr val="6A8759"/>
+                </a:solidFill>
+                <a:effectLst/>
+                <a:latin typeface="Consolas" panose="020B0609020204030204" pitchFamily="49" charset="0"/>
+              </a:rPr>
+              <a:t>'Doe'</a:t>
+            </a:r>
+            <a:r>
+              <a:rPr kumimoji="0" lang="en-US" altLang="en-US" sz="900" b="0" i="0" u="none" strike="noStrike" cap="none" normalizeH="0" baseline="0" dirty="0">
+                <a:ln>
+                  <a:noFill/>
+                </a:ln>
+                <a:solidFill>
+                  <a:srgbClr val="A9B7C6"/>
+                </a:solidFill>
+                <a:effectLst/>
+                <a:latin typeface="Consolas" panose="020B0609020204030204" pitchFamily="49" charset="0"/>
+              </a:rPr>
+              <a:t>)</a:t>
+            </a:r>
+            <a:endParaRPr kumimoji="0" lang="en-US" altLang="en-US" sz="1800" b="0" i="0" u="none" strike="noStrike" cap="none" normalizeH="0" baseline="0" dirty="0">
+              <a:ln>
+                <a:noFill/>
+              </a:ln>
+              <a:solidFill>
+                <a:schemeClr val="tx1"/>
+              </a:solidFill>
+              <a:effectLst/>
+              <a:latin typeface="Arial" panose="020B0604020202020204" pitchFamily="34" charset="0"/>
+            </a:endParaRPr>
+          </a:p>
+        </p:txBody>
+      </p:sp>
+    </p:spTree>
+    <p:extLst>
+      <p:ext uri="{BB962C8B-B14F-4D97-AF65-F5344CB8AC3E}">
+        <p14:creationId xmlns:p14="http://schemas.microsoft.com/office/powerpoint/2010/main" val="790358576"/>
+      </p:ext>
+    </p:extLst>
+  </p:cSld>
+  <p:clrMapOvr>
+    <a:masterClrMapping/>
+  </p:clrMapOvr>
+  <mc:AlternateContent xmlns:mc="http://schemas.openxmlformats.org/markup-compatibility/2006" xmlns:p14="http://schemas.microsoft.com/office/powerpoint/2010/main">
+    <mc:Choice Requires="p14">
+      <p:transition spd="med" p14:dur="700">
+        <p:fade/>
+      </p:transition>
+    </mc:Choice>
+    <mc:Fallback xmlns="">
+      <p:transition spd="med">
+        <p:fade/>
+      </p:transition>
+    </mc:Fallback>
+  </mc:AlternateContent>
+</p:sld>
+</file>
+
+<file path=ppt/slides/slide17.xml><?xml version="1.0" encoding="utf-8"?>
+<p:sld xmlns:a="http://schemas.openxmlformats.org/drawingml/2006/main" xmlns:r="http://schemas.openxmlformats.org/officeDocument/2006/relationships" xmlns:p="http://schemas.openxmlformats.org/presentationml/2006/main">
+  <p:cSld>
+    <p:spTree>
+      <p:nvGrpSpPr>
+        <p:cNvPr id="1" name=""/>
+        <p:cNvGrpSpPr/>
+        <p:nvPr/>
+      </p:nvGrpSpPr>
+      <p:grpSpPr>
+        <a:xfrm>
+          <a:off x="0" y="0"/>
+          <a:ext cx="0" cy="0"/>
+          <a:chOff x="0" y="0"/>
+          <a:chExt cx="0" cy="0"/>
+        </a:xfrm>
+      </p:grpSpPr>
+      <p:sp>
+        <p:nvSpPr>
+          <p:cNvPr id="2" name="Title 1">
+            <a:extLst>
+              <a:ext uri="{FF2B5EF4-FFF2-40B4-BE49-F238E27FC236}">
                 <a16:creationId xmlns:a16="http://schemas.microsoft.com/office/drawing/2014/main" id="{9F8B3364-E12C-494E-BE0C-5E80F296620B}"/>
               </a:ext>
             </a:extLst>
@@ -5311,7 +7849,7 @@
 </p:sld>
 </file>
 
-<file path=ppt/slides/slide11.xml><?xml version="1.0" encoding="utf-8"?>
+<file path=ppt/slides/slide18.xml><?xml version="1.0" encoding="utf-8"?>
 <p:sld xmlns:a="http://schemas.openxmlformats.org/drawingml/2006/main" xmlns:r="http://schemas.openxmlformats.org/officeDocument/2006/relationships" xmlns:p="http://schemas.openxmlformats.org/presentationml/2006/main">
   <p:cSld>
     <p:spTree>
@@ -5441,7 +7979,7 @@
 </p:sld>
 </file>
 
-<file path=ppt/slides/slide12.xml><?xml version="1.0" encoding="utf-8"?>
+<file path=ppt/slides/slide19.xml><?xml version="1.0" encoding="utf-8"?>
 <p:sld xmlns:a="http://schemas.openxmlformats.org/drawingml/2006/main" xmlns:r="http://schemas.openxmlformats.org/officeDocument/2006/relationships" xmlns:p="http://schemas.openxmlformats.org/presentationml/2006/main">
   <p:cSld>
     <p:spTree>
@@ -5830,7 +8368,124 @@
 </p:sld>
 </file>
 
-<file path=ppt/slides/slide13.xml><?xml version="1.0" encoding="utf-8"?>
+<file path=ppt/slides/slide2.xml><?xml version="1.0" encoding="utf-8"?>
+<p:sld xmlns:a="http://schemas.openxmlformats.org/drawingml/2006/main" xmlns:r="http://schemas.openxmlformats.org/officeDocument/2006/relationships" xmlns:p="http://schemas.openxmlformats.org/presentationml/2006/main">
+  <p:cSld>
+    <p:spTree>
+      <p:nvGrpSpPr>
+        <p:cNvPr id="1" name=""/>
+        <p:cNvGrpSpPr/>
+        <p:nvPr/>
+      </p:nvGrpSpPr>
+      <p:grpSpPr>
+        <a:xfrm>
+          <a:off x="0" y="0"/>
+          <a:ext cx="0" cy="0"/>
+          <a:chOff x="0" y="0"/>
+          <a:chExt cx="0" cy="0"/>
+        </a:xfrm>
+      </p:grpSpPr>
+      <p:sp>
+        <p:nvSpPr>
+          <p:cNvPr id="2" name="Title 1">
+            <a:extLst>
+              <a:ext uri="{FF2B5EF4-FFF2-40B4-BE49-F238E27FC236}">
+                <a16:creationId xmlns:a16="http://schemas.microsoft.com/office/drawing/2014/main" id="{6F029C30-31EA-44B9-84C5-77A5CF7D1101}"/>
+              </a:ext>
+            </a:extLst>
+          </p:cNvPr>
+          <p:cNvSpPr>
+            <a:spLocks noGrp="1"/>
+          </p:cNvSpPr>
+          <p:nvPr>
+            <p:ph type="title"/>
+          </p:nvPr>
+        </p:nvSpPr>
+        <p:spPr/>
+        <p:txBody>
+          <a:bodyPr/>
+          <a:lstStyle/>
+          <a:p>
+            <a:r>
+              <a:rPr lang="en-US" dirty="0"/>
+              <a:t>Goals</a:t>
+            </a:r>
+          </a:p>
+        </p:txBody>
+      </p:sp>
+      <p:sp>
+        <p:nvSpPr>
+          <p:cNvPr id="3" name="Content Placeholder 2">
+            <a:extLst>
+              <a:ext uri="{FF2B5EF4-FFF2-40B4-BE49-F238E27FC236}">
+                <a16:creationId xmlns:a16="http://schemas.microsoft.com/office/drawing/2014/main" id="{18129531-71BE-458B-9F14-0C64186A8FBA}"/>
+              </a:ext>
+            </a:extLst>
+          </p:cNvPr>
+          <p:cNvSpPr>
+            <a:spLocks noGrp="1"/>
+          </p:cNvSpPr>
+          <p:nvPr>
+            <p:ph idx="1"/>
+          </p:nvPr>
+        </p:nvSpPr>
+        <p:spPr/>
+        <p:txBody>
+          <a:bodyPr/>
+          <a:lstStyle/>
+          <a:p>
+            <a:r>
+              <a:rPr lang="en-US" dirty="0"/>
+              <a:t>Understand what </a:t>
+            </a:r>
+            <a:r>
+              <a:rPr lang="en-US" dirty="0" err="1"/>
+              <a:t>PySense</a:t>
+            </a:r>
+            <a:r>
+              <a:rPr lang="en-US" dirty="0"/>
+              <a:t> is and what it is capable of</a:t>
+            </a:r>
+          </a:p>
+          <a:p>
+            <a:r>
+              <a:rPr lang="en-US" dirty="0"/>
+              <a:t>Understand how to do a few basic tasks in </a:t>
+            </a:r>
+            <a:r>
+              <a:rPr lang="en-US" dirty="0" err="1"/>
+              <a:t>PySense</a:t>
+            </a:r>
+            <a:endParaRPr lang="en-US" dirty="0"/>
+          </a:p>
+        </p:txBody>
+      </p:sp>
+    </p:spTree>
+    <p:extLst>
+      <p:ext uri="{BB962C8B-B14F-4D97-AF65-F5344CB8AC3E}">
+        <p14:creationId xmlns:p14="http://schemas.microsoft.com/office/powerpoint/2010/main" val="4166968529"/>
+      </p:ext>
+    </p:extLst>
+  </p:cSld>
+  <p:clrMapOvr>
+    <a:masterClrMapping/>
+  </p:clrMapOvr>
+  <mc:AlternateContent xmlns:mc="http://schemas.openxmlformats.org/markup-compatibility/2006" xmlns:p14="http://schemas.microsoft.com/office/powerpoint/2010/main">
+    <mc:Choice Requires="p14">
+      <p:transition spd="med" p14:dur="700">
+        <p:fade/>
+      </p:transition>
+    </mc:Choice>
+    <mc:Fallback xmlns="">
+      <p:transition spd="med">
+        <p:fade/>
+      </p:transition>
+    </mc:Fallback>
+  </mc:AlternateContent>
+</p:sld>
+</file>
+
+<file path=ppt/slides/slide20.xml><?xml version="1.0" encoding="utf-8"?>
 <p:sld xmlns:a="http://schemas.openxmlformats.org/drawingml/2006/main" xmlns:r="http://schemas.openxmlformats.org/officeDocument/2006/relationships" xmlns:p="http://schemas.openxmlformats.org/presentationml/2006/main">
   <p:cSld>
     <p:spTree>
@@ -6503,7 +9158,7 @@
 </p:sld>
 </file>
 
-<file path=ppt/slides/slide14.xml><?xml version="1.0" encoding="utf-8"?>
+<file path=ppt/slides/slide21.xml><?xml version="1.0" encoding="utf-8"?>
 <p:sld xmlns:a="http://schemas.openxmlformats.org/drawingml/2006/main" xmlns:r="http://schemas.openxmlformats.org/officeDocument/2006/relationships" xmlns:p="http://schemas.openxmlformats.org/presentationml/2006/main">
   <p:cSld>
     <p:spTree>
@@ -7256,7 +9911,7 @@
 </p:sld>
 </file>
 
-<file path=ppt/slides/slide15.xml><?xml version="1.0" encoding="utf-8"?>
+<file path=ppt/slides/slide22.xml><?xml version="1.0" encoding="utf-8"?>
 <p:sld xmlns:a="http://schemas.openxmlformats.org/drawingml/2006/main" xmlns:r="http://schemas.openxmlformats.org/officeDocument/2006/relationships" xmlns:p="http://schemas.openxmlformats.org/presentationml/2006/main">
   <p:cSld>
     <p:spTree>
@@ -7372,7 +10027,7 @@
 </p:sld>
 </file>
 
-<file path=ppt/slides/slide16.xml><?xml version="1.0" encoding="utf-8"?>
+<file path=ppt/slides/slide23.xml><?xml version="1.0" encoding="utf-8"?>
 <p:sld xmlns:a="http://schemas.openxmlformats.org/drawingml/2006/main" xmlns:r="http://schemas.openxmlformats.org/officeDocument/2006/relationships" xmlns:p="http://schemas.openxmlformats.org/presentationml/2006/main">
   <p:cSld>
     <p:spTree>
@@ -7439,7 +10094,7 @@
         </p:blipFill>
         <p:spPr>
           <a:xfrm>
-            <a:off x="2750549" y="1709497"/>
+            <a:off x="2835844" y="1600200"/>
             <a:ext cx="7297168" cy="3439005"/>
           </a:xfrm>
           <a:prstGeom prst="rect">
@@ -7502,7 +10157,7 @@
 </p:sld>
 </file>
 
-<file path=ppt/slides/slide17.xml><?xml version="1.0" encoding="utf-8"?>
+<file path=ppt/slides/slide24.xml><?xml version="1.0" encoding="utf-8"?>
 <p:sld xmlns:a="http://schemas.openxmlformats.org/drawingml/2006/main" xmlns:r="http://schemas.openxmlformats.org/officeDocument/2006/relationships" xmlns:p="http://schemas.openxmlformats.org/presentationml/2006/main">
   <p:cSld>
     <p:spTree>
@@ -8307,7 +10962,7 @@
 </p:sld>
 </file>
 
-<file path=ppt/slides/slide18.xml><?xml version="1.0" encoding="utf-8"?>
+<file path=ppt/slides/slide25.xml><?xml version="1.0" encoding="utf-8"?>
 <p:sld xmlns:a="http://schemas.openxmlformats.org/drawingml/2006/main" xmlns:r="http://schemas.openxmlformats.org/officeDocument/2006/relationships" xmlns:p="http://schemas.openxmlformats.org/presentationml/2006/main">
   <p:cSld>
     <p:spTree>
@@ -8429,7 +11084,7 @@
 </p:sld>
 </file>
 
-<file path=ppt/slides/slide19.xml><?xml version="1.0" encoding="utf-8"?>
+<file path=ppt/slides/slide26.xml><?xml version="1.0" encoding="utf-8"?>
 <p:sld xmlns:a="http://schemas.openxmlformats.org/drawingml/2006/main" xmlns:r="http://schemas.openxmlformats.org/officeDocument/2006/relationships" xmlns:p="http://schemas.openxmlformats.org/presentationml/2006/main">
   <p:cSld>
     <p:spTree>
@@ -8559,312 +11214,7 @@
 </p:sld>
 </file>
 
-<file path=ppt/slides/slide2.xml><?xml version="1.0" encoding="utf-8"?>
-<p:sld xmlns:a="http://schemas.openxmlformats.org/drawingml/2006/main" xmlns:r="http://schemas.openxmlformats.org/officeDocument/2006/relationships" xmlns:p="http://schemas.openxmlformats.org/presentationml/2006/main">
-  <p:cSld>
-    <p:spTree>
-      <p:nvGrpSpPr>
-        <p:cNvPr id="1" name=""/>
-        <p:cNvGrpSpPr/>
-        <p:nvPr/>
-      </p:nvGrpSpPr>
-      <p:grpSpPr>
-        <a:xfrm>
-          <a:off x="0" y="0"/>
-          <a:ext cx="0" cy="0"/>
-          <a:chOff x="0" y="0"/>
-          <a:chExt cx="0" cy="0"/>
-        </a:xfrm>
-      </p:grpSpPr>
-      <p:sp>
-        <p:nvSpPr>
-          <p:cNvPr id="2" name="Title 1">
-            <a:extLst>
-              <a:ext uri="{FF2B5EF4-FFF2-40B4-BE49-F238E27FC236}">
-                <a16:creationId xmlns:a16="http://schemas.microsoft.com/office/drawing/2014/main" id="{BD70C8AC-7EA8-43CD-B1BB-4E7FB11AD150}"/>
-              </a:ext>
-            </a:extLst>
-          </p:cNvPr>
-          <p:cNvSpPr>
-            <a:spLocks noGrp="1"/>
-          </p:cNvSpPr>
-          <p:nvPr>
-            <p:ph type="title"/>
-          </p:nvPr>
-        </p:nvSpPr>
-        <p:spPr/>
-        <p:txBody>
-          <a:bodyPr/>
-          <a:lstStyle/>
-          <a:p>
-            <a:r>
-              <a:rPr lang="en-US" dirty="0"/>
-              <a:t>Set up Python and </a:t>
-            </a:r>
-            <a:r>
-              <a:rPr lang="en-US" dirty="0" err="1"/>
-              <a:t>PySense</a:t>
-            </a:r>
-            <a:endParaRPr lang="en-US" dirty="0"/>
-          </a:p>
-        </p:txBody>
-      </p:sp>
-      <p:sp>
-        <p:nvSpPr>
-          <p:cNvPr id="3" name="Content Placeholder 2">
-            <a:extLst>
-              <a:ext uri="{FF2B5EF4-FFF2-40B4-BE49-F238E27FC236}">
-                <a16:creationId xmlns:a16="http://schemas.microsoft.com/office/drawing/2014/main" id="{26B6DFAD-7750-4EF1-B0FB-BC25002C952B}"/>
-              </a:ext>
-            </a:extLst>
-          </p:cNvPr>
-          <p:cNvSpPr>
-            <a:spLocks noGrp="1"/>
-          </p:cNvSpPr>
-          <p:nvPr>
-            <p:ph idx="1"/>
-          </p:nvPr>
-        </p:nvSpPr>
-        <p:spPr/>
-        <p:txBody>
-          <a:bodyPr/>
-          <a:lstStyle/>
-          <a:p>
-            <a:r>
-              <a:rPr lang="en-US" dirty="0"/>
-              <a:t>Install Python and an IDE of your choice. (</a:t>
-            </a:r>
-            <a:r>
-              <a:rPr lang="en-US" dirty="0" err="1"/>
-              <a:t>PySense</a:t>
-            </a:r>
-            <a:r>
-              <a:rPr lang="en-US" dirty="0"/>
-              <a:t> was developed on PyCharm). </a:t>
-            </a:r>
-          </a:p>
-          <a:p>
-            <a:r>
-              <a:rPr lang="en-US" dirty="0"/>
-              <a:t>Install the </a:t>
-            </a:r>
-            <a:r>
-              <a:rPr lang="en-US" dirty="0" err="1"/>
-              <a:t>PySense</a:t>
-            </a:r>
-            <a:r>
-              <a:rPr lang="en-US" dirty="0"/>
-              <a:t> library through pip</a:t>
-            </a:r>
-          </a:p>
-          <a:p>
-            <a:pPr lvl="1"/>
-            <a:r>
-              <a:rPr lang="en-US" dirty="0"/>
-              <a:t>pip install </a:t>
-            </a:r>
-            <a:r>
-              <a:rPr lang="en-US" dirty="0" err="1"/>
-              <a:t>PySenseSDK</a:t>
-            </a:r>
-            <a:endParaRPr lang="en-US" dirty="0"/>
-          </a:p>
-          <a:p>
-            <a:r>
-              <a:rPr lang="en-US" dirty="0"/>
-              <a:t>Include </a:t>
-            </a:r>
-            <a:r>
-              <a:rPr lang="en-US" dirty="0" err="1"/>
-              <a:t>PySense</a:t>
-            </a:r>
-            <a:r>
-              <a:rPr lang="en-US" dirty="0"/>
-              <a:t> in all your scripts: </a:t>
-            </a:r>
-          </a:p>
-        </p:txBody>
-      </p:sp>
-      <p:sp>
-        <p:nvSpPr>
-          <p:cNvPr id="4" name="Rectangle 1">
-            <a:extLst>
-              <a:ext uri="{FF2B5EF4-FFF2-40B4-BE49-F238E27FC236}">
-                <a16:creationId xmlns:a16="http://schemas.microsoft.com/office/drawing/2014/main" id="{4B7E0459-AA64-4C98-AEE2-1F840C31B803}"/>
-              </a:ext>
-            </a:extLst>
-          </p:cNvPr>
-          <p:cNvSpPr>
-            <a:spLocks noChangeArrowheads="1"/>
-          </p:cNvSpPr>
-          <p:nvPr/>
-        </p:nvSpPr>
-        <p:spPr bwMode="auto">
-          <a:xfrm>
-            <a:off x="6780212" y="3817517"/>
-            <a:ext cx="1905000" cy="230832"/>
-          </a:xfrm>
-          <a:prstGeom prst="rect">
-            <a:avLst/>
-          </a:prstGeom>
-          <a:solidFill>
-            <a:srgbClr val="2B2B2B"/>
-          </a:solidFill>
-          <a:ln>
-            <a:noFill/>
-          </a:ln>
-          <a:effectLst/>
-          <a:extLst>
-            <a:ext uri="{91240B29-F687-4F45-9708-019B960494DF}">
-              <a14:hiddenLine xmlns:a14="http://schemas.microsoft.com/office/drawing/2010/main" w="9525">
-                <a:solidFill>
-                  <a:schemeClr val="tx1"/>
-                </a:solidFill>
-                <a:miter lim="800000"/>
-                <a:headEnd/>
-                <a:tailEnd/>
-              </a14:hiddenLine>
-            </a:ext>
-            <a:ext uri="{AF507438-7753-43E0-B8FC-AC1667EBCBE1}">
-              <a14:hiddenEffects xmlns:a14="http://schemas.microsoft.com/office/drawing/2010/main">
-                <a:effectLst>
-                  <a:outerShdw dist="35921" dir="2700000" algn="ctr" rotWithShape="0">
-                    <a:schemeClr val="bg2"/>
-                  </a:outerShdw>
-                </a:effectLst>
-              </a14:hiddenEffects>
-            </a:ext>
-          </a:extLst>
-        </p:spPr>
-        <p:txBody>
-          <a:bodyPr vert="horz" wrap="square" lIns="91440" tIns="45720" rIns="91440" bIns="45720" numCol="1" anchor="ctr" anchorCtr="0" compatLnSpc="1">
-            <a:prstTxWarp prst="textNoShape">
-              <a:avLst/>
-            </a:prstTxWarp>
-            <a:spAutoFit/>
-          </a:bodyPr>
-          <a:lstStyle/>
-          <a:p>
-            <a:pPr marL="0" marR="0" lvl="0" indent="0" algn="l" defTabSz="914400" rtl="0" eaLnBrk="0" fontAlgn="base" latinLnBrk="0" hangingPunct="0">
-              <a:lnSpc>
-                <a:spcPct val="100000"/>
-              </a:lnSpc>
-              <a:spcBef>
-                <a:spcPct val="0"/>
-              </a:spcBef>
-              <a:spcAft>
-                <a:spcPct val="0"/>
-              </a:spcAft>
-              <a:buClrTx/>
-              <a:buSzTx/>
-              <a:buFontTx/>
-              <a:buNone/>
-              <a:tabLst/>
-            </a:pPr>
-            <a:r>
-              <a:rPr kumimoji="0" lang="en-US" altLang="en-US" sz="900" b="0" i="0" u="none" strike="noStrike" cap="none" normalizeH="0" baseline="0" dirty="0">
-                <a:ln>
-                  <a:noFill/>
-                </a:ln>
-                <a:solidFill>
-                  <a:srgbClr val="CC7832"/>
-                </a:solidFill>
-                <a:effectLst/>
-                <a:latin typeface="Consolas" panose="020B0609020204030204" pitchFamily="49" charset="0"/>
-              </a:rPr>
-              <a:t>from </a:t>
-            </a:r>
-            <a:r>
-              <a:rPr kumimoji="0" lang="en-US" altLang="en-US" sz="900" b="0" i="0" u="none" strike="noStrike" cap="none" normalizeH="0" baseline="0" dirty="0" err="1">
-                <a:ln>
-                  <a:noFill/>
-                </a:ln>
-                <a:solidFill>
-                  <a:srgbClr val="A9B7C6"/>
-                </a:solidFill>
-                <a:effectLst/>
-                <a:latin typeface="Consolas" panose="020B0609020204030204" pitchFamily="49" charset="0"/>
-              </a:rPr>
-              <a:t>PySense</a:t>
-            </a:r>
-            <a:r>
-              <a:rPr kumimoji="0" lang="en-US" altLang="en-US" sz="900" b="0" i="0" u="none" strike="noStrike" cap="none" normalizeH="0" baseline="0" dirty="0">
-                <a:ln>
-                  <a:noFill/>
-                </a:ln>
-                <a:solidFill>
-                  <a:srgbClr val="A9B7C6"/>
-                </a:solidFill>
-                <a:effectLst/>
-                <a:latin typeface="Consolas" panose="020B0609020204030204" pitchFamily="49" charset="0"/>
-              </a:rPr>
-              <a:t> </a:t>
-            </a:r>
-            <a:r>
-              <a:rPr kumimoji="0" lang="en-US" altLang="en-US" sz="900" b="0" i="0" u="none" strike="noStrike" cap="none" normalizeH="0" baseline="0" dirty="0">
-                <a:ln>
-                  <a:noFill/>
-                </a:ln>
-                <a:solidFill>
-                  <a:srgbClr val="CC7832"/>
-                </a:solidFill>
-                <a:effectLst/>
-                <a:latin typeface="Consolas" panose="020B0609020204030204" pitchFamily="49" charset="0"/>
-              </a:rPr>
-              <a:t>import </a:t>
-            </a:r>
-            <a:r>
-              <a:rPr kumimoji="0" lang="en-US" altLang="en-US" sz="900" b="0" i="0" u="none" strike="noStrike" cap="none" normalizeH="0" baseline="0" dirty="0" err="1">
-                <a:ln>
-                  <a:noFill/>
-                </a:ln>
-                <a:solidFill>
-                  <a:srgbClr val="A9B7C6"/>
-                </a:solidFill>
-                <a:effectLst/>
-                <a:latin typeface="Consolas" panose="020B0609020204030204" pitchFamily="49" charset="0"/>
-              </a:rPr>
-              <a:t>PySense</a:t>
-            </a:r>
-            <a:endParaRPr kumimoji="0" lang="en-US" altLang="en-US" sz="1800" b="0" i="0" u="none" strike="noStrike" cap="none" normalizeH="0" baseline="0" dirty="0">
-              <a:ln>
-                <a:noFill/>
-              </a:ln>
-              <a:solidFill>
-                <a:schemeClr val="tx1"/>
-              </a:solidFill>
-              <a:effectLst/>
-              <a:latin typeface="Arial" panose="020B0604020202020204" pitchFamily="34" charset="0"/>
-            </a:endParaRPr>
-          </a:p>
-        </p:txBody>
-      </p:sp>
-    </p:spTree>
-    <p:extLst>
-      <p:ext uri="{BB962C8B-B14F-4D97-AF65-F5344CB8AC3E}">
-        <p14:creationId xmlns:p14="http://schemas.microsoft.com/office/powerpoint/2010/main" val="1322414581"/>
-      </p:ext>
-    </p:extLst>
-  </p:cSld>
-  <p:clrMapOvr>
-    <a:masterClrMapping/>
-  </p:clrMapOvr>
-  <mc:AlternateContent xmlns:mc="http://schemas.openxmlformats.org/markup-compatibility/2006" xmlns:p14="http://schemas.microsoft.com/office/powerpoint/2010/main">
-    <mc:Choice Requires="p14">
-      <p:transition spd="med" p14:dur="700">
-        <p:fade/>
-      </p:transition>
-    </mc:Choice>
-    <mc:Fallback xmlns="">
-      <p:transition spd="med">
-        <p:fade/>
-      </p:transition>
-    </mc:Fallback>
-  </mc:AlternateContent>
-</p:sld>
-</file>
-
-<file path=ppt/slides/slide20.xml><?xml version="1.0" encoding="utf-8"?>
+<file path=ppt/slides/slide27.xml><?xml version="1.0" encoding="utf-8"?>
 <p:sld xmlns:a="http://schemas.openxmlformats.org/drawingml/2006/main" xmlns:r="http://schemas.openxmlformats.org/officeDocument/2006/relationships" xmlns:p="http://schemas.openxmlformats.org/presentationml/2006/main">
   <p:cSld>
     <p:spTree>
@@ -9072,7 +11422,7 @@
 </p:sld>
 </file>
 
-<file path=ppt/slides/slide21.xml><?xml version="1.0" encoding="utf-8"?>
+<file path=ppt/slides/slide28.xml><?xml version="1.0" encoding="utf-8"?>
 <p:sld xmlns:a="http://schemas.openxmlformats.org/drawingml/2006/main" xmlns:r="http://schemas.openxmlformats.org/officeDocument/2006/relationships" xmlns:p="http://schemas.openxmlformats.org/presentationml/2006/main">
   <p:cSld>
     <p:spTree>
@@ -9178,7 +11528,7 @@
           <p:cNvPr id="2" name="Title 1">
             <a:extLst>
               <a:ext uri="{FF2B5EF4-FFF2-40B4-BE49-F238E27FC236}">
-                <a16:creationId xmlns:a16="http://schemas.microsoft.com/office/drawing/2014/main" id="{E5B5E963-FDC8-46B1-9027-27A15121BB68}"/>
+                <a16:creationId xmlns:a16="http://schemas.microsoft.com/office/drawing/2014/main" id="{D6AB0583-BA6D-4135-8BF5-20FB2B910E42}"/>
               </a:ext>
             </a:extLst>
           </p:cNvPr>
@@ -9189,19 +11539,22 @@
             <p:ph type="title"/>
           </p:nvPr>
         </p:nvSpPr>
-        <p:spPr>
-          <a:xfrm>
-            <a:off x="1218883" y="274637"/>
-            <a:ext cx="10360501" cy="715963"/>
-          </a:xfrm>
-        </p:spPr>
+        <p:spPr/>
         <p:txBody>
           <a:bodyPr/>
           <a:lstStyle/>
           <a:p>
             <a:r>
               <a:rPr lang="en-US" dirty="0"/>
-              <a:t>Python Tip!</a:t>
+              <a:t>What is </a:t>
+            </a:r>
+            <a:r>
+              <a:rPr lang="en-US" dirty="0" err="1"/>
+              <a:t>PySense</a:t>
+            </a:r>
+            <a:r>
+              <a:rPr lang="en-US" dirty="0"/>
+              <a:t>?</a:t>
             </a:r>
           </a:p>
         </p:txBody>
@@ -9211,7 +11564,7 @@
           <p:cNvPr id="3" name="Content Placeholder 2">
             <a:extLst>
               <a:ext uri="{FF2B5EF4-FFF2-40B4-BE49-F238E27FC236}">
-                <a16:creationId xmlns:a16="http://schemas.microsoft.com/office/drawing/2014/main" id="{0D1451B8-B56A-40CC-BCB3-71656BCF2307}"/>
+                <a16:creationId xmlns:a16="http://schemas.microsoft.com/office/drawing/2014/main" id="{BE676F2E-FE15-4F04-916D-4005A908D868}"/>
               </a:ext>
             </a:extLst>
           </p:cNvPr>
@@ -9222,366 +11575,52 @@
             <p:ph idx="1"/>
           </p:nvPr>
         </p:nvSpPr>
-        <p:spPr>
-          <a:xfrm>
-            <a:off x="1218883" y="1066800"/>
-            <a:ext cx="10360501" cy="5097269"/>
-          </a:xfrm>
-        </p:spPr>
+        <p:spPr/>
         <p:txBody>
-          <a:bodyPr>
-            <a:normAutofit fontScale="92500" lnSpcReduction="10000"/>
-          </a:bodyPr>
+          <a:bodyPr/>
           <a:lstStyle/>
           <a:p>
-            <a:r>
-              <a:rPr lang="en-US" dirty="0"/>
-              <a:t>When calling functions in python we have required arguments and optional arguments. </a:t>
-            </a:r>
-          </a:p>
-          <a:p>
-            <a:r>
-              <a:rPr lang="en-US" dirty="0"/>
-              <a:t>Required arguments come first and order matters</a:t>
-            </a:r>
-          </a:p>
-          <a:p>
-            <a:r>
-              <a:rPr lang="en-US" dirty="0"/>
-              <a:t>Optional arguments come after the required ones. You can add as many optional arguments as are supported. </a:t>
-            </a:r>
-          </a:p>
-          <a:p>
-            <a:r>
-              <a:rPr lang="en-US" dirty="0"/>
-              <a:t>Look at the call</a:t>
-            </a:r>
-          </a:p>
-          <a:p>
-            <a:r>
-              <a:rPr lang="en-US" dirty="0"/>
-              <a:t>Email address and role are required and must come first in that order</a:t>
-            </a:r>
-          </a:p>
-          <a:p>
-            <a:r>
-              <a:rPr lang="en-US" dirty="0" err="1"/>
-              <a:t>first_name</a:t>
-            </a:r>
-            <a:r>
-              <a:rPr lang="en-US" dirty="0"/>
-              <a:t> and </a:t>
-            </a:r>
-            <a:r>
-              <a:rPr lang="en-US" dirty="0" err="1"/>
-              <a:t>last_name</a:t>
-            </a:r>
-            <a:r>
-              <a:rPr lang="en-US" dirty="0"/>
-              <a:t> are optional and thus are added at the end and can be in any order.</a:t>
-            </a:r>
-          </a:p>
-          <a:p>
-            <a:r>
-              <a:rPr lang="en-US" dirty="0"/>
-              <a:t>The </a:t>
-            </a:r>
             <a:r>
               <a:rPr lang="en-US" dirty="0" err="1"/>
               <a:t>PySense</a:t>
             </a:r>
             <a:r>
               <a:rPr lang="en-US" dirty="0"/>
-              <a:t> </a:t>
-            </a:r>
-            <a:r>
-              <a:rPr lang="en-US" dirty="0">
-                <a:hlinkClick r:id="rId2"/>
-              </a:rPr>
-              <a:t>documentation</a:t>
-            </a:r>
-            <a:r>
-              <a:rPr lang="en-US" dirty="0"/>
-              <a:t> lists  which arguments are required and which are optional</a:t>
-            </a:r>
-          </a:p>
-        </p:txBody>
-      </p:sp>
-      <p:sp>
-        <p:nvSpPr>
-          <p:cNvPr id="4" name="Rectangle 2">
-            <a:extLst>
-              <a:ext uri="{FF2B5EF4-FFF2-40B4-BE49-F238E27FC236}">
-                <a16:creationId xmlns:a16="http://schemas.microsoft.com/office/drawing/2014/main" id="{206771C5-4A08-4F89-8974-DC18A665671D}"/>
-              </a:ext>
-            </a:extLst>
-          </p:cNvPr>
-          <p:cNvSpPr>
-            <a:spLocks noChangeArrowheads="1"/>
-          </p:cNvSpPr>
-          <p:nvPr/>
-        </p:nvSpPr>
-        <p:spPr bwMode="auto">
-          <a:xfrm>
-            <a:off x="3808412" y="3313584"/>
-            <a:ext cx="5865813" cy="230832"/>
-          </a:xfrm>
-          <a:prstGeom prst="rect">
-            <a:avLst/>
-          </a:prstGeom>
-          <a:solidFill>
-            <a:srgbClr val="2B2B2B"/>
-          </a:solidFill>
-          <a:ln>
-            <a:noFill/>
-          </a:ln>
-          <a:effectLst/>
-          <a:extLst>
-            <a:ext uri="{91240B29-F687-4F45-9708-019B960494DF}">
-              <a14:hiddenLine xmlns:a14="http://schemas.microsoft.com/office/drawing/2010/main" w="9525">
-                <a:solidFill>
-                  <a:schemeClr val="tx1"/>
-                </a:solidFill>
-                <a:miter lim="800000"/>
-                <a:headEnd/>
-                <a:tailEnd/>
-              </a14:hiddenLine>
-            </a:ext>
-            <a:ext uri="{AF507438-7753-43E0-B8FC-AC1667EBCBE1}">
-              <a14:hiddenEffects xmlns:a14="http://schemas.microsoft.com/office/drawing/2010/main">
-                <a:effectLst>
-                  <a:outerShdw dist="35921" dir="2700000" algn="ctr" rotWithShape="0">
-                    <a:schemeClr val="bg2"/>
-                  </a:outerShdw>
-                </a:effectLst>
-              </a14:hiddenEffects>
-            </a:ext>
-          </a:extLst>
-        </p:spPr>
-        <p:txBody>
-          <a:bodyPr vert="horz" wrap="square" lIns="91440" tIns="45720" rIns="91440" bIns="45720" numCol="1" anchor="ctr" anchorCtr="0" compatLnSpc="1">
-            <a:prstTxWarp prst="textNoShape">
-              <a:avLst/>
-            </a:prstTxWarp>
-            <a:spAutoFit/>
-          </a:bodyPr>
-          <a:lstStyle/>
-          <a:p>
-            <a:pPr marL="0" marR="0" lvl="0" indent="0" algn="l" defTabSz="914400" rtl="0" eaLnBrk="0" fontAlgn="base" latinLnBrk="0" hangingPunct="0">
-              <a:lnSpc>
-                <a:spcPct val="100000"/>
-              </a:lnSpc>
-              <a:spcBef>
-                <a:spcPct val="0"/>
-              </a:spcBef>
-              <a:spcAft>
-                <a:spcPct val="0"/>
-              </a:spcAft>
-              <a:buClrTx/>
-              <a:buSzTx/>
-              <a:buFontTx/>
-              <a:buNone/>
-              <a:tabLst/>
-            </a:pPr>
-            <a:r>
-              <a:rPr kumimoji="0" lang="en-US" altLang="en-US" sz="900" b="0" i="0" u="none" strike="noStrike" cap="none" normalizeH="0" baseline="0" dirty="0" err="1">
-                <a:ln>
-                  <a:noFill/>
-                </a:ln>
-                <a:solidFill>
-                  <a:srgbClr val="A9B7C6"/>
-                </a:solidFill>
-                <a:effectLst/>
-                <a:latin typeface="Consolas" panose="020B0609020204030204" pitchFamily="49" charset="0"/>
-              </a:rPr>
-              <a:t>py_client.add_user</a:t>
-            </a:r>
-            <a:r>
-              <a:rPr kumimoji="0" lang="en-US" altLang="en-US" sz="900" b="0" i="0" u="none" strike="noStrike" cap="none" normalizeH="0" baseline="0" dirty="0">
-                <a:ln>
-                  <a:noFill/>
-                </a:ln>
-                <a:solidFill>
-                  <a:srgbClr val="A9B7C6"/>
-                </a:solidFill>
-                <a:effectLst/>
-                <a:latin typeface="Consolas" panose="020B0609020204030204" pitchFamily="49" charset="0"/>
-              </a:rPr>
-              <a:t>(</a:t>
-            </a:r>
-            <a:r>
-              <a:rPr kumimoji="0" lang="en-US" altLang="en-US" sz="900" b="0" i="0" u="none" strike="noStrike" cap="none" normalizeH="0" baseline="0" dirty="0">
-                <a:ln>
-                  <a:noFill/>
-                </a:ln>
-                <a:solidFill>
-                  <a:srgbClr val="6A8759"/>
-                </a:solidFill>
-                <a:effectLst/>
-                <a:latin typeface="Consolas" panose="020B0609020204030204" pitchFamily="49" charset="0"/>
-              </a:rPr>
-              <a:t>'user@email.com'</a:t>
-            </a:r>
-            <a:r>
-              <a:rPr kumimoji="0" lang="en-US" altLang="en-US" sz="900" b="0" i="0" u="none" strike="noStrike" cap="none" normalizeH="0" baseline="0" dirty="0">
-                <a:ln>
-                  <a:noFill/>
-                </a:ln>
-                <a:solidFill>
-                  <a:srgbClr val="CC7832"/>
-                </a:solidFill>
-                <a:effectLst/>
-                <a:latin typeface="Consolas" panose="020B0609020204030204" pitchFamily="49" charset="0"/>
-              </a:rPr>
-              <a:t>, </a:t>
-            </a:r>
-            <a:r>
-              <a:rPr kumimoji="0" lang="en-US" altLang="en-US" sz="900" b="0" i="0" u="none" strike="noStrike" cap="none" normalizeH="0" baseline="0" dirty="0">
-                <a:ln>
-                  <a:noFill/>
-                </a:ln>
-                <a:solidFill>
-                  <a:srgbClr val="6A8759"/>
-                </a:solidFill>
-                <a:effectLst/>
-                <a:latin typeface="Consolas" panose="020B0609020204030204" pitchFamily="49" charset="0"/>
-              </a:rPr>
-              <a:t>'Data Designer'</a:t>
-            </a:r>
-            <a:r>
-              <a:rPr kumimoji="0" lang="en-US" altLang="en-US" sz="900" b="0" i="0" u="none" strike="noStrike" cap="none" normalizeH="0" baseline="0" dirty="0">
-                <a:ln>
-                  <a:noFill/>
-                </a:ln>
-                <a:solidFill>
-                  <a:srgbClr val="CC7832"/>
-                </a:solidFill>
-                <a:effectLst/>
-                <a:latin typeface="Consolas" panose="020B0609020204030204" pitchFamily="49" charset="0"/>
-              </a:rPr>
-              <a:t>, </a:t>
-            </a:r>
-            <a:r>
-              <a:rPr kumimoji="0" lang="en-US" altLang="en-US" sz="900" b="0" i="0" u="none" strike="noStrike" cap="none" normalizeH="0" baseline="0" dirty="0" err="1">
-                <a:ln>
-                  <a:noFill/>
-                </a:ln>
-                <a:solidFill>
-                  <a:srgbClr val="AA4926"/>
-                </a:solidFill>
-                <a:effectLst/>
-                <a:latin typeface="Consolas" panose="020B0609020204030204" pitchFamily="49" charset="0"/>
-              </a:rPr>
-              <a:t>first_name</a:t>
-            </a:r>
-            <a:r>
-              <a:rPr kumimoji="0" lang="en-US" altLang="en-US" sz="900" b="0" i="0" u="none" strike="noStrike" cap="none" normalizeH="0" baseline="0" dirty="0">
-                <a:ln>
-                  <a:noFill/>
-                </a:ln>
-                <a:solidFill>
-                  <a:srgbClr val="A9B7C6"/>
-                </a:solidFill>
-                <a:effectLst/>
-                <a:latin typeface="Consolas" panose="020B0609020204030204" pitchFamily="49" charset="0"/>
-              </a:rPr>
-              <a:t>=</a:t>
-            </a:r>
-            <a:r>
-              <a:rPr kumimoji="0" lang="en-US" altLang="en-US" sz="900" b="0" i="0" u="none" strike="noStrike" cap="none" normalizeH="0" baseline="0" dirty="0">
-                <a:ln>
-                  <a:noFill/>
-                </a:ln>
-                <a:solidFill>
-                  <a:srgbClr val="6A8759"/>
-                </a:solidFill>
-                <a:effectLst/>
-                <a:latin typeface="Consolas" panose="020B0609020204030204" pitchFamily="49" charset="0"/>
-              </a:rPr>
-              <a:t>'John'</a:t>
-            </a:r>
-            <a:r>
-              <a:rPr kumimoji="0" lang="en-US" altLang="en-US" sz="900" b="0" i="0" u="none" strike="noStrike" cap="none" normalizeH="0" baseline="0" dirty="0">
-                <a:ln>
-                  <a:noFill/>
-                </a:ln>
-                <a:solidFill>
-                  <a:srgbClr val="CC7832"/>
-                </a:solidFill>
-                <a:effectLst/>
-                <a:latin typeface="Consolas" panose="020B0609020204030204" pitchFamily="49" charset="0"/>
-              </a:rPr>
-              <a:t>, </a:t>
-            </a:r>
-            <a:r>
-              <a:rPr kumimoji="0" lang="en-US" altLang="en-US" sz="900" b="0" i="0" u="none" strike="noStrike" cap="none" normalizeH="0" baseline="0" dirty="0" err="1">
-                <a:ln>
-                  <a:noFill/>
-                </a:ln>
-                <a:solidFill>
-                  <a:srgbClr val="AA4926"/>
-                </a:solidFill>
-                <a:effectLst/>
-                <a:latin typeface="Consolas" panose="020B0609020204030204" pitchFamily="49" charset="0"/>
-              </a:rPr>
-              <a:t>last_name</a:t>
-            </a:r>
-            <a:r>
-              <a:rPr kumimoji="0" lang="en-US" altLang="en-US" sz="900" b="0" i="0" u="none" strike="noStrike" cap="none" normalizeH="0" baseline="0" dirty="0">
-                <a:ln>
-                  <a:noFill/>
-                </a:ln>
-                <a:solidFill>
-                  <a:srgbClr val="A9B7C6"/>
-                </a:solidFill>
-                <a:effectLst/>
-                <a:latin typeface="Consolas" panose="020B0609020204030204" pitchFamily="49" charset="0"/>
-              </a:rPr>
-              <a:t>=</a:t>
-            </a:r>
-            <a:r>
-              <a:rPr kumimoji="0" lang="en-US" altLang="en-US" sz="900" b="0" i="0" u="none" strike="noStrike" cap="none" normalizeH="0" baseline="0" dirty="0">
-                <a:ln>
-                  <a:noFill/>
-                </a:ln>
-                <a:solidFill>
-                  <a:srgbClr val="6A8759"/>
-                </a:solidFill>
-                <a:effectLst/>
-                <a:latin typeface="Consolas" panose="020B0609020204030204" pitchFamily="49" charset="0"/>
-              </a:rPr>
-              <a:t>'Doe'</a:t>
-            </a:r>
-            <a:r>
-              <a:rPr kumimoji="0" lang="en-US" altLang="en-US" sz="900" b="0" i="0" u="none" strike="noStrike" cap="none" normalizeH="0" baseline="0" dirty="0">
-                <a:ln>
-                  <a:noFill/>
-                </a:ln>
-                <a:solidFill>
-                  <a:srgbClr val="A9B7C6"/>
-                </a:solidFill>
-                <a:effectLst/>
-                <a:latin typeface="Consolas" panose="020B0609020204030204" pitchFamily="49" charset="0"/>
-              </a:rPr>
-              <a:t>)</a:t>
-            </a:r>
-            <a:endParaRPr kumimoji="0" lang="en-US" altLang="en-US" sz="1800" b="0" i="0" u="none" strike="noStrike" cap="none" normalizeH="0" baseline="0" dirty="0">
-              <a:ln>
-                <a:noFill/>
-              </a:ln>
-              <a:solidFill>
-                <a:schemeClr val="tx1"/>
-              </a:solidFill>
-              <a:effectLst/>
-              <a:latin typeface="Arial" panose="020B0604020202020204" pitchFamily="34" charset="0"/>
-            </a:endParaRPr>
+              <a:t> is a Software Development Kit (SDK) in Python for Sisense</a:t>
+            </a:r>
+          </a:p>
+          <a:p>
+            <a:r>
+              <a:rPr lang="en-US" dirty="0"/>
+              <a:t>Allows Python developers to write software to manage their Sisense</a:t>
+            </a:r>
+          </a:p>
+          <a:p>
+            <a:r>
+              <a:rPr lang="en-US" dirty="0"/>
+              <a:t>Currently: Writing automation means looking up REST calls and managing communication. </a:t>
+            </a:r>
+          </a:p>
+          <a:p>
+            <a:r>
+              <a:rPr lang="en-US" dirty="0"/>
+              <a:t>With </a:t>
+            </a:r>
+            <a:r>
+              <a:rPr lang="en-US" dirty="0" err="1"/>
+              <a:t>PySense</a:t>
+            </a:r>
+            <a:r>
+              <a:rPr lang="en-US" dirty="0"/>
+              <a:t>: We abstract out the REST calls and allow users to write code without knowing the details of the REST API.</a:t>
+            </a:r>
           </a:p>
         </p:txBody>
       </p:sp>
     </p:spTree>
     <p:extLst>
       <p:ext uri="{BB962C8B-B14F-4D97-AF65-F5344CB8AC3E}">
-        <p14:creationId xmlns:p14="http://schemas.microsoft.com/office/powerpoint/2010/main" val="3676505348"/>
+        <p14:creationId xmlns:p14="http://schemas.microsoft.com/office/powerpoint/2010/main" val="2179763277"/>
       </p:ext>
     </p:extLst>
   </p:cSld>
@@ -9625,7 +11664,7 @@
           <p:cNvPr id="2" name="Title 1">
             <a:extLst>
               <a:ext uri="{FF2B5EF4-FFF2-40B4-BE49-F238E27FC236}">
-                <a16:creationId xmlns:a16="http://schemas.microsoft.com/office/drawing/2014/main" id="{526747FF-D7FB-4FD0-9096-897CDC0B9157}"/>
+                <a16:creationId xmlns:a16="http://schemas.microsoft.com/office/drawing/2014/main" id="{AAA943A8-F6AF-45FB-BA7A-F24B9C8AA571}"/>
               </a:ext>
             </a:extLst>
           </p:cNvPr>
@@ -9636,14 +11675,19 @@
             <p:ph type="title"/>
           </p:nvPr>
         </p:nvSpPr>
-        <p:spPr/>
+        <p:spPr>
+          <a:xfrm>
+            <a:off x="1218883" y="274637"/>
+            <a:ext cx="10360501" cy="715963"/>
+          </a:xfrm>
+        </p:spPr>
         <p:txBody>
           <a:bodyPr/>
           <a:lstStyle/>
           <a:p>
             <a:r>
               <a:rPr lang="en-US" dirty="0"/>
-              <a:t>Hands On</a:t>
+              <a:t>Sisense, REST, and Automation</a:t>
             </a:r>
           </a:p>
         </p:txBody>
@@ -9653,7 +11697,7 @@
           <p:cNvPr id="3" name="Content Placeholder 2">
             <a:extLst>
               <a:ext uri="{FF2B5EF4-FFF2-40B4-BE49-F238E27FC236}">
-                <a16:creationId xmlns:a16="http://schemas.microsoft.com/office/drawing/2014/main" id="{D3698E1F-E607-486A-9AC1-7FA984F129C5}"/>
+                <a16:creationId xmlns:a16="http://schemas.microsoft.com/office/drawing/2014/main" id="{F9F42571-0882-43F6-BC43-B5838D83241F}"/>
               </a:ext>
             </a:extLst>
           </p:cNvPr>
@@ -9664,43 +11708,75 @@
             <p:ph idx="1"/>
           </p:nvPr>
         </p:nvSpPr>
-        <p:spPr/>
+        <p:spPr>
+          <a:xfrm>
+            <a:off x="1103025" y="1407297"/>
+            <a:ext cx="8944211" cy="4840369"/>
+          </a:xfrm>
+        </p:spPr>
         <p:txBody>
-          <a:bodyPr/>
+          <a:bodyPr>
+            <a:normAutofit fontScale="92500" lnSpcReduction="20000"/>
+          </a:bodyPr>
           <a:lstStyle/>
           <a:p>
             <a:r>
               <a:rPr lang="en-US" dirty="0"/>
-              <a:t>Authenticate with our Sisense server</a:t>
-            </a:r>
-          </a:p>
-          <a:p>
-            <a:r>
-              <a:rPr lang="en-US" dirty="0"/>
-              <a:t>Create a user and add a security rule</a:t>
-            </a:r>
-          </a:p>
-          <a:p>
-            <a:r>
-              <a:rPr lang="en-US" dirty="0"/>
-              <a:t>Download our dashboards</a:t>
-            </a:r>
-          </a:p>
-          <a:p>
-            <a:r>
-              <a:rPr lang="en-US" dirty="0">
-                <a:hlinkClick r:id="rId2"/>
-              </a:rPr>
-              <a:t>https://github.com/nathangiusti/PySense/tree/master/Snippets</a:t>
-            </a:r>
-            <a:endParaRPr lang="en-US" dirty="0"/>
+              <a:t>All communication between the front end and the back end of Sisense is accomplished via REST. </a:t>
+            </a:r>
+          </a:p>
+          <a:p>
+            <a:r>
+              <a:rPr lang="en-US" dirty="0"/>
+              <a:t>REST (Representational State Transfer) is a protocol that allows us to programmatically tell the server to do something for us, generally either</a:t>
+            </a:r>
+          </a:p>
+          <a:p>
+            <a:pPr lvl="1"/>
+            <a:r>
+              <a:rPr lang="en-US" dirty="0"/>
+              <a:t>Get information</a:t>
+            </a:r>
+          </a:p>
+          <a:p>
+            <a:pPr lvl="1"/>
+            <a:r>
+              <a:rPr lang="en-US" dirty="0"/>
+              <a:t>Modify information</a:t>
+            </a:r>
+          </a:p>
+          <a:p>
+            <a:pPr lvl="1"/>
+            <a:r>
+              <a:rPr lang="en-US" dirty="0"/>
+              <a:t>Add information</a:t>
+            </a:r>
+          </a:p>
+          <a:p>
+            <a:pPr lvl="1"/>
+            <a:r>
+              <a:rPr lang="en-US" dirty="0"/>
+              <a:t>Delete information</a:t>
+            </a:r>
+          </a:p>
+          <a:p>
+            <a:r>
+              <a:rPr lang="en-US" dirty="0"/>
+              <a:t>When you click a button on the UI, you are activating a REST call. </a:t>
+            </a:r>
+          </a:p>
+          <a:p>
+            <a:r>
+              <a:rPr lang="en-US" dirty="0"/>
+              <a:t>Automation is skipping the button pressing and just making the REST call directly. </a:t>
+            </a:r>
           </a:p>
         </p:txBody>
       </p:sp>
     </p:spTree>
     <p:extLst>
       <p:ext uri="{BB962C8B-B14F-4D97-AF65-F5344CB8AC3E}">
-        <p14:creationId xmlns:p14="http://schemas.microsoft.com/office/powerpoint/2010/main" val="3867761439"/>
+        <p14:creationId xmlns:p14="http://schemas.microsoft.com/office/powerpoint/2010/main" val="3957816765"/>
       </p:ext>
     </p:extLst>
   </p:cSld>
@@ -9741,7 +11817,13 @@
       </p:grpSpPr>
       <p:sp>
         <p:nvSpPr>
-          <p:cNvPr id="7" name="Title 6"/>
+          <p:cNvPr id="2" name="Title 1">
+            <a:extLst>
+              <a:ext uri="{FF2B5EF4-FFF2-40B4-BE49-F238E27FC236}">
+                <a16:creationId xmlns:a16="http://schemas.microsoft.com/office/drawing/2014/main" id="{C704E581-86A1-4D3C-B38E-B584EDCB5295}"/>
+              </a:ext>
+            </a:extLst>
+          </p:cNvPr>
           <p:cNvSpPr>
             <a:spLocks noGrp="1"/>
           </p:cNvSpPr>
@@ -9755,8 +11837,12 @@
           <a:lstStyle/>
           <a:p>
             <a:r>
-              <a:rPr lang="en-US" dirty="0"/>
-              <a:t>Authentication</a:t>
+              <a:rPr lang="en-US" dirty="0" err="1"/>
+              <a:t>PySense</a:t>
+            </a:r>
+            <a:r>
+              <a:rPr lang="en-US" dirty="0"/>
+              <a:t> is Object Oriented Sisense	</a:t>
             </a:r>
           </a:p>
         </p:txBody>
@@ -9766,7 +11852,7 @@
           <p:cNvPr id="3" name="Content Placeholder 2">
             <a:extLst>
               <a:ext uri="{FF2B5EF4-FFF2-40B4-BE49-F238E27FC236}">
-                <a16:creationId xmlns:a16="http://schemas.microsoft.com/office/drawing/2014/main" id="{2ED27052-9A29-48B4-B0EC-AD50D2AF88EF}"/>
+                <a16:creationId xmlns:a16="http://schemas.microsoft.com/office/drawing/2014/main" id="{CABCEE03-E989-40AC-9386-72FA6F9D92A0}"/>
               </a:ext>
             </a:extLst>
           </p:cNvPr>
@@ -9779,20 +11865,24 @@
         </p:nvSpPr>
         <p:spPr/>
         <p:txBody>
-          <a:bodyPr>
-            <a:normAutofit/>
-          </a:bodyPr>
+          <a:bodyPr/>
           <a:lstStyle/>
           <a:p>
             <a:r>
               <a:rPr lang="en-US" dirty="0"/>
-              <a:t>We must log in to Sisense via API as we would if we were logging in to the web. </a:t>
-            </a:r>
-          </a:p>
-          <a:p>
-            <a:r>
-              <a:rPr lang="en-US" dirty="0"/>
-              <a:t>Authentication returns us a </a:t>
+              <a:t>Object Oriented Programming (OOP) takes abstract computer elements and models them as objects which are easier for humans to understand.</a:t>
+            </a:r>
+          </a:p>
+          <a:p>
+            <a:r>
+              <a:rPr lang="en-US" dirty="0"/>
+              <a:t>When you ask Sisense for a dashboard it returns you a JSON blob</a:t>
+            </a:r>
+          </a:p>
+          <a:p>
+            <a:r>
+              <a:rPr lang="en-US" dirty="0"/>
+              <a:t>When you ask </a:t>
             </a:r>
             <a:r>
               <a:rPr lang="en-US" dirty="0" err="1"/>
@@ -9800,797 +11890,15 @@
             </a:r>
             <a:r>
               <a:rPr lang="en-US" dirty="0"/>
-              <a:t> object which we name </a:t>
-            </a:r>
-            <a:r>
-              <a:rPr lang="en-US" dirty="0" err="1"/>
-              <a:t>py_client</a:t>
-            </a:r>
-            <a:endParaRPr lang="en-US" dirty="0"/>
-          </a:p>
-          <a:p>
-            <a:r>
-              <a:rPr lang="en-US" dirty="0"/>
-              <a:t>We can do this two ways</a:t>
-            </a:r>
-          </a:p>
-          <a:p>
-            <a:pPr lvl="1"/>
-            <a:r>
-              <a:rPr lang="en-US" dirty="0"/>
-              <a:t>Inline:</a:t>
-            </a:r>
-          </a:p>
-          <a:p>
-            <a:pPr lvl="1"/>
-            <a:r>
-              <a:rPr lang="en-US" dirty="0"/>
-              <a:t>From file: </a:t>
-            </a:r>
-          </a:p>
-          <a:p>
-            <a:pPr lvl="2"/>
-            <a:r>
-              <a:rPr lang="en-US" dirty="0" err="1"/>
-              <a:t>SampleConfig.yaml</a:t>
-            </a:r>
-            <a:r>
-              <a:rPr lang="en-US" dirty="0"/>
-              <a:t>:</a:t>
-            </a:r>
-          </a:p>
-        </p:txBody>
-      </p:sp>
-      <p:sp>
-        <p:nvSpPr>
-          <p:cNvPr id="5" name="Rectangle 2">
-            <a:extLst>
-              <a:ext uri="{FF2B5EF4-FFF2-40B4-BE49-F238E27FC236}">
-                <a16:creationId xmlns:a16="http://schemas.microsoft.com/office/drawing/2014/main" id="{874040FE-AF0A-43F7-A2F0-7977C9FFEDD1}"/>
-              </a:ext>
-            </a:extLst>
-          </p:cNvPr>
-          <p:cNvSpPr>
-            <a:spLocks noChangeArrowheads="1"/>
-          </p:cNvSpPr>
-          <p:nvPr/>
-        </p:nvSpPr>
-        <p:spPr bwMode="auto">
-          <a:xfrm>
-            <a:off x="2817812" y="4272599"/>
-            <a:ext cx="4648200" cy="230832"/>
-          </a:xfrm>
-          <a:prstGeom prst="rect">
-            <a:avLst/>
-          </a:prstGeom>
-          <a:solidFill>
-            <a:srgbClr val="2B2B2B"/>
-          </a:solidFill>
-          <a:ln>
-            <a:noFill/>
-          </a:ln>
-          <a:effectLst/>
-          <a:extLst>
-            <a:ext uri="{91240B29-F687-4F45-9708-019B960494DF}">
-              <a14:hiddenLine xmlns:a14="http://schemas.microsoft.com/office/drawing/2010/main" w="9525">
-                <a:solidFill>
-                  <a:schemeClr val="tx1"/>
-                </a:solidFill>
-                <a:miter lim="800000"/>
-                <a:headEnd/>
-                <a:tailEnd/>
-              </a14:hiddenLine>
-            </a:ext>
-            <a:ext uri="{AF507438-7753-43E0-B8FC-AC1667EBCBE1}">
-              <a14:hiddenEffects xmlns:a14="http://schemas.microsoft.com/office/drawing/2010/main">
-                <a:effectLst>
-                  <a:outerShdw dist="35921" dir="2700000" algn="ctr" rotWithShape="0">
-                    <a:schemeClr val="bg2"/>
-                  </a:outerShdw>
-                </a:effectLst>
-              </a14:hiddenEffects>
-            </a:ext>
-          </a:extLst>
-        </p:spPr>
-        <p:txBody>
-          <a:bodyPr vert="horz" wrap="square" lIns="91440" tIns="45720" rIns="91440" bIns="45720" numCol="1" anchor="ctr" anchorCtr="0" compatLnSpc="1">
-            <a:prstTxWarp prst="textNoShape">
-              <a:avLst/>
-            </a:prstTxWarp>
-            <a:spAutoFit/>
-          </a:bodyPr>
-          <a:lstStyle/>
-          <a:p>
-            <a:pPr marL="0" marR="0" lvl="0" indent="0" algn="l" defTabSz="914400" rtl="0" eaLnBrk="0" fontAlgn="base" latinLnBrk="0" hangingPunct="0">
-              <a:lnSpc>
-                <a:spcPct val="100000"/>
-              </a:lnSpc>
-              <a:spcBef>
-                <a:spcPct val="0"/>
-              </a:spcBef>
-              <a:spcAft>
-                <a:spcPct val="0"/>
-              </a:spcAft>
-              <a:buClrTx/>
-              <a:buSzTx/>
-              <a:buFontTx/>
-              <a:buNone/>
-              <a:tabLst/>
-            </a:pPr>
-            <a:r>
-              <a:rPr kumimoji="0" lang="en-US" altLang="en-US" sz="900" b="0" i="0" u="none" strike="noStrike" cap="none" normalizeH="0" baseline="0" dirty="0" err="1">
-                <a:ln>
-                  <a:noFill/>
-                </a:ln>
-                <a:solidFill>
-                  <a:srgbClr val="A9B7C6"/>
-                </a:solidFill>
-                <a:effectLst/>
-                <a:latin typeface="Consolas" panose="020B0609020204030204" pitchFamily="49" charset="0"/>
-              </a:rPr>
-              <a:t>py_client</a:t>
-            </a:r>
-            <a:r>
-              <a:rPr kumimoji="0" lang="en-US" altLang="en-US" sz="900" b="0" i="0" u="none" strike="noStrike" cap="none" normalizeH="0" baseline="0" dirty="0">
-                <a:ln>
-                  <a:noFill/>
-                </a:ln>
-                <a:solidFill>
-                  <a:srgbClr val="A9B7C6"/>
-                </a:solidFill>
-                <a:effectLst/>
-                <a:latin typeface="Consolas" panose="020B0609020204030204" pitchFamily="49" charset="0"/>
-              </a:rPr>
-              <a:t> = </a:t>
-            </a:r>
-            <a:r>
-              <a:rPr kumimoji="0" lang="en-US" altLang="en-US" sz="900" b="0" i="0" u="none" strike="noStrike" cap="none" normalizeH="0" baseline="0" dirty="0" err="1">
-                <a:ln>
-                  <a:noFill/>
-                </a:ln>
-                <a:solidFill>
-                  <a:srgbClr val="A9B7C6"/>
-                </a:solidFill>
-                <a:effectLst/>
-                <a:latin typeface="Consolas" panose="020B0609020204030204" pitchFamily="49" charset="0"/>
-              </a:rPr>
-              <a:t>PySense.PySense</a:t>
-            </a:r>
-            <a:r>
-              <a:rPr kumimoji="0" lang="en-US" altLang="en-US" sz="900" b="0" i="0" u="none" strike="noStrike" cap="none" normalizeH="0" baseline="0" dirty="0">
-                <a:ln>
-                  <a:noFill/>
-                </a:ln>
-                <a:solidFill>
-                  <a:srgbClr val="A9B7C6"/>
-                </a:solidFill>
-                <a:effectLst/>
-                <a:latin typeface="Consolas" panose="020B0609020204030204" pitchFamily="49" charset="0"/>
-              </a:rPr>
-              <a:t>(</a:t>
-            </a:r>
-            <a:r>
-              <a:rPr kumimoji="0" lang="en-US" altLang="en-US" sz="900" b="0" i="0" u="none" strike="noStrike" cap="none" normalizeH="0" baseline="0" dirty="0">
-                <a:ln>
-                  <a:noFill/>
-                </a:ln>
-                <a:solidFill>
-                  <a:srgbClr val="6A8759"/>
-                </a:solidFill>
-                <a:effectLst/>
-                <a:latin typeface="Consolas" panose="020B0609020204030204" pitchFamily="49" charset="0"/>
-              </a:rPr>
-              <a:t>‘localhost’</a:t>
-            </a:r>
-            <a:r>
-              <a:rPr kumimoji="0" lang="en-US" altLang="en-US" sz="900" b="0" i="0" u="none" strike="noStrike" cap="none" normalizeH="0" baseline="0" dirty="0">
-                <a:ln>
-                  <a:noFill/>
-                </a:ln>
-                <a:solidFill>
-                  <a:srgbClr val="CC7832"/>
-                </a:solidFill>
-                <a:effectLst/>
-                <a:latin typeface="Consolas" panose="020B0609020204030204" pitchFamily="49" charset="0"/>
-              </a:rPr>
-              <a:t>, </a:t>
-            </a:r>
-            <a:r>
-              <a:rPr kumimoji="0" lang="en-US" altLang="en-US" sz="900" b="0" i="0" u="none" strike="noStrike" cap="none" normalizeH="0" baseline="0" dirty="0">
-                <a:ln>
-                  <a:noFill/>
-                </a:ln>
-                <a:solidFill>
-                  <a:srgbClr val="6A8759"/>
-                </a:solidFill>
-                <a:effectLst/>
-                <a:latin typeface="Consolas" panose="020B0609020204030204" pitchFamily="49" charset="0"/>
-              </a:rPr>
-              <a:t>‘</a:t>
-            </a:r>
-            <a:r>
-              <a:rPr kumimoji="0" lang="en-US" altLang="en-US" sz="900" b="0" i="0" u="none" strike="noStrike" cap="none" normalizeH="0" baseline="0" dirty="0" err="1">
-                <a:ln>
-                  <a:noFill/>
-                </a:ln>
-                <a:solidFill>
-                  <a:srgbClr val="6A8759"/>
-                </a:solidFill>
-                <a:effectLst/>
-                <a:latin typeface="Consolas" panose="020B0609020204030204" pitchFamily="49" charset="0"/>
-              </a:rPr>
-              <a:t>myusername</a:t>
-            </a:r>
-            <a:r>
-              <a:rPr kumimoji="0" lang="en-US" altLang="en-US" sz="900" b="0" i="0" u="none" strike="noStrike" cap="none" normalizeH="0" baseline="0" dirty="0">
-                <a:ln>
-                  <a:noFill/>
-                </a:ln>
-                <a:solidFill>
-                  <a:srgbClr val="6A8759"/>
-                </a:solidFill>
-                <a:effectLst/>
-                <a:latin typeface="Consolas" panose="020B0609020204030204" pitchFamily="49" charset="0"/>
-              </a:rPr>
-              <a:t>’</a:t>
-            </a:r>
-            <a:r>
-              <a:rPr kumimoji="0" lang="en-US" altLang="en-US" sz="900" b="0" i="0" u="none" strike="noStrike" cap="none" normalizeH="0" baseline="0" dirty="0">
-                <a:ln>
-                  <a:noFill/>
-                </a:ln>
-                <a:solidFill>
-                  <a:srgbClr val="CC7832"/>
-                </a:solidFill>
-                <a:effectLst/>
-                <a:latin typeface="Consolas" panose="020B0609020204030204" pitchFamily="49" charset="0"/>
-              </a:rPr>
-              <a:t>, </a:t>
-            </a:r>
-            <a:r>
-              <a:rPr kumimoji="0" lang="en-US" altLang="en-US" sz="900" b="0" i="0" u="none" strike="noStrike" cap="none" normalizeH="0" baseline="0" dirty="0">
-                <a:ln>
-                  <a:noFill/>
-                </a:ln>
-                <a:solidFill>
-                  <a:srgbClr val="6A8759"/>
-                </a:solidFill>
-                <a:effectLst/>
-                <a:latin typeface="Consolas" panose="020B0609020204030204" pitchFamily="49" charset="0"/>
-              </a:rPr>
-              <a:t>‘</a:t>
-            </a:r>
-            <a:r>
-              <a:rPr kumimoji="0" lang="en-US" altLang="en-US" sz="900" b="0" i="0" u="none" strike="noStrike" cap="none" normalizeH="0" baseline="0" dirty="0" err="1">
-                <a:ln>
-                  <a:noFill/>
-                </a:ln>
-                <a:solidFill>
-                  <a:srgbClr val="6A8759"/>
-                </a:solidFill>
-                <a:effectLst/>
-                <a:latin typeface="Consolas" panose="020B0609020204030204" pitchFamily="49" charset="0"/>
-              </a:rPr>
-              <a:t>mypassword</a:t>
-            </a:r>
-            <a:r>
-              <a:rPr kumimoji="0" lang="en-US" altLang="en-US" sz="900" b="0" i="0" u="none" strike="noStrike" cap="none" normalizeH="0" baseline="0" dirty="0">
-                <a:ln>
-                  <a:noFill/>
-                </a:ln>
-                <a:solidFill>
-                  <a:srgbClr val="6A8759"/>
-                </a:solidFill>
-                <a:effectLst/>
-                <a:latin typeface="Consolas" panose="020B0609020204030204" pitchFamily="49" charset="0"/>
-              </a:rPr>
-              <a:t>'</a:t>
-            </a:r>
-            <a:r>
-              <a:rPr kumimoji="0" lang="en-US" altLang="en-US" sz="900" b="0" i="0" u="none" strike="noStrike" cap="none" normalizeH="0" baseline="0" dirty="0">
-                <a:ln>
-                  <a:noFill/>
-                </a:ln>
-                <a:solidFill>
-                  <a:srgbClr val="A9B7C6"/>
-                </a:solidFill>
-                <a:effectLst/>
-                <a:latin typeface="Consolas" panose="020B0609020204030204" pitchFamily="49" charset="0"/>
-              </a:rPr>
-              <a:t>)</a:t>
-            </a:r>
-            <a:endParaRPr kumimoji="0" lang="en-US" altLang="en-US" sz="1800" b="0" i="0" u="none" strike="noStrike" cap="none" normalizeH="0" baseline="0" dirty="0">
-              <a:ln>
-                <a:noFill/>
-              </a:ln>
-              <a:solidFill>
-                <a:schemeClr val="tx1"/>
-              </a:solidFill>
-              <a:effectLst/>
-              <a:latin typeface="Arial" panose="020B0604020202020204" pitchFamily="34" charset="0"/>
-            </a:endParaRPr>
-          </a:p>
-        </p:txBody>
-      </p:sp>
-      <p:sp>
-        <p:nvSpPr>
-          <p:cNvPr id="6" name="Rectangle 3">
-            <a:extLst>
-              <a:ext uri="{FF2B5EF4-FFF2-40B4-BE49-F238E27FC236}">
-                <a16:creationId xmlns:a16="http://schemas.microsoft.com/office/drawing/2014/main" id="{889F68C9-6A2D-49FA-B681-412795B0B0E5}"/>
-              </a:ext>
-            </a:extLst>
-          </p:cNvPr>
-          <p:cNvSpPr>
-            <a:spLocks noChangeArrowheads="1"/>
-          </p:cNvSpPr>
-          <p:nvPr/>
-        </p:nvSpPr>
-        <p:spPr bwMode="auto">
-          <a:xfrm>
-            <a:off x="3198812" y="4633077"/>
-            <a:ext cx="4114800" cy="230832"/>
-          </a:xfrm>
-          <a:prstGeom prst="rect">
-            <a:avLst/>
-          </a:prstGeom>
-          <a:solidFill>
-            <a:srgbClr val="2B2B2B"/>
-          </a:solidFill>
-          <a:ln>
-            <a:noFill/>
-          </a:ln>
-          <a:effectLst/>
-          <a:extLst>
-            <a:ext uri="{91240B29-F687-4F45-9708-019B960494DF}">
-              <a14:hiddenLine xmlns:a14="http://schemas.microsoft.com/office/drawing/2010/main" w="9525">
-                <a:solidFill>
-                  <a:schemeClr val="tx1"/>
-                </a:solidFill>
-                <a:miter lim="800000"/>
-                <a:headEnd/>
-                <a:tailEnd/>
-              </a14:hiddenLine>
-            </a:ext>
-            <a:ext uri="{AF507438-7753-43E0-B8FC-AC1667EBCBE1}">
-              <a14:hiddenEffects xmlns:a14="http://schemas.microsoft.com/office/drawing/2010/main">
-                <a:effectLst>
-                  <a:outerShdw dist="35921" dir="2700000" algn="ctr" rotWithShape="0">
-                    <a:schemeClr val="bg2"/>
-                  </a:outerShdw>
-                </a:effectLst>
-              </a14:hiddenEffects>
-            </a:ext>
-          </a:extLst>
-        </p:spPr>
-        <p:txBody>
-          <a:bodyPr vert="horz" wrap="square" lIns="91440" tIns="45720" rIns="91440" bIns="45720" numCol="1" anchor="ctr" anchorCtr="0" compatLnSpc="1">
-            <a:prstTxWarp prst="textNoShape">
-              <a:avLst/>
-            </a:prstTxWarp>
-            <a:spAutoFit/>
-          </a:bodyPr>
-          <a:lstStyle/>
-          <a:p>
-            <a:pPr marL="0" marR="0" lvl="0" indent="0" algn="l" defTabSz="914400" rtl="0" eaLnBrk="0" fontAlgn="base" latinLnBrk="0" hangingPunct="0">
-              <a:lnSpc>
-                <a:spcPct val="100000"/>
-              </a:lnSpc>
-              <a:spcBef>
-                <a:spcPct val="0"/>
-              </a:spcBef>
-              <a:spcAft>
-                <a:spcPct val="0"/>
-              </a:spcAft>
-              <a:buClrTx/>
-              <a:buSzTx/>
-              <a:buFontTx/>
-              <a:buNone/>
-              <a:tabLst/>
-            </a:pPr>
-            <a:r>
-              <a:rPr kumimoji="0" lang="en-US" altLang="en-US" sz="900" b="0" i="0" u="none" strike="noStrike" cap="none" normalizeH="0" baseline="0" dirty="0" err="1">
-                <a:ln>
-                  <a:noFill/>
-                </a:ln>
-                <a:solidFill>
-                  <a:srgbClr val="A9B7C6"/>
-                </a:solidFill>
-                <a:effectLst/>
-                <a:latin typeface="Consolas" panose="020B0609020204030204" pitchFamily="49" charset="0"/>
-              </a:rPr>
-              <a:t>py_client</a:t>
-            </a:r>
-            <a:r>
-              <a:rPr kumimoji="0" lang="en-US" altLang="en-US" sz="900" b="0" i="0" u="none" strike="noStrike" cap="none" normalizeH="0" baseline="0" dirty="0">
-                <a:ln>
-                  <a:noFill/>
-                </a:ln>
-                <a:solidFill>
-                  <a:srgbClr val="A9B7C6"/>
-                </a:solidFill>
-                <a:effectLst/>
-                <a:latin typeface="Consolas" panose="020B0609020204030204" pitchFamily="49" charset="0"/>
-              </a:rPr>
-              <a:t> = </a:t>
-            </a:r>
-            <a:r>
-              <a:rPr kumimoji="0" lang="en-US" altLang="en-US" sz="900" b="0" i="0" u="none" strike="noStrike" cap="none" normalizeH="0" baseline="0" dirty="0" err="1">
-                <a:ln>
-                  <a:noFill/>
-                </a:ln>
-                <a:solidFill>
-                  <a:srgbClr val="A9B7C6"/>
-                </a:solidFill>
-                <a:effectLst/>
-                <a:latin typeface="Consolas" panose="020B0609020204030204" pitchFamily="49" charset="0"/>
-              </a:rPr>
-              <a:t>PySense.authenticate_by_file</a:t>
-            </a:r>
-            <a:r>
-              <a:rPr kumimoji="0" lang="en-US" altLang="en-US" sz="900" b="0" i="0" u="none" strike="noStrike" cap="none" normalizeH="0" baseline="0" dirty="0">
-                <a:ln>
-                  <a:noFill/>
-                </a:ln>
-                <a:solidFill>
-                  <a:srgbClr val="A9B7C6"/>
-                </a:solidFill>
-                <a:effectLst/>
-                <a:latin typeface="Consolas" panose="020B0609020204030204" pitchFamily="49" charset="0"/>
-              </a:rPr>
-              <a:t>(</a:t>
-            </a:r>
-            <a:r>
-              <a:rPr kumimoji="0" lang="en-US" altLang="en-US" sz="900" b="0" i="0" u="none" strike="noStrike" cap="none" normalizeH="0" baseline="0" dirty="0">
-                <a:ln>
-                  <a:noFill/>
-                </a:ln>
-                <a:solidFill>
-                  <a:srgbClr val="6A8759"/>
-                </a:solidFill>
-                <a:effectLst/>
-                <a:latin typeface="Consolas" panose="020B0609020204030204" pitchFamily="49" charset="0"/>
-              </a:rPr>
-              <a:t>'</a:t>
-            </a:r>
-            <a:r>
-              <a:rPr kumimoji="0" lang="en-US" altLang="en-US" sz="900" b="0" i="0" u="none" strike="noStrike" cap="none" normalizeH="0" baseline="0" dirty="0" err="1">
-                <a:ln>
-                  <a:noFill/>
-                </a:ln>
-                <a:solidFill>
-                  <a:srgbClr val="6A8759"/>
-                </a:solidFill>
-                <a:effectLst/>
-                <a:latin typeface="Consolas" panose="020B0609020204030204" pitchFamily="49" charset="0"/>
-              </a:rPr>
-              <a:t>SampleConfig.yaml</a:t>
-            </a:r>
-            <a:r>
-              <a:rPr kumimoji="0" lang="en-US" altLang="en-US" sz="900" b="0" i="0" u="none" strike="noStrike" cap="none" normalizeH="0" baseline="0" dirty="0">
-                <a:ln>
-                  <a:noFill/>
-                </a:ln>
-                <a:solidFill>
-                  <a:srgbClr val="6A8759"/>
-                </a:solidFill>
-                <a:effectLst/>
-                <a:latin typeface="Consolas" panose="020B0609020204030204" pitchFamily="49" charset="0"/>
-              </a:rPr>
-              <a:t>'</a:t>
-            </a:r>
-            <a:r>
-              <a:rPr kumimoji="0" lang="en-US" altLang="en-US" sz="900" b="0" i="0" u="none" strike="noStrike" cap="none" normalizeH="0" baseline="0" dirty="0">
-                <a:ln>
-                  <a:noFill/>
-                </a:ln>
-                <a:solidFill>
-                  <a:srgbClr val="A9B7C6"/>
-                </a:solidFill>
-                <a:effectLst/>
-                <a:latin typeface="Consolas" panose="020B0609020204030204" pitchFamily="49" charset="0"/>
-              </a:rPr>
-              <a:t>)</a:t>
-            </a:r>
-            <a:endParaRPr kumimoji="0" lang="en-US" altLang="en-US" sz="1800" b="0" i="0" u="none" strike="noStrike" cap="none" normalizeH="0" baseline="0" dirty="0">
-              <a:ln>
-                <a:noFill/>
-              </a:ln>
-              <a:solidFill>
-                <a:schemeClr val="tx1"/>
-              </a:solidFill>
-              <a:effectLst/>
-              <a:latin typeface="Arial" panose="020B0604020202020204" pitchFamily="34" charset="0"/>
-            </a:endParaRPr>
-          </a:p>
-        </p:txBody>
-      </p:sp>
-      <p:sp>
-        <p:nvSpPr>
-          <p:cNvPr id="8" name="Rectangle 4">
-            <a:extLst>
-              <a:ext uri="{FF2B5EF4-FFF2-40B4-BE49-F238E27FC236}">
-                <a16:creationId xmlns:a16="http://schemas.microsoft.com/office/drawing/2014/main" id="{47AB30E1-ECBB-480B-A43D-3D0D5186D662}"/>
-              </a:ext>
-            </a:extLst>
-          </p:cNvPr>
-          <p:cNvSpPr>
-            <a:spLocks noChangeArrowheads="1"/>
-          </p:cNvSpPr>
-          <p:nvPr/>
-        </p:nvSpPr>
-        <p:spPr bwMode="auto">
-          <a:xfrm>
-            <a:off x="4341812" y="5079834"/>
-            <a:ext cx="2492990" cy="507831"/>
-          </a:xfrm>
-          <a:prstGeom prst="rect">
-            <a:avLst/>
-          </a:prstGeom>
-          <a:solidFill>
-            <a:srgbClr val="2B2B2B"/>
-          </a:solidFill>
-          <a:ln>
-            <a:noFill/>
-          </a:ln>
-          <a:effectLst/>
-          <a:extLst>
-            <a:ext uri="{91240B29-F687-4F45-9708-019B960494DF}">
-              <a14:hiddenLine xmlns:a14="http://schemas.microsoft.com/office/drawing/2010/main" w="9525">
-                <a:solidFill>
-                  <a:schemeClr val="tx1"/>
-                </a:solidFill>
-                <a:miter lim="800000"/>
-                <a:headEnd/>
-                <a:tailEnd/>
-              </a14:hiddenLine>
-            </a:ext>
-            <a:ext uri="{AF507438-7753-43E0-B8FC-AC1667EBCBE1}">
-              <a14:hiddenEffects xmlns:a14="http://schemas.microsoft.com/office/drawing/2010/main">
-                <a:effectLst>
-                  <a:outerShdw dist="35921" dir="2700000" algn="ctr" rotWithShape="0">
-                    <a:schemeClr val="bg2"/>
-                  </a:outerShdw>
-                </a:effectLst>
-              </a14:hiddenEffects>
-            </a:ext>
-          </a:extLst>
-        </p:spPr>
-        <p:txBody>
-          <a:bodyPr vert="horz" wrap="none" lIns="91440" tIns="45720" rIns="91440" bIns="45720" numCol="1" anchor="ctr" anchorCtr="0" compatLnSpc="1">
-            <a:prstTxWarp prst="textNoShape">
-              <a:avLst/>
-            </a:prstTxWarp>
-            <a:spAutoFit/>
-          </a:bodyPr>
-          <a:lstStyle/>
-          <a:p>
-            <a:pPr marL="0" marR="0" lvl="0" indent="0" algn="l" defTabSz="914400" rtl="0" eaLnBrk="0" fontAlgn="base" latinLnBrk="0" hangingPunct="0">
-              <a:lnSpc>
-                <a:spcPct val="100000"/>
-              </a:lnSpc>
-              <a:spcBef>
-                <a:spcPct val="0"/>
-              </a:spcBef>
-              <a:spcAft>
-                <a:spcPct val="0"/>
-              </a:spcAft>
-              <a:buClrTx/>
-              <a:buSzTx/>
-              <a:buFontTx/>
-              <a:buNone/>
-              <a:tabLst/>
-            </a:pPr>
-            <a:r>
-              <a:rPr kumimoji="0" lang="en-US" altLang="en-US" sz="900" b="0" i="0" u="none" strike="noStrike" cap="none" normalizeH="0" baseline="0" dirty="0">
-                <a:ln>
-                  <a:noFill/>
-                </a:ln>
-                <a:solidFill>
-                  <a:srgbClr val="CC7832"/>
-                </a:solidFill>
-                <a:effectLst/>
-                <a:latin typeface="Consolas" panose="020B0609020204030204" pitchFamily="49" charset="0"/>
-              </a:rPr>
-              <a:t>host</a:t>
-            </a:r>
-            <a:r>
-              <a:rPr kumimoji="0" lang="en-US" altLang="en-US" sz="900" b="0" i="0" u="none" strike="noStrike" cap="none" normalizeH="0" baseline="0" dirty="0">
-                <a:ln>
-                  <a:noFill/>
-                </a:ln>
-                <a:solidFill>
-                  <a:srgbClr val="A9B7C6"/>
-                </a:solidFill>
-                <a:effectLst/>
-                <a:latin typeface="Consolas" panose="020B0609020204030204" pitchFamily="49" charset="0"/>
-              </a:rPr>
-              <a:t>: </a:t>
-            </a:r>
-            <a:r>
-              <a:rPr kumimoji="0" lang="en-US" altLang="en-US" sz="900" b="0" i="0" u="none" strike="noStrike" cap="none" normalizeH="0" baseline="0" dirty="0">
-                <a:ln>
-                  <a:noFill/>
-                </a:ln>
-                <a:solidFill>
-                  <a:srgbClr val="6A8759"/>
-                </a:solidFill>
-                <a:effectLst/>
-                <a:latin typeface="Consolas" panose="020B0609020204030204" pitchFamily="49" charset="0"/>
-              </a:rPr>
-              <a:t>'</a:t>
-            </a:r>
-            <a:r>
-              <a:rPr kumimoji="0" lang="en-US" altLang="en-US" sz="900" b="0" i="0" u="none" strike="noStrike" cap="none" normalizeH="0" baseline="0" dirty="0" err="1">
-                <a:ln>
-                  <a:noFill/>
-                </a:ln>
-                <a:solidFill>
-                  <a:srgbClr val="6A8759"/>
-                </a:solidFill>
-                <a:effectLst/>
-                <a:latin typeface="Consolas" panose="020B0609020204030204" pitchFamily="49" charset="0"/>
-              </a:rPr>
-              <a:t>your_host</a:t>
-            </a:r>
-            <a:r>
-              <a:rPr kumimoji="0" lang="en-US" altLang="en-US" sz="900" b="0" i="0" u="none" strike="noStrike" cap="none" normalizeH="0" baseline="0" dirty="0">
-                <a:ln>
-                  <a:noFill/>
-                </a:ln>
-                <a:solidFill>
-                  <a:srgbClr val="6A8759"/>
-                </a:solidFill>
-                <a:effectLst/>
-                <a:latin typeface="Consolas" panose="020B0609020204030204" pitchFamily="49" charset="0"/>
-              </a:rPr>
-              <a:t>'</a:t>
-            </a:r>
-            <a:br>
-              <a:rPr kumimoji="0" lang="en-US" altLang="en-US" sz="900" b="0" i="0" u="none" strike="noStrike" cap="none" normalizeH="0" baseline="0" dirty="0">
-                <a:ln>
-                  <a:noFill/>
-                </a:ln>
-                <a:solidFill>
-                  <a:srgbClr val="6A8759"/>
-                </a:solidFill>
-                <a:effectLst/>
-                <a:latin typeface="Consolas" panose="020B0609020204030204" pitchFamily="49" charset="0"/>
-              </a:rPr>
-            </a:br>
-            <a:r>
-              <a:rPr kumimoji="0" lang="en-US" altLang="en-US" sz="900" b="0" i="0" u="none" strike="noStrike" cap="none" normalizeH="0" baseline="0" dirty="0">
-                <a:ln>
-                  <a:noFill/>
-                </a:ln>
-                <a:solidFill>
-                  <a:srgbClr val="CC7832"/>
-                </a:solidFill>
-                <a:effectLst/>
-                <a:latin typeface="Consolas" panose="020B0609020204030204" pitchFamily="49" charset="0"/>
-              </a:rPr>
-              <a:t>username</a:t>
-            </a:r>
-            <a:r>
-              <a:rPr kumimoji="0" lang="en-US" altLang="en-US" sz="900" b="0" i="0" u="none" strike="noStrike" cap="none" normalizeH="0" baseline="0" dirty="0">
-                <a:ln>
-                  <a:noFill/>
-                </a:ln>
-                <a:solidFill>
-                  <a:srgbClr val="A9B7C6"/>
-                </a:solidFill>
-                <a:effectLst/>
-                <a:latin typeface="Consolas" panose="020B0609020204030204" pitchFamily="49" charset="0"/>
-              </a:rPr>
-              <a:t>: </a:t>
-            </a:r>
-            <a:r>
-              <a:rPr kumimoji="0" lang="en-US" altLang="en-US" sz="900" b="0" i="0" u="none" strike="noStrike" cap="none" normalizeH="0" baseline="0" dirty="0">
-                <a:ln>
-                  <a:noFill/>
-                </a:ln>
-                <a:solidFill>
-                  <a:srgbClr val="6A8759"/>
-                </a:solidFill>
-                <a:effectLst/>
-                <a:latin typeface="Consolas" panose="020B0609020204030204" pitchFamily="49" charset="0"/>
-              </a:rPr>
-              <a:t>'your_username@sample.com'</a:t>
-            </a:r>
-            <a:br>
-              <a:rPr kumimoji="0" lang="en-US" altLang="en-US" sz="900" b="0" i="0" u="none" strike="noStrike" cap="none" normalizeH="0" baseline="0" dirty="0">
-                <a:ln>
-                  <a:noFill/>
-                </a:ln>
-                <a:solidFill>
-                  <a:srgbClr val="6A8759"/>
-                </a:solidFill>
-                <a:effectLst/>
-                <a:latin typeface="Consolas" panose="020B0609020204030204" pitchFamily="49" charset="0"/>
-              </a:rPr>
-            </a:br>
-            <a:r>
-              <a:rPr kumimoji="0" lang="en-US" altLang="en-US" sz="900" b="0" i="0" u="none" strike="noStrike" cap="none" normalizeH="0" baseline="0" dirty="0">
-                <a:ln>
-                  <a:noFill/>
-                </a:ln>
-                <a:solidFill>
-                  <a:srgbClr val="CC7832"/>
-                </a:solidFill>
-                <a:effectLst/>
-                <a:latin typeface="Consolas" panose="020B0609020204030204" pitchFamily="49" charset="0"/>
-              </a:rPr>
-              <a:t>password</a:t>
-            </a:r>
-            <a:r>
-              <a:rPr kumimoji="0" lang="en-US" altLang="en-US" sz="900" b="0" i="0" u="none" strike="noStrike" cap="none" normalizeH="0" baseline="0" dirty="0">
-                <a:ln>
-                  <a:noFill/>
-                </a:ln>
-                <a:solidFill>
-                  <a:srgbClr val="A9B7C6"/>
-                </a:solidFill>
-                <a:effectLst/>
-                <a:latin typeface="Consolas" panose="020B0609020204030204" pitchFamily="49" charset="0"/>
-              </a:rPr>
-              <a:t>: </a:t>
-            </a:r>
-            <a:r>
-              <a:rPr kumimoji="0" lang="en-US" altLang="en-US" sz="900" b="0" i="0" u="none" strike="noStrike" cap="none" normalizeH="0" baseline="0" dirty="0">
-                <a:ln>
-                  <a:noFill/>
-                </a:ln>
-                <a:solidFill>
-                  <a:srgbClr val="6A8759"/>
-                </a:solidFill>
-                <a:effectLst/>
-                <a:latin typeface="Consolas" panose="020B0609020204030204" pitchFamily="49" charset="0"/>
-              </a:rPr>
-              <a:t>'</a:t>
-            </a:r>
-            <a:r>
-              <a:rPr kumimoji="0" lang="en-US" altLang="en-US" sz="900" b="0" i="0" u="none" strike="noStrike" cap="none" normalizeH="0" baseline="0" dirty="0" err="1">
-                <a:ln>
-                  <a:noFill/>
-                </a:ln>
-                <a:solidFill>
-                  <a:srgbClr val="6A8759"/>
-                </a:solidFill>
-                <a:effectLst/>
-                <a:latin typeface="Consolas" panose="020B0609020204030204" pitchFamily="49" charset="0"/>
-              </a:rPr>
-              <a:t>your_password</a:t>
-            </a:r>
-            <a:r>
-              <a:rPr kumimoji="0" lang="en-US" altLang="en-US" sz="900" b="0" i="0" u="none" strike="noStrike" cap="none" normalizeH="0" baseline="0" dirty="0">
-                <a:ln>
-                  <a:noFill/>
-                </a:ln>
-                <a:solidFill>
-                  <a:srgbClr val="6A8759"/>
-                </a:solidFill>
-                <a:effectLst/>
-                <a:latin typeface="Consolas" panose="020B0609020204030204" pitchFamily="49" charset="0"/>
-              </a:rPr>
-              <a:t>'</a:t>
-            </a:r>
-            <a:endParaRPr kumimoji="0" lang="en-US" altLang="en-US" sz="1800" b="0" i="0" u="none" strike="noStrike" cap="none" normalizeH="0" baseline="0" dirty="0">
-              <a:ln>
-                <a:noFill/>
-              </a:ln>
-              <a:solidFill>
-                <a:schemeClr val="tx1"/>
-              </a:solidFill>
-              <a:effectLst/>
-              <a:latin typeface="Arial" panose="020B0604020202020204" pitchFamily="34" charset="0"/>
-            </a:endParaRPr>
+              <a:t> for a dashboard, it returns a dashboard object. </a:t>
+            </a:r>
           </a:p>
         </p:txBody>
       </p:sp>
     </p:spTree>
     <p:extLst>
       <p:ext uri="{BB962C8B-B14F-4D97-AF65-F5344CB8AC3E}">
-        <p14:creationId xmlns:p14="http://schemas.microsoft.com/office/powerpoint/2010/main" val="1484811712"/>
+        <p14:creationId xmlns:p14="http://schemas.microsoft.com/office/powerpoint/2010/main" val="299691989"/>
       </p:ext>
     </p:extLst>
   </p:cSld>
@@ -10634,7 +11942,7 @@
           <p:cNvPr id="2" name="Title 1">
             <a:extLst>
               <a:ext uri="{FF2B5EF4-FFF2-40B4-BE49-F238E27FC236}">
-                <a16:creationId xmlns:a16="http://schemas.microsoft.com/office/drawing/2014/main" id="{0BE2205E-5DEB-4BCD-8512-D666ABFCA9C9}"/>
+                <a16:creationId xmlns:a16="http://schemas.microsoft.com/office/drawing/2014/main" id="{3D42713F-2E33-40D8-802B-1F5AD76B59DB}"/>
               </a:ext>
             </a:extLst>
           </p:cNvPr>
@@ -10652,7 +11960,15 @@
           <a:p>
             <a:r>
               <a:rPr lang="en-US" dirty="0"/>
-              <a:t>Exercise One</a:t>
+              <a:t>What is </a:t>
+            </a:r>
+            <a:r>
+              <a:rPr lang="en-US" dirty="0" err="1"/>
+              <a:t>PySense</a:t>
+            </a:r>
+            <a:r>
+              <a:rPr lang="en-US" dirty="0"/>
+              <a:t> actually?</a:t>
             </a:r>
           </a:p>
         </p:txBody>
@@ -10662,7 +11978,7 @@
           <p:cNvPr id="3" name="Content Placeholder 2">
             <a:extLst>
               <a:ext uri="{FF2B5EF4-FFF2-40B4-BE49-F238E27FC236}">
-                <a16:creationId xmlns:a16="http://schemas.microsoft.com/office/drawing/2014/main" id="{0238A855-4BC3-47B1-8DA3-2C311D0D14AF}"/>
+                <a16:creationId xmlns:a16="http://schemas.microsoft.com/office/drawing/2014/main" id="{59C0627B-7C85-40E2-AC17-4D001665BF3F}"/>
               </a:ext>
             </a:extLst>
           </p:cNvPr>
@@ -10675,37 +11991,88 @@
         </p:nvSpPr>
         <p:spPr/>
         <p:txBody>
-          <a:bodyPr/>
+          <a:bodyPr>
+            <a:normAutofit lnSpcReduction="10000"/>
+          </a:bodyPr>
           <a:lstStyle/>
           <a:p>
             <a:r>
               <a:rPr lang="en-US" dirty="0"/>
-              <a:t>Authenticate with your Sisense server. </a:t>
-            </a:r>
-          </a:p>
-          <a:p>
-            <a:r>
-              <a:rPr lang="en-US" dirty="0"/>
-              <a:t>Call the </a:t>
+              <a:t>Python library hosted on </a:t>
             </a:r>
             <a:r>
               <a:rPr lang="en-US" dirty="0" err="1"/>
-              <a:t>get_role_id</a:t>
-            </a:r>
-            <a:r>
-              <a:rPr lang="en-US" dirty="0"/>
-              <a:t> method and print the role id for any role (Viewer, Admin, </a:t>
+              <a:t>github</a:t>
+            </a:r>
+            <a:r>
+              <a:rPr lang="en-US" dirty="0"/>
+              <a:t> at </a:t>
+            </a:r>
+            <a:r>
+              <a:rPr lang="en-US" dirty="0">
+                <a:hlinkClick r:id="rId2"/>
+              </a:rPr>
+              <a:t>https://github.com/nathangiusti/PySense</a:t>
+            </a:r>
+            <a:endParaRPr lang="en-US" dirty="0"/>
+          </a:p>
+          <a:p>
+            <a:r>
+              <a:rPr lang="en-US" dirty="0"/>
+              <a:t>Includes </a:t>
+            </a:r>
+          </a:p>
+          <a:p>
+            <a:pPr lvl="1"/>
+            <a:r>
+              <a:rPr lang="en-US" dirty="0"/>
+              <a:t>The actual </a:t>
             </a:r>
             <a:r>
               <a:rPr lang="en-US" dirty="0" err="1"/>
-              <a:t>etc</a:t>
-            </a:r>
-            <a:r>
-              <a:rPr lang="en-US" dirty="0"/>
-              <a:t>).</a:t>
-            </a:r>
-          </a:p>
-          <a:p>
+              <a:t>PySense</a:t>
+            </a:r>
+            <a:r>
+              <a:rPr lang="en-US" dirty="0"/>
+              <a:t> source code with comments</a:t>
+            </a:r>
+          </a:p>
+          <a:p>
+            <a:pPr lvl="1"/>
+            <a:r>
+              <a:rPr lang="en-US" dirty="0"/>
+              <a:t>Snippets</a:t>
+            </a:r>
+          </a:p>
+          <a:p>
+            <a:pPr lvl="1"/>
+            <a:r>
+              <a:rPr lang="en-US" dirty="0"/>
+              <a:t>Tutorials</a:t>
+            </a:r>
+          </a:p>
+          <a:p>
+            <a:pPr lvl="1"/>
+            <a:r>
+              <a:rPr lang="en-US" dirty="0"/>
+              <a:t>Documentation</a:t>
+            </a:r>
+          </a:p>
+          <a:p>
+            <a:pPr lvl="1"/>
+            <a:r>
+              <a:rPr lang="en-US" dirty="0"/>
+              <a:t>Read me (change log)</a:t>
+            </a:r>
+          </a:p>
+          <a:p>
+            <a:r>
+              <a:rPr lang="en-US" dirty="0"/>
+              <a:t>Can be installed onto a client machine using standard Python packages (pip)</a:t>
+            </a:r>
+          </a:p>
+          <a:p>
+            <a:pPr lvl="1"/>
             <a:endParaRPr lang="en-US" dirty="0"/>
           </a:p>
         </p:txBody>
@@ -10713,7 +12080,7 @@
     </p:spTree>
     <p:extLst>
       <p:ext uri="{BB962C8B-B14F-4D97-AF65-F5344CB8AC3E}">
-        <p14:creationId xmlns:p14="http://schemas.microsoft.com/office/powerpoint/2010/main" val="1790644778"/>
+        <p14:creationId xmlns:p14="http://schemas.microsoft.com/office/powerpoint/2010/main" val="3178906854"/>
       </p:ext>
     </p:extLst>
   </p:cSld>
@@ -10757,7 +12124,7 @@
           <p:cNvPr id="2" name="Title 1">
             <a:extLst>
               <a:ext uri="{FF2B5EF4-FFF2-40B4-BE49-F238E27FC236}">
-                <a16:creationId xmlns:a16="http://schemas.microsoft.com/office/drawing/2014/main" id="{F8B3AE6A-E00A-4A43-8D49-E68A735C4032}"/>
+                <a16:creationId xmlns:a16="http://schemas.microsoft.com/office/drawing/2014/main" id="{0CA6957B-F2EF-498F-97A7-0531AEFC8B6C}"/>
               </a:ext>
             </a:extLst>
           </p:cNvPr>
@@ -10768,24 +12135,72 @@
             <p:ph type="title"/>
           </p:nvPr>
         </p:nvSpPr>
-        <p:spPr/>
+        <p:spPr>
+          <a:xfrm>
+            <a:off x="1218883" y="274637"/>
+            <a:ext cx="10360501" cy="715963"/>
+          </a:xfrm>
+        </p:spPr>
         <p:txBody>
           <a:bodyPr/>
           <a:lstStyle/>
           <a:p>
             <a:r>
-              <a:rPr lang="en-US" dirty="0"/>
-              <a:t>Exercise One Solution</a:t>
+              <a:rPr lang="en-US" dirty="0" err="1"/>
+              <a:t>PySense</a:t>
+            </a:r>
+            <a:r>
+              <a:rPr lang="en-US" dirty="0"/>
+              <a:t> Source Code</a:t>
+            </a:r>
+          </a:p>
+        </p:txBody>
+      </p:sp>
+      <p:sp>
+        <p:nvSpPr>
+          <p:cNvPr id="3" name="Content Placeholder 2">
+            <a:extLst>
+              <a:ext uri="{FF2B5EF4-FFF2-40B4-BE49-F238E27FC236}">
+                <a16:creationId xmlns:a16="http://schemas.microsoft.com/office/drawing/2014/main" id="{C97B8A28-1106-475C-BC9B-AFE064F15A8C}"/>
+              </a:ext>
+            </a:extLst>
+          </p:cNvPr>
+          <p:cNvSpPr>
+            <a:spLocks noGrp="1"/>
+          </p:cNvSpPr>
+          <p:nvPr>
+            <p:ph idx="1"/>
+          </p:nvPr>
+        </p:nvSpPr>
+        <p:spPr>
+          <a:xfrm>
+            <a:off x="874973" y="1331806"/>
+            <a:ext cx="8944211" cy="961524"/>
+          </a:xfrm>
+        </p:spPr>
+        <p:txBody>
+          <a:bodyPr>
+            <a:normAutofit/>
+          </a:bodyPr>
+          <a:lstStyle/>
+          <a:p>
+            <a:r>
+              <a:rPr lang="en-US" dirty="0" err="1"/>
+              <a:t>PySense</a:t>
+            </a:r>
+            <a:r>
+              <a:rPr lang="en-US" dirty="0"/>
+              <a:t> source code is hosted on GitHub with comments explaining how to use it. </a:t>
             </a:r>
           </a:p>
         </p:txBody>
       </p:sp>
       <p:pic>
         <p:nvPicPr>
-          <p:cNvPr id="4" name="Picture 3">
+          <p:cNvPr id="5" name="Picture 4">
             <a:extLst>
               <a:ext uri="{FF2B5EF4-FFF2-40B4-BE49-F238E27FC236}">
-                <a16:creationId xmlns:a16="http://schemas.microsoft.com/office/drawing/2014/main" id="{D7B669C5-294C-436C-A77D-36A3AA63E550}"/>
+                <a16:creationId xmlns:a16="http://schemas.microsoft.com/office/drawing/2014/main" id="{A8CF2C19-54AB-45C3-A7AD-418650DAE746}"/>
               </a:ext>
             </a:extLst>
           </p:cNvPr>
@@ -10802,38 +12217,8 @@
         </p:blipFill>
         <p:spPr>
           <a:xfrm>
-            <a:off x="1214950" y="2136713"/>
-            <a:ext cx="6706536" cy="857370"/>
-          </a:xfrm>
-          <a:prstGeom prst="rect">
-            <a:avLst/>
-          </a:prstGeom>
-        </p:spPr>
-      </p:pic>
-      <p:pic>
-        <p:nvPicPr>
-          <p:cNvPr id="5" name="Picture 4">
-            <a:extLst>
-              <a:ext uri="{FF2B5EF4-FFF2-40B4-BE49-F238E27FC236}">
-                <a16:creationId xmlns:a16="http://schemas.microsoft.com/office/drawing/2014/main" id="{474EBC73-1306-4DCA-A719-4B6B512090F6}"/>
-              </a:ext>
-            </a:extLst>
-          </p:cNvPr>
-          <p:cNvPicPr>
-            <a:picLocks noChangeAspect="1"/>
-          </p:cNvPicPr>
-          <p:nvPr/>
-        </p:nvPicPr>
-        <p:blipFill>
-          <a:blip r:embed="rId3"/>
-          <a:stretch>
-            <a:fillRect/>
-          </a:stretch>
-        </p:blipFill>
-        <p:spPr>
-          <a:xfrm>
-            <a:off x="1214950" y="3193985"/>
-            <a:ext cx="10498015" cy="876422"/>
+            <a:off x="2055812" y="2634536"/>
+            <a:ext cx="7525800" cy="2981741"/>
           </a:xfrm>
           <a:prstGeom prst="rect">
             <a:avLst/>
@@ -10843,7 +12228,7 @@
     </p:spTree>
     <p:extLst>
       <p:ext uri="{BB962C8B-B14F-4D97-AF65-F5344CB8AC3E}">
-        <p14:creationId xmlns:p14="http://schemas.microsoft.com/office/powerpoint/2010/main" val="299945199"/>
+        <p14:creationId xmlns:p14="http://schemas.microsoft.com/office/powerpoint/2010/main" val="3055123616"/>
       </p:ext>
     </p:extLst>
   </p:cSld>
@@ -10887,7 +12272,7 @@
           <p:cNvPr id="2" name="Title 1">
             <a:extLst>
               <a:ext uri="{FF2B5EF4-FFF2-40B4-BE49-F238E27FC236}">
-                <a16:creationId xmlns:a16="http://schemas.microsoft.com/office/drawing/2014/main" id="{B80432DA-C568-494B-BC38-F0DF792A0B70}"/>
+                <a16:creationId xmlns:a16="http://schemas.microsoft.com/office/drawing/2014/main" id="{32B4469D-EE24-4060-8024-3FBD83EB0E69}"/>
               </a:ext>
             </a:extLst>
           </p:cNvPr>
@@ -10898,22 +12283,21 @@
             <p:ph type="title"/>
           </p:nvPr>
         </p:nvSpPr>
-        <p:spPr/>
+        <p:spPr>
+          <a:xfrm>
+            <a:off x="1218883" y="274637"/>
+            <a:ext cx="10360501" cy="715963"/>
+          </a:xfrm>
+        </p:spPr>
         <p:txBody>
-          <a:bodyPr/>
+          <a:bodyPr anchor="b">
+            <a:normAutofit/>
+          </a:bodyPr>
           <a:lstStyle/>
           <a:p>
             <a:r>
               <a:rPr lang="en-US" dirty="0"/>
-              <a:t>The </a:t>
-            </a:r>
-            <a:r>
-              <a:rPr lang="en-US" dirty="0" err="1"/>
-              <a:t>PySense</a:t>
-            </a:r>
-            <a:r>
-              <a:rPr lang="en-US" dirty="0"/>
-              <a:t> object</a:t>
+              <a:t>Documentation</a:t>
             </a:r>
           </a:p>
         </p:txBody>
@@ -10923,7 +12307,7 @@
           <p:cNvPr id="3" name="Content Placeholder 2">
             <a:extLst>
               <a:ext uri="{FF2B5EF4-FFF2-40B4-BE49-F238E27FC236}">
-                <a16:creationId xmlns:a16="http://schemas.microsoft.com/office/drawing/2014/main" id="{40932187-EC80-40F9-8247-6A76F20E5CBB}"/>
+                <a16:creationId xmlns:a16="http://schemas.microsoft.com/office/drawing/2014/main" id="{F38471ED-237D-4AAA-9523-ABAE1228A1F4}"/>
               </a:ext>
             </a:extLst>
           </p:cNvPr>
@@ -10931,71 +12315,63 @@
             <a:spLocks noGrp="1"/>
           </p:cNvSpPr>
           <p:nvPr>
-            <p:ph idx="1"/>
+            <p:ph sz="half" idx="1"/>
           </p:nvPr>
         </p:nvSpPr>
-        <p:spPr/>
+        <p:spPr>
+          <a:xfrm>
+            <a:off x="1317313" y="1196340"/>
+            <a:ext cx="5078677" cy="4465320"/>
+          </a:xfrm>
+        </p:spPr>
         <p:txBody>
-          <a:bodyPr/>
+          <a:bodyPr>
+            <a:normAutofit/>
+          </a:bodyPr>
           <a:lstStyle/>
           <a:p>
             <a:r>
               <a:rPr lang="en-US" dirty="0"/>
-              <a:t>The object created by authentication (</a:t>
-            </a:r>
-            <a:r>
-              <a:rPr lang="en-US" dirty="0" err="1"/>
-              <a:t>py_client</a:t>
-            </a:r>
-            <a:r>
-              <a:rPr lang="en-US" dirty="0"/>
-              <a:t>) in our example is our connection to our Sisense instance. </a:t>
-            </a:r>
-          </a:p>
-          <a:p>
-            <a:r>
-              <a:rPr lang="en-US" dirty="0"/>
-              <a:t>The </a:t>
-            </a:r>
-            <a:r>
-              <a:rPr lang="en-US" dirty="0" err="1"/>
-              <a:t>py_client</a:t>
-            </a:r>
-            <a:r>
-              <a:rPr lang="en-US" dirty="0"/>
-              <a:t> object is where we do things that involve the whole server, for example, adding users or retrieving dashboards and </a:t>
-            </a:r>
-            <a:r>
-              <a:rPr lang="en-US" dirty="0" err="1"/>
-              <a:t>elasticubes</a:t>
-            </a:r>
-            <a:r>
-              <a:rPr lang="en-US" dirty="0"/>
-              <a:t>. </a:t>
-            </a:r>
-          </a:p>
-          <a:p>
-            <a:r>
-              <a:rPr lang="en-US" dirty="0"/>
-              <a:t>See </a:t>
-            </a:r>
-            <a:r>
-              <a:rPr lang="en-US" dirty="0">
-                <a:hlinkClick r:id="rId2"/>
-              </a:rPr>
-              <a:t>documentation</a:t>
-            </a:r>
-            <a:r>
-              <a:rPr lang="en-US" dirty="0"/>
-              <a:t> for full list of features</a:t>
+              <a:t>Available in a link from the readme on GitHub</a:t>
             </a:r>
           </a:p>
         </p:txBody>
       </p:sp>
+      <p:pic>
+        <p:nvPicPr>
+          <p:cNvPr id="4" name="Picture 3">
+            <a:extLst>
+              <a:ext uri="{FF2B5EF4-FFF2-40B4-BE49-F238E27FC236}">
+                <a16:creationId xmlns:a16="http://schemas.microsoft.com/office/drawing/2014/main" id="{B3DF4B71-BB60-41DB-B96F-C0BEE87F5E3F}"/>
+              </a:ext>
+            </a:extLst>
+          </p:cNvPr>
+          <p:cNvPicPr>
+            <a:picLocks noChangeAspect="1"/>
+          </p:cNvPicPr>
+          <p:nvPr/>
+        </p:nvPicPr>
+        <p:blipFill>
+          <a:blip r:embed="rId2"/>
+          <a:stretch>
+            <a:fillRect/>
+          </a:stretch>
+        </p:blipFill>
+        <p:spPr>
+          <a:xfrm>
+            <a:off x="1446212" y="2286000"/>
+            <a:ext cx="9601200" cy="4176519"/>
+          </a:xfrm>
+          <a:prstGeom prst="rect">
+            <a:avLst/>
+          </a:prstGeom>
+          <a:noFill/>
+        </p:spPr>
+      </p:pic>
     </p:spTree>
     <p:extLst>
       <p:ext uri="{BB962C8B-B14F-4D97-AF65-F5344CB8AC3E}">
-        <p14:creationId xmlns:p14="http://schemas.microsoft.com/office/powerpoint/2010/main" val="2929755730"/>
+        <p14:creationId xmlns:p14="http://schemas.microsoft.com/office/powerpoint/2010/main" val="3729979138"/>
       </p:ext>
     </p:extLst>
   </p:cSld>
@@ -11039,7 +12415,7 @@
           <p:cNvPr id="2" name="Title 1">
             <a:extLst>
               <a:ext uri="{FF2B5EF4-FFF2-40B4-BE49-F238E27FC236}">
-                <a16:creationId xmlns:a16="http://schemas.microsoft.com/office/drawing/2014/main" id="{95699DB6-584C-430C-9192-7175835B8C34}"/>
+                <a16:creationId xmlns:a16="http://schemas.microsoft.com/office/drawing/2014/main" id="{BD70C8AC-7EA8-43CD-B1BB-4E7FB11AD150}"/>
               </a:ext>
             </a:extLst>
           </p:cNvPr>
@@ -11057,8 +12433,13 @@
           <a:p>
             <a:r>
               <a:rPr lang="en-US" dirty="0"/>
-              <a:t>Users</a:t>
-            </a:r>
+              <a:t>Set up Python and </a:t>
+            </a:r>
+            <a:r>
+              <a:rPr lang="en-US" dirty="0" err="1"/>
+              <a:t>PySense</a:t>
+            </a:r>
+            <a:endParaRPr lang="en-US" dirty="0"/>
           </a:p>
         </p:txBody>
       </p:sp>
@@ -11067,7 +12448,7 @@
           <p:cNvPr id="3" name="Content Placeholder 2">
             <a:extLst>
               <a:ext uri="{FF2B5EF4-FFF2-40B4-BE49-F238E27FC236}">
-                <a16:creationId xmlns:a16="http://schemas.microsoft.com/office/drawing/2014/main" id="{505D94F6-E8E4-4CC7-80C6-966B6407CF2D}"/>
+                <a16:creationId xmlns:a16="http://schemas.microsoft.com/office/drawing/2014/main" id="{26B6DFAD-7750-4EF1-B0FB-BC25002C952B}"/>
               </a:ext>
             </a:extLst>
           </p:cNvPr>
@@ -11085,15 +12466,7 @@
           <a:p>
             <a:r>
               <a:rPr lang="en-US" dirty="0"/>
-              <a:t>To add a user we call the </a:t>
-            </a:r>
-            <a:r>
-              <a:rPr lang="en-US" dirty="0" err="1"/>
-              <a:t>add_user</a:t>
-            </a:r>
-            <a:r>
-              <a:rPr lang="en-US" dirty="0"/>
-              <a:t> method on our </a:t>
+              <a:t>Install Python and an IDE of your choice. (</a:t>
             </a:r>
             <a:r>
               <a:rPr lang="en-US" dirty="0" err="1"/>
@@ -11101,19 +12474,13 @@
             </a:r>
             <a:r>
               <a:rPr lang="en-US" dirty="0"/>
-              <a:t> object with the user’s email and role. </a:t>
-            </a:r>
-          </a:p>
-          <a:p>
-            <a:r>
-              <a:rPr lang="en-US" dirty="0"/>
-              <a:t>Email and role are required but there are additional details we can set like so: </a:t>
-            </a:r>
-          </a:p>
-          <a:p>
-            <a:r>
-              <a:rPr lang="en-US" dirty="0"/>
-              <a:t>We can also use our </a:t>
+              <a:t> was developed on PyCharm). </a:t>
+            </a:r>
+          </a:p>
+          <a:p>
+            <a:r>
+              <a:rPr lang="en-US" dirty="0"/>
+              <a:t>Install the </a:t>
             </a:r>
             <a:r>
               <a:rPr lang="en-US" dirty="0" err="1"/>
@@ -11121,21 +12488,33 @@
             </a:r>
             <a:r>
               <a:rPr lang="en-US" dirty="0"/>
-              <a:t> object to query for specific users or delete users. </a:t>
-            </a:r>
-          </a:p>
-          <a:p>
-            <a:r>
-              <a:rPr lang="en-US" dirty="0"/>
-              <a:t>To delete a user, we pass the user to our </a:t>
+              <a:t> library through pip</a:t>
+            </a:r>
+          </a:p>
+          <a:p>
+            <a:pPr lvl="1"/>
+            <a:r>
+              <a:rPr lang="en-US" dirty="0"/>
+              <a:t>pip install </a:t>
             </a:r>
             <a:r>
               <a:rPr lang="en-US" dirty="0" err="1"/>
-              <a:t>delete_users</a:t>
-            </a:r>
-            <a:r>
-              <a:rPr lang="en-US" dirty="0"/>
-              <a:t> method. </a:t>
+              <a:t>PySenseSDK</a:t>
+            </a:r>
+            <a:endParaRPr lang="en-US" dirty="0"/>
+          </a:p>
+          <a:p>
+            <a:r>
+              <a:rPr lang="en-US" dirty="0"/>
+              <a:t>Include </a:t>
+            </a:r>
+            <a:r>
+              <a:rPr lang="en-US" dirty="0" err="1"/>
+              <a:t>PySense</a:t>
+            </a:r>
+            <a:r>
+              <a:rPr lang="en-US" dirty="0"/>
+              <a:t> in all your scripts: </a:t>
             </a:r>
           </a:p>
         </p:txBody>
@@ -11145,7 +12524,7 @@
           <p:cNvPr id="4" name="Rectangle 1">
             <a:extLst>
               <a:ext uri="{FF2B5EF4-FFF2-40B4-BE49-F238E27FC236}">
-                <a16:creationId xmlns:a16="http://schemas.microsoft.com/office/drawing/2014/main" id="{55E3BABD-F12B-42A3-91E0-9470664B0B6E}"/>
+                <a16:creationId xmlns:a16="http://schemas.microsoft.com/office/drawing/2014/main" id="{4B7E0459-AA64-4C98-AEE2-1F840C31B803}"/>
               </a:ext>
             </a:extLst>
           </p:cNvPr>
@@ -11156,8 +12535,8 @@
         </p:nvSpPr>
         <p:spPr bwMode="auto">
           <a:xfrm>
-            <a:off x="6094412" y="2209800"/>
-            <a:ext cx="3276600" cy="230832"/>
+            <a:off x="6780212" y="3817517"/>
+            <a:ext cx="1905000" cy="230832"/>
           </a:xfrm>
           <a:prstGeom prst="rect">
             <a:avLst/>
@@ -11217,6 +12596,19 @@
               <a:tabLst/>
             </a:pPr>
             <a:r>
+              <a:rPr kumimoji="0" lang="en-US" altLang="en-US" sz="900" b="0" i="0" u="none" strike="noStrike" cap="none" normalizeH="0" baseline="0" dirty="0">
+                <a:ln>
+                  <a:noFill/>
+                </a:ln>
+                <a:solidFill>
+                  <a:srgbClr val="CC7832"/>
+                </a:solidFill>
+                <a:effectLst/>
+                <a:latin typeface="Consolas" panose="020B0609020204030204" pitchFamily="49" charset="0"/>
+              </a:rPr>
+              <a:t>from </a:t>
+            </a:r>
+            <a:r>
               <a:rPr kumimoji="0" lang="en-US" altLang="en-US" sz="900" b="0" i="0" u="none" strike="noStrike" cap="none" normalizeH="0" baseline="0" dirty="0" err="1">
                 <a:ln>
                   <a:noFill/>
@@ -11227,7 +12619,7 @@
                 <a:effectLst/>
                 <a:latin typeface="Consolas" panose="020B0609020204030204" pitchFamily="49" charset="0"/>
               </a:rPr>
-              <a:t>py_client.add_user</a:t>
+              <a:t>PySense</a:t>
             </a:r>
             <a:r>
               <a:rPr kumimoji="0" lang="en-US" altLang="en-US" sz="900" b="0" i="0" u="none" strike="noStrike" cap="none" normalizeH="0" baseline="0" dirty="0">
@@ -11240,7 +12632,7 @@
                 <a:effectLst/>
                 <a:latin typeface="Consolas" panose="020B0609020204030204" pitchFamily="49" charset="0"/>
               </a:rPr>
-              <a:t>(</a:t>
+              <a:t> </a:t>
             </a:r>
             <a:r>
               <a:rPr kumimoji="0" lang="en-US" altLang="en-US" sz="900" b="0" i="0" u="none" strike="noStrike" cap="none" normalizeH="0" baseline="0" dirty="0">
@@ -11248,41 +12640,15 @@
                   <a:noFill/>
                 </a:ln>
                 <a:solidFill>
-                  <a:srgbClr val="6A8759"/>
-                </a:solidFill>
-                <a:effectLst/>
-                <a:latin typeface="Consolas" panose="020B0609020204030204" pitchFamily="49" charset="0"/>
-              </a:rPr>
-              <a:t>'user@email.com'</a:t>
-            </a:r>
-            <a:r>
-              <a:rPr kumimoji="0" lang="en-US" altLang="en-US" sz="900" b="0" i="0" u="none" strike="noStrike" cap="none" normalizeH="0" baseline="0" dirty="0">
-                <a:ln>
-                  <a:noFill/>
-                </a:ln>
-                <a:solidFill>
                   <a:srgbClr val="CC7832"/>
                 </a:solidFill>
                 <a:effectLst/>
                 <a:latin typeface="Consolas" panose="020B0609020204030204" pitchFamily="49" charset="0"/>
               </a:rPr>
-              <a:t>, </a:t>
-            </a:r>
-            <a:r>
-              <a:rPr kumimoji="0" lang="en-US" altLang="en-US" sz="900" b="0" i="0" u="none" strike="noStrike" cap="none" normalizeH="0" baseline="0" dirty="0">
-                <a:ln>
-                  <a:noFill/>
-                </a:ln>
-                <a:solidFill>
-                  <a:srgbClr val="6A8759"/>
-                </a:solidFill>
-                <a:effectLst/>
-                <a:latin typeface="Consolas" panose="020B0609020204030204" pitchFamily="49" charset="0"/>
-              </a:rPr>
-              <a:t>'Viewer'</a:t>
-            </a:r>
-            <a:r>
-              <a:rPr kumimoji="0" lang="en-US" altLang="en-US" sz="900" b="0" i="0" u="none" strike="noStrike" cap="none" normalizeH="0" baseline="0" dirty="0">
+              <a:t>import </a:t>
+            </a:r>
+            <a:r>
+              <a:rPr kumimoji="0" lang="en-US" altLang="en-US" sz="900" b="0" i="0" u="none" strike="noStrike" cap="none" normalizeH="0" baseline="0" dirty="0" err="1">
                 <a:ln>
                   <a:noFill/>
                 </a:ln>
@@ -11292,7 +12658,7 @@
                 <a:effectLst/>
                 <a:latin typeface="Consolas" panose="020B0609020204030204" pitchFamily="49" charset="0"/>
               </a:rPr>
-              <a:t>)</a:t>
+              <a:t>PySense</a:t>
             </a:r>
             <a:endParaRPr kumimoji="0" lang="en-US" altLang="en-US" sz="1800" b="0" i="0" u="none" strike="noStrike" cap="none" normalizeH="0" baseline="0" dirty="0">
               <a:ln>
@@ -11307,281 +12673,10 @@
           </a:p>
         </p:txBody>
       </p:sp>
-      <p:sp>
-        <p:nvSpPr>
-          <p:cNvPr id="5" name="Rectangle 2">
-            <a:extLst>
-              <a:ext uri="{FF2B5EF4-FFF2-40B4-BE49-F238E27FC236}">
-                <a16:creationId xmlns:a16="http://schemas.microsoft.com/office/drawing/2014/main" id="{677337AB-AEE4-4212-BDA6-78E5927CA6EB}"/>
-              </a:ext>
-            </a:extLst>
-          </p:cNvPr>
-          <p:cNvSpPr>
-            <a:spLocks noChangeArrowheads="1"/>
-          </p:cNvSpPr>
-          <p:nvPr/>
-        </p:nvSpPr>
-        <p:spPr bwMode="auto">
-          <a:xfrm>
-            <a:off x="3275012" y="3198168"/>
-            <a:ext cx="5865813" cy="230832"/>
-          </a:xfrm>
-          <a:prstGeom prst="rect">
-            <a:avLst/>
-          </a:prstGeom>
-          <a:solidFill>
-            <a:srgbClr val="2B2B2B"/>
-          </a:solidFill>
-          <a:ln>
-            <a:noFill/>
-          </a:ln>
-          <a:effectLst/>
-          <a:extLst>
-            <a:ext uri="{91240B29-F687-4F45-9708-019B960494DF}">
-              <a14:hiddenLine xmlns:a14="http://schemas.microsoft.com/office/drawing/2010/main" w="9525">
-                <a:solidFill>
-                  <a:schemeClr val="tx1"/>
-                </a:solidFill>
-                <a:miter lim="800000"/>
-                <a:headEnd/>
-                <a:tailEnd/>
-              </a14:hiddenLine>
-            </a:ext>
-            <a:ext uri="{AF507438-7753-43E0-B8FC-AC1667EBCBE1}">
-              <a14:hiddenEffects xmlns:a14="http://schemas.microsoft.com/office/drawing/2010/main">
-                <a:effectLst>
-                  <a:outerShdw dist="35921" dir="2700000" algn="ctr" rotWithShape="0">
-                    <a:schemeClr val="bg2"/>
-                  </a:outerShdw>
-                </a:effectLst>
-              </a14:hiddenEffects>
-            </a:ext>
-          </a:extLst>
-        </p:spPr>
-        <p:txBody>
-          <a:bodyPr vert="horz" wrap="square" lIns="91440" tIns="45720" rIns="91440" bIns="45720" numCol="1" anchor="ctr" anchorCtr="0" compatLnSpc="1">
-            <a:prstTxWarp prst="textNoShape">
-              <a:avLst/>
-            </a:prstTxWarp>
-            <a:spAutoFit/>
-          </a:bodyPr>
-          <a:lstStyle/>
-          <a:p>
-            <a:pPr marL="0" marR="0" lvl="0" indent="0" algn="l" defTabSz="914400" rtl="0" eaLnBrk="0" fontAlgn="base" latinLnBrk="0" hangingPunct="0">
-              <a:lnSpc>
-                <a:spcPct val="100000"/>
-              </a:lnSpc>
-              <a:spcBef>
-                <a:spcPct val="0"/>
-              </a:spcBef>
-              <a:spcAft>
-                <a:spcPct val="0"/>
-              </a:spcAft>
-              <a:buClrTx/>
-              <a:buSzTx/>
-              <a:buFontTx/>
-              <a:buNone/>
-              <a:tabLst/>
-            </a:pPr>
-            <a:r>
-              <a:rPr kumimoji="0" lang="en-US" altLang="en-US" sz="900" b="0" i="0" u="none" strike="noStrike" cap="none" normalizeH="0" baseline="0" dirty="0" err="1">
-                <a:ln>
-                  <a:noFill/>
-                </a:ln>
-                <a:solidFill>
-                  <a:srgbClr val="A9B7C6"/>
-                </a:solidFill>
-                <a:effectLst/>
-                <a:latin typeface="Consolas" panose="020B0609020204030204" pitchFamily="49" charset="0"/>
-              </a:rPr>
-              <a:t>py_client.add_user</a:t>
-            </a:r>
-            <a:r>
-              <a:rPr kumimoji="0" lang="en-US" altLang="en-US" sz="900" b="0" i="0" u="none" strike="noStrike" cap="none" normalizeH="0" baseline="0" dirty="0">
-                <a:ln>
-                  <a:noFill/>
-                </a:ln>
-                <a:solidFill>
-                  <a:srgbClr val="A9B7C6"/>
-                </a:solidFill>
-                <a:effectLst/>
-                <a:latin typeface="Consolas" panose="020B0609020204030204" pitchFamily="49" charset="0"/>
-              </a:rPr>
-              <a:t>(</a:t>
-            </a:r>
-            <a:r>
-              <a:rPr kumimoji="0" lang="en-US" altLang="en-US" sz="900" b="0" i="0" u="none" strike="noStrike" cap="none" normalizeH="0" baseline="0" dirty="0">
-                <a:ln>
-                  <a:noFill/>
-                </a:ln>
-                <a:solidFill>
-                  <a:srgbClr val="6A8759"/>
-                </a:solidFill>
-                <a:effectLst/>
-                <a:latin typeface="Consolas" panose="020B0609020204030204" pitchFamily="49" charset="0"/>
-              </a:rPr>
-              <a:t>'user@email.com'</a:t>
-            </a:r>
-            <a:r>
-              <a:rPr kumimoji="0" lang="en-US" altLang="en-US" sz="900" b="0" i="0" u="none" strike="noStrike" cap="none" normalizeH="0" baseline="0" dirty="0">
-                <a:ln>
-                  <a:noFill/>
-                </a:ln>
-                <a:solidFill>
-                  <a:srgbClr val="CC7832"/>
-                </a:solidFill>
-                <a:effectLst/>
-                <a:latin typeface="Consolas" panose="020B0609020204030204" pitchFamily="49" charset="0"/>
-              </a:rPr>
-              <a:t>, </a:t>
-            </a:r>
-            <a:r>
-              <a:rPr kumimoji="0" lang="en-US" altLang="en-US" sz="900" b="0" i="0" u="none" strike="noStrike" cap="none" normalizeH="0" baseline="0" dirty="0">
-                <a:ln>
-                  <a:noFill/>
-                </a:ln>
-                <a:solidFill>
-                  <a:srgbClr val="6A8759"/>
-                </a:solidFill>
-                <a:effectLst/>
-                <a:latin typeface="Consolas" panose="020B0609020204030204" pitchFamily="49" charset="0"/>
-              </a:rPr>
-              <a:t>'Data Designer'</a:t>
-            </a:r>
-            <a:r>
-              <a:rPr kumimoji="0" lang="en-US" altLang="en-US" sz="900" b="0" i="0" u="none" strike="noStrike" cap="none" normalizeH="0" baseline="0" dirty="0">
-                <a:ln>
-                  <a:noFill/>
-                </a:ln>
-                <a:solidFill>
-                  <a:srgbClr val="CC7832"/>
-                </a:solidFill>
-                <a:effectLst/>
-                <a:latin typeface="Consolas" panose="020B0609020204030204" pitchFamily="49" charset="0"/>
-              </a:rPr>
-              <a:t>, </a:t>
-            </a:r>
-            <a:r>
-              <a:rPr kumimoji="0" lang="en-US" altLang="en-US" sz="900" b="0" i="0" u="none" strike="noStrike" cap="none" normalizeH="0" baseline="0" dirty="0" err="1">
-                <a:ln>
-                  <a:noFill/>
-                </a:ln>
-                <a:solidFill>
-                  <a:srgbClr val="AA4926"/>
-                </a:solidFill>
-                <a:effectLst/>
-                <a:latin typeface="Consolas" panose="020B0609020204030204" pitchFamily="49" charset="0"/>
-              </a:rPr>
-              <a:t>first_name</a:t>
-            </a:r>
-            <a:r>
-              <a:rPr kumimoji="0" lang="en-US" altLang="en-US" sz="900" b="0" i="0" u="none" strike="noStrike" cap="none" normalizeH="0" baseline="0" dirty="0">
-                <a:ln>
-                  <a:noFill/>
-                </a:ln>
-                <a:solidFill>
-                  <a:srgbClr val="A9B7C6"/>
-                </a:solidFill>
-                <a:effectLst/>
-                <a:latin typeface="Consolas" panose="020B0609020204030204" pitchFamily="49" charset="0"/>
-              </a:rPr>
-              <a:t>=</a:t>
-            </a:r>
-            <a:r>
-              <a:rPr kumimoji="0" lang="en-US" altLang="en-US" sz="900" b="0" i="0" u="none" strike="noStrike" cap="none" normalizeH="0" baseline="0" dirty="0">
-                <a:ln>
-                  <a:noFill/>
-                </a:ln>
-                <a:solidFill>
-                  <a:srgbClr val="6A8759"/>
-                </a:solidFill>
-                <a:effectLst/>
-                <a:latin typeface="Consolas" panose="020B0609020204030204" pitchFamily="49" charset="0"/>
-              </a:rPr>
-              <a:t>'John'</a:t>
-            </a:r>
-            <a:r>
-              <a:rPr kumimoji="0" lang="en-US" altLang="en-US" sz="900" b="0" i="0" u="none" strike="noStrike" cap="none" normalizeH="0" baseline="0" dirty="0">
-                <a:ln>
-                  <a:noFill/>
-                </a:ln>
-                <a:solidFill>
-                  <a:srgbClr val="CC7832"/>
-                </a:solidFill>
-                <a:effectLst/>
-                <a:latin typeface="Consolas" panose="020B0609020204030204" pitchFamily="49" charset="0"/>
-              </a:rPr>
-              <a:t>, </a:t>
-            </a:r>
-            <a:r>
-              <a:rPr kumimoji="0" lang="en-US" altLang="en-US" sz="900" b="0" i="0" u="none" strike="noStrike" cap="none" normalizeH="0" baseline="0" dirty="0" err="1">
-                <a:ln>
-                  <a:noFill/>
-                </a:ln>
-                <a:solidFill>
-                  <a:srgbClr val="AA4926"/>
-                </a:solidFill>
-                <a:effectLst/>
-                <a:latin typeface="Consolas" panose="020B0609020204030204" pitchFamily="49" charset="0"/>
-              </a:rPr>
-              <a:t>last_name</a:t>
-            </a:r>
-            <a:r>
-              <a:rPr kumimoji="0" lang="en-US" altLang="en-US" sz="900" b="0" i="0" u="none" strike="noStrike" cap="none" normalizeH="0" baseline="0" dirty="0">
-                <a:ln>
-                  <a:noFill/>
-                </a:ln>
-                <a:solidFill>
-                  <a:srgbClr val="A9B7C6"/>
-                </a:solidFill>
-                <a:effectLst/>
-                <a:latin typeface="Consolas" panose="020B0609020204030204" pitchFamily="49" charset="0"/>
-              </a:rPr>
-              <a:t>=</a:t>
-            </a:r>
-            <a:r>
-              <a:rPr kumimoji="0" lang="en-US" altLang="en-US" sz="900" b="0" i="0" u="none" strike="noStrike" cap="none" normalizeH="0" baseline="0" dirty="0">
-                <a:ln>
-                  <a:noFill/>
-                </a:ln>
-                <a:solidFill>
-                  <a:srgbClr val="6A8759"/>
-                </a:solidFill>
-                <a:effectLst/>
-                <a:latin typeface="Consolas" panose="020B0609020204030204" pitchFamily="49" charset="0"/>
-              </a:rPr>
-              <a:t>'Doe'</a:t>
-            </a:r>
-            <a:r>
-              <a:rPr kumimoji="0" lang="en-US" altLang="en-US" sz="900" b="0" i="0" u="none" strike="noStrike" cap="none" normalizeH="0" baseline="0" dirty="0">
-                <a:ln>
-                  <a:noFill/>
-                </a:ln>
-                <a:solidFill>
-                  <a:srgbClr val="A9B7C6"/>
-                </a:solidFill>
-                <a:effectLst/>
-                <a:latin typeface="Consolas" panose="020B0609020204030204" pitchFamily="49" charset="0"/>
-              </a:rPr>
-              <a:t>)</a:t>
-            </a:r>
-            <a:endParaRPr kumimoji="0" lang="en-US" altLang="en-US" sz="1800" b="0" i="0" u="none" strike="noStrike" cap="none" normalizeH="0" baseline="0" dirty="0">
-              <a:ln>
-                <a:noFill/>
-              </a:ln>
-              <a:solidFill>
-                <a:schemeClr val="tx1"/>
-              </a:solidFill>
-              <a:effectLst/>
-              <a:latin typeface="Arial" panose="020B0604020202020204" pitchFamily="34" charset="0"/>
-            </a:endParaRPr>
-          </a:p>
-        </p:txBody>
-      </p:sp>
     </p:spTree>
     <p:extLst>
       <p:ext uri="{BB962C8B-B14F-4D97-AF65-F5344CB8AC3E}">
-        <p14:creationId xmlns:p14="http://schemas.microsoft.com/office/powerpoint/2010/main" val="790358576"/>
+        <p14:creationId xmlns:p14="http://schemas.microsoft.com/office/powerpoint/2010/main" val="1322414581"/>
       </p:ext>
     </p:extLst>
   </p:cSld>

--- a/PySenseTutorial.pptx
+++ b/PySenseTutorial.pptx
@@ -252,7 +252,7 @@
           <a:p>
             <a:fld id="{FE5B4EDC-59C0-49C7-8ADA-5A781B329E02}" type="datetimeFigureOut">
               <a:rPr lang="en-US"/>
-              <a:t>5/8/2020</a:t>
+              <a:t>5/11/2020</a:t>
             </a:fld>
             <a:endParaRPr/>
           </a:p>
@@ -417,7 +417,7 @@
           <a:p>
             <a:fld id="{F2D8D46A-B586-417D-BFBD-8C8FE0AAF762}" type="datetimeFigureOut">
               <a:rPr lang="en-US"/>
-              <a:t>5/8/2020</a:t>
+              <a:t>5/11/2020</a:t>
             </a:fld>
             <a:endParaRPr/>
           </a:p>
@@ -1519,7 +1519,7 @@
           <a:p>
             <a:fld id="{F0DFD029-FB74-4578-B929-F66AA97659CA}" type="datetimeFigureOut">
               <a:rPr lang="en-US"/>
-              <a:t>5/8/2020</a:t>
+              <a:t>5/11/2020</a:t>
             </a:fld>
             <a:endParaRPr/>
           </a:p>
@@ -1717,7 +1717,7 @@
           <a:p>
             <a:fld id="{F0DFD029-FB74-4578-B929-F66AA97659CA}" type="datetimeFigureOut">
               <a:rPr lang="en-US"/>
-              <a:t>5/8/2020</a:t>
+              <a:t>5/11/2020</a:t>
             </a:fld>
             <a:endParaRPr/>
           </a:p>
@@ -1925,7 +1925,7 @@
           <a:p>
             <a:fld id="{F0DFD029-FB74-4578-B929-F66AA97659CA}" type="datetimeFigureOut">
               <a:rPr lang="en-US"/>
-              <a:t>5/8/2020</a:t>
+              <a:t>5/11/2020</a:t>
             </a:fld>
             <a:endParaRPr/>
           </a:p>
@@ -2123,7 +2123,7 @@
           <a:p>
             <a:fld id="{F0DFD029-FB74-4578-B929-F66AA97659CA}" type="datetimeFigureOut">
               <a:rPr lang="en-US"/>
-              <a:t>5/8/2020</a:t>
+              <a:t>5/11/2020</a:t>
             </a:fld>
             <a:endParaRPr/>
           </a:p>
@@ -2555,7 +2555,7 @@
           <a:p>
             <a:fld id="{F0DFD029-FB74-4578-B929-F66AA97659CA}" type="datetimeFigureOut">
               <a:rPr lang="en-US"/>
-              <a:t>5/8/2020</a:t>
+              <a:t>5/11/2020</a:t>
             </a:fld>
             <a:endParaRPr/>
           </a:p>
@@ -2859,7 +2859,7 @@
           <a:p>
             <a:fld id="{F0DFD029-FB74-4578-B929-F66AA97659CA}" type="datetimeFigureOut">
               <a:rPr lang="en-US"/>
-              <a:t>5/8/2020</a:t>
+              <a:t>5/11/2020</a:t>
             </a:fld>
             <a:endParaRPr/>
           </a:p>
@@ -3315,7 +3315,7 @@
           <a:p>
             <a:fld id="{F0DFD029-FB74-4578-B929-F66AA97659CA}" type="datetimeFigureOut">
               <a:rPr lang="en-US"/>
-              <a:t>5/8/2020</a:t>
+              <a:t>5/11/2020</a:t>
             </a:fld>
             <a:endParaRPr/>
           </a:p>
@@ -3445,7 +3445,7 @@
           <a:p>
             <a:fld id="{F0DFD029-FB74-4578-B929-F66AA97659CA}" type="datetimeFigureOut">
               <a:rPr lang="en-US"/>
-              <a:t>5/8/2020</a:t>
+              <a:t>5/11/2020</a:t>
             </a:fld>
             <a:endParaRPr/>
           </a:p>
@@ -3552,7 +3552,7 @@
           <a:p>
             <a:fld id="{F0DFD029-FB74-4578-B929-F66AA97659CA}" type="datetimeFigureOut">
               <a:rPr lang="en-US"/>
-              <a:t>5/8/2020</a:t>
+              <a:t>5/11/2020</a:t>
             </a:fld>
             <a:endParaRPr/>
           </a:p>
@@ -3851,7 +3851,7 @@
           <a:p>
             <a:fld id="{F0DFD029-FB74-4578-B929-F66AA97659CA}" type="datetimeFigureOut">
               <a:rPr lang="en-US"/>
-              <a:t>5/8/2020</a:t>
+              <a:t>5/11/2020</a:t>
             </a:fld>
             <a:endParaRPr/>
           </a:p>
@@ -4139,7 +4139,7 @@
           <a:p>
             <a:fld id="{F0DFD029-FB74-4578-B929-F66AA97659CA}" type="datetimeFigureOut">
               <a:rPr lang="en-US"/>
-              <a:t>5/8/2020</a:t>
+              <a:t>5/11/2020</a:t>
             </a:fld>
             <a:endParaRPr/>
           </a:p>
@@ -4762,7 +4762,7 @@
             <a:fld id="{F0DFD029-FB74-4578-B929-F66AA97659CA}" type="datetimeFigureOut">
               <a:rPr lang="en-US"/>
               <a:pPr/>
-              <a:t>5/8/2020</a:t>
+              <a:t>5/11/2020</a:t>
             </a:fld>
             <a:endParaRPr/>
           </a:p>
@@ -5256,6 +5256,60 @@
               <a:t>PySense</a:t>
             </a:r>
             <a:endParaRPr lang="en-US" dirty="0"/>
+          </a:p>
+        </p:txBody>
+      </p:sp>
+      <p:sp>
+        <p:nvSpPr>
+          <p:cNvPr id="3" name="Title 1">
+            <a:extLst>
+              <a:ext uri="{FF2B5EF4-FFF2-40B4-BE49-F238E27FC236}">
+                <a16:creationId xmlns:a16="http://schemas.microsoft.com/office/drawing/2014/main" id="{622C4E23-3A84-4BAC-9E18-D1DE12829B49}"/>
+              </a:ext>
+            </a:extLst>
+          </p:cNvPr>
+          <p:cNvSpPr txBox="1">
+            <a:spLocks/>
+          </p:cNvSpPr>
+          <p:nvPr/>
+        </p:nvSpPr>
+        <p:spPr>
+          <a:xfrm>
+            <a:off x="1588952" y="2895600"/>
+            <a:ext cx="8735325" cy="2000251"/>
+          </a:xfrm>
+          <a:prstGeom prst="rect">
+            <a:avLst/>
+          </a:prstGeom>
+        </p:spPr>
+        <p:txBody>
+          <a:bodyPr vert="horz" lIns="121899" tIns="60949" rIns="121899" bIns="60949" rtlCol="0" anchor="b">
+            <a:normAutofit/>
+          </a:bodyPr>
+          <a:lstStyle>
+            <a:lvl1pPr algn="l" defTabSz="1218987" rtl="0" eaLnBrk="1" latinLnBrk="0" hangingPunct="1">
+              <a:lnSpc>
+                <a:spcPct val="90000"/>
+              </a:lnSpc>
+              <a:spcBef>
+                <a:spcPct val="0"/>
+              </a:spcBef>
+              <a:buNone/>
+              <a:defRPr sz="5400" kern="1200">
+                <a:solidFill>
+                  <a:schemeClr val="tx1"/>
+                </a:solidFill>
+                <a:latin typeface="+mj-lt"/>
+                <a:ea typeface="+mj-ea"/>
+                <a:cs typeface="+mj-cs"/>
+              </a:defRPr>
+            </a:lvl1pPr>
+          </a:lstStyle>
+          <a:p>
+            <a:r>
+              <a:rPr lang="en-US" sz="2800" dirty="0"/>
+              <a:t>Authors note: Some syntax in this document changed in later releases. See updated documentation and snippets for more details on current usage </a:t>
+            </a:r>
           </a:p>
         </p:txBody>
       </p:sp>
@@ -13649,6 +13703,15 @@
 </file>
 
 <file path=customXml/item1.xml><?xml version="1.0" encoding="utf-8"?>
+<?mso-contentType ?>
+<FormTemplates xmlns="http://schemas.microsoft.com/sharepoint/v3/contenttype/forms">
+  <Display>DocumentLibraryForm</Display>
+  <Edit>AssetEditForm</Edit>
+  <New>DocumentLibraryForm</New>
+</FormTemplates>
+</file>
+
+<file path=customXml/item2.xml><?xml version="1.0" encoding="utf-8"?>
 <p:properties xmlns:p="http://schemas.microsoft.com/office/2006/metadata/properties" xmlns:xsi="http://www.w3.org/2001/XMLSchema-instance" xmlns:pc="http://schemas.microsoft.com/office/infopath/2007/PartnerControls">
   <documentManagement>
     <LocPublishedLinkedAssetsLookup xmlns="4873beb7-5857-4685-be1f-d57550cc96cc" xsi:nil="true"/>
@@ -13782,15 +13845,6 @@
     <LocMarketGroupTiers2 xmlns="4873beb7-5857-4685-be1f-d57550cc96cc" xsi:nil="true"/>
   </documentManagement>
 </p:properties>
-</file>
-
-<file path=customXml/item2.xml><?xml version="1.0" encoding="utf-8"?>
-<?mso-contentType ?>
-<FormTemplates xmlns="http://schemas.microsoft.com/sharepoint/v3/contenttype/forms">
-  <Display>DocumentLibraryForm</Display>
-  <Edit>AssetEditForm</Edit>
-  <New>DocumentLibraryForm</New>
-</FormTemplates>
 </file>
 
 <file path=customXml/item3.xml><?xml version="1.0" encoding="utf-8"?>
@@ -14834,6 +14888,14 @@
 </file>
 
 <file path=customXml/itemProps1.xml><?xml version="1.0" encoding="utf-8"?>
+<ds:datastoreItem xmlns:ds="http://schemas.openxmlformats.org/officeDocument/2006/customXml" ds:itemID="{3836F65B-1B07-41EE-A0E8-BC6EF3855225}">
+  <ds:schemaRefs>
+    <ds:schemaRef ds:uri="http://schemas.microsoft.com/sharepoint/v3/contenttype/forms"/>
+  </ds:schemaRefs>
+</ds:datastoreItem>
+</file>
+
+<file path=customXml/itemProps2.xml><?xml version="1.0" encoding="utf-8"?>
 <ds:datastoreItem xmlns:ds="http://schemas.openxmlformats.org/officeDocument/2006/customXml" ds:itemID="{60C67BEE-D13F-4BD2-98A5-34D8A0977F68}">
   <ds:schemaRefs>
     <ds:schemaRef ds:uri="4873beb7-5857-4685-be1f-d57550cc96cc"/>
@@ -14845,14 +14907,6 @@
     <ds:schemaRef ds:uri="http://schemas.microsoft.com/office/infopath/2007/PartnerControls"/>
     <ds:schemaRef ds:uri="http://www.w3.org/XML/1998/namespace"/>
     <ds:schemaRef ds:uri="http://purl.org/dc/dcmitype/"/>
-  </ds:schemaRefs>
-</ds:datastoreItem>
-</file>
-
-<file path=customXml/itemProps2.xml><?xml version="1.0" encoding="utf-8"?>
-<ds:datastoreItem xmlns:ds="http://schemas.openxmlformats.org/officeDocument/2006/customXml" ds:itemID="{3836F65B-1B07-41EE-A0E8-BC6EF3855225}">
-  <ds:schemaRefs>
-    <ds:schemaRef ds:uri="http://schemas.microsoft.com/sharepoint/v3/contenttype/forms"/>
   </ds:schemaRefs>
 </ds:datastoreItem>
 </file>

--- a/PySenseTutorial.pptx
+++ b/PySenseTutorial.pptx
@@ -5,40 +5,41 @@
     <p:sldMasterId id="2147483660" r:id="rId4"/>
   </p:sldMasterIdLst>
   <p:notesMasterIdLst>
-    <p:notesMasterId r:id="rId33"/>
+    <p:notesMasterId r:id="rId34"/>
   </p:notesMasterIdLst>
   <p:handoutMasterIdLst>
-    <p:handoutMasterId r:id="rId34"/>
+    <p:handoutMasterId r:id="rId35"/>
   </p:handoutMasterIdLst>
   <p:sldIdLst>
     <p:sldId id="257" r:id="rId5"/>
     <p:sldId id="298" r:id="rId6"/>
     <p:sldId id="299" r:id="rId7"/>
-    <p:sldId id="263" r:id="rId8"/>
-    <p:sldId id="261" r:id="rId9"/>
-    <p:sldId id="258" r:id="rId10"/>
-    <p:sldId id="264" r:id="rId11"/>
-    <p:sldId id="300" r:id="rId12"/>
-    <p:sldId id="272" r:id="rId13"/>
-    <p:sldId id="278" r:id="rId14"/>
-    <p:sldId id="288" r:id="rId15"/>
-    <p:sldId id="267" r:id="rId16"/>
-    <p:sldId id="289" r:id="rId17"/>
-    <p:sldId id="292" r:id="rId18"/>
-    <p:sldId id="273" r:id="rId19"/>
-    <p:sldId id="274" r:id="rId20"/>
-    <p:sldId id="290" r:id="rId21"/>
-    <p:sldId id="293" r:id="rId22"/>
-    <p:sldId id="275" r:id="rId23"/>
-    <p:sldId id="276" r:id="rId24"/>
-    <p:sldId id="279" r:id="rId25"/>
-    <p:sldId id="291" r:id="rId26"/>
-    <p:sldId id="294" r:id="rId27"/>
-    <p:sldId id="280" r:id="rId28"/>
-    <p:sldId id="281" r:id="rId29"/>
-    <p:sldId id="295" r:id="rId30"/>
-    <p:sldId id="283" r:id="rId31"/>
-    <p:sldId id="297" r:id="rId32"/>
+    <p:sldId id="302" r:id="rId8"/>
+    <p:sldId id="263" r:id="rId9"/>
+    <p:sldId id="261" r:id="rId10"/>
+    <p:sldId id="258" r:id="rId11"/>
+    <p:sldId id="264" r:id="rId12"/>
+    <p:sldId id="300" r:id="rId13"/>
+    <p:sldId id="272" r:id="rId14"/>
+    <p:sldId id="278" r:id="rId15"/>
+    <p:sldId id="288" r:id="rId16"/>
+    <p:sldId id="267" r:id="rId17"/>
+    <p:sldId id="289" r:id="rId18"/>
+    <p:sldId id="292" r:id="rId19"/>
+    <p:sldId id="273" r:id="rId20"/>
+    <p:sldId id="274" r:id="rId21"/>
+    <p:sldId id="290" r:id="rId22"/>
+    <p:sldId id="293" r:id="rId23"/>
+    <p:sldId id="275" r:id="rId24"/>
+    <p:sldId id="276" r:id="rId25"/>
+    <p:sldId id="279" r:id="rId26"/>
+    <p:sldId id="291" r:id="rId27"/>
+    <p:sldId id="294" r:id="rId28"/>
+    <p:sldId id="280" r:id="rId29"/>
+    <p:sldId id="281" r:id="rId30"/>
+    <p:sldId id="295" r:id="rId31"/>
+    <p:sldId id="283" r:id="rId32"/>
+    <p:sldId id="297" r:id="rId33"/>
   </p:sldIdLst>
   <p:sldSz cx="12188825" cy="6858000"/>
   <p:notesSz cx="6858000" cy="9144000"/>
@@ -252,7 +253,7 @@
           <a:p>
             <a:fld id="{FE5B4EDC-59C0-49C7-8ADA-5A781B329E02}" type="datetimeFigureOut">
               <a:rPr lang="en-US"/>
-              <a:t>5/11/2020</a:t>
+              <a:t>5/15/2020</a:t>
             </a:fld>
             <a:endParaRPr/>
           </a:p>
@@ -417,7 +418,7 @@
           <a:p>
             <a:fld id="{F2D8D46A-B586-417D-BFBD-8C8FE0AAF762}" type="datetimeFigureOut">
               <a:rPr lang="en-US"/>
-              <a:t>5/11/2020</a:t>
+              <a:t>5/15/2020</a:t>
             </a:fld>
             <a:endParaRPr/>
           </a:p>
@@ -1519,7 +1520,7 @@
           <a:p>
             <a:fld id="{F0DFD029-FB74-4578-B929-F66AA97659CA}" type="datetimeFigureOut">
               <a:rPr lang="en-US"/>
-              <a:t>5/11/2020</a:t>
+              <a:t>5/15/2020</a:t>
             </a:fld>
             <a:endParaRPr/>
           </a:p>
@@ -1717,7 +1718,7 @@
           <a:p>
             <a:fld id="{F0DFD029-FB74-4578-B929-F66AA97659CA}" type="datetimeFigureOut">
               <a:rPr lang="en-US"/>
-              <a:t>5/11/2020</a:t>
+              <a:t>5/15/2020</a:t>
             </a:fld>
             <a:endParaRPr/>
           </a:p>
@@ -1925,7 +1926,7 @@
           <a:p>
             <a:fld id="{F0DFD029-FB74-4578-B929-F66AA97659CA}" type="datetimeFigureOut">
               <a:rPr lang="en-US"/>
-              <a:t>5/11/2020</a:t>
+              <a:t>5/15/2020</a:t>
             </a:fld>
             <a:endParaRPr/>
           </a:p>
@@ -2123,7 +2124,7 @@
           <a:p>
             <a:fld id="{F0DFD029-FB74-4578-B929-F66AA97659CA}" type="datetimeFigureOut">
               <a:rPr lang="en-US"/>
-              <a:t>5/11/2020</a:t>
+              <a:t>5/15/2020</a:t>
             </a:fld>
             <a:endParaRPr/>
           </a:p>
@@ -2555,7 +2556,7 @@
           <a:p>
             <a:fld id="{F0DFD029-FB74-4578-B929-F66AA97659CA}" type="datetimeFigureOut">
               <a:rPr lang="en-US"/>
-              <a:t>5/11/2020</a:t>
+              <a:t>5/15/2020</a:t>
             </a:fld>
             <a:endParaRPr/>
           </a:p>
@@ -2859,7 +2860,7 @@
           <a:p>
             <a:fld id="{F0DFD029-FB74-4578-B929-F66AA97659CA}" type="datetimeFigureOut">
               <a:rPr lang="en-US"/>
-              <a:t>5/11/2020</a:t>
+              <a:t>5/15/2020</a:t>
             </a:fld>
             <a:endParaRPr/>
           </a:p>
@@ -3315,7 +3316,7 @@
           <a:p>
             <a:fld id="{F0DFD029-FB74-4578-B929-F66AA97659CA}" type="datetimeFigureOut">
               <a:rPr lang="en-US"/>
-              <a:t>5/11/2020</a:t>
+              <a:t>5/15/2020</a:t>
             </a:fld>
             <a:endParaRPr/>
           </a:p>
@@ -3445,7 +3446,7 @@
           <a:p>
             <a:fld id="{F0DFD029-FB74-4578-B929-F66AA97659CA}" type="datetimeFigureOut">
               <a:rPr lang="en-US"/>
-              <a:t>5/11/2020</a:t>
+              <a:t>5/15/2020</a:t>
             </a:fld>
             <a:endParaRPr/>
           </a:p>
@@ -3552,7 +3553,7 @@
           <a:p>
             <a:fld id="{F0DFD029-FB74-4578-B929-F66AA97659CA}" type="datetimeFigureOut">
               <a:rPr lang="en-US"/>
-              <a:t>5/11/2020</a:t>
+              <a:t>5/15/2020</a:t>
             </a:fld>
             <a:endParaRPr/>
           </a:p>
@@ -3851,7 +3852,7 @@
           <a:p>
             <a:fld id="{F0DFD029-FB74-4578-B929-F66AA97659CA}" type="datetimeFigureOut">
               <a:rPr lang="en-US"/>
-              <a:t>5/11/2020</a:t>
+              <a:t>5/15/2020</a:t>
             </a:fld>
             <a:endParaRPr/>
           </a:p>
@@ -4139,7 +4140,7 @@
           <a:p>
             <a:fld id="{F0DFD029-FB74-4578-B929-F66AA97659CA}" type="datetimeFigureOut">
               <a:rPr lang="en-US"/>
-              <a:t>5/11/2020</a:t>
+              <a:t>5/15/2020</a:t>
             </a:fld>
             <a:endParaRPr/>
           </a:p>
@@ -4762,7 +4763,7 @@
             <a:fld id="{F0DFD029-FB74-4578-B929-F66AA97659CA}" type="datetimeFigureOut">
               <a:rPr lang="en-US"/>
               <a:pPr/>
-              <a:t>5/11/2020</a:t>
+              <a:t>5/15/2020</a:t>
             </a:fld>
             <a:endParaRPr/>
           </a:p>
@@ -5306,10 +5307,7 @@
             </a:lvl1pPr>
           </a:lstStyle>
           <a:p>
-            <a:r>
-              <a:rPr lang="en-US" sz="2800" dirty="0"/>
-              <a:t>Authors note: Some syntax in this document changed in later releases. See updated documentation and snippets for more details on current usage </a:t>
-            </a:r>
+            <a:endParaRPr lang="en-US" sz="2800" dirty="0"/>
           </a:p>
         </p:txBody>
       </p:sp>
@@ -5360,7 +5358,7 @@
           <p:cNvPr id="2" name="Title 1">
             <a:extLst>
               <a:ext uri="{FF2B5EF4-FFF2-40B4-BE49-F238E27FC236}">
-                <a16:creationId xmlns:a16="http://schemas.microsoft.com/office/drawing/2014/main" id="{E5B5E963-FDC8-46B1-9027-27A15121BB68}"/>
+                <a16:creationId xmlns:a16="http://schemas.microsoft.com/office/drawing/2014/main" id="{BD70C8AC-7EA8-43CD-B1BB-4E7FB11AD150}"/>
               </a:ext>
             </a:extLst>
           </p:cNvPr>
@@ -5371,20 +5369,20 @@
             <p:ph type="title"/>
           </p:nvPr>
         </p:nvSpPr>
-        <p:spPr>
-          <a:xfrm>
-            <a:off x="1218883" y="274637"/>
-            <a:ext cx="10360501" cy="715963"/>
-          </a:xfrm>
-        </p:spPr>
+        <p:spPr/>
         <p:txBody>
           <a:bodyPr/>
           <a:lstStyle/>
           <a:p>
             <a:r>
               <a:rPr lang="en-US" dirty="0"/>
-              <a:t>Python Tip!</a:t>
-            </a:r>
+              <a:t>Set up Python and </a:t>
+            </a:r>
+            <a:r>
+              <a:rPr lang="en-US" dirty="0" err="1"/>
+              <a:t>PySense</a:t>
+            </a:r>
+            <a:endParaRPr lang="en-US" dirty="0"/>
           </a:p>
         </p:txBody>
       </p:sp>
@@ -5393,7 +5391,7 @@
           <p:cNvPr id="3" name="Content Placeholder 2">
             <a:extLst>
               <a:ext uri="{FF2B5EF4-FFF2-40B4-BE49-F238E27FC236}">
-                <a16:creationId xmlns:a16="http://schemas.microsoft.com/office/drawing/2014/main" id="{0D1451B8-B56A-40CC-BCB3-71656BCF2307}"/>
+                <a16:creationId xmlns:a16="http://schemas.microsoft.com/office/drawing/2014/main" id="{26B6DFAD-7750-4EF1-B0FB-BC25002C952B}"/>
               </a:ext>
             </a:extLst>
           </p:cNvPr>
@@ -5404,69 +5402,14 @@
             <p:ph idx="1"/>
           </p:nvPr>
         </p:nvSpPr>
-        <p:spPr>
-          <a:xfrm>
-            <a:off x="1218883" y="1066800"/>
-            <a:ext cx="10360501" cy="5097269"/>
-          </a:xfrm>
-        </p:spPr>
+        <p:spPr/>
         <p:txBody>
-          <a:bodyPr>
-            <a:normAutofit fontScale="92500" lnSpcReduction="10000"/>
-          </a:bodyPr>
+          <a:bodyPr/>
           <a:lstStyle/>
           <a:p>
             <a:r>
               <a:rPr lang="en-US" dirty="0"/>
-              <a:t>When calling functions in python we have required arguments and optional arguments. </a:t>
-            </a:r>
-          </a:p>
-          <a:p>
-            <a:r>
-              <a:rPr lang="en-US" dirty="0"/>
-              <a:t>Required arguments come first and order matters</a:t>
-            </a:r>
-          </a:p>
-          <a:p>
-            <a:r>
-              <a:rPr lang="en-US" dirty="0"/>
-              <a:t>Optional arguments come after the required ones. You can add as many optional arguments as are supported. </a:t>
-            </a:r>
-          </a:p>
-          <a:p>
-            <a:r>
-              <a:rPr lang="en-US" dirty="0"/>
-              <a:t>Look at the call</a:t>
-            </a:r>
-          </a:p>
-          <a:p>
-            <a:r>
-              <a:rPr lang="en-US" dirty="0"/>
-              <a:t>Email address and role are required and must come first in that order</a:t>
-            </a:r>
-          </a:p>
-          <a:p>
-            <a:r>
-              <a:rPr lang="en-US" dirty="0" err="1"/>
-              <a:t>first_name</a:t>
-            </a:r>
-            <a:r>
-              <a:rPr lang="en-US" dirty="0"/>
-              <a:t> and </a:t>
-            </a:r>
-            <a:r>
-              <a:rPr lang="en-US" dirty="0" err="1"/>
-              <a:t>last_name</a:t>
-            </a:r>
-            <a:r>
-              <a:rPr lang="en-US" dirty="0"/>
-              <a:t> are optional and thus are added at the end and can be in any order.</a:t>
-            </a:r>
-          </a:p>
-          <a:p>
-            <a:r>
-              <a:rPr lang="en-US" dirty="0"/>
-              <a:t>The </a:t>
+              <a:t>Install Python and an IDE of your choice. (</a:t>
             </a:r>
             <a:r>
               <a:rPr lang="en-US" dirty="0" err="1"/>
@@ -5474,27 +5417,57 @@
             </a:r>
             <a:r>
               <a:rPr lang="en-US" dirty="0"/>
-              <a:t> </a:t>
-            </a:r>
-            <a:r>
-              <a:rPr lang="en-US" dirty="0">
-                <a:hlinkClick r:id="rId2"/>
-              </a:rPr>
-              <a:t>documentation</a:t>
-            </a:r>
-            <a:r>
-              <a:rPr lang="en-US" dirty="0"/>
-              <a:t> lists  which arguments are required and which are optional</a:t>
+              <a:t> was developed on PyCharm). </a:t>
+            </a:r>
+          </a:p>
+          <a:p>
+            <a:r>
+              <a:rPr lang="en-US" dirty="0"/>
+              <a:t>Install the </a:t>
+            </a:r>
+            <a:r>
+              <a:rPr lang="en-US" dirty="0" err="1"/>
+              <a:t>PySense</a:t>
+            </a:r>
+            <a:r>
+              <a:rPr lang="en-US" dirty="0"/>
+              <a:t> library through pip</a:t>
+            </a:r>
+          </a:p>
+          <a:p>
+            <a:pPr lvl="1"/>
+            <a:r>
+              <a:rPr lang="en-US" dirty="0"/>
+              <a:t>pip install </a:t>
+            </a:r>
+            <a:r>
+              <a:rPr lang="en-US" dirty="0" err="1"/>
+              <a:t>PySenseSDK</a:t>
+            </a:r>
+            <a:endParaRPr lang="en-US" dirty="0"/>
+          </a:p>
+          <a:p>
+            <a:r>
+              <a:rPr lang="en-US" dirty="0"/>
+              <a:t>Include </a:t>
+            </a:r>
+            <a:r>
+              <a:rPr lang="en-US" dirty="0" err="1"/>
+              <a:t>PySense</a:t>
+            </a:r>
+            <a:r>
+              <a:rPr lang="en-US" dirty="0"/>
+              <a:t> in all your scripts: </a:t>
             </a:r>
           </a:p>
         </p:txBody>
       </p:sp>
       <p:sp>
         <p:nvSpPr>
-          <p:cNvPr id="4" name="Rectangle 2">
+          <p:cNvPr id="4" name="Rectangle 1">
             <a:extLst>
               <a:ext uri="{FF2B5EF4-FFF2-40B4-BE49-F238E27FC236}">
-                <a16:creationId xmlns:a16="http://schemas.microsoft.com/office/drawing/2014/main" id="{206771C5-4A08-4F89-8974-DC18A665671D}"/>
+                <a16:creationId xmlns:a16="http://schemas.microsoft.com/office/drawing/2014/main" id="{4B7E0459-AA64-4C98-AEE2-1F840C31B803}"/>
               </a:ext>
             </a:extLst>
           </p:cNvPr>
@@ -5505,8 +5478,8 @@
         </p:nvSpPr>
         <p:spPr bwMode="auto">
           <a:xfrm>
-            <a:off x="3808412" y="3313584"/>
-            <a:ext cx="5865813" cy="230832"/>
+            <a:off x="6780212" y="3817517"/>
+            <a:ext cx="1905000" cy="230832"/>
           </a:xfrm>
           <a:prstGeom prst="rect">
             <a:avLst/>
@@ -5566,6 +5539,19 @@
               <a:tabLst/>
             </a:pPr>
             <a:r>
+              <a:rPr kumimoji="0" lang="en-US" altLang="en-US" sz="900" b="0" i="0" u="none" strike="noStrike" cap="none" normalizeH="0" baseline="0" dirty="0">
+                <a:ln>
+                  <a:noFill/>
+                </a:ln>
+                <a:solidFill>
+                  <a:srgbClr val="CC7832"/>
+                </a:solidFill>
+                <a:effectLst/>
+                <a:latin typeface="Consolas" panose="020B0609020204030204" pitchFamily="49" charset="0"/>
+              </a:rPr>
+              <a:t>from </a:t>
+            </a:r>
+            <a:r>
               <a:rPr kumimoji="0" lang="en-US" altLang="en-US" sz="900" b="0" i="0" u="none" strike="noStrike" cap="none" normalizeH="0" baseline="0" dirty="0" err="1">
                 <a:ln>
                   <a:noFill/>
@@ -5576,7 +5562,7 @@
                 <a:effectLst/>
                 <a:latin typeface="Consolas" panose="020B0609020204030204" pitchFamily="49" charset="0"/>
               </a:rPr>
-              <a:t>py_client.add_user</a:t>
+              <a:t>PySense</a:t>
             </a:r>
             <a:r>
               <a:rPr kumimoji="0" lang="en-US" altLang="en-US" sz="900" b="0" i="0" u="none" strike="noStrike" cap="none" normalizeH="0" baseline="0" dirty="0">
@@ -5589,7 +5575,7 @@
                 <a:effectLst/>
                 <a:latin typeface="Consolas" panose="020B0609020204030204" pitchFamily="49" charset="0"/>
               </a:rPr>
-              <a:t>(</a:t>
+              <a:t> </a:t>
             </a:r>
             <a:r>
               <a:rPr kumimoji="0" lang="en-US" altLang="en-US" sz="900" b="0" i="0" u="none" strike="noStrike" cap="none" normalizeH="0" baseline="0" dirty="0">
@@ -5597,51 +5583,12 @@
                   <a:noFill/>
                 </a:ln>
                 <a:solidFill>
-                  <a:srgbClr val="6A8759"/>
-                </a:solidFill>
-                <a:effectLst/>
-                <a:latin typeface="Consolas" panose="020B0609020204030204" pitchFamily="49" charset="0"/>
-              </a:rPr>
-              <a:t>'user@email.com'</a:t>
-            </a:r>
-            <a:r>
-              <a:rPr kumimoji="0" lang="en-US" altLang="en-US" sz="900" b="0" i="0" u="none" strike="noStrike" cap="none" normalizeH="0" baseline="0" dirty="0">
-                <a:ln>
-                  <a:noFill/>
-                </a:ln>
-                <a:solidFill>
                   <a:srgbClr val="CC7832"/>
                 </a:solidFill>
                 <a:effectLst/>
                 <a:latin typeface="Consolas" panose="020B0609020204030204" pitchFamily="49" charset="0"/>
               </a:rPr>
-              <a:t>, </a:t>
-            </a:r>
-            <a:r>
-              <a:rPr kumimoji="0" lang="en-US" altLang="en-US" sz="900" b="0" i="0" u="none" strike="noStrike" cap="none" normalizeH="0" baseline="0" dirty="0">
-                <a:ln>
-                  <a:noFill/>
-                </a:ln>
-                <a:solidFill>
-                  <a:srgbClr val="6A8759"/>
-                </a:solidFill>
-                <a:effectLst/>
-                <a:latin typeface="Consolas" panose="020B0609020204030204" pitchFamily="49" charset="0"/>
-              </a:rPr>
-              <a:t>'Data Designer'</a:t>
-            </a:r>
-            <a:r>
-              <a:rPr kumimoji="0" lang="en-US" altLang="en-US" sz="900" b="0" i="0" u="none" strike="noStrike" cap="none" normalizeH="0" baseline="0" dirty="0">
-                <a:ln>
-                  <a:noFill/>
-                </a:ln>
-                <a:solidFill>
-                  <a:srgbClr val="CC7832"/>
-                </a:solidFill>
-                <a:effectLst/>
-                <a:latin typeface="Consolas" panose="020B0609020204030204" pitchFamily="49" charset="0"/>
-              </a:rPr>
-              <a:t>, </a:t>
+              <a:t>import </a:t>
             </a:r>
             <a:r>
               <a:rPr kumimoji="0" lang="en-US" altLang="en-US" sz="900" b="0" i="0" u="none" strike="noStrike" cap="none" normalizeH="0" baseline="0" dirty="0" err="1">
@@ -5649,103 +5596,12 @@
                   <a:noFill/>
                 </a:ln>
                 <a:solidFill>
-                  <a:srgbClr val="AA4926"/>
-                </a:solidFill>
-                <a:effectLst/>
-                <a:latin typeface="Consolas" panose="020B0609020204030204" pitchFamily="49" charset="0"/>
-              </a:rPr>
-              <a:t>first_name</a:t>
-            </a:r>
-            <a:r>
-              <a:rPr kumimoji="0" lang="en-US" altLang="en-US" sz="900" b="0" i="0" u="none" strike="noStrike" cap="none" normalizeH="0" baseline="0" dirty="0">
-                <a:ln>
-                  <a:noFill/>
-                </a:ln>
-                <a:solidFill>
                   <a:srgbClr val="A9B7C6"/>
                 </a:solidFill>
                 <a:effectLst/>
                 <a:latin typeface="Consolas" panose="020B0609020204030204" pitchFamily="49" charset="0"/>
               </a:rPr>
-              <a:t>=</a:t>
-            </a:r>
-            <a:r>
-              <a:rPr kumimoji="0" lang="en-US" altLang="en-US" sz="900" b="0" i="0" u="none" strike="noStrike" cap="none" normalizeH="0" baseline="0" dirty="0">
-                <a:ln>
-                  <a:noFill/>
-                </a:ln>
-                <a:solidFill>
-                  <a:srgbClr val="6A8759"/>
-                </a:solidFill>
-                <a:effectLst/>
-                <a:latin typeface="Consolas" panose="020B0609020204030204" pitchFamily="49" charset="0"/>
-              </a:rPr>
-              <a:t>'John'</a:t>
-            </a:r>
-            <a:r>
-              <a:rPr kumimoji="0" lang="en-US" altLang="en-US" sz="900" b="0" i="0" u="none" strike="noStrike" cap="none" normalizeH="0" baseline="0" dirty="0">
-                <a:ln>
-                  <a:noFill/>
-                </a:ln>
-                <a:solidFill>
-                  <a:srgbClr val="CC7832"/>
-                </a:solidFill>
-                <a:effectLst/>
-                <a:latin typeface="Consolas" panose="020B0609020204030204" pitchFamily="49" charset="0"/>
-              </a:rPr>
-              <a:t>, </a:t>
-            </a:r>
-            <a:r>
-              <a:rPr kumimoji="0" lang="en-US" altLang="en-US" sz="900" b="0" i="0" u="none" strike="noStrike" cap="none" normalizeH="0" baseline="0" dirty="0" err="1">
-                <a:ln>
-                  <a:noFill/>
-                </a:ln>
-                <a:solidFill>
-                  <a:srgbClr val="AA4926"/>
-                </a:solidFill>
-                <a:effectLst/>
-                <a:latin typeface="Consolas" panose="020B0609020204030204" pitchFamily="49" charset="0"/>
-              </a:rPr>
-              <a:t>last_name</a:t>
-            </a:r>
-            <a:r>
-              <a:rPr kumimoji="0" lang="en-US" altLang="en-US" sz="900" b="0" i="0" u="none" strike="noStrike" cap="none" normalizeH="0" baseline="0" dirty="0">
-                <a:ln>
-                  <a:noFill/>
-                </a:ln>
-                <a:solidFill>
-                  <a:srgbClr val="A9B7C6"/>
-                </a:solidFill>
-                <a:effectLst/>
-                <a:latin typeface="Consolas" panose="020B0609020204030204" pitchFamily="49" charset="0"/>
-              </a:rPr>
-              <a:t>=</a:t>
-            </a:r>
-            <a:r>
-              <a:rPr kumimoji="0" lang="en-US" altLang="en-US" sz="900" b="0" i="0" u="none" strike="noStrike" cap="none" normalizeH="0" baseline="0" dirty="0">
-                <a:ln>
-                  <a:noFill/>
-                </a:ln>
-                <a:solidFill>
-                  <a:srgbClr val="6A8759"/>
-                </a:solidFill>
-                <a:effectLst/>
-                <a:latin typeface="Consolas" panose="020B0609020204030204" pitchFamily="49" charset="0"/>
-              </a:rPr>
-              <a:t>'Doe'</a:t>
-            </a:r>
-            <a:r>
-              <a:rPr kumimoji="0" lang="en-US" altLang="en-US" sz="900" b="0" i="0" u="none" strike="noStrike" cap="none" normalizeH="0" baseline="0" dirty="0">
-                <a:ln>
-                  <a:noFill/>
-                </a:ln>
-                <a:solidFill>
-                  <a:srgbClr val="A9B7C6"/>
-                </a:solidFill>
-                <a:effectLst/>
-                <a:latin typeface="Consolas" panose="020B0609020204030204" pitchFamily="49" charset="0"/>
-              </a:rPr>
-              <a:t>)</a:t>
+              <a:t>PySense</a:t>
             </a:r>
             <a:endParaRPr kumimoji="0" lang="en-US" altLang="en-US" sz="1800" b="0" i="0" u="none" strike="noStrike" cap="none" normalizeH="0" baseline="0" dirty="0">
               <a:ln>
@@ -5763,7 +5619,7 @@
     </p:spTree>
     <p:extLst>
       <p:ext uri="{BB962C8B-B14F-4D97-AF65-F5344CB8AC3E}">
-        <p14:creationId xmlns:p14="http://schemas.microsoft.com/office/powerpoint/2010/main" val="3676505348"/>
+        <p14:creationId xmlns:p14="http://schemas.microsoft.com/office/powerpoint/2010/main" val="1322414581"/>
       </p:ext>
     </p:extLst>
   </p:cSld>
@@ -5807,7 +5663,7 @@
           <p:cNvPr id="2" name="Title 1">
             <a:extLst>
               <a:ext uri="{FF2B5EF4-FFF2-40B4-BE49-F238E27FC236}">
-                <a16:creationId xmlns:a16="http://schemas.microsoft.com/office/drawing/2014/main" id="{526747FF-D7FB-4FD0-9096-897CDC0B9157}"/>
+                <a16:creationId xmlns:a16="http://schemas.microsoft.com/office/drawing/2014/main" id="{E5B5E963-FDC8-46B1-9027-27A15121BB68}"/>
               </a:ext>
             </a:extLst>
           </p:cNvPr>
@@ -5818,14 +5674,19 @@
             <p:ph type="title"/>
           </p:nvPr>
         </p:nvSpPr>
-        <p:spPr/>
+        <p:spPr>
+          <a:xfrm>
+            <a:off x="1218883" y="274637"/>
+            <a:ext cx="10360501" cy="715963"/>
+          </a:xfrm>
+        </p:spPr>
         <p:txBody>
           <a:bodyPr/>
           <a:lstStyle/>
           <a:p>
             <a:r>
               <a:rPr lang="en-US" dirty="0"/>
-              <a:t>Hands On</a:t>
+              <a:t>Python Tip!</a:t>
             </a:r>
           </a:p>
         </p:txBody>
@@ -5835,7 +5696,7 @@
           <p:cNvPr id="3" name="Content Placeholder 2">
             <a:extLst>
               <a:ext uri="{FF2B5EF4-FFF2-40B4-BE49-F238E27FC236}">
-                <a16:creationId xmlns:a16="http://schemas.microsoft.com/office/drawing/2014/main" id="{D3698E1F-E607-486A-9AC1-7FA984F129C5}"/>
+                <a16:creationId xmlns:a16="http://schemas.microsoft.com/office/drawing/2014/main" id="{0D1451B8-B56A-40CC-BCB3-71656BCF2307}"/>
               </a:ext>
             </a:extLst>
           </p:cNvPr>
@@ -5846,43 +5707,366 @@
             <p:ph idx="1"/>
           </p:nvPr>
         </p:nvSpPr>
-        <p:spPr/>
+        <p:spPr>
+          <a:xfrm>
+            <a:off x="1218883" y="1066800"/>
+            <a:ext cx="10360501" cy="5097269"/>
+          </a:xfrm>
+        </p:spPr>
         <p:txBody>
-          <a:bodyPr/>
+          <a:bodyPr>
+            <a:normAutofit fontScale="92500" lnSpcReduction="10000"/>
+          </a:bodyPr>
           <a:lstStyle/>
           <a:p>
             <a:r>
               <a:rPr lang="en-US" dirty="0"/>
-              <a:t>Authenticate with our Sisense server</a:t>
-            </a:r>
-          </a:p>
-          <a:p>
-            <a:r>
-              <a:rPr lang="en-US" dirty="0"/>
-              <a:t>Create a user and add a security rule</a:t>
-            </a:r>
-          </a:p>
-          <a:p>
-            <a:r>
-              <a:rPr lang="en-US" dirty="0"/>
-              <a:t>Download our dashboards</a:t>
-            </a:r>
-          </a:p>
-          <a:p>
+              <a:t>When calling functions in python we have required arguments and optional arguments. </a:t>
+            </a:r>
+          </a:p>
+          <a:p>
+            <a:r>
+              <a:rPr lang="en-US" dirty="0"/>
+              <a:t>Required arguments come first and order matters</a:t>
+            </a:r>
+          </a:p>
+          <a:p>
+            <a:r>
+              <a:rPr lang="en-US" dirty="0"/>
+              <a:t>Optional arguments come after the required ones. You can add as many optional arguments as are supported. </a:t>
+            </a:r>
+          </a:p>
+          <a:p>
+            <a:r>
+              <a:rPr lang="en-US" dirty="0"/>
+              <a:t>Look at the call</a:t>
+            </a:r>
+          </a:p>
+          <a:p>
+            <a:r>
+              <a:rPr lang="en-US" dirty="0"/>
+              <a:t>Email address and role are required and must come first in that order</a:t>
+            </a:r>
+          </a:p>
+          <a:p>
+            <a:r>
+              <a:rPr lang="en-US" dirty="0" err="1"/>
+              <a:t>first_name</a:t>
+            </a:r>
+            <a:r>
+              <a:rPr lang="en-US" dirty="0"/>
+              <a:t> and </a:t>
+            </a:r>
+            <a:r>
+              <a:rPr lang="en-US" dirty="0" err="1"/>
+              <a:t>last_name</a:t>
+            </a:r>
+            <a:r>
+              <a:rPr lang="en-US" dirty="0"/>
+              <a:t> are optional and thus are added at the end and can be in any order.</a:t>
+            </a:r>
+          </a:p>
+          <a:p>
+            <a:r>
+              <a:rPr lang="en-US" dirty="0"/>
+              <a:t>The </a:t>
+            </a:r>
+            <a:r>
+              <a:rPr lang="en-US" dirty="0" err="1"/>
+              <a:t>PySense</a:t>
+            </a:r>
+            <a:r>
+              <a:rPr lang="en-US" dirty="0"/>
+              <a:t> </a:t>
+            </a:r>
             <a:r>
               <a:rPr lang="en-US" dirty="0">
                 <a:hlinkClick r:id="rId2"/>
               </a:rPr>
-              <a:t>https://github.com/nathangiusti/PySense/tree/master/Snippets</a:t>
-            </a:r>
-            <a:endParaRPr lang="en-US" dirty="0"/>
+              <a:t>documentation</a:t>
+            </a:r>
+            <a:r>
+              <a:rPr lang="en-US" dirty="0"/>
+              <a:t> lists  which arguments are required and which are optional</a:t>
+            </a:r>
+          </a:p>
+        </p:txBody>
+      </p:sp>
+      <p:sp>
+        <p:nvSpPr>
+          <p:cNvPr id="4" name="Rectangle 2">
+            <a:extLst>
+              <a:ext uri="{FF2B5EF4-FFF2-40B4-BE49-F238E27FC236}">
+                <a16:creationId xmlns:a16="http://schemas.microsoft.com/office/drawing/2014/main" id="{206771C5-4A08-4F89-8974-DC18A665671D}"/>
+              </a:ext>
+            </a:extLst>
+          </p:cNvPr>
+          <p:cNvSpPr>
+            <a:spLocks noChangeArrowheads="1"/>
+          </p:cNvSpPr>
+          <p:nvPr/>
+        </p:nvSpPr>
+        <p:spPr bwMode="auto">
+          <a:xfrm>
+            <a:off x="3808412" y="3313584"/>
+            <a:ext cx="5865813" cy="230832"/>
+          </a:xfrm>
+          <a:prstGeom prst="rect">
+            <a:avLst/>
+          </a:prstGeom>
+          <a:solidFill>
+            <a:srgbClr val="2B2B2B"/>
+          </a:solidFill>
+          <a:ln>
+            <a:noFill/>
+          </a:ln>
+          <a:effectLst/>
+          <a:extLst>
+            <a:ext uri="{91240B29-F687-4F45-9708-019B960494DF}">
+              <a14:hiddenLine xmlns:a14="http://schemas.microsoft.com/office/drawing/2010/main" w="9525">
+                <a:solidFill>
+                  <a:schemeClr val="tx1"/>
+                </a:solidFill>
+                <a:miter lim="800000"/>
+                <a:headEnd/>
+                <a:tailEnd/>
+              </a14:hiddenLine>
+            </a:ext>
+            <a:ext uri="{AF507438-7753-43E0-B8FC-AC1667EBCBE1}">
+              <a14:hiddenEffects xmlns:a14="http://schemas.microsoft.com/office/drawing/2010/main">
+                <a:effectLst>
+                  <a:outerShdw dist="35921" dir="2700000" algn="ctr" rotWithShape="0">
+                    <a:schemeClr val="bg2"/>
+                  </a:outerShdw>
+                </a:effectLst>
+              </a14:hiddenEffects>
+            </a:ext>
+          </a:extLst>
+        </p:spPr>
+        <p:txBody>
+          <a:bodyPr vert="horz" wrap="square" lIns="91440" tIns="45720" rIns="91440" bIns="45720" numCol="1" anchor="ctr" anchorCtr="0" compatLnSpc="1">
+            <a:prstTxWarp prst="textNoShape">
+              <a:avLst/>
+            </a:prstTxWarp>
+            <a:spAutoFit/>
+          </a:bodyPr>
+          <a:lstStyle/>
+          <a:p>
+            <a:pPr marL="0" marR="0" lvl="0" indent="0" algn="l" defTabSz="914400" rtl="0" eaLnBrk="0" fontAlgn="base" latinLnBrk="0" hangingPunct="0">
+              <a:lnSpc>
+                <a:spcPct val="100000"/>
+              </a:lnSpc>
+              <a:spcBef>
+                <a:spcPct val="0"/>
+              </a:spcBef>
+              <a:spcAft>
+                <a:spcPct val="0"/>
+              </a:spcAft>
+              <a:buClrTx/>
+              <a:buSzTx/>
+              <a:buFontTx/>
+              <a:buNone/>
+              <a:tabLst/>
+            </a:pPr>
+            <a:r>
+              <a:rPr kumimoji="0" lang="en-US" altLang="en-US" sz="900" b="0" i="0" u="none" strike="noStrike" cap="none" normalizeH="0" baseline="0" dirty="0" err="1">
+                <a:ln>
+                  <a:noFill/>
+                </a:ln>
+                <a:solidFill>
+                  <a:srgbClr val="A9B7C6"/>
+                </a:solidFill>
+                <a:effectLst/>
+                <a:latin typeface="Consolas" panose="020B0609020204030204" pitchFamily="49" charset="0"/>
+              </a:rPr>
+              <a:t>py_client.add_user</a:t>
+            </a:r>
+            <a:r>
+              <a:rPr kumimoji="0" lang="en-US" altLang="en-US" sz="900" b="0" i="0" u="none" strike="noStrike" cap="none" normalizeH="0" baseline="0" dirty="0">
+                <a:ln>
+                  <a:noFill/>
+                </a:ln>
+                <a:solidFill>
+                  <a:srgbClr val="A9B7C6"/>
+                </a:solidFill>
+                <a:effectLst/>
+                <a:latin typeface="Consolas" panose="020B0609020204030204" pitchFamily="49" charset="0"/>
+              </a:rPr>
+              <a:t>(</a:t>
+            </a:r>
+            <a:r>
+              <a:rPr kumimoji="0" lang="en-US" altLang="en-US" sz="900" b="0" i="0" u="none" strike="noStrike" cap="none" normalizeH="0" baseline="0" dirty="0">
+                <a:ln>
+                  <a:noFill/>
+                </a:ln>
+                <a:solidFill>
+                  <a:srgbClr val="6A8759"/>
+                </a:solidFill>
+                <a:effectLst/>
+                <a:latin typeface="Consolas" panose="020B0609020204030204" pitchFamily="49" charset="0"/>
+              </a:rPr>
+              <a:t>'user@email.com'</a:t>
+            </a:r>
+            <a:r>
+              <a:rPr kumimoji="0" lang="en-US" altLang="en-US" sz="900" b="0" i="0" u="none" strike="noStrike" cap="none" normalizeH="0" baseline="0" dirty="0">
+                <a:ln>
+                  <a:noFill/>
+                </a:ln>
+                <a:solidFill>
+                  <a:srgbClr val="CC7832"/>
+                </a:solidFill>
+                <a:effectLst/>
+                <a:latin typeface="Consolas" panose="020B0609020204030204" pitchFamily="49" charset="0"/>
+              </a:rPr>
+              <a:t>, </a:t>
+            </a:r>
+            <a:r>
+              <a:rPr kumimoji="0" lang="en-US" altLang="en-US" sz="900" b="0" i="0" u="none" strike="noStrike" cap="none" normalizeH="0" baseline="0" dirty="0">
+                <a:ln>
+                  <a:noFill/>
+                </a:ln>
+                <a:solidFill>
+                  <a:srgbClr val="6A8759"/>
+                </a:solidFill>
+                <a:effectLst/>
+                <a:latin typeface="Consolas" panose="020B0609020204030204" pitchFamily="49" charset="0"/>
+              </a:rPr>
+              <a:t>'Data Designer'</a:t>
+            </a:r>
+            <a:r>
+              <a:rPr kumimoji="0" lang="en-US" altLang="en-US" sz="900" b="0" i="0" u="none" strike="noStrike" cap="none" normalizeH="0" baseline="0" dirty="0">
+                <a:ln>
+                  <a:noFill/>
+                </a:ln>
+                <a:solidFill>
+                  <a:srgbClr val="CC7832"/>
+                </a:solidFill>
+                <a:effectLst/>
+                <a:latin typeface="Consolas" panose="020B0609020204030204" pitchFamily="49" charset="0"/>
+              </a:rPr>
+              <a:t>, </a:t>
+            </a:r>
+            <a:r>
+              <a:rPr kumimoji="0" lang="en-US" altLang="en-US" sz="900" b="0" i="0" u="none" strike="noStrike" cap="none" normalizeH="0" baseline="0" dirty="0" err="1">
+                <a:ln>
+                  <a:noFill/>
+                </a:ln>
+                <a:solidFill>
+                  <a:srgbClr val="AA4926"/>
+                </a:solidFill>
+                <a:effectLst/>
+                <a:latin typeface="Consolas" panose="020B0609020204030204" pitchFamily="49" charset="0"/>
+              </a:rPr>
+              <a:t>first_name</a:t>
+            </a:r>
+            <a:r>
+              <a:rPr kumimoji="0" lang="en-US" altLang="en-US" sz="900" b="0" i="0" u="none" strike="noStrike" cap="none" normalizeH="0" baseline="0" dirty="0">
+                <a:ln>
+                  <a:noFill/>
+                </a:ln>
+                <a:solidFill>
+                  <a:srgbClr val="A9B7C6"/>
+                </a:solidFill>
+                <a:effectLst/>
+                <a:latin typeface="Consolas" panose="020B0609020204030204" pitchFamily="49" charset="0"/>
+              </a:rPr>
+              <a:t>=</a:t>
+            </a:r>
+            <a:r>
+              <a:rPr kumimoji="0" lang="en-US" altLang="en-US" sz="900" b="0" i="0" u="none" strike="noStrike" cap="none" normalizeH="0" baseline="0" dirty="0">
+                <a:ln>
+                  <a:noFill/>
+                </a:ln>
+                <a:solidFill>
+                  <a:srgbClr val="6A8759"/>
+                </a:solidFill>
+                <a:effectLst/>
+                <a:latin typeface="Consolas" panose="020B0609020204030204" pitchFamily="49" charset="0"/>
+              </a:rPr>
+              <a:t>'John'</a:t>
+            </a:r>
+            <a:r>
+              <a:rPr kumimoji="0" lang="en-US" altLang="en-US" sz="900" b="0" i="0" u="none" strike="noStrike" cap="none" normalizeH="0" baseline="0" dirty="0">
+                <a:ln>
+                  <a:noFill/>
+                </a:ln>
+                <a:solidFill>
+                  <a:srgbClr val="CC7832"/>
+                </a:solidFill>
+                <a:effectLst/>
+                <a:latin typeface="Consolas" panose="020B0609020204030204" pitchFamily="49" charset="0"/>
+              </a:rPr>
+              <a:t>, </a:t>
+            </a:r>
+            <a:r>
+              <a:rPr kumimoji="0" lang="en-US" altLang="en-US" sz="900" b="0" i="0" u="none" strike="noStrike" cap="none" normalizeH="0" baseline="0" dirty="0" err="1">
+                <a:ln>
+                  <a:noFill/>
+                </a:ln>
+                <a:solidFill>
+                  <a:srgbClr val="AA4926"/>
+                </a:solidFill>
+                <a:effectLst/>
+                <a:latin typeface="Consolas" panose="020B0609020204030204" pitchFamily="49" charset="0"/>
+              </a:rPr>
+              <a:t>last_name</a:t>
+            </a:r>
+            <a:r>
+              <a:rPr kumimoji="0" lang="en-US" altLang="en-US" sz="900" b="0" i="0" u="none" strike="noStrike" cap="none" normalizeH="0" baseline="0" dirty="0">
+                <a:ln>
+                  <a:noFill/>
+                </a:ln>
+                <a:solidFill>
+                  <a:srgbClr val="A9B7C6"/>
+                </a:solidFill>
+                <a:effectLst/>
+                <a:latin typeface="Consolas" panose="020B0609020204030204" pitchFamily="49" charset="0"/>
+              </a:rPr>
+              <a:t>=</a:t>
+            </a:r>
+            <a:r>
+              <a:rPr kumimoji="0" lang="en-US" altLang="en-US" sz="900" b="0" i="0" u="none" strike="noStrike" cap="none" normalizeH="0" baseline="0" dirty="0">
+                <a:ln>
+                  <a:noFill/>
+                </a:ln>
+                <a:solidFill>
+                  <a:srgbClr val="6A8759"/>
+                </a:solidFill>
+                <a:effectLst/>
+                <a:latin typeface="Consolas" panose="020B0609020204030204" pitchFamily="49" charset="0"/>
+              </a:rPr>
+              <a:t>'Doe'</a:t>
+            </a:r>
+            <a:r>
+              <a:rPr kumimoji="0" lang="en-US" altLang="en-US" sz="900" b="0" i="0" u="none" strike="noStrike" cap="none" normalizeH="0" baseline="0" dirty="0">
+                <a:ln>
+                  <a:noFill/>
+                </a:ln>
+                <a:solidFill>
+                  <a:srgbClr val="A9B7C6"/>
+                </a:solidFill>
+                <a:effectLst/>
+                <a:latin typeface="Consolas" panose="020B0609020204030204" pitchFamily="49" charset="0"/>
+              </a:rPr>
+              <a:t>)</a:t>
+            </a:r>
+            <a:endParaRPr kumimoji="0" lang="en-US" altLang="en-US" sz="1800" b="0" i="0" u="none" strike="noStrike" cap="none" normalizeH="0" baseline="0" dirty="0">
+              <a:ln>
+                <a:noFill/>
+              </a:ln>
+              <a:solidFill>
+                <a:schemeClr val="tx1"/>
+              </a:solidFill>
+              <a:effectLst/>
+              <a:latin typeface="Arial" panose="020B0604020202020204" pitchFamily="34" charset="0"/>
+            </a:endParaRPr>
           </a:p>
         </p:txBody>
       </p:sp>
     </p:spTree>
     <p:extLst>
       <p:ext uri="{BB962C8B-B14F-4D97-AF65-F5344CB8AC3E}">
-        <p14:creationId xmlns:p14="http://schemas.microsoft.com/office/powerpoint/2010/main" val="3867761439"/>
+        <p14:creationId xmlns:p14="http://schemas.microsoft.com/office/powerpoint/2010/main" val="3676505348"/>
       </p:ext>
     </p:extLst>
   </p:cSld>
@@ -5923,7 +6107,13 @@
       </p:grpSpPr>
       <p:sp>
         <p:nvSpPr>
-          <p:cNvPr id="7" name="Title 6"/>
+          <p:cNvPr id="2" name="Title 1">
+            <a:extLst>
+              <a:ext uri="{FF2B5EF4-FFF2-40B4-BE49-F238E27FC236}">
+                <a16:creationId xmlns:a16="http://schemas.microsoft.com/office/drawing/2014/main" id="{526747FF-D7FB-4FD0-9096-897CDC0B9157}"/>
+              </a:ext>
+            </a:extLst>
+          </p:cNvPr>
           <p:cNvSpPr>
             <a:spLocks noGrp="1"/>
           </p:cNvSpPr>
@@ -5938,7 +6128,7 @@
           <a:p>
             <a:r>
               <a:rPr lang="en-US" dirty="0"/>
-              <a:t>Authentication</a:t>
+              <a:t>Hands On</a:t>
             </a:r>
           </a:p>
         </p:txBody>
@@ -5948,7 +6138,7 @@
           <p:cNvPr id="3" name="Content Placeholder 2">
             <a:extLst>
               <a:ext uri="{FF2B5EF4-FFF2-40B4-BE49-F238E27FC236}">
-                <a16:creationId xmlns:a16="http://schemas.microsoft.com/office/drawing/2014/main" id="{2ED27052-9A29-48B4-B0EC-AD50D2AF88EF}"/>
+                <a16:creationId xmlns:a16="http://schemas.microsoft.com/office/drawing/2014/main" id="{D3698E1F-E607-486A-9AC1-7FA984F129C5}"/>
               </a:ext>
             </a:extLst>
           </p:cNvPr>
@@ -5961,818 +6151,41 @@
         </p:nvSpPr>
         <p:spPr/>
         <p:txBody>
-          <a:bodyPr>
-            <a:normAutofit/>
-          </a:bodyPr>
+          <a:bodyPr/>
           <a:lstStyle/>
           <a:p>
             <a:r>
               <a:rPr lang="en-US" dirty="0"/>
-              <a:t>We must log in to Sisense via API as we would if we were logging in to the web. </a:t>
-            </a:r>
-          </a:p>
-          <a:p>
-            <a:r>
-              <a:rPr lang="en-US" dirty="0"/>
-              <a:t>Authentication returns us a </a:t>
-            </a:r>
-            <a:r>
-              <a:rPr lang="en-US" dirty="0" err="1"/>
-              <a:t>PySense</a:t>
-            </a:r>
-            <a:r>
-              <a:rPr lang="en-US" dirty="0"/>
-              <a:t> object which we name </a:t>
-            </a:r>
-            <a:r>
-              <a:rPr lang="en-US" dirty="0" err="1"/>
-              <a:t>py_client</a:t>
+              <a:t>Authenticate with our Sisense server</a:t>
+            </a:r>
+          </a:p>
+          <a:p>
+            <a:r>
+              <a:rPr lang="en-US" dirty="0"/>
+              <a:t>Create a user and add a security rule</a:t>
+            </a:r>
+          </a:p>
+          <a:p>
+            <a:r>
+              <a:rPr lang="en-US" dirty="0"/>
+              <a:t>Download our dashboards</a:t>
+            </a:r>
+          </a:p>
+          <a:p>
+            <a:r>
+              <a:rPr lang="en-US" dirty="0">
+                <a:hlinkClick r:id="rId2"/>
+              </a:rPr>
+              <a:t>https://github.com/nathangiusti/PySense/tree/master/Snippets</a:t>
             </a:r>
             <a:endParaRPr lang="en-US" dirty="0"/>
-          </a:p>
-          <a:p>
-            <a:r>
-              <a:rPr lang="en-US" dirty="0"/>
-              <a:t>We can do this two ways</a:t>
-            </a:r>
-          </a:p>
-          <a:p>
-            <a:pPr lvl="1"/>
-            <a:r>
-              <a:rPr lang="en-US" dirty="0"/>
-              <a:t>Inline:</a:t>
-            </a:r>
-          </a:p>
-          <a:p>
-            <a:pPr lvl="1"/>
-            <a:r>
-              <a:rPr lang="en-US" dirty="0"/>
-              <a:t>From file: </a:t>
-            </a:r>
-          </a:p>
-          <a:p>
-            <a:pPr lvl="2"/>
-            <a:r>
-              <a:rPr lang="en-US" dirty="0" err="1"/>
-              <a:t>SampleConfig.yaml</a:t>
-            </a:r>
-            <a:r>
-              <a:rPr lang="en-US" dirty="0"/>
-              <a:t>:</a:t>
-            </a:r>
-          </a:p>
-        </p:txBody>
-      </p:sp>
-      <p:sp>
-        <p:nvSpPr>
-          <p:cNvPr id="5" name="Rectangle 2">
-            <a:extLst>
-              <a:ext uri="{FF2B5EF4-FFF2-40B4-BE49-F238E27FC236}">
-                <a16:creationId xmlns:a16="http://schemas.microsoft.com/office/drawing/2014/main" id="{874040FE-AF0A-43F7-A2F0-7977C9FFEDD1}"/>
-              </a:ext>
-            </a:extLst>
-          </p:cNvPr>
-          <p:cNvSpPr>
-            <a:spLocks noChangeArrowheads="1"/>
-          </p:cNvSpPr>
-          <p:nvPr/>
-        </p:nvSpPr>
-        <p:spPr bwMode="auto">
-          <a:xfrm>
-            <a:off x="2817812" y="4272599"/>
-            <a:ext cx="4648200" cy="230832"/>
-          </a:xfrm>
-          <a:prstGeom prst="rect">
-            <a:avLst/>
-          </a:prstGeom>
-          <a:solidFill>
-            <a:srgbClr val="2B2B2B"/>
-          </a:solidFill>
-          <a:ln>
-            <a:noFill/>
-          </a:ln>
-          <a:effectLst/>
-          <a:extLst>
-            <a:ext uri="{91240B29-F687-4F45-9708-019B960494DF}">
-              <a14:hiddenLine xmlns:a14="http://schemas.microsoft.com/office/drawing/2010/main" w="9525">
-                <a:solidFill>
-                  <a:schemeClr val="tx1"/>
-                </a:solidFill>
-                <a:miter lim="800000"/>
-                <a:headEnd/>
-                <a:tailEnd/>
-              </a14:hiddenLine>
-            </a:ext>
-            <a:ext uri="{AF507438-7753-43E0-B8FC-AC1667EBCBE1}">
-              <a14:hiddenEffects xmlns:a14="http://schemas.microsoft.com/office/drawing/2010/main">
-                <a:effectLst>
-                  <a:outerShdw dist="35921" dir="2700000" algn="ctr" rotWithShape="0">
-                    <a:schemeClr val="bg2"/>
-                  </a:outerShdw>
-                </a:effectLst>
-              </a14:hiddenEffects>
-            </a:ext>
-          </a:extLst>
-        </p:spPr>
-        <p:txBody>
-          <a:bodyPr vert="horz" wrap="square" lIns="91440" tIns="45720" rIns="91440" bIns="45720" numCol="1" anchor="ctr" anchorCtr="0" compatLnSpc="1">
-            <a:prstTxWarp prst="textNoShape">
-              <a:avLst/>
-            </a:prstTxWarp>
-            <a:spAutoFit/>
-          </a:bodyPr>
-          <a:lstStyle/>
-          <a:p>
-            <a:pPr marL="0" marR="0" lvl="0" indent="0" algn="l" defTabSz="914400" rtl="0" eaLnBrk="0" fontAlgn="base" latinLnBrk="0" hangingPunct="0">
-              <a:lnSpc>
-                <a:spcPct val="100000"/>
-              </a:lnSpc>
-              <a:spcBef>
-                <a:spcPct val="0"/>
-              </a:spcBef>
-              <a:spcAft>
-                <a:spcPct val="0"/>
-              </a:spcAft>
-              <a:buClrTx/>
-              <a:buSzTx/>
-              <a:buFontTx/>
-              <a:buNone/>
-              <a:tabLst/>
-            </a:pPr>
-            <a:r>
-              <a:rPr kumimoji="0" lang="en-US" altLang="en-US" sz="900" b="0" i="0" u="none" strike="noStrike" cap="none" normalizeH="0" baseline="0" dirty="0" err="1">
-                <a:ln>
-                  <a:noFill/>
-                </a:ln>
-                <a:solidFill>
-                  <a:srgbClr val="A9B7C6"/>
-                </a:solidFill>
-                <a:effectLst/>
-                <a:latin typeface="Consolas" panose="020B0609020204030204" pitchFamily="49" charset="0"/>
-              </a:rPr>
-              <a:t>py_client</a:t>
-            </a:r>
-            <a:r>
-              <a:rPr kumimoji="0" lang="en-US" altLang="en-US" sz="900" b="0" i="0" u="none" strike="noStrike" cap="none" normalizeH="0" baseline="0" dirty="0">
-                <a:ln>
-                  <a:noFill/>
-                </a:ln>
-                <a:solidFill>
-                  <a:srgbClr val="A9B7C6"/>
-                </a:solidFill>
-                <a:effectLst/>
-                <a:latin typeface="Consolas" panose="020B0609020204030204" pitchFamily="49" charset="0"/>
-              </a:rPr>
-              <a:t> = </a:t>
-            </a:r>
-            <a:r>
-              <a:rPr kumimoji="0" lang="en-US" altLang="en-US" sz="900" b="0" i="0" u="none" strike="noStrike" cap="none" normalizeH="0" baseline="0" dirty="0" err="1">
-                <a:ln>
-                  <a:noFill/>
-                </a:ln>
-                <a:solidFill>
-                  <a:srgbClr val="A9B7C6"/>
-                </a:solidFill>
-                <a:effectLst/>
-                <a:latin typeface="Consolas" panose="020B0609020204030204" pitchFamily="49" charset="0"/>
-              </a:rPr>
-              <a:t>PySense.PySense</a:t>
-            </a:r>
-            <a:r>
-              <a:rPr kumimoji="0" lang="en-US" altLang="en-US" sz="900" b="0" i="0" u="none" strike="noStrike" cap="none" normalizeH="0" baseline="0" dirty="0">
-                <a:ln>
-                  <a:noFill/>
-                </a:ln>
-                <a:solidFill>
-                  <a:srgbClr val="A9B7C6"/>
-                </a:solidFill>
-                <a:effectLst/>
-                <a:latin typeface="Consolas" panose="020B0609020204030204" pitchFamily="49" charset="0"/>
-              </a:rPr>
-              <a:t>(</a:t>
-            </a:r>
-            <a:r>
-              <a:rPr kumimoji="0" lang="en-US" altLang="en-US" sz="900" b="0" i="0" u="none" strike="noStrike" cap="none" normalizeH="0" baseline="0" dirty="0">
-                <a:ln>
-                  <a:noFill/>
-                </a:ln>
-                <a:solidFill>
-                  <a:srgbClr val="6A8759"/>
-                </a:solidFill>
-                <a:effectLst/>
-                <a:latin typeface="Consolas" panose="020B0609020204030204" pitchFamily="49" charset="0"/>
-              </a:rPr>
-              <a:t>‘localhost’</a:t>
-            </a:r>
-            <a:r>
-              <a:rPr kumimoji="0" lang="en-US" altLang="en-US" sz="900" b="0" i="0" u="none" strike="noStrike" cap="none" normalizeH="0" baseline="0" dirty="0">
-                <a:ln>
-                  <a:noFill/>
-                </a:ln>
-                <a:solidFill>
-                  <a:srgbClr val="CC7832"/>
-                </a:solidFill>
-                <a:effectLst/>
-                <a:latin typeface="Consolas" panose="020B0609020204030204" pitchFamily="49" charset="0"/>
-              </a:rPr>
-              <a:t>, </a:t>
-            </a:r>
-            <a:r>
-              <a:rPr kumimoji="0" lang="en-US" altLang="en-US" sz="900" b="0" i="0" u="none" strike="noStrike" cap="none" normalizeH="0" baseline="0" dirty="0">
-                <a:ln>
-                  <a:noFill/>
-                </a:ln>
-                <a:solidFill>
-                  <a:srgbClr val="6A8759"/>
-                </a:solidFill>
-                <a:effectLst/>
-                <a:latin typeface="Consolas" panose="020B0609020204030204" pitchFamily="49" charset="0"/>
-              </a:rPr>
-              <a:t>‘</a:t>
-            </a:r>
-            <a:r>
-              <a:rPr kumimoji="0" lang="en-US" altLang="en-US" sz="900" b="0" i="0" u="none" strike="noStrike" cap="none" normalizeH="0" baseline="0" dirty="0" err="1">
-                <a:ln>
-                  <a:noFill/>
-                </a:ln>
-                <a:solidFill>
-                  <a:srgbClr val="6A8759"/>
-                </a:solidFill>
-                <a:effectLst/>
-                <a:latin typeface="Consolas" panose="020B0609020204030204" pitchFamily="49" charset="0"/>
-              </a:rPr>
-              <a:t>myusername</a:t>
-            </a:r>
-            <a:r>
-              <a:rPr kumimoji="0" lang="en-US" altLang="en-US" sz="900" b="0" i="0" u="none" strike="noStrike" cap="none" normalizeH="0" baseline="0" dirty="0">
-                <a:ln>
-                  <a:noFill/>
-                </a:ln>
-                <a:solidFill>
-                  <a:srgbClr val="6A8759"/>
-                </a:solidFill>
-                <a:effectLst/>
-                <a:latin typeface="Consolas" panose="020B0609020204030204" pitchFamily="49" charset="0"/>
-              </a:rPr>
-              <a:t>’</a:t>
-            </a:r>
-            <a:r>
-              <a:rPr kumimoji="0" lang="en-US" altLang="en-US" sz="900" b="0" i="0" u="none" strike="noStrike" cap="none" normalizeH="0" baseline="0" dirty="0">
-                <a:ln>
-                  <a:noFill/>
-                </a:ln>
-                <a:solidFill>
-                  <a:srgbClr val="CC7832"/>
-                </a:solidFill>
-                <a:effectLst/>
-                <a:latin typeface="Consolas" panose="020B0609020204030204" pitchFamily="49" charset="0"/>
-              </a:rPr>
-              <a:t>, </a:t>
-            </a:r>
-            <a:r>
-              <a:rPr kumimoji="0" lang="en-US" altLang="en-US" sz="900" b="0" i="0" u="none" strike="noStrike" cap="none" normalizeH="0" baseline="0" dirty="0">
-                <a:ln>
-                  <a:noFill/>
-                </a:ln>
-                <a:solidFill>
-                  <a:srgbClr val="6A8759"/>
-                </a:solidFill>
-                <a:effectLst/>
-                <a:latin typeface="Consolas" panose="020B0609020204030204" pitchFamily="49" charset="0"/>
-              </a:rPr>
-              <a:t>‘</a:t>
-            </a:r>
-            <a:r>
-              <a:rPr kumimoji="0" lang="en-US" altLang="en-US" sz="900" b="0" i="0" u="none" strike="noStrike" cap="none" normalizeH="0" baseline="0" dirty="0" err="1">
-                <a:ln>
-                  <a:noFill/>
-                </a:ln>
-                <a:solidFill>
-                  <a:srgbClr val="6A8759"/>
-                </a:solidFill>
-                <a:effectLst/>
-                <a:latin typeface="Consolas" panose="020B0609020204030204" pitchFamily="49" charset="0"/>
-              </a:rPr>
-              <a:t>mypassword</a:t>
-            </a:r>
-            <a:r>
-              <a:rPr kumimoji="0" lang="en-US" altLang="en-US" sz="900" b="0" i="0" u="none" strike="noStrike" cap="none" normalizeH="0" baseline="0" dirty="0">
-                <a:ln>
-                  <a:noFill/>
-                </a:ln>
-                <a:solidFill>
-                  <a:srgbClr val="6A8759"/>
-                </a:solidFill>
-                <a:effectLst/>
-                <a:latin typeface="Consolas" panose="020B0609020204030204" pitchFamily="49" charset="0"/>
-              </a:rPr>
-              <a:t>'</a:t>
-            </a:r>
-            <a:r>
-              <a:rPr kumimoji="0" lang="en-US" altLang="en-US" sz="900" b="0" i="0" u="none" strike="noStrike" cap="none" normalizeH="0" baseline="0" dirty="0">
-                <a:ln>
-                  <a:noFill/>
-                </a:ln>
-                <a:solidFill>
-                  <a:srgbClr val="A9B7C6"/>
-                </a:solidFill>
-                <a:effectLst/>
-                <a:latin typeface="Consolas" panose="020B0609020204030204" pitchFamily="49" charset="0"/>
-              </a:rPr>
-              <a:t>)</a:t>
-            </a:r>
-            <a:endParaRPr kumimoji="0" lang="en-US" altLang="en-US" sz="1800" b="0" i="0" u="none" strike="noStrike" cap="none" normalizeH="0" baseline="0" dirty="0">
-              <a:ln>
-                <a:noFill/>
-              </a:ln>
-              <a:solidFill>
-                <a:schemeClr val="tx1"/>
-              </a:solidFill>
-              <a:effectLst/>
-              <a:latin typeface="Arial" panose="020B0604020202020204" pitchFamily="34" charset="0"/>
-            </a:endParaRPr>
-          </a:p>
-        </p:txBody>
-      </p:sp>
-      <p:sp>
-        <p:nvSpPr>
-          <p:cNvPr id="6" name="Rectangle 3">
-            <a:extLst>
-              <a:ext uri="{FF2B5EF4-FFF2-40B4-BE49-F238E27FC236}">
-                <a16:creationId xmlns:a16="http://schemas.microsoft.com/office/drawing/2014/main" id="{889F68C9-6A2D-49FA-B681-412795B0B0E5}"/>
-              </a:ext>
-            </a:extLst>
-          </p:cNvPr>
-          <p:cNvSpPr>
-            <a:spLocks noChangeArrowheads="1"/>
-          </p:cNvSpPr>
-          <p:nvPr/>
-        </p:nvSpPr>
-        <p:spPr bwMode="auto">
-          <a:xfrm>
-            <a:off x="3198812" y="4633077"/>
-            <a:ext cx="4114800" cy="230832"/>
-          </a:xfrm>
-          <a:prstGeom prst="rect">
-            <a:avLst/>
-          </a:prstGeom>
-          <a:solidFill>
-            <a:srgbClr val="2B2B2B"/>
-          </a:solidFill>
-          <a:ln>
-            <a:noFill/>
-          </a:ln>
-          <a:effectLst/>
-          <a:extLst>
-            <a:ext uri="{91240B29-F687-4F45-9708-019B960494DF}">
-              <a14:hiddenLine xmlns:a14="http://schemas.microsoft.com/office/drawing/2010/main" w="9525">
-                <a:solidFill>
-                  <a:schemeClr val="tx1"/>
-                </a:solidFill>
-                <a:miter lim="800000"/>
-                <a:headEnd/>
-                <a:tailEnd/>
-              </a14:hiddenLine>
-            </a:ext>
-            <a:ext uri="{AF507438-7753-43E0-B8FC-AC1667EBCBE1}">
-              <a14:hiddenEffects xmlns:a14="http://schemas.microsoft.com/office/drawing/2010/main">
-                <a:effectLst>
-                  <a:outerShdw dist="35921" dir="2700000" algn="ctr" rotWithShape="0">
-                    <a:schemeClr val="bg2"/>
-                  </a:outerShdw>
-                </a:effectLst>
-              </a14:hiddenEffects>
-            </a:ext>
-          </a:extLst>
-        </p:spPr>
-        <p:txBody>
-          <a:bodyPr vert="horz" wrap="square" lIns="91440" tIns="45720" rIns="91440" bIns="45720" numCol="1" anchor="ctr" anchorCtr="0" compatLnSpc="1">
-            <a:prstTxWarp prst="textNoShape">
-              <a:avLst/>
-            </a:prstTxWarp>
-            <a:spAutoFit/>
-          </a:bodyPr>
-          <a:lstStyle/>
-          <a:p>
-            <a:pPr marL="0" marR="0" lvl="0" indent="0" algn="l" defTabSz="914400" rtl="0" eaLnBrk="0" fontAlgn="base" latinLnBrk="0" hangingPunct="0">
-              <a:lnSpc>
-                <a:spcPct val="100000"/>
-              </a:lnSpc>
-              <a:spcBef>
-                <a:spcPct val="0"/>
-              </a:spcBef>
-              <a:spcAft>
-                <a:spcPct val="0"/>
-              </a:spcAft>
-              <a:buClrTx/>
-              <a:buSzTx/>
-              <a:buFontTx/>
-              <a:buNone/>
-              <a:tabLst/>
-            </a:pPr>
-            <a:r>
-              <a:rPr kumimoji="0" lang="en-US" altLang="en-US" sz="900" b="0" i="0" u="none" strike="noStrike" cap="none" normalizeH="0" baseline="0" dirty="0" err="1">
-                <a:ln>
-                  <a:noFill/>
-                </a:ln>
-                <a:solidFill>
-                  <a:srgbClr val="A9B7C6"/>
-                </a:solidFill>
-                <a:effectLst/>
-                <a:latin typeface="Consolas" panose="020B0609020204030204" pitchFamily="49" charset="0"/>
-              </a:rPr>
-              <a:t>py_client</a:t>
-            </a:r>
-            <a:r>
-              <a:rPr kumimoji="0" lang="en-US" altLang="en-US" sz="900" b="0" i="0" u="none" strike="noStrike" cap="none" normalizeH="0" baseline="0" dirty="0">
-                <a:ln>
-                  <a:noFill/>
-                </a:ln>
-                <a:solidFill>
-                  <a:srgbClr val="A9B7C6"/>
-                </a:solidFill>
-                <a:effectLst/>
-                <a:latin typeface="Consolas" panose="020B0609020204030204" pitchFamily="49" charset="0"/>
-              </a:rPr>
-              <a:t> = </a:t>
-            </a:r>
-            <a:r>
-              <a:rPr kumimoji="0" lang="en-US" altLang="en-US" sz="900" b="0" i="0" u="none" strike="noStrike" cap="none" normalizeH="0" baseline="0" dirty="0" err="1">
-                <a:ln>
-                  <a:noFill/>
-                </a:ln>
-                <a:solidFill>
-                  <a:srgbClr val="A9B7C6"/>
-                </a:solidFill>
-                <a:effectLst/>
-                <a:latin typeface="Consolas" panose="020B0609020204030204" pitchFamily="49" charset="0"/>
-              </a:rPr>
-              <a:t>PySense.authenticate_by_file</a:t>
-            </a:r>
-            <a:r>
-              <a:rPr kumimoji="0" lang="en-US" altLang="en-US" sz="900" b="0" i="0" u="none" strike="noStrike" cap="none" normalizeH="0" baseline="0" dirty="0">
-                <a:ln>
-                  <a:noFill/>
-                </a:ln>
-                <a:solidFill>
-                  <a:srgbClr val="A9B7C6"/>
-                </a:solidFill>
-                <a:effectLst/>
-                <a:latin typeface="Consolas" panose="020B0609020204030204" pitchFamily="49" charset="0"/>
-              </a:rPr>
-              <a:t>(</a:t>
-            </a:r>
-            <a:r>
-              <a:rPr kumimoji="0" lang="en-US" altLang="en-US" sz="900" b="0" i="0" u="none" strike="noStrike" cap="none" normalizeH="0" baseline="0" dirty="0">
-                <a:ln>
-                  <a:noFill/>
-                </a:ln>
-                <a:solidFill>
-                  <a:srgbClr val="6A8759"/>
-                </a:solidFill>
-                <a:effectLst/>
-                <a:latin typeface="Consolas" panose="020B0609020204030204" pitchFamily="49" charset="0"/>
-              </a:rPr>
-              <a:t>'</a:t>
-            </a:r>
-            <a:r>
-              <a:rPr kumimoji="0" lang="en-US" altLang="en-US" sz="900" b="0" i="0" u="none" strike="noStrike" cap="none" normalizeH="0" baseline="0" dirty="0" err="1">
-                <a:ln>
-                  <a:noFill/>
-                </a:ln>
-                <a:solidFill>
-                  <a:srgbClr val="6A8759"/>
-                </a:solidFill>
-                <a:effectLst/>
-                <a:latin typeface="Consolas" panose="020B0609020204030204" pitchFamily="49" charset="0"/>
-              </a:rPr>
-              <a:t>SampleConfig.yaml</a:t>
-            </a:r>
-            <a:r>
-              <a:rPr kumimoji="0" lang="en-US" altLang="en-US" sz="900" b="0" i="0" u="none" strike="noStrike" cap="none" normalizeH="0" baseline="0" dirty="0">
-                <a:ln>
-                  <a:noFill/>
-                </a:ln>
-                <a:solidFill>
-                  <a:srgbClr val="6A8759"/>
-                </a:solidFill>
-                <a:effectLst/>
-                <a:latin typeface="Consolas" panose="020B0609020204030204" pitchFamily="49" charset="0"/>
-              </a:rPr>
-              <a:t>'</a:t>
-            </a:r>
-            <a:r>
-              <a:rPr kumimoji="0" lang="en-US" altLang="en-US" sz="900" b="0" i="0" u="none" strike="noStrike" cap="none" normalizeH="0" baseline="0" dirty="0">
-                <a:ln>
-                  <a:noFill/>
-                </a:ln>
-                <a:solidFill>
-                  <a:srgbClr val="A9B7C6"/>
-                </a:solidFill>
-                <a:effectLst/>
-                <a:latin typeface="Consolas" panose="020B0609020204030204" pitchFamily="49" charset="0"/>
-              </a:rPr>
-              <a:t>)</a:t>
-            </a:r>
-            <a:endParaRPr kumimoji="0" lang="en-US" altLang="en-US" sz="1800" b="0" i="0" u="none" strike="noStrike" cap="none" normalizeH="0" baseline="0" dirty="0">
-              <a:ln>
-                <a:noFill/>
-              </a:ln>
-              <a:solidFill>
-                <a:schemeClr val="tx1"/>
-              </a:solidFill>
-              <a:effectLst/>
-              <a:latin typeface="Arial" panose="020B0604020202020204" pitchFamily="34" charset="0"/>
-            </a:endParaRPr>
-          </a:p>
-        </p:txBody>
-      </p:sp>
-      <p:sp>
-        <p:nvSpPr>
-          <p:cNvPr id="8" name="Rectangle 4">
-            <a:extLst>
-              <a:ext uri="{FF2B5EF4-FFF2-40B4-BE49-F238E27FC236}">
-                <a16:creationId xmlns:a16="http://schemas.microsoft.com/office/drawing/2014/main" id="{47AB30E1-ECBB-480B-A43D-3D0D5186D662}"/>
-              </a:ext>
-            </a:extLst>
-          </p:cNvPr>
-          <p:cNvSpPr>
-            <a:spLocks noChangeArrowheads="1"/>
-          </p:cNvSpPr>
-          <p:nvPr/>
-        </p:nvSpPr>
-        <p:spPr bwMode="auto">
-          <a:xfrm>
-            <a:off x="4341812" y="5079834"/>
-            <a:ext cx="2492990" cy="507831"/>
-          </a:xfrm>
-          <a:prstGeom prst="rect">
-            <a:avLst/>
-          </a:prstGeom>
-          <a:solidFill>
-            <a:srgbClr val="2B2B2B"/>
-          </a:solidFill>
-          <a:ln>
-            <a:noFill/>
-          </a:ln>
-          <a:effectLst/>
-          <a:extLst>
-            <a:ext uri="{91240B29-F687-4F45-9708-019B960494DF}">
-              <a14:hiddenLine xmlns:a14="http://schemas.microsoft.com/office/drawing/2010/main" w="9525">
-                <a:solidFill>
-                  <a:schemeClr val="tx1"/>
-                </a:solidFill>
-                <a:miter lim="800000"/>
-                <a:headEnd/>
-                <a:tailEnd/>
-              </a14:hiddenLine>
-            </a:ext>
-            <a:ext uri="{AF507438-7753-43E0-B8FC-AC1667EBCBE1}">
-              <a14:hiddenEffects xmlns:a14="http://schemas.microsoft.com/office/drawing/2010/main">
-                <a:effectLst>
-                  <a:outerShdw dist="35921" dir="2700000" algn="ctr" rotWithShape="0">
-                    <a:schemeClr val="bg2"/>
-                  </a:outerShdw>
-                </a:effectLst>
-              </a14:hiddenEffects>
-            </a:ext>
-          </a:extLst>
-        </p:spPr>
-        <p:txBody>
-          <a:bodyPr vert="horz" wrap="none" lIns="91440" tIns="45720" rIns="91440" bIns="45720" numCol="1" anchor="ctr" anchorCtr="0" compatLnSpc="1">
-            <a:prstTxWarp prst="textNoShape">
-              <a:avLst/>
-            </a:prstTxWarp>
-            <a:spAutoFit/>
-          </a:bodyPr>
-          <a:lstStyle/>
-          <a:p>
-            <a:pPr marL="0" marR="0" lvl="0" indent="0" algn="l" defTabSz="914400" rtl="0" eaLnBrk="0" fontAlgn="base" latinLnBrk="0" hangingPunct="0">
-              <a:lnSpc>
-                <a:spcPct val="100000"/>
-              </a:lnSpc>
-              <a:spcBef>
-                <a:spcPct val="0"/>
-              </a:spcBef>
-              <a:spcAft>
-                <a:spcPct val="0"/>
-              </a:spcAft>
-              <a:buClrTx/>
-              <a:buSzTx/>
-              <a:buFontTx/>
-              <a:buNone/>
-              <a:tabLst/>
-            </a:pPr>
-            <a:r>
-              <a:rPr kumimoji="0" lang="en-US" altLang="en-US" sz="900" b="0" i="0" u="none" strike="noStrike" cap="none" normalizeH="0" baseline="0" dirty="0">
-                <a:ln>
-                  <a:noFill/>
-                </a:ln>
-                <a:solidFill>
-                  <a:srgbClr val="CC7832"/>
-                </a:solidFill>
-                <a:effectLst/>
-                <a:latin typeface="Consolas" panose="020B0609020204030204" pitchFamily="49" charset="0"/>
-              </a:rPr>
-              <a:t>host</a:t>
-            </a:r>
-            <a:r>
-              <a:rPr kumimoji="0" lang="en-US" altLang="en-US" sz="900" b="0" i="0" u="none" strike="noStrike" cap="none" normalizeH="0" baseline="0" dirty="0">
-                <a:ln>
-                  <a:noFill/>
-                </a:ln>
-                <a:solidFill>
-                  <a:srgbClr val="A9B7C6"/>
-                </a:solidFill>
-                <a:effectLst/>
-                <a:latin typeface="Consolas" panose="020B0609020204030204" pitchFamily="49" charset="0"/>
-              </a:rPr>
-              <a:t>: </a:t>
-            </a:r>
-            <a:r>
-              <a:rPr kumimoji="0" lang="en-US" altLang="en-US" sz="900" b="0" i="0" u="none" strike="noStrike" cap="none" normalizeH="0" baseline="0" dirty="0">
-                <a:ln>
-                  <a:noFill/>
-                </a:ln>
-                <a:solidFill>
-                  <a:srgbClr val="6A8759"/>
-                </a:solidFill>
-                <a:effectLst/>
-                <a:latin typeface="Consolas" panose="020B0609020204030204" pitchFamily="49" charset="0"/>
-              </a:rPr>
-              <a:t>'</a:t>
-            </a:r>
-            <a:r>
-              <a:rPr kumimoji="0" lang="en-US" altLang="en-US" sz="900" b="0" i="0" u="none" strike="noStrike" cap="none" normalizeH="0" baseline="0" dirty="0" err="1">
-                <a:ln>
-                  <a:noFill/>
-                </a:ln>
-                <a:solidFill>
-                  <a:srgbClr val="6A8759"/>
-                </a:solidFill>
-                <a:effectLst/>
-                <a:latin typeface="Consolas" panose="020B0609020204030204" pitchFamily="49" charset="0"/>
-              </a:rPr>
-              <a:t>your_host</a:t>
-            </a:r>
-            <a:r>
-              <a:rPr kumimoji="0" lang="en-US" altLang="en-US" sz="900" b="0" i="0" u="none" strike="noStrike" cap="none" normalizeH="0" baseline="0" dirty="0">
-                <a:ln>
-                  <a:noFill/>
-                </a:ln>
-                <a:solidFill>
-                  <a:srgbClr val="6A8759"/>
-                </a:solidFill>
-                <a:effectLst/>
-                <a:latin typeface="Consolas" panose="020B0609020204030204" pitchFamily="49" charset="0"/>
-              </a:rPr>
-              <a:t>'</a:t>
-            </a:r>
-            <a:br>
-              <a:rPr kumimoji="0" lang="en-US" altLang="en-US" sz="900" b="0" i="0" u="none" strike="noStrike" cap="none" normalizeH="0" baseline="0" dirty="0">
-                <a:ln>
-                  <a:noFill/>
-                </a:ln>
-                <a:solidFill>
-                  <a:srgbClr val="6A8759"/>
-                </a:solidFill>
-                <a:effectLst/>
-                <a:latin typeface="Consolas" panose="020B0609020204030204" pitchFamily="49" charset="0"/>
-              </a:rPr>
-            </a:br>
-            <a:r>
-              <a:rPr kumimoji="0" lang="en-US" altLang="en-US" sz="900" b="0" i="0" u="none" strike="noStrike" cap="none" normalizeH="0" baseline="0" dirty="0">
-                <a:ln>
-                  <a:noFill/>
-                </a:ln>
-                <a:solidFill>
-                  <a:srgbClr val="CC7832"/>
-                </a:solidFill>
-                <a:effectLst/>
-                <a:latin typeface="Consolas" panose="020B0609020204030204" pitchFamily="49" charset="0"/>
-              </a:rPr>
-              <a:t>username</a:t>
-            </a:r>
-            <a:r>
-              <a:rPr kumimoji="0" lang="en-US" altLang="en-US" sz="900" b="0" i="0" u="none" strike="noStrike" cap="none" normalizeH="0" baseline="0" dirty="0">
-                <a:ln>
-                  <a:noFill/>
-                </a:ln>
-                <a:solidFill>
-                  <a:srgbClr val="A9B7C6"/>
-                </a:solidFill>
-                <a:effectLst/>
-                <a:latin typeface="Consolas" panose="020B0609020204030204" pitchFamily="49" charset="0"/>
-              </a:rPr>
-              <a:t>: </a:t>
-            </a:r>
-            <a:r>
-              <a:rPr kumimoji="0" lang="en-US" altLang="en-US" sz="900" b="0" i="0" u="none" strike="noStrike" cap="none" normalizeH="0" baseline="0" dirty="0">
-                <a:ln>
-                  <a:noFill/>
-                </a:ln>
-                <a:solidFill>
-                  <a:srgbClr val="6A8759"/>
-                </a:solidFill>
-                <a:effectLst/>
-                <a:latin typeface="Consolas" panose="020B0609020204030204" pitchFamily="49" charset="0"/>
-              </a:rPr>
-              <a:t>'your_username@sample.com'</a:t>
-            </a:r>
-            <a:br>
-              <a:rPr kumimoji="0" lang="en-US" altLang="en-US" sz="900" b="0" i="0" u="none" strike="noStrike" cap="none" normalizeH="0" baseline="0" dirty="0">
-                <a:ln>
-                  <a:noFill/>
-                </a:ln>
-                <a:solidFill>
-                  <a:srgbClr val="6A8759"/>
-                </a:solidFill>
-                <a:effectLst/>
-                <a:latin typeface="Consolas" panose="020B0609020204030204" pitchFamily="49" charset="0"/>
-              </a:rPr>
-            </a:br>
-            <a:r>
-              <a:rPr kumimoji="0" lang="en-US" altLang="en-US" sz="900" b="0" i="0" u="none" strike="noStrike" cap="none" normalizeH="0" baseline="0" dirty="0">
-                <a:ln>
-                  <a:noFill/>
-                </a:ln>
-                <a:solidFill>
-                  <a:srgbClr val="CC7832"/>
-                </a:solidFill>
-                <a:effectLst/>
-                <a:latin typeface="Consolas" panose="020B0609020204030204" pitchFamily="49" charset="0"/>
-              </a:rPr>
-              <a:t>password</a:t>
-            </a:r>
-            <a:r>
-              <a:rPr kumimoji="0" lang="en-US" altLang="en-US" sz="900" b="0" i="0" u="none" strike="noStrike" cap="none" normalizeH="0" baseline="0" dirty="0">
-                <a:ln>
-                  <a:noFill/>
-                </a:ln>
-                <a:solidFill>
-                  <a:srgbClr val="A9B7C6"/>
-                </a:solidFill>
-                <a:effectLst/>
-                <a:latin typeface="Consolas" panose="020B0609020204030204" pitchFamily="49" charset="0"/>
-              </a:rPr>
-              <a:t>: </a:t>
-            </a:r>
-            <a:r>
-              <a:rPr kumimoji="0" lang="en-US" altLang="en-US" sz="900" b="0" i="0" u="none" strike="noStrike" cap="none" normalizeH="0" baseline="0" dirty="0">
-                <a:ln>
-                  <a:noFill/>
-                </a:ln>
-                <a:solidFill>
-                  <a:srgbClr val="6A8759"/>
-                </a:solidFill>
-                <a:effectLst/>
-                <a:latin typeface="Consolas" panose="020B0609020204030204" pitchFamily="49" charset="0"/>
-              </a:rPr>
-              <a:t>'</a:t>
-            </a:r>
-            <a:r>
-              <a:rPr kumimoji="0" lang="en-US" altLang="en-US" sz="900" b="0" i="0" u="none" strike="noStrike" cap="none" normalizeH="0" baseline="0" dirty="0" err="1">
-                <a:ln>
-                  <a:noFill/>
-                </a:ln>
-                <a:solidFill>
-                  <a:srgbClr val="6A8759"/>
-                </a:solidFill>
-                <a:effectLst/>
-                <a:latin typeface="Consolas" panose="020B0609020204030204" pitchFamily="49" charset="0"/>
-              </a:rPr>
-              <a:t>your_password</a:t>
-            </a:r>
-            <a:r>
-              <a:rPr kumimoji="0" lang="en-US" altLang="en-US" sz="900" b="0" i="0" u="none" strike="noStrike" cap="none" normalizeH="0" baseline="0" dirty="0">
-                <a:ln>
-                  <a:noFill/>
-                </a:ln>
-                <a:solidFill>
-                  <a:srgbClr val="6A8759"/>
-                </a:solidFill>
-                <a:effectLst/>
-                <a:latin typeface="Consolas" panose="020B0609020204030204" pitchFamily="49" charset="0"/>
-              </a:rPr>
-              <a:t>'</a:t>
-            </a:r>
-            <a:endParaRPr kumimoji="0" lang="en-US" altLang="en-US" sz="1800" b="0" i="0" u="none" strike="noStrike" cap="none" normalizeH="0" baseline="0" dirty="0">
-              <a:ln>
-                <a:noFill/>
-              </a:ln>
-              <a:solidFill>
-                <a:schemeClr val="tx1"/>
-              </a:solidFill>
-              <a:effectLst/>
-              <a:latin typeface="Arial" panose="020B0604020202020204" pitchFamily="34" charset="0"/>
-            </a:endParaRPr>
           </a:p>
         </p:txBody>
       </p:sp>
     </p:spTree>
     <p:extLst>
       <p:ext uri="{BB962C8B-B14F-4D97-AF65-F5344CB8AC3E}">
-        <p14:creationId xmlns:p14="http://schemas.microsoft.com/office/powerpoint/2010/main" val="1484811712"/>
+        <p14:creationId xmlns:p14="http://schemas.microsoft.com/office/powerpoint/2010/main" val="3867761439"/>
       </p:ext>
     </p:extLst>
   </p:cSld>
@@ -6813,6 +6226,896 @@
       </p:grpSpPr>
       <p:sp>
         <p:nvSpPr>
+          <p:cNvPr id="7" name="Title 6"/>
+          <p:cNvSpPr>
+            <a:spLocks noGrp="1"/>
+          </p:cNvSpPr>
+          <p:nvPr>
+            <p:ph type="title"/>
+          </p:nvPr>
+        </p:nvSpPr>
+        <p:spPr/>
+        <p:txBody>
+          <a:bodyPr/>
+          <a:lstStyle/>
+          <a:p>
+            <a:r>
+              <a:rPr lang="en-US" dirty="0"/>
+              <a:t>Authentication</a:t>
+            </a:r>
+          </a:p>
+        </p:txBody>
+      </p:sp>
+      <p:sp>
+        <p:nvSpPr>
+          <p:cNvPr id="3" name="Content Placeholder 2">
+            <a:extLst>
+              <a:ext uri="{FF2B5EF4-FFF2-40B4-BE49-F238E27FC236}">
+                <a16:creationId xmlns:a16="http://schemas.microsoft.com/office/drawing/2014/main" id="{2ED27052-9A29-48B4-B0EC-AD50D2AF88EF}"/>
+              </a:ext>
+            </a:extLst>
+          </p:cNvPr>
+          <p:cNvSpPr>
+            <a:spLocks noGrp="1"/>
+          </p:cNvSpPr>
+          <p:nvPr>
+            <p:ph idx="1"/>
+          </p:nvPr>
+        </p:nvSpPr>
+        <p:spPr/>
+        <p:txBody>
+          <a:bodyPr>
+            <a:normAutofit/>
+          </a:bodyPr>
+          <a:lstStyle/>
+          <a:p>
+            <a:r>
+              <a:rPr lang="en-US" dirty="0"/>
+              <a:t>We must log in to Sisense via API as we would if we were logging in to the web. </a:t>
+            </a:r>
+          </a:p>
+          <a:p>
+            <a:r>
+              <a:rPr lang="en-US" dirty="0"/>
+              <a:t>Authentication returns us a </a:t>
+            </a:r>
+            <a:r>
+              <a:rPr lang="en-US" dirty="0" err="1"/>
+              <a:t>PySense</a:t>
+            </a:r>
+            <a:r>
+              <a:rPr lang="en-US" dirty="0"/>
+              <a:t> object which we name </a:t>
+            </a:r>
+            <a:r>
+              <a:rPr lang="en-US" dirty="0" err="1"/>
+              <a:t>py_client</a:t>
+            </a:r>
+            <a:endParaRPr lang="en-US" dirty="0"/>
+          </a:p>
+          <a:p>
+            <a:r>
+              <a:rPr lang="en-US" dirty="0"/>
+              <a:t>We can do this two ways</a:t>
+            </a:r>
+          </a:p>
+          <a:p>
+            <a:pPr lvl="1"/>
+            <a:r>
+              <a:rPr lang="en-US" dirty="0"/>
+              <a:t>Inline:</a:t>
+            </a:r>
+          </a:p>
+          <a:p>
+            <a:pPr lvl="1"/>
+            <a:r>
+              <a:rPr lang="en-US" dirty="0"/>
+              <a:t>From file: </a:t>
+            </a:r>
+          </a:p>
+          <a:p>
+            <a:pPr lvl="2"/>
+            <a:r>
+              <a:rPr lang="en-US" dirty="0" err="1"/>
+              <a:t>SampleConfig.yaml</a:t>
+            </a:r>
+            <a:r>
+              <a:rPr lang="en-US" dirty="0"/>
+              <a:t>:</a:t>
+            </a:r>
+          </a:p>
+        </p:txBody>
+      </p:sp>
+      <p:sp>
+        <p:nvSpPr>
+          <p:cNvPr id="5" name="Rectangle 2">
+            <a:extLst>
+              <a:ext uri="{FF2B5EF4-FFF2-40B4-BE49-F238E27FC236}">
+                <a16:creationId xmlns:a16="http://schemas.microsoft.com/office/drawing/2014/main" id="{874040FE-AF0A-43F7-A2F0-7977C9FFEDD1}"/>
+              </a:ext>
+            </a:extLst>
+          </p:cNvPr>
+          <p:cNvSpPr>
+            <a:spLocks noChangeArrowheads="1"/>
+          </p:cNvSpPr>
+          <p:nvPr/>
+        </p:nvSpPr>
+        <p:spPr bwMode="auto">
+          <a:xfrm>
+            <a:off x="2817812" y="4272599"/>
+            <a:ext cx="4648200" cy="230832"/>
+          </a:xfrm>
+          <a:prstGeom prst="rect">
+            <a:avLst/>
+          </a:prstGeom>
+          <a:solidFill>
+            <a:srgbClr val="2B2B2B"/>
+          </a:solidFill>
+          <a:ln>
+            <a:noFill/>
+          </a:ln>
+          <a:effectLst/>
+          <a:extLst>
+            <a:ext uri="{91240B29-F687-4F45-9708-019B960494DF}">
+              <a14:hiddenLine xmlns:a14="http://schemas.microsoft.com/office/drawing/2010/main" w="9525">
+                <a:solidFill>
+                  <a:schemeClr val="tx1"/>
+                </a:solidFill>
+                <a:miter lim="800000"/>
+                <a:headEnd/>
+                <a:tailEnd/>
+              </a14:hiddenLine>
+            </a:ext>
+            <a:ext uri="{AF507438-7753-43E0-B8FC-AC1667EBCBE1}">
+              <a14:hiddenEffects xmlns:a14="http://schemas.microsoft.com/office/drawing/2010/main">
+                <a:effectLst>
+                  <a:outerShdw dist="35921" dir="2700000" algn="ctr" rotWithShape="0">
+                    <a:schemeClr val="bg2"/>
+                  </a:outerShdw>
+                </a:effectLst>
+              </a14:hiddenEffects>
+            </a:ext>
+          </a:extLst>
+        </p:spPr>
+        <p:txBody>
+          <a:bodyPr vert="horz" wrap="square" lIns="91440" tIns="45720" rIns="91440" bIns="45720" numCol="1" anchor="ctr" anchorCtr="0" compatLnSpc="1">
+            <a:prstTxWarp prst="textNoShape">
+              <a:avLst/>
+            </a:prstTxWarp>
+            <a:spAutoFit/>
+          </a:bodyPr>
+          <a:lstStyle/>
+          <a:p>
+            <a:pPr marL="0" marR="0" lvl="0" indent="0" algn="l" defTabSz="914400" rtl="0" eaLnBrk="0" fontAlgn="base" latinLnBrk="0" hangingPunct="0">
+              <a:lnSpc>
+                <a:spcPct val="100000"/>
+              </a:lnSpc>
+              <a:spcBef>
+                <a:spcPct val="0"/>
+              </a:spcBef>
+              <a:spcAft>
+                <a:spcPct val="0"/>
+              </a:spcAft>
+              <a:buClrTx/>
+              <a:buSzTx/>
+              <a:buFontTx/>
+              <a:buNone/>
+              <a:tabLst/>
+            </a:pPr>
+            <a:r>
+              <a:rPr kumimoji="0" lang="en-US" altLang="en-US" sz="900" b="0" i="0" u="none" strike="noStrike" cap="none" normalizeH="0" baseline="0" dirty="0" err="1">
+                <a:ln>
+                  <a:noFill/>
+                </a:ln>
+                <a:solidFill>
+                  <a:srgbClr val="A9B7C6"/>
+                </a:solidFill>
+                <a:effectLst/>
+                <a:latin typeface="Consolas" panose="020B0609020204030204" pitchFamily="49" charset="0"/>
+              </a:rPr>
+              <a:t>py_client</a:t>
+            </a:r>
+            <a:r>
+              <a:rPr kumimoji="0" lang="en-US" altLang="en-US" sz="900" b="0" i="0" u="none" strike="noStrike" cap="none" normalizeH="0" baseline="0" dirty="0">
+                <a:ln>
+                  <a:noFill/>
+                </a:ln>
+                <a:solidFill>
+                  <a:srgbClr val="A9B7C6"/>
+                </a:solidFill>
+                <a:effectLst/>
+                <a:latin typeface="Consolas" panose="020B0609020204030204" pitchFamily="49" charset="0"/>
+              </a:rPr>
+              <a:t> = </a:t>
+            </a:r>
+            <a:r>
+              <a:rPr kumimoji="0" lang="en-US" altLang="en-US" sz="900" b="0" i="0" u="none" strike="noStrike" cap="none" normalizeH="0" baseline="0" dirty="0" err="1">
+                <a:ln>
+                  <a:noFill/>
+                </a:ln>
+                <a:solidFill>
+                  <a:srgbClr val="A9B7C6"/>
+                </a:solidFill>
+                <a:effectLst/>
+                <a:latin typeface="Consolas" panose="020B0609020204030204" pitchFamily="49" charset="0"/>
+              </a:rPr>
+              <a:t>PySense.PySense</a:t>
+            </a:r>
+            <a:r>
+              <a:rPr kumimoji="0" lang="en-US" altLang="en-US" sz="900" b="0" i="0" u="none" strike="noStrike" cap="none" normalizeH="0" baseline="0" dirty="0">
+                <a:ln>
+                  <a:noFill/>
+                </a:ln>
+                <a:solidFill>
+                  <a:srgbClr val="A9B7C6"/>
+                </a:solidFill>
+                <a:effectLst/>
+                <a:latin typeface="Consolas" panose="020B0609020204030204" pitchFamily="49" charset="0"/>
+              </a:rPr>
+              <a:t>(</a:t>
+            </a:r>
+            <a:r>
+              <a:rPr kumimoji="0" lang="en-US" altLang="en-US" sz="900" b="0" i="0" u="none" strike="noStrike" cap="none" normalizeH="0" baseline="0" dirty="0">
+                <a:ln>
+                  <a:noFill/>
+                </a:ln>
+                <a:solidFill>
+                  <a:srgbClr val="6A8759"/>
+                </a:solidFill>
+                <a:effectLst/>
+                <a:latin typeface="Consolas" panose="020B0609020204030204" pitchFamily="49" charset="0"/>
+              </a:rPr>
+              <a:t>‘localhost’</a:t>
+            </a:r>
+            <a:r>
+              <a:rPr kumimoji="0" lang="en-US" altLang="en-US" sz="900" b="0" i="0" u="none" strike="noStrike" cap="none" normalizeH="0" baseline="0" dirty="0">
+                <a:ln>
+                  <a:noFill/>
+                </a:ln>
+                <a:solidFill>
+                  <a:srgbClr val="CC7832"/>
+                </a:solidFill>
+                <a:effectLst/>
+                <a:latin typeface="Consolas" panose="020B0609020204030204" pitchFamily="49" charset="0"/>
+              </a:rPr>
+              <a:t>, </a:t>
+            </a:r>
+            <a:r>
+              <a:rPr kumimoji="0" lang="en-US" altLang="en-US" sz="900" b="0" i="0" u="none" strike="noStrike" cap="none" normalizeH="0" baseline="0" dirty="0">
+                <a:ln>
+                  <a:noFill/>
+                </a:ln>
+                <a:solidFill>
+                  <a:srgbClr val="6A8759"/>
+                </a:solidFill>
+                <a:effectLst/>
+                <a:latin typeface="Consolas" panose="020B0609020204030204" pitchFamily="49" charset="0"/>
+              </a:rPr>
+              <a:t>‘</a:t>
+            </a:r>
+            <a:r>
+              <a:rPr kumimoji="0" lang="en-US" altLang="en-US" sz="900" b="0" i="0" u="none" strike="noStrike" cap="none" normalizeH="0" baseline="0" dirty="0" err="1">
+                <a:ln>
+                  <a:noFill/>
+                </a:ln>
+                <a:solidFill>
+                  <a:srgbClr val="6A8759"/>
+                </a:solidFill>
+                <a:effectLst/>
+                <a:latin typeface="Consolas" panose="020B0609020204030204" pitchFamily="49" charset="0"/>
+              </a:rPr>
+              <a:t>myusername</a:t>
+            </a:r>
+            <a:r>
+              <a:rPr kumimoji="0" lang="en-US" altLang="en-US" sz="900" b="0" i="0" u="none" strike="noStrike" cap="none" normalizeH="0" baseline="0" dirty="0">
+                <a:ln>
+                  <a:noFill/>
+                </a:ln>
+                <a:solidFill>
+                  <a:srgbClr val="6A8759"/>
+                </a:solidFill>
+                <a:effectLst/>
+                <a:latin typeface="Consolas" panose="020B0609020204030204" pitchFamily="49" charset="0"/>
+              </a:rPr>
+              <a:t>’</a:t>
+            </a:r>
+            <a:r>
+              <a:rPr kumimoji="0" lang="en-US" altLang="en-US" sz="900" b="0" i="0" u="none" strike="noStrike" cap="none" normalizeH="0" baseline="0" dirty="0">
+                <a:ln>
+                  <a:noFill/>
+                </a:ln>
+                <a:solidFill>
+                  <a:srgbClr val="CC7832"/>
+                </a:solidFill>
+                <a:effectLst/>
+                <a:latin typeface="Consolas" panose="020B0609020204030204" pitchFamily="49" charset="0"/>
+              </a:rPr>
+              <a:t>, </a:t>
+            </a:r>
+            <a:r>
+              <a:rPr kumimoji="0" lang="en-US" altLang="en-US" sz="900" b="0" i="0" u="none" strike="noStrike" cap="none" normalizeH="0" baseline="0" dirty="0">
+                <a:ln>
+                  <a:noFill/>
+                </a:ln>
+                <a:solidFill>
+                  <a:srgbClr val="6A8759"/>
+                </a:solidFill>
+                <a:effectLst/>
+                <a:latin typeface="Consolas" panose="020B0609020204030204" pitchFamily="49" charset="0"/>
+              </a:rPr>
+              <a:t>‘</a:t>
+            </a:r>
+            <a:r>
+              <a:rPr kumimoji="0" lang="en-US" altLang="en-US" sz="900" b="0" i="0" u="none" strike="noStrike" cap="none" normalizeH="0" baseline="0" dirty="0" err="1">
+                <a:ln>
+                  <a:noFill/>
+                </a:ln>
+                <a:solidFill>
+                  <a:srgbClr val="6A8759"/>
+                </a:solidFill>
+                <a:effectLst/>
+                <a:latin typeface="Consolas" panose="020B0609020204030204" pitchFamily="49" charset="0"/>
+              </a:rPr>
+              <a:t>mypassword</a:t>
+            </a:r>
+            <a:r>
+              <a:rPr kumimoji="0" lang="en-US" altLang="en-US" sz="900" b="0" i="0" u="none" strike="noStrike" cap="none" normalizeH="0" baseline="0" dirty="0">
+                <a:ln>
+                  <a:noFill/>
+                </a:ln>
+                <a:solidFill>
+                  <a:srgbClr val="6A8759"/>
+                </a:solidFill>
+                <a:effectLst/>
+                <a:latin typeface="Consolas" panose="020B0609020204030204" pitchFamily="49" charset="0"/>
+              </a:rPr>
+              <a:t>’, </a:t>
+            </a:r>
+            <a:r>
+              <a:rPr kumimoji="0" lang="en-US" altLang="en-US" sz="900" b="0" i="0" u="none" strike="noStrike" cap="none" normalizeH="0" baseline="0" dirty="0">
+                <a:ln>
+                  <a:noFill/>
+                </a:ln>
+                <a:solidFill>
+                  <a:srgbClr val="A9B7C6"/>
+                </a:solidFill>
+                <a:effectLst/>
+                <a:latin typeface="Consolas" panose="020B0609020204030204" pitchFamily="49" charset="0"/>
+              </a:rPr>
+              <a:t>)</a:t>
+            </a:r>
+            <a:endParaRPr kumimoji="0" lang="en-US" altLang="en-US" sz="1800" b="0" i="0" u="none" strike="noStrike" cap="none" normalizeH="0" baseline="0" dirty="0">
+              <a:ln>
+                <a:noFill/>
+              </a:ln>
+              <a:solidFill>
+                <a:schemeClr val="tx1"/>
+              </a:solidFill>
+              <a:effectLst/>
+              <a:latin typeface="Arial" panose="020B0604020202020204" pitchFamily="34" charset="0"/>
+            </a:endParaRPr>
+          </a:p>
+        </p:txBody>
+      </p:sp>
+      <p:sp>
+        <p:nvSpPr>
+          <p:cNvPr id="6" name="Rectangle 3">
+            <a:extLst>
+              <a:ext uri="{FF2B5EF4-FFF2-40B4-BE49-F238E27FC236}">
+                <a16:creationId xmlns:a16="http://schemas.microsoft.com/office/drawing/2014/main" id="{889F68C9-6A2D-49FA-B681-412795B0B0E5}"/>
+              </a:ext>
+            </a:extLst>
+          </p:cNvPr>
+          <p:cNvSpPr>
+            <a:spLocks noChangeArrowheads="1"/>
+          </p:cNvSpPr>
+          <p:nvPr/>
+        </p:nvSpPr>
+        <p:spPr bwMode="auto">
+          <a:xfrm>
+            <a:off x="3198812" y="4633077"/>
+            <a:ext cx="4114800" cy="230832"/>
+          </a:xfrm>
+          <a:prstGeom prst="rect">
+            <a:avLst/>
+          </a:prstGeom>
+          <a:solidFill>
+            <a:srgbClr val="2B2B2B"/>
+          </a:solidFill>
+          <a:ln>
+            <a:noFill/>
+          </a:ln>
+          <a:effectLst/>
+          <a:extLst>
+            <a:ext uri="{91240B29-F687-4F45-9708-019B960494DF}">
+              <a14:hiddenLine xmlns:a14="http://schemas.microsoft.com/office/drawing/2010/main" w="9525">
+                <a:solidFill>
+                  <a:schemeClr val="tx1"/>
+                </a:solidFill>
+                <a:miter lim="800000"/>
+                <a:headEnd/>
+                <a:tailEnd/>
+              </a14:hiddenLine>
+            </a:ext>
+            <a:ext uri="{AF507438-7753-43E0-B8FC-AC1667EBCBE1}">
+              <a14:hiddenEffects xmlns:a14="http://schemas.microsoft.com/office/drawing/2010/main">
+                <a:effectLst>
+                  <a:outerShdw dist="35921" dir="2700000" algn="ctr" rotWithShape="0">
+                    <a:schemeClr val="bg2"/>
+                  </a:outerShdw>
+                </a:effectLst>
+              </a14:hiddenEffects>
+            </a:ext>
+          </a:extLst>
+        </p:spPr>
+        <p:txBody>
+          <a:bodyPr vert="horz" wrap="square" lIns="91440" tIns="45720" rIns="91440" bIns="45720" numCol="1" anchor="ctr" anchorCtr="0" compatLnSpc="1">
+            <a:prstTxWarp prst="textNoShape">
+              <a:avLst/>
+            </a:prstTxWarp>
+            <a:spAutoFit/>
+          </a:bodyPr>
+          <a:lstStyle/>
+          <a:p>
+            <a:pPr marL="0" marR="0" lvl="0" indent="0" algn="l" defTabSz="914400" rtl="0" eaLnBrk="0" fontAlgn="base" latinLnBrk="0" hangingPunct="0">
+              <a:lnSpc>
+                <a:spcPct val="100000"/>
+              </a:lnSpc>
+              <a:spcBef>
+                <a:spcPct val="0"/>
+              </a:spcBef>
+              <a:spcAft>
+                <a:spcPct val="0"/>
+              </a:spcAft>
+              <a:buClrTx/>
+              <a:buSzTx/>
+              <a:buFontTx/>
+              <a:buNone/>
+              <a:tabLst/>
+            </a:pPr>
+            <a:r>
+              <a:rPr kumimoji="0" lang="en-US" altLang="en-US" sz="900" b="0" i="0" u="none" strike="noStrike" cap="none" normalizeH="0" baseline="0" dirty="0" err="1">
+                <a:ln>
+                  <a:noFill/>
+                </a:ln>
+                <a:solidFill>
+                  <a:srgbClr val="A9B7C6"/>
+                </a:solidFill>
+                <a:effectLst/>
+                <a:latin typeface="Consolas" panose="020B0609020204030204" pitchFamily="49" charset="0"/>
+              </a:rPr>
+              <a:t>py_client</a:t>
+            </a:r>
+            <a:r>
+              <a:rPr kumimoji="0" lang="en-US" altLang="en-US" sz="900" b="0" i="0" u="none" strike="noStrike" cap="none" normalizeH="0" baseline="0" dirty="0">
+                <a:ln>
+                  <a:noFill/>
+                </a:ln>
+                <a:solidFill>
+                  <a:srgbClr val="A9B7C6"/>
+                </a:solidFill>
+                <a:effectLst/>
+                <a:latin typeface="Consolas" panose="020B0609020204030204" pitchFamily="49" charset="0"/>
+              </a:rPr>
+              <a:t> = </a:t>
+            </a:r>
+            <a:r>
+              <a:rPr kumimoji="0" lang="en-US" altLang="en-US" sz="900" b="0" i="0" u="none" strike="noStrike" cap="none" normalizeH="0" baseline="0" dirty="0" err="1">
+                <a:ln>
+                  <a:noFill/>
+                </a:ln>
+                <a:solidFill>
+                  <a:srgbClr val="A9B7C6"/>
+                </a:solidFill>
+                <a:effectLst/>
+                <a:latin typeface="Consolas" panose="020B0609020204030204" pitchFamily="49" charset="0"/>
+              </a:rPr>
+              <a:t>PySense.authenticate_by_file</a:t>
+            </a:r>
+            <a:r>
+              <a:rPr kumimoji="0" lang="en-US" altLang="en-US" sz="900" b="0" i="0" u="none" strike="noStrike" cap="none" normalizeH="0" baseline="0" dirty="0">
+                <a:ln>
+                  <a:noFill/>
+                </a:ln>
+                <a:solidFill>
+                  <a:srgbClr val="A9B7C6"/>
+                </a:solidFill>
+                <a:effectLst/>
+                <a:latin typeface="Consolas" panose="020B0609020204030204" pitchFamily="49" charset="0"/>
+              </a:rPr>
+              <a:t>(</a:t>
+            </a:r>
+            <a:r>
+              <a:rPr kumimoji="0" lang="en-US" altLang="en-US" sz="900" b="0" i="0" u="none" strike="noStrike" cap="none" normalizeH="0" baseline="0" dirty="0">
+                <a:ln>
+                  <a:noFill/>
+                </a:ln>
+                <a:solidFill>
+                  <a:srgbClr val="6A8759"/>
+                </a:solidFill>
+                <a:effectLst/>
+                <a:latin typeface="Consolas" panose="020B0609020204030204" pitchFamily="49" charset="0"/>
+              </a:rPr>
+              <a:t>'</a:t>
+            </a:r>
+            <a:r>
+              <a:rPr kumimoji="0" lang="en-US" altLang="en-US" sz="900" b="0" i="0" u="none" strike="noStrike" cap="none" normalizeH="0" baseline="0" dirty="0" err="1">
+                <a:ln>
+                  <a:noFill/>
+                </a:ln>
+                <a:solidFill>
+                  <a:srgbClr val="6A8759"/>
+                </a:solidFill>
+                <a:effectLst/>
+                <a:latin typeface="Consolas" panose="020B0609020204030204" pitchFamily="49" charset="0"/>
+              </a:rPr>
+              <a:t>SampleConfig.yaml</a:t>
+            </a:r>
+            <a:r>
+              <a:rPr kumimoji="0" lang="en-US" altLang="en-US" sz="900" b="0" i="0" u="none" strike="noStrike" cap="none" normalizeH="0" baseline="0" dirty="0">
+                <a:ln>
+                  <a:noFill/>
+                </a:ln>
+                <a:solidFill>
+                  <a:srgbClr val="6A8759"/>
+                </a:solidFill>
+                <a:effectLst/>
+                <a:latin typeface="Consolas" panose="020B0609020204030204" pitchFamily="49" charset="0"/>
+              </a:rPr>
+              <a:t>'</a:t>
+            </a:r>
+            <a:r>
+              <a:rPr kumimoji="0" lang="en-US" altLang="en-US" sz="900" b="0" i="0" u="none" strike="noStrike" cap="none" normalizeH="0" baseline="0" dirty="0">
+                <a:ln>
+                  <a:noFill/>
+                </a:ln>
+                <a:solidFill>
+                  <a:srgbClr val="A9B7C6"/>
+                </a:solidFill>
+                <a:effectLst/>
+                <a:latin typeface="Consolas" panose="020B0609020204030204" pitchFamily="49" charset="0"/>
+              </a:rPr>
+              <a:t>)</a:t>
+            </a:r>
+            <a:endParaRPr kumimoji="0" lang="en-US" altLang="en-US" sz="1800" b="0" i="0" u="none" strike="noStrike" cap="none" normalizeH="0" baseline="0" dirty="0">
+              <a:ln>
+                <a:noFill/>
+              </a:ln>
+              <a:solidFill>
+                <a:schemeClr val="tx1"/>
+              </a:solidFill>
+              <a:effectLst/>
+              <a:latin typeface="Arial" panose="020B0604020202020204" pitchFamily="34" charset="0"/>
+            </a:endParaRPr>
+          </a:p>
+        </p:txBody>
+      </p:sp>
+      <p:sp>
+        <p:nvSpPr>
+          <p:cNvPr id="8" name="Rectangle 4">
+            <a:extLst>
+              <a:ext uri="{FF2B5EF4-FFF2-40B4-BE49-F238E27FC236}">
+                <a16:creationId xmlns:a16="http://schemas.microsoft.com/office/drawing/2014/main" id="{47AB30E1-ECBB-480B-A43D-3D0D5186D662}"/>
+              </a:ext>
+            </a:extLst>
+          </p:cNvPr>
+          <p:cNvSpPr>
+            <a:spLocks noChangeArrowheads="1"/>
+          </p:cNvSpPr>
+          <p:nvPr/>
+        </p:nvSpPr>
+        <p:spPr bwMode="auto">
+          <a:xfrm>
+            <a:off x="4341812" y="5079834"/>
+            <a:ext cx="2492990" cy="507831"/>
+          </a:xfrm>
+          <a:prstGeom prst="rect">
+            <a:avLst/>
+          </a:prstGeom>
+          <a:solidFill>
+            <a:srgbClr val="2B2B2B"/>
+          </a:solidFill>
+          <a:ln>
+            <a:noFill/>
+          </a:ln>
+          <a:effectLst/>
+          <a:extLst>
+            <a:ext uri="{91240B29-F687-4F45-9708-019B960494DF}">
+              <a14:hiddenLine xmlns:a14="http://schemas.microsoft.com/office/drawing/2010/main" w="9525">
+                <a:solidFill>
+                  <a:schemeClr val="tx1"/>
+                </a:solidFill>
+                <a:miter lim="800000"/>
+                <a:headEnd/>
+                <a:tailEnd/>
+              </a14:hiddenLine>
+            </a:ext>
+            <a:ext uri="{AF507438-7753-43E0-B8FC-AC1667EBCBE1}">
+              <a14:hiddenEffects xmlns:a14="http://schemas.microsoft.com/office/drawing/2010/main">
+                <a:effectLst>
+                  <a:outerShdw dist="35921" dir="2700000" algn="ctr" rotWithShape="0">
+                    <a:schemeClr val="bg2"/>
+                  </a:outerShdw>
+                </a:effectLst>
+              </a14:hiddenEffects>
+            </a:ext>
+          </a:extLst>
+        </p:spPr>
+        <p:txBody>
+          <a:bodyPr vert="horz" wrap="none" lIns="91440" tIns="45720" rIns="91440" bIns="45720" numCol="1" anchor="ctr" anchorCtr="0" compatLnSpc="1">
+            <a:prstTxWarp prst="textNoShape">
+              <a:avLst/>
+            </a:prstTxWarp>
+            <a:spAutoFit/>
+          </a:bodyPr>
+          <a:lstStyle/>
+          <a:p>
+            <a:pPr marL="0" marR="0" lvl="0" indent="0" algn="l" defTabSz="914400" rtl="0" eaLnBrk="0" fontAlgn="base" latinLnBrk="0" hangingPunct="0">
+              <a:lnSpc>
+                <a:spcPct val="100000"/>
+              </a:lnSpc>
+              <a:spcBef>
+                <a:spcPct val="0"/>
+              </a:spcBef>
+              <a:spcAft>
+                <a:spcPct val="0"/>
+              </a:spcAft>
+              <a:buClrTx/>
+              <a:buSzTx/>
+              <a:buFontTx/>
+              <a:buNone/>
+              <a:tabLst/>
+            </a:pPr>
+            <a:r>
+              <a:rPr kumimoji="0" lang="en-US" altLang="en-US" sz="900" b="0" i="0" u="none" strike="noStrike" cap="none" normalizeH="0" baseline="0" dirty="0">
+                <a:ln>
+                  <a:noFill/>
+                </a:ln>
+                <a:solidFill>
+                  <a:srgbClr val="CC7832"/>
+                </a:solidFill>
+                <a:effectLst/>
+                <a:latin typeface="Consolas" panose="020B0609020204030204" pitchFamily="49" charset="0"/>
+              </a:rPr>
+              <a:t>host</a:t>
+            </a:r>
+            <a:r>
+              <a:rPr kumimoji="0" lang="en-US" altLang="en-US" sz="900" b="0" i="0" u="none" strike="noStrike" cap="none" normalizeH="0" baseline="0" dirty="0">
+                <a:ln>
+                  <a:noFill/>
+                </a:ln>
+                <a:solidFill>
+                  <a:srgbClr val="A9B7C6"/>
+                </a:solidFill>
+                <a:effectLst/>
+                <a:latin typeface="Consolas" panose="020B0609020204030204" pitchFamily="49" charset="0"/>
+              </a:rPr>
+              <a:t>: </a:t>
+            </a:r>
+            <a:r>
+              <a:rPr kumimoji="0" lang="en-US" altLang="en-US" sz="900" b="0" i="0" u="none" strike="noStrike" cap="none" normalizeH="0" baseline="0" dirty="0">
+                <a:ln>
+                  <a:noFill/>
+                </a:ln>
+                <a:solidFill>
+                  <a:srgbClr val="6A8759"/>
+                </a:solidFill>
+                <a:effectLst/>
+                <a:latin typeface="Consolas" panose="020B0609020204030204" pitchFamily="49" charset="0"/>
+              </a:rPr>
+              <a:t>'</a:t>
+            </a:r>
+            <a:r>
+              <a:rPr kumimoji="0" lang="en-US" altLang="en-US" sz="900" b="0" i="0" u="none" strike="noStrike" cap="none" normalizeH="0" baseline="0" dirty="0" err="1">
+                <a:ln>
+                  <a:noFill/>
+                </a:ln>
+                <a:solidFill>
+                  <a:srgbClr val="6A8759"/>
+                </a:solidFill>
+                <a:effectLst/>
+                <a:latin typeface="Consolas" panose="020B0609020204030204" pitchFamily="49" charset="0"/>
+              </a:rPr>
+              <a:t>your_host</a:t>
+            </a:r>
+            <a:r>
+              <a:rPr kumimoji="0" lang="en-US" altLang="en-US" sz="900" b="0" i="0" u="none" strike="noStrike" cap="none" normalizeH="0" baseline="0" dirty="0">
+                <a:ln>
+                  <a:noFill/>
+                </a:ln>
+                <a:solidFill>
+                  <a:srgbClr val="6A8759"/>
+                </a:solidFill>
+                <a:effectLst/>
+                <a:latin typeface="Consolas" panose="020B0609020204030204" pitchFamily="49" charset="0"/>
+              </a:rPr>
+              <a:t>'</a:t>
+            </a:r>
+            <a:br>
+              <a:rPr kumimoji="0" lang="en-US" altLang="en-US" sz="900" b="0" i="0" u="none" strike="noStrike" cap="none" normalizeH="0" baseline="0" dirty="0">
+                <a:ln>
+                  <a:noFill/>
+                </a:ln>
+                <a:solidFill>
+                  <a:srgbClr val="6A8759"/>
+                </a:solidFill>
+                <a:effectLst/>
+                <a:latin typeface="Consolas" panose="020B0609020204030204" pitchFamily="49" charset="0"/>
+              </a:rPr>
+            </a:br>
+            <a:r>
+              <a:rPr kumimoji="0" lang="en-US" altLang="en-US" sz="900" b="0" i="0" u="none" strike="noStrike" cap="none" normalizeH="0" baseline="0" dirty="0">
+                <a:ln>
+                  <a:noFill/>
+                </a:ln>
+                <a:solidFill>
+                  <a:srgbClr val="CC7832"/>
+                </a:solidFill>
+                <a:effectLst/>
+                <a:latin typeface="Consolas" panose="020B0609020204030204" pitchFamily="49" charset="0"/>
+              </a:rPr>
+              <a:t>username</a:t>
+            </a:r>
+            <a:r>
+              <a:rPr kumimoji="0" lang="en-US" altLang="en-US" sz="900" b="0" i="0" u="none" strike="noStrike" cap="none" normalizeH="0" baseline="0" dirty="0">
+                <a:ln>
+                  <a:noFill/>
+                </a:ln>
+                <a:solidFill>
+                  <a:srgbClr val="A9B7C6"/>
+                </a:solidFill>
+                <a:effectLst/>
+                <a:latin typeface="Consolas" panose="020B0609020204030204" pitchFamily="49" charset="0"/>
+              </a:rPr>
+              <a:t>: </a:t>
+            </a:r>
+            <a:r>
+              <a:rPr kumimoji="0" lang="en-US" altLang="en-US" sz="900" b="0" i="0" u="none" strike="noStrike" cap="none" normalizeH="0" baseline="0" dirty="0">
+                <a:ln>
+                  <a:noFill/>
+                </a:ln>
+                <a:solidFill>
+                  <a:srgbClr val="6A8759"/>
+                </a:solidFill>
+                <a:effectLst/>
+                <a:latin typeface="Consolas" panose="020B0609020204030204" pitchFamily="49" charset="0"/>
+              </a:rPr>
+              <a:t>'your_username@sample.com'</a:t>
+            </a:r>
+            <a:br>
+              <a:rPr kumimoji="0" lang="en-US" altLang="en-US" sz="900" b="0" i="0" u="none" strike="noStrike" cap="none" normalizeH="0" baseline="0" dirty="0">
+                <a:ln>
+                  <a:noFill/>
+                </a:ln>
+                <a:solidFill>
+                  <a:srgbClr val="6A8759"/>
+                </a:solidFill>
+                <a:effectLst/>
+                <a:latin typeface="Consolas" panose="020B0609020204030204" pitchFamily="49" charset="0"/>
+              </a:rPr>
+            </a:br>
+            <a:r>
+              <a:rPr kumimoji="0" lang="en-US" altLang="en-US" sz="900" b="0" i="0" u="none" strike="noStrike" cap="none" normalizeH="0" baseline="0" dirty="0">
+                <a:ln>
+                  <a:noFill/>
+                </a:ln>
+                <a:solidFill>
+                  <a:srgbClr val="CC7832"/>
+                </a:solidFill>
+                <a:effectLst/>
+                <a:latin typeface="Consolas" panose="020B0609020204030204" pitchFamily="49" charset="0"/>
+              </a:rPr>
+              <a:t>password</a:t>
+            </a:r>
+            <a:r>
+              <a:rPr kumimoji="0" lang="en-US" altLang="en-US" sz="900" b="0" i="0" u="none" strike="noStrike" cap="none" normalizeH="0" baseline="0" dirty="0">
+                <a:ln>
+                  <a:noFill/>
+                </a:ln>
+                <a:solidFill>
+                  <a:srgbClr val="A9B7C6"/>
+                </a:solidFill>
+                <a:effectLst/>
+                <a:latin typeface="Consolas" panose="020B0609020204030204" pitchFamily="49" charset="0"/>
+              </a:rPr>
+              <a:t>: </a:t>
+            </a:r>
+            <a:r>
+              <a:rPr kumimoji="0" lang="en-US" altLang="en-US" sz="900" b="0" i="0" u="none" strike="noStrike" cap="none" normalizeH="0" baseline="0" dirty="0">
+                <a:ln>
+                  <a:noFill/>
+                </a:ln>
+                <a:solidFill>
+                  <a:srgbClr val="6A8759"/>
+                </a:solidFill>
+                <a:effectLst/>
+                <a:latin typeface="Consolas" panose="020B0609020204030204" pitchFamily="49" charset="0"/>
+              </a:rPr>
+              <a:t>'</a:t>
+            </a:r>
+            <a:r>
+              <a:rPr kumimoji="0" lang="en-US" altLang="en-US" sz="900" b="0" i="0" u="none" strike="noStrike" cap="none" normalizeH="0" baseline="0" dirty="0" err="1">
+                <a:ln>
+                  <a:noFill/>
+                </a:ln>
+                <a:solidFill>
+                  <a:srgbClr val="6A8759"/>
+                </a:solidFill>
+                <a:effectLst/>
+                <a:latin typeface="Consolas" panose="020B0609020204030204" pitchFamily="49" charset="0"/>
+              </a:rPr>
+              <a:t>your_password</a:t>
+            </a:r>
+            <a:r>
+              <a:rPr kumimoji="0" lang="en-US" altLang="en-US" sz="900" b="0" i="0" u="none" strike="noStrike" cap="none" normalizeH="0" baseline="0" dirty="0">
+                <a:ln>
+                  <a:noFill/>
+                </a:ln>
+                <a:solidFill>
+                  <a:srgbClr val="6A8759"/>
+                </a:solidFill>
+                <a:effectLst/>
+                <a:latin typeface="Consolas" panose="020B0609020204030204" pitchFamily="49" charset="0"/>
+              </a:rPr>
+              <a:t>'</a:t>
+            </a:r>
+            <a:endParaRPr kumimoji="0" lang="en-US" altLang="en-US" sz="1800" b="0" i="0" u="none" strike="noStrike" cap="none" normalizeH="0" baseline="0" dirty="0">
+              <a:ln>
+                <a:noFill/>
+              </a:ln>
+              <a:solidFill>
+                <a:schemeClr val="tx1"/>
+              </a:solidFill>
+              <a:effectLst/>
+              <a:latin typeface="Arial" panose="020B0604020202020204" pitchFamily="34" charset="0"/>
+            </a:endParaRPr>
+          </a:p>
+        </p:txBody>
+      </p:sp>
+    </p:spTree>
+    <p:extLst>
+      <p:ext uri="{BB962C8B-B14F-4D97-AF65-F5344CB8AC3E}">
+        <p14:creationId xmlns:p14="http://schemas.microsoft.com/office/powerpoint/2010/main" val="1484811712"/>
+      </p:ext>
+    </p:extLst>
+  </p:cSld>
+  <p:clrMapOvr>
+    <a:masterClrMapping/>
+  </p:clrMapOvr>
+  <mc:AlternateContent xmlns:mc="http://schemas.openxmlformats.org/markup-compatibility/2006" xmlns:p14="http://schemas.microsoft.com/office/powerpoint/2010/main">
+    <mc:Choice Requires="p14">
+      <p:transition spd="med" p14:dur="700">
+        <p:fade/>
+      </p:transition>
+    </mc:Choice>
+    <mc:Fallback xmlns="">
+      <p:transition spd="med">
+        <p:fade/>
+      </p:transition>
+    </mc:Fallback>
+  </mc:AlternateContent>
+</p:sld>
+</file>
+
+<file path=ppt/slides/slide14.xml><?xml version="1.0" encoding="utf-8"?>
+<p:sld xmlns:a="http://schemas.openxmlformats.org/drawingml/2006/main" xmlns:r="http://schemas.openxmlformats.org/officeDocument/2006/relationships" xmlns:p="http://schemas.openxmlformats.org/presentationml/2006/main">
+  <p:cSld>
+    <p:spTree>
+      <p:nvGrpSpPr>
+        <p:cNvPr id="1" name=""/>
+        <p:cNvGrpSpPr/>
+        <p:nvPr/>
+      </p:nvGrpSpPr>
+      <p:grpSpPr>
+        <a:xfrm>
+          <a:off x="0" y="0"/>
+          <a:ext cx="0" cy="0"/>
+          <a:chOff x="0" y="0"/>
+          <a:chExt cx="0" cy="0"/>
+        </a:xfrm>
+      </p:grpSpPr>
+      <p:sp>
+        <p:nvSpPr>
           <p:cNvPr id="2" name="Title 1">
             <a:extLst>
               <a:ext uri="{FF2B5EF4-FFF2-40B4-BE49-F238E27FC236}">
@@ -6917,7 +7220,7 @@
 </p:sld>
 </file>
 
-<file path=ppt/slides/slide14.xml><?xml version="1.0" encoding="utf-8"?>
+<file path=ppt/slides/slide15.xml><?xml version="1.0" encoding="utf-8"?>
 <p:sld xmlns:a="http://schemas.openxmlformats.org/drawingml/2006/main" xmlns:r="http://schemas.openxmlformats.org/officeDocument/2006/relationships" xmlns:p="http://schemas.openxmlformats.org/presentationml/2006/main">
   <p:cSld>
     <p:spTree>
@@ -7047,7 +7350,7 @@
 </p:sld>
 </file>
 
-<file path=ppt/slides/slide15.xml><?xml version="1.0" encoding="utf-8"?>
+<file path=ppt/slides/slide16.xml><?xml version="1.0" encoding="utf-8"?>
 <p:sld xmlns:a="http://schemas.openxmlformats.org/drawingml/2006/main" xmlns:r="http://schemas.openxmlformats.org/officeDocument/2006/relationships" xmlns:p="http://schemas.openxmlformats.org/presentationml/2006/main">
   <p:cSld>
     <p:spTree>
@@ -7178,592 +7481,6 @@
     <p:extLst>
       <p:ext uri="{BB962C8B-B14F-4D97-AF65-F5344CB8AC3E}">
         <p14:creationId xmlns:p14="http://schemas.microsoft.com/office/powerpoint/2010/main" val="2929755730"/>
-      </p:ext>
-    </p:extLst>
-  </p:cSld>
-  <p:clrMapOvr>
-    <a:masterClrMapping/>
-  </p:clrMapOvr>
-  <mc:AlternateContent xmlns:mc="http://schemas.openxmlformats.org/markup-compatibility/2006" xmlns:p14="http://schemas.microsoft.com/office/powerpoint/2010/main">
-    <mc:Choice Requires="p14">
-      <p:transition spd="med" p14:dur="700">
-        <p:fade/>
-      </p:transition>
-    </mc:Choice>
-    <mc:Fallback xmlns="">
-      <p:transition spd="med">
-        <p:fade/>
-      </p:transition>
-    </mc:Fallback>
-  </mc:AlternateContent>
-</p:sld>
-</file>
-
-<file path=ppt/slides/slide16.xml><?xml version="1.0" encoding="utf-8"?>
-<p:sld xmlns:a="http://schemas.openxmlformats.org/drawingml/2006/main" xmlns:r="http://schemas.openxmlformats.org/officeDocument/2006/relationships" xmlns:p="http://schemas.openxmlformats.org/presentationml/2006/main">
-  <p:cSld>
-    <p:spTree>
-      <p:nvGrpSpPr>
-        <p:cNvPr id="1" name=""/>
-        <p:cNvGrpSpPr/>
-        <p:nvPr/>
-      </p:nvGrpSpPr>
-      <p:grpSpPr>
-        <a:xfrm>
-          <a:off x="0" y="0"/>
-          <a:ext cx="0" cy="0"/>
-          <a:chOff x="0" y="0"/>
-          <a:chExt cx="0" cy="0"/>
-        </a:xfrm>
-      </p:grpSpPr>
-      <p:sp>
-        <p:nvSpPr>
-          <p:cNvPr id="2" name="Title 1">
-            <a:extLst>
-              <a:ext uri="{FF2B5EF4-FFF2-40B4-BE49-F238E27FC236}">
-                <a16:creationId xmlns:a16="http://schemas.microsoft.com/office/drawing/2014/main" id="{95699DB6-584C-430C-9192-7175835B8C34}"/>
-              </a:ext>
-            </a:extLst>
-          </p:cNvPr>
-          <p:cNvSpPr>
-            <a:spLocks noGrp="1"/>
-          </p:cNvSpPr>
-          <p:nvPr>
-            <p:ph type="title"/>
-          </p:nvPr>
-        </p:nvSpPr>
-        <p:spPr/>
-        <p:txBody>
-          <a:bodyPr/>
-          <a:lstStyle/>
-          <a:p>
-            <a:r>
-              <a:rPr lang="en-US" dirty="0"/>
-              <a:t>Users</a:t>
-            </a:r>
-          </a:p>
-        </p:txBody>
-      </p:sp>
-      <p:sp>
-        <p:nvSpPr>
-          <p:cNvPr id="3" name="Content Placeholder 2">
-            <a:extLst>
-              <a:ext uri="{FF2B5EF4-FFF2-40B4-BE49-F238E27FC236}">
-                <a16:creationId xmlns:a16="http://schemas.microsoft.com/office/drawing/2014/main" id="{505D94F6-E8E4-4CC7-80C6-966B6407CF2D}"/>
-              </a:ext>
-            </a:extLst>
-          </p:cNvPr>
-          <p:cNvSpPr>
-            <a:spLocks noGrp="1"/>
-          </p:cNvSpPr>
-          <p:nvPr>
-            <p:ph idx="1"/>
-          </p:nvPr>
-        </p:nvSpPr>
-        <p:spPr/>
-        <p:txBody>
-          <a:bodyPr/>
-          <a:lstStyle/>
-          <a:p>
-            <a:r>
-              <a:rPr lang="en-US" dirty="0"/>
-              <a:t>To add a user we call the </a:t>
-            </a:r>
-            <a:r>
-              <a:rPr lang="en-US" dirty="0" err="1"/>
-              <a:t>add_user</a:t>
-            </a:r>
-            <a:r>
-              <a:rPr lang="en-US" dirty="0"/>
-              <a:t> method on our </a:t>
-            </a:r>
-            <a:r>
-              <a:rPr lang="en-US" dirty="0" err="1"/>
-              <a:t>PySense</a:t>
-            </a:r>
-            <a:r>
-              <a:rPr lang="en-US" dirty="0"/>
-              <a:t> object with the user’s email and role. </a:t>
-            </a:r>
-          </a:p>
-          <a:p>
-            <a:r>
-              <a:rPr lang="en-US" dirty="0"/>
-              <a:t>Email and role are required but there are additional details we can set like so: </a:t>
-            </a:r>
-          </a:p>
-          <a:p>
-            <a:r>
-              <a:rPr lang="en-US" dirty="0"/>
-              <a:t>We can also use our </a:t>
-            </a:r>
-            <a:r>
-              <a:rPr lang="en-US" dirty="0" err="1"/>
-              <a:t>PySense</a:t>
-            </a:r>
-            <a:r>
-              <a:rPr lang="en-US" dirty="0"/>
-              <a:t> object to query for specific users or delete users. </a:t>
-            </a:r>
-          </a:p>
-          <a:p>
-            <a:r>
-              <a:rPr lang="en-US" dirty="0"/>
-              <a:t>To delete a user, we pass the user to our </a:t>
-            </a:r>
-            <a:r>
-              <a:rPr lang="en-US" dirty="0" err="1"/>
-              <a:t>delete_users</a:t>
-            </a:r>
-            <a:r>
-              <a:rPr lang="en-US" dirty="0"/>
-              <a:t> method. </a:t>
-            </a:r>
-          </a:p>
-        </p:txBody>
-      </p:sp>
-      <p:sp>
-        <p:nvSpPr>
-          <p:cNvPr id="4" name="Rectangle 1">
-            <a:extLst>
-              <a:ext uri="{FF2B5EF4-FFF2-40B4-BE49-F238E27FC236}">
-                <a16:creationId xmlns:a16="http://schemas.microsoft.com/office/drawing/2014/main" id="{55E3BABD-F12B-42A3-91E0-9470664B0B6E}"/>
-              </a:ext>
-            </a:extLst>
-          </p:cNvPr>
-          <p:cNvSpPr>
-            <a:spLocks noChangeArrowheads="1"/>
-          </p:cNvSpPr>
-          <p:nvPr/>
-        </p:nvSpPr>
-        <p:spPr bwMode="auto">
-          <a:xfrm>
-            <a:off x="6094412" y="2209800"/>
-            <a:ext cx="3276600" cy="230832"/>
-          </a:xfrm>
-          <a:prstGeom prst="rect">
-            <a:avLst/>
-          </a:prstGeom>
-          <a:solidFill>
-            <a:srgbClr val="2B2B2B"/>
-          </a:solidFill>
-          <a:ln>
-            <a:noFill/>
-          </a:ln>
-          <a:effectLst/>
-          <a:extLst>
-            <a:ext uri="{91240B29-F687-4F45-9708-019B960494DF}">
-              <a14:hiddenLine xmlns:a14="http://schemas.microsoft.com/office/drawing/2010/main" w="9525">
-                <a:solidFill>
-                  <a:schemeClr val="tx1"/>
-                </a:solidFill>
-                <a:miter lim="800000"/>
-                <a:headEnd/>
-                <a:tailEnd/>
-              </a14:hiddenLine>
-            </a:ext>
-            <a:ext uri="{AF507438-7753-43E0-B8FC-AC1667EBCBE1}">
-              <a14:hiddenEffects xmlns:a14="http://schemas.microsoft.com/office/drawing/2010/main">
-                <a:effectLst>
-                  <a:outerShdw dist="35921" dir="2700000" algn="ctr" rotWithShape="0">
-                    <a:schemeClr val="bg2"/>
-                  </a:outerShdw>
-                </a:effectLst>
-              </a14:hiddenEffects>
-            </a:ext>
-          </a:extLst>
-        </p:spPr>
-        <p:txBody>
-          <a:bodyPr vert="horz" wrap="square" lIns="91440" tIns="45720" rIns="91440" bIns="45720" numCol="1" anchor="ctr" anchorCtr="0" compatLnSpc="1">
-            <a:prstTxWarp prst="textNoShape">
-              <a:avLst/>
-            </a:prstTxWarp>
-            <a:spAutoFit/>
-          </a:bodyPr>
-          <a:lstStyle/>
-          <a:p>
-            <a:pPr marL="0" marR="0" lvl="0" indent="0" algn="l" defTabSz="914400" rtl="0" eaLnBrk="0" fontAlgn="base" latinLnBrk="0" hangingPunct="0">
-              <a:lnSpc>
-                <a:spcPct val="100000"/>
-              </a:lnSpc>
-              <a:spcBef>
-                <a:spcPct val="0"/>
-              </a:spcBef>
-              <a:spcAft>
-                <a:spcPct val="0"/>
-              </a:spcAft>
-              <a:buClrTx/>
-              <a:buSzTx/>
-              <a:buFontTx/>
-              <a:buNone/>
-              <a:tabLst/>
-            </a:pPr>
-            <a:r>
-              <a:rPr kumimoji="0" lang="en-US" altLang="en-US" sz="900" b="0" i="0" u="none" strike="noStrike" cap="none" normalizeH="0" baseline="0" dirty="0" err="1">
-                <a:ln>
-                  <a:noFill/>
-                </a:ln>
-                <a:solidFill>
-                  <a:srgbClr val="A9B7C6"/>
-                </a:solidFill>
-                <a:effectLst/>
-                <a:latin typeface="Consolas" panose="020B0609020204030204" pitchFamily="49" charset="0"/>
-              </a:rPr>
-              <a:t>py_client.add_user</a:t>
-            </a:r>
-            <a:r>
-              <a:rPr kumimoji="0" lang="en-US" altLang="en-US" sz="900" b="0" i="0" u="none" strike="noStrike" cap="none" normalizeH="0" baseline="0" dirty="0">
-                <a:ln>
-                  <a:noFill/>
-                </a:ln>
-                <a:solidFill>
-                  <a:srgbClr val="A9B7C6"/>
-                </a:solidFill>
-                <a:effectLst/>
-                <a:latin typeface="Consolas" panose="020B0609020204030204" pitchFamily="49" charset="0"/>
-              </a:rPr>
-              <a:t>(</a:t>
-            </a:r>
-            <a:r>
-              <a:rPr kumimoji="0" lang="en-US" altLang="en-US" sz="900" b="0" i="0" u="none" strike="noStrike" cap="none" normalizeH="0" baseline="0" dirty="0">
-                <a:ln>
-                  <a:noFill/>
-                </a:ln>
-                <a:solidFill>
-                  <a:srgbClr val="6A8759"/>
-                </a:solidFill>
-                <a:effectLst/>
-                <a:latin typeface="Consolas" panose="020B0609020204030204" pitchFamily="49" charset="0"/>
-              </a:rPr>
-              <a:t>'user@email.com'</a:t>
-            </a:r>
-            <a:r>
-              <a:rPr kumimoji="0" lang="en-US" altLang="en-US" sz="900" b="0" i="0" u="none" strike="noStrike" cap="none" normalizeH="0" baseline="0" dirty="0">
-                <a:ln>
-                  <a:noFill/>
-                </a:ln>
-                <a:solidFill>
-                  <a:srgbClr val="CC7832"/>
-                </a:solidFill>
-                <a:effectLst/>
-                <a:latin typeface="Consolas" panose="020B0609020204030204" pitchFamily="49" charset="0"/>
-              </a:rPr>
-              <a:t>, </a:t>
-            </a:r>
-            <a:r>
-              <a:rPr kumimoji="0" lang="en-US" altLang="en-US" sz="900" b="0" i="0" u="none" strike="noStrike" cap="none" normalizeH="0" baseline="0" dirty="0">
-                <a:ln>
-                  <a:noFill/>
-                </a:ln>
-                <a:solidFill>
-                  <a:srgbClr val="6A8759"/>
-                </a:solidFill>
-                <a:effectLst/>
-                <a:latin typeface="Consolas" panose="020B0609020204030204" pitchFamily="49" charset="0"/>
-              </a:rPr>
-              <a:t>'Viewer'</a:t>
-            </a:r>
-            <a:r>
-              <a:rPr kumimoji="0" lang="en-US" altLang="en-US" sz="900" b="0" i="0" u="none" strike="noStrike" cap="none" normalizeH="0" baseline="0" dirty="0">
-                <a:ln>
-                  <a:noFill/>
-                </a:ln>
-                <a:solidFill>
-                  <a:srgbClr val="A9B7C6"/>
-                </a:solidFill>
-                <a:effectLst/>
-                <a:latin typeface="Consolas" panose="020B0609020204030204" pitchFamily="49" charset="0"/>
-              </a:rPr>
-              <a:t>)</a:t>
-            </a:r>
-            <a:endParaRPr kumimoji="0" lang="en-US" altLang="en-US" sz="1800" b="0" i="0" u="none" strike="noStrike" cap="none" normalizeH="0" baseline="0" dirty="0">
-              <a:ln>
-                <a:noFill/>
-              </a:ln>
-              <a:solidFill>
-                <a:schemeClr val="tx1"/>
-              </a:solidFill>
-              <a:effectLst/>
-              <a:latin typeface="Arial" panose="020B0604020202020204" pitchFamily="34" charset="0"/>
-            </a:endParaRPr>
-          </a:p>
-        </p:txBody>
-      </p:sp>
-      <p:sp>
-        <p:nvSpPr>
-          <p:cNvPr id="5" name="Rectangle 2">
-            <a:extLst>
-              <a:ext uri="{FF2B5EF4-FFF2-40B4-BE49-F238E27FC236}">
-                <a16:creationId xmlns:a16="http://schemas.microsoft.com/office/drawing/2014/main" id="{677337AB-AEE4-4212-BDA6-78E5927CA6EB}"/>
-              </a:ext>
-            </a:extLst>
-          </p:cNvPr>
-          <p:cNvSpPr>
-            <a:spLocks noChangeArrowheads="1"/>
-          </p:cNvSpPr>
-          <p:nvPr/>
-        </p:nvSpPr>
-        <p:spPr bwMode="auto">
-          <a:xfrm>
-            <a:off x="3275012" y="3198168"/>
-            <a:ext cx="5865813" cy="230832"/>
-          </a:xfrm>
-          <a:prstGeom prst="rect">
-            <a:avLst/>
-          </a:prstGeom>
-          <a:solidFill>
-            <a:srgbClr val="2B2B2B"/>
-          </a:solidFill>
-          <a:ln>
-            <a:noFill/>
-          </a:ln>
-          <a:effectLst/>
-          <a:extLst>
-            <a:ext uri="{91240B29-F687-4F45-9708-019B960494DF}">
-              <a14:hiddenLine xmlns:a14="http://schemas.microsoft.com/office/drawing/2010/main" w="9525">
-                <a:solidFill>
-                  <a:schemeClr val="tx1"/>
-                </a:solidFill>
-                <a:miter lim="800000"/>
-                <a:headEnd/>
-                <a:tailEnd/>
-              </a14:hiddenLine>
-            </a:ext>
-            <a:ext uri="{AF507438-7753-43E0-B8FC-AC1667EBCBE1}">
-              <a14:hiddenEffects xmlns:a14="http://schemas.microsoft.com/office/drawing/2010/main">
-                <a:effectLst>
-                  <a:outerShdw dist="35921" dir="2700000" algn="ctr" rotWithShape="0">
-                    <a:schemeClr val="bg2"/>
-                  </a:outerShdw>
-                </a:effectLst>
-              </a14:hiddenEffects>
-            </a:ext>
-          </a:extLst>
-        </p:spPr>
-        <p:txBody>
-          <a:bodyPr vert="horz" wrap="square" lIns="91440" tIns="45720" rIns="91440" bIns="45720" numCol="1" anchor="ctr" anchorCtr="0" compatLnSpc="1">
-            <a:prstTxWarp prst="textNoShape">
-              <a:avLst/>
-            </a:prstTxWarp>
-            <a:spAutoFit/>
-          </a:bodyPr>
-          <a:lstStyle/>
-          <a:p>
-            <a:pPr marL="0" marR="0" lvl="0" indent="0" algn="l" defTabSz="914400" rtl="0" eaLnBrk="0" fontAlgn="base" latinLnBrk="0" hangingPunct="0">
-              <a:lnSpc>
-                <a:spcPct val="100000"/>
-              </a:lnSpc>
-              <a:spcBef>
-                <a:spcPct val="0"/>
-              </a:spcBef>
-              <a:spcAft>
-                <a:spcPct val="0"/>
-              </a:spcAft>
-              <a:buClrTx/>
-              <a:buSzTx/>
-              <a:buFontTx/>
-              <a:buNone/>
-              <a:tabLst/>
-            </a:pPr>
-            <a:r>
-              <a:rPr kumimoji="0" lang="en-US" altLang="en-US" sz="900" b="0" i="0" u="none" strike="noStrike" cap="none" normalizeH="0" baseline="0" dirty="0" err="1">
-                <a:ln>
-                  <a:noFill/>
-                </a:ln>
-                <a:solidFill>
-                  <a:srgbClr val="A9B7C6"/>
-                </a:solidFill>
-                <a:effectLst/>
-                <a:latin typeface="Consolas" panose="020B0609020204030204" pitchFamily="49" charset="0"/>
-              </a:rPr>
-              <a:t>py_client.add_user</a:t>
-            </a:r>
-            <a:r>
-              <a:rPr kumimoji="0" lang="en-US" altLang="en-US" sz="900" b="0" i="0" u="none" strike="noStrike" cap="none" normalizeH="0" baseline="0" dirty="0">
-                <a:ln>
-                  <a:noFill/>
-                </a:ln>
-                <a:solidFill>
-                  <a:srgbClr val="A9B7C6"/>
-                </a:solidFill>
-                <a:effectLst/>
-                <a:latin typeface="Consolas" panose="020B0609020204030204" pitchFamily="49" charset="0"/>
-              </a:rPr>
-              <a:t>(</a:t>
-            </a:r>
-            <a:r>
-              <a:rPr kumimoji="0" lang="en-US" altLang="en-US" sz="900" b="0" i="0" u="none" strike="noStrike" cap="none" normalizeH="0" baseline="0" dirty="0">
-                <a:ln>
-                  <a:noFill/>
-                </a:ln>
-                <a:solidFill>
-                  <a:srgbClr val="6A8759"/>
-                </a:solidFill>
-                <a:effectLst/>
-                <a:latin typeface="Consolas" panose="020B0609020204030204" pitchFamily="49" charset="0"/>
-              </a:rPr>
-              <a:t>'user@email.com'</a:t>
-            </a:r>
-            <a:r>
-              <a:rPr kumimoji="0" lang="en-US" altLang="en-US" sz="900" b="0" i="0" u="none" strike="noStrike" cap="none" normalizeH="0" baseline="0" dirty="0">
-                <a:ln>
-                  <a:noFill/>
-                </a:ln>
-                <a:solidFill>
-                  <a:srgbClr val="CC7832"/>
-                </a:solidFill>
-                <a:effectLst/>
-                <a:latin typeface="Consolas" panose="020B0609020204030204" pitchFamily="49" charset="0"/>
-              </a:rPr>
-              <a:t>, </a:t>
-            </a:r>
-            <a:r>
-              <a:rPr kumimoji="0" lang="en-US" altLang="en-US" sz="900" b="0" i="0" u="none" strike="noStrike" cap="none" normalizeH="0" baseline="0" dirty="0">
-                <a:ln>
-                  <a:noFill/>
-                </a:ln>
-                <a:solidFill>
-                  <a:srgbClr val="6A8759"/>
-                </a:solidFill>
-                <a:effectLst/>
-                <a:latin typeface="Consolas" panose="020B0609020204030204" pitchFamily="49" charset="0"/>
-              </a:rPr>
-              <a:t>'Data Designer'</a:t>
-            </a:r>
-            <a:r>
-              <a:rPr kumimoji="0" lang="en-US" altLang="en-US" sz="900" b="0" i="0" u="none" strike="noStrike" cap="none" normalizeH="0" baseline="0" dirty="0">
-                <a:ln>
-                  <a:noFill/>
-                </a:ln>
-                <a:solidFill>
-                  <a:srgbClr val="CC7832"/>
-                </a:solidFill>
-                <a:effectLst/>
-                <a:latin typeface="Consolas" panose="020B0609020204030204" pitchFamily="49" charset="0"/>
-              </a:rPr>
-              <a:t>, </a:t>
-            </a:r>
-            <a:r>
-              <a:rPr kumimoji="0" lang="en-US" altLang="en-US" sz="900" b="0" i="0" u="none" strike="noStrike" cap="none" normalizeH="0" baseline="0" dirty="0" err="1">
-                <a:ln>
-                  <a:noFill/>
-                </a:ln>
-                <a:solidFill>
-                  <a:srgbClr val="AA4926"/>
-                </a:solidFill>
-                <a:effectLst/>
-                <a:latin typeface="Consolas" panose="020B0609020204030204" pitchFamily="49" charset="0"/>
-              </a:rPr>
-              <a:t>first_name</a:t>
-            </a:r>
-            <a:r>
-              <a:rPr kumimoji="0" lang="en-US" altLang="en-US" sz="900" b="0" i="0" u="none" strike="noStrike" cap="none" normalizeH="0" baseline="0" dirty="0">
-                <a:ln>
-                  <a:noFill/>
-                </a:ln>
-                <a:solidFill>
-                  <a:srgbClr val="A9B7C6"/>
-                </a:solidFill>
-                <a:effectLst/>
-                <a:latin typeface="Consolas" panose="020B0609020204030204" pitchFamily="49" charset="0"/>
-              </a:rPr>
-              <a:t>=</a:t>
-            </a:r>
-            <a:r>
-              <a:rPr kumimoji="0" lang="en-US" altLang="en-US" sz="900" b="0" i="0" u="none" strike="noStrike" cap="none" normalizeH="0" baseline="0" dirty="0">
-                <a:ln>
-                  <a:noFill/>
-                </a:ln>
-                <a:solidFill>
-                  <a:srgbClr val="6A8759"/>
-                </a:solidFill>
-                <a:effectLst/>
-                <a:latin typeface="Consolas" panose="020B0609020204030204" pitchFamily="49" charset="0"/>
-              </a:rPr>
-              <a:t>'John'</a:t>
-            </a:r>
-            <a:r>
-              <a:rPr kumimoji="0" lang="en-US" altLang="en-US" sz="900" b="0" i="0" u="none" strike="noStrike" cap="none" normalizeH="0" baseline="0" dirty="0">
-                <a:ln>
-                  <a:noFill/>
-                </a:ln>
-                <a:solidFill>
-                  <a:srgbClr val="CC7832"/>
-                </a:solidFill>
-                <a:effectLst/>
-                <a:latin typeface="Consolas" panose="020B0609020204030204" pitchFamily="49" charset="0"/>
-              </a:rPr>
-              <a:t>, </a:t>
-            </a:r>
-            <a:r>
-              <a:rPr kumimoji="0" lang="en-US" altLang="en-US" sz="900" b="0" i="0" u="none" strike="noStrike" cap="none" normalizeH="0" baseline="0" dirty="0" err="1">
-                <a:ln>
-                  <a:noFill/>
-                </a:ln>
-                <a:solidFill>
-                  <a:srgbClr val="AA4926"/>
-                </a:solidFill>
-                <a:effectLst/>
-                <a:latin typeface="Consolas" panose="020B0609020204030204" pitchFamily="49" charset="0"/>
-              </a:rPr>
-              <a:t>last_name</a:t>
-            </a:r>
-            <a:r>
-              <a:rPr kumimoji="0" lang="en-US" altLang="en-US" sz="900" b="0" i="0" u="none" strike="noStrike" cap="none" normalizeH="0" baseline="0" dirty="0">
-                <a:ln>
-                  <a:noFill/>
-                </a:ln>
-                <a:solidFill>
-                  <a:srgbClr val="A9B7C6"/>
-                </a:solidFill>
-                <a:effectLst/>
-                <a:latin typeface="Consolas" panose="020B0609020204030204" pitchFamily="49" charset="0"/>
-              </a:rPr>
-              <a:t>=</a:t>
-            </a:r>
-            <a:r>
-              <a:rPr kumimoji="0" lang="en-US" altLang="en-US" sz="900" b="0" i="0" u="none" strike="noStrike" cap="none" normalizeH="0" baseline="0" dirty="0">
-                <a:ln>
-                  <a:noFill/>
-                </a:ln>
-                <a:solidFill>
-                  <a:srgbClr val="6A8759"/>
-                </a:solidFill>
-                <a:effectLst/>
-                <a:latin typeface="Consolas" panose="020B0609020204030204" pitchFamily="49" charset="0"/>
-              </a:rPr>
-              <a:t>'Doe'</a:t>
-            </a:r>
-            <a:r>
-              <a:rPr kumimoji="0" lang="en-US" altLang="en-US" sz="900" b="0" i="0" u="none" strike="noStrike" cap="none" normalizeH="0" baseline="0" dirty="0">
-                <a:ln>
-                  <a:noFill/>
-                </a:ln>
-                <a:solidFill>
-                  <a:srgbClr val="A9B7C6"/>
-                </a:solidFill>
-                <a:effectLst/>
-                <a:latin typeface="Consolas" panose="020B0609020204030204" pitchFamily="49" charset="0"/>
-              </a:rPr>
-              <a:t>)</a:t>
-            </a:r>
-            <a:endParaRPr kumimoji="0" lang="en-US" altLang="en-US" sz="1800" b="0" i="0" u="none" strike="noStrike" cap="none" normalizeH="0" baseline="0" dirty="0">
-              <a:ln>
-                <a:noFill/>
-              </a:ln>
-              <a:solidFill>
-                <a:schemeClr val="tx1"/>
-              </a:solidFill>
-              <a:effectLst/>
-              <a:latin typeface="Arial" panose="020B0604020202020204" pitchFamily="34" charset="0"/>
-            </a:endParaRPr>
-          </a:p>
-        </p:txBody>
-      </p:sp>
-    </p:spTree>
-    <p:extLst>
-      <p:ext uri="{BB962C8B-B14F-4D97-AF65-F5344CB8AC3E}">
-        <p14:creationId xmlns:p14="http://schemas.microsoft.com/office/powerpoint/2010/main" val="790358576"/>
       </p:ext>
     </p:extLst>
   </p:cSld>
@@ -7807,6 +7524,592 @@
           <p:cNvPr id="2" name="Title 1">
             <a:extLst>
               <a:ext uri="{FF2B5EF4-FFF2-40B4-BE49-F238E27FC236}">
+                <a16:creationId xmlns:a16="http://schemas.microsoft.com/office/drawing/2014/main" id="{95699DB6-584C-430C-9192-7175835B8C34}"/>
+              </a:ext>
+            </a:extLst>
+          </p:cNvPr>
+          <p:cNvSpPr>
+            <a:spLocks noGrp="1"/>
+          </p:cNvSpPr>
+          <p:nvPr>
+            <p:ph type="title"/>
+          </p:nvPr>
+        </p:nvSpPr>
+        <p:spPr/>
+        <p:txBody>
+          <a:bodyPr/>
+          <a:lstStyle/>
+          <a:p>
+            <a:r>
+              <a:rPr lang="en-US" dirty="0"/>
+              <a:t>Users</a:t>
+            </a:r>
+          </a:p>
+        </p:txBody>
+      </p:sp>
+      <p:sp>
+        <p:nvSpPr>
+          <p:cNvPr id="3" name="Content Placeholder 2">
+            <a:extLst>
+              <a:ext uri="{FF2B5EF4-FFF2-40B4-BE49-F238E27FC236}">
+                <a16:creationId xmlns:a16="http://schemas.microsoft.com/office/drawing/2014/main" id="{505D94F6-E8E4-4CC7-80C6-966B6407CF2D}"/>
+              </a:ext>
+            </a:extLst>
+          </p:cNvPr>
+          <p:cNvSpPr>
+            <a:spLocks noGrp="1"/>
+          </p:cNvSpPr>
+          <p:nvPr>
+            <p:ph idx="1"/>
+          </p:nvPr>
+        </p:nvSpPr>
+        <p:spPr/>
+        <p:txBody>
+          <a:bodyPr/>
+          <a:lstStyle/>
+          <a:p>
+            <a:r>
+              <a:rPr lang="en-US" dirty="0"/>
+              <a:t>To add a user we call the </a:t>
+            </a:r>
+            <a:r>
+              <a:rPr lang="en-US" dirty="0" err="1"/>
+              <a:t>add_user</a:t>
+            </a:r>
+            <a:r>
+              <a:rPr lang="en-US" dirty="0"/>
+              <a:t> method on our </a:t>
+            </a:r>
+            <a:r>
+              <a:rPr lang="en-US" dirty="0" err="1"/>
+              <a:t>PySense</a:t>
+            </a:r>
+            <a:r>
+              <a:rPr lang="en-US" dirty="0"/>
+              <a:t> object with the user’s email and role. </a:t>
+            </a:r>
+          </a:p>
+          <a:p>
+            <a:r>
+              <a:rPr lang="en-US" dirty="0"/>
+              <a:t>Email and role are required but there are additional details we can set like so: </a:t>
+            </a:r>
+          </a:p>
+          <a:p>
+            <a:r>
+              <a:rPr lang="en-US" dirty="0"/>
+              <a:t>We can also use our </a:t>
+            </a:r>
+            <a:r>
+              <a:rPr lang="en-US" dirty="0" err="1"/>
+              <a:t>PySense</a:t>
+            </a:r>
+            <a:r>
+              <a:rPr lang="en-US" dirty="0"/>
+              <a:t> object to query for specific users or delete users. </a:t>
+            </a:r>
+          </a:p>
+          <a:p>
+            <a:r>
+              <a:rPr lang="en-US" dirty="0"/>
+              <a:t>To delete a user, we pass the user to our </a:t>
+            </a:r>
+            <a:r>
+              <a:rPr lang="en-US" dirty="0" err="1"/>
+              <a:t>delete_users</a:t>
+            </a:r>
+            <a:r>
+              <a:rPr lang="en-US" dirty="0"/>
+              <a:t> method. </a:t>
+            </a:r>
+          </a:p>
+        </p:txBody>
+      </p:sp>
+      <p:sp>
+        <p:nvSpPr>
+          <p:cNvPr id="4" name="Rectangle 1">
+            <a:extLst>
+              <a:ext uri="{FF2B5EF4-FFF2-40B4-BE49-F238E27FC236}">
+                <a16:creationId xmlns:a16="http://schemas.microsoft.com/office/drawing/2014/main" id="{55E3BABD-F12B-42A3-91E0-9470664B0B6E}"/>
+              </a:ext>
+            </a:extLst>
+          </p:cNvPr>
+          <p:cNvSpPr>
+            <a:spLocks noChangeArrowheads="1"/>
+          </p:cNvSpPr>
+          <p:nvPr/>
+        </p:nvSpPr>
+        <p:spPr bwMode="auto">
+          <a:xfrm>
+            <a:off x="6094412" y="2209800"/>
+            <a:ext cx="3276600" cy="230832"/>
+          </a:xfrm>
+          <a:prstGeom prst="rect">
+            <a:avLst/>
+          </a:prstGeom>
+          <a:solidFill>
+            <a:srgbClr val="2B2B2B"/>
+          </a:solidFill>
+          <a:ln>
+            <a:noFill/>
+          </a:ln>
+          <a:effectLst/>
+          <a:extLst>
+            <a:ext uri="{91240B29-F687-4F45-9708-019B960494DF}">
+              <a14:hiddenLine xmlns:a14="http://schemas.microsoft.com/office/drawing/2010/main" w="9525">
+                <a:solidFill>
+                  <a:schemeClr val="tx1"/>
+                </a:solidFill>
+                <a:miter lim="800000"/>
+                <a:headEnd/>
+                <a:tailEnd/>
+              </a14:hiddenLine>
+            </a:ext>
+            <a:ext uri="{AF507438-7753-43E0-B8FC-AC1667EBCBE1}">
+              <a14:hiddenEffects xmlns:a14="http://schemas.microsoft.com/office/drawing/2010/main">
+                <a:effectLst>
+                  <a:outerShdw dist="35921" dir="2700000" algn="ctr" rotWithShape="0">
+                    <a:schemeClr val="bg2"/>
+                  </a:outerShdw>
+                </a:effectLst>
+              </a14:hiddenEffects>
+            </a:ext>
+          </a:extLst>
+        </p:spPr>
+        <p:txBody>
+          <a:bodyPr vert="horz" wrap="square" lIns="91440" tIns="45720" rIns="91440" bIns="45720" numCol="1" anchor="ctr" anchorCtr="0" compatLnSpc="1">
+            <a:prstTxWarp prst="textNoShape">
+              <a:avLst/>
+            </a:prstTxWarp>
+            <a:spAutoFit/>
+          </a:bodyPr>
+          <a:lstStyle/>
+          <a:p>
+            <a:pPr marL="0" marR="0" lvl="0" indent="0" algn="l" defTabSz="914400" rtl="0" eaLnBrk="0" fontAlgn="base" latinLnBrk="0" hangingPunct="0">
+              <a:lnSpc>
+                <a:spcPct val="100000"/>
+              </a:lnSpc>
+              <a:spcBef>
+                <a:spcPct val="0"/>
+              </a:spcBef>
+              <a:spcAft>
+                <a:spcPct val="0"/>
+              </a:spcAft>
+              <a:buClrTx/>
+              <a:buSzTx/>
+              <a:buFontTx/>
+              <a:buNone/>
+              <a:tabLst/>
+            </a:pPr>
+            <a:r>
+              <a:rPr kumimoji="0" lang="en-US" altLang="en-US" sz="900" b="0" i="0" u="none" strike="noStrike" cap="none" normalizeH="0" baseline="0" dirty="0" err="1">
+                <a:ln>
+                  <a:noFill/>
+                </a:ln>
+                <a:solidFill>
+                  <a:srgbClr val="A9B7C6"/>
+                </a:solidFill>
+                <a:effectLst/>
+                <a:latin typeface="Consolas" panose="020B0609020204030204" pitchFamily="49" charset="0"/>
+              </a:rPr>
+              <a:t>py_client.add_user</a:t>
+            </a:r>
+            <a:r>
+              <a:rPr kumimoji="0" lang="en-US" altLang="en-US" sz="900" b="0" i="0" u="none" strike="noStrike" cap="none" normalizeH="0" baseline="0" dirty="0">
+                <a:ln>
+                  <a:noFill/>
+                </a:ln>
+                <a:solidFill>
+                  <a:srgbClr val="A9B7C6"/>
+                </a:solidFill>
+                <a:effectLst/>
+                <a:latin typeface="Consolas" panose="020B0609020204030204" pitchFamily="49" charset="0"/>
+              </a:rPr>
+              <a:t>(</a:t>
+            </a:r>
+            <a:r>
+              <a:rPr kumimoji="0" lang="en-US" altLang="en-US" sz="900" b="0" i="0" u="none" strike="noStrike" cap="none" normalizeH="0" baseline="0" dirty="0">
+                <a:ln>
+                  <a:noFill/>
+                </a:ln>
+                <a:solidFill>
+                  <a:srgbClr val="6A8759"/>
+                </a:solidFill>
+                <a:effectLst/>
+                <a:latin typeface="Consolas" panose="020B0609020204030204" pitchFamily="49" charset="0"/>
+              </a:rPr>
+              <a:t>'user@email.com'</a:t>
+            </a:r>
+            <a:r>
+              <a:rPr kumimoji="0" lang="en-US" altLang="en-US" sz="900" b="0" i="0" u="none" strike="noStrike" cap="none" normalizeH="0" baseline="0" dirty="0">
+                <a:ln>
+                  <a:noFill/>
+                </a:ln>
+                <a:solidFill>
+                  <a:srgbClr val="CC7832"/>
+                </a:solidFill>
+                <a:effectLst/>
+                <a:latin typeface="Consolas" panose="020B0609020204030204" pitchFamily="49" charset="0"/>
+              </a:rPr>
+              <a:t>, </a:t>
+            </a:r>
+            <a:r>
+              <a:rPr kumimoji="0" lang="en-US" altLang="en-US" sz="900" b="0" i="0" u="none" strike="noStrike" cap="none" normalizeH="0" baseline="0" dirty="0">
+                <a:ln>
+                  <a:noFill/>
+                </a:ln>
+                <a:solidFill>
+                  <a:srgbClr val="6A8759"/>
+                </a:solidFill>
+                <a:effectLst/>
+                <a:latin typeface="Consolas" panose="020B0609020204030204" pitchFamily="49" charset="0"/>
+              </a:rPr>
+              <a:t>'Viewer'</a:t>
+            </a:r>
+            <a:r>
+              <a:rPr kumimoji="0" lang="en-US" altLang="en-US" sz="900" b="0" i="0" u="none" strike="noStrike" cap="none" normalizeH="0" baseline="0" dirty="0">
+                <a:ln>
+                  <a:noFill/>
+                </a:ln>
+                <a:solidFill>
+                  <a:srgbClr val="A9B7C6"/>
+                </a:solidFill>
+                <a:effectLst/>
+                <a:latin typeface="Consolas" panose="020B0609020204030204" pitchFamily="49" charset="0"/>
+              </a:rPr>
+              <a:t>)</a:t>
+            </a:r>
+            <a:endParaRPr kumimoji="0" lang="en-US" altLang="en-US" sz="1800" b="0" i="0" u="none" strike="noStrike" cap="none" normalizeH="0" baseline="0" dirty="0">
+              <a:ln>
+                <a:noFill/>
+              </a:ln>
+              <a:solidFill>
+                <a:schemeClr val="tx1"/>
+              </a:solidFill>
+              <a:effectLst/>
+              <a:latin typeface="Arial" panose="020B0604020202020204" pitchFamily="34" charset="0"/>
+            </a:endParaRPr>
+          </a:p>
+        </p:txBody>
+      </p:sp>
+      <p:sp>
+        <p:nvSpPr>
+          <p:cNvPr id="5" name="Rectangle 2">
+            <a:extLst>
+              <a:ext uri="{FF2B5EF4-FFF2-40B4-BE49-F238E27FC236}">
+                <a16:creationId xmlns:a16="http://schemas.microsoft.com/office/drawing/2014/main" id="{677337AB-AEE4-4212-BDA6-78E5927CA6EB}"/>
+              </a:ext>
+            </a:extLst>
+          </p:cNvPr>
+          <p:cNvSpPr>
+            <a:spLocks noChangeArrowheads="1"/>
+          </p:cNvSpPr>
+          <p:nvPr/>
+        </p:nvSpPr>
+        <p:spPr bwMode="auto">
+          <a:xfrm>
+            <a:off x="3275012" y="3198168"/>
+            <a:ext cx="5865813" cy="230832"/>
+          </a:xfrm>
+          <a:prstGeom prst="rect">
+            <a:avLst/>
+          </a:prstGeom>
+          <a:solidFill>
+            <a:srgbClr val="2B2B2B"/>
+          </a:solidFill>
+          <a:ln>
+            <a:noFill/>
+          </a:ln>
+          <a:effectLst/>
+          <a:extLst>
+            <a:ext uri="{91240B29-F687-4F45-9708-019B960494DF}">
+              <a14:hiddenLine xmlns:a14="http://schemas.microsoft.com/office/drawing/2010/main" w="9525">
+                <a:solidFill>
+                  <a:schemeClr val="tx1"/>
+                </a:solidFill>
+                <a:miter lim="800000"/>
+                <a:headEnd/>
+                <a:tailEnd/>
+              </a14:hiddenLine>
+            </a:ext>
+            <a:ext uri="{AF507438-7753-43E0-B8FC-AC1667EBCBE1}">
+              <a14:hiddenEffects xmlns:a14="http://schemas.microsoft.com/office/drawing/2010/main">
+                <a:effectLst>
+                  <a:outerShdw dist="35921" dir="2700000" algn="ctr" rotWithShape="0">
+                    <a:schemeClr val="bg2"/>
+                  </a:outerShdw>
+                </a:effectLst>
+              </a14:hiddenEffects>
+            </a:ext>
+          </a:extLst>
+        </p:spPr>
+        <p:txBody>
+          <a:bodyPr vert="horz" wrap="square" lIns="91440" tIns="45720" rIns="91440" bIns="45720" numCol="1" anchor="ctr" anchorCtr="0" compatLnSpc="1">
+            <a:prstTxWarp prst="textNoShape">
+              <a:avLst/>
+            </a:prstTxWarp>
+            <a:spAutoFit/>
+          </a:bodyPr>
+          <a:lstStyle/>
+          <a:p>
+            <a:pPr marL="0" marR="0" lvl="0" indent="0" algn="l" defTabSz="914400" rtl="0" eaLnBrk="0" fontAlgn="base" latinLnBrk="0" hangingPunct="0">
+              <a:lnSpc>
+                <a:spcPct val="100000"/>
+              </a:lnSpc>
+              <a:spcBef>
+                <a:spcPct val="0"/>
+              </a:spcBef>
+              <a:spcAft>
+                <a:spcPct val="0"/>
+              </a:spcAft>
+              <a:buClrTx/>
+              <a:buSzTx/>
+              <a:buFontTx/>
+              <a:buNone/>
+              <a:tabLst/>
+            </a:pPr>
+            <a:r>
+              <a:rPr kumimoji="0" lang="en-US" altLang="en-US" sz="900" b="0" i="0" u="none" strike="noStrike" cap="none" normalizeH="0" baseline="0" dirty="0" err="1">
+                <a:ln>
+                  <a:noFill/>
+                </a:ln>
+                <a:solidFill>
+                  <a:srgbClr val="A9B7C6"/>
+                </a:solidFill>
+                <a:effectLst/>
+                <a:latin typeface="Consolas" panose="020B0609020204030204" pitchFamily="49" charset="0"/>
+              </a:rPr>
+              <a:t>py_client.add_user</a:t>
+            </a:r>
+            <a:r>
+              <a:rPr kumimoji="0" lang="en-US" altLang="en-US" sz="900" b="0" i="0" u="none" strike="noStrike" cap="none" normalizeH="0" baseline="0" dirty="0">
+                <a:ln>
+                  <a:noFill/>
+                </a:ln>
+                <a:solidFill>
+                  <a:srgbClr val="A9B7C6"/>
+                </a:solidFill>
+                <a:effectLst/>
+                <a:latin typeface="Consolas" panose="020B0609020204030204" pitchFamily="49" charset="0"/>
+              </a:rPr>
+              <a:t>(</a:t>
+            </a:r>
+            <a:r>
+              <a:rPr kumimoji="0" lang="en-US" altLang="en-US" sz="900" b="0" i="0" u="none" strike="noStrike" cap="none" normalizeH="0" baseline="0" dirty="0">
+                <a:ln>
+                  <a:noFill/>
+                </a:ln>
+                <a:solidFill>
+                  <a:srgbClr val="6A8759"/>
+                </a:solidFill>
+                <a:effectLst/>
+                <a:latin typeface="Consolas" panose="020B0609020204030204" pitchFamily="49" charset="0"/>
+              </a:rPr>
+              <a:t>'user@email.com'</a:t>
+            </a:r>
+            <a:r>
+              <a:rPr kumimoji="0" lang="en-US" altLang="en-US" sz="900" b="0" i="0" u="none" strike="noStrike" cap="none" normalizeH="0" baseline="0" dirty="0">
+                <a:ln>
+                  <a:noFill/>
+                </a:ln>
+                <a:solidFill>
+                  <a:srgbClr val="CC7832"/>
+                </a:solidFill>
+                <a:effectLst/>
+                <a:latin typeface="Consolas" panose="020B0609020204030204" pitchFamily="49" charset="0"/>
+              </a:rPr>
+              <a:t>, </a:t>
+            </a:r>
+            <a:r>
+              <a:rPr kumimoji="0" lang="en-US" altLang="en-US" sz="900" b="0" i="0" u="none" strike="noStrike" cap="none" normalizeH="0" baseline="0" dirty="0">
+                <a:ln>
+                  <a:noFill/>
+                </a:ln>
+                <a:solidFill>
+                  <a:srgbClr val="6A8759"/>
+                </a:solidFill>
+                <a:effectLst/>
+                <a:latin typeface="Consolas" panose="020B0609020204030204" pitchFamily="49" charset="0"/>
+              </a:rPr>
+              <a:t>'Data Designer'</a:t>
+            </a:r>
+            <a:r>
+              <a:rPr kumimoji="0" lang="en-US" altLang="en-US" sz="900" b="0" i="0" u="none" strike="noStrike" cap="none" normalizeH="0" baseline="0" dirty="0">
+                <a:ln>
+                  <a:noFill/>
+                </a:ln>
+                <a:solidFill>
+                  <a:srgbClr val="CC7832"/>
+                </a:solidFill>
+                <a:effectLst/>
+                <a:latin typeface="Consolas" panose="020B0609020204030204" pitchFamily="49" charset="0"/>
+              </a:rPr>
+              <a:t>, </a:t>
+            </a:r>
+            <a:r>
+              <a:rPr kumimoji="0" lang="en-US" altLang="en-US" sz="900" b="0" i="0" u="none" strike="noStrike" cap="none" normalizeH="0" baseline="0" dirty="0" err="1">
+                <a:ln>
+                  <a:noFill/>
+                </a:ln>
+                <a:solidFill>
+                  <a:srgbClr val="AA4926"/>
+                </a:solidFill>
+                <a:effectLst/>
+                <a:latin typeface="Consolas" panose="020B0609020204030204" pitchFamily="49" charset="0"/>
+              </a:rPr>
+              <a:t>first_name</a:t>
+            </a:r>
+            <a:r>
+              <a:rPr kumimoji="0" lang="en-US" altLang="en-US" sz="900" b="0" i="0" u="none" strike="noStrike" cap="none" normalizeH="0" baseline="0" dirty="0">
+                <a:ln>
+                  <a:noFill/>
+                </a:ln>
+                <a:solidFill>
+                  <a:srgbClr val="A9B7C6"/>
+                </a:solidFill>
+                <a:effectLst/>
+                <a:latin typeface="Consolas" panose="020B0609020204030204" pitchFamily="49" charset="0"/>
+              </a:rPr>
+              <a:t>=</a:t>
+            </a:r>
+            <a:r>
+              <a:rPr kumimoji="0" lang="en-US" altLang="en-US" sz="900" b="0" i="0" u="none" strike="noStrike" cap="none" normalizeH="0" baseline="0" dirty="0">
+                <a:ln>
+                  <a:noFill/>
+                </a:ln>
+                <a:solidFill>
+                  <a:srgbClr val="6A8759"/>
+                </a:solidFill>
+                <a:effectLst/>
+                <a:latin typeface="Consolas" panose="020B0609020204030204" pitchFamily="49" charset="0"/>
+              </a:rPr>
+              <a:t>'John'</a:t>
+            </a:r>
+            <a:r>
+              <a:rPr kumimoji="0" lang="en-US" altLang="en-US" sz="900" b="0" i="0" u="none" strike="noStrike" cap="none" normalizeH="0" baseline="0" dirty="0">
+                <a:ln>
+                  <a:noFill/>
+                </a:ln>
+                <a:solidFill>
+                  <a:srgbClr val="CC7832"/>
+                </a:solidFill>
+                <a:effectLst/>
+                <a:latin typeface="Consolas" panose="020B0609020204030204" pitchFamily="49" charset="0"/>
+              </a:rPr>
+              <a:t>, </a:t>
+            </a:r>
+            <a:r>
+              <a:rPr kumimoji="0" lang="en-US" altLang="en-US" sz="900" b="0" i="0" u="none" strike="noStrike" cap="none" normalizeH="0" baseline="0" dirty="0" err="1">
+                <a:ln>
+                  <a:noFill/>
+                </a:ln>
+                <a:solidFill>
+                  <a:srgbClr val="AA4926"/>
+                </a:solidFill>
+                <a:effectLst/>
+                <a:latin typeface="Consolas" panose="020B0609020204030204" pitchFamily="49" charset="0"/>
+              </a:rPr>
+              <a:t>last_name</a:t>
+            </a:r>
+            <a:r>
+              <a:rPr kumimoji="0" lang="en-US" altLang="en-US" sz="900" b="0" i="0" u="none" strike="noStrike" cap="none" normalizeH="0" baseline="0" dirty="0">
+                <a:ln>
+                  <a:noFill/>
+                </a:ln>
+                <a:solidFill>
+                  <a:srgbClr val="A9B7C6"/>
+                </a:solidFill>
+                <a:effectLst/>
+                <a:latin typeface="Consolas" panose="020B0609020204030204" pitchFamily="49" charset="0"/>
+              </a:rPr>
+              <a:t>=</a:t>
+            </a:r>
+            <a:r>
+              <a:rPr kumimoji="0" lang="en-US" altLang="en-US" sz="900" b="0" i="0" u="none" strike="noStrike" cap="none" normalizeH="0" baseline="0" dirty="0">
+                <a:ln>
+                  <a:noFill/>
+                </a:ln>
+                <a:solidFill>
+                  <a:srgbClr val="6A8759"/>
+                </a:solidFill>
+                <a:effectLst/>
+                <a:latin typeface="Consolas" panose="020B0609020204030204" pitchFamily="49" charset="0"/>
+              </a:rPr>
+              <a:t>'Doe'</a:t>
+            </a:r>
+            <a:r>
+              <a:rPr kumimoji="0" lang="en-US" altLang="en-US" sz="900" b="0" i="0" u="none" strike="noStrike" cap="none" normalizeH="0" baseline="0" dirty="0">
+                <a:ln>
+                  <a:noFill/>
+                </a:ln>
+                <a:solidFill>
+                  <a:srgbClr val="A9B7C6"/>
+                </a:solidFill>
+                <a:effectLst/>
+                <a:latin typeface="Consolas" panose="020B0609020204030204" pitchFamily="49" charset="0"/>
+              </a:rPr>
+              <a:t>)</a:t>
+            </a:r>
+            <a:endParaRPr kumimoji="0" lang="en-US" altLang="en-US" sz="1800" b="0" i="0" u="none" strike="noStrike" cap="none" normalizeH="0" baseline="0" dirty="0">
+              <a:ln>
+                <a:noFill/>
+              </a:ln>
+              <a:solidFill>
+                <a:schemeClr val="tx1"/>
+              </a:solidFill>
+              <a:effectLst/>
+              <a:latin typeface="Arial" panose="020B0604020202020204" pitchFamily="34" charset="0"/>
+            </a:endParaRPr>
+          </a:p>
+        </p:txBody>
+      </p:sp>
+    </p:spTree>
+    <p:extLst>
+      <p:ext uri="{BB962C8B-B14F-4D97-AF65-F5344CB8AC3E}">
+        <p14:creationId xmlns:p14="http://schemas.microsoft.com/office/powerpoint/2010/main" val="790358576"/>
+      </p:ext>
+    </p:extLst>
+  </p:cSld>
+  <p:clrMapOvr>
+    <a:masterClrMapping/>
+  </p:clrMapOvr>
+  <mc:AlternateContent xmlns:mc="http://schemas.openxmlformats.org/markup-compatibility/2006" xmlns:p14="http://schemas.microsoft.com/office/powerpoint/2010/main">
+    <mc:Choice Requires="p14">
+      <p:transition spd="med" p14:dur="700">
+        <p:fade/>
+      </p:transition>
+    </mc:Choice>
+    <mc:Fallback xmlns="">
+      <p:transition spd="med">
+        <p:fade/>
+      </p:transition>
+    </mc:Fallback>
+  </mc:AlternateContent>
+</p:sld>
+</file>
+
+<file path=ppt/slides/slide18.xml><?xml version="1.0" encoding="utf-8"?>
+<p:sld xmlns:a="http://schemas.openxmlformats.org/drawingml/2006/main" xmlns:r="http://schemas.openxmlformats.org/officeDocument/2006/relationships" xmlns:p="http://schemas.openxmlformats.org/presentationml/2006/main">
+  <p:cSld>
+    <p:spTree>
+      <p:nvGrpSpPr>
+        <p:cNvPr id="1" name=""/>
+        <p:cNvGrpSpPr/>
+        <p:nvPr/>
+      </p:nvGrpSpPr>
+      <p:grpSpPr>
+        <a:xfrm>
+          <a:off x="0" y="0"/>
+          <a:ext cx="0" cy="0"/>
+          <a:chOff x="0" y="0"/>
+          <a:chExt cx="0" cy="0"/>
+        </a:xfrm>
+      </p:grpSpPr>
+      <p:sp>
+        <p:nvSpPr>
+          <p:cNvPr id="2" name="Title 1">
+            <a:extLst>
+              <a:ext uri="{FF2B5EF4-FFF2-40B4-BE49-F238E27FC236}">
                 <a16:creationId xmlns:a16="http://schemas.microsoft.com/office/drawing/2014/main" id="{9F8B3364-E12C-494E-BE0C-5E80F296620B}"/>
               </a:ext>
             </a:extLst>
@@ -7903,7 +8206,7 @@
 </p:sld>
 </file>
 
-<file path=ppt/slides/slide18.xml><?xml version="1.0" encoding="utf-8"?>
+<file path=ppt/slides/slide19.xml><?xml version="1.0" encoding="utf-8"?>
 <p:sld xmlns:a="http://schemas.openxmlformats.org/drawingml/2006/main" xmlns:r="http://schemas.openxmlformats.org/officeDocument/2006/relationships" xmlns:p="http://schemas.openxmlformats.org/presentationml/2006/main">
   <p:cSld>
     <p:spTree>
@@ -8033,395 +8336,6 @@
 </p:sld>
 </file>
 
-<file path=ppt/slides/slide19.xml><?xml version="1.0" encoding="utf-8"?>
-<p:sld xmlns:a="http://schemas.openxmlformats.org/drawingml/2006/main" xmlns:r="http://schemas.openxmlformats.org/officeDocument/2006/relationships" xmlns:p="http://schemas.openxmlformats.org/presentationml/2006/main">
-  <p:cSld>
-    <p:spTree>
-      <p:nvGrpSpPr>
-        <p:cNvPr id="1" name=""/>
-        <p:cNvGrpSpPr/>
-        <p:nvPr/>
-      </p:nvGrpSpPr>
-      <p:grpSpPr>
-        <a:xfrm>
-          <a:off x="0" y="0"/>
-          <a:ext cx="0" cy="0"/>
-          <a:chOff x="0" y="0"/>
-          <a:chExt cx="0" cy="0"/>
-        </a:xfrm>
-      </p:grpSpPr>
-      <p:sp>
-        <p:nvSpPr>
-          <p:cNvPr id="2" name="Title 1">
-            <a:extLst>
-              <a:ext uri="{FF2B5EF4-FFF2-40B4-BE49-F238E27FC236}">
-                <a16:creationId xmlns:a16="http://schemas.microsoft.com/office/drawing/2014/main" id="{CE434357-85D5-4BBC-91FA-E0AF1F438966}"/>
-              </a:ext>
-            </a:extLst>
-          </p:cNvPr>
-          <p:cNvSpPr>
-            <a:spLocks noGrp="1"/>
-          </p:cNvSpPr>
-          <p:nvPr>
-            <p:ph type="title"/>
-          </p:nvPr>
-        </p:nvSpPr>
-        <p:spPr/>
-        <p:txBody>
-          <a:bodyPr/>
-          <a:lstStyle/>
-          <a:p>
-            <a:r>
-              <a:rPr lang="en-US" dirty="0"/>
-              <a:t>Data Security Pt 1 (The </a:t>
-            </a:r>
-            <a:r>
-              <a:rPr lang="en-US" dirty="0" err="1"/>
-              <a:t>Elasticube</a:t>
-            </a:r>
-            <a:r>
-              <a:rPr lang="en-US" dirty="0"/>
-              <a:t>)</a:t>
-            </a:r>
-          </a:p>
-        </p:txBody>
-      </p:sp>
-      <p:sp>
-        <p:nvSpPr>
-          <p:cNvPr id="3" name="Content Placeholder 2">
-            <a:extLst>
-              <a:ext uri="{FF2B5EF4-FFF2-40B4-BE49-F238E27FC236}">
-                <a16:creationId xmlns:a16="http://schemas.microsoft.com/office/drawing/2014/main" id="{4035EF62-64AB-486C-8AA8-6093D60F9522}"/>
-              </a:ext>
-            </a:extLst>
-          </p:cNvPr>
-          <p:cNvSpPr>
-            <a:spLocks noGrp="1"/>
-          </p:cNvSpPr>
-          <p:nvPr>
-            <p:ph idx="1"/>
-          </p:nvPr>
-        </p:nvSpPr>
-        <p:spPr/>
-        <p:txBody>
-          <a:bodyPr/>
-          <a:lstStyle/>
-          <a:p>
-            <a:r>
-              <a:rPr lang="en-US" dirty="0"/>
-              <a:t>Data Security is applied to an </a:t>
-            </a:r>
-            <a:r>
-              <a:rPr lang="en-US" dirty="0" err="1"/>
-              <a:t>elasticube</a:t>
-            </a:r>
-            <a:r>
-              <a:rPr lang="en-US" dirty="0"/>
-              <a:t> so first we need to use our </a:t>
-            </a:r>
-            <a:r>
-              <a:rPr lang="en-US" dirty="0" err="1"/>
-              <a:t>PySense</a:t>
-            </a:r>
-            <a:r>
-              <a:rPr lang="en-US" dirty="0"/>
-              <a:t> object to get that cube.</a:t>
-            </a:r>
-          </a:p>
-          <a:p>
-            <a:r>
-              <a:rPr lang="en-US" dirty="0"/>
-              <a:t>The </a:t>
-            </a:r>
-            <a:r>
-              <a:rPr lang="en-US" dirty="0" err="1"/>
-              <a:t>elasticube</a:t>
-            </a:r>
-            <a:r>
-              <a:rPr lang="en-US" dirty="0"/>
-              <a:t> variable is the </a:t>
-            </a:r>
-            <a:r>
-              <a:rPr lang="en-US" dirty="0" err="1"/>
-              <a:t>PySense</a:t>
-            </a:r>
-            <a:r>
-              <a:rPr lang="en-US" dirty="0"/>
-              <a:t> representation of your </a:t>
-            </a:r>
-            <a:r>
-              <a:rPr lang="en-US" dirty="0" err="1"/>
-              <a:t>elasticube</a:t>
-            </a:r>
-            <a:r>
-              <a:rPr lang="en-US" dirty="0"/>
-              <a:t>.</a:t>
-            </a:r>
-          </a:p>
-          <a:p>
-            <a:r>
-              <a:rPr lang="en-US" dirty="0"/>
-              <a:t>From </a:t>
-            </a:r>
-            <a:r>
-              <a:rPr lang="en-US" dirty="0" err="1"/>
-              <a:t>elasticube</a:t>
-            </a:r>
-            <a:r>
-              <a:rPr lang="en-US" dirty="0"/>
-              <a:t> you can do things like export your model, run </a:t>
-            </a:r>
-            <a:r>
-              <a:rPr lang="en-US" dirty="0" err="1"/>
-              <a:t>sql</a:t>
-            </a:r>
-            <a:r>
-              <a:rPr lang="en-US" dirty="0"/>
-              <a:t>, and of course apply data security.</a:t>
-            </a:r>
-          </a:p>
-          <a:p>
-            <a:r>
-              <a:rPr lang="en-US" dirty="0"/>
-              <a:t>See </a:t>
-            </a:r>
-            <a:r>
-              <a:rPr lang="en-US" dirty="0">
-                <a:hlinkClick r:id="rId2"/>
-              </a:rPr>
-              <a:t>documentation</a:t>
-            </a:r>
-            <a:r>
-              <a:rPr lang="en-US" dirty="0"/>
-              <a:t> for full list of features</a:t>
-            </a:r>
-          </a:p>
-          <a:p>
-            <a:endParaRPr lang="en-US" dirty="0"/>
-          </a:p>
-          <a:p>
-            <a:endParaRPr lang="en-US" dirty="0"/>
-          </a:p>
-        </p:txBody>
-      </p:sp>
-      <p:sp>
-        <p:nvSpPr>
-          <p:cNvPr id="4" name="Rectangle 1">
-            <a:extLst>
-              <a:ext uri="{FF2B5EF4-FFF2-40B4-BE49-F238E27FC236}">
-                <a16:creationId xmlns:a16="http://schemas.microsoft.com/office/drawing/2014/main" id="{A6365A35-839E-45FF-B9EB-C99EE9716620}"/>
-              </a:ext>
-            </a:extLst>
-          </p:cNvPr>
-          <p:cNvSpPr>
-            <a:spLocks noChangeArrowheads="1"/>
-          </p:cNvSpPr>
-          <p:nvPr/>
-        </p:nvSpPr>
-        <p:spPr bwMode="auto">
-          <a:xfrm>
-            <a:off x="6323012" y="2209800"/>
-            <a:ext cx="4038599" cy="230832"/>
-          </a:xfrm>
-          <a:prstGeom prst="rect">
-            <a:avLst/>
-          </a:prstGeom>
-          <a:solidFill>
-            <a:srgbClr val="2B2B2B"/>
-          </a:solidFill>
-          <a:ln>
-            <a:noFill/>
-          </a:ln>
-          <a:effectLst/>
-          <a:extLst>
-            <a:ext uri="{91240B29-F687-4F45-9708-019B960494DF}">
-              <a14:hiddenLine xmlns:a14="http://schemas.microsoft.com/office/drawing/2010/main" w="9525">
-                <a:solidFill>
-                  <a:schemeClr val="tx1"/>
-                </a:solidFill>
-                <a:miter lim="800000"/>
-                <a:headEnd/>
-                <a:tailEnd/>
-              </a14:hiddenLine>
-            </a:ext>
-            <a:ext uri="{AF507438-7753-43E0-B8FC-AC1667EBCBE1}">
-              <a14:hiddenEffects xmlns:a14="http://schemas.microsoft.com/office/drawing/2010/main">
-                <a:effectLst>
-                  <a:outerShdw dist="35921" dir="2700000" algn="ctr" rotWithShape="0">
-                    <a:schemeClr val="bg2"/>
-                  </a:outerShdw>
-                </a:effectLst>
-              </a14:hiddenEffects>
-            </a:ext>
-          </a:extLst>
-        </p:spPr>
-        <p:txBody>
-          <a:bodyPr vert="horz" wrap="square" lIns="91440" tIns="45720" rIns="91440" bIns="45720" numCol="1" anchor="ctr" anchorCtr="0" compatLnSpc="1">
-            <a:prstTxWarp prst="textNoShape">
-              <a:avLst/>
-            </a:prstTxWarp>
-            <a:spAutoFit/>
-          </a:bodyPr>
-          <a:lstStyle/>
-          <a:p>
-            <a:pPr marL="0" marR="0" lvl="0" indent="0" algn="l" defTabSz="914400" rtl="0" eaLnBrk="0" fontAlgn="base" latinLnBrk="0" hangingPunct="0">
-              <a:lnSpc>
-                <a:spcPct val="100000"/>
-              </a:lnSpc>
-              <a:spcBef>
-                <a:spcPct val="0"/>
-              </a:spcBef>
-              <a:spcAft>
-                <a:spcPct val="0"/>
-              </a:spcAft>
-              <a:buClrTx/>
-              <a:buSzTx/>
-              <a:buFontTx/>
-              <a:buNone/>
-              <a:tabLst/>
-            </a:pPr>
-            <a:r>
-              <a:rPr kumimoji="0" lang="en-US" altLang="en-US" sz="900" b="0" i="0" u="none" strike="noStrike" cap="none" normalizeH="0" baseline="0" dirty="0" err="1">
-                <a:ln>
-                  <a:noFill/>
-                </a:ln>
-                <a:solidFill>
-                  <a:srgbClr val="A9B7C6"/>
-                </a:solidFill>
-                <a:effectLst/>
-                <a:latin typeface="Consolas" panose="020B0609020204030204" pitchFamily="49" charset="0"/>
-              </a:rPr>
-              <a:t>elasticube</a:t>
-            </a:r>
-            <a:r>
-              <a:rPr kumimoji="0" lang="en-US" altLang="en-US" sz="900" b="0" i="0" u="none" strike="noStrike" cap="none" normalizeH="0" baseline="0" dirty="0">
-                <a:ln>
-                  <a:noFill/>
-                </a:ln>
-                <a:solidFill>
-                  <a:srgbClr val="A9B7C6"/>
-                </a:solidFill>
-                <a:effectLst/>
-                <a:latin typeface="Consolas" panose="020B0609020204030204" pitchFamily="49" charset="0"/>
-              </a:rPr>
-              <a:t> = </a:t>
-            </a:r>
-            <a:r>
-              <a:rPr kumimoji="0" lang="en-US" altLang="en-US" sz="900" b="0" i="0" u="none" strike="noStrike" cap="none" normalizeH="0" baseline="0" dirty="0" err="1">
-                <a:ln>
-                  <a:noFill/>
-                </a:ln>
-                <a:solidFill>
-                  <a:srgbClr val="A9B7C6"/>
-                </a:solidFill>
-                <a:effectLst/>
-                <a:latin typeface="Consolas" panose="020B0609020204030204" pitchFamily="49" charset="0"/>
-              </a:rPr>
-              <a:t>py_client.get_elasticube_by_name</a:t>
-            </a:r>
-            <a:r>
-              <a:rPr kumimoji="0" lang="en-US" altLang="en-US" sz="900" b="0" i="0" u="none" strike="noStrike" cap="none" normalizeH="0" baseline="0" dirty="0">
-                <a:ln>
-                  <a:noFill/>
-                </a:ln>
-                <a:solidFill>
-                  <a:srgbClr val="A9B7C6"/>
-                </a:solidFill>
-                <a:effectLst/>
-                <a:latin typeface="Consolas" panose="020B0609020204030204" pitchFamily="49" charset="0"/>
-              </a:rPr>
-              <a:t>(</a:t>
-            </a:r>
-            <a:r>
-              <a:rPr kumimoji="0" lang="en-US" altLang="en-US" sz="900" b="0" i="0" u="none" strike="noStrike" cap="none" normalizeH="0" baseline="0" dirty="0">
-                <a:ln>
-                  <a:noFill/>
-                </a:ln>
-                <a:solidFill>
-                  <a:srgbClr val="6A8759"/>
-                </a:solidFill>
-                <a:effectLst/>
-                <a:latin typeface="Consolas" panose="020B0609020204030204" pitchFamily="49" charset="0"/>
-              </a:rPr>
-              <a:t>'</a:t>
-            </a:r>
-            <a:r>
-              <a:rPr kumimoji="0" lang="en-US" altLang="en-US" sz="900" b="0" i="0" u="none" strike="noStrike" cap="none" normalizeH="0" baseline="0" dirty="0" err="1">
-                <a:ln>
-                  <a:noFill/>
-                </a:ln>
-                <a:solidFill>
-                  <a:srgbClr val="6A8759"/>
-                </a:solidFill>
-                <a:effectLst/>
-                <a:latin typeface="Consolas" panose="020B0609020204030204" pitchFamily="49" charset="0"/>
-              </a:rPr>
-              <a:t>CubeTitle</a:t>
-            </a:r>
-            <a:r>
-              <a:rPr kumimoji="0" lang="en-US" altLang="en-US" sz="900" b="0" i="0" u="none" strike="noStrike" cap="none" normalizeH="0" baseline="0" dirty="0">
-                <a:ln>
-                  <a:noFill/>
-                </a:ln>
-                <a:solidFill>
-                  <a:srgbClr val="6A8759"/>
-                </a:solidFill>
-                <a:effectLst/>
-                <a:latin typeface="Consolas" panose="020B0609020204030204" pitchFamily="49" charset="0"/>
-              </a:rPr>
-              <a:t>'</a:t>
-            </a:r>
-            <a:r>
-              <a:rPr kumimoji="0" lang="en-US" altLang="en-US" sz="900" b="0" i="0" u="none" strike="noStrike" cap="none" normalizeH="0" baseline="0" dirty="0">
-                <a:ln>
-                  <a:noFill/>
-                </a:ln>
-                <a:solidFill>
-                  <a:srgbClr val="A9B7C6"/>
-                </a:solidFill>
-                <a:effectLst/>
-                <a:latin typeface="Consolas" panose="020B0609020204030204" pitchFamily="49" charset="0"/>
-              </a:rPr>
-              <a:t>)</a:t>
-            </a:r>
-            <a:endParaRPr kumimoji="0" lang="en-US" altLang="en-US" sz="1800" b="0" i="0" u="none" strike="noStrike" cap="none" normalizeH="0" baseline="0" dirty="0">
-              <a:ln>
-                <a:noFill/>
-              </a:ln>
-              <a:solidFill>
-                <a:schemeClr val="tx1"/>
-              </a:solidFill>
-              <a:effectLst/>
-              <a:latin typeface="Arial" panose="020B0604020202020204" pitchFamily="34" charset="0"/>
-            </a:endParaRPr>
-          </a:p>
-        </p:txBody>
-      </p:sp>
-    </p:spTree>
-    <p:extLst>
-      <p:ext uri="{BB962C8B-B14F-4D97-AF65-F5344CB8AC3E}">
-        <p14:creationId xmlns:p14="http://schemas.microsoft.com/office/powerpoint/2010/main" val="2217212914"/>
-      </p:ext>
-    </p:extLst>
-  </p:cSld>
-  <p:clrMapOvr>
-    <a:masterClrMapping/>
-  </p:clrMapOvr>
-  <mc:AlternateContent xmlns:mc="http://schemas.openxmlformats.org/markup-compatibility/2006" xmlns:p14="http://schemas.microsoft.com/office/powerpoint/2010/main">
-    <mc:Choice Requires="p14">
-      <p:transition spd="med" p14:dur="700">
-        <p:fade/>
-      </p:transition>
-    </mc:Choice>
-    <mc:Fallback xmlns="">
-      <p:transition spd="med">
-        <p:fade/>
-      </p:transition>
-    </mc:Fallback>
-  </mc:AlternateContent>
-</p:sld>
-</file>
-
 <file path=ppt/slides/slide2.xml><?xml version="1.0" encoding="utf-8"?>
 <p:sld xmlns:a="http://schemas.openxmlformats.org/drawingml/2006/main" xmlns:r="http://schemas.openxmlformats.org/officeDocument/2006/relationships" xmlns:p="http://schemas.openxmlformats.org/presentationml/2006/main">
   <p:cSld>
@@ -8561,7 +8475,7 @@
           <p:cNvPr id="2" name="Title 1">
             <a:extLst>
               <a:ext uri="{FF2B5EF4-FFF2-40B4-BE49-F238E27FC236}">
-                <a16:creationId xmlns:a16="http://schemas.microsoft.com/office/drawing/2014/main" id="{31410089-84A8-468D-9CEC-7DD3BDACAC4B}"/>
+                <a16:creationId xmlns:a16="http://schemas.microsoft.com/office/drawing/2014/main" id="{CE434357-85D5-4BBC-91FA-E0AF1F438966}"/>
               </a:ext>
             </a:extLst>
           </p:cNvPr>
@@ -8579,7 +8493,15 @@
           <a:p>
             <a:r>
               <a:rPr lang="en-US" dirty="0"/>
-              <a:t>Data Security Pt 2 (Default rule)</a:t>
+              <a:t>Data Security Pt 1 (The </a:t>
+            </a:r>
+            <a:r>
+              <a:rPr lang="en-US" dirty="0" err="1"/>
+              <a:t>Elasticube</a:t>
+            </a:r>
+            <a:r>
+              <a:rPr lang="en-US" dirty="0"/>
+              <a:t>)</a:t>
             </a:r>
           </a:p>
         </p:txBody>
@@ -8589,7 +8511,7 @@
           <p:cNvPr id="3" name="Content Placeholder 2">
             <a:extLst>
               <a:ext uri="{FF2B5EF4-FFF2-40B4-BE49-F238E27FC236}">
-                <a16:creationId xmlns:a16="http://schemas.microsoft.com/office/drawing/2014/main" id="{19B538E4-F15D-4BC5-836D-106AF58818A9}"/>
+                <a16:creationId xmlns:a16="http://schemas.microsoft.com/office/drawing/2014/main" id="{4035EF62-64AB-486C-8AA8-6093D60F9522}"/>
               </a:ext>
             </a:extLst>
           </p:cNvPr>
@@ -8607,53 +8529,97 @@
           <a:p>
             <a:r>
               <a:rPr lang="en-US" dirty="0"/>
-              <a:t>Create the default rule:</a:t>
-            </a:r>
-          </a:p>
-          <a:p>
-            <a:pPr lvl="1"/>
-            <a:r>
-              <a:rPr lang="en-US" dirty="0"/>
-              <a:t>Default rule of Nothing (recommended)</a:t>
-            </a:r>
-          </a:p>
-          <a:p>
-            <a:pPr lvl="1"/>
+              <a:t>Data Security is applied to an </a:t>
+            </a:r>
+            <a:r>
+              <a:rPr lang="en-US" dirty="0" err="1"/>
+              <a:t>elasticube</a:t>
+            </a:r>
+            <a:r>
+              <a:rPr lang="en-US" dirty="0"/>
+              <a:t> so first we need to use our </a:t>
+            </a:r>
+            <a:r>
+              <a:rPr lang="en-US" dirty="0" err="1"/>
+              <a:t>PySense</a:t>
+            </a:r>
+            <a:r>
+              <a:rPr lang="en-US" dirty="0"/>
+              <a:t> object to get that cube.</a:t>
+            </a:r>
+          </a:p>
+          <a:p>
+            <a:r>
+              <a:rPr lang="en-US" dirty="0"/>
+              <a:t>The </a:t>
+            </a:r>
+            <a:r>
+              <a:rPr lang="en-US" dirty="0" err="1"/>
+              <a:t>elasticube</a:t>
+            </a:r>
+            <a:r>
+              <a:rPr lang="en-US" dirty="0"/>
+              <a:t> variable is the </a:t>
+            </a:r>
+            <a:r>
+              <a:rPr lang="en-US" dirty="0" err="1"/>
+              <a:t>PySense</a:t>
+            </a:r>
+            <a:r>
+              <a:rPr lang="en-US" dirty="0"/>
+              <a:t> representation of your </a:t>
+            </a:r>
+            <a:r>
+              <a:rPr lang="en-US" dirty="0" err="1"/>
+              <a:t>elasticube</a:t>
+            </a:r>
+            <a:r>
+              <a:rPr lang="en-US" dirty="0"/>
+              <a:t>.</a:t>
+            </a:r>
+          </a:p>
+          <a:p>
+            <a:r>
+              <a:rPr lang="en-US" dirty="0"/>
+              <a:t>From </a:t>
+            </a:r>
+            <a:r>
+              <a:rPr lang="en-US" dirty="0" err="1"/>
+              <a:t>elasticube</a:t>
+            </a:r>
+            <a:r>
+              <a:rPr lang="en-US" dirty="0"/>
+              <a:t> you can do things like export your model, run </a:t>
+            </a:r>
+            <a:r>
+              <a:rPr lang="en-US" dirty="0" err="1"/>
+              <a:t>sql</a:t>
+            </a:r>
+            <a:r>
+              <a:rPr lang="en-US" dirty="0"/>
+              <a:t>, and of course apply data security.</a:t>
+            </a:r>
+          </a:p>
+          <a:p>
+            <a:r>
+              <a:rPr lang="en-US" dirty="0"/>
+              <a:t>See </a:t>
+            </a:r>
+            <a:r>
+              <a:rPr lang="en-US" dirty="0">
+                <a:hlinkClick r:id="rId2"/>
+              </a:rPr>
+              <a:t>documentation</a:t>
+            </a:r>
+            <a:r>
+              <a:rPr lang="en-US" dirty="0"/>
+              <a:t> for full list of features</a:t>
+            </a:r>
+          </a:p>
+          <a:p>
             <a:endParaRPr lang="en-US" dirty="0"/>
           </a:p>
           <a:p>
-            <a:pPr lvl="1"/>
-            <a:r>
-              <a:rPr lang="en-US" dirty="0"/>
-              <a:t>Default rule for some values</a:t>
-            </a:r>
-          </a:p>
-          <a:p>
-            <a:pPr lvl="1"/>
-            <a:endParaRPr lang="en-US" dirty="0"/>
-          </a:p>
-          <a:p>
-            <a:r>
-              <a:rPr lang="en-US" dirty="0"/>
-              <a:t>The </a:t>
-            </a:r>
-            <a:r>
-              <a:rPr lang="en-US" dirty="0" err="1"/>
-              <a:t>default_rule</a:t>
-            </a:r>
-            <a:r>
-              <a:rPr lang="en-US" dirty="0"/>
-              <a:t> contains the rule created. You can check the properties of the rule to ensure everything was created correctly.  </a:t>
-            </a:r>
-          </a:p>
-          <a:p>
-            <a:r>
-              <a:rPr lang="en-US" dirty="0"/>
-              <a:t>If you don’t need to do anything with the rule, you can ignore the return. </a:t>
-            </a:r>
-          </a:p>
-          <a:p>
-            <a:pPr lvl="1"/>
             <a:endParaRPr lang="en-US" dirty="0"/>
           </a:p>
         </p:txBody>
@@ -8663,7 +8629,7 @@
           <p:cNvPr id="4" name="Rectangle 1">
             <a:extLst>
               <a:ext uri="{FF2B5EF4-FFF2-40B4-BE49-F238E27FC236}">
-                <a16:creationId xmlns:a16="http://schemas.microsoft.com/office/drawing/2014/main" id="{54A3AF2E-5D23-409F-B2D6-0B6E1AEE7C56}"/>
+                <a16:creationId xmlns:a16="http://schemas.microsoft.com/office/drawing/2014/main" id="{A6365A35-839E-45FF-B9EB-C99EE9716620}"/>
               </a:ext>
             </a:extLst>
           </p:cNvPr>
@@ -8674,8 +8640,8 @@
         </p:nvSpPr>
         <p:spPr bwMode="auto">
           <a:xfrm>
-            <a:off x="1979612" y="2667000"/>
-            <a:ext cx="5866129" cy="230832"/>
+            <a:off x="6323012" y="2209800"/>
+            <a:ext cx="4038599" cy="230832"/>
           </a:xfrm>
           <a:prstGeom prst="rect">
             <a:avLst/>
@@ -8735,6 +8701,19 @@
               <a:tabLst/>
             </a:pPr>
             <a:r>
+              <a:rPr kumimoji="0" lang="en-US" altLang="en-US" sz="900" b="0" i="0" u="none" strike="noStrike" cap="none" normalizeH="0" baseline="0" dirty="0" err="1">
+                <a:ln>
+                  <a:noFill/>
+                </a:ln>
+                <a:solidFill>
+                  <a:srgbClr val="A9B7C6"/>
+                </a:solidFill>
+                <a:effectLst/>
+                <a:latin typeface="Consolas" panose="020B0609020204030204" pitchFamily="49" charset="0"/>
+              </a:rPr>
+              <a:t>elasticube</a:t>
+            </a:r>
+            <a:r>
               <a:rPr kumimoji="0" lang="en-US" altLang="en-US" sz="900" b="0" i="0" u="none" strike="noStrike" cap="none" normalizeH="0" baseline="0" dirty="0">
                 <a:ln>
                   <a:noFill/>
@@ -8745,7 +8724,7 @@
                 <a:effectLst/>
                 <a:latin typeface="Consolas" panose="020B0609020204030204" pitchFamily="49" charset="0"/>
               </a:rPr>
-              <a:t>default_rule = </a:t>
+              <a:t> = </a:t>
             </a:r>
             <a:r>
               <a:rPr kumimoji="0" lang="en-US" altLang="en-US" sz="900" b="0" i="0" u="none" strike="noStrike" cap="none" normalizeH="0" baseline="0" dirty="0" err="1">
@@ -8758,7 +8737,7 @@
                 <a:effectLst/>
                 <a:latin typeface="Consolas" panose="020B0609020204030204" pitchFamily="49" charset="0"/>
               </a:rPr>
-              <a:t>elasticube.add_default_rule</a:t>
+              <a:t>py_client.get_elasticube_by_name</a:t>
             </a:r>
             <a:r>
               <a:rPr kumimoji="0" lang="en-US" altLang="en-US" sz="900" b="0" i="0" u="none" strike="noStrike" cap="none" normalizeH="0" baseline="0" dirty="0">
@@ -8797,7 +8776,7 @@
                 <a:effectLst/>
                 <a:latin typeface="Consolas" panose="020B0609020204030204" pitchFamily="49" charset="0"/>
               </a:rPr>
-              <a:t>Dim_Dates</a:t>
+              <a:t>CubeTitle</a:t>
             </a:r>
             <a:r>
               <a:rPr kumimoji="0" lang="en-US" altLang="en-US" sz="900" b="0" i="0" u="none" strike="noStrike" cap="none" normalizeH="0" baseline="0" dirty="0">
@@ -8811,84 +8790,6 @@
                 <a:latin typeface="Consolas" panose="020B0609020204030204" pitchFamily="49" charset="0"/>
               </a:rPr>
               <a:t>'</a:t>
-            </a:r>
-            <a:r>
-              <a:rPr kumimoji="0" lang="en-US" altLang="en-US" sz="900" b="0" i="0" u="none" strike="noStrike" cap="none" normalizeH="0" baseline="0" dirty="0">
-                <a:ln>
-                  <a:noFill/>
-                </a:ln>
-                <a:solidFill>
-                  <a:srgbClr val="CC7832"/>
-                </a:solidFill>
-                <a:effectLst/>
-                <a:latin typeface="Consolas" panose="020B0609020204030204" pitchFamily="49" charset="0"/>
-              </a:rPr>
-              <a:t>, </a:t>
-            </a:r>
-            <a:r>
-              <a:rPr kumimoji="0" lang="en-US" altLang="en-US" sz="900" b="0" i="0" u="none" strike="noStrike" cap="none" normalizeH="0" baseline="0" dirty="0">
-                <a:ln>
-                  <a:noFill/>
-                </a:ln>
-                <a:solidFill>
-                  <a:srgbClr val="6A8759"/>
-                </a:solidFill>
-                <a:effectLst/>
-                <a:latin typeface="Consolas" panose="020B0609020204030204" pitchFamily="49" charset="0"/>
-              </a:rPr>
-              <a:t>'</a:t>
-            </a:r>
-            <a:r>
-              <a:rPr kumimoji="0" lang="en-US" altLang="en-US" sz="900" b="0" i="0" u="none" strike="noStrike" cap="none" normalizeH="0" baseline="0" dirty="0" err="1">
-                <a:ln>
-                  <a:noFill/>
-                </a:ln>
-                <a:solidFill>
-                  <a:srgbClr val="6A8759"/>
-                </a:solidFill>
-                <a:effectLst/>
-                <a:latin typeface="Consolas" panose="020B0609020204030204" pitchFamily="49" charset="0"/>
-              </a:rPr>
-              <a:t>BusinessDay</a:t>
-            </a:r>
-            <a:r>
-              <a:rPr kumimoji="0" lang="en-US" altLang="en-US" sz="900" b="0" i="0" u="none" strike="noStrike" cap="none" normalizeH="0" baseline="0" dirty="0">
-                <a:ln>
-                  <a:noFill/>
-                </a:ln>
-                <a:solidFill>
-                  <a:srgbClr val="6A8759"/>
-                </a:solidFill>
-                <a:effectLst/>
-                <a:latin typeface="Consolas" panose="020B0609020204030204" pitchFamily="49" charset="0"/>
-              </a:rPr>
-              <a:t>'</a:t>
-            </a:r>
-            <a:r>
-              <a:rPr kumimoji="0" lang="en-US" altLang="en-US" sz="900" b="0" i="0" u="none" strike="noStrike" cap="none" normalizeH="0" baseline="0" dirty="0">
-                <a:ln>
-                  <a:noFill/>
-                </a:ln>
-                <a:solidFill>
-                  <a:srgbClr val="CC7832"/>
-                </a:solidFill>
-                <a:effectLst/>
-                <a:latin typeface="Consolas" panose="020B0609020204030204" pitchFamily="49" charset="0"/>
-              </a:rPr>
-              <a:t>, </a:t>
-            </a:r>
-            <a:r>
-              <a:rPr kumimoji="0" lang="en-US" altLang="en-US" sz="900" b="0" i="0" u="none" strike="noStrike" cap="none" normalizeH="0" baseline="0" dirty="0">
-                <a:ln>
-                  <a:noFill/>
-                </a:ln>
-                <a:solidFill>
-                  <a:srgbClr val="6A8759"/>
-                </a:solidFill>
-                <a:effectLst/>
-                <a:latin typeface="Consolas" panose="020B0609020204030204" pitchFamily="49" charset="0"/>
-              </a:rPr>
-              <a:t>'numeric'</a:t>
             </a:r>
             <a:r>
               <a:rPr kumimoji="0" lang="en-US" altLang="en-US" sz="900" b="0" i="0" u="none" strike="noStrike" cap="none" normalizeH="0" baseline="0" dirty="0">
@@ -8916,281 +8817,10 @@
           </a:p>
         </p:txBody>
       </p:sp>
-      <p:sp>
-        <p:nvSpPr>
-          <p:cNvPr id="8" name="Rectangle 3">
-            <a:extLst>
-              <a:ext uri="{FF2B5EF4-FFF2-40B4-BE49-F238E27FC236}">
-                <a16:creationId xmlns:a16="http://schemas.microsoft.com/office/drawing/2014/main" id="{8DE9FC6B-7F19-45A2-84F6-427E799CF4AC}"/>
-              </a:ext>
-            </a:extLst>
-          </p:cNvPr>
-          <p:cNvSpPr>
-            <a:spLocks noChangeArrowheads="1"/>
-          </p:cNvSpPr>
-          <p:nvPr/>
-        </p:nvSpPr>
-        <p:spPr bwMode="auto">
-          <a:xfrm>
-            <a:off x="2001974" y="3541069"/>
-            <a:ext cx="6226038" cy="230832"/>
-          </a:xfrm>
-          <a:prstGeom prst="rect">
-            <a:avLst/>
-          </a:prstGeom>
-          <a:solidFill>
-            <a:srgbClr val="2B2B2B"/>
-          </a:solidFill>
-          <a:ln>
-            <a:noFill/>
-          </a:ln>
-          <a:effectLst/>
-          <a:extLst>
-            <a:ext uri="{91240B29-F687-4F45-9708-019B960494DF}">
-              <a14:hiddenLine xmlns:a14="http://schemas.microsoft.com/office/drawing/2010/main" w="9525">
-                <a:solidFill>
-                  <a:schemeClr val="tx1"/>
-                </a:solidFill>
-                <a:miter lim="800000"/>
-                <a:headEnd/>
-                <a:tailEnd/>
-              </a14:hiddenLine>
-            </a:ext>
-            <a:ext uri="{AF507438-7753-43E0-B8FC-AC1667EBCBE1}">
-              <a14:hiddenEffects xmlns:a14="http://schemas.microsoft.com/office/drawing/2010/main">
-                <a:effectLst>
-                  <a:outerShdw dist="35921" dir="2700000" algn="ctr" rotWithShape="0">
-                    <a:schemeClr val="bg2"/>
-                  </a:outerShdw>
-                </a:effectLst>
-              </a14:hiddenEffects>
-            </a:ext>
-          </a:extLst>
-        </p:spPr>
-        <p:txBody>
-          <a:bodyPr vert="horz" wrap="square" lIns="91440" tIns="45720" rIns="91440" bIns="45720" numCol="1" anchor="ctr" anchorCtr="0" compatLnSpc="1">
-            <a:prstTxWarp prst="textNoShape">
-              <a:avLst/>
-            </a:prstTxWarp>
-            <a:spAutoFit/>
-          </a:bodyPr>
-          <a:lstStyle/>
-          <a:p>
-            <a:pPr marL="0" marR="0" lvl="0" indent="0" algn="l" defTabSz="914400" rtl="0" eaLnBrk="0" fontAlgn="base" latinLnBrk="0" hangingPunct="0">
-              <a:lnSpc>
-                <a:spcPct val="100000"/>
-              </a:lnSpc>
-              <a:spcBef>
-                <a:spcPct val="0"/>
-              </a:spcBef>
-              <a:spcAft>
-                <a:spcPct val="0"/>
-              </a:spcAft>
-              <a:buClrTx/>
-              <a:buSzTx/>
-              <a:buFontTx/>
-              <a:buNone/>
-              <a:tabLst/>
-            </a:pPr>
-            <a:r>
-              <a:rPr kumimoji="0" lang="en-US" altLang="en-US" sz="900" b="0" i="0" u="none" strike="noStrike" cap="none" normalizeH="0" baseline="0" dirty="0">
-                <a:ln>
-                  <a:noFill/>
-                </a:ln>
-                <a:solidFill>
-                  <a:srgbClr val="A9B7C6"/>
-                </a:solidFill>
-                <a:effectLst/>
-                <a:latin typeface="Consolas" panose="020B0609020204030204" pitchFamily="49" charset="0"/>
-              </a:rPr>
-              <a:t>default_rule = </a:t>
-            </a:r>
-            <a:r>
-              <a:rPr kumimoji="0" lang="en-US" altLang="en-US" sz="900" b="0" i="0" u="none" strike="noStrike" cap="none" normalizeH="0" baseline="0" dirty="0" err="1">
-                <a:ln>
-                  <a:noFill/>
-                </a:ln>
-                <a:solidFill>
-                  <a:srgbClr val="A9B7C6"/>
-                </a:solidFill>
-                <a:effectLst/>
-                <a:latin typeface="Consolas" panose="020B0609020204030204" pitchFamily="49" charset="0"/>
-              </a:rPr>
-              <a:t>elasticube.add_default_rule</a:t>
-            </a:r>
-            <a:r>
-              <a:rPr kumimoji="0" lang="en-US" altLang="en-US" sz="900" b="0" i="0" u="none" strike="noStrike" cap="none" normalizeH="0" baseline="0" dirty="0">
-                <a:ln>
-                  <a:noFill/>
-                </a:ln>
-                <a:solidFill>
-                  <a:srgbClr val="A9B7C6"/>
-                </a:solidFill>
-                <a:effectLst/>
-                <a:latin typeface="Consolas" panose="020B0609020204030204" pitchFamily="49" charset="0"/>
-              </a:rPr>
-              <a:t>(</a:t>
-            </a:r>
-            <a:r>
-              <a:rPr kumimoji="0" lang="en-US" altLang="en-US" sz="900" b="0" i="0" u="none" strike="noStrike" cap="none" normalizeH="0" baseline="0" dirty="0">
-                <a:ln>
-                  <a:noFill/>
-                </a:ln>
-                <a:solidFill>
-                  <a:srgbClr val="6A8759"/>
-                </a:solidFill>
-                <a:effectLst/>
-                <a:latin typeface="Consolas" panose="020B0609020204030204" pitchFamily="49" charset="0"/>
-              </a:rPr>
-              <a:t>'Colors'</a:t>
-            </a:r>
-            <a:r>
-              <a:rPr kumimoji="0" lang="en-US" altLang="en-US" sz="900" b="0" i="0" u="none" strike="noStrike" cap="none" normalizeH="0" baseline="0" dirty="0">
-                <a:ln>
-                  <a:noFill/>
-                </a:ln>
-                <a:solidFill>
-                  <a:srgbClr val="CC7832"/>
-                </a:solidFill>
-                <a:effectLst/>
-                <a:latin typeface="Consolas" panose="020B0609020204030204" pitchFamily="49" charset="0"/>
-              </a:rPr>
-              <a:t>, </a:t>
-            </a:r>
-            <a:r>
-              <a:rPr kumimoji="0" lang="en-US" altLang="en-US" sz="900" b="0" i="0" u="none" strike="noStrike" cap="none" normalizeH="0" baseline="0" dirty="0">
-                <a:ln>
-                  <a:noFill/>
-                </a:ln>
-                <a:solidFill>
-                  <a:srgbClr val="6A8759"/>
-                </a:solidFill>
-                <a:effectLst/>
-                <a:latin typeface="Consolas" panose="020B0609020204030204" pitchFamily="49" charset="0"/>
-              </a:rPr>
-              <a:t>'Name'</a:t>
-            </a:r>
-            <a:r>
-              <a:rPr kumimoji="0" lang="en-US" altLang="en-US" sz="900" b="0" i="0" u="none" strike="noStrike" cap="none" normalizeH="0" baseline="0" dirty="0">
-                <a:ln>
-                  <a:noFill/>
-                </a:ln>
-                <a:solidFill>
-                  <a:srgbClr val="CC7832"/>
-                </a:solidFill>
-                <a:effectLst/>
-                <a:latin typeface="Consolas" panose="020B0609020204030204" pitchFamily="49" charset="0"/>
-              </a:rPr>
-              <a:t>, </a:t>
-            </a:r>
-            <a:r>
-              <a:rPr kumimoji="0" lang="en-US" altLang="en-US" sz="900" b="0" i="0" u="none" strike="noStrike" cap="none" normalizeH="0" baseline="0" dirty="0">
-                <a:ln>
-                  <a:noFill/>
-                </a:ln>
-                <a:solidFill>
-                  <a:srgbClr val="6A8759"/>
-                </a:solidFill>
-                <a:effectLst/>
-                <a:latin typeface="Consolas" panose="020B0609020204030204" pitchFamily="49" charset="0"/>
-              </a:rPr>
-              <a:t>'text’</a:t>
-            </a:r>
-            <a:r>
-              <a:rPr kumimoji="0" lang="en-US" altLang="en-US" sz="900" b="0" i="0" u="none" strike="noStrike" cap="none" normalizeH="0" baseline="0" dirty="0">
-                <a:ln>
-                  <a:noFill/>
-                </a:ln>
-                <a:solidFill>
-                  <a:srgbClr val="CC7832"/>
-                </a:solidFill>
-                <a:effectLst/>
-                <a:latin typeface="Consolas" panose="020B0609020204030204" pitchFamily="49" charset="0"/>
-              </a:rPr>
-              <a:t>, members=</a:t>
-            </a:r>
-            <a:r>
-              <a:rPr kumimoji="0" lang="en-US" altLang="en-US" sz="900" b="0" i="0" u="none" strike="noStrike" cap="none" normalizeH="0" baseline="0" dirty="0">
-                <a:ln>
-                  <a:noFill/>
-                </a:ln>
-                <a:solidFill>
-                  <a:srgbClr val="A9B7C6"/>
-                </a:solidFill>
-                <a:effectLst/>
-                <a:latin typeface="Consolas" panose="020B0609020204030204" pitchFamily="49" charset="0"/>
-              </a:rPr>
-              <a:t>[</a:t>
-            </a:r>
-            <a:r>
-              <a:rPr kumimoji="0" lang="en-US" altLang="en-US" sz="900" b="0" i="0" u="none" strike="noStrike" cap="none" normalizeH="0" baseline="0" dirty="0">
-                <a:ln>
-                  <a:noFill/>
-                </a:ln>
-                <a:solidFill>
-                  <a:srgbClr val="6A8759"/>
-                </a:solidFill>
-                <a:effectLst/>
-                <a:latin typeface="Consolas" panose="020B0609020204030204" pitchFamily="49" charset="0"/>
-              </a:rPr>
-              <a:t>'Red'</a:t>
-            </a:r>
-            <a:r>
-              <a:rPr kumimoji="0" lang="en-US" altLang="en-US" sz="900" b="0" i="0" u="none" strike="noStrike" cap="none" normalizeH="0" baseline="0" dirty="0">
-                <a:ln>
-                  <a:noFill/>
-                </a:ln>
-                <a:solidFill>
-                  <a:srgbClr val="CC7832"/>
-                </a:solidFill>
-                <a:effectLst/>
-                <a:latin typeface="Consolas" panose="020B0609020204030204" pitchFamily="49" charset="0"/>
-              </a:rPr>
-              <a:t>, </a:t>
-            </a:r>
-            <a:r>
-              <a:rPr kumimoji="0" lang="en-US" altLang="en-US" sz="900" b="0" i="0" u="none" strike="noStrike" cap="none" normalizeH="0" baseline="0" dirty="0">
-                <a:ln>
-                  <a:noFill/>
-                </a:ln>
-                <a:solidFill>
-                  <a:srgbClr val="6A8759"/>
-                </a:solidFill>
-                <a:effectLst/>
-                <a:latin typeface="Consolas" panose="020B0609020204030204" pitchFamily="49" charset="0"/>
-              </a:rPr>
-              <a:t>'Blue'</a:t>
-            </a:r>
-            <a:r>
-              <a:rPr kumimoji="0" lang="en-US" altLang="en-US" sz="900" b="0" i="0" u="none" strike="noStrike" cap="none" normalizeH="0" baseline="0" dirty="0">
-                <a:ln>
-                  <a:noFill/>
-                </a:ln>
-                <a:solidFill>
-                  <a:srgbClr val="A9B7C6"/>
-                </a:solidFill>
-                <a:effectLst/>
-                <a:latin typeface="Consolas" panose="020B0609020204030204" pitchFamily="49" charset="0"/>
-              </a:rPr>
-              <a:t>])</a:t>
-            </a:r>
-            <a:endParaRPr kumimoji="0" lang="en-US" altLang="en-US" sz="1800" b="0" i="0" u="none" strike="noStrike" cap="none" normalizeH="0" baseline="0" dirty="0">
-              <a:ln>
-                <a:noFill/>
-              </a:ln>
-              <a:solidFill>
-                <a:schemeClr val="tx1"/>
-              </a:solidFill>
-              <a:effectLst/>
-              <a:latin typeface="Arial" panose="020B0604020202020204" pitchFamily="34" charset="0"/>
-            </a:endParaRPr>
-          </a:p>
-        </p:txBody>
-      </p:sp>
     </p:spTree>
     <p:extLst>
       <p:ext uri="{BB962C8B-B14F-4D97-AF65-F5344CB8AC3E}">
-        <p14:creationId xmlns:p14="http://schemas.microsoft.com/office/powerpoint/2010/main" val="4280305264"/>
+        <p14:creationId xmlns:p14="http://schemas.microsoft.com/office/powerpoint/2010/main" val="2217212914"/>
       </p:ext>
     </p:extLst>
   </p:cSld>
@@ -9234,7 +8864,7 @@
           <p:cNvPr id="2" name="Title 1">
             <a:extLst>
               <a:ext uri="{FF2B5EF4-FFF2-40B4-BE49-F238E27FC236}">
-                <a16:creationId xmlns:a16="http://schemas.microsoft.com/office/drawing/2014/main" id="{90258D14-12FB-4FF2-BCD0-A78FA7CC4D6D}"/>
+                <a16:creationId xmlns:a16="http://schemas.microsoft.com/office/drawing/2014/main" id="{31410089-84A8-468D-9CEC-7DD3BDACAC4B}"/>
               </a:ext>
             </a:extLst>
           </p:cNvPr>
@@ -9252,7 +8882,7 @@
           <a:p>
             <a:r>
               <a:rPr lang="en-US" dirty="0"/>
-              <a:t>Data Security Pt. 3 (Creating user/group rules)</a:t>
+              <a:t>Data Security Pt 2 (Default rule)</a:t>
             </a:r>
           </a:p>
         </p:txBody>
@@ -9262,7 +8892,7 @@
           <p:cNvPr id="3" name="Content Placeholder 2">
             <a:extLst>
               <a:ext uri="{FF2B5EF4-FFF2-40B4-BE49-F238E27FC236}">
-                <a16:creationId xmlns:a16="http://schemas.microsoft.com/office/drawing/2014/main" id="{A167A6F5-AD71-4B26-9C86-8C1A208E5E3C}"/>
+                <a16:creationId xmlns:a16="http://schemas.microsoft.com/office/drawing/2014/main" id="{19B538E4-F15D-4BC5-836D-106AF58818A9}"/>
               </a:ext>
             </a:extLst>
           </p:cNvPr>
@@ -9275,52 +8905,68 @@
         </p:nvSpPr>
         <p:spPr/>
         <p:txBody>
-          <a:bodyPr>
-            <a:normAutofit fontScale="92500" lnSpcReduction="20000"/>
-          </a:bodyPr>
+          <a:bodyPr/>
           <a:lstStyle/>
           <a:p>
             <a:r>
               <a:rPr lang="en-US" dirty="0"/>
-              <a:t>We need to get all the users and groups that we need to add to this security rule. The first argument in add security rule is a list of all the users and groups to apply to. </a:t>
-            </a:r>
-          </a:p>
-          <a:p>
-            <a:r>
-              <a:rPr lang="en-US" dirty="0"/>
-              <a:t>In the following snippet we get our desired users and groups, make them into a list and pass that list to our method</a:t>
-            </a:r>
-          </a:p>
-          <a:p>
+              <a:t>Create the default rule:</a:t>
+            </a:r>
+          </a:p>
+          <a:p>
+            <a:pPr lvl="1"/>
+            <a:r>
+              <a:rPr lang="en-US" dirty="0"/>
+              <a:t>Default rule of Nothing (recommended)</a:t>
+            </a:r>
+          </a:p>
+          <a:p>
+            <a:pPr lvl="1"/>
             <a:endParaRPr lang="en-US" dirty="0"/>
           </a:p>
           <a:p>
+            <a:pPr lvl="1"/>
+            <a:r>
+              <a:rPr lang="en-US" dirty="0"/>
+              <a:t>Default rule for some values</a:t>
+            </a:r>
+          </a:p>
+          <a:p>
+            <a:pPr lvl="1"/>
             <a:endParaRPr lang="en-US" dirty="0"/>
           </a:p>
           <a:p>
             <a:r>
               <a:rPr lang="en-US" dirty="0"/>
-              <a:t>Members is optional, if not there, a Nothing rule is created (unless all members is set). </a:t>
-            </a:r>
-          </a:p>
-          <a:p>
+              <a:t>The </a:t>
+            </a:r>
             <a:r>
               <a:rPr lang="en-US" dirty="0" err="1"/>
-              <a:t>all_members</a:t>
-            </a:r>
-            <a:r>
-              <a:rPr lang="en-US" dirty="0"/>
-              <a:t> and exclusionary are optional arguments that can be set to True or False</a:t>
-            </a:r>
+              <a:t>default_rule</a:t>
+            </a:r>
+            <a:r>
+              <a:rPr lang="en-US" dirty="0"/>
+              <a:t> contains the rule created. You can check the properties of the rule to ensure everything was created correctly.  </a:t>
+            </a:r>
+          </a:p>
+          <a:p>
+            <a:r>
+              <a:rPr lang="en-US" dirty="0"/>
+              <a:t>If you don’t need to do anything with the rule, you can ignore the return. </a:t>
+            </a:r>
+          </a:p>
+          <a:p>
+            <a:pPr lvl="1"/>
+            <a:endParaRPr lang="en-US" dirty="0"/>
           </a:p>
         </p:txBody>
       </p:sp>
       <p:sp>
         <p:nvSpPr>
-          <p:cNvPr id="9" name="Rectangle 6">
+          <p:cNvPr id="4" name="Rectangle 1">
             <a:extLst>
               <a:ext uri="{FF2B5EF4-FFF2-40B4-BE49-F238E27FC236}">
-                <a16:creationId xmlns:a16="http://schemas.microsoft.com/office/drawing/2014/main" id="{4311A028-B863-4B9C-92A9-6C2F6557D19D}"/>
+                <a16:creationId xmlns:a16="http://schemas.microsoft.com/office/drawing/2014/main" id="{54A3AF2E-5D23-409F-B2D6-0B6E1AEE7C56}"/>
               </a:ext>
             </a:extLst>
           </p:cNvPr>
@@ -9331,8 +8977,8 @@
         </p:nvSpPr>
         <p:spPr bwMode="auto">
           <a:xfrm>
-            <a:off x="1674812" y="3385457"/>
-            <a:ext cx="6934200" cy="923330"/>
+            <a:off x="1979612" y="2667000"/>
+            <a:ext cx="5866129" cy="230832"/>
           </a:xfrm>
           <a:prstGeom prst="rect">
             <a:avLst/>
@@ -9375,542 +9021,6 @@
           </a:bodyPr>
           <a:lstStyle/>
           <a:p>
-            <a:pPr lvl="0" defTabSz="914400" eaLnBrk="0" fontAlgn="base" hangingPunct="0">
-              <a:spcBef>
-                <a:spcPct val="0"/>
-              </a:spcBef>
-              <a:spcAft>
-                <a:spcPct val="0"/>
-              </a:spcAft>
-            </a:pPr>
-            <a:r>
-              <a:rPr kumimoji="0" lang="en-US" altLang="en-US" sz="900" b="0" i="0" u="none" strike="noStrike" cap="none" normalizeH="0" baseline="0" dirty="0">
-                <a:ln>
-                  <a:noFill/>
-                </a:ln>
-                <a:solidFill>
-                  <a:srgbClr val="A9B7C6"/>
-                </a:solidFill>
-                <a:effectLst/>
-                <a:latin typeface="Consolas" panose="020B0609020204030204" pitchFamily="49" charset="0"/>
-              </a:rPr>
-              <a:t>users = </a:t>
-            </a:r>
-            <a:r>
-              <a:rPr kumimoji="0" lang="en-US" altLang="en-US" sz="900" b="0" i="0" u="none" strike="noStrike" cap="none" normalizeH="0" baseline="0" dirty="0" err="1">
-                <a:ln>
-                  <a:noFill/>
-                </a:ln>
-                <a:solidFill>
-                  <a:srgbClr val="A9B7C6"/>
-                </a:solidFill>
-                <a:effectLst/>
-                <a:latin typeface="Consolas" panose="020B0609020204030204" pitchFamily="49" charset="0"/>
-              </a:rPr>
-              <a:t>py_client.get_users</a:t>
-            </a:r>
-            <a:r>
-              <a:rPr kumimoji="0" lang="en-US" altLang="en-US" sz="900" b="0" i="0" u="none" strike="noStrike" cap="none" normalizeH="0" baseline="0" dirty="0">
-                <a:ln>
-                  <a:noFill/>
-                </a:ln>
-                <a:solidFill>
-                  <a:srgbClr val="A9B7C6"/>
-                </a:solidFill>
-                <a:effectLst/>
-                <a:latin typeface="Consolas" panose="020B0609020204030204" pitchFamily="49" charset="0"/>
-              </a:rPr>
-              <a:t>(</a:t>
-            </a:r>
-            <a:r>
-              <a:rPr kumimoji="0" lang="en-US" altLang="en-US" sz="900" b="0" i="0" u="none" strike="noStrike" cap="none" normalizeH="0" baseline="0" dirty="0" err="1">
-                <a:ln>
-                  <a:noFill/>
-                </a:ln>
-                <a:solidFill>
-                  <a:srgbClr val="AA4926"/>
-                </a:solidFill>
-                <a:effectLst/>
-                <a:latin typeface="Consolas" panose="020B0609020204030204" pitchFamily="49" charset="0"/>
-              </a:rPr>
-              <a:t>first_name</a:t>
-            </a:r>
-            <a:r>
-              <a:rPr kumimoji="0" lang="en-US" altLang="en-US" sz="900" b="0" i="0" u="none" strike="noStrike" cap="none" normalizeH="0" baseline="0" dirty="0">
-                <a:ln>
-                  <a:noFill/>
-                </a:ln>
-                <a:solidFill>
-                  <a:srgbClr val="A9B7C6"/>
-                </a:solidFill>
-                <a:effectLst/>
-                <a:latin typeface="Consolas" panose="020B0609020204030204" pitchFamily="49" charset="0"/>
-              </a:rPr>
-              <a:t>=</a:t>
-            </a:r>
-            <a:r>
-              <a:rPr kumimoji="0" lang="en-US" altLang="en-US" sz="900" b="0" i="0" u="none" strike="noStrike" cap="none" normalizeH="0" baseline="0" dirty="0">
-                <a:ln>
-                  <a:noFill/>
-                </a:ln>
-                <a:solidFill>
-                  <a:srgbClr val="6A8759"/>
-                </a:solidFill>
-                <a:effectLst/>
-                <a:latin typeface="Consolas" panose="020B0609020204030204" pitchFamily="49" charset="0"/>
-              </a:rPr>
-              <a:t>‘Steve'</a:t>
-            </a:r>
-            <a:r>
-              <a:rPr kumimoji="0" lang="en-US" altLang="en-US" sz="900" b="0" i="0" u="none" strike="noStrike" cap="none" normalizeH="0" baseline="0" dirty="0">
-                <a:ln>
-                  <a:noFill/>
-                </a:ln>
-                <a:solidFill>
-                  <a:srgbClr val="A9B7C6"/>
-                </a:solidFill>
-                <a:effectLst/>
-                <a:latin typeface="Consolas" panose="020B0609020204030204" pitchFamily="49" charset="0"/>
-              </a:rPr>
-              <a:t>)</a:t>
-            </a:r>
-            <a:br>
-              <a:rPr kumimoji="0" lang="en-US" altLang="en-US" sz="900" b="0" i="0" u="none" strike="noStrike" cap="none" normalizeH="0" baseline="0" dirty="0">
-                <a:ln>
-                  <a:noFill/>
-                </a:ln>
-                <a:solidFill>
-                  <a:srgbClr val="A9B7C6"/>
-                </a:solidFill>
-                <a:effectLst/>
-                <a:latin typeface="Consolas" panose="020B0609020204030204" pitchFamily="49" charset="0"/>
-              </a:rPr>
-            </a:br>
-            <a:r>
-              <a:rPr kumimoji="0" lang="en-US" altLang="en-US" sz="900" b="0" i="0" u="none" strike="noStrike" cap="none" normalizeH="0" baseline="0" dirty="0">
-                <a:ln>
-                  <a:noFill/>
-                </a:ln>
-                <a:solidFill>
-                  <a:srgbClr val="A9B7C6"/>
-                </a:solidFill>
-                <a:effectLst/>
-                <a:latin typeface="Consolas" panose="020B0609020204030204" pitchFamily="49" charset="0"/>
-              </a:rPr>
-              <a:t>groups = </a:t>
-            </a:r>
-            <a:r>
-              <a:rPr kumimoji="0" lang="en-US" altLang="en-US" sz="900" b="0" i="0" u="none" strike="noStrike" cap="none" normalizeH="0" baseline="0" dirty="0" err="1">
-                <a:ln>
-                  <a:noFill/>
-                </a:ln>
-                <a:solidFill>
-                  <a:srgbClr val="A9B7C6"/>
-                </a:solidFill>
-                <a:effectLst/>
-                <a:latin typeface="Consolas" panose="020B0609020204030204" pitchFamily="49" charset="0"/>
-              </a:rPr>
-              <a:t>py_client.get_groups</a:t>
-            </a:r>
-            <a:r>
-              <a:rPr kumimoji="0" lang="en-US" altLang="en-US" sz="900" b="0" i="0" u="none" strike="noStrike" cap="none" normalizeH="0" baseline="0" dirty="0">
-                <a:ln>
-                  <a:noFill/>
-                </a:ln>
-                <a:solidFill>
-                  <a:srgbClr val="A9B7C6"/>
-                </a:solidFill>
-                <a:effectLst/>
-                <a:latin typeface="Consolas" panose="020B0609020204030204" pitchFamily="49" charset="0"/>
-              </a:rPr>
-              <a:t>(</a:t>
-            </a:r>
-            <a:r>
-              <a:rPr kumimoji="0" lang="en-US" altLang="en-US" sz="900" b="0" i="0" u="none" strike="noStrike" cap="none" normalizeH="0" baseline="0" dirty="0">
-                <a:ln>
-                  <a:noFill/>
-                </a:ln>
-                <a:solidFill>
-                  <a:srgbClr val="AA4926"/>
-                </a:solidFill>
-                <a:effectLst/>
-                <a:latin typeface="Consolas" panose="020B0609020204030204" pitchFamily="49" charset="0"/>
-              </a:rPr>
-              <a:t>name</a:t>
-            </a:r>
-            <a:r>
-              <a:rPr kumimoji="0" lang="en-US" altLang="en-US" sz="900" b="0" i="0" u="none" strike="noStrike" cap="none" normalizeH="0" baseline="0" dirty="0">
-                <a:ln>
-                  <a:noFill/>
-                </a:ln>
-                <a:solidFill>
-                  <a:srgbClr val="A9B7C6"/>
-                </a:solidFill>
-                <a:effectLst/>
-                <a:latin typeface="Consolas" panose="020B0609020204030204" pitchFamily="49" charset="0"/>
-              </a:rPr>
-              <a:t>=</a:t>
-            </a:r>
-            <a:r>
-              <a:rPr kumimoji="0" lang="en-US" altLang="en-US" sz="900" b="0" i="0" u="none" strike="noStrike" cap="none" normalizeH="0" baseline="0" dirty="0">
-                <a:ln>
-                  <a:noFill/>
-                </a:ln>
-                <a:solidFill>
-                  <a:srgbClr val="6A8759"/>
-                </a:solidFill>
-                <a:effectLst/>
-                <a:latin typeface="Consolas" panose="020B0609020204030204" pitchFamily="49" charset="0"/>
-              </a:rPr>
-              <a:t>'</a:t>
-            </a:r>
-            <a:r>
-              <a:rPr kumimoji="0" lang="en-US" altLang="en-US" sz="900" b="0" i="0" u="none" strike="noStrike" cap="none" normalizeH="0" baseline="0" dirty="0" err="1">
-                <a:ln>
-                  <a:noFill/>
-                </a:ln>
-                <a:solidFill>
-                  <a:srgbClr val="6A8759"/>
-                </a:solidFill>
-                <a:effectLst/>
-                <a:latin typeface="Consolas" panose="020B0609020204030204" pitchFamily="49" charset="0"/>
-              </a:rPr>
-              <a:t>PySense</a:t>
-            </a:r>
-            <a:r>
-              <a:rPr kumimoji="0" lang="en-US" altLang="en-US" sz="900" b="0" i="0" u="none" strike="noStrike" cap="none" normalizeH="0" baseline="0" dirty="0">
-                <a:ln>
-                  <a:noFill/>
-                </a:ln>
-                <a:solidFill>
-                  <a:srgbClr val="6A8759"/>
-                </a:solidFill>
-                <a:effectLst/>
-                <a:latin typeface="Consolas" panose="020B0609020204030204" pitchFamily="49" charset="0"/>
-              </a:rPr>
-              <a:t>’</a:t>
-            </a:r>
-            <a:r>
-              <a:rPr kumimoji="0" lang="en-US" altLang="en-US" sz="900" b="0" i="0" u="none" strike="noStrike" cap="none" normalizeH="0" baseline="0" dirty="0">
-                <a:ln>
-                  <a:noFill/>
-                </a:ln>
-                <a:solidFill>
-                  <a:srgbClr val="A9B7C6"/>
-                </a:solidFill>
-                <a:effectLst/>
-                <a:latin typeface="Consolas" panose="020B0609020204030204" pitchFamily="49" charset="0"/>
-              </a:rPr>
-              <a:t>)</a:t>
-            </a:r>
-            <a:br>
-              <a:rPr kumimoji="0" lang="en-US" altLang="en-US" sz="900" b="0" i="0" u="none" strike="noStrike" cap="none" normalizeH="0" baseline="0" dirty="0">
-                <a:ln>
-                  <a:noFill/>
-                </a:ln>
-                <a:solidFill>
-                  <a:srgbClr val="A9B7C6"/>
-                </a:solidFill>
-                <a:effectLst/>
-                <a:latin typeface="Consolas" panose="020B0609020204030204" pitchFamily="49" charset="0"/>
-              </a:rPr>
-            </a:br>
-            <a:r>
-              <a:rPr kumimoji="0" lang="en-US" altLang="en-US" sz="900" b="0" i="0" u="none" strike="noStrike" cap="none" normalizeH="0" baseline="0" dirty="0">
-                <a:ln>
-                  <a:noFill/>
-                </a:ln>
-                <a:solidFill>
-                  <a:srgbClr val="A9B7C6"/>
-                </a:solidFill>
-                <a:effectLst/>
-                <a:latin typeface="Consolas" panose="020B0609020204030204" pitchFamily="49" charset="0"/>
-              </a:rPr>
-              <a:t>shares = </a:t>
-            </a:r>
-            <a:r>
-              <a:rPr lang="en-US" altLang="en-US" sz="900" dirty="0" err="1">
-                <a:solidFill>
-                  <a:srgbClr val="A9B7C6"/>
-                </a:solidFill>
-                <a:latin typeface="Consolas" panose="020B0609020204030204" pitchFamily="49" charset="0"/>
-              </a:rPr>
-              <a:t>shares.</a:t>
-            </a:r>
-            <a:r>
-              <a:rPr kumimoji="0" lang="en-US" altLang="en-US" sz="900" b="0" i="0" u="none" strike="noStrike" cap="none" normalizeH="0" baseline="0" dirty="0" err="1">
-                <a:ln>
-                  <a:noFill/>
-                </a:ln>
-                <a:solidFill>
-                  <a:srgbClr val="A9B7C6"/>
-                </a:solidFill>
-                <a:effectLst/>
-                <a:latin typeface="Consolas" panose="020B0609020204030204" pitchFamily="49" charset="0"/>
-              </a:rPr>
-              <a:t>append</a:t>
-            </a:r>
-            <a:r>
-              <a:rPr kumimoji="0" lang="en-US" altLang="en-US" sz="900" b="0" i="0" u="none" strike="noStrike" cap="none" normalizeH="0" baseline="0" dirty="0">
-                <a:ln>
-                  <a:noFill/>
-                </a:ln>
-                <a:solidFill>
-                  <a:srgbClr val="A9B7C6"/>
-                </a:solidFill>
-                <a:effectLst/>
-                <a:latin typeface="Consolas" panose="020B0609020204030204" pitchFamily="49" charset="0"/>
-              </a:rPr>
-              <a:t>(groups).append(users)</a:t>
-            </a:r>
-            <a:br>
-              <a:rPr kumimoji="0" lang="en-US" altLang="en-US" sz="900" b="0" i="0" u="none" strike="noStrike" cap="none" normalizeH="0" baseline="0" dirty="0">
-                <a:ln>
-                  <a:noFill/>
-                </a:ln>
-                <a:solidFill>
-                  <a:srgbClr val="A9B7C6"/>
-                </a:solidFill>
-                <a:effectLst/>
-                <a:latin typeface="Consolas" panose="020B0609020204030204" pitchFamily="49" charset="0"/>
-              </a:rPr>
-            </a:br>
-            <a:r>
-              <a:rPr kumimoji="0" lang="en-US" altLang="en-US" sz="900" b="0" i="0" u="none" strike="noStrike" cap="none" normalizeH="0" baseline="0" dirty="0">
-                <a:ln>
-                  <a:noFill/>
-                </a:ln>
-                <a:solidFill>
-                  <a:srgbClr val="A9B7C6"/>
-                </a:solidFill>
-                <a:effectLst/>
-                <a:latin typeface="Consolas" panose="020B0609020204030204" pitchFamily="49" charset="0"/>
-              </a:rPr>
-              <a:t>rule = </a:t>
-            </a:r>
-            <a:r>
-              <a:rPr kumimoji="0" lang="en-US" altLang="en-US" sz="900" b="0" i="0" u="none" strike="noStrike" cap="none" normalizeH="0" baseline="0" dirty="0" err="1">
-                <a:ln>
-                  <a:noFill/>
-                </a:ln>
-                <a:solidFill>
-                  <a:srgbClr val="A9B7C6"/>
-                </a:solidFill>
-                <a:effectLst/>
-                <a:latin typeface="Consolas" panose="020B0609020204030204" pitchFamily="49" charset="0"/>
-              </a:rPr>
-              <a:t>elasticube.add_security_rule</a:t>
-            </a:r>
-            <a:r>
-              <a:rPr kumimoji="0" lang="en-US" altLang="en-US" sz="900" b="0" i="0" u="none" strike="noStrike" cap="none" normalizeH="0" baseline="0" dirty="0">
-                <a:ln>
-                  <a:noFill/>
-                </a:ln>
-                <a:solidFill>
-                  <a:srgbClr val="A9B7C6"/>
-                </a:solidFill>
-                <a:effectLst/>
-                <a:latin typeface="Consolas" panose="020B0609020204030204" pitchFamily="49" charset="0"/>
-              </a:rPr>
-              <a:t>(shares</a:t>
-            </a:r>
-            <a:r>
-              <a:rPr kumimoji="0" lang="en-US" altLang="en-US" sz="900" b="0" i="0" u="none" strike="noStrike" cap="none" normalizeH="0" baseline="0" dirty="0">
-                <a:ln>
-                  <a:noFill/>
-                </a:ln>
-                <a:solidFill>
-                  <a:srgbClr val="CC7832"/>
-                </a:solidFill>
-                <a:effectLst/>
-                <a:latin typeface="Consolas" panose="020B0609020204030204" pitchFamily="49" charset="0"/>
-              </a:rPr>
-              <a:t>, </a:t>
-            </a:r>
-            <a:r>
-              <a:rPr kumimoji="0" lang="en-US" altLang="en-US" sz="900" b="0" i="0" u="none" strike="noStrike" cap="none" normalizeH="0" baseline="0" dirty="0">
-                <a:ln>
-                  <a:noFill/>
-                </a:ln>
-                <a:solidFill>
-                  <a:srgbClr val="6A8759"/>
-                </a:solidFill>
-                <a:effectLst/>
-                <a:latin typeface="Consolas" panose="020B0609020204030204" pitchFamily="49" charset="0"/>
-              </a:rPr>
-              <a:t>'</a:t>
-            </a:r>
-            <a:r>
-              <a:rPr kumimoji="0" lang="en-US" altLang="en-US" sz="900" b="0" i="0" u="none" strike="noStrike" cap="none" normalizeH="0" baseline="0" dirty="0" err="1">
-                <a:ln>
-                  <a:noFill/>
-                </a:ln>
-                <a:solidFill>
-                  <a:srgbClr val="6A8759"/>
-                </a:solidFill>
-                <a:effectLst/>
-                <a:latin typeface="Consolas" panose="020B0609020204030204" pitchFamily="49" charset="0"/>
-              </a:rPr>
-              <a:t>Dim_Dates</a:t>
-            </a:r>
-            <a:r>
-              <a:rPr kumimoji="0" lang="en-US" altLang="en-US" sz="900" b="0" i="0" u="none" strike="noStrike" cap="none" normalizeH="0" baseline="0" dirty="0">
-                <a:ln>
-                  <a:noFill/>
-                </a:ln>
-                <a:solidFill>
-                  <a:srgbClr val="6A8759"/>
-                </a:solidFill>
-                <a:effectLst/>
-                <a:latin typeface="Consolas" panose="020B0609020204030204" pitchFamily="49" charset="0"/>
-              </a:rPr>
-              <a:t>'</a:t>
-            </a:r>
-            <a:r>
-              <a:rPr kumimoji="0" lang="en-US" altLang="en-US" sz="900" b="0" i="0" u="none" strike="noStrike" cap="none" normalizeH="0" baseline="0" dirty="0">
-                <a:ln>
-                  <a:noFill/>
-                </a:ln>
-                <a:solidFill>
-                  <a:srgbClr val="CC7832"/>
-                </a:solidFill>
-                <a:effectLst/>
-                <a:latin typeface="Consolas" panose="020B0609020204030204" pitchFamily="49" charset="0"/>
-              </a:rPr>
-              <a:t>, </a:t>
-            </a:r>
-            <a:r>
-              <a:rPr kumimoji="0" lang="en-US" altLang="en-US" sz="900" b="0" i="0" u="none" strike="noStrike" cap="none" normalizeH="0" baseline="0" dirty="0">
-                <a:ln>
-                  <a:noFill/>
-                </a:ln>
-                <a:solidFill>
-                  <a:srgbClr val="6A8759"/>
-                </a:solidFill>
-                <a:effectLst/>
-                <a:latin typeface="Consolas" panose="020B0609020204030204" pitchFamily="49" charset="0"/>
-              </a:rPr>
-              <a:t>'</a:t>
-            </a:r>
-            <a:r>
-              <a:rPr kumimoji="0" lang="en-US" altLang="en-US" sz="900" b="0" i="0" u="none" strike="noStrike" cap="none" normalizeH="0" baseline="0" dirty="0" err="1">
-                <a:ln>
-                  <a:noFill/>
-                </a:ln>
-                <a:solidFill>
-                  <a:srgbClr val="6A8759"/>
-                </a:solidFill>
-                <a:effectLst/>
-                <a:latin typeface="Consolas" panose="020B0609020204030204" pitchFamily="49" charset="0"/>
-              </a:rPr>
-              <a:t>BusinessDay</a:t>
-            </a:r>
-            <a:r>
-              <a:rPr kumimoji="0" lang="en-US" altLang="en-US" sz="900" b="0" i="0" u="none" strike="noStrike" cap="none" normalizeH="0" baseline="0" dirty="0">
-                <a:ln>
-                  <a:noFill/>
-                </a:ln>
-                <a:solidFill>
-                  <a:srgbClr val="6A8759"/>
-                </a:solidFill>
-                <a:effectLst/>
-                <a:latin typeface="Consolas" panose="020B0609020204030204" pitchFamily="49" charset="0"/>
-              </a:rPr>
-              <a:t>'</a:t>
-            </a:r>
-            <a:r>
-              <a:rPr kumimoji="0" lang="en-US" altLang="en-US" sz="900" b="0" i="0" u="none" strike="noStrike" cap="none" normalizeH="0" baseline="0" dirty="0">
-                <a:ln>
-                  <a:noFill/>
-                </a:ln>
-                <a:solidFill>
-                  <a:srgbClr val="CC7832"/>
-                </a:solidFill>
-                <a:effectLst/>
-                <a:latin typeface="Consolas" panose="020B0609020204030204" pitchFamily="49" charset="0"/>
-              </a:rPr>
-              <a:t>, </a:t>
-            </a:r>
-            <a:r>
-              <a:rPr kumimoji="0" lang="en-US" altLang="en-US" sz="900" b="0" i="0" u="none" strike="noStrike" cap="none" normalizeH="0" baseline="0" dirty="0">
-                <a:ln>
-                  <a:noFill/>
-                </a:ln>
-                <a:solidFill>
-                  <a:srgbClr val="6A8759"/>
-                </a:solidFill>
-                <a:effectLst/>
-                <a:latin typeface="Consolas" panose="020B0609020204030204" pitchFamily="49" charset="0"/>
-              </a:rPr>
-              <a:t>'numeric'</a:t>
-            </a:r>
-            <a:r>
-              <a:rPr kumimoji="0" lang="en-US" altLang="en-US" sz="900" b="0" i="0" u="none" strike="noStrike" cap="none" normalizeH="0" baseline="0" dirty="0">
-                <a:ln>
-                  <a:noFill/>
-                </a:ln>
-                <a:solidFill>
-                  <a:srgbClr val="CC7832"/>
-                </a:solidFill>
-                <a:effectLst/>
-                <a:latin typeface="Consolas" panose="020B0609020204030204" pitchFamily="49" charset="0"/>
-              </a:rPr>
-              <a:t>, </a:t>
-            </a:r>
-            <a:r>
-              <a:rPr kumimoji="0" lang="en-US" altLang="en-US" sz="900" b="0" i="0" u="none" strike="noStrike" cap="none" normalizeH="0" baseline="0" dirty="0">
-                <a:ln>
-                  <a:noFill/>
-                </a:ln>
-                <a:solidFill>
-                  <a:srgbClr val="AA4926"/>
-                </a:solidFill>
-                <a:effectLst/>
-                <a:latin typeface="Consolas" panose="020B0609020204030204" pitchFamily="49" charset="0"/>
-              </a:rPr>
-              <a:t>members</a:t>
-            </a:r>
-            <a:r>
-              <a:rPr kumimoji="0" lang="en-US" altLang="en-US" sz="900" b="0" i="0" u="none" strike="noStrike" cap="none" normalizeH="0" baseline="0" dirty="0">
-                <a:ln>
-                  <a:noFill/>
-                </a:ln>
-                <a:solidFill>
-                  <a:srgbClr val="A9B7C6"/>
-                </a:solidFill>
-                <a:effectLst/>
-                <a:latin typeface="Consolas" panose="020B0609020204030204" pitchFamily="49" charset="0"/>
-              </a:rPr>
-              <a:t>=[</a:t>
-            </a:r>
-            <a:r>
-              <a:rPr kumimoji="0" lang="en-US" altLang="en-US" sz="900" b="0" i="0" u="none" strike="noStrike" cap="none" normalizeH="0" baseline="0" dirty="0">
-                <a:ln>
-                  <a:noFill/>
-                </a:ln>
-                <a:solidFill>
-                  <a:srgbClr val="6897BB"/>
-                </a:solidFill>
-                <a:effectLst/>
-                <a:latin typeface="Consolas" panose="020B0609020204030204" pitchFamily="49" charset="0"/>
-              </a:rPr>
-              <a:t>1</a:t>
-            </a:r>
-            <a:r>
-              <a:rPr kumimoji="0" lang="en-US" altLang="en-US" sz="900" b="0" i="0" u="none" strike="noStrike" cap="none" normalizeH="0" baseline="0" dirty="0">
-                <a:ln>
-                  <a:noFill/>
-                </a:ln>
-                <a:solidFill>
-                  <a:srgbClr val="A9B7C6"/>
-                </a:solidFill>
-                <a:effectLst/>
-                <a:latin typeface="Consolas" panose="020B0609020204030204" pitchFamily="49" charset="0"/>
-              </a:rPr>
-              <a:t>])</a:t>
-            </a:r>
-          </a:p>
-          <a:p>
             <a:pPr marL="0" marR="0" lvl="0" indent="0" algn="l" defTabSz="914400" rtl="0" eaLnBrk="0" fontAlgn="base" latinLnBrk="0" hangingPunct="0">
               <a:lnSpc>
                 <a:spcPct val="100000"/>
@@ -9927,6 +9037,175 @@
               <a:buNone/>
               <a:tabLst/>
             </a:pPr>
+            <a:r>
+              <a:rPr kumimoji="0" lang="en-US" altLang="en-US" sz="900" b="0" i="0" u="none" strike="noStrike" cap="none" normalizeH="0" baseline="0" dirty="0">
+                <a:ln>
+                  <a:noFill/>
+                </a:ln>
+                <a:solidFill>
+                  <a:srgbClr val="A9B7C6"/>
+                </a:solidFill>
+                <a:effectLst/>
+                <a:latin typeface="Consolas" panose="020B0609020204030204" pitchFamily="49" charset="0"/>
+              </a:rPr>
+              <a:t>default_rule = </a:t>
+            </a:r>
+            <a:r>
+              <a:rPr kumimoji="0" lang="en-US" altLang="en-US" sz="900" b="0" i="0" u="none" strike="noStrike" cap="none" normalizeH="0" baseline="0" dirty="0" err="1">
+                <a:ln>
+                  <a:noFill/>
+                </a:ln>
+                <a:solidFill>
+                  <a:srgbClr val="A9B7C6"/>
+                </a:solidFill>
+                <a:effectLst/>
+                <a:latin typeface="Consolas" panose="020B0609020204030204" pitchFamily="49" charset="0"/>
+              </a:rPr>
+              <a:t>elasticube.add_default_rule</a:t>
+            </a:r>
+            <a:r>
+              <a:rPr kumimoji="0" lang="en-US" altLang="en-US" sz="900" b="0" i="0" u="none" strike="noStrike" cap="none" normalizeH="0" baseline="0" dirty="0">
+                <a:ln>
+                  <a:noFill/>
+                </a:ln>
+                <a:solidFill>
+                  <a:srgbClr val="A9B7C6"/>
+                </a:solidFill>
+                <a:effectLst/>
+                <a:latin typeface="Consolas" panose="020B0609020204030204" pitchFamily="49" charset="0"/>
+              </a:rPr>
+              <a:t>(</a:t>
+            </a:r>
+            <a:r>
+              <a:rPr kumimoji="0" lang="en-US" altLang="en-US" sz="900" b="0" i="0" u="none" strike="noStrike" cap="none" normalizeH="0" baseline="0" dirty="0">
+                <a:ln>
+                  <a:noFill/>
+                </a:ln>
+                <a:solidFill>
+                  <a:srgbClr val="6A8759"/>
+                </a:solidFill>
+                <a:effectLst/>
+                <a:latin typeface="Consolas" panose="020B0609020204030204" pitchFamily="49" charset="0"/>
+              </a:rPr>
+              <a:t>'</a:t>
+            </a:r>
+            <a:r>
+              <a:rPr kumimoji="0" lang="en-US" altLang="en-US" sz="900" b="0" i="0" u="none" strike="noStrike" cap="none" normalizeH="0" baseline="0" dirty="0" err="1">
+                <a:ln>
+                  <a:noFill/>
+                </a:ln>
+                <a:solidFill>
+                  <a:srgbClr val="6A8759"/>
+                </a:solidFill>
+                <a:effectLst/>
+                <a:latin typeface="Consolas" panose="020B0609020204030204" pitchFamily="49" charset="0"/>
+              </a:rPr>
+              <a:t>Dim_Dates</a:t>
+            </a:r>
+            <a:r>
+              <a:rPr kumimoji="0" lang="en-US" altLang="en-US" sz="900" b="0" i="0" u="none" strike="noStrike" cap="none" normalizeH="0" baseline="0" dirty="0">
+                <a:ln>
+                  <a:noFill/>
+                </a:ln>
+                <a:solidFill>
+                  <a:srgbClr val="6A8759"/>
+                </a:solidFill>
+                <a:effectLst/>
+                <a:latin typeface="Consolas" panose="020B0609020204030204" pitchFamily="49" charset="0"/>
+              </a:rPr>
+              <a:t>'</a:t>
+            </a:r>
+            <a:r>
+              <a:rPr kumimoji="0" lang="en-US" altLang="en-US" sz="900" b="0" i="0" u="none" strike="noStrike" cap="none" normalizeH="0" baseline="0" dirty="0">
+                <a:ln>
+                  <a:noFill/>
+                </a:ln>
+                <a:solidFill>
+                  <a:srgbClr val="CC7832"/>
+                </a:solidFill>
+                <a:effectLst/>
+                <a:latin typeface="Consolas" panose="020B0609020204030204" pitchFamily="49" charset="0"/>
+              </a:rPr>
+              <a:t>, </a:t>
+            </a:r>
+            <a:r>
+              <a:rPr kumimoji="0" lang="en-US" altLang="en-US" sz="900" b="0" i="0" u="none" strike="noStrike" cap="none" normalizeH="0" baseline="0" dirty="0">
+                <a:ln>
+                  <a:noFill/>
+                </a:ln>
+                <a:solidFill>
+                  <a:srgbClr val="6A8759"/>
+                </a:solidFill>
+                <a:effectLst/>
+                <a:latin typeface="Consolas" panose="020B0609020204030204" pitchFamily="49" charset="0"/>
+              </a:rPr>
+              <a:t>'</a:t>
+            </a:r>
+            <a:r>
+              <a:rPr kumimoji="0" lang="en-US" altLang="en-US" sz="900" b="0" i="0" u="none" strike="noStrike" cap="none" normalizeH="0" baseline="0" dirty="0" err="1">
+                <a:ln>
+                  <a:noFill/>
+                </a:ln>
+                <a:solidFill>
+                  <a:srgbClr val="6A8759"/>
+                </a:solidFill>
+                <a:effectLst/>
+                <a:latin typeface="Consolas" panose="020B0609020204030204" pitchFamily="49" charset="0"/>
+              </a:rPr>
+              <a:t>BusinessDay</a:t>
+            </a:r>
+            <a:r>
+              <a:rPr kumimoji="0" lang="en-US" altLang="en-US" sz="900" b="0" i="0" u="none" strike="noStrike" cap="none" normalizeH="0" baseline="0" dirty="0">
+                <a:ln>
+                  <a:noFill/>
+                </a:ln>
+                <a:solidFill>
+                  <a:srgbClr val="6A8759"/>
+                </a:solidFill>
+                <a:effectLst/>
+                <a:latin typeface="Consolas" panose="020B0609020204030204" pitchFamily="49" charset="0"/>
+              </a:rPr>
+              <a:t>'</a:t>
+            </a:r>
+            <a:r>
+              <a:rPr kumimoji="0" lang="en-US" altLang="en-US" sz="900" b="0" i="0" u="none" strike="noStrike" cap="none" normalizeH="0" baseline="0" dirty="0">
+                <a:ln>
+                  <a:noFill/>
+                </a:ln>
+                <a:solidFill>
+                  <a:srgbClr val="CC7832"/>
+                </a:solidFill>
+                <a:effectLst/>
+                <a:latin typeface="Consolas" panose="020B0609020204030204" pitchFamily="49" charset="0"/>
+              </a:rPr>
+              <a:t>, </a:t>
+            </a:r>
+            <a:r>
+              <a:rPr kumimoji="0" lang="en-US" altLang="en-US" sz="900" b="0" i="0" u="none" strike="noStrike" cap="none" normalizeH="0" baseline="0" dirty="0">
+                <a:ln>
+                  <a:noFill/>
+                </a:ln>
+                <a:solidFill>
+                  <a:srgbClr val="6A8759"/>
+                </a:solidFill>
+                <a:effectLst/>
+                <a:latin typeface="Consolas" panose="020B0609020204030204" pitchFamily="49" charset="0"/>
+              </a:rPr>
+              <a:t>'numeric'</a:t>
+            </a:r>
+            <a:r>
+              <a:rPr kumimoji="0" lang="en-US" altLang="en-US" sz="900" b="0" i="0" u="none" strike="noStrike" cap="none" normalizeH="0" baseline="0" dirty="0">
+                <a:ln>
+                  <a:noFill/>
+                </a:ln>
+                <a:solidFill>
+                  <a:srgbClr val="A9B7C6"/>
+                </a:solidFill>
+                <a:effectLst/>
+                <a:latin typeface="Consolas" panose="020B0609020204030204" pitchFamily="49" charset="0"/>
+              </a:rPr>
+              <a:t>)</a:t>
+            </a:r>
             <a:endParaRPr kumimoji="0" lang="en-US" altLang="en-US" sz="1800" b="0" i="0" u="none" strike="noStrike" cap="none" normalizeH="0" baseline="0" dirty="0">
               <a:ln>
                 <a:noFill/>
@@ -9940,10 +9219,281 @@
           </a:p>
         </p:txBody>
       </p:sp>
+      <p:sp>
+        <p:nvSpPr>
+          <p:cNvPr id="8" name="Rectangle 3">
+            <a:extLst>
+              <a:ext uri="{FF2B5EF4-FFF2-40B4-BE49-F238E27FC236}">
+                <a16:creationId xmlns:a16="http://schemas.microsoft.com/office/drawing/2014/main" id="{8DE9FC6B-7F19-45A2-84F6-427E799CF4AC}"/>
+              </a:ext>
+            </a:extLst>
+          </p:cNvPr>
+          <p:cNvSpPr>
+            <a:spLocks noChangeArrowheads="1"/>
+          </p:cNvSpPr>
+          <p:nvPr/>
+        </p:nvSpPr>
+        <p:spPr bwMode="auto">
+          <a:xfrm>
+            <a:off x="2001974" y="3541069"/>
+            <a:ext cx="6226038" cy="230832"/>
+          </a:xfrm>
+          <a:prstGeom prst="rect">
+            <a:avLst/>
+          </a:prstGeom>
+          <a:solidFill>
+            <a:srgbClr val="2B2B2B"/>
+          </a:solidFill>
+          <a:ln>
+            <a:noFill/>
+          </a:ln>
+          <a:effectLst/>
+          <a:extLst>
+            <a:ext uri="{91240B29-F687-4F45-9708-019B960494DF}">
+              <a14:hiddenLine xmlns:a14="http://schemas.microsoft.com/office/drawing/2010/main" w="9525">
+                <a:solidFill>
+                  <a:schemeClr val="tx1"/>
+                </a:solidFill>
+                <a:miter lim="800000"/>
+                <a:headEnd/>
+                <a:tailEnd/>
+              </a14:hiddenLine>
+            </a:ext>
+            <a:ext uri="{AF507438-7753-43E0-B8FC-AC1667EBCBE1}">
+              <a14:hiddenEffects xmlns:a14="http://schemas.microsoft.com/office/drawing/2010/main">
+                <a:effectLst>
+                  <a:outerShdw dist="35921" dir="2700000" algn="ctr" rotWithShape="0">
+                    <a:schemeClr val="bg2"/>
+                  </a:outerShdw>
+                </a:effectLst>
+              </a14:hiddenEffects>
+            </a:ext>
+          </a:extLst>
+        </p:spPr>
+        <p:txBody>
+          <a:bodyPr vert="horz" wrap="square" lIns="91440" tIns="45720" rIns="91440" bIns="45720" numCol="1" anchor="ctr" anchorCtr="0" compatLnSpc="1">
+            <a:prstTxWarp prst="textNoShape">
+              <a:avLst/>
+            </a:prstTxWarp>
+            <a:spAutoFit/>
+          </a:bodyPr>
+          <a:lstStyle/>
+          <a:p>
+            <a:pPr marL="0" marR="0" lvl="0" indent="0" algn="l" defTabSz="914400" rtl="0" eaLnBrk="0" fontAlgn="base" latinLnBrk="0" hangingPunct="0">
+              <a:lnSpc>
+                <a:spcPct val="100000"/>
+              </a:lnSpc>
+              <a:spcBef>
+                <a:spcPct val="0"/>
+              </a:spcBef>
+              <a:spcAft>
+                <a:spcPct val="0"/>
+              </a:spcAft>
+              <a:buClrTx/>
+              <a:buSzTx/>
+              <a:buFontTx/>
+              <a:buNone/>
+              <a:tabLst/>
+            </a:pPr>
+            <a:r>
+              <a:rPr kumimoji="0" lang="en-US" altLang="en-US" sz="900" b="0" i="0" u="none" strike="noStrike" cap="none" normalizeH="0" baseline="0" dirty="0">
+                <a:ln>
+                  <a:noFill/>
+                </a:ln>
+                <a:solidFill>
+                  <a:srgbClr val="A9B7C6"/>
+                </a:solidFill>
+                <a:effectLst/>
+                <a:latin typeface="Consolas" panose="020B0609020204030204" pitchFamily="49" charset="0"/>
+              </a:rPr>
+              <a:t>default_rule = </a:t>
+            </a:r>
+            <a:r>
+              <a:rPr kumimoji="0" lang="en-US" altLang="en-US" sz="900" b="0" i="0" u="none" strike="noStrike" cap="none" normalizeH="0" baseline="0" dirty="0" err="1">
+                <a:ln>
+                  <a:noFill/>
+                </a:ln>
+                <a:solidFill>
+                  <a:srgbClr val="A9B7C6"/>
+                </a:solidFill>
+                <a:effectLst/>
+                <a:latin typeface="Consolas" panose="020B0609020204030204" pitchFamily="49" charset="0"/>
+              </a:rPr>
+              <a:t>elasticube.add_default_rule</a:t>
+            </a:r>
+            <a:r>
+              <a:rPr kumimoji="0" lang="en-US" altLang="en-US" sz="900" b="0" i="0" u="none" strike="noStrike" cap="none" normalizeH="0" baseline="0" dirty="0">
+                <a:ln>
+                  <a:noFill/>
+                </a:ln>
+                <a:solidFill>
+                  <a:srgbClr val="A9B7C6"/>
+                </a:solidFill>
+                <a:effectLst/>
+                <a:latin typeface="Consolas" panose="020B0609020204030204" pitchFamily="49" charset="0"/>
+              </a:rPr>
+              <a:t>(</a:t>
+            </a:r>
+            <a:r>
+              <a:rPr kumimoji="0" lang="en-US" altLang="en-US" sz="900" b="0" i="0" u="none" strike="noStrike" cap="none" normalizeH="0" baseline="0" dirty="0">
+                <a:ln>
+                  <a:noFill/>
+                </a:ln>
+                <a:solidFill>
+                  <a:srgbClr val="6A8759"/>
+                </a:solidFill>
+                <a:effectLst/>
+                <a:latin typeface="Consolas" panose="020B0609020204030204" pitchFamily="49" charset="0"/>
+              </a:rPr>
+              <a:t>'Colors'</a:t>
+            </a:r>
+            <a:r>
+              <a:rPr kumimoji="0" lang="en-US" altLang="en-US" sz="900" b="0" i="0" u="none" strike="noStrike" cap="none" normalizeH="0" baseline="0" dirty="0">
+                <a:ln>
+                  <a:noFill/>
+                </a:ln>
+                <a:solidFill>
+                  <a:srgbClr val="CC7832"/>
+                </a:solidFill>
+                <a:effectLst/>
+                <a:latin typeface="Consolas" panose="020B0609020204030204" pitchFamily="49" charset="0"/>
+              </a:rPr>
+              <a:t>, </a:t>
+            </a:r>
+            <a:r>
+              <a:rPr kumimoji="0" lang="en-US" altLang="en-US" sz="900" b="0" i="0" u="none" strike="noStrike" cap="none" normalizeH="0" baseline="0" dirty="0">
+                <a:ln>
+                  <a:noFill/>
+                </a:ln>
+                <a:solidFill>
+                  <a:srgbClr val="6A8759"/>
+                </a:solidFill>
+                <a:effectLst/>
+                <a:latin typeface="Consolas" panose="020B0609020204030204" pitchFamily="49" charset="0"/>
+              </a:rPr>
+              <a:t>'Name'</a:t>
+            </a:r>
+            <a:r>
+              <a:rPr kumimoji="0" lang="en-US" altLang="en-US" sz="900" b="0" i="0" u="none" strike="noStrike" cap="none" normalizeH="0" baseline="0" dirty="0">
+                <a:ln>
+                  <a:noFill/>
+                </a:ln>
+                <a:solidFill>
+                  <a:srgbClr val="CC7832"/>
+                </a:solidFill>
+                <a:effectLst/>
+                <a:latin typeface="Consolas" panose="020B0609020204030204" pitchFamily="49" charset="0"/>
+              </a:rPr>
+              <a:t>, </a:t>
+            </a:r>
+            <a:r>
+              <a:rPr kumimoji="0" lang="en-US" altLang="en-US" sz="900" b="0" i="0" u="none" strike="noStrike" cap="none" normalizeH="0" baseline="0" dirty="0">
+                <a:ln>
+                  <a:noFill/>
+                </a:ln>
+                <a:solidFill>
+                  <a:srgbClr val="6A8759"/>
+                </a:solidFill>
+                <a:effectLst/>
+                <a:latin typeface="Consolas" panose="020B0609020204030204" pitchFamily="49" charset="0"/>
+              </a:rPr>
+              <a:t>'text’</a:t>
+            </a:r>
+            <a:r>
+              <a:rPr kumimoji="0" lang="en-US" altLang="en-US" sz="900" b="0" i="0" u="none" strike="noStrike" cap="none" normalizeH="0" baseline="0" dirty="0">
+                <a:ln>
+                  <a:noFill/>
+                </a:ln>
+                <a:solidFill>
+                  <a:srgbClr val="CC7832"/>
+                </a:solidFill>
+                <a:effectLst/>
+                <a:latin typeface="Consolas" panose="020B0609020204030204" pitchFamily="49" charset="0"/>
+              </a:rPr>
+              <a:t>, members=</a:t>
+            </a:r>
+            <a:r>
+              <a:rPr kumimoji="0" lang="en-US" altLang="en-US" sz="900" b="0" i="0" u="none" strike="noStrike" cap="none" normalizeH="0" baseline="0" dirty="0">
+                <a:ln>
+                  <a:noFill/>
+                </a:ln>
+                <a:solidFill>
+                  <a:srgbClr val="A9B7C6"/>
+                </a:solidFill>
+                <a:effectLst/>
+                <a:latin typeface="Consolas" panose="020B0609020204030204" pitchFamily="49" charset="0"/>
+              </a:rPr>
+              <a:t>[</a:t>
+            </a:r>
+            <a:r>
+              <a:rPr kumimoji="0" lang="en-US" altLang="en-US" sz="900" b="0" i="0" u="none" strike="noStrike" cap="none" normalizeH="0" baseline="0" dirty="0">
+                <a:ln>
+                  <a:noFill/>
+                </a:ln>
+                <a:solidFill>
+                  <a:srgbClr val="6A8759"/>
+                </a:solidFill>
+                <a:effectLst/>
+                <a:latin typeface="Consolas" panose="020B0609020204030204" pitchFamily="49" charset="0"/>
+              </a:rPr>
+              <a:t>'Red'</a:t>
+            </a:r>
+            <a:r>
+              <a:rPr kumimoji="0" lang="en-US" altLang="en-US" sz="900" b="0" i="0" u="none" strike="noStrike" cap="none" normalizeH="0" baseline="0" dirty="0">
+                <a:ln>
+                  <a:noFill/>
+                </a:ln>
+                <a:solidFill>
+                  <a:srgbClr val="CC7832"/>
+                </a:solidFill>
+                <a:effectLst/>
+                <a:latin typeface="Consolas" panose="020B0609020204030204" pitchFamily="49" charset="0"/>
+              </a:rPr>
+              <a:t>, </a:t>
+            </a:r>
+            <a:r>
+              <a:rPr kumimoji="0" lang="en-US" altLang="en-US" sz="900" b="0" i="0" u="none" strike="noStrike" cap="none" normalizeH="0" baseline="0" dirty="0">
+                <a:ln>
+                  <a:noFill/>
+                </a:ln>
+                <a:solidFill>
+                  <a:srgbClr val="6A8759"/>
+                </a:solidFill>
+                <a:effectLst/>
+                <a:latin typeface="Consolas" panose="020B0609020204030204" pitchFamily="49" charset="0"/>
+              </a:rPr>
+              <a:t>'Blue'</a:t>
+            </a:r>
+            <a:r>
+              <a:rPr kumimoji="0" lang="en-US" altLang="en-US" sz="900" b="0" i="0" u="none" strike="noStrike" cap="none" normalizeH="0" baseline="0" dirty="0">
+                <a:ln>
+                  <a:noFill/>
+                </a:ln>
+                <a:solidFill>
+                  <a:srgbClr val="A9B7C6"/>
+                </a:solidFill>
+                <a:effectLst/>
+                <a:latin typeface="Consolas" panose="020B0609020204030204" pitchFamily="49" charset="0"/>
+              </a:rPr>
+              <a:t>])</a:t>
+            </a:r>
+            <a:endParaRPr kumimoji="0" lang="en-US" altLang="en-US" sz="1800" b="0" i="0" u="none" strike="noStrike" cap="none" normalizeH="0" baseline="0" dirty="0">
+              <a:ln>
+                <a:noFill/>
+              </a:ln>
+              <a:solidFill>
+                <a:schemeClr val="tx1"/>
+              </a:solidFill>
+              <a:effectLst/>
+              <a:latin typeface="Arial" panose="020B0604020202020204" pitchFamily="34" charset="0"/>
+            </a:endParaRPr>
+          </a:p>
+        </p:txBody>
+      </p:sp>
     </p:spTree>
     <p:extLst>
       <p:ext uri="{BB962C8B-B14F-4D97-AF65-F5344CB8AC3E}">
-        <p14:creationId xmlns:p14="http://schemas.microsoft.com/office/powerpoint/2010/main" val="3547859390"/>
+        <p14:creationId xmlns:p14="http://schemas.microsoft.com/office/powerpoint/2010/main" val="4280305264"/>
       </p:ext>
     </p:extLst>
   </p:cSld>
@@ -9987,6 +9537,759 @@
           <p:cNvPr id="2" name="Title 1">
             <a:extLst>
               <a:ext uri="{FF2B5EF4-FFF2-40B4-BE49-F238E27FC236}">
+                <a16:creationId xmlns:a16="http://schemas.microsoft.com/office/drawing/2014/main" id="{90258D14-12FB-4FF2-BCD0-A78FA7CC4D6D}"/>
+              </a:ext>
+            </a:extLst>
+          </p:cNvPr>
+          <p:cNvSpPr>
+            <a:spLocks noGrp="1"/>
+          </p:cNvSpPr>
+          <p:nvPr>
+            <p:ph type="title"/>
+          </p:nvPr>
+        </p:nvSpPr>
+        <p:spPr/>
+        <p:txBody>
+          <a:bodyPr/>
+          <a:lstStyle/>
+          <a:p>
+            <a:r>
+              <a:rPr lang="en-US" dirty="0"/>
+              <a:t>Data Security Pt. 3 (Creating user/group rules)</a:t>
+            </a:r>
+          </a:p>
+        </p:txBody>
+      </p:sp>
+      <p:sp>
+        <p:nvSpPr>
+          <p:cNvPr id="3" name="Content Placeholder 2">
+            <a:extLst>
+              <a:ext uri="{FF2B5EF4-FFF2-40B4-BE49-F238E27FC236}">
+                <a16:creationId xmlns:a16="http://schemas.microsoft.com/office/drawing/2014/main" id="{A167A6F5-AD71-4B26-9C86-8C1A208E5E3C}"/>
+              </a:ext>
+            </a:extLst>
+          </p:cNvPr>
+          <p:cNvSpPr>
+            <a:spLocks noGrp="1"/>
+          </p:cNvSpPr>
+          <p:nvPr>
+            <p:ph idx="1"/>
+          </p:nvPr>
+        </p:nvSpPr>
+        <p:spPr/>
+        <p:txBody>
+          <a:bodyPr>
+            <a:normAutofit fontScale="92500" lnSpcReduction="20000"/>
+          </a:bodyPr>
+          <a:lstStyle/>
+          <a:p>
+            <a:r>
+              <a:rPr lang="en-US" dirty="0"/>
+              <a:t>We need to get all the users and groups that we need to add to this security rule. The first argument in add security rule is a list of all the users and groups to apply to. </a:t>
+            </a:r>
+          </a:p>
+          <a:p>
+            <a:r>
+              <a:rPr lang="en-US" dirty="0"/>
+              <a:t>In the following snippet we get our desired users and groups, make them into a list and pass that list to our method</a:t>
+            </a:r>
+          </a:p>
+          <a:p>
+            <a:endParaRPr lang="en-US" dirty="0"/>
+          </a:p>
+          <a:p>
+            <a:endParaRPr lang="en-US" dirty="0"/>
+          </a:p>
+          <a:p>
+            <a:r>
+              <a:rPr lang="en-US" dirty="0"/>
+              <a:t>Members is optional, if not there, a Nothing rule is created (unless all members is set). </a:t>
+            </a:r>
+          </a:p>
+          <a:p>
+            <a:r>
+              <a:rPr lang="en-US" dirty="0" err="1"/>
+              <a:t>all_members</a:t>
+            </a:r>
+            <a:r>
+              <a:rPr lang="en-US" dirty="0"/>
+              <a:t> and exclusionary are optional arguments that can be set to True or False</a:t>
+            </a:r>
+          </a:p>
+        </p:txBody>
+      </p:sp>
+      <p:sp>
+        <p:nvSpPr>
+          <p:cNvPr id="9" name="Rectangle 6">
+            <a:extLst>
+              <a:ext uri="{FF2B5EF4-FFF2-40B4-BE49-F238E27FC236}">
+                <a16:creationId xmlns:a16="http://schemas.microsoft.com/office/drawing/2014/main" id="{4311A028-B863-4B9C-92A9-6C2F6557D19D}"/>
+              </a:ext>
+            </a:extLst>
+          </p:cNvPr>
+          <p:cNvSpPr>
+            <a:spLocks noChangeArrowheads="1"/>
+          </p:cNvSpPr>
+          <p:nvPr/>
+        </p:nvSpPr>
+        <p:spPr bwMode="auto">
+          <a:xfrm>
+            <a:off x="1674812" y="3385457"/>
+            <a:ext cx="6934200" cy="923330"/>
+          </a:xfrm>
+          <a:prstGeom prst="rect">
+            <a:avLst/>
+          </a:prstGeom>
+          <a:solidFill>
+            <a:srgbClr val="2B2B2B"/>
+          </a:solidFill>
+          <a:ln>
+            <a:noFill/>
+          </a:ln>
+          <a:effectLst/>
+          <a:extLst>
+            <a:ext uri="{91240B29-F687-4F45-9708-019B960494DF}">
+              <a14:hiddenLine xmlns:a14="http://schemas.microsoft.com/office/drawing/2010/main" w="9525">
+                <a:solidFill>
+                  <a:schemeClr val="tx1"/>
+                </a:solidFill>
+                <a:miter lim="800000"/>
+                <a:headEnd/>
+                <a:tailEnd/>
+              </a14:hiddenLine>
+            </a:ext>
+            <a:ext uri="{AF507438-7753-43E0-B8FC-AC1667EBCBE1}">
+              <a14:hiddenEffects xmlns:a14="http://schemas.microsoft.com/office/drawing/2010/main">
+                <a:effectLst>
+                  <a:outerShdw dist="35921" dir="2700000" algn="ctr" rotWithShape="0">
+                    <a:schemeClr val="bg2"/>
+                  </a:outerShdw>
+                </a:effectLst>
+              </a14:hiddenEffects>
+            </a:ext>
+          </a:extLst>
+        </p:spPr>
+        <p:txBody>
+          <a:bodyPr vert="horz" wrap="square" lIns="91440" tIns="45720" rIns="91440" bIns="45720" numCol="1" anchor="ctr" anchorCtr="0" compatLnSpc="1">
+            <a:prstTxWarp prst="textNoShape">
+              <a:avLst/>
+            </a:prstTxWarp>
+            <a:spAutoFit/>
+          </a:bodyPr>
+          <a:lstStyle/>
+          <a:p>
+            <a:pPr lvl="0" defTabSz="914400" eaLnBrk="0" fontAlgn="base" hangingPunct="0">
+              <a:spcBef>
+                <a:spcPct val="0"/>
+              </a:spcBef>
+              <a:spcAft>
+                <a:spcPct val="0"/>
+              </a:spcAft>
+            </a:pPr>
+            <a:r>
+              <a:rPr kumimoji="0" lang="en-US" altLang="en-US" sz="900" b="0" i="0" u="none" strike="noStrike" cap="none" normalizeH="0" baseline="0" dirty="0">
+                <a:ln>
+                  <a:noFill/>
+                </a:ln>
+                <a:solidFill>
+                  <a:srgbClr val="A9B7C6"/>
+                </a:solidFill>
+                <a:effectLst/>
+                <a:latin typeface="Consolas" panose="020B0609020204030204" pitchFamily="49" charset="0"/>
+              </a:rPr>
+              <a:t>users = </a:t>
+            </a:r>
+            <a:r>
+              <a:rPr kumimoji="0" lang="en-US" altLang="en-US" sz="900" b="0" i="0" u="none" strike="noStrike" cap="none" normalizeH="0" baseline="0" dirty="0" err="1">
+                <a:ln>
+                  <a:noFill/>
+                </a:ln>
+                <a:solidFill>
+                  <a:srgbClr val="A9B7C6"/>
+                </a:solidFill>
+                <a:effectLst/>
+                <a:latin typeface="Consolas" panose="020B0609020204030204" pitchFamily="49" charset="0"/>
+              </a:rPr>
+              <a:t>py_client.get_users</a:t>
+            </a:r>
+            <a:r>
+              <a:rPr kumimoji="0" lang="en-US" altLang="en-US" sz="900" b="0" i="0" u="none" strike="noStrike" cap="none" normalizeH="0" baseline="0" dirty="0">
+                <a:ln>
+                  <a:noFill/>
+                </a:ln>
+                <a:solidFill>
+                  <a:srgbClr val="A9B7C6"/>
+                </a:solidFill>
+                <a:effectLst/>
+                <a:latin typeface="Consolas" panose="020B0609020204030204" pitchFamily="49" charset="0"/>
+              </a:rPr>
+              <a:t>(</a:t>
+            </a:r>
+            <a:r>
+              <a:rPr kumimoji="0" lang="en-US" altLang="en-US" sz="900" b="0" i="0" u="none" strike="noStrike" cap="none" normalizeH="0" baseline="0" dirty="0" err="1">
+                <a:ln>
+                  <a:noFill/>
+                </a:ln>
+                <a:solidFill>
+                  <a:srgbClr val="AA4926"/>
+                </a:solidFill>
+                <a:effectLst/>
+                <a:latin typeface="Consolas" panose="020B0609020204030204" pitchFamily="49" charset="0"/>
+              </a:rPr>
+              <a:t>first_name</a:t>
+            </a:r>
+            <a:r>
+              <a:rPr kumimoji="0" lang="en-US" altLang="en-US" sz="900" b="0" i="0" u="none" strike="noStrike" cap="none" normalizeH="0" baseline="0" dirty="0">
+                <a:ln>
+                  <a:noFill/>
+                </a:ln>
+                <a:solidFill>
+                  <a:srgbClr val="A9B7C6"/>
+                </a:solidFill>
+                <a:effectLst/>
+                <a:latin typeface="Consolas" panose="020B0609020204030204" pitchFamily="49" charset="0"/>
+              </a:rPr>
+              <a:t>=</a:t>
+            </a:r>
+            <a:r>
+              <a:rPr kumimoji="0" lang="en-US" altLang="en-US" sz="900" b="0" i="0" u="none" strike="noStrike" cap="none" normalizeH="0" baseline="0" dirty="0">
+                <a:ln>
+                  <a:noFill/>
+                </a:ln>
+                <a:solidFill>
+                  <a:srgbClr val="6A8759"/>
+                </a:solidFill>
+                <a:effectLst/>
+                <a:latin typeface="Consolas" panose="020B0609020204030204" pitchFamily="49" charset="0"/>
+              </a:rPr>
+              <a:t>‘Steve'</a:t>
+            </a:r>
+            <a:r>
+              <a:rPr kumimoji="0" lang="en-US" altLang="en-US" sz="900" b="0" i="0" u="none" strike="noStrike" cap="none" normalizeH="0" baseline="0" dirty="0">
+                <a:ln>
+                  <a:noFill/>
+                </a:ln>
+                <a:solidFill>
+                  <a:srgbClr val="A9B7C6"/>
+                </a:solidFill>
+                <a:effectLst/>
+                <a:latin typeface="Consolas" panose="020B0609020204030204" pitchFamily="49" charset="0"/>
+              </a:rPr>
+              <a:t>)</a:t>
+            </a:r>
+            <a:br>
+              <a:rPr kumimoji="0" lang="en-US" altLang="en-US" sz="900" b="0" i="0" u="none" strike="noStrike" cap="none" normalizeH="0" baseline="0" dirty="0">
+                <a:ln>
+                  <a:noFill/>
+                </a:ln>
+                <a:solidFill>
+                  <a:srgbClr val="A9B7C6"/>
+                </a:solidFill>
+                <a:effectLst/>
+                <a:latin typeface="Consolas" panose="020B0609020204030204" pitchFamily="49" charset="0"/>
+              </a:rPr>
+            </a:br>
+            <a:r>
+              <a:rPr kumimoji="0" lang="en-US" altLang="en-US" sz="900" b="0" i="0" u="none" strike="noStrike" cap="none" normalizeH="0" baseline="0" dirty="0">
+                <a:ln>
+                  <a:noFill/>
+                </a:ln>
+                <a:solidFill>
+                  <a:srgbClr val="A9B7C6"/>
+                </a:solidFill>
+                <a:effectLst/>
+                <a:latin typeface="Consolas" panose="020B0609020204030204" pitchFamily="49" charset="0"/>
+              </a:rPr>
+              <a:t>groups = </a:t>
+            </a:r>
+            <a:r>
+              <a:rPr kumimoji="0" lang="en-US" altLang="en-US" sz="900" b="0" i="0" u="none" strike="noStrike" cap="none" normalizeH="0" baseline="0" dirty="0" err="1">
+                <a:ln>
+                  <a:noFill/>
+                </a:ln>
+                <a:solidFill>
+                  <a:srgbClr val="A9B7C6"/>
+                </a:solidFill>
+                <a:effectLst/>
+                <a:latin typeface="Consolas" panose="020B0609020204030204" pitchFamily="49" charset="0"/>
+              </a:rPr>
+              <a:t>py_client.get_groups</a:t>
+            </a:r>
+            <a:r>
+              <a:rPr kumimoji="0" lang="en-US" altLang="en-US" sz="900" b="0" i="0" u="none" strike="noStrike" cap="none" normalizeH="0" baseline="0" dirty="0">
+                <a:ln>
+                  <a:noFill/>
+                </a:ln>
+                <a:solidFill>
+                  <a:srgbClr val="A9B7C6"/>
+                </a:solidFill>
+                <a:effectLst/>
+                <a:latin typeface="Consolas" panose="020B0609020204030204" pitchFamily="49" charset="0"/>
+              </a:rPr>
+              <a:t>(</a:t>
+            </a:r>
+            <a:r>
+              <a:rPr kumimoji="0" lang="en-US" altLang="en-US" sz="900" b="0" i="0" u="none" strike="noStrike" cap="none" normalizeH="0" baseline="0" dirty="0">
+                <a:ln>
+                  <a:noFill/>
+                </a:ln>
+                <a:solidFill>
+                  <a:srgbClr val="AA4926"/>
+                </a:solidFill>
+                <a:effectLst/>
+                <a:latin typeface="Consolas" panose="020B0609020204030204" pitchFamily="49" charset="0"/>
+              </a:rPr>
+              <a:t>name</a:t>
+            </a:r>
+            <a:r>
+              <a:rPr kumimoji="0" lang="en-US" altLang="en-US" sz="900" b="0" i="0" u="none" strike="noStrike" cap="none" normalizeH="0" baseline="0" dirty="0">
+                <a:ln>
+                  <a:noFill/>
+                </a:ln>
+                <a:solidFill>
+                  <a:srgbClr val="A9B7C6"/>
+                </a:solidFill>
+                <a:effectLst/>
+                <a:latin typeface="Consolas" panose="020B0609020204030204" pitchFamily="49" charset="0"/>
+              </a:rPr>
+              <a:t>=</a:t>
+            </a:r>
+            <a:r>
+              <a:rPr kumimoji="0" lang="en-US" altLang="en-US" sz="900" b="0" i="0" u="none" strike="noStrike" cap="none" normalizeH="0" baseline="0" dirty="0">
+                <a:ln>
+                  <a:noFill/>
+                </a:ln>
+                <a:solidFill>
+                  <a:srgbClr val="6A8759"/>
+                </a:solidFill>
+                <a:effectLst/>
+                <a:latin typeface="Consolas" panose="020B0609020204030204" pitchFamily="49" charset="0"/>
+              </a:rPr>
+              <a:t>'</a:t>
+            </a:r>
+            <a:r>
+              <a:rPr kumimoji="0" lang="en-US" altLang="en-US" sz="900" b="0" i="0" u="none" strike="noStrike" cap="none" normalizeH="0" baseline="0" dirty="0" err="1">
+                <a:ln>
+                  <a:noFill/>
+                </a:ln>
+                <a:solidFill>
+                  <a:srgbClr val="6A8759"/>
+                </a:solidFill>
+                <a:effectLst/>
+                <a:latin typeface="Consolas" panose="020B0609020204030204" pitchFamily="49" charset="0"/>
+              </a:rPr>
+              <a:t>PySense</a:t>
+            </a:r>
+            <a:r>
+              <a:rPr kumimoji="0" lang="en-US" altLang="en-US" sz="900" b="0" i="0" u="none" strike="noStrike" cap="none" normalizeH="0" baseline="0" dirty="0">
+                <a:ln>
+                  <a:noFill/>
+                </a:ln>
+                <a:solidFill>
+                  <a:srgbClr val="6A8759"/>
+                </a:solidFill>
+                <a:effectLst/>
+                <a:latin typeface="Consolas" panose="020B0609020204030204" pitchFamily="49" charset="0"/>
+              </a:rPr>
+              <a:t>’</a:t>
+            </a:r>
+            <a:r>
+              <a:rPr kumimoji="0" lang="en-US" altLang="en-US" sz="900" b="0" i="0" u="none" strike="noStrike" cap="none" normalizeH="0" baseline="0" dirty="0">
+                <a:ln>
+                  <a:noFill/>
+                </a:ln>
+                <a:solidFill>
+                  <a:srgbClr val="A9B7C6"/>
+                </a:solidFill>
+                <a:effectLst/>
+                <a:latin typeface="Consolas" panose="020B0609020204030204" pitchFamily="49" charset="0"/>
+              </a:rPr>
+              <a:t>)</a:t>
+            </a:r>
+            <a:br>
+              <a:rPr kumimoji="0" lang="en-US" altLang="en-US" sz="900" b="0" i="0" u="none" strike="noStrike" cap="none" normalizeH="0" baseline="0" dirty="0">
+                <a:ln>
+                  <a:noFill/>
+                </a:ln>
+                <a:solidFill>
+                  <a:srgbClr val="A9B7C6"/>
+                </a:solidFill>
+                <a:effectLst/>
+                <a:latin typeface="Consolas" panose="020B0609020204030204" pitchFamily="49" charset="0"/>
+              </a:rPr>
+            </a:br>
+            <a:r>
+              <a:rPr kumimoji="0" lang="en-US" altLang="en-US" sz="900" b="0" i="0" u="none" strike="noStrike" cap="none" normalizeH="0" baseline="0" dirty="0">
+                <a:ln>
+                  <a:noFill/>
+                </a:ln>
+                <a:solidFill>
+                  <a:srgbClr val="A9B7C6"/>
+                </a:solidFill>
+                <a:effectLst/>
+                <a:latin typeface="Consolas" panose="020B0609020204030204" pitchFamily="49" charset="0"/>
+              </a:rPr>
+              <a:t>shares = </a:t>
+            </a:r>
+            <a:r>
+              <a:rPr lang="en-US" altLang="en-US" sz="900" dirty="0" err="1">
+                <a:solidFill>
+                  <a:srgbClr val="A9B7C6"/>
+                </a:solidFill>
+                <a:latin typeface="Consolas" panose="020B0609020204030204" pitchFamily="49" charset="0"/>
+              </a:rPr>
+              <a:t>shares.</a:t>
+            </a:r>
+            <a:r>
+              <a:rPr kumimoji="0" lang="en-US" altLang="en-US" sz="900" b="0" i="0" u="none" strike="noStrike" cap="none" normalizeH="0" baseline="0" dirty="0" err="1">
+                <a:ln>
+                  <a:noFill/>
+                </a:ln>
+                <a:solidFill>
+                  <a:srgbClr val="A9B7C6"/>
+                </a:solidFill>
+                <a:effectLst/>
+                <a:latin typeface="Consolas" panose="020B0609020204030204" pitchFamily="49" charset="0"/>
+              </a:rPr>
+              <a:t>append</a:t>
+            </a:r>
+            <a:r>
+              <a:rPr kumimoji="0" lang="en-US" altLang="en-US" sz="900" b="0" i="0" u="none" strike="noStrike" cap="none" normalizeH="0" baseline="0" dirty="0">
+                <a:ln>
+                  <a:noFill/>
+                </a:ln>
+                <a:solidFill>
+                  <a:srgbClr val="A9B7C6"/>
+                </a:solidFill>
+                <a:effectLst/>
+                <a:latin typeface="Consolas" panose="020B0609020204030204" pitchFamily="49" charset="0"/>
+              </a:rPr>
+              <a:t>(groups).append(users)</a:t>
+            </a:r>
+            <a:br>
+              <a:rPr kumimoji="0" lang="en-US" altLang="en-US" sz="900" b="0" i="0" u="none" strike="noStrike" cap="none" normalizeH="0" baseline="0" dirty="0">
+                <a:ln>
+                  <a:noFill/>
+                </a:ln>
+                <a:solidFill>
+                  <a:srgbClr val="A9B7C6"/>
+                </a:solidFill>
+                <a:effectLst/>
+                <a:latin typeface="Consolas" panose="020B0609020204030204" pitchFamily="49" charset="0"/>
+              </a:rPr>
+            </a:br>
+            <a:r>
+              <a:rPr kumimoji="0" lang="en-US" altLang="en-US" sz="900" b="0" i="0" u="none" strike="noStrike" cap="none" normalizeH="0" baseline="0" dirty="0">
+                <a:ln>
+                  <a:noFill/>
+                </a:ln>
+                <a:solidFill>
+                  <a:srgbClr val="A9B7C6"/>
+                </a:solidFill>
+                <a:effectLst/>
+                <a:latin typeface="Consolas" panose="020B0609020204030204" pitchFamily="49" charset="0"/>
+              </a:rPr>
+              <a:t>rule = </a:t>
+            </a:r>
+            <a:r>
+              <a:rPr kumimoji="0" lang="en-US" altLang="en-US" sz="900" b="0" i="0" u="none" strike="noStrike" cap="none" normalizeH="0" baseline="0" dirty="0" err="1">
+                <a:ln>
+                  <a:noFill/>
+                </a:ln>
+                <a:solidFill>
+                  <a:srgbClr val="A9B7C6"/>
+                </a:solidFill>
+                <a:effectLst/>
+                <a:latin typeface="Consolas" panose="020B0609020204030204" pitchFamily="49" charset="0"/>
+              </a:rPr>
+              <a:t>elasticube.add_security_rule</a:t>
+            </a:r>
+            <a:r>
+              <a:rPr kumimoji="0" lang="en-US" altLang="en-US" sz="900" b="0" i="0" u="none" strike="noStrike" cap="none" normalizeH="0" baseline="0" dirty="0">
+                <a:ln>
+                  <a:noFill/>
+                </a:ln>
+                <a:solidFill>
+                  <a:srgbClr val="A9B7C6"/>
+                </a:solidFill>
+                <a:effectLst/>
+                <a:latin typeface="Consolas" panose="020B0609020204030204" pitchFamily="49" charset="0"/>
+              </a:rPr>
+              <a:t>(shares</a:t>
+            </a:r>
+            <a:r>
+              <a:rPr kumimoji="0" lang="en-US" altLang="en-US" sz="900" b="0" i="0" u="none" strike="noStrike" cap="none" normalizeH="0" baseline="0" dirty="0">
+                <a:ln>
+                  <a:noFill/>
+                </a:ln>
+                <a:solidFill>
+                  <a:srgbClr val="CC7832"/>
+                </a:solidFill>
+                <a:effectLst/>
+                <a:latin typeface="Consolas" panose="020B0609020204030204" pitchFamily="49" charset="0"/>
+              </a:rPr>
+              <a:t>, </a:t>
+            </a:r>
+            <a:r>
+              <a:rPr kumimoji="0" lang="en-US" altLang="en-US" sz="900" b="0" i="0" u="none" strike="noStrike" cap="none" normalizeH="0" baseline="0" dirty="0">
+                <a:ln>
+                  <a:noFill/>
+                </a:ln>
+                <a:solidFill>
+                  <a:srgbClr val="6A8759"/>
+                </a:solidFill>
+                <a:effectLst/>
+                <a:latin typeface="Consolas" panose="020B0609020204030204" pitchFamily="49" charset="0"/>
+              </a:rPr>
+              <a:t>'</a:t>
+            </a:r>
+            <a:r>
+              <a:rPr kumimoji="0" lang="en-US" altLang="en-US" sz="900" b="0" i="0" u="none" strike="noStrike" cap="none" normalizeH="0" baseline="0" dirty="0" err="1">
+                <a:ln>
+                  <a:noFill/>
+                </a:ln>
+                <a:solidFill>
+                  <a:srgbClr val="6A8759"/>
+                </a:solidFill>
+                <a:effectLst/>
+                <a:latin typeface="Consolas" panose="020B0609020204030204" pitchFamily="49" charset="0"/>
+              </a:rPr>
+              <a:t>Dim_Dates</a:t>
+            </a:r>
+            <a:r>
+              <a:rPr kumimoji="0" lang="en-US" altLang="en-US" sz="900" b="0" i="0" u="none" strike="noStrike" cap="none" normalizeH="0" baseline="0" dirty="0">
+                <a:ln>
+                  <a:noFill/>
+                </a:ln>
+                <a:solidFill>
+                  <a:srgbClr val="6A8759"/>
+                </a:solidFill>
+                <a:effectLst/>
+                <a:latin typeface="Consolas" panose="020B0609020204030204" pitchFamily="49" charset="0"/>
+              </a:rPr>
+              <a:t>'</a:t>
+            </a:r>
+            <a:r>
+              <a:rPr kumimoji="0" lang="en-US" altLang="en-US" sz="900" b="0" i="0" u="none" strike="noStrike" cap="none" normalizeH="0" baseline="0" dirty="0">
+                <a:ln>
+                  <a:noFill/>
+                </a:ln>
+                <a:solidFill>
+                  <a:srgbClr val="CC7832"/>
+                </a:solidFill>
+                <a:effectLst/>
+                <a:latin typeface="Consolas" panose="020B0609020204030204" pitchFamily="49" charset="0"/>
+              </a:rPr>
+              <a:t>, </a:t>
+            </a:r>
+            <a:r>
+              <a:rPr kumimoji="0" lang="en-US" altLang="en-US" sz="900" b="0" i="0" u="none" strike="noStrike" cap="none" normalizeH="0" baseline="0" dirty="0">
+                <a:ln>
+                  <a:noFill/>
+                </a:ln>
+                <a:solidFill>
+                  <a:srgbClr val="6A8759"/>
+                </a:solidFill>
+                <a:effectLst/>
+                <a:latin typeface="Consolas" panose="020B0609020204030204" pitchFamily="49" charset="0"/>
+              </a:rPr>
+              <a:t>'</a:t>
+            </a:r>
+            <a:r>
+              <a:rPr kumimoji="0" lang="en-US" altLang="en-US" sz="900" b="0" i="0" u="none" strike="noStrike" cap="none" normalizeH="0" baseline="0" dirty="0" err="1">
+                <a:ln>
+                  <a:noFill/>
+                </a:ln>
+                <a:solidFill>
+                  <a:srgbClr val="6A8759"/>
+                </a:solidFill>
+                <a:effectLst/>
+                <a:latin typeface="Consolas" panose="020B0609020204030204" pitchFamily="49" charset="0"/>
+              </a:rPr>
+              <a:t>BusinessDay</a:t>
+            </a:r>
+            <a:r>
+              <a:rPr kumimoji="0" lang="en-US" altLang="en-US" sz="900" b="0" i="0" u="none" strike="noStrike" cap="none" normalizeH="0" baseline="0" dirty="0">
+                <a:ln>
+                  <a:noFill/>
+                </a:ln>
+                <a:solidFill>
+                  <a:srgbClr val="6A8759"/>
+                </a:solidFill>
+                <a:effectLst/>
+                <a:latin typeface="Consolas" panose="020B0609020204030204" pitchFamily="49" charset="0"/>
+              </a:rPr>
+              <a:t>'</a:t>
+            </a:r>
+            <a:r>
+              <a:rPr kumimoji="0" lang="en-US" altLang="en-US" sz="900" b="0" i="0" u="none" strike="noStrike" cap="none" normalizeH="0" baseline="0" dirty="0">
+                <a:ln>
+                  <a:noFill/>
+                </a:ln>
+                <a:solidFill>
+                  <a:srgbClr val="CC7832"/>
+                </a:solidFill>
+                <a:effectLst/>
+                <a:latin typeface="Consolas" panose="020B0609020204030204" pitchFamily="49" charset="0"/>
+              </a:rPr>
+              <a:t>, </a:t>
+            </a:r>
+            <a:r>
+              <a:rPr kumimoji="0" lang="en-US" altLang="en-US" sz="900" b="0" i="0" u="none" strike="noStrike" cap="none" normalizeH="0" baseline="0" dirty="0">
+                <a:ln>
+                  <a:noFill/>
+                </a:ln>
+                <a:solidFill>
+                  <a:srgbClr val="6A8759"/>
+                </a:solidFill>
+                <a:effectLst/>
+                <a:latin typeface="Consolas" panose="020B0609020204030204" pitchFamily="49" charset="0"/>
+              </a:rPr>
+              <a:t>'numeric'</a:t>
+            </a:r>
+            <a:r>
+              <a:rPr kumimoji="0" lang="en-US" altLang="en-US" sz="900" b="0" i="0" u="none" strike="noStrike" cap="none" normalizeH="0" baseline="0" dirty="0">
+                <a:ln>
+                  <a:noFill/>
+                </a:ln>
+                <a:solidFill>
+                  <a:srgbClr val="CC7832"/>
+                </a:solidFill>
+                <a:effectLst/>
+                <a:latin typeface="Consolas" panose="020B0609020204030204" pitchFamily="49" charset="0"/>
+              </a:rPr>
+              <a:t>, </a:t>
+            </a:r>
+            <a:r>
+              <a:rPr kumimoji="0" lang="en-US" altLang="en-US" sz="900" b="0" i="0" u="none" strike="noStrike" cap="none" normalizeH="0" baseline="0" dirty="0">
+                <a:ln>
+                  <a:noFill/>
+                </a:ln>
+                <a:solidFill>
+                  <a:srgbClr val="AA4926"/>
+                </a:solidFill>
+                <a:effectLst/>
+                <a:latin typeface="Consolas" panose="020B0609020204030204" pitchFamily="49" charset="0"/>
+              </a:rPr>
+              <a:t>members</a:t>
+            </a:r>
+            <a:r>
+              <a:rPr kumimoji="0" lang="en-US" altLang="en-US" sz="900" b="0" i="0" u="none" strike="noStrike" cap="none" normalizeH="0" baseline="0" dirty="0">
+                <a:ln>
+                  <a:noFill/>
+                </a:ln>
+                <a:solidFill>
+                  <a:srgbClr val="A9B7C6"/>
+                </a:solidFill>
+                <a:effectLst/>
+                <a:latin typeface="Consolas" panose="020B0609020204030204" pitchFamily="49" charset="0"/>
+              </a:rPr>
+              <a:t>=[</a:t>
+            </a:r>
+            <a:r>
+              <a:rPr kumimoji="0" lang="en-US" altLang="en-US" sz="900" b="0" i="0" u="none" strike="noStrike" cap="none" normalizeH="0" baseline="0" dirty="0">
+                <a:ln>
+                  <a:noFill/>
+                </a:ln>
+                <a:solidFill>
+                  <a:srgbClr val="6897BB"/>
+                </a:solidFill>
+                <a:effectLst/>
+                <a:latin typeface="Consolas" panose="020B0609020204030204" pitchFamily="49" charset="0"/>
+              </a:rPr>
+              <a:t>1</a:t>
+            </a:r>
+            <a:r>
+              <a:rPr kumimoji="0" lang="en-US" altLang="en-US" sz="900" b="0" i="0" u="none" strike="noStrike" cap="none" normalizeH="0" baseline="0" dirty="0">
+                <a:ln>
+                  <a:noFill/>
+                </a:ln>
+                <a:solidFill>
+                  <a:srgbClr val="A9B7C6"/>
+                </a:solidFill>
+                <a:effectLst/>
+                <a:latin typeface="Consolas" panose="020B0609020204030204" pitchFamily="49" charset="0"/>
+              </a:rPr>
+              <a:t>])</a:t>
+            </a:r>
+          </a:p>
+          <a:p>
+            <a:pPr marL="0" marR="0" lvl="0" indent="0" algn="l" defTabSz="914400" rtl="0" eaLnBrk="0" fontAlgn="base" latinLnBrk="0" hangingPunct="0">
+              <a:lnSpc>
+                <a:spcPct val="100000"/>
+              </a:lnSpc>
+              <a:spcBef>
+                <a:spcPct val="0"/>
+              </a:spcBef>
+              <a:spcAft>
+                <a:spcPct val="0"/>
+              </a:spcAft>
+              <a:buClrTx/>
+              <a:buSzTx/>
+              <a:buFontTx/>
+              <a:buNone/>
+              <a:tabLst/>
+            </a:pPr>
+            <a:endParaRPr kumimoji="0" lang="en-US" altLang="en-US" sz="1800" b="0" i="0" u="none" strike="noStrike" cap="none" normalizeH="0" baseline="0" dirty="0">
+              <a:ln>
+                <a:noFill/>
+              </a:ln>
+              <a:solidFill>
+                <a:schemeClr val="tx1"/>
+              </a:solidFill>
+              <a:effectLst/>
+              <a:latin typeface="Arial" panose="020B0604020202020204" pitchFamily="34" charset="0"/>
+            </a:endParaRPr>
+          </a:p>
+        </p:txBody>
+      </p:sp>
+    </p:spTree>
+    <p:extLst>
+      <p:ext uri="{BB962C8B-B14F-4D97-AF65-F5344CB8AC3E}">
+        <p14:creationId xmlns:p14="http://schemas.microsoft.com/office/powerpoint/2010/main" val="3547859390"/>
+      </p:ext>
+    </p:extLst>
+  </p:cSld>
+  <p:clrMapOvr>
+    <a:masterClrMapping/>
+  </p:clrMapOvr>
+  <mc:AlternateContent xmlns:mc="http://schemas.openxmlformats.org/markup-compatibility/2006" xmlns:p14="http://schemas.microsoft.com/office/powerpoint/2010/main">
+    <mc:Choice Requires="p14">
+      <p:transition spd="med" p14:dur="700">
+        <p:fade/>
+      </p:transition>
+    </mc:Choice>
+    <mc:Fallback xmlns="">
+      <p:transition spd="med">
+        <p:fade/>
+      </p:transition>
+    </mc:Fallback>
+  </mc:AlternateContent>
+</p:sld>
+</file>
+
+<file path=ppt/slides/slide23.xml><?xml version="1.0" encoding="utf-8"?>
+<p:sld xmlns:a="http://schemas.openxmlformats.org/drawingml/2006/main" xmlns:r="http://schemas.openxmlformats.org/officeDocument/2006/relationships" xmlns:p="http://schemas.openxmlformats.org/presentationml/2006/main">
+  <p:cSld>
+    <p:spTree>
+      <p:nvGrpSpPr>
+        <p:cNvPr id="1" name=""/>
+        <p:cNvGrpSpPr/>
+        <p:nvPr/>
+      </p:nvGrpSpPr>
+      <p:grpSpPr>
+        <a:xfrm>
+          <a:off x="0" y="0"/>
+          <a:ext cx="0" cy="0"/>
+          <a:chOff x="0" y="0"/>
+          <a:chExt cx="0" cy="0"/>
+        </a:xfrm>
+      </p:grpSpPr>
+      <p:sp>
+        <p:nvSpPr>
+          <p:cNvPr id="2" name="Title 1">
+            <a:extLst>
+              <a:ext uri="{FF2B5EF4-FFF2-40B4-BE49-F238E27FC236}">
                 <a16:creationId xmlns:a16="http://schemas.microsoft.com/office/drawing/2014/main" id="{04082BFE-9C4A-4C27-A071-D395608FC2F9}"/>
               </a:ext>
             </a:extLst>
@@ -10081,7 +10384,7 @@
 </p:sld>
 </file>
 
-<file path=ppt/slides/slide23.xml><?xml version="1.0" encoding="utf-8"?>
+<file path=ppt/slides/slide24.xml><?xml version="1.0" encoding="utf-8"?>
 <p:sld xmlns:a="http://schemas.openxmlformats.org/drawingml/2006/main" xmlns:r="http://schemas.openxmlformats.org/officeDocument/2006/relationships" xmlns:p="http://schemas.openxmlformats.org/presentationml/2006/main">
   <p:cSld>
     <p:spTree>
@@ -10211,7 +10514,7 @@
 </p:sld>
 </file>
 
-<file path=ppt/slides/slide24.xml><?xml version="1.0" encoding="utf-8"?>
+<file path=ppt/slides/slide25.xml><?xml version="1.0" encoding="utf-8"?>
 <p:sld xmlns:a="http://schemas.openxmlformats.org/drawingml/2006/main" xmlns:r="http://schemas.openxmlformats.org/officeDocument/2006/relationships" xmlns:p="http://schemas.openxmlformats.org/presentationml/2006/main">
   <p:cSld>
     <p:spTree>
@@ -11016,7 +11319,7 @@
 </p:sld>
 </file>
 
-<file path=ppt/slides/slide25.xml><?xml version="1.0" encoding="utf-8"?>
+<file path=ppt/slides/slide26.xml><?xml version="1.0" encoding="utf-8"?>
 <p:sld xmlns:a="http://schemas.openxmlformats.org/drawingml/2006/main" xmlns:r="http://schemas.openxmlformats.org/officeDocument/2006/relationships" xmlns:p="http://schemas.openxmlformats.org/presentationml/2006/main">
   <p:cSld>
     <p:spTree>
@@ -11138,7 +11441,7 @@
 </p:sld>
 </file>
 
-<file path=ppt/slides/slide26.xml><?xml version="1.0" encoding="utf-8"?>
+<file path=ppt/slides/slide27.xml><?xml version="1.0" encoding="utf-8"?>
 <p:sld xmlns:a="http://schemas.openxmlformats.org/drawingml/2006/main" xmlns:r="http://schemas.openxmlformats.org/officeDocument/2006/relationships" xmlns:p="http://schemas.openxmlformats.org/presentationml/2006/main">
   <p:cSld>
     <p:spTree>
@@ -11268,7 +11571,7 @@
 </p:sld>
 </file>
 
-<file path=ppt/slides/slide27.xml><?xml version="1.0" encoding="utf-8"?>
+<file path=ppt/slides/slide28.xml><?xml version="1.0" encoding="utf-8"?>
 <p:sld xmlns:a="http://schemas.openxmlformats.org/drawingml/2006/main" xmlns:r="http://schemas.openxmlformats.org/officeDocument/2006/relationships" xmlns:p="http://schemas.openxmlformats.org/presentationml/2006/main">
   <p:cSld>
     <p:spTree>
@@ -11476,7 +11779,7 @@
 </p:sld>
 </file>
 
-<file path=ppt/slides/slide28.xml><?xml version="1.0" encoding="utf-8"?>
+<file path=ppt/slides/slide29.xml><?xml version="1.0" encoding="utf-8"?>
 <p:sld xmlns:a="http://schemas.openxmlformats.org/drawingml/2006/main" xmlns:r="http://schemas.openxmlformats.org/officeDocument/2006/relationships" xmlns:p="http://schemas.openxmlformats.org/presentationml/2006/main">
   <p:cSld>
     <p:spTree>
@@ -11718,7 +12021,7 @@
           <p:cNvPr id="2" name="Title 1">
             <a:extLst>
               <a:ext uri="{FF2B5EF4-FFF2-40B4-BE49-F238E27FC236}">
-                <a16:creationId xmlns:a16="http://schemas.microsoft.com/office/drawing/2014/main" id="{AAA943A8-F6AF-45FB-BA7A-F24B9C8AA571}"/>
+                <a16:creationId xmlns:a16="http://schemas.microsoft.com/office/drawing/2014/main" id="{A9F3CA17-A44F-4EE4-8F68-F55119CC6755}"/>
               </a:ext>
             </a:extLst>
           </p:cNvPr>
@@ -11729,19 +12032,14 @@
             <p:ph type="title"/>
           </p:nvPr>
         </p:nvSpPr>
-        <p:spPr>
-          <a:xfrm>
-            <a:off x="1218883" y="274637"/>
-            <a:ext cx="10360501" cy="715963"/>
-          </a:xfrm>
-        </p:spPr>
+        <p:spPr/>
         <p:txBody>
           <a:bodyPr/>
           <a:lstStyle/>
           <a:p>
             <a:r>
               <a:rPr lang="en-US" dirty="0"/>
-              <a:t>Sisense, REST, and Automation</a:t>
+              <a:t>Examples of Other SDKs</a:t>
             </a:r>
           </a:p>
         </p:txBody>
@@ -11751,7 +12049,7 @@
           <p:cNvPr id="3" name="Content Placeholder 2">
             <a:extLst>
               <a:ext uri="{FF2B5EF4-FFF2-40B4-BE49-F238E27FC236}">
-                <a16:creationId xmlns:a16="http://schemas.microsoft.com/office/drawing/2014/main" id="{F9F42571-0882-43F6-BC43-B5838D83241F}"/>
+                <a16:creationId xmlns:a16="http://schemas.microsoft.com/office/drawing/2014/main" id="{EEB369F8-2F8D-4B8A-B281-75AB48512D1C}"/>
               </a:ext>
             </a:extLst>
           </p:cNvPr>
@@ -11762,67 +12060,60 @@
             <p:ph idx="1"/>
           </p:nvPr>
         </p:nvSpPr>
-        <p:spPr>
-          <a:xfrm>
-            <a:off x="1103025" y="1407297"/>
-            <a:ext cx="8944211" cy="4840369"/>
-          </a:xfrm>
-        </p:spPr>
+        <p:spPr/>
         <p:txBody>
-          <a:bodyPr>
-            <a:normAutofit fontScale="92500" lnSpcReduction="20000"/>
-          </a:bodyPr>
+          <a:bodyPr/>
           <a:lstStyle/>
           <a:p>
             <a:r>
               <a:rPr lang="en-US" dirty="0"/>
-              <a:t>All communication between the front end and the back end of Sisense is accomplished via REST. </a:t>
-            </a:r>
-          </a:p>
-          <a:p>
-            <a:r>
-              <a:rPr lang="en-US" dirty="0"/>
-              <a:t>REST (Representational State Transfer) is a protocol that allows us to programmatically tell the server to do something for us, generally either</a:t>
+              <a:t>Looker: </a:t>
             </a:r>
           </a:p>
           <a:p>
             <a:pPr lvl="1"/>
             <a:r>
               <a:rPr lang="en-US" dirty="0"/>
-              <a:t>Get information</a:t>
+              <a:t>Ruby, JavaScript, Python</a:t>
+            </a:r>
+          </a:p>
+          <a:p>
+            <a:r>
+              <a:rPr lang="en-US" dirty="0"/>
+              <a:t>Tableau:</a:t>
             </a:r>
           </a:p>
           <a:p>
             <a:pPr lvl="1"/>
             <a:r>
               <a:rPr lang="en-US" dirty="0"/>
-              <a:t>Modify information</a:t>
+              <a:t>C, C++, Java, Python</a:t>
+            </a:r>
+          </a:p>
+          <a:p>
+            <a:r>
+              <a:rPr lang="en-US" dirty="0"/>
+              <a:t>Power BI:</a:t>
             </a:r>
           </a:p>
           <a:p>
             <a:pPr lvl="1"/>
             <a:r>
               <a:rPr lang="en-US" dirty="0"/>
-              <a:t>Add information</a:t>
+              <a:t>.NET</a:t>
+            </a:r>
+          </a:p>
+          <a:p>
+            <a:r>
+              <a:rPr lang="en-US" dirty="0"/>
+              <a:t>Domo</a:t>
             </a:r>
           </a:p>
           <a:p>
             <a:pPr lvl="1"/>
             <a:r>
               <a:rPr lang="en-US" dirty="0"/>
-              <a:t>Delete information</a:t>
-            </a:r>
-          </a:p>
-          <a:p>
-            <a:r>
-              <a:rPr lang="en-US" dirty="0"/>
-              <a:t>When you click a button on the UI, you are activating a REST call. </a:t>
-            </a:r>
-          </a:p>
-          <a:p>
-            <a:r>
-              <a:rPr lang="en-US" dirty="0"/>
-              <a:t>Automation is skipping the button pressing and just making the REST call directly. </a:t>
+              <a:t>Java, Python</a:t>
             </a:r>
           </a:p>
         </p:txBody>
@@ -11830,7 +12121,7 @@
     </p:spTree>
     <p:extLst>
       <p:ext uri="{BB962C8B-B14F-4D97-AF65-F5344CB8AC3E}">
-        <p14:creationId xmlns:p14="http://schemas.microsoft.com/office/powerpoint/2010/main" val="3957816765"/>
+        <p14:creationId xmlns:p14="http://schemas.microsoft.com/office/powerpoint/2010/main" val="2731728544"/>
       </p:ext>
     </p:extLst>
   </p:cSld>
@@ -11874,7 +12165,7 @@
           <p:cNvPr id="2" name="Title 1">
             <a:extLst>
               <a:ext uri="{FF2B5EF4-FFF2-40B4-BE49-F238E27FC236}">
-                <a16:creationId xmlns:a16="http://schemas.microsoft.com/office/drawing/2014/main" id="{C704E581-86A1-4D3C-B38E-B584EDCB5295}"/>
+                <a16:creationId xmlns:a16="http://schemas.microsoft.com/office/drawing/2014/main" id="{AAA943A8-F6AF-45FB-BA7A-F24B9C8AA571}"/>
               </a:ext>
             </a:extLst>
           </p:cNvPr>
@@ -11885,18 +12176,19 @@
             <p:ph type="title"/>
           </p:nvPr>
         </p:nvSpPr>
-        <p:spPr/>
+        <p:spPr>
+          <a:xfrm>
+            <a:off x="1218883" y="274637"/>
+            <a:ext cx="10360501" cy="715963"/>
+          </a:xfrm>
+        </p:spPr>
         <p:txBody>
           <a:bodyPr/>
           <a:lstStyle/>
           <a:p>
             <a:r>
-              <a:rPr lang="en-US" dirty="0" err="1"/>
-              <a:t>PySense</a:t>
-            </a:r>
-            <a:r>
-              <a:rPr lang="en-US" dirty="0"/>
-              <a:t> is Object Oriented Sisense	</a:t>
+              <a:rPr lang="en-US" dirty="0"/>
+              <a:t>Sisense, REST, and Automation</a:t>
             </a:r>
           </a:p>
         </p:txBody>
@@ -11906,7 +12198,7 @@
           <p:cNvPr id="3" name="Content Placeholder 2">
             <a:extLst>
               <a:ext uri="{FF2B5EF4-FFF2-40B4-BE49-F238E27FC236}">
-                <a16:creationId xmlns:a16="http://schemas.microsoft.com/office/drawing/2014/main" id="{CABCEE03-E989-40AC-9386-72FA6F9D92A0}"/>
+                <a16:creationId xmlns:a16="http://schemas.microsoft.com/office/drawing/2014/main" id="{F9F42571-0882-43F6-BC43-B5838D83241F}"/>
               </a:ext>
             </a:extLst>
           </p:cNvPr>
@@ -11917,34 +12209,67 @@
             <p:ph idx="1"/>
           </p:nvPr>
         </p:nvSpPr>
-        <p:spPr/>
+        <p:spPr>
+          <a:xfrm>
+            <a:off x="1103025" y="1407297"/>
+            <a:ext cx="8944211" cy="4840369"/>
+          </a:xfrm>
+        </p:spPr>
         <p:txBody>
-          <a:bodyPr/>
+          <a:bodyPr>
+            <a:normAutofit fontScale="92500" lnSpcReduction="20000"/>
+          </a:bodyPr>
           <a:lstStyle/>
           <a:p>
             <a:r>
               <a:rPr lang="en-US" dirty="0"/>
-              <a:t>Object Oriented Programming (OOP) takes abstract computer elements and models them as objects which are easier for humans to understand.</a:t>
-            </a:r>
-          </a:p>
-          <a:p>
-            <a:r>
-              <a:rPr lang="en-US" dirty="0"/>
-              <a:t>When you ask Sisense for a dashboard it returns you a JSON blob</a:t>
-            </a:r>
-          </a:p>
-          <a:p>
-            <a:r>
-              <a:rPr lang="en-US" dirty="0"/>
-              <a:t>When you ask </a:t>
-            </a:r>
-            <a:r>
-              <a:rPr lang="en-US" dirty="0" err="1"/>
-              <a:t>PySense</a:t>
-            </a:r>
-            <a:r>
-              <a:rPr lang="en-US" dirty="0"/>
-              <a:t> for a dashboard, it returns a dashboard object. </a:t>
+              <a:t>All communication between the front end and the back end of Sisense is accomplished via REST. </a:t>
+            </a:r>
+          </a:p>
+          <a:p>
+            <a:r>
+              <a:rPr lang="en-US" dirty="0"/>
+              <a:t>REST (Representational State Transfer) is a protocol that allows us to programmatically tell the server to do something for us, generally either</a:t>
+            </a:r>
+          </a:p>
+          <a:p>
+            <a:pPr lvl="1"/>
+            <a:r>
+              <a:rPr lang="en-US" dirty="0"/>
+              <a:t>Get information</a:t>
+            </a:r>
+          </a:p>
+          <a:p>
+            <a:pPr lvl="1"/>
+            <a:r>
+              <a:rPr lang="en-US" dirty="0"/>
+              <a:t>Modify information</a:t>
+            </a:r>
+          </a:p>
+          <a:p>
+            <a:pPr lvl="1"/>
+            <a:r>
+              <a:rPr lang="en-US" dirty="0"/>
+              <a:t>Add information</a:t>
+            </a:r>
+          </a:p>
+          <a:p>
+            <a:pPr lvl="1"/>
+            <a:r>
+              <a:rPr lang="en-US" dirty="0"/>
+              <a:t>Delete information</a:t>
+            </a:r>
+          </a:p>
+          <a:p>
+            <a:r>
+              <a:rPr lang="en-US" dirty="0"/>
+              <a:t>When you click a button on the UI, you are activating a REST call. </a:t>
+            </a:r>
+          </a:p>
+          <a:p>
+            <a:r>
+              <a:rPr lang="en-US" dirty="0"/>
+              <a:t>Automation is skipping the button pressing and just making the REST call directly. </a:t>
             </a:r>
           </a:p>
         </p:txBody>
@@ -11952,7 +12277,7 @@
     </p:spTree>
     <p:extLst>
       <p:ext uri="{BB962C8B-B14F-4D97-AF65-F5344CB8AC3E}">
-        <p14:creationId xmlns:p14="http://schemas.microsoft.com/office/powerpoint/2010/main" val="299691989"/>
+        <p14:creationId xmlns:p14="http://schemas.microsoft.com/office/powerpoint/2010/main" val="3957816765"/>
       </p:ext>
     </p:extLst>
   </p:cSld>
@@ -11996,6 +12321,128 @@
           <p:cNvPr id="2" name="Title 1">
             <a:extLst>
               <a:ext uri="{FF2B5EF4-FFF2-40B4-BE49-F238E27FC236}">
+                <a16:creationId xmlns:a16="http://schemas.microsoft.com/office/drawing/2014/main" id="{C704E581-86A1-4D3C-B38E-B584EDCB5295}"/>
+              </a:ext>
+            </a:extLst>
+          </p:cNvPr>
+          <p:cNvSpPr>
+            <a:spLocks noGrp="1"/>
+          </p:cNvSpPr>
+          <p:nvPr>
+            <p:ph type="title"/>
+          </p:nvPr>
+        </p:nvSpPr>
+        <p:spPr/>
+        <p:txBody>
+          <a:bodyPr/>
+          <a:lstStyle/>
+          <a:p>
+            <a:r>
+              <a:rPr lang="en-US" dirty="0" err="1"/>
+              <a:t>PySense</a:t>
+            </a:r>
+            <a:r>
+              <a:rPr lang="en-US" dirty="0"/>
+              <a:t> is Object Oriented Sisense	</a:t>
+            </a:r>
+          </a:p>
+        </p:txBody>
+      </p:sp>
+      <p:sp>
+        <p:nvSpPr>
+          <p:cNvPr id="3" name="Content Placeholder 2">
+            <a:extLst>
+              <a:ext uri="{FF2B5EF4-FFF2-40B4-BE49-F238E27FC236}">
+                <a16:creationId xmlns:a16="http://schemas.microsoft.com/office/drawing/2014/main" id="{CABCEE03-E989-40AC-9386-72FA6F9D92A0}"/>
+              </a:ext>
+            </a:extLst>
+          </p:cNvPr>
+          <p:cNvSpPr>
+            <a:spLocks noGrp="1"/>
+          </p:cNvSpPr>
+          <p:nvPr>
+            <p:ph idx="1"/>
+          </p:nvPr>
+        </p:nvSpPr>
+        <p:spPr/>
+        <p:txBody>
+          <a:bodyPr/>
+          <a:lstStyle/>
+          <a:p>
+            <a:r>
+              <a:rPr lang="en-US" dirty="0"/>
+              <a:t>Object Oriented Programming (OOP) takes abstract computer elements and models them as objects which are easier for humans to understand.</a:t>
+            </a:r>
+          </a:p>
+          <a:p>
+            <a:r>
+              <a:rPr lang="en-US" dirty="0"/>
+              <a:t>When you ask Sisense for a dashboard it returns you a JSON blob</a:t>
+            </a:r>
+          </a:p>
+          <a:p>
+            <a:r>
+              <a:rPr lang="en-US" dirty="0"/>
+              <a:t>When you ask </a:t>
+            </a:r>
+            <a:r>
+              <a:rPr lang="en-US" dirty="0" err="1"/>
+              <a:t>PySense</a:t>
+            </a:r>
+            <a:r>
+              <a:rPr lang="en-US" dirty="0"/>
+              <a:t> for a dashboard, it returns a dashboard object. </a:t>
+            </a:r>
+          </a:p>
+        </p:txBody>
+      </p:sp>
+    </p:spTree>
+    <p:extLst>
+      <p:ext uri="{BB962C8B-B14F-4D97-AF65-F5344CB8AC3E}">
+        <p14:creationId xmlns:p14="http://schemas.microsoft.com/office/powerpoint/2010/main" val="299691989"/>
+      </p:ext>
+    </p:extLst>
+  </p:cSld>
+  <p:clrMapOvr>
+    <a:masterClrMapping/>
+  </p:clrMapOvr>
+  <mc:AlternateContent xmlns:mc="http://schemas.openxmlformats.org/markup-compatibility/2006" xmlns:p14="http://schemas.microsoft.com/office/powerpoint/2010/main">
+    <mc:Choice Requires="p14">
+      <p:transition spd="med" p14:dur="700">
+        <p:fade/>
+      </p:transition>
+    </mc:Choice>
+    <mc:Fallback xmlns="">
+      <p:transition spd="med">
+        <p:fade/>
+      </p:transition>
+    </mc:Fallback>
+  </mc:AlternateContent>
+</p:sld>
+</file>
+
+<file path=ppt/slides/slide7.xml><?xml version="1.0" encoding="utf-8"?>
+<p:sld xmlns:a="http://schemas.openxmlformats.org/drawingml/2006/main" xmlns:r="http://schemas.openxmlformats.org/officeDocument/2006/relationships" xmlns:p="http://schemas.openxmlformats.org/presentationml/2006/main">
+  <p:cSld>
+    <p:spTree>
+      <p:nvGrpSpPr>
+        <p:cNvPr id="1" name=""/>
+        <p:cNvGrpSpPr/>
+        <p:nvPr/>
+      </p:nvGrpSpPr>
+      <p:grpSpPr>
+        <a:xfrm>
+          <a:off x="0" y="0"/>
+          <a:ext cx="0" cy="0"/>
+          <a:chOff x="0" y="0"/>
+          <a:chExt cx="0" cy="0"/>
+        </a:xfrm>
+      </p:grpSpPr>
+      <p:sp>
+        <p:nvSpPr>
+          <p:cNvPr id="2" name="Title 1">
+            <a:extLst>
+              <a:ext uri="{FF2B5EF4-FFF2-40B4-BE49-F238E27FC236}">
                 <a16:creationId xmlns:a16="http://schemas.microsoft.com/office/drawing/2014/main" id="{3D42713F-2E33-40D8-802B-1F5AD76B59DB}"/>
               </a:ext>
             </a:extLst>
@@ -12046,7 +12493,7 @@
         <p:spPr/>
         <p:txBody>
           <a:bodyPr>
-            <a:normAutofit lnSpcReduction="10000"/>
+            <a:normAutofit fontScale="92500" lnSpcReduction="10000"/>
           </a:bodyPr>
           <a:lstStyle/>
           <a:p>
@@ -12110,6 +12557,13 @@
             <a:r>
               <a:rPr lang="en-US" dirty="0"/>
               <a:t>Documentation</a:t>
+            </a:r>
+          </a:p>
+          <a:p>
+            <a:pPr lvl="1"/>
+            <a:r>
+              <a:rPr lang="en-US" dirty="0"/>
+              <a:t>Sample Scripts</a:t>
             </a:r>
           </a:p>
           <a:p>
@@ -12156,7 +12610,7 @@
 </p:sld>
 </file>
 
-<file path=ppt/slides/slide7.xml><?xml version="1.0" encoding="utf-8"?>
+<file path=ppt/slides/slide8.xml><?xml version="1.0" encoding="utf-8"?>
 <p:sld xmlns:a="http://schemas.openxmlformats.org/drawingml/2006/main" xmlns:r="http://schemas.openxmlformats.org/officeDocument/2006/relationships" xmlns:p="http://schemas.openxmlformats.org/presentationml/2006/main">
   <p:cSld>
     <p:spTree>
@@ -12304,7 +12758,7 @@
 </p:sld>
 </file>
 
-<file path=ppt/slides/slide8.xml><?xml version="1.0" encoding="utf-8"?>
+<file path=ppt/slides/slide9.xml><?xml version="1.0" encoding="utf-8"?>
 <p:sld xmlns:a="http://schemas.openxmlformats.org/drawingml/2006/main" xmlns:r="http://schemas.openxmlformats.org/officeDocument/2006/relationships" xmlns:p="http://schemas.openxmlformats.org/presentationml/2006/main">
   <p:cSld>
     <p:spTree>
@@ -12426,311 +12880,6 @@
     <p:extLst>
       <p:ext uri="{BB962C8B-B14F-4D97-AF65-F5344CB8AC3E}">
         <p14:creationId xmlns:p14="http://schemas.microsoft.com/office/powerpoint/2010/main" val="3729979138"/>
-      </p:ext>
-    </p:extLst>
-  </p:cSld>
-  <p:clrMapOvr>
-    <a:masterClrMapping/>
-  </p:clrMapOvr>
-  <mc:AlternateContent xmlns:mc="http://schemas.openxmlformats.org/markup-compatibility/2006" xmlns:p14="http://schemas.microsoft.com/office/powerpoint/2010/main">
-    <mc:Choice Requires="p14">
-      <p:transition spd="med" p14:dur="700">
-        <p:fade/>
-      </p:transition>
-    </mc:Choice>
-    <mc:Fallback xmlns="">
-      <p:transition spd="med">
-        <p:fade/>
-      </p:transition>
-    </mc:Fallback>
-  </mc:AlternateContent>
-</p:sld>
-</file>
-
-<file path=ppt/slides/slide9.xml><?xml version="1.0" encoding="utf-8"?>
-<p:sld xmlns:a="http://schemas.openxmlformats.org/drawingml/2006/main" xmlns:r="http://schemas.openxmlformats.org/officeDocument/2006/relationships" xmlns:p="http://schemas.openxmlformats.org/presentationml/2006/main">
-  <p:cSld>
-    <p:spTree>
-      <p:nvGrpSpPr>
-        <p:cNvPr id="1" name=""/>
-        <p:cNvGrpSpPr/>
-        <p:nvPr/>
-      </p:nvGrpSpPr>
-      <p:grpSpPr>
-        <a:xfrm>
-          <a:off x="0" y="0"/>
-          <a:ext cx="0" cy="0"/>
-          <a:chOff x="0" y="0"/>
-          <a:chExt cx="0" cy="0"/>
-        </a:xfrm>
-      </p:grpSpPr>
-      <p:sp>
-        <p:nvSpPr>
-          <p:cNvPr id="2" name="Title 1">
-            <a:extLst>
-              <a:ext uri="{FF2B5EF4-FFF2-40B4-BE49-F238E27FC236}">
-                <a16:creationId xmlns:a16="http://schemas.microsoft.com/office/drawing/2014/main" id="{BD70C8AC-7EA8-43CD-B1BB-4E7FB11AD150}"/>
-              </a:ext>
-            </a:extLst>
-          </p:cNvPr>
-          <p:cNvSpPr>
-            <a:spLocks noGrp="1"/>
-          </p:cNvSpPr>
-          <p:nvPr>
-            <p:ph type="title"/>
-          </p:nvPr>
-        </p:nvSpPr>
-        <p:spPr/>
-        <p:txBody>
-          <a:bodyPr/>
-          <a:lstStyle/>
-          <a:p>
-            <a:r>
-              <a:rPr lang="en-US" dirty="0"/>
-              <a:t>Set up Python and </a:t>
-            </a:r>
-            <a:r>
-              <a:rPr lang="en-US" dirty="0" err="1"/>
-              <a:t>PySense</a:t>
-            </a:r>
-            <a:endParaRPr lang="en-US" dirty="0"/>
-          </a:p>
-        </p:txBody>
-      </p:sp>
-      <p:sp>
-        <p:nvSpPr>
-          <p:cNvPr id="3" name="Content Placeholder 2">
-            <a:extLst>
-              <a:ext uri="{FF2B5EF4-FFF2-40B4-BE49-F238E27FC236}">
-                <a16:creationId xmlns:a16="http://schemas.microsoft.com/office/drawing/2014/main" id="{26B6DFAD-7750-4EF1-B0FB-BC25002C952B}"/>
-              </a:ext>
-            </a:extLst>
-          </p:cNvPr>
-          <p:cNvSpPr>
-            <a:spLocks noGrp="1"/>
-          </p:cNvSpPr>
-          <p:nvPr>
-            <p:ph idx="1"/>
-          </p:nvPr>
-        </p:nvSpPr>
-        <p:spPr/>
-        <p:txBody>
-          <a:bodyPr/>
-          <a:lstStyle/>
-          <a:p>
-            <a:r>
-              <a:rPr lang="en-US" dirty="0"/>
-              <a:t>Install Python and an IDE of your choice. (</a:t>
-            </a:r>
-            <a:r>
-              <a:rPr lang="en-US" dirty="0" err="1"/>
-              <a:t>PySense</a:t>
-            </a:r>
-            <a:r>
-              <a:rPr lang="en-US" dirty="0"/>
-              <a:t> was developed on PyCharm). </a:t>
-            </a:r>
-          </a:p>
-          <a:p>
-            <a:r>
-              <a:rPr lang="en-US" dirty="0"/>
-              <a:t>Install the </a:t>
-            </a:r>
-            <a:r>
-              <a:rPr lang="en-US" dirty="0" err="1"/>
-              <a:t>PySense</a:t>
-            </a:r>
-            <a:r>
-              <a:rPr lang="en-US" dirty="0"/>
-              <a:t> library through pip</a:t>
-            </a:r>
-          </a:p>
-          <a:p>
-            <a:pPr lvl="1"/>
-            <a:r>
-              <a:rPr lang="en-US" dirty="0"/>
-              <a:t>pip install </a:t>
-            </a:r>
-            <a:r>
-              <a:rPr lang="en-US" dirty="0" err="1"/>
-              <a:t>PySenseSDK</a:t>
-            </a:r>
-            <a:endParaRPr lang="en-US" dirty="0"/>
-          </a:p>
-          <a:p>
-            <a:r>
-              <a:rPr lang="en-US" dirty="0"/>
-              <a:t>Include </a:t>
-            </a:r>
-            <a:r>
-              <a:rPr lang="en-US" dirty="0" err="1"/>
-              <a:t>PySense</a:t>
-            </a:r>
-            <a:r>
-              <a:rPr lang="en-US" dirty="0"/>
-              <a:t> in all your scripts: </a:t>
-            </a:r>
-          </a:p>
-        </p:txBody>
-      </p:sp>
-      <p:sp>
-        <p:nvSpPr>
-          <p:cNvPr id="4" name="Rectangle 1">
-            <a:extLst>
-              <a:ext uri="{FF2B5EF4-FFF2-40B4-BE49-F238E27FC236}">
-                <a16:creationId xmlns:a16="http://schemas.microsoft.com/office/drawing/2014/main" id="{4B7E0459-AA64-4C98-AEE2-1F840C31B803}"/>
-              </a:ext>
-            </a:extLst>
-          </p:cNvPr>
-          <p:cNvSpPr>
-            <a:spLocks noChangeArrowheads="1"/>
-          </p:cNvSpPr>
-          <p:nvPr/>
-        </p:nvSpPr>
-        <p:spPr bwMode="auto">
-          <a:xfrm>
-            <a:off x="6780212" y="3817517"/>
-            <a:ext cx="1905000" cy="230832"/>
-          </a:xfrm>
-          <a:prstGeom prst="rect">
-            <a:avLst/>
-          </a:prstGeom>
-          <a:solidFill>
-            <a:srgbClr val="2B2B2B"/>
-          </a:solidFill>
-          <a:ln>
-            <a:noFill/>
-          </a:ln>
-          <a:effectLst/>
-          <a:extLst>
-            <a:ext uri="{91240B29-F687-4F45-9708-019B960494DF}">
-              <a14:hiddenLine xmlns:a14="http://schemas.microsoft.com/office/drawing/2010/main" w="9525">
-                <a:solidFill>
-                  <a:schemeClr val="tx1"/>
-                </a:solidFill>
-                <a:miter lim="800000"/>
-                <a:headEnd/>
-                <a:tailEnd/>
-              </a14:hiddenLine>
-            </a:ext>
-            <a:ext uri="{AF507438-7753-43E0-B8FC-AC1667EBCBE1}">
-              <a14:hiddenEffects xmlns:a14="http://schemas.microsoft.com/office/drawing/2010/main">
-                <a:effectLst>
-                  <a:outerShdw dist="35921" dir="2700000" algn="ctr" rotWithShape="0">
-                    <a:schemeClr val="bg2"/>
-                  </a:outerShdw>
-                </a:effectLst>
-              </a14:hiddenEffects>
-            </a:ext>
-          </a:extLst>
-        </p:spPr>
-        <p:txBody>
-          <a:bodyPr vert="horz" wrap="square" lIns="91440" tIns="45720" rIns="91440" bIns="45720" numCol="1" anchor="ctr" anchorCtr="0" compatLnSpc="1">
-            <a:prstTxWarp prst="textNoShape">
-              <a:avLst/>
-            </a:prstTxWarp>
-            <a:spAutoFit/>
-          </a:bodyPr>
-          <a:lstStyle/>
-          <a:p>
-            <a:pPr marL="0" marR="0" lvl="0" indent="0" algn="l" defTabSz="914400" rtl="0" eaLnBrk="0" fontAlgn="base" latinLnBrk="0" hangingPunct="0">
-              <a:lnSpc>
-                <a:spcPct val="100000"/>
-              </a:lnSpc>
-              <a:spcBef>
-                <a:spcPct val="0"/>
-              </a:spcBef>
-              <a:spcAft>
-                <a:spcPct val="0"/>
-              </a:spcAft>
-              <a:buClrTx/>
-              <a:buSzTx/>
-              <a:buFontTx/>
-              <a:buNone/>
-              <a:tabLst/>
-            </a:pPr>
-            <a:r>
-              <a:rPr kumimoji="0" lang="en-US" altLang="en-US" sz="900" b="0" i="0" u="none" strike="noStrike" cap="none" normalizeH="0" baseline="0" dirty="0">
-                <a:ln>
-                  <a:noFill/>
-                </a:ln>
-                <a:solidFill>
-                  <a:srgbClr val="CC7832"/>
-                </a:solidFill>
-                <a:effectLst/>
-                <a:latin typeface="Consolas" panose="020B0609020204030204" pitchFamily="49" charset="0"/>
-              </a:rPr>
-              <a:t>from </a:t>
-            </a:r>
-            <a:r>
-              <a:rPr kumimoji="0" lang="en-US" altLang="en-US" sz="900" b="0" i="0" u="none" strike="noStrike" cap="none" normalizeH="0" baseline="0" dirty="0" err="1">
-                <a:ln>
-                  <a:noFill/>
-                </a:ln>
-                <a:solidFill>
-                  <a:srgbClr val="A9B7C6"/>
-                </a:solidFill>
-                <a:effectLst/>
-                <a:latin typeface="Consolas" panose="020B0609020204030204" pitchFamily="49" charset="0"/>
-              </a:rPr>
-              <a:t>PySense</a:t>
-            </a:r>
-            <a:r>
-              <a:rPr kumimoji="0" lang="en-US" altLang="en-US" sz="900" b="0" i="0" u="none" strike="noStrike" cap="none" normalizeH="0" baseline="0" dirty="0">
-                <a:ln>
-                  <a:noFill/>
-                </a:ln>
-                <a:solidFill>
-                  <a:srgbClr val="A9B7C6"/>
-                </a:solidFill>
-                <a:effectLst/>
-                <a:latin typeface="Consolas" panose="020B0609020204030204" pitchFamily="49" charset="0"/>
-              </a:rPr>
-              <a:t> </a:t>
-            </a:r>
-            <a:r>
-              <a:rPr kumimoji="0" lang="en-US" altLang="en-US" sz="900" b="0" i="0" u="none" strike="noStrike" cap="none" normalizeH="0" baseline="0" dirty="0">
-                <a:ln>
-                  <a:noFill/>
-                </a:ln>
-                <a:solidFill>
-                  <a:srgbClr val="CC7832"/>
-                </a:solidFill>
-                <a:effectLst/>
-                <a:latin typeface="Consolas" panose="020B0609020204030204" pitchFamily="49" charset="0"/>
-              </a:rPr>
-              <a:t>import </a:t>
-            </a:r>
-            <a:r>
-              <a:rPr kumimoji="0" lang="en-US" altLang="en-US" sz="900" b="0" i="0" u="none" strike="noStrike" cap="none" normalizeH="0" baseline="0" dirty="0" err="1">
-                <a:ln>
-                  <a:noFill/>
-                </a:ln>
-                <a:solidFill>
-                  <a:srgbClr val="A9B7C6"/>
-                </a:solidFill>
-                <a:effectLst/>
-                <a:latin typeface="Consolas" panose="020B0609020204030204" pitchFamily="49" charset="0"/>
-              </a:rPr>
-              <a:t>PySense</a:t>
-            </a:r>
-            <a:endParaRPr kumimoji="0" lang="en-US" altLang="en-US" sz="1800" b="0" i="0" u="none" strike="noStrike" cap="none" normalizeH="0" baseline="0" dirty="0">
-              <a:ln>
-                <a:noFill/>
-              </a:ln>
-              <a:solidFill>
-                <a:schemeClr val="tx1"/>
-              </a:solidFill>
-              <a:effectLst/>
-              <a:latin typeface="Arial" panose="020B0604020202020204" pitchFamily="34" charset="0"/>
-            </a:endParaRPr>
-          </a:p>
-        </p:txBody>
-      </p:sp>
-    </p:spTree>
-    <p:extLst>
-      <p:ext uri="{BB962C8B-B14F-4D97-AF65-F5344CB8AC3E}">
-        <p14:creationId xmlns:p14="http://schemas.microsoft.com/office/powerpoint/2010/main" val="1322414581"/>
       </p:ext>
     </p:extLst>
   </p:cSld>
@@ -13703,15 +13852,6 @@
 </file>
 
 <file path=customXml/item1.xml><?xml version="1.0" encoding="utf-8"?>
-<?mso-contentType ?>
-<FormTemplates xmlns="http://schemas.microsoft.com/sharepoint/v3/contenttype/forms">
-  <Display>DocumentLibraryForm</Display>
-  <Edit>AssetEditForm</Edit>
-  <New>DocumentLibraryForm</New>
-</FormTemplates>
-</file>
-
-<file path=customXml/item2.xml><?xml version="1.0" encoding="utf-8"?>
 <p:properties xmlns:p="http://schemas.microsoft.com/office/2006/metadata/properties" xmlns:xsi="http://www.w3.org/2001/XMLSchema-instance" xmlns:pc="http://schemas.microsoft.com/office/infopath/2007/PartnerControls">
   <documentManagement>
     <LocPublishedLinkedAssetsLookup xmlns="4873beb7-5857-4685-be1f-d57550cc96cc" xsi:nil="true"/>
@@ -13845,6 +13985,15 @@
     <LocMarketGroupTiers2 xmlns="4873beb7-5857-4685-be1f-d57550cc96cc" xsi:nil="true"/>
   </documentManagement>
 </p:properties>
+</file>
+
+<file path=customXml/item2.xml><?xml version="1.0" encoding="utf-8"?>
+<?mso-contentType ?>
+<FormTemplates xmlns="http://schemas.microsoft.com/sharepoint/v3/contenttype/forms">
+  <Display>DocumentLibraryForm</Display>
+  <Edit>AssetEditForm</Edit>
+  <New>DocumentLibraryForm</New>
+</FormTemplates>
 </file>
 
 <file path=customXml/item3.xml><?xml version="1.0" encoding="utf-8"?>
@@ -14888,14 +15037,6 @@
 </file>
 
 <file path=customXml/itemProps1.xml><?xml version="1.0" encoding="utf-8"?>
-<ds:datastoreItem xmlns:ds="http://schemas.openxmlformats.org/officeDocument/2006/customXml" ds:itemID="{3836F65B-1B07-41EE-A0E8-BC6EF3855225}">
-  <ds:schemaRefs>
-    <ds:schemaRef ds:uri="http://schemas.microsoft.com/sharepoint/v3/contenttype/forms"/>
-  </ds:schemaRefs>
-</ds:datastoreItem>
-</file>
-
-<file path=customXml/itemProps2.xml><?xml version="1.0" encoding="utf-8"?>
 <ds:datastoreItem xmlns:ds="http://schemas.openxmlformats.org/officeDocument/2006/customXml" ds:itemID="{60C67BEE-D13F-4BD2-98A5-34D8A0977F68}">
   <ds:schemaRefs>
     <ds:schemaRef ds:uri="4873beb7-5857-4685-be1f-d57550cc96cc"/>
@@ -14907,6 +15048,14 @@
     <ds:schemaRef ds:uri="http://schemas.microsoft.com/office/infopath/2007/PartnerControls"/>
     <ds:schemaRef ds:uri="http://www.w3.org/XML/1998/namespace"/>
     <ds:schemaRef ds:uri="http://purl.org/dc/dcmitype/"/>
+  </ds:schemaRefs>
+</ds:datastoreItem>
+</file>
+
+<file path=customXml/itemProps2.xml><?xml version="1.0" encoding="utf-8"?>
+<ds:datastoreItem xmlns:ds="http://schemas.openxmlformats.org/officeDocument/2006/customXml" ds:itemID="{3836F65B-1B07-41EE-A0E8-BC6EF3855225}">
+  <ds:schemaRefs>
+    <ds:schemaRef ds:uri="http://schemas.microsoft.com/sharepoint/v3/contenttype/forms"/>
   </ds:schemaRefs>
 </ds:datastoreItem>
 </file>

--- a/PySenseTutorial.pptx
+++ b/PySenseTutorial.pptx
@@ -14,19 +14,19 @@
     <p:sldId id="257" r:id="rId5"/>
     <p:sldId id="298" r:id="rId6"/>
     <p:sldId id="299" r:id="rId7"/>
-    <p:sldId id="302" r:id="rId8"/>
-    <p:sldId id="263" r:id="rId9"/>
-    <p:sldId id="261" r:id="rId10"/>
-    <p:sldId id="258" r:id="rId11"/>
-    <p:sldId id="264" r:id="rId12"/>
-    <p:sldId id="300" r:id="rId13"/>
-    <p:sldId id="272" r:id="rId14"/>
-    <p:sldId id="278" r:id="rId15"/>
-    <p:sldId id="288" r:id="rId16"/>
-    <p:sldId id="267" r:id="rId17"/>
-    <p:sldId id="289" r:id="rId18"/>
-    <p:sldId id="292" r:id="rId19"/>
-    <p:sldId id="273" r:id="rId20"/>
+    <p:sldId id="263" r:id="rId8"/>
+    <p:sldId id="261" r:id="rId9"/>
+    <p:sldId id="258" r:id="rId10"/>
+    <p:sldId id="264" r:id="rId11"/>
+    <p:sldId id="300" r:id="rId12"/>
+    <p:sldId id="272" r:id="rId13"/>
+    <p:sldId id="278" r:id="rId14"/>
+    <p:sldId id="288" r:id="rId15"/>
+    <p:sldId id="267" r:id="rId16"/>
+    <p:sldId id="303" r:id="rId17"/>
+    <p:sldId id="304" r:id="rId18"/>
+    <p:sldId id="289" r:id="rId19"/>
+    <p:sldId id="292" r:id="rId20"/>
     <p:sldId id="274" r:id="rId21"/>
     <p:sldId id="290" r:id="rId22"/>
     <p:sldId id="293" r:id="rId23"/>
@@ -253,7 +253,7 @@
           <a:p>
             <a:fld id="{FE5B4EDC-59C0-49C7-8ADA-5A781B329E02}" type="datetimeFigureOut">
               <a:rPr lang="en-US"/>
-              <a:t>5/15/2020</a:t>
+              <a:t>5/17/2020</a:t>
             </a:fld>
             <a:endParaRPr/>
           </a:p>
@@ -418,7 +418,7 @@
           <a:p>
             <a:fld id="{F2D8D46A-B586-417D-BFBD-8C8FE0AAF762}" type="datetimeFigureOut">
               <a:rPr lang="en-US"/>
-              <a:t>5/15/2020</a:t>
+              <a:t>5/17/2020</a:t>
             </a:fld>
             <a:endParaRPr/>
           </a:p>
@@ -1520,7 +1520,7 @@
           <a:p>
             <a:fld id="{F0DFD029-FB74-4578-B929-F66AA97659CA}" type="datetimeFigureOut">
               <a:rPr lang="en-US"/>
-              <a:t>5/15/2020</a:t>
+              <a:t>5/17/2020</a:t>
             </a:fld>
             <a:endParaRPr/>
           </a:p>
@@ -1718,7 +1718,7 @@
           <a:p>
             <a:fld id="{F0DFD029-FB74-4578-B929-F66AA97659CA}" type="datetimeFigureOut">
               <a:rPr lang="en-US"/>
-              <a:t>5/15/2020</a:t>
+              <a:t>5/17/2020</a:t>
             </a:fld>
             <a:endParaRPr/>
           </a:p>
@@ -1926,7 +1926,7 @@
           <a:p>
             <a:fld id="{F0DFD029-FB74-4578-B929-F66AA97659CA}" type="datetimeFigureOut">
               <a:rPr lang="en-US"/>
-              <a:t>5/15/2020</a:t>
+              <a:t>5/17/2020</a:t>
             </a:fld>
             <a:endParaRPr/>
           </a:p>
@@ -2124,7 +2124,7 @@
           <a:p>
             <a:fld id="{F0DFD029-FB74-4578-B929-F66AA97659CA}" type="datetimeFigureOut">
               <a:rPr lang="en-US"/>
-              <a:t>5/15/2020</a:t>
+              <a:t>5/17/2020</a:t>
             </a:fld>
             <a:endParaRPr/>
           </a:p>
@@ -2556,7 +2556,7 @@
           <a:p>
             <a:fld id="{F0DFD029-FB74-4578-B929-F66AA97659CA}" type="datetimeFigureOut">
               <a:rPr lang="en-US"/>
-              <a:t>5/15/2020</a:t>
+              <a:t>5/17/2020</a:t>
             </a:fld>
             <a:endParaRPr/>
           </a:p>
@@ -2860,7 +2860,7 @@
           <a:p>
             <a:fld id="{F0DFD029-FB74-4578-B929-F66AA97659CA}" type="datetimeFigureOut">
               <a:rPr lang="en-US"/>
-              <a:t>5/15/2020</a:t>
+              <a:t>5/17/2020</a:t>
             </a:fld>
             <a:endParaRPr/>
           </a:p>
@@ -3316,7 +3316,7 @@
           <a:p>
             <a:fld id="{F0DFD029-FB74-4578-B929-F66AA97659CA}" type="datetimeFigureOut">
               <a:rPr lang="en-US"/>
-              <a:t>5/15/2020</a:t>
+              <a:t>5/17/2020</a:t>
             </a:fld>
             <a:endParaRPr/>
           </a:p>
@@ -3446,7 +3446,7 @@
           <a:p>
             <a:fld id="{F0DFD029-FB74-4578-B929-F66AA97659CA}" type="datetimeFigureOut">
               <a:rPr lang="en-US"/>
-              <a:t>5/15/2020</a:t>
+              <a:t>5/17/2020</a:t>
             </a:fld>
             <a:endParaRPr/>
           </a:p>
@@ -3553,7 +3553,7 @@
           <a:p>
             <a:fld id="{F0DFD029-FB74-4578-B929-F66AA97659CA}" type="datetimeFigureOut">
               <a:rPr lang="en-US"/>
-              <a:t>5/15/2020</a:t>
+              <a:t>5/17/2020</a:t>
             </a:fld>
             <a:endParaRPr/>
           </a:p>
@@ -3852,7 +3852,7 @@
           <a:p>
             <a:fld id="{F0DFD029-FB74-4578-B929-F66AA97659CA}" type="datetimeFigureOut">
               <a:rPr lang="en-US"/>
-              <a:t>5/15/2020</a:t>
+              <a:t>5/17/2020</a:t>
             </a:fld>
             <a:endParaRPr/>
           </a:p>
@@ -4140,7 +4140,7 @@
           <a:p>
             <a:fld id="{F0DFD029-FB74-4578-B929-F66AA97659CA}" type="datetimeFigureOut">
               <a:rPr lang="en-US"/>
-              <a:t>5/15/2020</a:t>
+              <a:t>5/17/2020</a:t>
             </a:fld>
             <a:endParaRPr/>
           </a:p>
@@ -4763,7 +4763,7 @@
             <a:fld id="{F0DFD029-FB74-4578-B929-F66AA97659CA}" type="datetimeFigureOut">
               <a:rPr lang="en-US"/>
               <a:pPr/>
-              <a:t>5/15/2020</a:t>
+              <a:t>5/17/2020</a:t>
             </a:fld>
             <a:endParaRPr/>
           </a:p>
@@ -5358,7 +5358,7 @@
           <p:cNvPr id="2" name="Title 1">
             <a:extLst>
               <a:ext uri="{FF2B5EF4-FFF2-40B4-BE49-F238E27FC236}">
-                <a16:creationId xmlns:a16="http://schemas.microsoft.com/office/drawing/2014/main" id="{BD70C8AC-7EA8-43CD-B1BB-4E7FB11AD150}"/>
+                <a16:creationId xmlns:a16="http://schemas.microsoft.com/office/drawing/2014/main" id="{E5B5E963-FDC8-46B1-9027-27A15121BB68}"/>
               </a:ext>
             </a:extLst>
           </p:cNvPr>
@@ -5369,20 +5369,20 @@
             <p:ph type="title"/>
           </p:nvPr>
         </p:nvSpPr>
-        <p:spPr/>
+        <p:spPr>
+          <a:xfrm>
+            <a:off x="1218883" y="274637"/>
+            <a:ext cx="10360501" cy="715963"/>
+          </a:xfrm>
+        </p:spPr>
         <p:txBody>
           <a:bodyPr/>
           <a:lstStyle/>
           <a:p>
             <a:r>
               <a:rPr lang="en-US" dirty="0"/>
-              <a:t>Set up Python and </a:t>
-            </a:r>
-            <a:r>
-              <a:rPr lang="en-US" dirty="0" err="1"/>
-              <a:t>PySense</a:t>
-            </a:r>
-            <a:endParaRPr lang="en-US" dirty="0"/>
+              <a:t>Calling functions in Python</a:t>
+            </a:r>
           </a:p>
         </p:txBody>
       </p:sp>
@@ -5391,7 +5391,7 @@
           <p:cNvPr id="3" name="Content Placeholder 2">
             <a:extLst>
               <a:ext uri="{FF2B5EF4-FFF2-40B4-BE49-F238E27FC236}">
-                <a16:creationId xmlns:a16="http://schemas.microsoft.com/office/drawing/2014/main" id="{26B6DFAD-7750-4EF1-B0FB-BC25002C952B}"/>
+                <a16:creationId xmlns:a16="http://schemas.microsoft.com/office/drawing/2014/main" id="{0D1451B8-B56A-40CC-BCB3-71656BCF2307}"/>
               </a:ext>
             </a:extLst>
           </p:cNvPr>
@@ -5402,14 +5402,69 @@
             <p:ph idx="1"/>
           </p:nvPr>
         </p:nvSpPr>
-        <p:spPr/>
+        <p:spPr>
+          <a:xfrm>
+            <a:off x="1218883" y="1066800"/>
+            <a:ext cx="10360501" cy="5097269"/>
+          </a:xfrm>
+        </p:spPr>
         <p:txBody>
-          <a:bodyPr/>
+          <a:bodyPr>
+            <a:normAutofit fontScale="92500" lnSpcReduction="10000"/>
+          </a:bodyPr>
           <a:lstStyle/>
           <a:p>
             <a:r>
               <a:rPr lang="en-US" dirty="0"/>
-              <a:t>Install Python and an IDE of your choice. (</a:t>
+              <a:t>When calling functions in python we have required arguments and optional arguments. </a:t>
+            </a:r>
+          </a:p>
+          <a:p>
+            <a:r>
+              <a:rPr lang="en-US" dirty="0"/>
+              <a:t>Required arguments come first and order matters</a:t>
+            </a:r>
+          </a:p>
+          <a:p>
+            <a:r>
+              <a:rPr lang="en-US" dirty="0"/>
+              <a:t>Optional arguments come after the required ones. You can add as many optional arguments as are supported. </a:t>
+            </a:r>
+          </a:p>
+          <a:p>
+            <a:r>
+              <a:rPr lang="en-US" dirty="0"/>
+              <a:t>Look at the call</a:t>
+            </a:r>
+          </a:p>
+          <a:p>
+            <a:r>
+              <a:rPr lang="en-US" dirty="0"/>
+              <a:t>Email address and role are required and must come first in that order</a:t>
+            </a:r>
+          </a:p>
+          <a:p>
+            <a:r>
+              <a:rPr lang="en-US" dirty="0" err="1"/>
+              <a:t>first_name</a:t>
+            </a:r>
+            <a:r>
+              <a:rPr lang="en-US" dirty="0"/>
+              <a:t> and </a:t>
+            </a:r>
+            <a:r>
+              <a:rPr lang="en-US" dirty="0" err="1"/>
+              <a:t>last_name</a:t>
+            </a:r>
+            <a:r>
+              <a:rPr lang="en-US" dirty="0"/>
+              <a:t> are optional and thus are added at the end and can be in any order.</a:t>
+            </a:r>
+          </a:p>
+          <a:p>
+            <a:r>
+              <a:rPr lang="en-US" dirty="0"/>
+              <a:t>The </a:t>
             </a:r>
             <a:r>
               <a:rPr lang="en-US" dirty="0" err="1"/>
@@ -5417,57 +5472,27 @@
             </a:r>
             <a:r>
               <a:rPr lang="en-US" dirty="0"/>
-              <a:t> was developed on PyCharm). </a:t>
-            </a:r>
-          </a:p>
-          <a:p>
-            <a:r>
-              <a:rPr lang="en-US" dirty="0"/>
-              <a:t>Install the </a:t>
-            </a:r>
-            <a:r>
-              <a:rPr lang="en-US" dirty="0" err="1"/>
-              <a:t>PySense</a:t>
-            </a:r>
-            <a:r>
-              <a:rPr lang="en-US" dirty="0"/>
-              <a:t> library through pip</a:t>
-            </a:r>
-          </a:p>
-          <a:p>
-            <a:pPr lvl="1"/>
-            <a:r>
-              <a:rPr lang="en-US" dirty="0"/>
-              <a:t>pip install </a:t>
-            </a:r>
-            <a:r>
-              <a:rPr lang="en-US" dirty="0" err="1"/>
-              <a:t>PySenseSDK</a:t>
-            </a:r>
-            <a:endParaRPr lang="en-US" dirty="0"/>
-          </a:p>
-          <a:p>
-            <a:r>
-              <a:rPr lang="en-US" dirty="0"/>
-              <a:t>Include </a:t>
-            </a:r>
-            <a:r>
-              <a:rPr lang="en-US" dirty="0" err="1"/>
-              <a:t>PySense</a:t>
-            </a:r>
-            <a:r>
-              <a:rPr lang="en-US" dirty="0"/>
-              <a:t> in all your scripts: </a:t>
+              <a:t> </a:t>
+            </a:r>
+            <a:r>
+              <a:rPr lang="en-US" dirty="0">
+                <a:hlinkClick r:id="rId2"/>
+              </a:rPr>
+              <a:t>documentation</a:t>
+            </a:r>
+            <a:r>
+              <a:rPr lang="en-US" dirty="0"/>
+              <a:t> lists  which arguments are required and which are optional</a:t>
             </a:r>
           </a:p>
         </p:txBody>
       </p:sp>
       <p:sp>
         <p:nvSpPr>
-          <p:cNvPr id="4" name="Rectangle 1">
+          <p:cNvPr id="4" name="Rectangle 2">
             <a:extLst>
               <a:ext uri="{FF2B5EF4-FFF2-40B4-BE49-F238E27FC236}">
-                <a16:creationId xmlns:a16="http://schemas.microsoft.com/office/drawing/2014/main" id="{4B7E0459-AA64-4C98-AEE2-1F840C31B803}"/>
+                <a16:creationId xmlns:a16="http://schemas.microsoft.com/office/drawing/2014/main" id="{206771C5-4A08-4F89-8974-DC18A665671D}"/>
               </a:ext>
             </a:extLst>
           </p:cNvPr>
@@ -5478,8 +5503,8 @@
         </p:nvSpPr>
         <p:spPr bwMode="auto">
           <a:xfrm>
-            <a:off x="6780212" y="3817517"/>
-            <a:ext cx="1905000" cy="230832"/>
+            <a:off x="3808412" y="3313584"/>
+            <a:ext cx="5865813" cy="230832"/>
           </a:xfrm>
           <a:prstGeom prst="rect">
             <a:avLst/>
@@ -5539,17 +5564,82 @@
               <a:tabLst/>
             </a:pPr>
             <a:r>
+              <a:rPr kumimoji="0" lang="en-US" altLang="en-US" sz="900" b="0" i="0" u="none" strike="noStrike" cap="none" normalizeH="0" baseline="0" dirty="0" err="1">
+                <a:ln>
+                  <a:noFill/>
+                </a:ln>
+                <a:solidFill>
+                  <a:srgbClr val="A9B7C6"/>
+                </a:solidFill>
+                <a:effectLst/>
+                <a:latin typeface="Consolas" panose="020B0609020204030204" pitchFamily="49" charset="0"/>
+              </a:rPr>
+              <a:t>py_client.add_user</a:t>
+            </a:r>
+            <a:r>
               <a:rPr kumimoji="0" lang="en-US" altLang="en-US" sz="900" b="0" i="0" u="none" strike="noStrike" cap="none" normalizeH="0" baseline="0" dirty="0">
                 <a:ln>
                   <a:noFill/>
                 </a:ln>
                 <a:solidFill>
+                  <a:srgbClr val="A9B7C6"/>
+                </a:solidFill>
+                <a:effectLst/>
+                <a:latin typeface="Consolas" panose="020B0609020204030204" pitchFamily="49" charset="0"/>
+              </a:rPr>
+              <a:t>(</a:t>
+            </a:r>
+            <a:r>
+              <a:rPr kumimoji="0" lang="en-US" altLang="en-US" sz="900" b="0" i="0" u="none" strike="noStrike" cap="none" normalizeH="0" baseline="0" dirty="0">
+                <a:ln>
+                  <a:noFill/>
+                </a:ln>
+                <a:solidFill>
+                  <a:srgbClr val="6A8759"/>
+                </a:solidFill>
+                <a:effectLst/>
+                <a:latin typeface="Consolas" panose="020B0609020204030204" pitchFamily="49" charset="0"/>
+              </a:rPr>
+              <a:t>'user@email.com'</a:t>
+            </a:r>
+            <a:r>
+              <a:rPr kumimoji="0" lang="en-US" altLang="en-US" sz="900" b="0" i="0" u="none" strike="noStrike" cap="none" normalizeH="0" baseline="0" dirty="0">
+                <a:ln>
+                  <a:noFill/>
+                </a:ln>
+                <a:solidFill>
                   <a:srgbClr val="CC7832"/>
                 </a:solidFill>
                 <a:effectLst/>
                 <a:latin typeface="Consolas" panose="020B0609020204030204" pitchFamily="49" charset="0"/>
               </a:rPr>
-              <a:t>from </a:t>
+              <a:t>, </a:t>
+            </a:r>
+            <a:r>
+              <a:rPr kumimoji="0" lang="en-US" altLang="en-US" sz="900" b="0" i="0" u="none" strike="noStrike" cap="none" normalizeH="0" baseline="0" dirty="0">
+                <a:ln>
+                  <a:noFill/>
+                </a:ln>
+                <a:solidFill>
+                  <a:srgbClr val="6A8759"/>
+                </a:solidFill>
+                <a:effectLst/>
+                <a:latin typeface="Consolas" panose="020B0609020204030204" pitchFamily="49" charset="0"/>
+              </a:rPr>
+              <a:t>'Data Designer'</a:t>
+            </a:r>
+            <a:r>
+              <a:rPr kumimoji="0" lang="en-US" altLang="en-US" sz="900" b="0" i="0" u="none" strike="noStrike" cap="none" normalizeH="0" baseline="0" dirty="0">
+                <a:ln>
+                  <a:noFill/>
+                </a:ln>
+                <a:solidFill>
+                  <a:srgbClr val="CC7832"/>
+                </a:solidFill>
+                <a:effectLst/>
+                <a:latin typeface="Consolas" panose="020B0609020204030204" pitchFamily="49" charset="0"/>
+              </a:rPr>
+              <a:t>, </a:t>
             </a:r>
             <a:r>
               <a:rPr kumimoji="0" lang="en-US" altLang="en-US" sz="900" b="0" i="0" u="none" strike="noStrike" cap="none" normalizeH="0" baseline="0" dirty="0" err="1">
@@ -5557,12 +5647,25 @@
                   <a:noFill/>
                 </a:ln>
                 <a:solidFill>
+                  <a:srgbClr val="AA4926"/>
+                </a:solidFill>
+                <a:effectLst/>
+                <a:latin typeface="Consolas" panose="020B0609020204030204" pitchFamily="49" charset="0"/>
+              </a:rPr>
+              <a:t>first_name</a:t>
+            </a:r>
+            <a:r>
+              <a:rPr kumimoji="0" lang="en-US" altLang="en-US" sz="900" b="0" i="0" u="none" strike="noStrike" cap="none" normalizeH="0" baseline="0" dirty="0">
+                <a:ln>
+                  <a:noFill/>
+                </a:ln>
+                <a:solidFill>
                   <a:srgbClr val="A9B7C6"/>
                 </a:solidFill>
                 <a:effectLst/>
                 <a:latin typeface="Consolas" panose="020B0609020204030204" pitchFamily="49" charset="0"/>
               </a:rPr>
-              <a:t>PySense</a:t>
+              <a:t>=</a:t>
             </a:r>
             <a:r>
               <a:rPr kumimoji="0" lang="en-US" altLang="en-US" sz="900" b="0" i="0" u="none" strike="noStrike" cap="none" normalizeH="0" baseline="0" dirty="0">
@@ -5570,12 +5673,51 @@
                   <a:noFill/>
                 </a:ln>
                 <a:solidFill>
+                  <a:srgbClr val="6A8759"/>
+                </a:solidFill>
+                <a:effectLst/>
+                <a:latin typeface="Consolas" panose="020B0609020204030204" pitchFamily="49" charset="0"/>
+              </a:rPr>
+              <a:t>'John'</a:t>
+            </a:r>
+            <a:r>
+              <a:rPr kumimoji="0" lang="en-US" altLang="en-US" sz="900" b="0" i="0" u="none" strike="noStrike" cap="none" normalizeH="0" baseline="0" dirty="0">
+                <a:ln>
+                  <a:noFill/>
+                </a:ln>
+                <a:solidFill>
+                  <a:srgbClr val="CC7832"/>
+                </a:solidFill>
+                <a:effectLst/>
+                <a:latin typeface="Consolas" panose="020B0609020204030204" pitchFamily="49" charset="0"/>
+              </a:rPr>
+              <a:t>, </a:t>
+            </a:r>
+            <a:r>
+              <a:rPr kumimoji="0" lang="en-US" altLang="en-US" sz="900" b="0" i="0" u="none" strike="noStrike" cap="none" normalizeH="0" baseline="0" dirty="0" err="1">
+                <a:ln>
+                  <a:noFill/>
+                </a:ln>
+                <a:solidFill>
+                  <a:srgbClr val="AA4926"/>
+                </a:solidFill>
+                <a:effectLst/>
+                <a:latin typeface="Consolas" panose="020B0609020204030204" pitchFamily="49" charset="0"/>
+              </a:rPr>
+              <a:t>last_name</a:t>
+            </a:r>
+            <a:r>
+              <a:rPr kumimoji="0" lang="en-US" altLang="en-US" sz="900" b="0" i="0" u="none" strike="noStrike" cap="none" normalizeH="0" baseline="0" dirty="0">
+                <a:ln>
+                  <a:noFill/>
+                </a:ln>
+                <a:solidFill>
                   <a:srgbClr val="A9B7C6"/>
                 </a:solidFill>
                 <a:effectLst/>
                 <a:latin typeface="Consolas" panose="020B0609020204030204" pitchFamily="49" charset="0"/>
               </a:rPr>
-              <a:t> </a:t>
+              <a:t>=</a:t>
             </a:r>
             <a:r>
               <a:rPr kumimoji="0" lang="en-US" altLang="en-US" sz="900" b="0" i="0" u="none" strike="noStrike" cap="none" normalizeH="0" baseline="0" dirty="0">
@@ -5583,15 +5725,15 @@
                   <a:noFill/>
                 </a:ln>
                 <a:solidFill>
-                  <a:srgbClr val="CC7832"/>
+                  <a:srgbClr val="6A8759"/>
                 </a:solidFill>
                 <a:effectLst/>
                 <a:latin typeface="Consolas" panose="020B0609020204030204" pitchFamily="49" charset="0"/>
               </a:rPr>
-              <a:t>import </a:t>
-            </a:r>
-            <a:r>
-              <a:rPr kumimoji="0" lang="en-US" altLang="en-US" sz="900" b="0" i="0" u="none" strike="noStrike" cap="none" normalizeH="0" baseline="0" dirty="0" err="1">
+              <a:t>'Doe'</a:t>
+            </a:r>
+            <a:r>
+              <a:rPr kumimoji="0" lang="en-US" altLang="en-US" sz="900" b="0" i="0" u="none" strike="noStrike" cap="none" normalizeH="0" baseline="0" dirty="0">
                 <a:ln>
                   <a:noFill/>
                 </a:ln>
@@ -5601,7 +5743,7 @@
                 <a:effectLst/>
                 <a:latin typeface="Consolas" panose="020B0609020204030204" pitchFamily="49" charset="0"/>
               </a:rPr>
-              <a:t>PySense</a:t>
+              <a:t>)</a:t>
             </a:r>
             <a:endParaRPr kumimoji="0" lang="en-US" altLang="en-US" sz="1800" b="0" i="0" u="none" strike="noStrike" cap="none" normalizeH="0" baseline="0" dirty="0">
               <a:ln>
@@ -5619,7 +5761,7 @@
     </p:spTree>
     <p:extLst>
       <p:ext uri="{BB962C8B-B14F-4D97-AF65-F5344CB8AC3E}">
-        <p14:creationId xmlns:p14="http://schemas.microsoft.com/office/powerpoint/2010/main" val="1322414581"/>
+        <p14:creationId xmlns:p14="http://schemas.microsoft.com/office/powerpoint/2010/main" val="3676505348"/>
       </p:ext>
     </p:extLst>
   </p:cSld>
@@ -5663,7 +5805,7 @@
           <p:cNvPr id="2" name="Title 1">
             <a:extLst>
               <a:ext uri="{FF2B5EF4-FFF2-40B4-BE49-F238E27FC236}">
-                <a16:creationId xmlns:a16="http://schemas.microsoft.com/office/drawing/2014/main" id="{E5B5E963-FDC8-46B1-9027-27A15121BB68}"/>
+                <a16:creationId xmlns:a16="http://schemas.microsoft.com/office/drawing/2014/main" id="{526747FF-D7FB-4FD0-9096-897CDC0B9157}"/>
               </a:ext>
             </a:extLst>
           </p:cNvPr>
@@ -5674,19 +5816,14 @@
             <p:ph type="title"/>
           </p:nvPr>
         </p:nvSpPr>
-        <p:spPr>
-          <a:xfrm>
-            <a:off x="1218883" y="274637"/>
-            <a:ext cx="10360501" cy="715963"/>
-          </a:xfrm>
-        </p:spPr>
+        <p:spPr/>
         <p:txBody>
           <a:bodyPr/>
           <a:lstStyle/>
           <a:p>
             <a:r>
               <a:rPr lang="en-US" dirty="0"/>
-              <a:t>Python Tip!</a:t>
+              <a:t>Hands On</a:t>
             </a:r>
           </a:p>
         </p:txBody>
@@ -5696,7 +5833,7 @@
           <p:cNvPr id="3" name="Content Placeholder 2">
             <a:extLst>
               <a:ext uri="{FF2B5EF4-FFF2-40B4-BE49-F238E27FC236}">
-                <a16:creationId xmlns:a16="http://schemas.microsoft.com/office/drawing/2014/main" id="{0D1451B8-B56A-40CC-BCB3-71656BCF2307}"/>
+                <a16:creationId xmlns:a16="http://schemas.microsoft.com/office/drawing/2014/main" id="{D3698E1F-E607-486A-9AC1-7FA984F129C5}"/>
               </a:ext>
             </a:extLst>
           </p:cNvPr>
@@ -5707,366 +5844,43 @@
             <p:ph idx="1"/>
           </p:nvPr>
         </p:nvSpPr>
-        <p:spPr>
-          <a:xfrm>
-            <a:off x="1218883" y="1066800"/>
-            <a:ext cx="10360501" cy="5097269"/>
-          </a:xfrm>
-        </p:spPr>
+        <p:spPr/>
         <p:txBody>
-          <a:bodyPr>
-            <a:normAutofit fontScale="92500" lnSpcReduction="10000"/>
-          </a:bodyPr>
+          <a:bodyPr/>
           <a:lstStyle/>
           <a:p>
             <a:r>
               <a:rPr lang="en-US" dirty="0"/>
-              <a:t>When calling functions in python we have required arguments and optional arguments. </a:t>
-            </a:r>
-          </a:p>
-          <a:p>
-            <a:r>
-              <a:rPr lang="en-US" dirty="0"/>
-              <a:t>Required arguments come first and order matters</a:t>
-            </a:r>
-          </a:p>
-          <a:p>
-            <a:r>
-              <a:rPr lang="en-US" dirty="0"/>
-              <a:t>Optional arguments come after the required ones. You can add as many optional arguments as are supported. </a:t>
-            </a:r>
-          </a:p>
-          <a:p>
-            <a:r>
-              <a:rPr lang="en-US" dirty="0"/>
-              <a:t>Look at the call</a:t>
-            </a:r>
-          </a:p>
-          <a:p>
-            <a:r>
-              <a:rPr lang="en-US" dirty="0"/>
-              <a:t>Email address and role are required and must come first in that order</a:t>
-            </a:r>
-          </a:p>
-          <a:p>
-            <a:r>
-              <a:rPr lang="en-US" dirty="0" err="1"/>
-              <a:t>first_name</a:t>
-            </a:r>
-            <a:r>
-              <a:rPr lang="en-US" dirty="0"/>
-              <a:t> and </a:t>
-            </a:r>
-            <a:r>
-              <a:rPr lang="en-US" dirty="0" err="1"/>
-              <a:t>last_name</a:t>
-            </a:r>
-            <a:r>
-              <a:rPr lang="en-US" dirty="0"/>
-              <a:t> are optional and thus are added at the end and can be in any order.</a:t>
-            </a:r>
-          </a:p>
-          <a:p>
-            <a:r>
-              <a:rPr lang="en-US" dirty="0"/>
-              <a:t>The </a:t>
-            </a:r>
-            <a:r>
-              <a:rPr lang="en-US" dirty="0" err="1"/>
-              <a:t>PySense</a:t>
-            </a:r>
-            <a:r>
-              <a:rPr lang="en-US" dirty="0"/>
-              <a:t> </a:t>
-            </a:r>
+              <a:t>Authenticate with our Sisense server</a:t>
+            </a:r>
+          </a:p>
+          <a:p>
+            <a:r>
+              <a:rPr lang="en-US" dirty="0"/>
+              <a:t>Create a user and add a security rule</a:t>
+            </a:r>
+          </a:p>
+          <a:p>
+            <a:r>
+              <a:rPr lang="en-US" dirty="0"/>
+              <a:t>Download our dashboards</a:t>
+            </a:r>
+          </a:p>
+          <a:p>
             <a:r>
               <a:rPr lang="en-US" dirty="0">
                 <a:hlinkClick r:id="rId2"/>
               </a:rPr>
-              <a:t>documentation</a:t>
-            </a:r>
-            <a:r>
-              <a:rPr lang="en-US" dirty="0"/>
-              <a:t> lists  which arguments are required and which are optional</a:t>
-            </a:r>
-          </a:p>
-        </p:txBody>
-      </p:sp>
-      <p:sp>
-        <p:nvSpPr>
-          <p:cNvPr id="4" name="Rectangle 2">
-            <a:extLst>
-              <a:ext uri="{FF2B5EF4-FFF2-40B4-BE49-F238E27FC236}">
-                <a16:creationId xmlns:a16="http://schemas.microsoft.com/office/drawing/2014/main" id="{206771C5-4A08-4F89-8974-DC18A665671D}"/>
-              </a:ext>
-            </a:extLst>
-          </p:cNvPr>
-          <p:cNvSpPr>
-            <a:spLocks noChangeArrowheads="1"/>
-          </p:cNvSpPr>
-          <p:nvPr/>
-        </p:nvSpPr>
-        <p:spPr bwMode="auto">
-          <a:xfrm>
-            <a:off x="3808412" y="3313584"/>
-            <a:ext cx="5865813" cy="230832"/>
-          </a:xfrm>
-          <a:prstGeom prst="rect">
-            <a:avLst/>
-          </a:prstGeom>
-          <a:solidFill>
-            <a:srgbClr val="2B2B2B"/>
-          </a:solidFill>
-          <a:ln>
-            <a:noFill/>
-          </a:ln>
-          <a:effectLst/>
-          <a:extLst>
-            <a:ext uri="{91240B29-F687-4F45-9708-019B960494DF}">
-              <a14:hiddenLine xmlns:a14="http://schemas.microsoft.com/office/drawing/2010/main" w="9525">
-                <a:solidFill>
-                  <a:schemeClr val="tx1"/>
-                </a:solidFill>
-                <a:miter lim="800000"/>
-                <a:headEnd/>
-                <a:tailEnd/>
-              </a14:hiddenLine>
-            </a:ext>
-            <a:ext uri="{AF507438-7753-43E0-B8FC-AC1667EBCBE1}">
-              <a14:hiddenEffects xmlns:a14="http://schemas.microsoft.com/office/drawing/2010/main">
-                <a:effectLst>
-                  <a:outerShdw dist="35921" dir="2700000" algn="ctr" rotWithShape="0">
-                    <a:schemeClr val="bg2"/>
-                  </a:outerShdw>
-                </a:effectLst>
-              </a14:hiddenEffects>
-            </a:ext>
-          </a:extLst>
-        </p:spPr>
-        <p:txBody>
-          <a:bodyPr vert="horz" wrap="square" lIns="91440" tIns="45720" rIns="91440" bIns="45720" numCol="1" anchor="ctr" anchorCtr="0" compatLnSpc="1">
-            <a:prstTxWarp prst="textNoShape">
-              <a:avLst/>
-            </a:prstTxWarp>
-            <a:spAutoFit/>
-          </a:bodyPr>
-          <a:lstStyle/>
-          <a:p>
-            <a:pPr marL="0" marR="0" lvl="0" indent="0" algn="l" defTabSz="914400" rtl="0" eaLnBrk="0" fontAlgn="base" latinLnBrk="0" hangingPunct="0">
-              <a:lnSpc>
-                <a:spcPct val="100000"/>
-              </a:lnSpc>
-              <a:spcBef>
-                <a:spcPct val="0"/>
-              </a:spcBef>
-              <a:spcAft>
-                <a:spcPct val="0"/>
-              </a:spcAft>
-              <a:buClrTx/>
-              <a:buSzTx/>
-              <a:buFontTx/>
-              <a:buNone/>
-              <a:tabLst/>
-            </a:pPr>
-            <a:r>
-              <a:rPr kumimoji="0" lang="en-US" altLang="en-US" sz="900" b="0" i="0" u="none" strike="noStrike" cap="none" normalizeH="0" baseline="0" dirty="0" err="1">
-                <a:ln>
-                  <a:noFill/>
-                </a:ln>
-                <a:solidFill>
-                  <a:srgbClr val="A9B7C6"/>
-                </a:solidFill>
-                <a:effectLst/>
-                <a:latin typeface="Consolas" panose="020B0609020204030204" pitchFamily="49" charset="0"/>
-              </a:rPr>
-              <a:t>py_client.add_user</a:t>
-            </a:r>
-            <a:r>
-              <a:rPr kumimoji="0" lang="en-US" altLang="en-US" sz="900" b="0" i="0" u="none" strike="noStrike" cap="none" normalizeH="0" baseline="0" dirty="0">
-                <a:ln>
-                  <a:noFill/>
-                </a:ln>
-                <a:solidFill>
-                  <a:srgbClr val="A9B7C6"/>
-                </a:solidFill>
-                <a:effectLst/>
-                <a:latin typeface="Consolas" panose="020B0609020204030204" pitchFamily="49" charset="0"/>
-              </a:rPr>
-              <a:t>(</a:t>
-            </a:r>
-            <a:r>
-              <a:rPr kumimoji="0" lang="en-US" altLang="en-US" sz="900" b="0" i="0" u="none" strike="noStrike" cap="none" normalizeH="0" baseline="0" dirty="0">
-                <a:ln>
-                  <a:noFill/>
-                </a:ln>
-                <a:solidFill>
-                  <a:srgbClr val="6A8759"/>
-                </a:solidFill>
-                <a:effectLst/>
-                <a:latin typeface="Consolas" panose="020B0609020204030204" pitchFamily="49" charset="0"/>
-              </a:rPr>
-              <a:t>'user@email.com'</a:t>
-            </a:r>
-            <a:r>
-              <a:rPr kumimoji="0" lang="en-US" altLang="en-US" sz="900" b="0" i="0" u="none" strike="noStrike" cap="none" normalizeH="0" baseline="0" dirty="0">
-                <a:ln>
-                  <a:noFill/>
-                </a:ln>
-                <a:solidFill>
-                  <a:srgbClr val="CC7832"/>
-                </a:solidFill>
-                <a:effectLst/>
-                <a:latin typeface="Consolas" panose="020B0609020204030204" pitchFamily="49" charset="0"/>
-              </a:rPr>
-              <a:t>, </a:t>
-            </a:r>
-            <a:r>
-              <a:rPr kumimoji="0" lang="en-US" altLang="en-US" sz="900" b="0" i="0" u="none" strike="noStrike" cap="none" normalizeH="0" baseline="0" dirty="0">
-                <a:ln>
-                  <a:noFill/>
-                </a:ln>
-                <a:solidFill>
-                  <a:srgbClr val="6A8759"/>
-                </a:solidFill>
-                <a:effectLst/>
-                <a:latin typeface="Consolas" panose="020B0609020204030204" pitchFamily="49" charset="0"/>
-              </a:rPr>
-              <a:t>'Data Designer'</a:t>
-            </a:r>
-            <a:r>
-              <a:rPr kumimoji="0" lang="en-US" altLang="en-US" sz="900" b="0" i="0" u="none" strike="noStrike" cap="none" normalizeH="0" baseline="0" dirty="0">
-                <a:ln>
-                  <a:noFill/>
-                </a:ln>
-                <a:solidFill>
-                  <a:srgbClr val="CC7832"/>
-                </a:solidFill>
-                <a:effectLst/>
-                <a:latin typeface="Consolas" panose="020B0609020204030204" pitchFamily="49" charset="0"/>
-              </a:rPr>
-              <a:t>, </a:t>
-            </a:r>
-            <a:r>
-              <a:rPr kumimoji="0" lang="en-US" altLang="en-US" sz="900" b="0" i="0" u="none" strike="noStrike" cap="none" normalizeH="0" baseline="0" dirty="0" err="1">
-                <a:ln>
-                  <a:noFill/>
-                </a:ln>
-                <a:solidFill>
-                  <a:srgbClr val="AA4926"/>
-                </a:solidFill>
-                <a:effectLst/>
-                <a:latin typeface="Consolas" panose="020B0609020204030204" pitchFamily="49" charset="0"/>
-              </a:rPr>
-              <a:t>first_name</a:t>
-            </a:r>
-            <a:r>
-              <a:rPr kumimoji="0" lang="en-US" altLang="en-US" sz="900" b="0" i="0" u="none" strike="noStrike" cap="none" normalizeH="0" baseline="0" dirty="0">
-                <a:ln>
-                  <a:noFill/>
-                </a:ln>
-                <a:solidFill>
-                  <a:srgbClr val="A9B7C6"/>
-                </a:solidFill>
-                <a:effectLst/>
-                <a:latin typeface="Consolas" panose="020B0609020204030204" pitchFamily="49" charset="0"/>
-              </a:rPr>
-              <a:t>=</a:t>
-            </a:r>
-            <a:r>
-              <a:rPr kumimoji="0" lang="en-US" altLang="en-US" sz="900" b="0" i="0" u="none" strike="noStrike" cap="none" normalizeH="0" baseline="0" dirty="0">
-                <a:ln>
-                  <a:noFill/>
-                </a:ln>
-                <a:solidFill>
-                  <a:srgbClr val="6A8759"/>
-                </a:solidFill>
-                <a:effectLst/>
-                <a:latin typeface="Consolas" panose="020B0609020204030204" pitchFamily="49" charset="0"/>
-              </a:rPr>
-              <a:t>'John'</a:t>
-            </a:r>
-            <a:r>
-              <a:rPr kumimoji="0" lang="en-US" altLang="en-US" sz="900" b="0" i="0" u="none" strike="noStrike" cap="none" normalizeH="0" baseline="0" dirty="0">
-                <a:ln>
-                  <a:noFill/>
-                </a:ln>
-                <a:solidFill>
-                  <a:srgbClr val="CC7832"/>
-                </a:solidFill>
-                <a:effectLst/>
-                <a:latin typeface="Consolas" panose="020B0609020204030204" pitchFamily="49" charset="0"/>
-              </a:rPr>
-              <a:t>, </a:t>
-            </a:r>
-            <a:r>
-              <a:rPr kumimoji="0" lang="en-US" altLang="en-US" sz="900" b="0" i="0" u="none" strike="noStrike" cap="none" normalizeH="0" baseline="0" dirty="0" err="1">
-                <a:ln>
-                  <a:noFill/>
-                </a:ln>
-                <a:solidFill>
-                  <a:srgbClr val="AA4926"/>
-                </a:solidFill>
-                <a:effectLst/>
-                <a:latin typeface="Consolas" panose="020B0609020204030204" pitchFamily="49" charset="0"/>
-              </a:rPr>
-              <a:t>last_name</a:t>
-            </a:r>
-            <a:r>
-              <a:rPr kumimoji="0" lang="en-US" altLang="en-US" sz="900" b="0" i="0" u="none" strike="noStrike" cap="none" normalizeH="0" baseline="0" dirty="0">
-                <a:ln>
-                  <a:noFill/>
-                </a:ln>
-                <a:solidFill>
-                  <a:srgbClr val="A9B7C6"/>
-                </a:solidFill>
-                <a:effectLst/>
-                <a:latin typeface="Consolas" panose="020B0609020204030204" pitchFamily="49" charset="0"/>
-              </a:rPr>
-              <a:t>=</a:t>
-            </a:r>
-            <a:r>
-              <a:rPr kumimoji="0" lang="en-US" altLang="en-US" sz="900" b="0" i="0" u="none" strike="noStrike" cap="none" normalizeH="0" baseline="0" dirty="0">
-                <a:ln>
-                  <a:noFill/>
-                </a:ln>
-                <a:solidFill>
-                  <a:srgbClr val="6A8759"/>
-                </a:solidFill>
-                <a:effectLst/>
-                <a:latin typeface="Consolas" panose="020B0609020204030204" pitchFamily="49" charset="0"/>
-              </a:rPr>
-              <a:t>'Doe'</a:t>
-            </a:r>
-            <a:r>
-              <a:rPr kumimoji="0" lang="en-US" altLang="en-US" sz="900" b="0" i="0" u="none" strike="noStrike" cap="none" normalizeH="0" baseline="0" dirty="0">
-                <a:ln>
-                  <a:noFill/>
-                </a:ln>
-                <a:solidFill>
-                  <a:srgbClr val="A9B7C6"/>
-                </a:solidFill>
-                <a:effectLst/>
-                <a:latin typeface="Consolas" panose="020B0609020204030204" pitchFamily="49" charset="0"/>
-              </a:rPr>
-              <a:t>)</a:t>
-            </a:r>
-            <a:endParaRPr kumimoji="0" lang="en-US" altLang="en-US" sz="1800" b="0" i="0" u="none" strike="noStrike" cap="none" normalizeH="0" baseline="0" dirty="0">
-              <a:ln>
-                <a:noFill/>
-              </a:ln>
-              <a:solidFill>
-                <a:schemeClr val="tx1"/>
-              </a:solidFill>
-              <a:effectLst/>
-              <a:latin typeface="Arial" panose="020B0604020202020204" pitchFamily="34" charset="0"/>
-            </a:endParaRPr>
+              <a:t>https://github.com/nathangiusti/PySense/tree/master/Snippets</a:t>
+            </a:r>
+            <a:endParaRPr lang="en-US" dirty="0"/>
           </a:p>
         </p:txBody>
       </p:sp>
     </p:spTree>
     <p:extLst>
       <p:ext uri="{BB962C8B-B14F-4D97-AF65-F5344CB8AC3E}">
-        <p14:creationId xmlns:p14="http://schemas.microsoft.com/office/powerpoint/2010/main" val="3676505348"/>
+        <p14:creationId xmlns:p14="http://schemas.microsoft.com/office/powerpoint/2010/main" val="3867761439"/>
       </p:ext>
     </p:extLst>
   </p:cSld>
@@ -6107,13 +5921,7 @@
       </p:grpSpPr>
       <p:sp>
         <p:nvSpPr>
-          <p:cNvPr id="2" name="Title 1">
-            <a:extLst>
-              <a:ext uri="{FF2B5EF4-FFF2-40B4-BE49-F238E27FC236}">
-                <a16:creationId xmlns:a16="http://schemas.microsoft.com/office/drawing/2014/main" id="{526747FF-D7FB-4FD0-9096-897CDC0B9157}"/>
-              </a:ext>
-            </a:extLst>
-          </p:cNvPr>
+          <p:cNvPr id="7" name="Title 6"/>
           <p:cNvSpPr>
             <a:spLocks noGrp="1"/>
           </p:cNvSpPr>
@@ -6128,7 +5936,7 @@
           <a:p>
             <a:r>
               <a:rPr lang="en-US" dirty="0"/>
-              <a:t>Hands On</a:t>
+              <a:t>Authentication</a:t>
             </a:r>
           </a:p>
         </p:txBody>
@@ -6138,7 +5946,7 @@
           <p:cNvPr id="3" name="Content Placeholder 2">
             <a:extLst>
               <a:ext uri="{FF2B5EF4-FFF2-40B4-BE49-F238E27FC236}">
-                <a16:creationId xmlns:a16="http://schemas.microsoft.com/office/drawing/2014/main" id="{D3698E1F-E607-486A-9AC1-7FA984F129C5}"/>
+                <a16:creationId xmlns:a16="http://schemas.microsoft.com/office/drawing/2014/main" id="{2ED27052-9A29-48B4-B0EC-AD50D2AF88EF}"/>
               </a:ext>
             </a:extLst>
           </p:cNvPr>
@@ -6151,41 +5959,978 @@
         </p:nvSpPr>
         <p:spPr/>
         <p:txBody>
-          <a:bodyPr/>
+          <a:bodyPr>
+            <a:normAutofit/>
+          </a:bodyPr>
           <a:lstStyle/>
           <a:p>
             <a:r>
               <a:rPr lang="en-US" dirty="0"/>
-              <a:t>Authenticate with our Sisense server</a:t>
-            </a:r>
-          </a:p>
-          <a:p>
-            <a:r>
-              <a:rPr lang="en-US" dirty="0"/>
-              <a:t>Create a user and add a security rule</a:t>
-            </a:r>
-          </a:p>
-          <a:p>
-            <a:r>
-              <a:rPr lang="en-US" dirty="0"/>
-              <a:t>Download our dashboards</a:t>
-            </a:r>
-          </a:p>
-          <a:p>
-            <a:r>
-              <a:rPr lang="en-US" dirty="0">
-                <a:hlinkClick r:id="rId2"/>
-              </a:rPr>
-              <a:t>https://github.com/nathangiusti/PySense/tree/master/Snippets</a:t>
+              <a:t>We must log in to Sisense via API as we would if we were logging in to the web. </a:t>
+            </a:r>
+          </a:p>
+          <a:p>
+            <a:r>
+              <a:rPr lang="en-US" dirty="0"/>
+              <a:t>Authentication returns us a </a:t>
+            </a:r>
+            <a:r>
+              <a:rPr lang="en-US" dirty="0" err="1"/>
+              <a:t>PySense</a:t>
+            </a:r>
+            <a:r>
+              <a:rPr lang="en-US" dirty="0"/>
+              <a:t> object which we name </a:t>
+            </a:r>
+            <a:r>
+              <a:rPr lang="en-US" dirty="0" err="1"/>
+              <a:t>py_client</a:t>
             </a:r>
             <a:endParaRPr lang="en-US" dirty="0"/>
+          </a:p>
+          <a:p>
+            <a:r>
+              <a:rPr lang="en-US" dirty="0"/>
+              <a:t>We can do this two ways</a:t>
+            </a:r>
+          </a:p>
+          <a:p>
+            <a:pPr lvl="1"/>
+            <a:r>
+              <a:rPr lang="en-US" dirty="0"/>
+              <a:t>Inline:</a:t>
+            </a:r>
+          </a:p>
+          <a:p>
+            <a:pPr lvl="1"/>
+            <a:r>
+              <a:rPr lang="en-US" dirty="0"/>
+              <a:t>From file: </a:t>
+            </a:r>
+          </a:p>
+          <a:p>
+            <a:pPr lvl="2"/>
+            <a:r>
+              <a:rPr lang="en-US" dirty="0" err="1"/>
+              <a:t>SampleConfig.yaml</a:t>
+            </a:r>
+            <a:r>
+              <a:rPr lang="en-US" dirty="0"/>
+              <a:t>:</a:t>
+            </a:r>
+          </a:p>
+        </p:txBody>
+      </p:sp>
+      <p:sp>
+        <p:nvSpPr>
+          <p:cNvPr id="6" name="Rectangle 3">
+            <a:extLst>
+              <a:ext uri="{FF2B5EF4-FFF2-40B4-BE49-F238E27FC236}">
+                <a16:creationId xmlns:a16="http://schemas.microsoft.com/office/drawing/2014/main" id="{889F68C9-6A2D-49FA-B681-412795B0B0E5}"/>
+              </a:ext>
+            </a:extLst>
+          </p:cNvPr>
+          <p:cNvSpPr>
+            <a:spLocks noChangeArrowheads="1"/>
+          </p:cNvSpPr>
+          <p:nvPr/>
+        </p:nvSpPr>
+        <p:spPr bwMode="auto">
+          <a:xfrm>
+            <a:off x="3198812" y="4633077"/>
+            <a:ext cx="4114800" cy="230832"/>
+          </a:xfrm>
+          <a:prstGeom prst="rect">
+            <a:avLst/>
+          </a:prstGeom>
+          <a:solidFill>
+            <a:srgbClr val="2B2B2B"/>
+          </a:solidFill>
+          <a:ln>
+            <a:noFill/>
+          </a:ln>
+          <a:effectLst/>
+          <a:extLst>
+            <a:ext uri="{91240B29-F687-4F45-9708-019B960494DF}">
+              <a14:hiddenLine xmlns:a14="http://schemas.microsoft.com/office/drawing/2010/main" w="9525">
+                <a:solidFill>
+                  <a:schemeClr val="tx1"/>
+                </a:solidFill>
+                <a:miter lim="800000"/>
+                <a:headEnd/>
+                <a:tailEnd/>
+              </a14:hiddenLine>
+            </a:ext>
+            <a:ext uri="{AF507438-7753-43E0-B8FC-AC1667EBCBE1}">
+              <a14:hiddenEffects xmlns:a14="http://schemas.microsoft.com/office/drawing/2010/main">
+                <a:effectLst>
+                  <a:outerShdw dist="35921" dir="2700000" algn="ctr" rotWithShape="0">
+                    <a:schemeClr val="bg2"/>
+                  </a:outerShdw>
+                </a:effectLst>
+              </a14:hiddenEffects>
+            </a:ext>
+          </a:extLst>
+        </p:spPr>
+        <p:txBody>
+          <a:bodyPr vert="horz" wrap="square" lIns="91440" tIns="45720" rIns="91440" bIns="45720" numCol="1" anchor="ctr" anchorCtr="0" compatLnSpc="1">
+            <a:prstTxWarp prst="textNoShape">
+              <a:avLst/>
+            </a:prstTxWarp>
+            <a:spAutoFit/>
+          </a:bodyPr>
+          <a:lstStyle/>
+          <a:p>
+            <a:pPr marL="0" marR="0" lvl="0" indent="0" algn="l" defTabSz="914400" rtl="0" eaLnBrk="0" fontAlgn="base" latinLnBrk="0" hangingPunct="0">
+              <a:lnSpc>
+                <a:spcPct val="100000"/>
+              </a:lnSpc>
+              <a:spcBef>
+                <a:spcPct val="0"/>
+              </a:spcBef>
+              <a:spcAft>
+                <a:spcPct val="0"/>
+              </a:spcAft>
+              <a:buClrTx/>
+              <a:buSzTx/>
+              <a:buFontTx/>
+              <a:buNone/>
+              <a:tabLst/>
+            </a:pPr>
+            <a:r>
+              <a:rPr kumimoji="0" lang="en-US" altLang="en-US" sz="900" b="0" i="0" u="none" strike="noStrike" cap="none" normalizeH="0" baseline="0" dirty="0" err="1">
+                <a:ln>
+                  <a:noFill/>
+                </a:ln>
+                <a:solidFill>
+                  <a:srgbClr val="A9B7C6"/>
+                </a:solidFill>
+                <a:effectLst/>
+                <a:latin typeface="Consolas" panose="020B0609020204030204" pitchFamily="49" charset="0"/>
+              </a:rPr>
+              <a:t>py_client</a:t>
+            </a:r>
+            <a:r>
+              <a:rPr kumimoji="0" lang="en-US" altLang="en-US" sz="900" b="0" i="0" u="none" strike="noStrike" cap="none" normalizeH="0" baseline="0" dirty="0">
+                <a:ln>
+                  <a:noFill/>
+                </a:ln>
+                <a:solidFill>
+                  <a:srgbClr val="A9B7C6"/>
+                </a:solidFill>
+                <a:effectLst/>
+                <a:latin typeface="Consolas" panose="020B0609020204030204" pitchFamily="49" charset="0"/>
+              </a:rPr>
+              <a:t> = </a:t>
+            </a:r>
+            <a:r>
+              <a:rPr kumimoji="0" lang="en-US" altLang="en-US" sz="900" b="0" i="0" u="none" strike="noStrike" cap="none" normalizeH="0" baseline="0" dirty="0" err="1">
+                <a:ln>
+                  <a:noFill/>
+                </a:ln>
+                <a:solidFill>
+                  <a:srgbClr val="A9B7C6"/>
+                </a:solidFill>
+                <a:effectLst/>
+                <a:latin typeface="Consolas" panose="020B0609020204030204" pitchFamily="49" charset="0"/>
+              </a:rPr>
+              <a:t>PySense.authenticate_by_file</a:t>
+            </a:r>
+            <a:r>
+              <a:rPr kumimoji="0" lang="en-US" altLang="en-US" sz="900" b="0" i="0" u="none" strike="noStrike" cap="none" normalizeH="0" baseline="0" dirty="0">
+                <a:ln>
+                  <a:noFill/>
+                </a:ln>
+                <a:solidFill>
+                  <a:srgbClr val="A9B7C6"/>
+                </a:solidFill>
+                <a:effectLst/>
+                <a:latin typeface="Consolas" panose="020B0609020204030204" pitchFamily="49" charset="0"/>
+              </a:rPr>
+              <a:t>(</a:t>
+            </a:r>
+            <a:r>
+              <a:rPr kumimoji="0" lang="en-US" altLang="en-US" sz="900" b="0" i="0" u="none" strike="noStrike" cap="none" normalizeH="0" baseline="0" dirty="0">
+                <a:ln>
+                  <a:noFill/>
+                </a:ln>
+                <a:solidFill>
+                  <a:srgbClr val="6A8759"/>
+                </a:solidFill>
+                <a:effectLst/>
+                <a:latin typeface="Consolas" panose="020B0609020204030204" pitchFamily="49" charset="0"/>
+              </a:rPr>
+              <a:t>'</a:t>
+            </a:r>
+            <a:r>
+              <a:rPr kumimoji="0" lang="en-US" altLang="en-US" sz="900" b="0" i="0" u="none" strike="noStrike" cap="none" normalizeH="0" baseline="0" dirty="0" err="1">
+                <a:ln>
+                  <a:noFill/>
+                </a:ln>
+                <a:solidFill>
+                  <a:srgbClr val="6A8759"/>
+                </a:solidFill>
+                <a:effectLst/>
+                <a:latin typeface="Consolas" panose="020B0609020204030204" pitchFamily="49" charset="0"/>
+              </a:rPr>
+              <a:t>SampleConfig.yaml</a:t>
+            </a:r>
+            <a:r>
+              <a:rPr kumimoji="0" lang="en-US" altLang="en-US" sz="900" b="0" i="0" u="none" strike="noStrike" cap="none" normalizeH="0" baseline="0" dirty="0">
+                <a:ln>
+                  <a:noFill/>
+                </a:ln>
+                <a:solidFill>
+                  <a:srgbClr val="6A8759"/>
+                </a:solidFill>
+                <a:effectLst/>
+                <a:latin typeface="Consolas" panose="020B0609020204030204" pitchFamily="49" charset="0"/>
+              </a:rPr>
+              <a:t>'</a:t>
+            </a:r>
+            <a:r>
+              <a:rPr kumimoji="0" lang="en-US" altLang="en-US" sz="900" b="0" i="0" u="none" strike="noStrike" cap="none" normalizeH="0" baseline="0" dirty="0">
+                <a:ln>
+                  <a:noFill/>
+                </a:ln>
+                <a:solidFill>
+                  <a:srgbClr val="A9B7C6"/>
+                </a:solidFill>
+                <a:effectLst/>
+                <a:latin typeface="Consolas" panose="020B0609020204030204" pitchFamily="49" charset="0"/>
+              </a:rPr>
+              <a:t>)</a:t>
+            </a:r>
+            <a:endParaRPr kumimoji="0" lang="en-US" altLang="en-US" sz="1800" b="0" i="0" u="none" strike="noStrike" cap="none" normalizeH="0" baseline="0" dirty="0">
+              <a:ln>
+                <a:noFill/>
+              </a:ln>
+              <a:solidFill>
+                <a:schemeClr val="tx1"/>
+              </a:solidFill>
+              <a:effectLst/>
+              <a:latin typeface="Arial" panose="020B0604020202020204" pitchFamily="34" charset="0"/>
+            </a:endParaRPr>
+          </a:p>
+        </p:txBody>
+      </p:sp>
+      <p:sp>
+        <p:nvSpPr>
+          <p:cNvPr id="2" name="Rectangle 1">
+            <a:extLst>
+              <a:ext uri="{FF2B5EF4-FFF2-40B4-BE49-F238E27FC236}">
+                <a16:creationId xmlns:a16="http://schemas.microsoft.com/office/drawing/2014/main" id="{1E7E108A-75A6-437F-8D43-373D62AFDE23}"/>
+              </a:ext>
+            </a:extLst>
+          </p:cNvPr>
+          <p:cNvSpPr>
+            <a:spLocks noChangeArrowheads="1"/>
+          </p:cNvSpPr>
+          <p:nvPr/>
+        </p:nvSpPr>
+        <p:spPr bwMode="auto">
+          <a:xfrm>
+            <a:off x="2894012" y="4272598"/>
+            <a:ext cx="6780213" cy="230832"/>
+          </a:xfrm>
+          <a:prstGeom prst="rect">
+            <a:avLst/>
+          </a:prstGeom>
+          <a:solidFill>
+            <a:srgbClr val="2B2B2B"/>
+          </a:solidFill>
+          <a:ln>
+            <a:noFill/>
+          </a:ln>
+          <a:effectLst/>
+          <a:extLst>
+            <a:ext uri="{91240B29-F687-4F45-9708-019B960494DF}">
+              <a14:hiddenLine xmlns:a14="http://schemas.microsoft.com/office/drawing/2010/main" w="9525">
+                <a:solidFill>
+                  <a:schemeClr val="tx1"/>
+                </a:solidFill>
+                <a:miter lim="800000"/>
+                <a:headEnd/>
+                <a:tailEnd/>
+              </a14:hiddenLine>
+            </a:ext>
+            <a:ext uri="{AF507438-7753-43E0-B8FC-AC1667EBCBE1}">
+              <a14:hiddenEffects xmlns:a14="http://schemas.microsoft.com/office/drawing/2010/main">
+                <a:effectLst>
+                  <a:outerShdw dist="35921" dir="2700000" algn="ctr" rotWithShape="0">
+                    <a:schemeClr val="bg2"/>
+                  </a:outerShdw>
+                </a:effectLst>
+              </a14:hiddenEffects>
+            </a:ext>
+          </a:extLst>
+        </p:spPr>
+        <p:txBody>
+          <a:bodyPr vert="horz" wrap="square" lIns="91440" tIns="45720" rIns="91440" bIns="45720" numCol="1" anchor="ctr" anchorCtr="0" compatLnSpc="1">
+            <a:prstTxWarp prst="textNoShape">
+              <a:avLst/>
+            </a:prstTxWarp>
+            <a:spAutoFit/>
+          </a:bodyPr>
+          <a:lstStyle/>
+          <a:p>
+            <a:pPr marL="0" marR="0" lvl="0" indent="0" algn="l" defTabSz="914400" rtl="0" eaLnBrk="0" fontAlgn="base" latinLnBrk="0" hangingPunct="0">
+              <a:lnSpc>
+                <a:spcPct val="100000"/>
+              </a:lnSpc>
+              <a:spcBef>
+                <a:spcPct val="0"/>
+              </a:spcBef>
+              <a:spcAft>
+                <a:spcPct val="0"/>
+              </a:spcAft>
+              <a:buClrTx/>
+              <a:buSzTx/>
+              <a:buFontTx/>
+              <a:buNone/>
+              <a:tabLst/>
+            </a:pPr>
+            <a:r>
+              <a:rPr kumimoji="0" lang="en-US" altLang="en-US" sz="900" b="0" i="0" u="none" strike="noStrike" cap="none" normalizeH="0" baseline="0" dirty="0" err="1">
+                <a:ln>
+                  <a:noFill/>
+                </a:ln>
+                <a:solidFill>
+                  <a:srgbClr val="A9B7C6"/>
+                </a:solidFill>
+                <a:effectLst/>
+                <a:latin typeface="JetBrains Mono"/>
+              </a:rPr>
+              <a:t>py_client</a:t>
+            </a:r>
+            <a:r>
+              <a:rPr kumimoji="0" lang="en-US" altLang="en-US" sz="900" b="0" i="0" u="none" strike="noStrike" cap="none" normalizeH="0" baseline="0" dirty="0">
+                <a:ln>
+                  <a:noFill/>
+                </a:ln>
+                <a:solidFill>
+                  <a:srgbClr val="A9B7C6"/>
+                </a:solidFill>
+                <a:effectLst/>
+                <a:latin typeface="JetBrains Mono"/>
+              </a:rPr>
+              <a:t> = </a:t>
+            </a:r>
+            <a:r>
+              <a:rPr kumimoji="0" lang="en-US" altLang="en-US" sz="900" b="0" i="0" u="none" strike="noStrike" cap="none" normalizeH="0" baseline="0" dirty="0" err="1">
+                <a:ln>
+                  <a:noFill/>
+                </a:ln>
+                <a:solidFill>
+                  <a:srgbClr val="A9B7C6"/>
+                </a:solidFill>
+                <a:effectLst/>
+                <a:latin typeface="JetBrains Mono"/>
+              </a:rPr>
+              <a:t>PySense.PySense</a:t>
+            </a:r>
+            <a:r>
+              <a:rPr kumimoji="0" lang="en-US" altLang="en-US" sz="900" b="0" i="0" u="none" strike="noStrike" cap="none" normalizeH="0" baseline="0" dirty="0">
+                <a:ln>
+                  <a:noFill/>
+                </a:ln>
+                <a:solidFill>
+                  <a:srgbClr val="A9B7C6"/>
+                </a:solidFill>
+                <a:effectLst/>
+                <a:latin typeface="JetBrains Mono"/>
+              </a:rPr>
+              <a:t>(</a:t>
+            </a:r>
+            <a:r>
+              <a:rPr kumimoji="0" lang="en-US" altLang="en-US" sz="900" b="0" i="0" u="none" strike="noStrike" cap="none" normalizeH="0" baseline="0" dirty="0">
+                <a:ln>
+                  <a:noFill/>
+                </a:ln>
+                <a:solidFill>
+                  <a:srgbClr val="6A8759"/>
+                </a:solidFill>
+                <a:effectLst/>
+                <a:latin typeface="JetBrains Mono"/>
+              </a:rPr>
+              <a:t>'host'</a:t>
+            </a:r>
+            <a:r>
+              <a:rPr kumimoji="0" lang="en-US" altLang="en-US" sz="900" b="0" i="0" u="none" strike="noStrike" cap="none" normalizeH="0" baseline="0" dirty="0">
+                <a:ln>
+                  <a:noFill/>
+                </a:ln>
+                <a:solidFill>
+                  <a:srgbClr val="CC7832"/>
+                </a:solidFill>
+                <a:effectLst/>
+                <a:latin typeface="JetBrains Mono"/>
+              </a:rPr>
+              <a:t>, </a:t>
+            </a:r>
+            <a:r>
+              <a:rPr kumimoji="0" lang="en-US" altLang="en-US" sz="900" b="0" i="0" u="none" strike="noStrike" cap="none" normalizeH="0" baseline="0" dirty="0">
+                <a:ln>
+                  <a:noFill/>
+                </a:ln>
+                <a:solidFill>
+                  <a:srgbClr val="6A8759"/>
+                </a:solidFill>
+                <a:effectLst/>
+                <a:latin typeface="JetBrains Mono"/>
+              </a:rPr>
+              <a:t>'username'</a:t>
+            </a:r>
+            <a:r>
+              <a:rPr kumimoji="0" lang="en-US" altLang="en-US" sz="900" b="0" i="0" u="none" strike="noStrike" cap="none" normalizeH="0" baseline="0" dirty="0">
+                <a:ln>
+                  <a:noFill/>
+                </a:ln>
+                <a:solidFill>
+                  <a:srgbClr val="CC7832"/>
+                </a:solidFill>
+                <a:effectLst/>
+                <a:latin typeface="JetBrains Mono"/>
+              </a:rPr>
+              <a:t>, </a:t>
+            </a:r>
+            <a:r>
+              <a:rPr kumimoji="0" lang="en-US" altLang="en-US" sz="900" b="0" i="0" u="none" strike="noStrike" cap="none" normalizeH="0" baseline="0" dirty="0">
+                <a:ln>
+                  <a:noFill/>
+                </a:ln>
+                <a:solidFill>
+                  <a:srgbClr val="6A8759"/>
+                </a:solidFill>
+                <a:effectLst/>
+                <a:latin typeface="JetBrains Mono"/>
+              </a:rPr>
+              <a:t>'password'</a:t>
+            </a:r>
+            <a:r>
+              <a:rPr kumimoji="0" lang="en-US" altLang="en-US" sz="900" b="0" i="0" u="none" strike="noStrike" cap="none" normalizeH="0" baseline="0" dirty="0">
+                <a:ln>
+                  <a:noFill/>
+                </a:ln>
+                <a:solidFill>
+                  <a:srgbClr val="CC7832"/>
+                </a:solidFill>
+                <a:effectLst/>
+                <a:latin typeface="JetBrains Mono"/>
+              </a:rPr>
+              <a:t>, </a:t>
+            </a:r>
+            <a:r>
+              <a:rPr kumimoji="0" lang="en-US" altLang="en-US" sz="900" b="0" i="0" u="none" strike="noStrike" cap="none" normalizeH="0" baseline="0" dirty="0">
+                <a:ln>
+                  <a:noFill/>
+                </a:ln>
+                <a:solidFill>
+                  <a:srgbClr val="6A8759"/>
+                </a:solidFill>
+                <a:effectLst/>
+                <a:latin typeface="JetBrains Mono"/>
+              </a:rPr>
+              <a:t>'version'</a:t>
+            </a:r>
+            <a:r>
+              <a:rPr kumimoji="0" lang="en-US" altLang="en-US" sz="900" b="0" i="0" u="none" strike="noStrike" cap="none" normalizeH="0" baseline="0" dirty="0">
+                <a:ln>
+                  <a:noFill/>
+                </a:ln>
+                <a:solidFill>
+                  <a:srgbClr val="A9B7C6"/>
+                </a:solidFill>
+                <a:effectLst/>
+                <a:latin typeface="JetBrains Mono"/>
+              </a:rPr>
+              <a:t>) </a:t>
+            </a:r>
+            <a:endParaRPr kumimoji="0" lang="en-US" altLang="en-US" sz="1800" b="0" i="0" u="none" strike="noStrike" cap="none" normalizeH="0" baseline="0" dirty="0">
+              <a:ln>
+                <a:noFill/>
+              </a:ln>
+              <a:solidFill>
+                <a:schemeClr val="tx1"/>
+              </a:solidFill>
+              <a:effectLst/>
+              <a:latin typeface="Arial" panose="020B0604020202020204" pitchFamily="34" charset="0"/>
+            </a:endParaRPr>
+          </a:p>
+        </p:txBody>
+      </p:sp>
+      <p:sp>
+        <p:nvSpPr>
+          <p:cNvPr id="9" name="Rectangle 3">
+            <a:extLst>
+              <a:ext uri="{FF2B5EF4-FFF2-40B4-BE49-F238E27FC236}">
+                <a16:creationId xmlns:a16="http://schemas.microsoft.com/office/drawing/2014/main" id="{8B5EFE91-8B5F-4E4F-A3CF-F5C0C07F51FB}"/>
+              </a:ext>
+            </a:extLst>
+          </p:cNvPr>
+          <p:cNvSpPr>
+            <a:spLocks noChangeArrowheads="1"/>
+          </p:cNvSpPr>
+          <p:nvPr/>
+        </p:nvSpPr>
+        <p:spPr bwMode="auto">
+          <a:xfrm>
+            <a:off x="4494212" y="4993556"/>
+            <a:ext cx="4953000" cy="1754326"/>
+          </a:xfrm>
+          <a:prstGeom prst="rect">
+            <a:avLst/>
+          </a:prstGeom>
+          <a:solidFill>
+            <a:srgbClr val="2B2B2B"/>
+          </a:solidFill>
+          <a:ln>
+            <a:noFill/>
+          </a:ln>
+          <a:effectLst/>
+          <a:extLst>
+            <a:ext uri="{91240B29-F687-4F45-9708-019B960494DF}">
+              <a14:hiddenLine xmlns:a14="http://schemas.microsoft.com/office/drawing/2010/main" w="9525">
+                <a:solidFill>
+                  <a:schemeClr val="tx1"/>
+                </a:solidFill>
+                <a:miter lim="800000"/>
+                <a:headEnd/>
+                <a:tailEnd/>
+              </a14:hiddenLine>
+            </a:ext>
+            <a:ext uri="{AF507438-7753-43E0-B8FC-AC1667EBCBE1}">
+              <a14:hiddenEffects xmlns:a14="http://schemas.microsoft.com/office/drawing/2010/main">
+                <a:effectLst>
+                  <a:outerShdw dist="35921" dir="2700000" algn="ctr" rotWithShape="0">
+                    <a:schemeClr val="bg2"/>
+                  </a:outerShdw>
+                </a:effectLst>
+              </a14:hiddenEffects>
+            </a:ext>
+          </a:extLst>
+        </p:spPr>
+        <p:txBody>
+          <a:bodyPr vert="horz" wrap="square" lIns="91440" tIns="45720" rIns="91440" bIns="45720" numCol="1" anchor="ctr" anchorCtr="0" compatLnSpc="1">
+            <a:prstTxWarp prst="textNoShape">
+              <a:avLst/>
+            </a:prstTxWarp>
+            <a:spAutoFit/>
+          </a:bodyPr>
+          <a:lstStyle/>
+          <a:p>
+            <a:pPr marL="0" marR="0" lvl="0" indent="0" algn="l" defTabSz="914400" rtl="0" eaLnBrk="0" fontAlgn="base" latinLnBrk="0" hangingPunct="0">
+              <a:lnSpc>
+                <a:spcPct val="100000"/>
+              </a:lnSpc>
+              <a:spcBef>
+                <a:spcPct val="0"/>
+              </a:spcBef>
+              <a:spcAft>
+                <a:spcPct val="0"/>
+              </a:spcAft>
+              <a:buClrTx/>
+              <a:buSzTx/>
+              <a:buFontTx/>
+              <a:buNone/>
+              <a:tabLst/>
+            </a:pPr>
+            <a:r>
+              <a:rPr kumimoji="0" lang="en-US" altLang="en-US" sz="900" b="0" i="0" u="none" strike="noStrike" cap="none" normalizeH="0" baseline="0">
+                <a:ln>
+                  <a:noFill/>
+                </a:ln>
+                <a:solidFill>
+                  <a:srgbClr val="CC7832"/>
+                </a:solidFill>
+                <a:effectLst/>
+                <a:latin typeface="JetBrains Mono"/>
+              </a:rPr>
+              <a:t>host</a:t>
+            </a:r>
+            <a:r>
+              <a:rPr kumimoji="0" lang="en-US" altLang="en-US" sz="900" b="0" i="0" u="none" strike="noStrike" cap="none" normalizeH="0" baseline="0">
+                <a:ln>
+                  <a:noFill/>
+                </a:ln>
+                <a:solidFill>
+                  <a:srgbClr val="A9B7C6"/>
+                </a:solidFill>
+                <a:effectLst/>
+                <a:latin typeface="JetBrains Mono"/>
+              </a:rPr>
+              <a:t>: </a:t>
+            </a:r>
+            <a:r>
+              <a:rPr kumimoji="0" lang="en-US" altLang="en-US" sz="900" b="0" i="0" u="none" strike="noStrike" cap="none" normalizeH="0" baseline="0">
+                <a:ln>
+                  <a:noFill/>
+                </a:ln>
+                <a:solidFill>
+                  <a:srgbClr val="6A8759"/>
+                </a:solidFill>
+                <a:effectLst/>
+                <a:latin typeface="JetBrains Mono"/>
+              </a:rPr>
+              <a:t>'your_host'</a:t>
+            </a:r>
+            <a:br>
+              <a:rPr kumimoji="0" lang="en-US" altLang="en-US" sz="900" b="0" i="0" u="none" strike="noStrike" cap="none" normalizeH="0" baseline="0">
+                <a:ln>
+                  <a:noFill/>
+                </a:ln>
+                <a:solidFill>
+                  <a:srgbClr val="6A8759"/>
+                </a:solidFill>
+                <a:effectLst/>
+                <a:latin typeface="JetBrains Mono"/>
+              </a:rPr>
+            </a:br>
+            <a:r>
+              <a:rPr kumimoji="0" lang="en-US" altLang="en-US" sz="900" b="0" i="0" u="none" strike="noStrike" cap="none" normalizeH="0" baseline="0">
+                <a:ln>
+                  <a:noFill/>
+                </a:ln>
+                <a:solidFill>
+                  <a:srgbClr val="CC7832"/>
+                </a:solidFill>
+                <a:effectLst/>
+                <a:latin typeface="JetBrains Mono"/>
+              </a:rPr>
+              <a:t>username</a:t>
+            </a:r>
+            <a:r>
+              <a:rPr kumimoji="0" lang="en-US" altLang="en-US" sz="900" b="0" i="0" u="none" strike="noStrike" cap="none" normalizeH="0" baseline="0">
+                <a:ln>
+                  <a:noFill/>
+                </a:ln>
+                <a:solidFill>
+                  <a:srgbClr val="A9B7C6"/>
+                </a:solidFill>
+                <a:effectLst/>
+                <a:latin typeface="JetBrains Mono"/>
+              </a:rPr>
+              <a:t>: </a:t>
+            </a:r>
+            <a:r>
+              <a:rPr kumimoji="0" lang="en-US" altLang="en-US" sz="900" b="0" i="0" u="none" strike="noStrike" cap="none" normalizeH="0" baseline="0">
+                <a:ln>
+                  <a:noFill/>
+                </a:ln>
+                <a:solidFill>
+                  <a:srgbClr val="6A8759"/>
+                </a:solidFill>
+                <a:effectLst/>
+                <a:latin typeface="JetBrains Mono"/>
+              </a:rPr>
+              <a:t>'your_username@sample.com'</a:t>
+            </a:r>
+            <a:br>
+              <a:rPr kumimoji="0" lang="en-US" altLang="en-US" sz="900" b="0" i="0" u="none" strike="noStrike" cap="none" normalizeH="0" baseline="0">
+                <a:ln>
+                  <a:noFill/>
+                </a:ln>
+                <a:solidFill>
+                  <a:srgbClr val="6A8759"/>
+                </a:solidFill>
+                <a:effectLst/>
+                <a:latin typeface="JetBrains Mono"/>
+              </a:rPr>
+            </a:br>
+            <a:r>
+              <a:rPr kumimoji="0" lang="en-US" altLang="en-US" sz="900" b="0" i="0" u="none" strike="noStrike" cap="none" normalizeH="0" baseline="0">
+                <a:ln>
+                  <a:noFill/>
+                </a:ln>
+                <a:solidFill>
+                  <a:srgbClr val="CC7832"/>
+                </a:solidFill>
+                <a:effectLst/>
+                <a:latin typeface="JetBrains Mono"/>
+              </a:rPr>
+              <a:t>password</a:t>
+            </a:r>
+            <a:r>
+              <a:rPr kumimoji="0" lang="en-US" altLang="en-US" sz="900" b="0" i="0" u="none" strike="noStrike" cap="none" normalizeH="0" baseline="0">
+                <a:ln>
+                  <a:noFill/>
+                </a:ln>
+                <a:solidFill>
+                  <a:srgbClr val="A9B7C6"/>
+                </a:solidFill>
+                <a:effectLst/>
+                <a:latin typeface="JetBrains Mono"/>
+              </a:rPr>
+              <a:t>: </a:t>
+            </a:r>
+            <a:r>
+              <a:rPr kumimoji="0" lang="en-US" altLang="en-US" sz="900" b="0" i="0" u="none" strike="noStrike" cap="none" normalizeH="0" baseline="0">
+                <a:ln>
+                  <a:noFill/>
+                </a:ln>
+                <a:solidFill>
+                  <a:srgbClr val="6A8759"/>
+                </a:solidFill>
+                <a:effectLst/>
+                <a:latin typeface="JetBrains Mono"/>
+              </a:rPr>
+              <a:t>'your_password'</a:t>
+            </a:r>
+            <a:br>
+              <a:rPr kumimoji="0" lang="en-US" altLang="en-US" sz="900" b="0" i="0" u="none" strike="noStrike" cap="none" normalizeH="0" baseline="0">
+                <a:ln>
+                  <a:noFill/>
+                </a:ln>
+                <a:solidFill>
+                  <a:srgbClr val="6A8759"/>
+                </a:solidFill>
+                <a:effectLst/>
+                <a:latin typeface="JetBrains Mono"/>
+              </a:rPr>
+            </a:br>
+            <a:br>
+              <a:rPr kumimoji="0" lang="en-US" altLang="en-US" sz="900" b="0" i="0" u="none" strike="noStrike" cap="none" normalizeH="0" baseline="0">
+                <a:ln>
+                  <a:noFill/>
+                </a:ln>
+                <a:solidFill>
+                  <a:srgbClr val="6A8759"/>
+                </a:solidFill>
+                <a:effectLst/>
+                <a:latin typeface="JetBrains Mono"/>
+              </a:rPr>
+            </a:br>
+            <a:r>
+              <a:rPr kumimoji="0" lang="en-US" altLang="en-US" sz="900" b="0" i="1" u="none" strike="noStrike" cap="none" normalizeH="0" baseline="0">
+                <a:ln>
+                  <a:noFill/>
+                </a:ln>
+                <a:solidFill>
+                  <a:srgbClr val="629755"/>
+                </a:solidFill>
+                <a:effectLst/>
+                <a:latin typeface="JetBrains Mono"/>
+              </a:rPr>
+              <a:t># Windows or Linux</a:t>
+            </a:r>
+            <a:br>
+              <a:rPr kumimoji="0" lang="en-US" altLang="en-US" sz="900" b="0" i="1" u="none" strike="noStrike" cap="none" normalizeH="0" baseline="0">
+                <a:ln>
+                  <a:noFill/>
+                </a:ln>
+                <a:solidFill>
+                  <a:srgbClr val="629755"/>
+                </a:solidFill>
+                <a:effectLst/>
+                <a:latin typeface="JetBrains Mono"/>
+              </a:rPr>
+            </a:br>
+            <a:r>
+              <a:rPr kumimoji="0" lang="en-US" altLang="en-US" sz="900" b="0" i="0" u="none" strike="noStrike" cap="none" normalizeH="0" baseline="0">
+                <a:ln>
+                  <a:noFill/>
+                </a:ln>
+                <a:solidFill>
+                  <a:srgbClr val="CC7832"/>
+                </a:solidFill>
+                <a:effectLst/>
+                <a:latin typeface="JetBrains Mono"/>
+              </a:rPr>
+              <a:t>version</a:t>
+            </a:r>
+            <a:r>
+              <a:rPr kumimoji="0" lang="en-US" altLang="en-US" sz="900" b="0" i="0" u="none" strike="noStrike" cap="none" normalizeH="0" baseline="0">
+                <a:ln>
+                  <a:noFill/>
+                </a:ln>
+                <a:solidFill>
+                  <a:srgbClr val="A9B7C6"/>
+                </a:solidFill>
+                <a:effectLst/>
+                <a:latin typeface="JetBrains Mono"/>
+              </a:rPr>
+              <a:t>: </a:t>
+            </a:r>
+            <a:r>
+              <a:rPr kumimoji="0" lang="en-US" altLang="en-US" sz="900" b="0" i="0" u="none" strike="noStrike" cap="none" normalizeH="0" baseline="0">
+                <a:ln>
+                  <a:noFill/>
+                </a:ln>
+                <a:solidFill>
+                  <a:srgbClr val="6A8759"/>
+                </a:solidFill>
+                <a:effectLst/>
+                <a:latin typeface="JetBrains Mono"/>
+              </a:rPr>
+              <a:t>'Windows' </a:t>
+            </a:r>
+            <a:br>
+              <a:rPr kumimoji="0" lang="en-US" altLang="en-US" sz="900" b="0" i="0" u="none" strike="noStrike" cap="none" normalizeH="0" baseline="0">
+                <a:ln>
+                  <a:noFill/>
+                </a:ln>
+                <a:solidFill>
+                  <a:srgbClr val="6A8759"/>
+                </a:solidFill>
+                <a:effectLst/>
+                <a:latin typeface="JetBrains Mono"/>
+              </a:rPr>
+            </a:br>
+            <a:br>
+              <a:rPr kumimoji="0" lang="en-US" altLang="en-US" sz="900" b="0" i="0" u="none" strike="noStrike" cap="none" normalizeH="0" baseline="0">
+                <a:ln>
+                  <a:noFill/>
+                </a:ln>
+                <a:solidFill>
+                  <a:srgbClr val="6A8759"/>
+                </a:solidFill>
+                <a:effectLst/>
+                <a:latin typeface="JetBrains Mono"/>
+              </a:rPr>
+            </a:br>
+            <a:r>
+              <a:rPr kumimoji="0" lang="en-US" altLang="en-US" sz="900" b="0" i="1" u="none" strike="noStrike" cap="none" normalizeH="0" baseline="0">
+                <a:ln>
+                  <a:noFill/>
+                </a:ln>
+                <a:solidFill>
+                  <a:srgbClr val="629755"/>
+                </a:solidFill>
+                <a:effectLst/>
+                <a:latin typeface="JetBrains Mono"/>
+              </a:rPr>
+              <a:t># Optional. False by default. Set to true to turn on more detailed debugging</a:t>
+            </a:r>
+            <a:br>
+              <a:rPr kumimoji="0" lang="en-US" altLang="en-US" sz="900" b="0" i="1" u="none" strike="noStrike" cap="none" normalizeH="0" baseline="0">
+                <a:ln>
+                  <a:noFill/>
+                </a:ln>
+                <a:solidFill>
+                  <a:srgbClr val="629755"/>
+                </a:solidFill>
+                <a:effectLst/>
+                <a:latin typeface="JetBrains Mono"/>
+              </a:rPr>
+            </a:br>
+            <a:r>
+              <a:rPr kumimoji="0" lang="en-US" altLang="en-US" sz="900" b="0" i="0" u="none" strike="noStrike" cap="none" normalizeH="0" baseline="0">
+                <a:ln>
+                  <a:noFill/>
+                </a:ln>
+                <a:solidFill>
+                  <a:srgbClr val="CC7832"/>
+                </a:solidFill>
+                <a:effectLst/>
+                <a:latin typeface="JetBrains Mono"/>
+              </a:rPr>
+              <a:t>debug</a:t>
+            </a:r>
+            <a:r>
+              <a:rPr kumimoji="0" lang="en-US" altLang="en-US" sz="900" b="0" i="0" u="none" strike="noStrike" cap="none" normalizeH="0" baseline="0">
+                <a:ln>
+                  <a:noFill/>
+                </a:ln>
+                <a:solidFill>
+                  <a:srgbClr val="A9B7C6"/>
+                </a:solidFill>
+                <a:effectLst/>
+                <a:latin typeface="JetBrains Mono"/>
+              </a:rPr>
+              <a:t>: False</a:t>
+            </a:r>
+            <a:br>
+              <a:rPr kumimoji="0" lang="en-US" altLang="en-US" sz="900" b="0" i="0" u="none" strike="noStrike" cap="none" normalizeH="0" baseline="0">
+                <a:ln>
+                  <a:noFill/>
+                </a:ln>
+                <a:solidFill>
+                  <a:srgbClr val="A9B7C6"/>
+                </a:solidFill>
+                <a:effectLst/>
+                <a:latin typeface="JetBrains Mono"/>
+              </a:rPr>
+            </a:br>
+            <a:br>
+              <a:rPr kumimoji="0" lang="en-US" altLang="en-US" sz="900" b="0" i="0" u="none" strike="noStrike" cap="none" normalizeH="0" baseline="0">
+                <a:ln>
+                  <a:noFill/>
+                </a:ln>
+                <a:solidFill>
+                  <a:srgbClr val="A9B7C6"/>
+                </a:solidFill>
+                <a:effectLst/>
+                <a:latin typeface="JetBrains Mono"/>
+              </a:rPr>
+            </a:br>
+            <a:r>
+              <a:rPr kumimoji="0" lang="en-US" altLang="en-US" sz="900" b="0" i="1" u="none" strike="noStrike" cap="none" normalizeH="0" baseline="0">
+                <a:ln>
+                  <a:noFill/>
+                </a:ln>
+                <a:solidFill>
+                  <a:srgbClr val="629755"/>
+                </a:solidFill>
+                <a:effectLst/>
+                <a:latin typeface="JetBrains Mono"/>
+              </a:rPr>
+              <a:t># Optional. True by default. Set to false to turn off SSL Certificate Verification</a:t>
+            </a:r>
+            <a:br>
+              <a:rPr kumimoji="0" lang="en-US" altLang="en-US" sz="900" b="0" i="1" u="none" strike="noStrike" cap="none" normalizeH="0" baseline="0">
+                <a:ln>
+                  <a:noFill/>
+                </a:ln>
+                <a:solidFill>
+                  <a:srgbClr val="629755"/>
+                </a:solidFill>
+                <a:effectLst/>
+                <a:latin typeface="JetBrains Mono"/>
+              </a:rPr>
+            </a:br>
+            <a:r>
+              <a:rPr kumimoji="0" lang="en-US" altLang="en-US" sz="900" b="0" i="0" u="none" strike="noStrike" cap="none" normalizeH="0" baseline="0">
+                <a:ln>
+                  <a:noFill/>
+                </a:ln>
+                <a:solidFill>
+                  <a:srgbClr val="CC7832"/>
+                </a:solidFill>
+                <a:effectLst/>
+                <a:latin typeface="JetBrains Mono"/>
+              </a:rPr>
+              <a:t>verify</a:t>
+            </a:r>
+            <a:r>
+              <a:rPr kumimoji="0" lang="en-US" altLang="en-US" sz="900" b="0" i="0" u="none" strike="noStrike" cap="none" normalizeH="0" baseline="0">
+                <a:ln>
+                  <a:noFill/>
+                </a:ln>
+                <a:solidFill>
+                  <a:srgbClr val="A9B7C6"/>
+                </a:solidFill>
+                <a:effectLst/>
+                <a:latin typeface="JetBrains Mono"/>
+              </a:rPr>
+              <a:t>: True</a:t>
+            </a:r>
+            <a:endParaRPr kumimoji="0" lang="en-US" altLang="en-US" sz="1800" b="0" i="0" u="none" strike="noStrike" cap="none" normalizeH="0" baseline="0">
+              <a:ln>
+                <a:noFill/>
+              </a:ln>
+              <a:solidFill>
+                <a:schemeClr val="tx1"/>
+              </a:solidFill>
+              <a:effectLst/>
+              <a:latin typeface="Arial" panose="020B0604020202020204" pitchFamily="34" charset="0"/>
+            </a:endParaRPr>
           </a:p>
         </p:txBody>
       </p:sp>
     </p:spTree>
     <p:extLst>
       <p:ext uri="{BB962C8B-B14F-4D97-AF65-F5344CB8AC3E}">
-        <p14:creationId xmlns:p14="http://schemas.microsoft.com/office/powerpoint/2010/main" val="3867761439"/>
+        <p14:creationId xmlns:p14="http://schemas.microsoft.com/office/powerpoint/2010/main" val="1484811712"/>
       </p:ext>
     </p:extLst>
   </p:cSld>
@@ -6226,7 +6971,13 @@
       </p:grpSpPr>
       <p:sp>
         <p:nvSpPr>
-          <p:cNvPr id="7" name="Title 6"/>
+          <p:cNvPr id="2" name="Title 1">
+            <a:extLst>
+              <a:ext uri="{FF2B5EF4-FFF2-40B4-BE49-F238E27FC236}">
+                <a16:creationId xmlns:a16="http://schemas.microsoft.com/office/drawing/2014/main" id="{1B54C0D7-51F2-444C-A46B-B44EFB96D2AE}"/>
+              </a:ext>
+            </a:extLst>
+          </p:cNvPr>
           <p:cNvSpPr>
             <a:spLocks noGrp="1"/>
           </p:cNvSpPr>
@@ -6240,8 +6991,12 @@
           <a:lstStyle/>
           <a:p>
             <a:r>
-              <a:rPr lang="en-US" dirty="0"/>
-              <a:t>Authentication</a:t>
+              <a:rPr lang="en-US" dirty="0" err="1"/>
+              <a:t>PySense</a:t>
+            </a:r>
+            <a:r>
+              <a:rPr lang="en-US" dirty="0"/>
+              <a:t> Object</a:t>
             </a:r>
           </a:p>
         </p:txBody>
@@ -6251,7 +7006,7 @@
           <p:cNvPr id="3" name="Content Placeholder 2">
             <a:extLst>
               <a:ext uri="{FF2B5EF4-FFF2-40B4-BE49-F238E27FC236}">
-                <a16:creationId xmlns:a16="http://schemas.microsoft.com/office/drawing/2014/main" id="{2ED27052-9A29-48B4-B0EC-AD50D2AF88EF}"/>
+                <a16:creationId xmlns:a16="http://schemas.microsoft.com/office/drawing/2014/main" id="{18F37E88-870C-4538-82E8-DACA727CA1FC}"/>
               </a:ext>
             </a:extLst>
           </p:cNvPr>
@@ -6271,67 +7026,68 @@
           <a:p>
             <a:r>
               <a:rPr lang="en-US" dirty="0"/>
-              <a:t>We must log in to Sisense via API as we would if we were logging in to the web. </a:t>
-            </a:r>
-          </a:p>
-          <a:p>
-            <a:r>
-              <a:rPr lang="en-US" dirty="0"/>
-              <a:t>Authentication returns us a </a:t>
+              <a:t>Object returned by authentication is the Python representation of our server. Used for:</a:t>
+            </a:r>
+          </a:p>
+          <a:p>
+            <a:pPr lvl="1"/>
+            <a:r>
+              <a:rPr lang="en-US" dirty="0"/>
+              <a:t>Get/Add/Delete: users, </a:t>
             </a:r>
             <a:r>
               <a:rPr lang="en-US" dirty="0" err="1"/>
-              <a:t>PySense</a:t>
-            </a:r>
-            <a:r>
-              <a:rPr lang="en-US" dirty="0"/>
-              <a:t> object which we name </a:t>
-            </a:r>
-            <a:r>
-              <a:rPr lang="en-US" dirty="0" err="1"/>
-              <a:t>py_client</a:t>
-            </a:r>
-            <a:endParaRPr lang="en-US" dirty="0"/>
-          </a:p>
-          <a:p>
-            <a:r>
-              <a:rPr lang="en-US" dirty="0"/>
-              <a:t>We can do this two ways</a:t>
+              <a:t>elasticubes</a:t>
+            </a:r>
+            <a:r>
+              <a:rPr lang="en-US" dirty="0"/>
+              <a:t>, dashboards</a:t>
             </a:r>
           </a:p>
           <a:p>
             <a:pPr lvl="1"/>
             <a:r>
               <a:rPr lang="en-US" dirty="0"/>
-              <a:t>Inline:</a:t>
+              <a:t>Manage roles</a:t>
             </a:r>
           </a:p>
           <a:p>
             <a:pPr lvl="1"/>
             <a:r>
               <a:rPr lang="en-US" dirty="0"/>
-              <a:t>From file: </a:t>
-            </a:r>
-          </a:p>
-          <a:p>
-            <a:pPr lvl="2"/>
-            <a:r>
-              <a:rPr lang="en-US" dirty="0" err="1"/>
-              <a:t>SampleConfig.yaml</a:t>
-            </a:r>
-            <a:r>
-              <a:rPr lang="en-US" dirty="0"/>
-              <a:t>:</a:t>
+              <a:t>And more</a:t>
+            </a:r>
+          </a:p>
+          <a:p>
+            <a:r>
+              <a:rPr lang="en-US" dirty="0"/>
+              <a:t>Example: Get the role id for a role:</a:t>
+            </a:r>
+          </a:p>
+          <a:p>
+            <a:r>
+              <a:rPr lang="en-US" dirty="0"/>
+              <a:t>See </a:t>
+            </a:r>
+            <a:r>
+              <a:rPr lang="en-US" dirty="0">
+                <a:hlinkClick r:id="rId2"/>
+              </a:rPr>
+              <a:t>documentation</a:t>
+            </a:r>
+            <a:r>
+              <a:rPr lang="en-US" dirty="0"/>
+              <a:t> for full list of features</a:t>
             </a:r>
           </a:p>
         </p:txBody>
       </p:sp>
       <p:sp>
         <p:nvSpPr>
-          <p:cNvPr id="5" name="Rectangle 2">
+          <p:cNvPr id="4" name="Rectangle 1">
             <a:extLst>
               <a:ext uri="{FF2B5EF4-FFF2-40B4-BE49-F238E27FC236}">
-                <a16:creationId xmlns:a16="http://schemas.microsoft.com/office/drawing/2014/main" id="{874040FE-AF0A-43F7-A2F0-7977C9FFEDD1}"/>
+                <a16:creationId xmlns:a16="http://schemas.microsoft.com/office/drawing/2014/main" id="{8530BD06-3D3A-49D8-A9B5-52EA5F73488D}"/>
               </a:ext>
             </a:extLst>
           </p:cNvPr>
@@ -6342,8 +7098,8 @@
         </p:nvSpPr>
         <p:spPr bwMode="auto">
           <a:xfrm>
-            <a:off x="2817812" y="4272599"/>
-            <a:ext cx="4648200" cy="230832"/>
+            <a:off x="6627812" y="4114800"/>
+            <a:ext cx="1981200" cy="230832"/>
           </a:xfrm>
           <a:prstGeom prst="rect">
             <a:avLst/>
@@ -6411,9 +7167,9 @@
                   <a:srgbClr val="A9B7C6"/>
                 </a:solidFill>
                 <a:effectLst/>
-                <a:latin typeface="Consolas" panose="020B0609020204030204" pitchFamily="49" charset="0"/>
-              </a:rPr>
-              <a:t>py_client</a:t>
+                <a:latin typeface="JetBrains Mono"/>
+              </a:rPr>
+              <a:t>py_client.get_role_id</a:t>
             </a:r>
             <a:r>
               <a:rPr kumimoji="0" lang="en-US" altLang="en-US" sz="900" b="0" i="0" u="none" strike="noStrike" cap="none" normalizeH="0" baseline="0" dirty="0">
@@ -6424,12 +7180,25 @@
                   <a:srgbClr val="A9B7C6"/>
                 </a:solidFill>
                 <a:effectLst/>
-                <a:latin typeface="Consolas" panose="020B0609020204030204" pitchFamily="49" charset="0"/>
-              </a:rPr>
-              <a:t> = </a:t>
-            </a:r>
-            <a:r>
-              <a:rPr kumimoji="0" lang="en-US" altLang="en-US" sz="900" b="0" i="0" u="none" strike="noStrike" cap="none" normalizeH="0" baseline="0" dirty="0" err="1">
+                <a:latin typeface="JetBrains Mono"/>
+              </a:rPr>
+              <a:t>(</a:t>
+            </a:r>
+            <a:r>
+              <a:rPr kumimoji="0" lang="en-US" altLang="en-US" sz="900" b="0" i="0" u="none" strike="noStrike" cap="none" normalizeH="0" baseline="0" dirty="0">
+                <a:ln>
+                  <a:noFill/>
+                </a:ln>
+                <a:solidFill>
+                  <a:srgbClr val="6A8759"/>
+                </a:solidFill>
+                <a:effectLst/>
+                <a:latin typeface="JetBrains Mono"/>
+              </a:rPr>
+              <a:t>'Viewer'</a:t>
+            </a:r>
+            <a:r>
+              <a:rPr kumimoji="0" lang="en-US" altLang="en-US" sz="900" b="0" i="0" u="none" strike="noStrike" cap="none" normalizeH="0" baseline="0" dirty="0">
                 <a:ln>
                   <a:noFill/>
                 </a:ln>
@@ -6437,150 +7206,7 @@
                   <a:srgbClr val="A9B7C6"/>
                 </a:solidFill>
                 <a:effectLst/>
-                <a:latin typeface="Consolas" panose="020B0609020204030204" pitchFamily="49" charset="0"/>
-              </a:rPr>
-              <a:t>PySense.PySense</a:t>
-            </a:r>
-            <a:r>
-              <a:rPr kumimoji="0" lang="en-US" altLang="en-US" sz="900" b="0" i="0" u="none" strike="noStrike" cap="none" normalizeH="0" baseline="0" dirty="0">
-                <a:ln>
-                  <a:noFill/>
-                </a:ln>
-                <a:solidFill>
-                  <a:srgbClr val="A9B7C6"/>
-                </a:solidFill>
-                <a:effectLst/>
-                <a:latin typeface="Consolas" panose="020B0609020204030204" pitchFamily="49" charset="0"/>
-              </a:rPr>
-              <a:t>(</a:t>
-            </a:r>
-            <a:r>
-              <a:rPr kumimoji="0" lang="en-US" altLang="en-US" sz="900" b="0" i="0" u="none" strike="noStrike" cap="none" normalizeH="0" baseline="0" dirty="0">
-                <a:ln>
-                  <a:noFill/>
-                </a:ln>
-                <a:solidFill>
-                  <a:srgbClr val="6A8759"/>
-                </a:solidFill>
-                <a:effectLst/>
-                <a:latin typeface="Consolas" panose="020B0609020204030204" pitchFamily="49" charset="0"/>
-              </a:rPr>
-              <a:t>‘localhost’</a:t>
-            </a:r>
-            <a:r>
-              <a:rPr kumimoji="0" lang="en-US" altLang="en-US" sz="900" b="0" i="0" u="none" strike="noStrike" cap="none" normalizeH="0" baseline="0" dirty="0">
-                <a:ln>
-                  <a:noFill/>
-                </a:ln>
-                <a:solidFill>
-                  <a:srgbClr val="CC7832"/>
-                </a:solidFill>
-                <a:effectLst/>
-                <a:latin typeface="Consolas" panose="020B0609020204030204" pitchFamily="49" charset="0"/>
-              </a:rPr>
-              <a:t>, </a:t>
-            </a:r>
-            <a:r>
-              <a:rPr kumimoji="0" lang="en-US" altLang="en-US" sz="900" b="0" i="0" u="none" strike="noStrike" cap="none" normalizeH="0" baseline="0" dirty="0">
-                <a:ln>
-                  <a:noFill/>
-                </a:ln>
-                <a:solidFill>
-                  <a:srgbClr val="6A8759"/>
-                </a:solidFill>
-                <a:effectLst/>
-                <a:latin typeface="Consolas" panose="020B0609020204030204" pitchFamily="49" charset="0"/>
-              </a:rPr>
-              <a:t>‘</a:t>
-            </a:r>
-            <a:r>
-              <a:rPr kumimoji="0" lang="en-US" altLang="en-US" sz="900" b="0" i="0" u="none" strike="noStrike" cap="none" normalizeH="0" baseline="0" dirty="0" err="1">
-                <a:ln>
-                  <a:noFill/>
-                </a:ln>
-                <a:solidFill>
-                  <a:srgbClr val="6A8759"/>
-                </a:solidFill>
-                <a:effectLst/>
-                <a:latin typeface="Consolas" panose="020B0609020204030204" pitchFamily="49" charset="0"/>
-              </a:rPr>
-              <a:t>myusername</a:t>
-            </a:r>
-            <a:r>
-              <a:rPr kumimoji="0" lang="en-US" altLang="en-US" sz="900" b="0" i="0" u="none" strike="noStrike" cap="none" normalizeH="0" baseline="0" dirty="0">
-                <a:ln>
-                  <a:noFill/>
-                </a:ln>
-                <a:solidFill>
-                  <a:srgbClr val="6A8759"/>
-                </a:solidFill>
-                <a:effectLst/>
-                <a:latin typeface="Consolas" panose="020B0609020204030204" pitchFamily="49" charset="0"/>
-              </a:rPr>
-              <a:t>’</a:t>
-            </a:r>
-            <a:r>
-              <a:rPr kumimoji="0" lang="en-US" altLang="en-US" sz="900" b="0" i="0" u="none" strike="noStrike" cap="none" normalizeH="0" baseline="0" dirty="0">
-                <a:ln>
-                  <a:noFill/>
-                </a:ln>
-                <a:solidFill>
-                  <a:srgbClr val="CC7832"/>
-                </a:solidFill>
-                <a:effectLst/>
-                <a:latin typeface="Consolas" panose="020B0609020204030204" pitchFamily="49" charset="0"/>
-              </a:rPr>
-              <a:t>, </a:t>
-            </a:r>
-            <a:r>
-              <a:rPr kumimoji="0" lang="en-US" altLang="en-US" sz="900" b="0" i="0" u="none" strike="noStrike" cap="none" normalizeH="0" baseline="0" dirty="0">
-                <a:ln>
-                  <a:noFill/>
-                </a:ln>
-                <a:solidFill>
-                  <a:srgbClr val="6A8759"/>
-                </a:solidFill>
-                <a:effectLst/>
-                <a:latin typeface="Consolas" panose="020B0609020204030204" pitchFamily="49" charset="0"/>
-              </a:rPr>
-              <a:t>‘</a:t>
-            </a:r>
-            <a:r>
-              <a:rPr kumimoji="0" lang="en-US" altLang="en-US" sz="900" b="0" i="0" u="none" strike="noStrike" cap="none" normalizeH="0" baseline="0" dirty="0" err="1">
-                <a:ln>
-                  <a:noFill/>
-                </a:ln>
-                <a:solidFill>
-                  <a:srgbClr val="6A8759"/>
-                </a:solidFill>
-                <a:effectLst/>
-                <a:latin typeface="Consolas" panose="020B0609020204030204" pitchFamily="49" charset="0"/>
-              </a:rPr>
-              <a:t>mypassword</a:t>
-            </a:r>
-            <a:r>
-              <a:rPr kumimoji="0" lang="en-US" altLang="en-US" sz="900" b="0" i="0" u="none" strike="noStrike" cap="none" normalizeH="0" baseline="0" dirty="0">
-                <a:ln>
-                  <a:noFill/>
-                </a:ln>
-                <a:solidFill>
-                  <a:srgbClr val="6A8759"/>
-                </a:solidFill>
-                <a:effectLst/>
-                <a:latin typeface="Consolas" panose="020B0609020204030204" pitchFamily="49" charset="0"/>
-              </a:rPr>
-              <a:t>’, </a:t>
-            </a:r>
-            <a:r>
-              <a:rPr kumimoji="0" lang="en-US" altLang="en-US" sz="900" b="0" i="0" u="none" strike="noStrike" cap="none" normalizeH="0" baseline="0" dirty="0">
-                <a:ln>
-                  <a:noFill/>
-                </a:ln>
-                <a:solidFill>
-                  <a:srgbClr val="A9B7C6"/>
-                </a:solidFill>
-                <a:effectLst/>
-                <a:latin typeface="Consolas" panose="020B0609020204030204" pitchFamily="49" charset="0"/>
+                <a:latin typeface="JetBrains Mono"/>
               </a:rPr>
               <a:t>)</a:t>
             </a:r>
@@ -6597,485 +7223,10 @@
           </a:p>
         </p:txBody>
       </p:sp>
-      <p:sp>
-        <p:nvSpPr>
-          <p:cNvPr id="6" name="Rectangle 3">
-            <a:extLst>
-              <a:ext uri="{FF2B5EF4-FFF2-40B4-BE49-F238E27FC236}">
-                <a16:creationId xmlns:a16="http://schemas.microsoft.com/office/drawing/2014/main" id="{889F68C9-6A2D-49FA-B681-412795B0B0E5}"/>
-              </a:ext>
-            </a:extLst>
-          </p:cNvPr>
-          <p:cNvSpPr>
-            <a:spLocks noChangeArrowheads="1"/>
-          </p:cNvSpPr>
-          <p:nvPr/>
-        </p:nvSpPr>
-        <p:spPr bwMode="auto">
-          <a:xfrm>
-            <a:off x="3198812" y="4633077"/>
-            <a:ext cx="4114800" cy="230832"/>
-          </a:xfrm>
-          <a:prstGeom prst="rect">
-            <a:avLst/>
-          </a:prstGeom>
-          <a:solidFill>
-            <a:srgbClr val="2B2B2B"/>
-          </a:solidFill>
-          <a:ln>
-            <a:noFill/>
-          </a:ln>
-          <a:effectLst/>
-          <a:extLst>
-            <a:ext uri="{91240B29-F687-4F45-9708-019B960494DF}">
-              <a14:hiddenLine xmlns:a14="http://schemas.microsoft.com/office/drawing/2010/main" w="9525">
-                <a:solidFill>
-                  <a:schemeClr val="tx1"/>
-                </a:solidFill>
-                <a:miter lim="800000"/>
-                <a:headEnd/>
-                <a:tailEnd/>
-              </a14:hiddenLine>
-            </a:ext>
-            <a:ext uri="{AF507438-7753-43E0-B8FC-AC1667EBCBE1}">
-              <a14:hiddenEffects xmlns:a14="http://schemas.microsoft.com/office/drawing/2010/main">
-                <a:effectLst>
-                  <a:outerShdw dist="35921" dir="2700000" algn="ctr" rotWithShape="0">
-                    <a:schemeClr val="bg2"/>
-                  </a:outerShdw>
-                </a:effectLst>
-              </a14:hiddenEffects>
-            </a:ext>
-          </a:extLst>
-        </p:spPr>
-        <p:txBody>
-          <a:bodyPr vert="horz" wrap="square" lIns="91440" tIns="45720" rIns="91440" bIns="45720" numCol="1" anchor="ctr" anchorCtr="0" compatLnSpc="1">
-            <a:prstTxWarp prst="textNoShape">
-              <a:avLst/>
-            </a:prstTxWarp>
-            <a:spAutoFit/>
-          </a:bodyPr>
-          <a:lstStyle/>
-          <a:p>
-            <a:pPr marL="0" marR="0" lvl="0" indent="0" algn="l" defTabSz="914400" rtl="0" eaLnBrk="0" fontAlgn="base" latinLnBrk="0" hangingPunct="0">
-              <a:lnSpc>
-                <a:spcPct val="100000"/>
-              </a:lnSpc>
-              <a:spcBef>
-                <a:spcPct val="0"/>
-              </a:spcBef>
-              <a:spcAft>
-                <a:spcPct val="0"/>
-              </a:spcAft>
-              <a:buClrTx/>
-              <a:buSzTx/>
-              <a:buFontTx/>
-              <a:buNone/>
-              <a:tabLst/>
-            </a:pPr>
-            <a:r>
-              <a:rPr kumimoji="0" lang="en-US" altLang="en-US" sz="900" b="0" i="0" u="none" strike="noStrike" cap="none" normalizeH="0" baseline="0" dirty="0" err="1">
-                <a:ln>
-                  <a:noFill/>
-                </a:ln>
-                <a:solidFill>
-                  <a:srgbClr val="A9B7C6"/>
-                </a:solidFill>
-                <a:effectLst/>
-                <a:latin typeface="Consolas" panose="020B0609020204030204" pitchFamily="49" charset="0"/>
-              </a:rPr>
-              <a:t>py_client</a:t>
-            </a:r>
-            <a:r>
-              <a:rPr kumimoji="0" lang="en-US" altLang="en-US" sz="900" b="0" i="0" u="none" strike="noStrike" cap="none" normalizeH="0" baseline="0" dirty="0">
-                <a:ln>
-                  <a:noFill/>
-                </a:ln>
-                <a:solidFill>
-                  <a:srgbClr val="A9B7C6"/>
-                </a:solidFill>
-                <a:effectLst/>
-                <a:latin typeface="Consolas" panose="020B0609020204030204" pitchFamily="49" charset="0"/>
-              </a:rPr>
-              <a:t> = </a:t>
-            </a:r>
-            <a:r>
-              <a:rPr kumimoji="0" lang="en-US" altLang="en-US" sz="900" b="0" i="0" u="none" strike="noStrike" cap="none" normalizeH="0" baseline="0" dirty="0" err="1">
-                <a:ln>
-                  <a:noFill/>
-                </a:ln>
-                <a:solidFill>
-                  <a:srgbClr val="A9B7C6"/>
-                </a:solidFill>
-                <a:effectLst/>
-                <a:latin typeface="Consolas" panose="020B0609020204030204" pitchFamily="49" charset="0"/>
-              </a:rPr>
-              <a:t>PySense.authenticate_by_file</a:t>
-            </a:r>
-            <a:r>
-              <a:rPr kumimoji="0" lang="en-US" altLang="en-US" sz="900" b="0" i="0" u="none" strike="noStrike" cap="none" normalizeH="0" baseline="0" dirty="0">
-                <a:ln>
-                  <a:noFill/>
-                </a:ln>
-                <a:solidFill>
-                  <a:srgbClr val="A9B7C6"/>
-                </a:solidFill>
-                <a:effectLst/>
-                <a:latin typeface="Consolas" panose="020B0609020204030204" pitchFamily="49" charset="0"/>
-              </a:rPr>
-              <a:t>(</a:t>
-            </a:r>
-            <a:r>
-              <a:rPr kumimoji="0" lang="en-US" altLang="en-US" sz="900" b="0" i="0" u="none" strike="noStrike" cap="none" normalizeH="0" baseline="0" dirty="0">
-                <a:ln>
-                  <a:noFill/>
-                </a:ln>
-                <a:solidFill>
-                  <a:srgbClr val="6A8759"/>
-                </a:solidFill>
-                <a:effectLst/>
-                <a:latin typeface="Consolas" panose="020B0609020204030204" pitchFamily="49" charset="0"/>
-              </a:rPr>
-              <a:t>'</a:t>
-            </a:r>
-            <a:r>
-              <a:rPr kumimoji="0" lang="en-US" altLang="en-US" sz="900" b="0" i="0" u="none" strike="noStrike" cap="none" normalizeH="0" baseline="0" dirty="0" err="1">
-                <a:ln>
-                  <a:noFill/>
-                </a:ln>
-                <a:solidFill>
-                  <a:srgbClr val="6A8759"/>
-                </a:solidFill>
-                <a:effectLst/>
-                <a:latin typeface="Consolas" panose="020B0609020204030204" pitchFamily="49" charset="0"/>
-              </a:rPr>
-              <a:t>SampleConfig.yaml</a:t>
-            </a:r>
-            <a:r>
-              <a:rPr kumimoji="0" lang="en-US" altLang="en-US" sz="900" b="0" i="0" u="none" strike="noStrike" cap="none" normalizeH="0" baseline="0" dirty="0">
-                <a:ln>
-                  <a:noFill/>
-                </a:ln>
-                <a:solidFill>
-                  <a:srgbClr val="6A8759"/>
-                </a:solidFill>
-                <a:effectLst/>
-                <a:latin typeface="Consolas" panose="020B0609020204030204" pitchFamily="49" charset="0"/>
-              </a:rPr>
-              <a:t>'</a:t>
-            </a:r>
-            <a:r>
-              <a:rPr kumimoji="0" lang="en-US" altLang="en-US" sz="900" b="0" i="0" u="none" strike="noStrike" cap="none" normalizeH="0" baseline="0" dirty="0">
-                <a:ln>
-                  <a:noFill/>
-                </a:ln>
-                <a:solidFill>
-                  <a:srgbClr val="A9B7C6"/>
-                </a:solidFill>
-                <a:effectLst/>
-                <a:latin typeface="Consolas" panose="020B0609020204030204" pitchFamily="49" charset="0"/>
-              </a:rPr>
-              <a:t>)</a:t>
-            </a:r>
-            <a:endParaRPr kumimoji="0" lang="en-US" altLang="en-US" sz="1800" b="0" i="0" u="none" strike="noStrike" cap="none" normalizeH="0" baseline="0" dirty="0">
-              <a:ln>
-                <a:noFill/>
-              </a:ln>
-              <a:solidFill>
-                <a:schemeClr val="tx1"/>
-              </a:solidFill>
-              <a:effectLst/>
-              <a:latin typeface="Arial" panose="020B0604020202020204" pitchFamily="34" charset="0"/>
-            </a:endParaRPr>
-          </a:p>
-        </p:txBody>
-      </p:sp>
-      <p:sp>
-        <p:nvSpPr>
-          <p:cNvPr id="8" name="Rectangle 4">
-            <a:extLst>
-              <a:ext uri="{FF2B5EF4-FFF2-40B4-BE49-F238E27FC236}">
-                <a16:creationId xmlns:a16="http://schemas.microsoft.com/office/drawing/2014/main" id="{47AB30E1-ECBB-480B-A43D-3D0D5186D662}"/>
-              </a:ext>
-            </a:extLst>
-          </p:cNvPr>
-          <p:cNvSpPr>
-            <a:spLocks noChangeArrowheads="1"/>
-          </p:cNvSpPr>
-          <p:nvPr/>
-        </p:nvSpPr>
-        <p:spPr bwMode="auto">
-          <a:xfrm>
-            <a:off x="4341812" y="5079834"/>
-            <a:ext cx="2492990" cy="507831"/>
-          </a:xfrm>
-          <a:prstGeom prst="rect">
-            <a:avLst/>
-          </a:prstGeom>
-          <a:solidFill>
-            <a:srgbClr val="2B2B2B"/>
-          </a:solidFill>
-          <a:ln>
-            <a:noFill/>
-          </a:ln>
-          <a:effectLst/>
-          <a:extLst>
-            <a:ext uri="{91240B29-F687-4F45-9708-019B960494DF}">
-              <a14:hiddenLine xmlns:a14="http://schemas.microsoft.com/office/drawing/2010/main" w="9525">
-                <a:solidFill>
-                  <a:schemeClr val="tx1"/>
-                </a:solidFill>
-                <a:miter lim="800000"/>
-                <a:headEnd/>
-                <a:tailEnd/>
-              </a14:hiddenLine>
-            </a:ext>
-            <a:ext uri="{AF507438-7753-43E0-B8FC-AC1667EBCBE1}">
-              <a14:hiddenEffects xmlns:a14="http://schemas.microsoft.com/office/drawing/2010/main">
-                <a:effectLst>
-                  <a:outerShdw dist="35921" dir="2700000" algn="ctr" rotWithShape="0">
-                    <a:schemeClr val="bg2"/>
-                  </a:outerShdw>
-                </a:effectLst>
-              </a14:hiddenEffects>
-            </a:ext>
-          </a:extLst>
-        </p:spPr>
-        <p:txBody>
-          <a:bodyPr vert="horz" wrap="none" lIns="91440" tIns="45720" rIns="91440" bIns="45720" numCol="1" anchor="ctr" anchorCtr="0" compatLnSpc="1">
-            <a:prstTxWarp prst="textNoShape">
-              <a:avLst/>
-            </a:prstTxWarp>
-            <a:spAutoFit/>
-          </a:bodyPr>
-          <a:lstStyle/>
-          <a:p>
-            <a:pPr marL="0" marR="0" lvl="0" indent="0" algn="l" defTabSz="914400" rtl="0" eaLnBrk="0" fontAlgn="base" latinLnBrk="0" hangingPunct="0">
-              <a:lnSpc>
-                <a:spcPct val="100000"/>
-              </a:lnSpc>
-              <a:spcBef>
-                <a:spcPct val="0"/>
-              </a:spcBef>
-              <a:spcAft>
-                <a:spcPct val="0"/>
-              </a:spcAft>
-              <a:buClrTx/>
-              <a:buSzTx/>
-              <a:buFontTx/>
-              <a:buNone/>
-              <a:tabLst/>
-            </a:pPr>
-            <a:r>
-              <a:rPr kumimoji="0" lang="en-US" altLang="en-US" sz="900" b="0" i="0" u="none" strike="noStrike" cap="none" normalizeH="0" baseline="0" dirty="0">
-                <a:ln>
-                  <a:noFill/>
-                </a:ln>
-                <a:solidFill>
-                  <a:srgbClr val="CC7832"/>
-                </a:solidFill>
-                <a:effectLst/>
-                <a:latin typeface="Consolas" panose="020B0609020204030204" pitchFamily="49" charset="0"/>
-              </a:rPr>
-              <a:t>host</a:t>
-            </a:r>
-            <a:r>
-              <a:rPr kumimoji="0" lang="en-US" altLang="en-US" sz="900" b="0" i="0" u="none" strike="noStrike" cap="none" normalizeH="0" baseline="0" dirty="0">
-                <a:ln>
-                  <a:noFill/>
-                </a:ln>
-                <a:solidFill>
-                  <a:srgbClr val="A9B7C6"/>
-                </a:solidFill>
-                <a:effectLst/>
-                <a:latin typeface="Consolas" panose="020B0609020204030204" pitchFamily="49" charset="0"/>
-              </a:rPr>
-              <a:t>: </a:t>
-            </a:r>
-            <a:r>
-              <a:rPr kumimoji="0" lang="en-US" altLang="en-US" sz="900" b="0" i="0" u="none" strike="noStrike" cap="none" normalizeH="0" baseline="0" dirty="0">
-                <a:ln>
-                  <a:noFill/>
-                </a:ln>
-                <a:solidFill>
-                  <a:srgbClr val="6A8759"/>
-                </a:solidFill>
-                <a:effectLst/>
-                <a:latin typeface="Consolas" panose="020B0609020204030204" pitchFamily="49" charset="0"/>
-              </a:rPr>
-              <a:t>'</a:t>
-            </a:r>
-            <a:r>
-              <a:rPr kumimoji="0" lang="en-US" altLang="en-US" sz="900" b="0" i="0" u="none" strike="noStrike" cap="none" normalizeH="0" baseline="0" dirty="0" err="1">
-                <a:ln>
-                  <a:noFill/>
-                </a:ln>
-                <a:solidFill>
-                  <a:srgbClr val="6A8759"/>
-                </a:solidFill>
-                <a:effectLst/>
-                <a:latin typeface="Consolas" panose="020B0609020204030204" pitchFamily="49" charset="0"/>
-              </a:rPr>
-              <a:t>your_host</a:t>
-            </a:r>
-            <a:r>
-              <a:rPr kumimoji="0" lang="en-US" altLang="en-US" sz="900" b="0" i="0" u="none" strike="noStrike" cap="none" normalizeH="0" baseline="0" dirty="0">
-                <a:ln>
-                  <a:noFill/>
-                </a:ln>
-                <a:solidFill>
-                  <a:srgbClr val="6A8759"/>
-                </a:solidFill>
-                <a:effectLst/>
-                <a:latin typeface="Consolas" panose="020B0609020204030204" pitchFamily="49" charset="0"/>
-              </a:rPr>
-              <a:t>'</a:t>
-            </a:r>
-            <a:br>
-              <a:rPr kumimoji="0" lang="en-US" altLang="en-US" sz="900" b="0" i="0" u="none" strike="noStrike" cap="none" normalizeH="0" baseline="0" dirty="0">
-                <a:ln>
-                  <a:noFill/>
-                </a:ln>
-                <a:solidFill>
-                  <a:srgbClr val="6A8759"/>
-                </a:solidFill>
-                <a:effectLst/>
-                <a:latin typeface="Consolas" panose="020B0609020204030204" pitchFamily="49" charset="0"/>
-              </a:rPr>
-            </a:br>
-            <a:r>
-              <a:rPr kumimoji="0" lang="en-US" altLang="en-US" sz="900" b="0" i="0" u="none" strike="noStrike" cap="none" normalizeH="0" baseline="0" dirty="0">
-                <a:ln>
-                  <a:noFill/>
-                </a:ln>
-                <a:solidFill>
-                  <a:srgbClr val="CC7832"/>
-                </a:solidFill>
-                <a:effectLst/>
-                <a:latin typeface="Consolas" panose="020B0609020204030204" pitchFamily="49" charset="0"/>
-              </a:rPr>
-              <a:t>username</a:t>
-            </a:r>
-            <a:r>
-              <a:rPr kumimoji="0" lang="en-US" altLang="en-US" sz="900" b="0" i="0" u="none" strike="noStrike" cap="none" normalizeH="0" baseline="0" dirty="0">
-                <a:ln>
-                  <a:noFill/>
-                </a:ln>
-                <a:solidFill>
-                  <a:srgbClr val="A9B7C6"/>
-                </a:solidFill>
-                <a:effectLst/>
-                <a:latin typeface="Consolas" panose="020B0609020204030204" pitchFamily="49" charset="0"/>
-              </a:rPr>
-              <a:t>: </a:t>
-            </a:r>
-            <a:r>
-              <a:rPr kumimoji="0" lang="en-US" altLang="en-US" sz="900" b="0" i="0" u="none" strike="noStrike" cap="none" normalizeH="0" baseline="0" dirty="0">
-                <a:ln>
-                  <a:noFill/>
-                </a:ln>
-                <a:solidFill>
-                  <a:srgbClr val="6A8759"/>
-                </a:solidFill>
-                <a:effectLst/>
-                <a:latin typeface="Consolas" panose="020B0609020204030204" pitchFamily="49" charset="0"/>
-              </a:rPr>
-              <a:t>'your_username@sample.com'</a:t>
-            </a:r>
-            <a:br>
-              <a:rPr kumimoji="0" lang="en-US" altLang="en-US" sz="900" b="0" i="0" u="none" strike="noStrike" cap="none" normalizeH="0" baseline="0" dirty="0">
-                <a:ln>
-                  <a:noFill/>
-                </a:ln>
-                <a:solidFill>
-                  <a:srgbClr val="6A8759"/>
-                </a:solidFill>
-                <a:effectLst/>
-                <a:latin typeface="Consolas" panose="020B0609020204030204" pitchFamily="49" charset="0"/>
-              </a:rPr>
-            </a:br>
-            <a:r>
-              <a:rPr kumimoji="0" lang="en-US" altLang="en-US" sz="900" b="0" i="0" u="none" strike="noStrike" cap="none" normalizeH="0" baseline="0" dirty="0">
-                <a:ln>
-                  <a:noFill/>
-                </a:ln>
-                <a:solidFill>
-                  <a:srgbClr val="CC7832"/>
-                </a:solidFill>
-                <a:effectLst/>
-                <a:latin typeface="Consolas" panose="020B0609020204030204" pitchFamily="49" charset="0"/>
-              </a:rPr>
-              <a:t>password</a:t>
-            </a:r>
-            <a:r>
-              <a:rPr kumimoji="0" lang="en-US" altLang="en-US" sz="900" b="0" i="0" u="none" strike="noStrike" cap="none" normalizeH="0" baseline="0" dirty="0">
-                <a:ln>
-                  <a:noFill/>
-                </a:ln>
-                <a:solidFill>
-                  <a:srgbClr val="A9B7C6"/>
-                </a:solidFill>
-                <a:effectLst/>
-                <a:latin typeface="Consolas" panose="020B0609020204030204" pitchFamily="49" charset="0"/>
-              </a:rPr>
-              <a:t>: </a:t>
-            </a:r>
-            <a:r>
-              <a:rPr kumimoji="0" lang="en-US" altLang="en-US" sz="900" b="0" i="0" u="none" strike="noStrike" cap="none" normalizeH="0" baseline="0" dirty="0">
-                <a:ln>
-                  <a:noFill/>
-                </a:ln>
-                <a:solidFill>
-                  <a:srgbClr val="6A8759"/>
-                </a:solidFill>
-                <a:effectLst/>
-                <a:latin typeface="Consolas" panose="020B0609020204030204" pitchFamily="49" charset="0"/>
-              </a:rPr>
-              <a:t>'</a:t>
-            </a:r>
-            <a:r>
-              <a:rPr kumimoji="0" lang="en-US" altLang="en-US" sz="900" b="0" i="0" u="none" strike="noStrike" cap="none" normalizeH="0" baseline="0" dirty="0" err="1">
-                <a:ln>
-                  <a:noFill/>
-                </a:ln>
-                <a:solidFill>
-                  <a:srgbClr val="6A8759"/>
-                </a:solidFill>
-                <a:effectLst/>
-                <a:latin typeface="Consolas" panose="020B0609020204030204" pitchFamily="49" charset="0"/>
-              </a:rPr>
-              <a:t>your_password</a:t>
-            </a:r>
-            <a:r>
-              <a:rPr kumimoji="0" lang="en-US" altLang="en-US" sz="900" b="0" i="0" u="none" strike="noStrike" cap="none" normalizeH="0" baseline="0" dirty="0">
-                <a:ln>
-                  <a:noFill/>
-                </a:ln>
-                <a:solidFill>
-                  <a:srgbClr val="6A8759"/>
-                </a:solidFill>
-                <a:effectLst/>
-                <a:latin typeface="Consolas" panose="020B0609020204030204" pitchFamily="49" charset="0"/>
-              </a:rPr>
-              <a:t>'</a:t>
-            </a:r>
-            <a:endParaRPr kumimoji="0" lang="en-US" altLang="en-US" sz="1800" b="0" i="0" u="none" strike="noStrike" cap="none" normalizeH="0" baseline="0" dirty="0">
-              <a:ln>
-                <a:noFill/>
-              </a:ln>
-              <a:solidFill>
-                <a:schemeClr val="tx1"/>
-              </a:solidFill>
-              <a:effectLst/>
-              <a:latin typeface="Arial" panose="020B0604020202020204" pitchFamily="34" charset="0"/>
-            </a:endParaRPr>
-          </a:p>
-        </p:txBody>
-      </p:sp>
     </p:spTree>
     <p:extLst>
       <p:ext uri="{BB962C8B-B14F-4D97-AF65-F5344CB8AC3E}">
-        <p14:creationId xmlns:p14="http://schemas.microsoft.com/office/powerpoint/2010/main" val="1484811712"/>
+        <p14:creationId xmlns:p14="http://schemas.microsoft.com/office/powerpoint/2010/main" val="1457458202"/>
       </p:ext>
     </p:extLst>
   </p:cSld>
@@ -7119,6 +7270,923 @@
           <p:cNvPr id="2" name="Title 1">
             <a:extLst>
               <a:ext uri="{FF2B5EF4-FFF2-40B4-BE49-F238E27FC236}">
+                <a16:creationId xmlns:a16="http://schemas.microsoft.com/office/drawing/2014/main" id="{0C514ADE-E8C3-45FB-BA14-911EC6E24C24}"/>
+              </a:ext>
+            </a:extLst>
+          </p:cNvPr>
+          <p:cNvSpPr>
+            <a:spLocks noGrp="1"/>
+          </p:cNvSpPr>
+          <p:nvPr>
+            <p:ph type="title"/>
+          </p:nvPr>
+        </p:nvSpPr>
+        <p:spPr/>
+        <p:txBody>
+          <a:bodyPr/>
+          <a:lstStyle/>
+          <a:p>
+            <a:r>
+              <a:rPr lang="en-US" dirty="0"/>
+              <a:t>Python Tips</a:t>
+            </a:r>
+          </a:p>
+        </p:txBody>
+      </p:sp>
+      <p:sp>
+        <p:nvSpPr>
+          <p:cNvPr id="3" name="Content Placeholder 2">
+            <a:extLst>
+              <a:ext uri="{FF2B5EF4-FFF2-40B4-BE49-F238E27FC236}">
+                <a16:creationId xmlns:a16="http://schemas.microsoft.com/office/drawing/2014/main" id="{CB6F351A-E757-4F6D-92B4-840AABD93DCE}"/>
+              </a:ext>
+            </a:extLst>
+          </p:cNvPr>
+          <p:cNvSpPr>
+            <a:spLocks noGrp="1"/>
+          </p:cNvSpPr>
+          <p:nvPr>
+            <p:ph idx="1"/>
+          </p:nvPr>
+        </p:nvSpPr>
+        <p:spPr>
+          <a:xfrm>
+            <a:off x="1218883" y="1701797"/>
+            <a:ext cx="10360501" cy="4462272"/>
+          </a:xfrm>
+        </p:spPr>
+        <p:txBody>
+          <a:bodyPr/>
+          <a:lstStyle/>
+          <a:p>
+            <a:r>
+              <a:rPr lang="en-US" dirty="0"/>
+              <a:t>Printing Hello World</a:t>
+            </a:r>
+          </a:p>
+          <a:p>
+            <a:pPr lvl="1"/>
+            <a:endParaRPr lang="en-US" dirty="0"/>
+          </a:p>
+          <a:p>
+            <a:pPr lvl="1"/>
+            <a:endParaRPr lang="en-US" dirty="0"/>
+          </a:p>
+          <a:p>
+            <a:pPr lvl="1"/>
+            <a:endParaRPr lang="en-US" dirty="0"/>
+          </a:p>
+          <a:p>
+            <a:r>
+              <a:rPr lang="en-US" dirty="0"/>
+              <a:t>Iterating through list</a:t>
+            </a:r>
+          </a:p>
+        </p:txBody>
+      </p:sp>
+      <p:sp>
+        <p:nvSpPr>
+          <p:cNvPr id="4" name="Rectangle 1">
+            <a:extLst>
+              <a:ext uri="{FF2B5EF4-FFF2-40B4-BE49-F238E27FC236}">
+                <a16:creationId xmlns:a16="http://schemas.microsoft.com/office/drawing/2014/main" id="{2D818949-8DC9-4E31-8B6D-A2957793590B}"/>
+              </a:ext>
+            </a:extLst>
+          </p:cNvPr>
+          <p:cNvSpPr>
+            <a:spLocks noChangeArrowheads="1"/>
+          </p:cNvSpPr>
+          <p:nvPr/>
+        </p:nvSpPr>
+        <p:spPr bwMode="auto">
+          <a:xfrm>
+            <a:off x="1979612" y="2286000"/>
+            <a:ext cx="3286558" cy="230832"/>
+          </a:xfrm>
+          <a:prstGeom prst="rect">
+            <a:avLst/>
+          </a:prstGeom>
+          <a:solidFill>
+            <a:srgbClr val="2B2B2B"/>
+          </a:solidFill>
+          <a:ln>
+            <a:noFill/>
+          </a:ln>
+          <a:effectLst/>
+          <a:extLst>
+            <a:ext uri="{91240B29-F687-4F45-9708-019B960494DF}">
+              <a14:hiddenLine xmlns:a14="http://schemas.microsoft.com/office/drawing/2010/main" w="9525">
+                <a:solidFill>
+                  <a:schemeClr val="tx1"/>
+                </a:solidFill>
+                <a:miter lim="800000"/>
+                <a:headEnd/>
+                <a:tailEnd/>
+              </a14:hiddenLine>
+            </a:ext>
+            <a:ext uri="{AF507438-7753-43E0-B8FC-AC1667EBCBE1}">
+              <a14:hiddenEffects xmlns:a14="http://schemas.microsoft.com/office/drawing/2010/main">
+                <a:effectLst>
+                  <a:outerShdw dist="35921" dir="2700000" algn="ctr" rotWithShape="0">
+                    <a:schemeClr val="bg2"/>
+                  </a:outerShdw>
+                </a:effectLst>
+              </a14:hiddenEffects>
+            </a:ext>
+          </a:extLst>
+        </p:spPr>
+        <p:txBody>
+          <a:bodyPr vert="horz" wrap="square" lIns="91440" tIns="45720" rIns="91440" bIns="45720" numCol="1" anchor="ctr" anchorCtr="0" compatLnSpc="1">
+            <a:prstTxWarp prst="textNoShape">
+              <a:avLst/>
+            </a:prstTxWarp>
+            <a:spAutoFit/>
+          </a:bodyPr>
+          <a:lstStyle/>
+          <a:p>
+            <a:pPr marL="0" marR="0" lvl="0" indent="0" algn="l" defTabSz="914400" rtl="0" eaLnBrk="0" fontAlgn="base" latinLnBrk="0" hangingPunct="0">
+              <a:lnSpc>
+                <a:spcPct val="100000"/>
+              </a:lnSpc>
+              <a:spcBef>
+                <a:spcPct val="0"/>
+              </a:spcBef>
+              <a:spcAft>
+                <a:spcPct val="0"/>
+              </a:spcAft>
+              <a:buClrTx/>
+              <a:buSzTx/>
+              <a:buFontTx/>
+              <a:buNone/>
+              <a:tabLst/>
+            </a:pPr>
+            <a:r>
+              <a:rPr kumimoji="0" lang="en-US" altLang="en-US" sz="900" b="0" i="0" u="none" strike="noStrike" cap="none" normalizeH="0" baseline="0">
+                <a:ln>
+                  <a:noFill/>
+                </a:ln>
+                <a:solidFill>
+                  <a:srgbClr val="8888C6"/>
+                </a:solidFill>
+                <a:effectLst/>
+                <a:latin typeface="JetBrains Mono"/>
+              </a:rPr>
+              <a:t>print</a:t>
+            </a:r>
+            <a:r>
+              <a:rPr kumimoji="0" lang="en-US" altLang="en-US" sz="900" b="0" i="0" u="none" strike="noStrike" cap="none" normalizeH="0" baseline="0">
+                <a:ln>
+                  <a:noFill/>
+                </a:ln>
+                <a:solidFill>
+                  <a:srgbClr val="A9B7C6"/>
+                </a:solidFill>
+                <a:effectLst/>
+                <a:latin typeface="JetBrains Mono"/>
+              </a:rPr>
+              <a:t>(</a:t>
+            </a:r>
+            <a:r>
+              <a:rPr kumimoji="0" lang="en-US" altLang="en-US" sz="900" b="0" i="0" u="none" strike="noStrike" cap="none" normalizeH="0" baseline="0">
+                <a:ln>
+                  <a:noFill/>
+                </a:ln>
+                <a:solidFill>
+                  <a:srgbClr val="6A8759"/>
+                </a:solidFill>
+                <a:effectLst/>
+                <a:latin typeface="JetBrains Mono"/>
+              </a:rPr>
+              <a:t>'Hello World'</a:t>
+            </a:r>
+            <a:r>
+              <a:rPr kumimoji="0" lang="en-US" altLang="en-US" sz="900" b="0" i="0" u="none" strike="noStrike" cap="none" normalizeH="0" baseline="0">
+                <a:ln>
+                  <a:noFill/>
+                </a:ln>
+                <a:solidFill>
+                  <a:srgbClr val="A9B7C6"/>
+                </a:solidFill>
+                <a:effectLst/>
+                <a:latin typeface="JetBrains Mono"/>
+              </a:rPr>
+              <a:t>)</a:t>
+            </a:r>
+            <a:endParaRPr kumimoji="0" lang="en-US" altLang="en-US" sz="1800" b="0" i="0" u="none" strike="noStrike" cap="none" normalizeH="0" baseline="0">
+              <a:ln>
+                <a:noFill/>
+              </a:ln>
+              <a:solidFill>
+                <a:schemeClr val="tx1"/>
+              </a:solidFill>
+              <a:effectLst/>
+              <a:latin typeface="Arial" panose="020B0604020202020204" pitchFamily="34" charset="0"/>
+            </a:endParaRPr>
+          </a:p>
+        </p:txBody>
+      </p:sp>
+      <p:sp>
+        <p:nvSpPr>
+          <p:cNvPr id="5" name="Rectangle 2">
+            <a:extLst>
+              <a:ext uri="{FF2B5EF4-FFF2-40B4-BE49-F238E27FC236}">
+                <a16:creationId xmlns:a16="http://schemas.microsoft.com/office/drawing/2014/main" id="{32DDD047-1CD9-4D1F-95EB-4F4C47933E37}"/>
+              </a:ext>
+            </a:extLst>
+          </p:cNvPr>
+          <p:cNvSpPr>
+            <a:spLocks noChangeArrowheads="1"/>
+          </p:cNvSpPr>
+          <p:nvPr/>
+        </p:nvSpPr>
+        <p:spPr bwMode="auto">
+          <a:xfrm>
+            <a:off x="1966480" y="2720029"/>
+            <a:ext cx="3286558" cy="230832"/>
+          </a:xfrm>
+          <a:prstGeom prst="rect">
+            <a:avLst/>
+          </a:prstGeom>
+          <a:solidFill>
+            <a:srgbClr val="2B2B2B"/>
+          </a:solidFill>
+          <a:ln>
+            <a:noFill/>
+          </a:ln>
+          <a:effectLst/>
+          <a:extLst>
+            <a:ext uri="{91240B29-F687-4F45-9708-019B960494DF}">
+              <a14:hiddenLine xmlns:a14="http://schemas.microsoft.com/office/drawing/2010/main" w="9525">
+                <a:solidFill>
+                  <a:schemeClr val="tx1"/>
+                </a:solidFill>
+                <a:miter lim="800000"/>
+                <a:headEnd/>
+                <a:tailEnd/>
+              </a14:hiddenLine>
+            </a:ext>
+            <a:ext uri="{AF507438-7753-43E0-B8FC-AC1667EBCBE1}">
+              <a14:hiddenEffects xmlns:a14="http://schemas.microsoft.com/office/drawing/2010/main">
+                <a:effectLst>
+                  <a:outerShdw dist="35921" dir="2700000" algn="ctr" rotWithShape="0">
+                    <a:schemeClr val="bg2"/>
+                  </a:outerShdw>
+                </a:effectLst>
+              </a14:hiddenEffects>
+            </a:ext>
+          </a:extLst>
+        </p:spPr>
+        <p:txBody>
+          <a:bodyPr vert="horz" wrap="square" lIns="91440" tIns="45720" rIns="91440" bIns="45720" numCol="1" anchor="ctr" anchorCtr="0" compatLnSpc="1">
+            <a:prstTxWarp prst="textNoShape">
+              <a:avLst/>
+            </a:prstTxWarp>
+            <a:spAutoFit/>
+          </a:bodyPr>
+          <a:lstStyle/>
+          <a:p>
+            <a:pPr marL="0" marR="0" lvl="0" indent="0" algn="l" defTabSz="914400" rtl="0" eaLnBrk="0" fontAlgn="base" latinLnBrk="0" hangingPunct="0">
+              <a:lnSpc>
+                <a:spcPct val="100000"/>
+              </a:lnSpc>
+              <a:spcBef>
+                <a:spcPct val="0"/>
+              </a:spcBef>
+              <a:spcAft>
+                <a:spcPct val="0"/>
+              </a:spcAft>
+              <a:buClrTx/>
+              <a:buSzTx/>
+              <a:buFontTx/>
+              <a:buNone/>
+              <a:tabLst/>
+            </a:pPr>
+            <a:r>
+              <a:rPr kumimoji="0" lang="en-US" altLang="en-US" sz="900" b="0" i="0" u="none" strike="noStrike" cap="none" normalizeH="0" baseline="0">
+                <a:ln>
+                  <a:noFill/>
+                </a:ln>
+                <a:solidFill>
+                  <a:srgbClr val="8888C6"/>
+                </a:solidFill>
+                <a:effectLst/>
+                <a:latin typeface="JetBrains Mono"/>
+              </a:rPr>
+              <a:t>print</a:t>
+            </a:r>
+            <a:r>
+              <a:rPr kumimoji="0" lang="en-US" altLang="en-US" sz="900" b="0" i="0" u="none" strike="noStrike" cap="none" normalizeH="0" baseline="0">
+                <a:ln>
+                  <a:noFill/>
+                </a:ln>
+                <a:solidFill>
+                  <a:srgbClr val="A9B7C6"/>
+                </a:solidFill>
+                <a:effectLst/>
+                <a:latin typeface="JetBrains Mono"/>
+              </a:rPr>
+              <a:t>(</a:t>
+            </a:r>
+            <a:r>
+              <a:rPr kumimoji="0" lang="en-US" altLang="en-US" sz="900" b="0" i="0" u="none" strike="noStrike" cap="none" normalizeH="0" baseline="0">
+                <a:ln>
+                  <a:noFill/>
+                </a:ln>
+                <a:solidFill>
+                  <a:srgbClr val="6A8759"/>
+                </a:solidFill>
+                <a:effectLst/>
+                <a:latin typeface="JetBrains Mono"/>
+              </a:rPr>
+              <a:t>'Hello' </a:t>
+            </a:r>
+            <a:r>
+              <a:rPr kumimoji="0" lang="en-US" altLang="en-US" sz="900" b="0" i="0" u="none" strike="noStrike" cap="none" normalizeH="0" baseline="0">
+                <a:ln>
+                  <a:noFill/>
+                </a:ln>
+                <a:solidFill>
+                  <a:srgbClr val="A9B7C6"/>
+                </a:solidFill>
+                <a:effectLst/>
+                <a:latin typeface="JetBrains Mono"/>
+              </a:rPr>
+              <a:t>+ </a:t>
+            </a:r>
+            <a:r>
+              <a:rPr kumimoji="0" lang="en-US" altLang="en-US" sz="900" b="0" i="0" u="none" strike="noStrike" cap="none" normalizeH="0" baseline="0">
+                <a:ln>
+                  <a:noFill/>
+                </a:ln>
+                <a:solidFill>
+                  <a:srgbClr val="6A8759"/>
+                </a:solidFill>
+                <a:effectLst/>
+                <a:latin typeface="JetBrains Mono"/>
+              </a:rPr>
+              <a:t>' ' </a:t>
+            </a:r>
+            <a:r>
+              <a:rPr kumimoji="0" lang="en-US" altLang="en-US" sz="900" b="0" i="0" u="none" strike="noStrike" cap="none" normalizeH="0" baseline="0">
+                <a:ln>
+                  <a:noFill/>
+                </a:ln>
+                <a:solidFill>
+                  <a:srgbClr val="A9B7C6"/>
+                </a:solidFill>
+                <a:effectLst/>
+                <a:latin typeface="JetBrains Mono"/>
+              </a:rPr>
+              <a:t>+ </a:t>
+            </a:r>
+            <a:r>
+              <a:rPr kumimoji="0" lang="en-US" altLang="en-US" sz="900" b="0" i="0" u="none" strike="noStrike" cap="none" normalizeH="0" baseline="0">
+                <a:ln>
+                  <a:noFill/>
+                </a:ln>
+                <a:solidFill>
+                  <a:srgbClr val="6A8759"/>
+                </a:solidFill>
+                <a:effectLst/>
+                <a:latin typeface="JetBrains Mono"/>
+              </a:rPr>
+              <a:t>'World'</a:t>
+            </a:r>
+            <a:r>
+              <a:rPr kumimoji="0" lang="en-US" altLang="en-US" sz="900" b="0" i="0" u="none" strike="noStrike" cap="none" normalizeH="0" baseline="0">
+                <a:ln>
+                  <a:noFill/>
+                </a:ln>
+                <a:solidFill>
+                  <a:srgbClr val="A9B7C6"/>
+                </a:solidFill>
+                <a:effectLst/>
+                <a:latin typeface="JetBrains Mono"/>
+              </a:rPr>
+              <a:t>)</a:t>
+            </a:r>
+            <a:endParaRPr kumimoji="0" lang="en-US" altLang="en-US" sz="1800" b="0" i="0" u="none" strike="noStrike" cap="none" normalizeH="0" baseline="0">
+              <a:ln>
+                <a:noFill/>
+              </a:ln>
+              <a:solidFill>
+                <a:schemeClr val="tx1"/>
+              </a:solidFill>
+              <a:effectLst/>
+              <a:latin typeface="Arial" panose="020B0604020202020204" pitchFamily="34" charset="0"/>
+            </a:endParaRPr>
+          </a:p>
+        </p:txBody>
+      </p:sp>
+      <p:sp>
+        <p:nvSpPr>
+          <p:cNvPr id="6" name="Rectangle 3">
+            <a:extLst>
+              <a:ext uri="{FF2B5EF4-FFF2-40B4-BE49-F238E27FC236}">
+                <a16:creationId xmlns:a16="http://schemas.microsoft.com/office/drawing/2014/main" id="{ABD98528-7725-498F-9A41-576318530FF1}"/>
+              </a:ext>
+            </a:extLst>
+          </p:cNvPr>
+          <p:cNvSpPr>
+            <a:spLocks noChangeArrowheads="1"/>
+          </p:cNvSpPr>
+          <p:nvPr/>
+        </p:nvSpPr>
+        <p:spPr bwMode="auto">
+          <a:xfrm>
+            <a:off x="1979613" y="3177149"/>
+            <a:ext cx="3286558" cy="230832"/>
+          </a:xfrm>
+          <a:prstGeom prst="rect">
+            <a:avLst/>
+          </a:prstGeom>
+          <a:solidFill>
+            <a:srgbClr val="2B2B2B"/>
+          </a:solidFill>
+          <a:ln>
+            <a:noFill/>
+          </a:ln>
+          <a:effectLst/>
+          <a:extLst>
+            <a:ext uri="{91240B29-F687-4F45-9708-019B960494DF}">
+              <a14:hiddenLine xmlns:a14="http://schemas.microsoft.com/office/drawing/2010/main" w="9525">
+                <a:solidFill>
+                  <a:schemeClr val="tx1"/>
+                </a:solidFill>
+                <a:miter lim="800000"/>
+                <a:headEnd/>
+                <a:tailEnd/>
+              </a14:hiddenLine>
+            </a:ext>
+            <a:ext uri="{AF507438-7753-43E0-B8FC-AC1667EBCBE1}">
+              <a14:hiddenEffects xmlns:a14="http://schemas.microsoft.com/office/drawing/2010/main">
+                <a:effectLst>
+                  <a:outerShdw dist="35921" dir="2700000" algn="ctr" rotWithShape="0">
+                    <a:schemeClr val="bg2"/>
+                  </a:outerShdw>
+                </a:effectLst>
+              </a14:hiddenEffects>
+            </a:ext>
+          </a:extLst>
+        </p:spPr>
+        <p:txBody>
+          <a:bodyPr vert="horz" wrap="square" lIns="91440" tIns="45720" rIns="91440" bIns="45720" numCol="1" anchor="ctr" anchorCtr="0" compatLnSpc="1">
+            <a:prstTxWarp prst="textNoShape">
+              <a:avLst/>
+            </a:prstTxWarp>
+            <a:spAutoFit/>
+          </a:bodyPr>
+          <a:lstStyle/>
+          <a:p>
+            <a:pPr marL="0" marR="0" lvl="0" indent="0" algn="l" defTabSz="914400" rtl="0" eaLnBrk="0" fontAlgn="base" latinLnBrk="0" hangingPunct="0">
+              <a:lnSpc>
+                <a:spcPct val="100000"/>
+              </a:lnSpc>
+              <a:spcBef>
+                <a:spcPct val="0"/>
+              </a:spcBef>
+              <a:spcAft>
+                <a:spcPct val="0"/>
+              </a:spcAft>
+              <a:buClrTx/>
+              <a:buSzTx/>
+              <a:buFontTx/>
+              <a:buNone/>
+              <a:tabLst/>
+            </a:pPr>
+            <a:r>
+              <a:rPr kumimoji="0" lang="en-US" altLang="en-US" sz="900" b="0" i="0" u="none" strike="noStrike" cap="none" normalizeH="0" baseline="0">
+                <a:ln>
+                  <a:noFill/>
+                </a:ln>
+                <a:solidFill>
+                  <a:srgbClr val="8888C6"/>
+                </a:solidFill>
+                <a:effectLst/>
+                <a:latin typeface="JetBrains Mono"/>
+              </a:rPr>
+              <a:t>print</a:t>
+            </a:r>
+            <a:r>
+              <a:rPr kumimoji="0" lang="en-US" altLang="en-US" sz="900" b="0" i="0" u="none" strike="noStrike" cap="none" normalizeH="0" baseline="0">
+                <a:ln>
+                  <a:noFill/>
+                </a:ln>
+                <a:solidFill>
+                  <a:srgbClr val="A9B7C6"/>
+                </a:solidFill>
+                <a:effectLst/>
+                <a:latin typeface="JetBrains Mono"/>
+              </a:rPr>
+              <a:t>(</a:t>
+            </a:r>
+            <a:r>
+              <a:rPr kumimoji="0" lang="en-US" altLang="en-US" sz="900" b="0" i="0" u="none" strike="noStrike" cap="none" normalizeH="0" baseline="0">
+                <a:ln>
+                  <a:noFill/>
+                </a:ln>
+                <a:solidFill>
+                  <a:srgbClr val="6A8759"/>
+                </a:solidFill>
+                <a:effectLst/>
+                <a:latin typeface="JetBrains Mono"/>
+              </a:rPr>
+              <a:t>'{} {}'</a:t>
+            </a:r>
+            <a:r>
+              <a:rPr kumimoji="0" lang="en-US" altLang="en-US" sz="900" b="0" i="0" u="none" strike="noStrike" cap="none" normalizeH="0" baseline="0">
+                <a:ln>
+                  <a:noFill/>
+                </a:ln>
+                <a:solidFill>
+                  <a:srgbClr val="A9B7C6"/>
+                </a:solidFill>
+                <a:effectLst/>
+                <a:latin typeface="JetBrains Mono"/>
+              </a:rPr>
+              <a:t>.format(</a:t>
+            </a:r>
+            <a:r>
+              <a:rPr kumimoji="0" lang="en-US" altLang="en-US" sz="900" b="0" i="0" u="none" strike="noStrike" cap="none" normalizeH="0" baseline="0">
+                <a:ln>
+                  <a:noFill/>
+                </a:ln>
+                <a:solidFill>
+                  <a:srgbClr val="6A8759"/>
+                </a:solidFill>
+                <a:effectLst/>
+                <a:latin typeface="JetBrains Mono"/>
+              </a:rPr>
+              <a:t>'Hello'</a:t>
+            </a:r>
+            <a:r>
+              <a:rPr kumimoji="0" lang="en-US" altLang="en-US" sz="900" b="0" i="0" u="none" strike="noStrike" cap="none" normalizeH="0" baseline="0">
+                <a:ln>
+                  <a:noFill/>
+                </a:ln>
+                <a:solidFill>
+                  <a:srgbClr val="CC7832"/>
+                </a:solidFill>
+                <a:effectLst/>
+                <a:latin typeface="JetBrains Mono"/>
+              </a:rPr>
+              <a:t>, </a:t>
+            </a:r>
+            <a:r>
+              <a:rPr kumimoji="0" lang="en-US" altLang="en-US" sz="900" b="0" i="0" u="none" strike="noStrike" cap="none" normalizeH="0" baseline="0">
+                <a:ln>
+                  <a:noFill/>
+                </a:ln>
+                <a:solidFill>
+                  <a:srgbClr val="6A8759"/>
+                </a:solidFill>
+                <a:effectLst/>
+                <a:latin typeface="JetBrains Mono"/>
+              </a:rPr>
+              <a:t>'World'</a:t>
+            </a:r>
+            <a:r>
+              <a:rPr kumimoji="0" lang="en-US" altLang="en-US" sz="900" b="0" i="0" u="none" strike="noStrike" cap="none" normalizeH="0" baseline="0">
+                <a:ln>
+                  <a:noFill/>
+                </a:ln>
+                <a:solidFill>
+                  <a:srgbClr val="A9B7C6"/>
+                </a:solidFill>
+                <a:effectLst/>
+                <a:latin typeface="JetBrains Mono"/>
+              </a:rPr>
+              <a:t>))</a:t>
+            </a:r>
+            <a:endParaRPr kumimoji="0" lang="en-US" altLang="en-US" sz="1800" b="0" i="0" u="none" strike="noStrike" cap="none" normalizeH="0" baseline="0">
+              <a:ln>
+                <a:noFill/>
+              </a:ln>
+              <a:solidFill>
+                <a:schemeClr val="tx1"/>
+              </a:solidFill>
+              <a:effectLst/>
+              <a:latin typeface="Arial" panose="020B0604020202020204" pitchFamily="34" charset="0"/>
+            </a:endParaRPr>
+          </a:p>
+        </p:txBody>
+      </p:sp>
+      <p:sp>
+        <p:nvSpPr>
+          <p:cNvPr id="7" name="Rectangle 4">
+            <a:extLst>
+              <a:ext uri="{FF2B5EF4-FFF2-40B4-BE49-F238E27FC236}">
+                <a16:creationId xmlns:a16="http://schemas.microsoft.com/office/drawing/2014/main" id="{9AB3CBB4-85D8-4318-A4CA-628A7D10EAC6}"/>
+              </a:ext>
+            </a:extLst>
+          </p:cNvPr>
+          <p:cNvSpPr>
+            <a:spLocks noChangeArrowheads="1"/>
+          </p:cNvSpPr>
+          <p:nvPr/>
+        </p:nvSpPr>
+        <p:spPr bwMode="auto">
+          <a:xfrm>
+            <a:off x="1932565" y="4172297"/>
+            <a:ext cx="3286558" cy="507831"/>
+          </a:xfrm>
+          <a:prstGeom prst="rect">
+            <a:avLst/>
+          </a:prstGeom>
+          <a:solidFill>
+            <a:srgbClr val="2B2B2B"/>
+          </a:solidFill>
+          <a:ln>
+            <a:noFill/>
+          </a:ln>
+          <a:effectLst/>
+          <a:extLst>
+            <a:ext uri="{91240B29-F687-4F45-9708-019B960494DF}">
+              <a14:hiddenLine xmlns:a14="http://schemas.microsoft.com/office/drawing/2010/main" w="9525">
+                <a:solidFill>
+                  <a:schemeClr val="tx1"/>
+                </a:solidFill>
+                <a:miter lim="800000"/>
+                <a:headEnd/>
+                <a:tailEnd/>
+              </a14:hiddenLine>
+            </a:ext>
+            <a:ext uri="{AF507438-7753-43E0-B8FC-AC1667EBCBE1}">
+              <a14:hiddenEffects xmlns:a14="http://schemas.microsoft.com/office/drawing/2010/main">
+                <a:effectLst>
+                  <a:outerShdw dist="35921" dir="2700000" algn="ctr" rotWithShape="0">
+                    <a:schemeClr val="bg2"/>
+                  </a:outerShdw>
+                </a:effectLst>
+              </a14:hiddenEffects>
+            </a:ext>
+          </a:extLst>
+        </p:spPr>
+        <p:txBody>
+          <a:bodyPr vert="horz" wrap="square" lIns="91440" tIns="45720" rIns="91440" bIns="45720" numCol="1" anchor="ctr" anchorCtr="0" compatLnSpc="1">
+            <a:prstTxWarp prst="textNoShape">
+              <a:avLst/>
+            </a:prstTxWarp>
+            <a:spAutoFit/>
+          </a:bodyPr>
+          <a:lstStyle/>
+          <a:p>
+            <a:pPr marL="0" marR="0" lvl="0" indent="0" algn="l" defTabSz="914400" rtl="0" eaLnBrk="0" fontAlgn="base" latinLnBrk="0" hangingPunct="0">
+              <a:lnSpc>
+                <a:spcPct val="100000"/>
+              </a:lnSpc>
+              <a:spcBef>
+                <a:spcPct val="0"/>
+              </a:spcBef>
+              <a:spcAft>
+                <a:spcPct val="0"/>
+              </a:spcAft>
+              <a:buClrTx/>
+              <a:buSzTx/>
+              <a:buFontTx/>
+              <a:buNone/>
+              <a:tabLst/>
+            </a:pPr>
+            <a:r>
+              <a:rPr kumimoji="0" lang="en-US" altLang="en-US" sz="900" b="0" i="0" u="none" strike="noStrike" cap="none" normalizeH="0" baseline="0">
+                <a:ln>
+                  <a:noFill/>
+                </a:ln>
+                <a:solidFill>
+                  <a:srgbClr val="A9B7C6"/>
+                </a:solidFill>
+                <a:effectLst/>
+                <a:latin typeface="JetBrains Mono"/>
+              </a:rPr>
+              <a:t>arr = [</a:t>
+            </a:r>
+            <a:r>
+              <a:rPr kumimoji="0" lang="en-US" altLang="en-US" sz="900" b="0" i="0" u="none" strike="noStrike" cap="none" normalizeH="0" baseline="0">
+                <a:ln>
+                  <a:noFill/>
+                </a:ln>
+                <a:solidFill>
+                  <a:srgbClr val="6A8759"/>
+                </a:solidFill>
+                <a:effectLst/>
+                <a:latin typeface="JetBrains Mono"/>
+              </a:rPr>
+              <a:t>'Val1'</a:t>
+            </a:r>
+            <a:r>
+              <a:rPr kumimoji="0" lang="en-US" altLang="en-US" sz="900" b="0" i="0" u="none" strike="noStrike" cap="none" normalizeH="0" baseline="0">
+                <a:ln>
+                  <a:noFill/>
+                </a:ln>
+                <a:solidFill>
+                  <a:srgbClr val="CC7832"/>
+                </a:solidFill>
+                <a:effectLst/>
+                <a:latin typeface="JetBrains Mono"/>
+              </a:rPr>
+              <a:t>, </a:t>
+            </a:r>
+            <a:r>
+              <a:rPr kumimoji="0" lang="en-US" altLang="en-US" sz="900" b="0" i="0" u="none" strike="noStrike" cap="none" normalizeH="0" baseline="0">
+                <a:ln>
+                  <a:noFill/>
+                </a:ln>
+                <a:solidFill>
+                  <a:srgbClr val="6A8759"/>
+                </a:solidFill>
+                <a:effectLst/>
+                <a:latin typeface="JetBrains Mono"/>
+              </a:rPr>
+              <a:t>'Val2'</a:t>
+            </a:r>
+            <a:r>
+              <a:rPr kumimoji="0" lang="en-US" altLang="en-US" sz="900" b="0" i="0" u="none" strike="noStrike" cap="none" normalizeH="0" baseline="0">
+                <a:ln>
+                  <a:noFill/>
+                </a:ln>
+                <a:solidFill>
+                  <a:srgbClr val="A9B7C6"/>
+                </a:solidFill>
+                <a:effectLst/>
+                <a:latin typeface="JetBrains Mono"/>
+              </a:rPr>
+              <a:t>]</a:t>
+            </a:r>
+            <a:br>
+              <a:rPr kumimoji="0" lang="en-US" altLang="en-US" sz="900" b="0" i="0" u="none" strike="noStrike" cap="none" normalizeH="0" baseline="0">
+                <a:ln>
+                  <a:noFill/>
+                </a:ln>
+                <a:solidFill>
+                  <a:srgbClr val="A9B7C6"/>
+                </a:solidFill>
+                <a:effectLst/>
+                <a:latin typeface="JetBrains Mono"/>
+              </a:rPr>
+            </a:br>
+            <a:r>
+              <a:rPr kumimoji="0" lang="en-US" altLang="en-US" sz="900" b="0" i="0" u="none" strike="noStrike" cap="none" normalizeH="0" baseline="0">
+                <a:ln>
+                  <a:noFill/>
+                </a:ln>
+                <a:solidFill>
+                  <a:srgbClr val="CC7832"/>
+                </a:solidFill>
+                <a:effectLst/>
+                <a:latin typeface="JetBrains Mono"/>
+              </a:rPr>
+              <a:t>for </a:t>
+            </a:r>
+            <a:r>
+              <a:rPr kumimoji="0" lang="en-US" altLang="en-US" sz="900" b="0" i="0" u="none" strike="noStrike" cap="none" normalizeH="0" baseline="0">
+                <a:ln>
+                  <a:noFill/>
+                </a:ln>
+                <a:solidFill>
+                  <a:srgbClr val="A9B7C6"/>
+                </a:solidFill>
+                <a:effectLst/>
+                <a:latin typeface="JetBrains Mono"/>
+              </a:rPr>
+              <a:t>val_str </a:t>
+            </a:r>
+            <a:r>
+              <a:rPr kumimoji="0" lang="en-US" altLang="en-US" sz="900" b="0" i="0" u="none" strike="noStrike" cap="none" normalizeH="0" baseline="0">
+                <a:ln>
+                  <a:noFill/>
+                </a:ln>
+                <a:solidFill>
+                  <a:srgbClr val="CC7832"/>
+                </a:solidFill>
+                <a:effectLst/>
+                <a:latin typeface="JetBrains Mono"/>
+              </a:rPr>
+              <a:t>in </a:t>
+            </a:r>
+            <a:r>
+              <a:rPr kumimoji="0" lang="en-US" altLang="en-US" sz="900" b="0" i="0" u="none" strike="noStrike" cap="none" normalizeH="0" baseline="0">
+                <a:ln>
+                  <a:noFill/>
+                </a:ln>
+                <a:solidFill>
+                  <a:srgbClr val="A9B7C6"/>
+                </a:solidFill>
+                <a:effectLst/>
+                <a:latin typeface="JetBrains Mono"/>
+              </a:rPr>
+              <a:t>arr:</a:t>
+            </a:r>
+            <a:br>
+              <a:rPr kumimoji="0" lang="en-US" altLang="en-US" sz="900" b="0" i="0" u="none" strike="noStrike" cap="none" normalizeH="0" baseline="0">
+                <a:ln>
+                  <a:noFill/>
+                </a:ln>
+                <a:solidFill>
+                  <a:srgbClr val="A9B7C6"/>
+                </a:solidFill>
+                <a:effectLst/>
+                <a:latin typeface="JetBrains Mono"/>
+              </a:rPr>
+            </a:br>
+            <a:r>
+              <a:rPr kumimoji="0" lang="en-US" altLang="en-US" sz="900" b="0" i="0" u="none" strike="noStrike" cap="none" normalizeH="0" baseline="0">
+                <a:ln>
+                  <a:noFill/>
+                </a:ln>
+                <a:solidFill>
+                  <a:srgbClr val="A9B7C6"/>
+                </a:solidFill>
+                <a:effectLst/>
+                <a:latin typeface="JetBrains Mono"/>
+              </a:rPr>
+              <a:t>    </a:t>
+            </a:r>
+            <a:r>
+              <a:rPr kumimoji="0" lang="en-US" altLang="en-US" sz="900" b="0" i="0" u="none" strike="noStrike" cap="none" normalizeH="0" baseline="0">
+                <a:ln>
+                  <a:noFill/>
+                </a:ln>
+                <a:solidFill>
+                  <a:srgbClr val="8888C6"/>
+                </a:solidFill>
+                <a:effectLst/>
+                <a:latin typeface="JetBrains Mono"/>
+              </a:rPr>
+              <a:t>print</a:t>
+            </a:r>
+            <a:r>
+              <a:rPr kumimoji="0" lang="en-US" altLang="en-US" sz="900" b="0" i="0" u="none" strike="noStrike" cap="none" normalizeH="0" baseline="0">
+                <a:ln>
+                  <a:noFill/>
+                </a:ln>
+                <a:solidFill>
+                  <a:srgbClr val="A9B7C6"/>
+                </a:solidFill>
+                <a:effectLst/>
+                <a:latin typeface="JetBrains Mono"/>
+              </a:rPr>
+              <a:t>(val_str)</a:t>
+            </a:r>
+            <a:endParaRPr kumimoji="0" lang="en-US" altLang="en-US" sz="1800" b="0" i="0" u="none" strike="noStrike" cap="none" normalizeH="0" baseline="0">
+              <a:ln>
+                <a:noFill/>
+              </a:ln>
+              <a:solidFill>
+                <a:schemeClr val="tx1"/>
+              </a:solidFill>
+              <a:effectLst/>
+              <a:latin typeface="Arial" panose="020B0604020202020204" pitchFamily="34" charset="0"/>
+            </a:endParaRPr>
+          </a:p>
+        </p:txBody>
+      </p:sp>
+    </p:spTree>
+    <p:extLst>
+      <p:ext uri="{BB962C8B-B14F-4D97-AF65-F5344CB8AC3E}">
+        <p14:creationId xmlns:p14="http://schemas.microsoft.com/office/powerpoint/2010/main" val="3460961406"/>
+      </p:ext>
+    </p:extLst>
+  </p:cSld>
+  <p:clrMapOvr>
+    <a:masterClrMapping/>
+  </p:clrMapOvr>
+  <mc:AlternateContent xmlns:mc="http://schemas.openxmlformats.org/markup-compatibility/2006" xmlns:p14="http://schemas.microsoft.com/office/powerpoint/2010/main">
+    <mc:Choice Requires="p14">
+      <p:transition spd="med" p14:dur="700">
+        <p:fade/>
+      </p:transition>
+    </mc:Choice>
+    <mc:Fallback xmlns="">
+      <p:transition spd="med">
+        <p:fade/>
+      </p:transition>
+    </mc:Fallback>
+  </mc:AlternateContent>
+</p:sld>
+</file>
+
+<file path=ppt/slides/slide15.xml><?xml version="1.0" encoding="utf-8"?>
+<p:sld xmlns:a="http://schemas.openxmlformats.org/drawingml/2006/main" xmlns:r="http://schemas.openxmlformats.org/officeDocument/2006/relationships" xmlns:p="http://schemas.openxmlformats.org/presentationml/2006/main">
+  <p:cSld>
+    <p:spTree>
+      <p:nvGrpSpPr>
+        <p:cNvPr id="1" name=""/>
+        <p:cNvGrpSpPr/>
+        <p:nvPr/>
+      </p:nvGrpSpPr>
+      <p:grpSpPr>
+        <a:xfrm>
+          <a:off x="0" y="0"/>
+          <a:ext cx="0" cy="0"/>
+          <a:chOff x="0" y="0"/>
+          <a:chExt cx="0" cy="0"/>
+        </a:xfrm>
+      </p:grpSpPr>
+      <p:sp>
+        <p:nvSpPr>
+          <p:cNvPr id="2" name="Title 1">
+            <a:extLst>
+              <a:ext uri="{FF2B5EF4-FFF2-40B4-BE49-F238E27FC236}">
                 <a16:creationId xmlns:a16="http://schemas.microsoft.com/office/drawing/2014/main" id="{0BE2205E-5DEB-4BCD-8512-D666ABFCA9C9}"/>
               </a:ext>
             </a:extLst>
@@ -7220,7 +8288,7 @@
 </p:sld>
 </file>
 
-<file path=ppt/slides/slide15.xml><?xml version="1.0" encoding="utf-8"?>
+<file path=ppt/slides/slide16.xml><?xml version="1.0" encoding="utf-8"?>
 <p:sld xmlns:a="http://schemas.openxmlformats.org/drawingml/2006/main" xmlns:r="http://schemas.openxmlformats.org/officeDocument/2006/relationships" xmlns:p="http://schemas.openxmlformats.org/presentationml/2006/main">
   <p:cSld>
     <p:spTree>
@@ -7329,158 +8397,6 @@
     <p:extLst>
       <p:ext uri="{BB962C8B-B14F-4D97-AF65-F5344CB8AC3E}">
         <p14:creationId xmlns:p14="http://schemas.microsoft.com/office/powerpoint/2010/main" val="299945199"/>
-      </p:ext>
-    </p:extLst>
-  </p:cSld>
-  <p:clrMapOvr>
-    <a:masterClrMapping/>
-  </p:clrMapOvr>
-  <mc:AlternateContent xmlns:mc="http://schemas.openxmlformats.org/markup-compatibility/2006" xmlns:p14="http://schemas.microsoft.com/office/powerpoint/2010/main">
-    <mc:Choice Requires="p14">
-      <p:transition spd="med" p14:dur="700">
-        <p:fade/>
-      </p:transition>
-    </mc:Choice>
-    <mc:Fallback xmlns="">
-      <p:transition spd="med">
-        <p:fade/>
-      </p:transition>
-    </mc:Fallback>
-  </mc:AlternateContent>
-</p:sld>
-</file>
-
-<file path=ppt/slides/slide16.xml><?xml version="1.0" encoding="utf-8"?>
-<p:sld xmlns:a="http://schemas.openxmlformats.org/drawingml/2006/main" xmlns:r="http://schemas.openxmlformats.org/officeDocument/2006/relationships" xmlns:p="http://schemas.openxmlformats.org/presentationml/2006/main">
-  <p:cSld>
-    <p:spTree>
-      <p:nvGrpSpPr>
-        <p:cNvPr id="1" name=""/>
-        <p:cNvGrpSpPr/>
-        <p:nvPr/>
-      </p:nvGrpSpPr>
-      <p:grpSpPr>
-        <a:xfrm>
-          <a:off x="0" y="0"/>
-          <a:ext cx="0" cy="0"/>
-          <a:chOff x="0" y="0"/>
-          <a:chExt cx="0" cy="0"/>
-        </a:xfrm>
-      </p:grpSpPr>
-      <p:sp>
-        <p:nvSpPr>
-          <p:cNvPr id="2" name="Title 1">
-            <a:extLst>
-              <a:ext uri="{FF2B5EF4-FFF2-40B4-BE49-F238E27FC236}">
-                <a16:creationId xmlns:a16="http://schemas.microsoft.com/office/drawing/2014/main" id="{B80432DA-C568-494B-BC38-F0DF792A0B70}"/>
-              </a:ext>
-            </a:extLst>
-          </p:cNvPr>
-          <p:cNvSpPr>
-            <a:spLocks noGrp="1"/>
-          </p:cNvSpPr>
-          <p:nvPr>
-            <p:ph type="title"/>
-          </p:nvPr>
-        </p:nvSpPr>
-        <p:spPr/>
-        <p:txBody>
-          <a:bodyPr/>
-          <a:lstStyle/>
-          <a:p>
-            <a:r>
-              <a:rPr lang="en-US" dirty="0"/>
-              <a:t>The </a:t>
-            </a:r>
-            <a:r>
-              <a:rPr lang="en-US" dirty="0" err="1"/>
-              <a:t>PySense</a:t>
-            </a:r>
-            <a:r>
-              <a:rPr lang="en-US" dirty="0"/>
-              <a:t> object</a:t>
-            </a:r>
-          </a:p>
-        </p:txBody>
-      </p:sp>
-      <p:sp>
-        <p:nvSpPr>
-          <p:cNvPr id="3" name="Content Placeholder 2">
-            <a:extLst>
-              <a:ext uri="{FF2B5EF4-FFF2-40B4-BE49-F238E27FC236}">
-                <a16:creationId xmlns:a16="http://schemas.microsoft.com/office/drawing/2014/main" id="{40932187-EC80-40F9-8247-6A76F20E5CBB}"/>
-              </a:ext>
-            </a:extLst>
-          </p:cNvPr>
-          <p:cNvSpPr>
-            <a:spLocks noGrp="1"/>
-          </p:cNvSpPr>
-          <p:nvPr>
-            <p:ph idx="1"/>
-          </p:nvPr>
-        </p:nvSpPr>
-        <p:spPr/>
-        <p:txBody>
-          <a:bodyPr/>
-          <a:lstStyle/>
-          <a:p>
-            <a:r>
-              <a:rPr lang="en-US" dirty="0"/>
-              <a:t>The object created by authentication (</a:t>
-            </a:r>
-            <a:r>
-              <a:rPr lang="en-US" dirty="0" err="1"/>
-              <a:t>py_client</a:t>
-            </a:r>
-            <a:r>
-              <a:rPr lang="en-US" dirty="0"/>
-              <a:t>) in our example is our connection to our Sisense instance. </a:t>
-            </a:r>
-          </a:p>
-          <a:p>
-            <a:r>
-              <a:rPr lang="en-US" dirty="0"/>
-              <a:t>The </a:t>
-            </a:r>
-            <a:r>
-              <a:rPr lang="en-US" dirty="0" err="1"/>
-              <a:t>py_client</a:t>
-            </a:r>
-            <a:r>
-              <a:rPr lang="en-US" dirty="0"/>
-              <a:t> object is where we do things that involve the whole server, for example, adding users or retrieving dashboards and </a:t>
-            </a:r>
-            <a:r>
-              <a:rPr lang="en-US" dirty="0" err="1"/>
-              <a:t>elasticubes</a:t>
-            </a:r>
-            <a:r>
-              <a:rPr lang="en-US" dirty="0"/>
-              <a:t>. </a:t>
-            </a:r>
-          </a:p>
-          <a:p>
-            <a:r>
-              <a:rPr lang="en-US" dirty="0"/>
-              <a:t>See </a:t>
-            </a:r>
-            <a:r>
-              <a:rPr lang="en-US" dirty="0">
-                <a:hlinkClick r:id="rId2"/>
-              </a:rPr>
-              <a:t>documentation</a:t>
-            </a:r>
-            <a:r>
-              <a:rPr lang="en-US" dirty="0"/>
-              <a:t> for full list of features</a:t>
-            </a:r>
-          </a:p>
-        </p:txBody>
-      </p:sp>
-    </p:spTree>
-    <p:extLst>
-      <p:ext uri="{BB962C8B-B14F-4D97-AF65-F5344CB8AC3E}">
-        <p14:creationId xmlns:p14="http://schemas.microsoft.com/office/powerpoint/2010/main" val="2929755730"/>
       </p:ext>
     </p:extLst>
   </p:cSld>
@@ -8882,7 +9798,7 @@
           <a:p>
             <a:r>
               <a:rPr lang="en-US" dirty="0"/>
-              <a:t>Data Security Pt 2 (Default rule)</a:t>
+              <a:t>Data Security Pt 2 (Rules)</a:t>
             </a:r>
           </a:p>
         </p:txBody>
@@ -8910,583 +9826,118 @@
           <a:p>
             <a:r>
               <a:rPr lang="en-US" dirty="0"/>
-              <a:t>Create the default rule:</a:t>
+              <a:t>Add a rule to an </a:t>
+            </a:r>
+            <a:r>
+              <a:rPr lang="en-US" dirty="0" err="1"/>
+              <a:t>elasticube</a:t>
+            </a:r>
+            <a:r>
+              <a:rPr lang="en-US" dirty="0"/>
+              <a:t> with the ‘</a:t>
+            </a:r>
+            <a:r>
+              <a:rPr lang="en-US" dirty="0" err="1"/>
+              <a:t>add_security_rule</a:t>
+            </a:r>
+            <a:r>
+              <a:rPr lang="en-US" dirty="0"/>
+              <a:t>’ method</a:t>
             </a:r>
           </a:p>
           <a:p>
             <a:pPr lvl="1"/>
             <a:r>
               <a:rPr lang="en-US" dirty="0"/>
-              <a:t>Default rule of Nothing (recommended)</a:t>
+              <a:t>Required Parameters</a:t>
+            </a:r>
+          </a:p>
+          <a:p>
+            <a:pPr lvl="2"/>
+            <a:r>
+              <a:rPr lang="en-US" dirty="0"/>
+              <a:t>Table name </a:t>
+            </a:r>
+          </a:p>
+          <a:p>
+            <a:pPr lvl="2"/>
+            <a:r>
+              <a:rPr lang="en-US" dirty="0"/>
+              <a:t>Column name </a:t>
+            </a:r>
+          </a:p>
+          <a:p>
+            <a:pPr lvl="2"/>
+            <a:r>
+              <a:rPr lang="en-US" dirty="0"/>
+              <a:t>Data type </a:t>
+            </a:r>
+          </a:p>
+          <a:p>
+            <a:pPr lvl="1"/>
+            <a:r>
+              <a:rPr lang="en-US" dirty="0"/>
+              <a:t>Optional Parameters</a:t>
+            </a:r>
+          </a:p>
+          <a:p>
+            <a:pPr lvl="2"/>
+            <a:r>
+              <a:rPr lang="en-US" dirty="0"/>
+              <a:t>Shares: The users/groups to share to. Leave out for default rule</a:t>
+            </a:r>
+          </a:p>
+          <a:p>
+            <a:pPr lvl="2"/>
+            <a:r>
+              <a:rPr lang="en-US" dirty="0"/>
+              <a:t>Members: The values to set access to. Leave out for Nothing</a:t>
+            </a:r>
+          </a:p>
+          <a:p>
+            <a:pPr lvl="2"/>
+            <a:r>
+              <a:rPr lang="en-US" dirty="0" err="1"/>
+              <a:t>Server_address</a:t>
+            </a:r>
+            <a:r>
+              <a:rPr lang="en-US" dirty="0"/>
+              <a:t>: Needed for </a:t>
+            </a:r>
+            <a:r>
+              <a:rPr lang="en-US" dirty="0" err="1"/>
+              <a:t>elasticube</a:t>
+            </a:r>
+            <a:r>
+              <a:rPr lang="en-US" dirty="0"/>
+              <a:t> sets. </a:t>
+            </a:r>
+          </a:p>
+          <a:p>
+            <a:pPr lvl="2"/>
+            <a:r>
+              <a:rPr lang="en-US" dirty="0" err="1"/>
+              <a:t>Exclustionary</a:t>
+            </a:r>
+            <a:r>
+              <a:rPr lang="en-US" dirty="0"/>
+              <a:t>: Set true for exclusionary rule.</a:t>
+            </a:r>
+          </a:p>
+          <a:p>
+            <a:pPr lvl="2"/>
+            <a:r>
+              <a:rPr lang="en-US" dirty="0" err="1"/>
+              <a:t>All_members</a:t>
+            </a:r>
+            <a:r>
+              <a:rPr lang="en-US" dirty="0"/>
+              <a:t>: Set true for everything rule</a:t>
             </a:r>
           </a:p>
           <a:p>
             <a:pPr lvl="1"/>
             <a:endParaRPr lang="en-US" dirty="0"/>
-          </a:p>
-          <a:p>
-            <a:pPr lvl="1"/>
-            <a:r>
-              <a:rPr lang="en-US" dirty="0"/>
-              <a:t>Default rule for some values</a:t>
-            </a:r>
-          </a:p>
-          <a:p>
-            <a:pPr lvl="1"/>
-            <a:endParaRPr lang="en-US" dirty="0"/>
-          </a:p>
-          <a:p>
-            <a:r>
-              <a:rPr lang="en-US" dirty="0"/>
-              <a:t>The </a:t>
-            </a:r>
-            <a:r>
-              <a:rPr lang="en-US" dirty="0" err="1"/>
-              <a:t>default_rule</a:t>
-            </a:r>
-            <a:r>
-              <a:rPr lang="en-US" dirty="0"/>
-              <a:t> contains the rule created. You can check the properties of the rule to ensure everything was created correctly.  </a:t>
-            </a:r>
-          </a:p>
-          <a:p>
-            <a:r>
-              <a:rPr lang="en-US" dirty="0"/>
-              <a:t>If you don’t need to do anything with the rule, you can ignore the return. </a:t>
-            </a:r>
-          </a:p>
-          <a:p>
-            <a:pPr lvl="1"/>
-            <a:endParaRPr lang="en-US" dirty="0"/>
-          </a:p>
-        </p:txBody>
-      </p:sp>
-      <p:sp>
-        <p:nvSpPr>
-          <p:cNvPr id="4" name="Rectangle 1">
-            <a:extLst>
-              <a:ext uri="{FF2B5EF4-FFF2-40B4-BE49-F238E27FC236}">
-                <a16:creationId xmlns:a16="http://schemas.microsoft.com/office/drawing/2014/main" id="{54A3AF2E-5D23-409F-B2D6-0B6E1AEE7C56}"/>
-              </a:ext>
-            </a:extLst>
-          </p:cNvPr>
-          <p:cNvSpPr>
-            <a:spLocks noChangeArrowheads="1"/>
-          </p:cNvSpPr>
-          <p:nvPr/>
-        </p:nvSpPr>
-        <p:spPr bwMode="auto">
-          <a:xfrm>
-            <a:off x="1979612" y="2667000"/>
-            <a:ext cx="5866129" cy="230832"/>
-          </a:xfrm>
-          <a:prstGeom prst="rect">
-            <a:avLst/>
-          </a:prstGeom>
-          <a:solidFill>
-            <a:srgbClr val="2B2B2B"/>
-          </a:solidFill>
-          <a:ln>
-            <a:noFill/>
-          </a:ln>
-          <a:effectLst/>
-          <a:extLst>
-            <a:ext uri="{91240B29-F687-4F45-9708-019B960494DF}">
-              <a14:hiddenLine xmlns:a14="http://schemas.microsoft.com/office/drawing/2010/main" w="9525">
-                <a:solidFill>
-                  <a:schemeClr val="tx1"/>
-                </a:solidFill>
-                <a:miter lim="800000"/>
-                <a:headEnd/>
-                <a:tailEnd/>
-              </a14:hiddenLine>
-            </a:ext>
-            <a:ext uri="{AF507438-7753-43E0-B8FC-AC1667EBCBE1}">
-              <a14:hiddenEffects xmlns:a14="http://schemas.microsoft.com/office/drawing/2010/main">
-                <a:effectLst>
-                  <a:outerShdw dist="35921" dir="2700000" algn="ctr" rotWithShape="0">
-                    <a:schemeClr val="bg2"/>
-                  </a:outerShdw>
-                </a:effectLst>
-              </a14:hiddenEffects>
-            </a:ext>
-          </a:extLst>
-        </p:spPr>
-        <p:txBody>
-          <a:bodyPr vert="horz" wrap="square" lIns="91440" tIns="45720" rIns="91440" bIns="45720" numCol="1" anchor="ctr" anchorCtr="0" compatLnSpc="1">
-            <a:prstTxWarp prst="textNoShape">
-              <a:avLst/>
-            </a:prstTxWarp>
-            <a:spAutoFit/>
-          </a:bodyPr>
-          <a:lstStyle/>
-          <a:p>
-            <a:pPr marL="0" marR="0" lvl="0" indent="0" algn="l" defTabSz="914400" rtl="0" eaLnBrk="0" fontAlgn="base" latinLnBrk="0" hangingPunct="0">
-              <a:lnSpc>
-                <a:spcPct val="100000"/>
-              </a:lnSpc>
-              <a:spcBef>
-                <a:spcPct val="0"/>
-              </a:spcBef>
-              <a:spcAft>
-                <a:spcPct val="0"/>
-              </a:spcAft>
-              <a:buClrTx/>
-              <a:buSzTx/>
-              <a:buFontTx/>
-              <a:buNone/>
-              <a:tabLst/>
-            </a:pPr>
-            <a:r>
-              <a:rPr kumimoji="0" lang="en-US" altLang="en-US" sz="900" b="0" i="0" u="none" strike="noStrike" cap="none" normalizeH="0" baseline="0" dirty="0">
-                <a:ln>
-                  <a:noFill/>
-                </a:ln>
-                <a:solidFill>
-                  <a:srgbClr val="A9B7C6"/>
-                </a:solidFill>
-                <a:effectLst/>
-                <a:latin typeface="Consolas" panose="020B0609020204030204" pitchFamily="49" charset="0"/>
-              </a:rPr>
-              <a:t>default_rule = </a:t>
-            </a:r>
-            <a:r>
-              <a:rPr kumimoji="0" lang="en-US" altLang="en-US" sz="900" b="0" i="0" u="none" strike="noStrike" cap="none" normalizeH="0" baseline="0" dirty="0" err="1">
-                <a:ln>
-                  <a:noFill/>
-                </a:ln>
-                <a:solidFill>
-                  <a:srgbClr val="A9B7C6"/>
-                </a:solidFill>
-                <a:effectLst/>
-                <a:latin typeface="Consolas" panose="020B0609020204030204" pitchFamily="49" charset="0"/>
-              </a:rPr>
-              <a:t>elasticube.add_default_rule</a:t>
-            </a:r>
-            <a:r>
-              <a:rPr kumimoji="0" lang="en-US" altLang="en-US" sz="900" b="0" i="0" u="none" strike="noStrike" cap="none" normalizeH="0" baseline="0" dirty="0">
-                <a:ln>
-                  <a:noFill/>
-                </a:ln>
-                <a:solidFill>
-                  <a:srgbClr val="A9B7C6"/>
-                </a:solidFill>
-                <a:effectLst/>
-                <a:latin typeface="Consolas" panose="020B0609020204030204" pitchFamily="49" charset="0"/>
-              </a:rPr>
-              <a:t>(</a:t>
-            </a:r>
-            <a:r>
-              <a:rPr kumimoji="0" lang="en-US" altLang="en-US" sz="900" b="0" i="0" u="none" strike="noStrike" cap="none" normalizeH="0" baseline="0" dirty="0">
-                <a:ln>
-                  <a:noFill/>
-                </a:ln>
-                <a:solidFill>
-                  <a:srgbClr val="6A8759"/>
-                </a:solidFill>
-                <a:effectLst/>
-                <a:latin typeface="Consolas" panose="020B0609020204030204" pitchFamily="49" charset="0"/>
-              </a:rPr>
-              <a:t>'</a:t>
-            </a:r>
-            <a:r>
-              <a:rPr kumimoji="0" lang="en-US" altLang="en-US" sz="900" b="0" i="0" u="none" strike="noStrike" cap="none" normalizeH="0" baseline="0" dirty="0" err="1">
-                <a:ln>
-                  <a:noFill/>
-                </a:ln>
-                <a:solidFill>
-                  <a:srgbClr val="6A8759"/>
-                </a:solidFill>
-                <a:effectLst/>
-                <a:latin typeface="Consolas" panose="020B0609020204030204" pitchFamily="49" charset="0"/>
-              </a:rPr>
-              <a:t>Dim_Dates</a:t>
-            </a:r>
-            <a:r>
-              <a:rPr kumimoji="0" lang="en-US" altLang="en-US" sz="900" b="0" i="0" u="none" strike="noStrike" cap="none" normalizeH="0" baseline="0" dirty="0">
-                <a:ln>
-                  <a:noFill/>
-                </a:ln>
-                <a:solidFill>
-                  <a:srgbClr val="6A8759"/>
-                </a:solidFill>
-                <a:effectLst/>
-                <a:latin typeface="Consolas" panose="020B0609020204030204" pitchFamily="49" charset="0"/>
-              </a:rPr>
-              <a:t>'</a:t>
-            </a:r>
-            <a:r>
-              <a:rPr kumimoji="0" lang="en-US" altLang="en-US" sz="900" b="0" i="0" u="none" strike="noStrike" cap="none" normalizeH="0" baseline="0" dirty="0">
-                <a:ln>
-                  <a:noFill/>
-                </a:ln>
-                <a:solidFill>
-                  <a:srgbClr val="CC7832"/>
-                </a:solidFill>
-                <a:effectLst/>
-                <a:latin typeface="Consolas" panose="020B0609020204030204" pitchFamily="49" charset="0"/>
-              </a:rPr>
-              <a:t>, </a:t>
-            </a:r>
-            <a:r>
-              <a:rPr kumimoji="0" lang="en-US" altLang="en-US" sz="900" b="0" i="0" u="none" strike="noStrike" cap="none" normalizeH="0" baseline="0" dirty="0">
-                <a:ln>
-                  <a:noFill/>
-                </a:ln>
-                <a:solidFill>
-                  <a:srgbClr val="6A8759"/>
-                </a:solidFill>
-                <a:effectLst/>
-                <a:latin typeface="Consolas" panose="020B0609020204030204" pitchFamily="49" charset="0"/>
-              </a:rPr>
-              <a:t>'</a:t>
-            </a:r>
-            <a:r>
-              <a:rPr kumimoji="0" lang="en-US" altLang="en-US" sz="900" b="0" i="0" u="none" strike="noStrike" cap="none" normalizeH="0" baseline="0" dirty="0" err="1">
-                <a:ln>
-                  <a:noFill/>
-                </a:ln>
-                <a:solidFill>
-                  <a:srgbClr val="6A8759"/>
-                </a:solidFill>
-                <a:effectLst/>
-                <a:latin typeface="Consolas" panose="020B0609020204030204" pitchFamily="49" charset="0"/>
-              </a:rPr>
-              <a:t>BusinessDay</a:t>
-            </a:r>
-            <a:r>
-              <a:rPr kumimoji="0" lang="en-US" altLang="en-US" sz="900" b="0" i="0" u="none" strike="noStrike" cap="none" normalizeH="0" baseline="0" dirty="0">
-                <a:ln>
-                  <a:noFill/>
-                </a:ln>
-                <a:solidFill>
-                  <a:srgbClr val="6A8759"/>
-                </a:solidFill>
-                <a:effectLst/>
-                <a:latin typeface="Consolas" panose="020B0609020204030204" pitchFamily="49" charset="0"/>
-              </a:rPr>
-              <a:t>'</a:t>
-            </a:r>
-            <a:r>
-              <a:rPr kumimoji="0" lang="en-US" altLang="en-US" sz="900" b="0" i="0" u="none" strike="noStrike" cap="none" normalizeH="0" baseline="0" dirty="0">
-                <a:ln>
-                  <a:noFill/>
-                </a:ln>
-                <a:solidFill>
-                  <a:srgbClr val="CC7832"/>
-                </a:solidFill>
-                <a:effectLst/>
-                <a:latin typeface="Consolas" panose="020B0609020204030204" pitchFamily="49" charset="0"/>
-              </a:rPr>
-              <a:t>, </a:t>
-            </a:r>
-            <a:r>
-              <a:rPr kumimoji="0" lang="en-US" altLang="en-US" sz="900" b="0" i="0" u="none" strike="noStrike" cap="none" normalizeH="0" baseline="0" dirty="0">
-                <a:ln>
-                  <a:noFill/>
-                </a:ln>
-                <a:solidFill>
-                  <a:srgbClr val="6A8759"/>
-                </a:solidFill>
-                <a:effectLst/>
-                <a:latin typeface="Consolas" panose="020B0609020204030204" pitchFamily="49" charset="0"/>
-              </a:rPr>
-              <a:t>'numeric'</a:t>
-            </a:r>
-            <a:r>
-              <a:rPr kumimoji="0" lang="en-US" altLang="en-US" sz="900" b="0" i="0" u="none" strike="noStrike" cap="none" normalizeH="0" baseline="0" dirty="0">
-                <a:ln>
-                  <a:noFill/>
-                </a:ln>
-                <a:solidFill>
-                  <a:srgbClr val="A9B7C6"/>
-                </a:solidFill>
-                <a:effectLst/>
-                <a:latin typeface="Consolas" panose="020B0609020204030204" pitchFamily="49" charset="0"/>
-              </a:rPr>
-              <a:t>)</a:t>
-            </a:r>
-            <a:endParaRPr kumimoji="0" lang="en-US" altLang="en-US" sz="1800" b="0" i="0" u="none" strike="noStrike" cap="none" normalizeH="0" baseline="0" dirty="0">
-              <a:ln>
-                <a:noFill/>
-              </a:ln>
-              <a:solidFill>
-                <a:schemeClr val="tx1"/>
-              </a:solidFill>
-              <a:effectLst/>
-              <a:latin typeface="Arial" panose="020B0604020202020204" pitchFamily="34" charset="0"/>
-            </a:endParaRPr>
-          </a:p>
-        </p:txBody>
-      </p:sp>
-      <p:sp>
-        <p:nvSpPr>
-          <p:cNvPr id="8" name="Rectangle 3">
-            <a:extLst>
-              <a:ext uri="{FF2B5EF4-FFF2-40B4-BE49-F238E27FC236}">
-                <a16:creationId xmlns:a16="http://schemas.microsoft.com/office/drawing/2014/main" id="{8DE9FC6B-7F19-45A2-84F6-427E799CF4AC}"/>
-              </a:ext>
-            </a:extLst>
-          </p:cNvPr>
-          <p:cNvSpPr>
-            <a:spLocks noChangeArrowheads="1"/>
-          </p:cNvSpPr>
-          <p:nvPr/>
-        </p:nvSpPr>
-        <p:spPr bwMode="auto">
-          <a:xfrm>
-            <a:off x="2001974" y="3541069"/>
-            <a:ext cx="6226038" cy="230832"/>
-          </a:xfrm>
-          <a:prstGeom prst="rect">
-            <a:avLst/>
-          </a:prstGeom>
-          <a:solidFill>
-            <a:srgbClr val="2B2B2B"/>
-          </a:solidFill>
-          <a:ln>
-            <a:noFill/>
-          </a:ln>
-          <a:effectLst/>
-          <a:extLst>
-            <a:ext uri="{91240B29-F687-4F45-9708-019B960494DF}">
-              <a14:hiddenLine xmlns:a14="http://schemas.microsoft.com/office/drawing/2010/main" w="9525">
-                <a:solidFill>
-                  <a:schemeClr val="tx1"/>
-                </a:solidFill>
-                <a:miter lim="800000"/>
-                <a:headEnd/>
-                <a:tailEnd/>
-              </a14:hiddenLine>
-            </a:ext>
-            <a:ext uri="{AF507438-7753-43E0-B8FC-AC1667EBCBE1}">
-              <a14:hiddenEffects xmlns:a14="http://schemas.microsoft.com/office/drawing/2010/main">
-                <a:effectLst>
-                  <a:outerShdw dist="35921" dir="2700000" algn="ctr" rotWithShape="0">
-                    <a:schemeClr val="bg2"/>
-                  </a:outerShdw>
-                </a:effectLst>
-              </a14:hiddenEffects>
-            </a:ext>
-          </a:extLst>
-        </p:spPr>
-        <p:txBody>
-          <a:bodyPr vert="horz" wrap="square" lIns="91440" tIns="45720" rIns="91440" bIns="45720" numCol="1" anchor="ctr" anchorCtr="0" compatLnSpc="1">
-            <a:prstTxWarp prst="textNoShape">
-              <a:avLst/>
-            </a:prstTxWarp>
-            <a:spAutoFit/>
-          </a:bodyPr>
-          <a:lstStyle/>
-          <a:p>
-            <a:pPr marL="0" marR="0" lvl="0" indent="0" algn="l" defTabSz="914400" rtl="0" eaLnBrk="0" fontAlgn="base" latinLnBrk="0" hangingPunct="0">
-              <a:lnSpc>
-                <a:spcPct val="100000"/>
-              </a:lnSpc>
-              <a:spcBef>
-                <a:spcPct val="0"/>
-              </a:spcBef>
-              <a:spcAft>
-                <a:spcPct val="0"/>
-              </a:spcAft>
-              <a:buClrTx/>
-              <a:buSzTx/>
-              <a:buFontTx/>
-              <a:buNone/>
-              <a:tabLst/>
-            </a:pPr>
-            <a:r>
-              <a:rPr kumimoji="0" lang="en-US" altLang="en-US" sz="900" b="0" i="0" u="none" strike="noStrike" cap="none" normalizeH="0" baseline="0" dirty="0">
-                <a:ln>
-                  <a:noFill/>
-                </a:ln>
-                <a:solidFill>
-                  <a:srgbClr val="A9B7C6"/>
-                </a:solidFill>
-                <a:effectLst/>
-                <a:latin typeface="Consolas" panose="020B0609020204030204" pitchFamily="49" charset="0"/>
-              </a:rPr>
-              <a:t>default_rule = </a:t>
-            </a:r>
-            <a:r>
-              <a:rPr kumimoji="0" lang="en-US" altLang="en-US" sz="900" b="0" i="0" u="none" strike="noStrike" cap="none" normalizeH="0" baseline="0" dirty="0" err="1">
-                <a:ln>
-                  <a:noFill/>
-                </a:ln>
-                <a:solidFill>
-                  <a:srgbClr val="A9B7C6"/>
-                </a:solidFill>
-                <a:effectLst/>
-                <a:latin typeface="Consolas" panose="020B0609020204030204" pitchFamily="49" charset="0"/>
-              </a:rPr>
-              <a:t>elasticube.add_default_rule</a:t>
-            </a:r>
-            <a:r>
-              <a:rPr kumimoji="0" lang="en-US" altLang="en-US" sz="900" b="0" i="0" u="none" strike="noStrike" cap="none" normalizeH="0" baseline="0" dirty="0">
-                <a:ln>
-                  <a:noFill/>
-                </a:ln>
-                <a:solidFill>
-                  <a:srgbClr val="A9B7C6"/>
-                </a:solidFill>
-                <a:effectLst/>
-                <a:latin typeface="Consolas" panose="020B0609020204030204" pitchFamily="49" charset="0"/>
-              </a:rPr>
-              <a:t>(</a:t>
-            </a:r>
-            <a:r>
-              <a:rPr kumimoji="0" lang="en-US" altLang="en-US" sz="900" b="0" i="0" u="none" strike="noStrike" cap="none" normalizeH="0" baseline="0" dirty="0">
-                <a:ln>
-                  <a:noFill/>
-                </a:ln>
-                <a:solidFill>
-                  <a:srgbClr val="6A8759"/>
-                </a:solidFill>
-                <a:effectLst/>
-                <a:latin typeface="Consolas" panose="020B0609020204030204" pitchFamily="49" charset="0"/>
-              </a:rPr>
-              <a:t>'Colors'</a:t>
-            </a:r>
-            <a:r>
-              <a:rPr kumimoji="0" lang="en-US" altLang="en-US" sz="900" b="0" i="0" u="none" strike="noStrike" cap="none" normalizeH="0" baseline="0" dirty="0">
-                <a:ln>
-                  <a:noFill/>
-                </a:ln>
-                <a:solidFill>
-                  <a:srgbClr val="CC7832"/>
-                </a:solidFill>
-                <a:effectLst/>
-                <a:latin typeface="Consolas" panose="020B0609020204030204" pitchFamily="49" charset="0"/>
-              </a:rPr>
-              <a:t>, </a:t>
-            </a:r>
-            <a:r>
-              <a:rPr kumimoji="0" lang="en-US" altLang="en-US" sz="900" b="0" i="0" u="none" strike="noStrike" cap="none" normalizeH="0" baseline="0" dirty="0">
-                <a:ln>
-                  <a:noFill/>
-                </a:ln>
-                <a:solidFill>
-                  <a:srgbClr val="6A8759"/>
-                </a:solidFill>
-                <a:effectLst/>
-                <a:latin typeface="Consolas" panose="020B0609020204030204" pitchFamily="49" charset="0"/>
-              </a:rPr>
-              <a:t>'Name'</a:t>
-            </a:r>
-            <a:r>
-              <a:rPr kumimoji="0" lang="en-US" altLang="en-US" sz="900" b="0" i="0" u="none" strike="noStrike" cap="none" normalizeH="0" baseline="0" dirty="0">
-                <a:ln>
-                  <a:noFill/>
-                </a:ln>
-                <a:solidFill>
-                  <a:srgbClr val="CC7832"/>
-                </a:solidFill>
-                <a:effectLst/>
-                <a:latin typeface="Consolas" panose="020B0609020204030204" pitchFamily="49" charset="0"/>
-              </a:rPr>
-              <a:t>, </a:t>
-            </a:r>
-            <a:r>
-              <a:rPr kumimoji="0" lang="en-US" altLang="en-US" sz="900" b="0" i="0" u="none" strike="noStrike" cap="none" normalizeH="0" baseline="0" dirty="0">
-                <a:ln>
-                  <a:noFill/>
-                </a:ln>
-                <a:solidFill>
-                  <a:srgbClr val="6A8759"/>
-                </a:solidFill>
-                <a:effectLst/>
-                <a:latin typeface="Consolas" panose="020B0609020204030204" pitchFamily="49" charset="0"/>
-              </a:rPr>
-              <a:t>'text’</a:t>
-            </a:r>
-            <a:r>
-              <a:rPr kumimoji="0" lang="en-US" altLang="en-US" sz="900" b="0" i="0" u="none" strike="noStrike" cap="none" normalizeH="0" baseline="0" dirty="0">
-                <a:ln>
-                  <a:noFill/>
-                </a:ln>
-                <a:solidFill>
-                  <a:srgbClr val="CC7832"/>
-                </a:solidFill>
-                <a:effectLst/>
-                <a:latin typeface="Consolas" panose="020B0609020204030204" pitchFamily="49" charset="0"/>
-              </a:rPr>
-              <a:t>, members=</a:t>
-            </a:r>
-            <a:r>
-              <a:rPr kumimoji="0" lang="en-US" altLang="en-US" sz="900" b="0" i="0" u="none" strike="noStrike" cap="none" normalizeH="0" baseline="0" dirty="0">
-                <a:ln>
-                  <a:noFill/>
-                </a:ln>
-                <a:solidFill>
-                  <a:srgbClr val="A9B7C6"/>
-                </a:solidFill>
-                <a:effectLst/>
-                <a:latin typeface="Consolas" panose="020B0609020204030204" pitchFamily="49" charset="0"/>
-              </a:rPr>
-              <a:t>[</a:t>
-            </a:r>
-            <a:r>
-              <a:rPr kumimoji="0" lang="en-US" altLang="en-US" sz="900" b="0" i="0" u="none" strike="noStrike" cap="none" normalizeH="0" baseline="0" dirty="0">
-                <a:ln>
-                  <a:noFill/>
-                </a:ln>
-                <a:solidFill>
-                  <a:srgbClr val="6A8759"/>
-                </a:solidFill>
-                <a:effectLst/>
-                <a:latin typeface="Consolas" panose="020B0609020204030204" pitchFamily="49" charset="0"/>
-              </a:rPr>
-              <a:t>'Red'</a:t>
-            </a:r>
-            <a:r>
-              <a:rPr kumimoji="0" lang="en-US" altLang="en-US" sz="900" b="0" i="0" u="none" strike="noStrike" cap="none" normalizeH="0" baseline="0" dirty="0">
-                <a:ln>
-                  <a:noFill/>
-                </a:ln>
-                <a:solidFill>
-                  <a:srgbClr val="CC7832"/>
-                </a:solidFill>
-                <a:effectLst/>
-                <a:latin typeface="Consolas" panose="020B0609020204030204" pitchFamily="49" charset="0"/>
-              </a:rPr>
-              <a:t>, </a:t>
-            </a:r>
-            <a:r>
-              <a:rPr kumimoji="0" lang="en-US" altLang="en-US" sz="900" b="0" i="0" u="none" strike="noStrike" cap="none" normalizeH="0" baseline="0" dirty="0">
-                <a:ln>
-                  <a:noFill/>
-                </a:ln>
-                <a:solidFill>
-                  <a:srgbClr val="6A8759"/>
-                </a:solidFill>
-                <a:effectLst/>
-                <a:latin typeface="Consolas" panose="020B0609020204030204" pitchFamily="49" charset="0"/>
-              </a:rPr>
-              <a:t>'Blue'</a:t>
-            </a:r>
-            <a:r>
-              <a:rPr kumimoji="0" lang="en-US" altLang="en-US" sz="900" b="0" i="0" u="none" strike="noStrike" cap="none" normalizeH="0" baseline="0" dirty="0">
-                <a:ln>
-                  <a:noFill/>
-                </a:ln>
-                <a:solidFill>
-                  <a:srgbClr val="A9B7C6"/>
-                </a:solidFill>
-                <a:effectLst/>
-                <a:latin typeface="Consolas" panose="020B0609020204030204" pitchFamily="49" charset="0"/>
-              </a:rPr>
-              <a:t>])</a:t>
-            </a:r>
-            <a:endParaRPr kumimoji="0" lang="en-US" altLang="en-US" sz="1800" b="0" i="0" u="none" strike="noStrike" cap="none" normalizeH="0" baseline="0" dirty="0">
-              <a:ln>
-                <a:noFill/>
-              </a:ln>
-              <a:solidFill>
-                <a:schemeClr val="tx1"/>
-              </a:solidFill>
-              <a:effectLst/>
-              <a:latin typeface="Arial" panose="020B0604020202020204" pitchFamily="34" charset="0"/>
-            </a:endParaRPr>
           </a:p>
         </p:txBody>
       </p:sp>
@@ -9579,13 +10030,13 @@
         <p:spPr/>
         <p:txBody>
           <a:bodyPr>
-            <a:normAutofit fontScale="92500" lnSpcReduction="20000"/>
+            <a:normAutofit/>
           </a:bodyPr>
           <a:lstStyle/>
           <a:p>
             <a:r>
               <a:rPr lang="en-US" dirty="0"/>
-              <a:t>We need to get all the users and groups that we need to add to this security rule. The first argument in add security rule is a list of all the users and groups to apply to. </a:t>
+              <a:t>We need to get all the users and groups that we need to add to a security rule.</a:t>
             </a:r>
           </a:p>
           <a:p>
@@ -9599,31 +10050,15 @@
           </a:p>
           <a:p>
             <a:endParaRPr lang="en-US" dirty="0"/>
-          </a:p>
-          <a:p>
-            <a:r>
-              <a:rPr lang="en-US" dirty="0"/>
-              <a:t>Members is optional, if not there, a Nothing rule is created (unless all members is set). </a:t>
-            </a:r>
-          </a:p>
-          <a:p>
-            <a:r>
-              <a:rPr lang="en-US" dirty="0" err="1"/>
-              <a:t>all_members</a:t>
-            </a:r>
-            <a:r>
-              <a:rPr lang="en-US" dirty="0"/>
-              <a:t> and exclusionary are optional arguments that can be set to True or False</a:t>
-            </a:r>
           </a:p>
         </p:txBody>
       </p:sp>
       <p:sp>
         <p:nvSpPr>
-          <p:cNvPr id="9" name="Rectangle 6">
+          <p:cNvPr id="4" name="Rectangle 1">
             <a:extLst>
               <a:ext uri="{FF2B5EF4-FFF2-40B4-BE49-F238E27FC236}">
-                <a16:creationId xmlns:a16="http://schemas.microsoft.com/office/drawing/2014/main" id="{4311A028-B863-4B9C-92A9-6C2F6557D19D}"/>
+                <a16:creationId xmlns:a16="http://schemas.microsoft.com/office/drawing/2014/main" id="{8B18EFB6-E9BC-4D0D-8A57-95C8E947F94A}"/>
               </a:ext>
             </a:extLst>
           </p:cNvPr>
@@ -9634,8 +10069,8 @@
         </p:nvSpPr>
         <p:spPr bwMode="auto">
           <a:xfrm>
-            <a:off x="1674812" y="3385457"/>
-            <a:ext cx="6934200" cy="923330"/>
+            <a:off x="1598612" y="3454400"/>
+            <a:ext cx="6246812" cy="646331"/>
           </a:xfrm>
           <a:prstGeom prst="rect">
             <a:avLst/>
@@ -9678,542 +10113,6 @@
           </a:bodyPr>
           <a:lstStyle/>
           <a:p>
-            <a:pPr lvl="0" defTabSz="914400" eaLnBrk="0" fontAlgn="base" hangingPunct="0">
-              <a:spcBef>
-                <a:spcPct val="0"/>
-              </a:spcBef>
-              <a:spcAft>
-                <a:spcPct val="0"/>
-              </a:spcAft>
-            </a:pPr>
-            <a:r>
-              <a:rPr kumimoji="0" lang="en-US" altLang="en-US" sz="900" b="0" i="0" u="none" strike="noStrike" cap="none" normalizeH="0" baseline="0" dirty="0">
-                <a:ln>
-                  <a:noFill/>
-                </a:ln>
-                <a:solidFill>
-                  <a:srgbClr val="A9B7C6"/>
-                </a:solidFill>
-                <a:effectLst/>
-                <a:latin typeface="Consolas" panose="020B0609020204030204" pitchFamily="49" charset="0"/>
-              </a:rPr>
-              <a:t>users = </a:t>
-            </a:r>
-            <a:r>
-              <a:rPr kumimoji="0" lang="en-US" altLang="en-US" sz="900" b="0" i="0" u="none" strike="noStrike" cap="none" normalizeH="0" baseline="0" dirty="0" err="1">
-                <a:ln>
-                  <a:noFill/>
-                </a:ln>
-                <a:solidFill>
-                  <a:srgbClr val="A9B7C6"/>
-                </a:solidFill>
-                <a:effectLst/>
-                <a:latin typeface="Consolas" panose="020B0609020204030204" pitchFamily="49" charset="0"/>
-              </a:rPr>
-              <a:t>py_client.get_users</a:t>
-            </a:r>
-            <a:r>
-              <a:rPr kumimoji="0" lang="en-US" altLang="en-US" sz="900" b="0" i="0" u="none" strike="noStrike" cap="none" normalizeH="0" baseline="0" dirty="0">
-                <a:ln>
-                  <a:noFill/>
-                </a:ln>
-                <a:solidFill>
-                  <a:srgbClr val="A9B7C6"/>
-                </a:solidFill>
-                <a:effectLst/>
-                <a:latin typeface="Consolas" panose="020B0609020204030204" pitchFamily="49" charset="0"/>
-              </a:rPr>
-              <a:t>(</a:t>
-            </a:r>
-            <a:r>
-              <a:rPr kumimoji="0" lang="en-US" altLang="en-US" sz="900" b="0" i="0" u="none" strike="noStrike" cap="none" normalizeH="0" baseline="0" dirty="0" err="1">
-                <a:ln>
-                  <a:noFill/>
-                </a:ln>
-                <a:solidFill>
-                  <a:srgbClr val="AA4926"/>
-                </a:solidFill>
-                <a:effectLst/>
-                <a:latin typeface="Consolas" panose="020B0609020204030204" pitchFamily="49" charset="0"/>
-              </a:rPr>
-              <a:t>first_name</a:t>
-            </a:r>
-            <a:r>
-              <a:rPr kumimoji="0" lang="en-US" altLang="en-US" sz="900" b="0" i="0" u="none" strike="noStrike" cap="none" normalizeH="0" baseline="0" dirty="0">
-                <a:ln>
-                  <a:noFill/>
-                </a:ln>
-                <a:solidFill>
-                  <a:srgbClr val="A9B7C6"/>
-                </a:solidFill>
-                <a:effectLst/>
-                <a:latin typeface="Consolas" panose="020B0609020204030204" pitchFamily="49" charset="0"/>
-              </a:rPr>
-              <a:t>=</a:t>
-            </a:r>
-            <a:r>
-              <a:rPr kumimoji="0" lang="en-US" altLang="en-US" sz="900" b="0" i="0" u="none" strike="noStrike" cap="none" normalizeH="0" baseline="0" dirty="0">
-                <a:ln>
-                  <a:noFill/>
-                </a:ln>
-                <a:solidFill>
-                  <a:srgbClr val="6A8759"/>
-                </a:solidFill>
-                <a:effectLst/>
-                <a:latin typeface="Consolas" panose="020B0609020204030204" pitchFamily="49" charset="0"/>
-              </a:rPr>
-              <a:t>‘Steve'</a:t>
-            </a:r>
-            <a:r>
-              <a:rPr kumimoji="0" lang="en-US" altLang="en-US" sz="900" b="0" i="0" u="none" strike="noStrike" cap="none" normalizeH="0" baseline="0" dirty="0">
-                <a:ln>
-                  <a:noFill/>
-                </a:ln>
-                <a:solidFill>
-                  <a:srgbClr val="A9B7C6"/>
-                </a:solidFill>
-                <a:effectLst/>
-                <a:latin typeface="Consolas" panose="020B0609020204030204" pitchFamily="49" charset="0"/>
-              </a:rPr>
-              <a:t>)</a:t>
-            </a:r>
-            <a:br>
-              <a:rPr kumimoji="0" lang="en-US" altLang="en-US" sz="900" b="0" i="0" u="none" strike="noStrike" cap="none" normalizeH="0" baseline="0" dirty="0">
-                <a:ln>
-                  <a:noFill/>
-                </a:ln>
-                <a:solidFill>
-                  <a:srgbClr val="A9B7C6"/>
-                </a:solidFill>
-                <a:effectLst/>
-                <a:latin typeface="Consolas" panose="020B0609020204030204" pitchFamily="49" charset="0"/>
-              </a:rPr>
-            </a:br>
-            <a:r>
-              <a:rPr kumimoji="0" lang="en-US" altLang="en-US" sz="900" b="0" i="0" u="none" strike="noStrike" cap="none" normalizeH="0" baseline="0" dirty="0">
-                <a:ln>
-                  <a:noFill/>
-                </a:ln>
-                <a:solidFill>
-                  <a:srgbClr val="A9B7C6"/>
-                </a:solidFill>
-                <a:effectLst/>
-                <a:latin typeface="Consolas" panose="020B0609020204030204" pitchFamily="49" charset="0"/>
-              </a:rPr>
-              <a:t>groups = </a:t>
-            </a:r>
-            <a:r>
-              <a:rPr kumimoji="0" lang="en-US" altLang="en-US" sz="900" b="0" i="0" u="none" strike="noStrike" cap="none" normalizeH="0" baseline="0" dirty="0" err="1">
-                <a:ln>
-                  <a:noFill/>
-                </a:ln>
-                <a:solidFill>
-                  <a:srgbClr val="A9B7C6"/>
-                </a:solidFill>
-                <a:effectLst/>
-                <a:latin typeface="Consolas" panose="020B0609020204030204" pitchFamily="49" charset="0"/>
-              </a:rPr>
-              <a:t>py_client.get_groups</a:t>
-            </a:r>
-            <a:r>
-              <a:rPr kumimoji="0" lang="en-US" altLang="en-US" sz="900" b="0" i="0" u="none" strike="noStrike" cap="none" normalizeH="0" baseline="0" dirty="0">
-                <a:ln>
-                  <a:noFill/>
-                </a:ln>
-                <a:solidFill>
-                  <a:srgbClr val="A9B7C6"/>
-                </a:solidFill>
-                <a:effectLst/>
-                <a:latin typeface="Consolas" panose="020B0609020204030204" pitchFamily="49" charset="0"/>
-              </a:rPr>
-              <a:t>(</a:t>
-            </a:r>
-            <a:r>
-              <a:rPr kumimoji="0" lang="en-US" altLang="en-US" sz="900" b="0" i="0" u="none" strike="noStrike" cap="none" normalizeH="0" baseline="0" dirty="0">
-                <a:ln>
-                  <a:noFill/>
-                </a:ln>
-                <a:solidFill>
-                  <a:srgbClr val="AA4926"/>
-                </a:solidFill>
-                <a:effectLst/>
-                <a:latin typeface="Consolas" panose="020B0609020204030204" pitchFamily="49" charset="0"/>
-              </a:rPr>
-              <a:t>name</a:t>
-            </a:r>
-            <a:r>
-              <a:rPr kumimoji="0" lang="en-US" altLang="en-US" sz="900" b="0" i="0" u="none" strike="noStrike" cap="none" normalizeH="0" baseline="0" dirty="0">
-                <a:ln>
-                  <a:noFill/>
-                </a:ln>
-                <a:solidFill>
-                  <a:srgbClr val="A9B7C6"/>
-                </a:solidFill>
-                <a:effectLst/>
-                <a:latin typeface="Consolas" panose="020B0609020204030204" pitchFamily="49" charset="0"/>
-              </a:rPr>
-              <a:t>=</a:t>
-            </a:r>
-            <a:r>
-              <a:rPr kumimoji="0" lang="en-US" altLang="en-US" sz="900" b="0" i="0" u="none" strike="noStrike" cap="none" normalizeH="0" baseline="0" dirty="0">
-                <a:ln>
-                  <a:noFill/>
-                </a:ln>
-                <a:solidFill>
-                  <a:srgbClr val="6A8759"/>
-                </a:solidFill>
-                <a:effectLst/>
-                <a:latin typeface="Consolas" panose="020B0609020204030204" pitchFamily="49" charset="0"/>
-              </a:rPr>
-              <a:t>'</a:t>
-            </a:r>
-            <a:r>
-              <a:rPr kumimoji="0" lang="en-US" altLang="en-US" sz="900" b="0" i="0" u="none" strike="noStrike" cap="none" normalizeH="0" baseline="0" dirty="0" err="1">
-                <a:ln>
-                  <a:noFill/>
-                </a:ln>
-                <a:solidFill>
-                  <a:srgbClr val="6A8759"/>
-                </a:solidFill>
-                <a:effectLst/>
-                <a:latin typeface="Consolas" panose="020B0609020204030204" pitchFamily="49" charset="0"/>
-              </a:rPr>
-              <a:t>PySense</a:t>
-            </a:r>
-            <a:r>
-              <a:rPr kumimoji="0" lang="en-US" altLang="en-US" sz="900" b="0" i="0" u="none" strike="noStrike" cap="none" normalizeH="0" baseline="0" dirty="0">
-                <a:ln>
-                  <a:noFill/>
-                </a:ln>
-                <a:solidFill>
-                  <a:srgbClr val="6A8759"/>
-                </a:solidFill>
-                <a:effectLst/>
-                <a:latin typeface="Consolas" panose="020B0609020204030204" pitchFamily="49" charset="0"/>
-              </a:rPr>
-              <a:t>’</a:t>
-            </a:r>
-            <a:r>
-              <a:rPr kumimoji="0" lang="en-US" altLang="en-US" sz="900" b="0" i="0" u="none" strike="noStrike" cap="none" normalizeH="0" baseline="0" dirty="0">
-                <a:ln>
-                  <a:noFill/>
-                </a:ln>
-                <a:solidFill>
-                  <a:srgbClr val="A9B7C6"/>
-                </a:solidFill>
-                <a:effectLst/>
-                <a:latin typeface="Consolas" panose="020B0609020204030204" pitchFamily="49" charset="0"/>
-              </a:rPr>
-              <a:t>)</a:t>
-            </a:r>
-            <a:br>
-              <a:rPr kumimoji="0" lang="en-US" altLang="en-US" sz="900" b="0" i="0" u="none" strike="noStrike" cap="none" normalizeH="0" baseline="0" dirty="0">
-                <a:ln>
-                  <a:noFill/>
-                </a:ln>
-                <a:solidFill>
-                  <a:srgbClr val="A9B7C6"/>
-                </a:solidFill>
-                <a:effectLst/>
-                <a:latin typeface="Consolas" panose="020B0609020204030204" pitchFamily="49" charset="0"/>
-              </a:rPr>
-            </a:br>
-            <a:r>
-              <a:rPr kumimoji="0" lang="en-US" altLang="en-US" sz="900" b="0" i="0" u="none" strike="noStrike" cap="none" normalizeH="0" baseline="0" dirty="0">
-                <a:ln>
-                  <a:noFill/>
-                </a:ln>
-                <a:solidFill>
-                  <a:srgbClr val="A9B7C6"/>
-                </a:solidFill>
-                <a:effectLst/>
-                <a:latin typeface="Consolas" panose="020B0609020204030204" pitchFamily="49" charset="0"/>
-              </a:rPr>
-              <a:t>shares = </a:t>
-            </a:r>
-            <a:r>
-              <a:rPr lang="en-US" altLang="en-US" sz="900" dirty="0" err="1">
-                <a:solidFill>
-                  <a:srgbClr val="A9B7C6"/>
-                </a:solidFill>
-                <a:latin typeface="Consolas" panose="020B0609020204030204" pitchFamily="49" charset="0"/>
-              </a:rPr>
-              <a:t>shares.</a:t>
-            </a:r>
-            <a:r>
-              <a:rPr kumimoji="0" lang="en-US" altLang="en-US" sz="900" b="0" i="0" u="none" strike="noStrike" cap="none" normalizeH="0" baseline="0" dirty="0" err="1">
-                <a:ln>
-                  <a:noFill/>
-                </a:ln>
-                <a:solidFill>
-                  <a:srgbClr val="A9B7C6"/>
-                </a:solidFill>
-                <a:effectLst/>
-                <a:latin typeface="Consolas" panose="020B0609020204030204" pitchFamily="49" charset="0"/>
-              </a:rPr>
-              <a:t>append</a:t>
-            </a:r>
-            <a:r>
-              <a:rPr kumimoji="0" lang="en-US" altLang="en-US" sz="900" b="0" i="0" u="none" strike="noStrike" cap="none" normalizeH="0" baseline="0" dirty="0">
-                <a:ln>
-                  <a:noFill/>
-                </a:ln>
-                <a:solidFill>
-                  <a:srgbClr val="A9B7C6"/>
-                </a:solidFill>
-                <a:effectLst/>
-                <a:latin typeface="Consolas" panose="020B0609020204030204" pitchFamily="49" charset="0"/>
-              </a:rPr>
-              <a:t>(groups).append(users)</a:t>
-            </a:r>
-            <a:br>
-              <a:rPr kumimoji="0" lang="en-US" altLang="en-US" sz="900" b="0" i="0" u="none" strike="noStrike" cap="none" normalizeH="0" baseline="0" dirty="0">
-                <a:ln>
-                  <a:noFill/>
-                </a:ln>
-                <a:solidFill>
-                  <a:srgbClr val="A9B7C6"/>
-                </a:solidFill>
-                <a:effectLst/>
-                <a:latin typeface="Consolas" panose="020B0609020204030204" pitchFamily="49" charset="0"/>
-              </a:rPr>
-            </a:br>
-            <a:r>
-              <a:rPr kumimoji="0" lang="en-US" altLang="en-US" sz="900" b="0" i="0" u="none" strike="noStrike" cap="none" normalizeH="0" baseline="0" dirty="0">
-                <a:ln>
-                  <a:noFill/>
-                </a:ln>
-                <a:solidFill>
-                  <a:srgbClr val="A9B7C6"/>
-                </a:solidFill>
-                <a:effectLst/>
-                <a:latin typeface="Consolas" panose="020B0609020204030204" pitchFamily="49" charset="0"/>
-              </a:rPr>
-              <a:t>rule = </a:t>
-            </a:r>
-            <a:r>
-              <a:rPr kumimoji="0" lang="en-US" altLang="en-US" sz="900" b="0" i="0" u="none" strike="noStrike" cap="none" normalizeH="0" baseline="0" dirty="0" err="1">
-                <a:ln>
-                  <a:noFill/>
-                </a:ln>
-                <a:solidFill>
-                  <a:srgbClr val="A9B7C6"/>
-                </a:solidFill>
-                <a:effectLst/>
-                <a:latin typeface="Consolas" panose="020B0609020204030204" pitchFamily="49" charset="0"/>
-              </a:rPr>
-              <a:t>elasticube.add_security_rule</a:t>
-            </a:r>
-            <a:r>
-              <a:rPr kumimoji="0" lang="en-US" altLang="en-US" sz="900" b="0" i="0" u="none" strike="noStrike" cap="none" normalizeH="0" baseline="0" dirty="0">
-                <a:ln>
-                  <a:noFill/>
-                </a:ln>
-                <a:solidFill>
-                  <a:srgbClr val="A9B7C6"/>
-                </a:solidFill>
-                <a:effectLst/>
-                <a:latin typeface="Consolas" panose="020B0609020204030204" pitchFamily="49" charset="0"/>
-              </a:rPr>
-              <a:t>(shares</a:t>
-            </a:r>
-            <a:r>
-              <a:rPr kumimoji="0" lang="en-US" altLang="en-US" sz="900" b="0" i="0" u="none" strike="noStrike" cap="none" normalizeH="0" baseline="0" dirty="0">
-                <a:ln>
-                  <a:noFill/>
-                </a:ln>
-                <a:solidFill>
-                  <a:srgbClr val="CC7832"/>
-                </a:solidFill>
-                <a:effectLst/>
-                <a:latin typeface="Consolas" panose="020B0609020204030204" pitchFamily="49" charset="0"/>
-              </a:rPr>
-              <a:t>, </a:t>
-            </a:r>
-            <a:r>
-              <a:rPr kumimoji="0" lang="en-US" altLang="en-US" sz="900" b="0" i="0" u="none" strike="noStrike" cap="none" normalizeH="0" baseline="0" dirty="0">
-                <a:ln>
-                  <a:noFill/>
-                </a:ln>
-                <a:solidFill>
-                  <a:srgbClr val="6A8759"/>
-                </a:solidFill>
-                <a:effectLst/>
-                <a:latin typeface="Consolas" panose="020B0609020204030204" pitchFamily="49" charset="0"/>
-              </a:rPr>
-              <a:t>'</a:t>
-            </a:r>
-            <a:r>
-              <a:rPr kumimoji="0" lang="en-US" altLang="en-US" sz="900" b="0" i="0" u="none" strike="noStrike" cap="none" normalizeH="0" baseline="0" dirty="0" err="1">
-                <a:ln>
-                  <a:noFill/>
-                </a:ln>
-                <a:solidFill>
-                  <a:srgbClr val="6A8759"/>
-                </a:solidFill>
-                <a:effectLst/>
-                <a:latin typeface="Consolas" panose="020B0609020204030204" pitchFamily="49" charset="0"/>
-              </a:rPr>
-              <a:t>Dim_Dates</a:t>
-            </a:r>
-            <a:r>
-              <a:rPr kumimoji="0" lang="en-US" altLang="en-US" sz="900" b="0" i="0" u="none" strike="noStrike" cap="none" normalizeH="0" baseline="0" dirty="0">
-                <a:ln>
-                  <a:noFill/>
-                </a:ln>
-                <a:solidFill>
-                  <a:srgbClr val="6A8759"/>
-                </a:solidFill>
-                <a:effectLst/>
-                <a:latin typeface="Consolas" panose="020B0609020204030204" pitchFamily="49" charset="0"/>
-              </a:rPr>
-              <a:t>'</a:t>
-            </a:r>
-            <a:r>
-              <a:rPr kumimoji="0" lang="en-US" altLang="en-US" sz="900" b="0" i="0" u="none" strike="noStrike" cap="none" normalizeH="0" baseline="0" dirty="0">
-                <a:ln>
-                  <a:noFill/>
-                </a:ln>
-                <a:solidFill>
-                  <a:srgbClr val="CC7832"/>
-                </a:solidFill>
-                <a:effectLst/>
-                <a:latin typeface="Consolas" panose="020B0609020204030204" pitchFamily="49" charset="0"/>
-              </a:rPr>
-              <a:t>, </a:t>
-            </a:r>
-            <a:r>
-              <a:rPr kumimoji="0" lang="en-US" altLang="en-US" sz="900" b="0" i="0" u="none" strike="noStrike" cap="none" normalizeH="0" baseline="0" dirty="0">
-                <a:ln>
-                  <a:noFill/>
-                </a:ln>
-                <a:solidFill>
-                  <a:srgbClr val="6A8759"/>
-                </a:solidFill>
-                <a:effectLst/>
-                <a:latin typeface="Consolas" panose="020B0609020204030204" pitchFamily="49" charset="0"/>
-              </a:rPr>
-              <a:t>'</a:t>
-            </a:r>
-            <a:r>
-              <a:rPr kumimoji="0" lang="en-US" altLang="en-US" sz="900" b="0" i="0" u="none" strike="noStrike" cap="none" normalizeH="0" baseline="0" dirty="0" err="1">
-                <a:ln>
-                  <a:noFill/>
-                </a:ln>
-                <a:solidFill>
-                  <a:srgbClr val="6A8759"/>
-                </a:solidFill>
-                <a:effectLst/>
-                <a:latin typeface="Consolas" panose="020B0609020204030204" pitchFamily="49" charset="0"/>
-              </a:rPr>
-              <a:t>BusinessDay</a:t>
-            </a:r>
-            <a:r>
-              <a:rPr kumimoji="0" lang="en-US" altLang="en-US" sz="900" b="0" i="0" u="none" strike="noStrike" cap="none" normalizeH="0" baseline="0" dirty="0">
-                <a:ln>
-                  <a:noFill/>
-                </a:ln>
-                <a:solidFill>
-                  <a:srgbClr val="6A8759"/>
-                </a:solidFill>
-                <a:effectLst/>
-                <a:latin typeface="Consolas" panose="020B0609020204030204" pitchFamily="49" charset="0"/>
-              </a:rPr>
-              <a:t>'</a:t>
-            </a:r>
-            <a:r>
-              <a:rPr kumimoji="0" lang="en-US" altLang="en-US" sz="900" b="0" i="0" u="none" strike="noStrike" cap="none" normalizeH="0" baseline="0" dirty="0">
-                <a:ln>
-                  <a:noFill/>
-                </a:ln>
-                <a:solidFill>
-                  <a:srgbClr val="CC7832"/>
-                </a:solidFill>
-                <a:effectLst/>
-                <a:latin typeface="Consolas" panose="020B0609020204030204" pitchFamily="49" charset="0"/>
-              </a:rPr>
-              <a:t>, </a:t>
-            </a:r>
-            <a:r>
-              <a:rPr kumimoji="0" lang="en-US" altLang="en-US" sz="900" b="0" i="0" u="none" strike="noStrike" cap="none" normalizeH="0" baseline="0" dirty="0">
-                <a:ln>
-                  <a:noFill/>
-                </a:ln>
-                <a:solidFill>
-                  <a:srgbClr val="6A8759"/>
-                </a:solidFill>
-                <a:effectLst/>
-                <a:latin typeface="Consolas" panose="020B0609020204030204" pitchFamily="49" charset="0"/>
-              </a:rPr>
-              <a:t>'numeric'</a:t>
-            </a:r>
-            <a:r>
-              <a:rPr kumimoji="0" lang="en-US" altLang="en-US" sz="900" b="0" i="0" u="none" strike="noStrike" cap="none" normalizeH="0" baseline="0" dirty="0">
-                <a:ln>
-                  <a:noFill/>
-                </a:ln>
-                <a:solidFill>
-                  <a:srgbClr val="CC7832"/>
-                </a:solidFill>
-                <a:effectLst/>
-                <a:latin typeface="Consolas" panose="020B0609020204030204" pitchFamily="49" charset="0"/>
-              </a:rPr>
-              <a:t>, </a:t>
-            </a:r>
-            <a:r>
-              <a:rPr kumimoji="0" lang="en-US" altLang="en-US" sz="900" b="0" i="0" u="none" strike="noStrike" cap="none" normalizeH="0" baseline="0" dirty="0">
-                <a:ln>
-                  <a:noFill/>
-                </a:ln>
-                <a:solidFill>
-                  <a:srgbClr val="AA4926"/>
-                </a:solidFill>
-                <a:effectLst/>
-                <a:latin typeface="Consolas" panose="020B0609020204030204" pitchFamily="49" charset="0"/>
-              </a:rPr>
-              <a:t>members</a:t>
-            </a:r>
-            <a:r>
-              <a:rPr kumimoji="0" lang="en-US" altLang="en-US" sz="900" b="0" i="0" u="none" strike="noStrike" cap="none" normalizeH="0" baseline="0" dirty="0">
-                <a:ln>
-                  <a:noFill/>
-                </a:ln>
-                <a:solidFill>
-                  <a:srgbClr val="A9B7C6"/>
-                </a:solidFill>
-                <a:effectLst/>
-                <a:latin typeface="Consolas" panose="020B0609020204030204" pitchFamily="49" charset="0"/>
-              </a:rPr>
-              <a:t>=[</a:t>
-            </a:r>
-            <a:r>
-              <a:rPr kumimoji="0" lang="en-US" altLang="en-US" sz="900" b="0" i="0" u="none" strike="noStrike" cap="none" normalizeH="0" baseline="0" dirty="0">
-                <a:ln>
-                  <a:noFill/>
-                </a:ln>
-                <a:solidFill>
-                  <a:srgbClr val="6897BB"/>
-                </a:solidFill>
-                <a:effectLst/>
-                <a:latin typeface="Consolas" panose="020B0609020204030204" pitchFamily="49" charset="0"/>
-              </a:rPr>
-              <a:t>1</a:t>
-            </a:r>
-            <a:r>
-              <a:rPr kumimoji="0" lang="en-US" altLang="en-US" sz="900" b="0" i="0" u="none" strike="noStrike" cap="none" normalizeH="0" baseline="0" dirty="0">
-                <a:ln>
-                  <a:noFill/>
-                </a:ln>
-                <a:solidFill>
-                  <a:srgbClr val="A9B7C6"/>
-                </a:solidFill>
-                <a:effectLst/>
-                <a:latin typeface="Consolas" panose="020B0609020204030204" pitchFamily="49" charset="0"/>
-              </a:rPr>
-              <a:t>])</a:t>
-            </a:r>
-          </a:p>
-          <a:p>
             <a:pPr marL="0" marR="0" lvl="0" indent="0" algn="l" defTabSz="914400" rtl="0" eaLnBrk="0" fontAlgn="base" latinLnBrk="0" hangingPunct="0">
               <a:lnSpc>
                 <a:spcPct val="100000"/>
@@ -10230,7 +10129,368 @@
               <a:buNone/>
               <a:tabLst/>
             </a:pPr>
-            <a:endParaRPr kumimoji="0" lang="en-US" altLang="en-US" sz="1800" b="0" i="0" u="none" strike="noStrike" cap="none" normalizeH="0" baseline="0" dirty="0">
+            <a:r>
+              <a:rPr kumimoji="0" lang="en-US" altLang="en-US" sz="900" b="0" i="0" u="none" strike="noStrike" cap="none" normalizeH="0" baseline="0">
+                <a:ln>
+                  <a:noFill/>
+                </a:ln>
+                <a:solidFill>
+                  <a:srgbClr val="A9B7C6"/>
+                </a:solidFill>
+                <a:effectLst/>
+                <a:latin typeface="JetBrains Mono"/>
+              </a:rPr>
+              <a:t>users = py_client.get_users(</a:t>
+            </a:r>
+            <a:r>
+              <a:rPr kumimoji="0" lang="en-US" altLang="en-US" sz="900" b="0" i="0" u="none" strike="noStrike" cap="none" normalizeH="0" baseline="0">
+                <a:ln>
+                  <a:noFill/>
+                </a:ln>
+                <a:solidFill>
+                  <a:srgbClr val="AA4926"/>
+                </a:solidFill>
+                <a:effectLst/>
+                <a:latin typeface="JetBrains Mono"/>
+              </a:rPr>
+              <a:t>first_name</a:t>
+            </a:r>
+            <a:r>
+              <a:rPr kumimoji="0" lang="en-US" altLang="en-US" sz="900" b="0" i="0" u="none" strike="noStrike" cap="none" normalizeH="0" baseline="0">
+                <a:ln>
+                  <a:noFill/>
+                </a:ln>
+                <a:solidFill>
+                  <a:srgbClr val="A9B7C6"/>
+                </a:solidFill>
+                <a:effectLst/>
+                <a:latin typeface="JetBrains Mono"/>
+              </a:rPr>
+              <a:t>=</a:t>
+            </a:r>
+            <a:r>
+              <a:rPr kumimoji="0" lang="en-US" altLang="en-US" sz="900" b="0" i="0" u="none" strike="noStrike" cap="none" normalizeH="0" baseline="0">
+                <a:ln>
+                  <a:noFill/>
+                </a:ln>
+                <a:solidFill>
+                  <a:srgbClr val="6A8759"/>
+                </a:solidFill>
+                <a:effectLst/>
+                <a:latin typeface="JetBrains Mono"/>
+              </a:rPr>
+              <a:t>'Steve'</a:t>
+            </a:r>
+            <a:r>
+              <a:rPr kumimoji="0" lang="en-US" altLang="en-US" sz="900" b="0" i="0" u="none" strike="noStrike" cap="none" normalizeH="0" baseline="0">
+                <a:ln>
+                  <a:noFill/>
+                </a:ln>
+                <a:solidFill>
+                  <a:srgbClr val="A9B7C6"/>
+                </a:solidFill>
+                <a:effectLst/>
+                <a:latin typeface="JetBrains Mono"/>
+              </a:rPr>
+              <a:t>)</a:t>
+            </a:r>
+            <a:br>
+              <a:rPr kumimoji="0" lang="en-US" altLang="en-US" sz="900" b="0" i="0" u="none" strike="noStrike" cap="none" normalizeH="0" baseline="0">
+                <a:ln>
+                  <a:noFill/>
+                </a:ln>
+                <a:solidFill>
+                  <a:srgbClr val="A9B7C6"/>
+                </a:solidFill>
+                <a:effectLst/>
+                <a:latin typeface="JetBrains Mono"/>
+              </a:rPr>
+            </a:br>
+            <a:r>
+              <a:rPr kumimoji="0" lang="en-US" altLang="en-US" sz="900" b="0" i="0" u="none" strike="noStrike" cap="none" normalizeH="0" baseline="0">
+                <a:ln>
+                  <a:noFill/>
+                </a:ln>
+                <a:solidFill>
+                  <a:srgbClr val="A9B7C6"/>
+                </a:solidFill>
+                <a:effectLst/>
+                <a:latin typeface="JetBrains Mono"/>
+              </a:rPr>
+              <a:t>groups = py_client.get_groups(</a:t>
+            </a:r>
+            <a:r>
+              <a:rPr kumimoji="0" lang="en-US" altLang="en-US" sz="900" b="0" i="0" u="none" strike="noStrike" cap="none" normalizeH="0" baseline="0">
+                <a:ln>
+                  <a:noFill/>
+                </a:ln>
+                <a:solidFill>
+                  <a:srgbClr val="AA4926"/>
+                </a:solidFill>
+                <a:effectLst/>
+                <a:latin typeface="JetBrains Mono"/>
+              </a:rPr>
+              <a:t>name</a:t>
+            </a:r>
+            <a:r>
+              <a:rPr kumimoji="0" lang="en-US" altLang="en-US" sz="900" b="0" i="0" u="none" strike="noStrike" cap="none" normalizeH="0" baseline="0">
+                <a:ln>
+                  <a:noFill/>
+                </a:ln>
+                <a:solidFill>
+                  <a:srgbClr val="A9B7C6"/>
+                </a:solidFill>
+                <a:effectLst/>
+                <a:latin typeface="JetBrains Mono"/>
+              </a:rPr>
+              <a:t>=</a:t>
+            </a:r>
+            <a:r>
+              <a:rPr kumimoji="0" lang="en-US" altLang="en-US" sz="900" b="0" i="0" u="none" strike="noStrike" cap="none" normalizeH="0" baseline="0">
+                <a:ln>
+                  <a:noFill/>
+                </a:ln>
+                <a:solidFill>
+                  <a:srgbClr val="6A8759"/>
+                </a:solidFill>
+                <a:effectLst/>
+                <a:latin typeface="JetBrains Mono"/>
+              </a:rPr>
+              <a:t>'PySense'</a:t>
+            </a:r>
+            <a:r>
+              <a:rPr kumimoji="0" lang="en-US" altLang="en-US" sz="900" b="0" i="0" u="none" strike="noStrike" cap="none" normalizeH="0" baseline="0">
+                <a:ln>
+                  <a:noFill/>
+                </a:ln>
+                <a:solidFill>
+                  <a:srgbClr val="A9B7C6"/>
+                </a:solidFill>
+                <a:effectLst/>
+                <a:latin typeface="JetBrains Mono"/>
+              </a:rPr>
+              <a:t>)</a:t>
+            </a:r>
+            <a:br>
+              <a:rPr kumimoji="0" lang="en-US" altLang="en-US" sz="900" b="0" i="0" u="none" strike="noStrike" cap="none" normalizeH="0" baseline="0">
+                <a:ln>
+                  <a:noFill/>
+                </a:ln>
+                <a:solidFill>
+                  <a:srgbClr val="A9B7C6"/>
+                </a:solidFill>
+                <a:effectLst/>
+                <a:latin typeface="JetBrains Mono"/>
+              </a:rPr>
+            </a:br>
+            <a:r>
+              <a:rPr kumimoji="0" lang="en-US" altLang="en-US" sz="900" b="0" i="0" u="none" strike="noStrike" cap="none" normalizeH="0" baseline="0">
+                <a:ln>
+                  <a:noFill/>
+                </a:ln>
+                <a:solidFill>
+                  <a:srgbClr val="A9B7C6"/>
+                </a:solidFill>
+                <a:effectLst/>
+                <a:latin typeface="JetBrains Mono"/>
+              </a:rPr>
+              <a:t>shares = users + groups</a:t>
+            </a:r>
+            <a:br>
+              <a:rPr kumimoji="0" lang="en-US" altLang="en-US" sz="900" b="0" i="0" u="none" strike="noStrike" cap="none" normalizeH="0" baseline="0">
+                <a:ln>
+                  <a:noFill/>
+                </a:ln>
+                <a:solidFill>
+                  <a:srgbClr val="A9B7C6"/>
+                </a:solidFill>
+                <a:effectLst/>
+                <a:latin typeface="JetBrains Mono"/>
+              </a:rPr>
+            </a:br>
+            <a:r>
+              <a:rPr kumimoji="0" lang="en-US" altLang="en-US" sz="900" b="0" i="0" u="none" strike="noStrike" cap="none" normalizeH="0" baseline="0">
+                <a:ln>
+                  <a:noFill/>
+                </a:ln>
+                <a:solidFill>
+                  <a:srgbClr val="A9B7C6"/>
+                </a:solidFill>
+                <a:effectLst/>
+                <a:latin typeface="JetBrains Mono"/>
+              </a:rPr>
+              <a:t>rule = elasticube.add_security_rule(</a:t>
+            </a:r>
+            <a:r>
+              <a:rPr kumimoji="0" lang="en-US" altLang="en-US" sz="900" b="0" i="0" u="none" strike="noStrike" cap="none" normalizeH="0" baseline="0">
+                <a:ln>
+                  <a:noFill/>
+                </a:ln>
+                <a:solidFill>
+                  <a:srgbClr val="6A8759"/>
+                </a:solidFill>
+                <a:effectLst/>
+                <a:latin typeface="JetBrains Mono"/>
+              </a:rPr>
+              <a:t>'Dim_Dates'</a:t>
+            </a:r>
+            <a:r>
+              <a:rPr kumimoji="0" lang="en-US" altLang="en-US" sz="900" b="0" i="0" u="none" strike="noStrike" cap="none" normalizeH="0" baseline="0">
+                <a:ln>
+                  <a:noFill/>
+                </a:ln>
+                <a:solidFill>
+                  <a:srgbClr val="CC7832"/>
+                </a:solidFill>
+                <a:effectLst/>
+                <a:latin typeface="JetBrains Mono"/>
+              </a:rPr>
+              <a:t>, </a:t>
+            </a:r>
+            <a:r>
+              <a:rPr kumimoji="0" lang="en-US" altLang="en-US" sz="900" b="0" i="0" u="none" strike="noStrike" cap="none" normalizeH="0" baseline="0">
+                <a:ln>
+                  <a:noFill/>
+                </a:ln>
+                <a:solidFill>
+                  <a:srgbClr val="6A8759"/>
+                </a:solidFill>
+                <a:effectLst/>
+                <a:latin typeface="JetBrains Mono"/>
+              </a:rPr>
+              <a:t>'BusinessDay'</a:t>
+            </a:r>
+            <a:r>
+              <a:rPr kumimoji="0" lang="en-US" altLang="en-US" sz="900" b="0" i="0" u="none" strike="noStrike" cap="none" normalizeH="0" baseline="0">
+                <a:ln>
+                  <a:noFill/>
+                </a:ln>
+                <a:solidFill>
+                  <a:srgbClr val="CC7832"/>
+                </a:solidFill>
+                <a:effectLst/>
+                <a:latin typeface="JetBrains Mono"/>
+              </a:rPr>
+              <a:t>, </a:t>
+            </a:r>
+            <a:r>
+              <a:rPr kumimoji="0" lang="en-US" altLang="en-US" sz="900" b="0" i="0" u="none" strike="noStrike" cap="none" normalizeH="0" baseline="0">
+                <a:ln>
+                  <a:noFill/>
+                </a:ln>
+                <a:solidFill>
+                  <a:srgbClr val="6A8759"/>
+                </a:solidFill>
+                <a:effectLst/>
+                <a:latin typeface="JetBrains Mono"/>
+              </a:rPr>
+              <a:t>'numeric'</a:t>
+            </a:r>
+            <a:r>
+              <a:rPr kumimoji="0" lang="en-US" altLang="en-US" sz="900" b="0" i="0" u="none" strike="noStrike" cap="none" normalizeH="0" baseline="0">
+                <a:ln>
+                  <a:noFill/>
+                </a:ln>
+                <a:solidFill>
+                  <a:srgbClr val="CC7832"/>
+                </a:solidFill>
+                <a:effectLst/>
+                <a:latin typeface="JetBrains Mono"/>
+              </a:rPr>
+              <a:t>, </a:t>
+            </a:r>
+            <a:r>
+              <a:rPr kumimoji="0" lang="en-US" altLang="en-US" sz="900" b="0" i="0" u="none" strike="noStrike" cap="none" normalizeH="0" baseline="0">
+                <a:ln>
+                  <a:noFill/>
+                </a:ln>
+                <a:solidFill>
+                  <a:srgbClr val="AA4926"/>
+                </a:solidFill>
+                <a:effectLst/>
+                <a:latin typeface="JetBrains Mono"/>
+              </a:rPr>
+              <a:t>members</a:t>
+            </a:r>
+            <a:r>
+              <a:rPr kumimoji="0" lang="en-US" altLang="en-US" sz="900" b="0" i="0" u="none" strike="noStrike" cap="none" normalizeH="0" baseline="0">
+                <a:ln>
+                  <a:noFill/>
+                </a:ln>
+                <a:solidFill>
+                  <a:srgbClr val="A9B7C6"/>
+                </a:solidFill>
+                <a:effectLst/>
+                <a:latin typeface="JetBrains Mono"/>
+              </a:rPr>
+              <a:t>=[</a:t>
+            </a:r>
+            <a:r>
+              <a:rPr kumimoji="0" lang="en-US" altLang="en-US" sz="900" b="0" i="0" u="none" strike="noStrike" cap="none" normalizeH="0" baseline="0">
+                <a:ln>
+                  <a:noFill/>
+                </a:ln>
+                <a:solidFill>
+                  <a:srgbClr val="6897BB"/>
+                </a:solidFill>
+                <a:effectLst/>
+                <a:latin typeface="JetBrains Mono"/>
+              </a:rPr>
+              <a:t>1</a:t>
+            </a:r>
+            <a:r>
+              <a:rPr kumimoji="0" lang="en-US" altLang="en-US" sz="900" b="0" i="0" u="none" strike="noStrike" cap="none" normalizeH="0" baseline="0">
+                <a:ln>
+                  <a:noFill/>
+                </a:ln>
+                <a:solidFill>
+                  <a:srgbClr val="A9B7C6"/>
+                </a:solidFill>
+                <a:effectLst/>
+                <a:latin typeface="JetBrains Mono"/>
+              </a:rPr>
+              <a:t>]</a:t>
+            </a:r>
+            <a:r>
+              <a:rPr kumimoji="0" lang="en-US" altLang="en-US" sz="900" b="0" i="0" u="none" strike="noStrike" cap="none" normalizeH="0" baseline="0">
+                <a:ln>
+                  <a:noFill/>
+                </a:ln>
+                <a:solidFill>
+                  <a:srgbClr val="CC7832"/>
+                </a:solidFill>
+                <a:effectLst/>
+                <a:latin typeface="JetBrains Mono"/>
+              </a:rPr>
+              <a:t>, </a:t>
+            </a:r>
+            <a:r>
+              <a:rPr kumimoji="0" lang="en-US" altLang="en-US" sz="900" b="0" i="0" u="none" strike="noStrike" cap="none" normalizeH="0" baseline="0">
+                <a:ln>
+                  <a:noFill/>
+                </a:ln>
+                <a:solidFill>
+                  <a:srgbClr val="AA4926"/>
+                </a:solidFill>
+                <a:effectLst/>
+                <a:latin typeface="JetBrains Mono"/>
+              </a:rPr>
+              <a:t>shares</a:t>
+            </a:r>
+            <a:r>
+              <a:rPr kumimoji="0" lang="en-US" altLang="en-US" sz="900" b="0" i="0" u="none" strike="noStrike" cap="none" normalizeH="0" baseline="0">
+                <a:ln>
+                  <a:noFill/>
+                </a:ln>
+                <a:solidFill>
+                  <a:srgbClr val="A9B7C6"/>
+                </a:solidFill>
+                <a:effectLst/>
+                <a:latin typeface="JetBrains Mono"/>
+              </a:rPr>
+              <a:t>=shares)</a:t>
+            </a:r>
+            <a:endParaRPr kumimoji="0" lang="en-US" altLang="en-US" sz="1800" b="0" i="0" u="none" strike="noStrike" cap="none" normalizeH="0" baseline="0">
               <a:ln>
                 <a:noFill/>
               </a:ln>
@@ -10431,10 +10691,10 @@
       </p:sp>
       <p:pic>
         <p:nvPicPr>
-          <p:cNvPr id="4" name="Picture 3">
+          <p:cNvPr id="5" name="Picture 4">
             <a:extLst>
               <a:ext uri="{FF2B5EF4-FFF2-40B4-BE49-F238E27FC236}">
-                <a16:creationId xmlns:a16="http://schemas.microsoft.com/office/drawing/2014/main" id="{BB24C4F4-4DDF-4BFB-9904-1365570207C0}"/>
+                <a16:creationId xmlns:a16="http://schemas.microsoft.com/office/drawing/2014/main" id="{302C0550-FEC2-4F4F-BA23-DD4649AEE61A}"/>
               </a:ext>
             </a:extLst>
           </p:cNvPr>
@@ -10451,36 +10711,6 @@
         </p:blipFill>
         <p:spPr>
           <a:xfrm>
-            <a:off x="2835844" y="1600200"/>
-            <a:ext cx="7297168" cy="3439005"/>
-          </a:xfrm>
-          <a:prstGeom prst="rect">
-            <a:avLst/>
-          </a:prstGeom>
-        </p:spPr>
-      </p:pic>
-      <p:pic>
-        <p:nvPicPr>
-          <p:cNvPr id="5" name="Picture 4">
-            <a:extLst>
-              <a:ext uri="{FF2B5EF4-FFF2-40B4-BE49-F238E27FC236}">
-                <a16:creationId xmlns:a16="http://schemas.microsoft.com/office/drawing/2014/main" id="{302C0550-FEC2-4F4F-BA23-DD4649AEE61A}"/>
-              </a:ext>
-            </a:extLst>
-          </p:cNvPr>
-          <p:cNvPicPr>
-            <a:picLocks noChangeAspect="1"/>
-          </p:cNvPicPr>
-          <p:nvPr/>
-        </p:nvPicPr>
-        <p:blipFill>
-          <a:blip r:embed="rId3"/>
-          <a:stretch>
-            <a:fillRect/>
-          </a:stretch>
-        </p:blipFill>
-        <p:spPr>
-          <a:xfrm>
             <a:off x="760412" y="5444971"/>
             <a:ext cx="10393225" cy="1095528"/>
           </a:xfrm>
@@ -10489,6 +10719,1092 @@
           </a:prstGeom>
         </p:spPr>
       </p:pic>
+      <p:sp>
+        <p:nvSpPr>
+          <p:cNvPr id="3" name="Rectangle 1">
+            <a:extLst>
+              <a:ext uri="{FF2B5EF4-FFF2-40B4-BE49-F238E27FC236}">
+                <a16:creationId xmlns:a16="http://schemas.microsoft.com/office/drawing/2014/main" id="{F7DF3AE8-53CD-4F81-82A5-90B515F9B367}"/>
+              </a:ext>
+            </a:extLst>
+          </p:cNvPr>
+          <p:cNvSpPr>
+            <a:spLocks noChangeArrowheads="1"/>
+          </p:cNvSpPr>
+          <p:nvPr/>
+        </p:nvSpPr>
+        <p:spPr bwMode="auto">
+          <a:xfrm>
+            <a:off x="1446212" y="1676400"/>
+            <a:ext cx="9523413" cy="2585323"/>
+          </a:xfrm>
+          <a:prstGeom prst="rect">
+            <a:avLst/>
+          </a:prstGeom>
+          <a:solidFill>
+            <a:srgbClr val="2B2B2B"/>
+          </a:solidFill>
+          <a:ln>
+            <a:noFill/>
+          </a:ln>
+          <a:effectLst/>
+          <a:extLst>
+            <a:ext uri="{91240B29-F687-4F45-9708-019B960494DF}">
+              <a14:hiddenLine xmlns:a14="http://schemas.microsoft.com/office/drawing/2010/main" w="9525">
+                <a:solidFill>
+                  <a:schemeClr val="tx1"/>
+                </a:solidFill>
+                <a:miter lim="800000"/>
+                <a:headEnd/>
+                <a:tailEnd/>
+              </a14:hiddenLine>
+            </a:ext>
+            <a:ext uri="{AF507438-7753-43E0-B8FC-AC1667EBCBE1}">
+              <a14:hiddenEffects xmlns:a14="http://schemas.microsoft.com/office/drawing/2010/main">
+                <a:effectLst>
+                  <a:outerShdw dist="35921" dir="2700000" algn="ctr" rotWithShape="0">
+                    <a:schemeClr val="bg2"/>
+                  </a:outerShdw>
+                </a:effectLst>
+              </a14:hiddenEffects>
+            </a:ext>
+          </a:extLst>
+        </p:spPr>
+        <p:txBody>
+          <a:bodyPr vert="horz" wrap="square" lIns="91440" tIns="45720" rIns="91440" bIns="45720" numCol="1" anchor="ctr" anchorCtr="0" compatLnSpc="1">
+            <a:prstTxWarp prst="textNoShape">
+              <a:avLst/>
+            </a:prstTxWarp>
+            <a:spAutoFit/>
+          </a:bodyPr>
+          <a:lstStyle/>
+          <a:p>
+            <a:pPr marL="0" marR="0" lvl="0" indent="0" algn="l" defTabSz="914400" rtl="0" eaLnBrk="0" fontAlgn="base" latinLnBrk="0" hangingPunct="0">
+              <a:lnSpc>
+                <a:spcPct val="100000"/>
+              </a:lnSpc>
+              <a:spcBef>
+                <a:spcPct val="0"/>
+              </a:spcBef>
+              <a:spcAft>
+                <a:spcPct val="0"/>
+              </a:spcAft>
+              <a:buClrTx/>
+              <a:buSzTx/>
+              <a:buFontTx/>
+              <a:buNone/>
+              <a:tabLst/>
+            </a:pPr>
+            <a:r>
+              <a:rPr kumimoji="0" lang="en-US" altLang="en-US" sz="900" b="0" i="0" u="none" strike="noStrike" cap="none" normalizeH="0" baseline="0">
+                <a:ln>
+                  <a:noFill/>
+                </a:ln>
+                <a:solidFill>
+                  <a:srgbClr val="CC7832"/>
+                </a:solidFill>
+                <a:effectLst/>
+                <a:latin typeface="JetBrains Mono"/>
+              </a:rPr>
+              <a:t>from </a:t>
+            </a:r>
+            <a:r>
+              <a:rPr kumimoji="0" lang="en-US" altLang="en-US" sz="900" b="0" i="0" u="none" strike="noStrike" cap="none" normalizeH="0" baseline="0">
+                <a:ln>
+                  <a:noFill/>
+                </a:ln>
+                <a:solidFill>
+                  <a:srgbClr val="A9B7C6"/>
+                </a:solidFill>
+                <a:effectLst/>
+                <a:latin typeface="JetBrains Mono"/>
+              </a:rPr>
+              <a:t>PySense </a:t>
+            </a:r>
+            <a:r>
+              <a:rPr kumimoji="0" lang="en-US" altLang="en-US" sz="900" b="0" i="0" u="none" strike="noStrike" cap="none" normalizeH="0" baseline="0">
+                <a:ln>
+                  <a:noFill/>
+                </a:ln>
+                <a:solidFill>
+                  <a:srgbClr val="CC7832"/>
+                </a:solidFill>
+                <a:effectLst/>
+                <a:latin typeface="JetBrains Mono"/>
+              </a:rPr>
+              <a:t>import </a:t>
+            </a:r>
+            <a:r>
+              <a:rPr kumimoji="0" lang="en-US" altLang="en-US" sz="900" b="0" i="0" u="none" strike="noStrike" cap="none" normalizeH="0" baseline="0">
+                <a:ln>
+                  <a:noFill/>
+                </a:ln>
+                <a:solidFill>
+                  <a:srgbClr val="A9B7C6"/>
+                </a:solidFill>
+                <a:effectLst/>
+                <a:latin typeface="JetBrains Mono"/>
+              </a:rPr>
+              <a:t>PySense</a:t>
+            </a:r>
+            <a:br>
+              <a:rPr kumimoji="0" lang="en-US" altLang="en-US" sz="900" b="0" i="0" u="none" strike="noStrike" cap="none" normalizeH="0" baseline="0">
+                <a:ln>
+                  <a:noFill/>
+                </a:ln>
+                <a:solidFill>
+                  <a:srgbClr val="A9B7C6"/>
+                </a:solidFill>
+                <a:effectLst/>
+                <a:latin typeface="JetBrains Mono"/>
+              </a:rPr>
+            </a:br>
+            <a:br>
+              <a:rPr kumimoji="0" lang="en-US" altLang="en-US" sz="900" b="0" i="0" u="none" strike="noStrike" cap="none" normalizeH="0" baseline="0">
+                <a:ln>
+                  <a:noFill/>
+                </a:ln>
+                <a:solidFill>
+                  <a:srgbClr val="A9B7C6"/>
+                </a:solidFill>
+                <a:effectLst/>
+                <a:latin typeface="JetBrains Mono"/>
+              </a:rPr>
+            </a:br>
+            <a:r>
+              <a:rPr kumimoji="0" lang="en-US" altLang="en-US" sz="900" b="0" i="0" u="none" strike="noStrike" cap="none" normalizeH="0" baseline="0">
+                <a:ln>
+                  <a:noFill/>
+                </a:ln>
+                <a:solidFill>
+                  <a:srgbClr val="A9B7C6"/>
+                </a:solidFill>
+                <a:effectLst/>
+                <a:latin typeface="JetBrains Mono"/>
+              </a:rPr>
+              <a:t>py_client = PySense.authenticate_by_file(</a:t>
+            </a:r>
+            <a:r>
+              <a:rPr kumimoji="0" lang="en-US" altLang="en-US" sz="900" b="0" i="0" u="none" strike="noStrike" cap="none" normalizeH="0" baseline="0">
+                <a:ln>
+                  <a:noFill/>
+                </a:ln>
+                <a:solidFill>
+                  <a:srgbClr val="6A8759"/>
+                </a:solidFill>
+                <a:effectLst/>
+                <a:latin typeface="JetBrains Mono"/>
+              </a:rPr>
+              <a:t>'C:</a:t>
+            </a:r>
+            <a:r>
+              <a:rPr kumimoji="0" lang="en-US" altLang="en-US" sz="900" b="0" i="0" u="none" strike="noStrike" cap="none" normalizeH="0" baseline="0">
+                <a:ln>
+                  <a:noFill/>
+                </a:ln>
+                <a:solidFill>
+                  <a:srgbClr val="CC7832"/>
+                </a:solidFill>
+                <a:effectLst/>
+                <a:latin typeface="JetBrains Mono"/>
+              </a:rPr>
+              <a:t>\\</a:t>
+            </a:r>
+            <a:r>
+              <a:rPr kumimoji="0" lang="en-US" altLang="en-US" sz="900" b="0" i="0" u="none" strike="noStrike" cap="none" normalizeH="0" baseline="0">
+                <a:ln>
+                  <a:noFill/>
+                </a:ln>
+                <a:solidFill>
+                  <a:srgbClr val="6A8759"/>
+                </a:solidFill>
+                <a:effectLst/>
+                <a:latin typeface="JetBrains Mono"/>
+              </a:rPr>
+              <a:t>PySense</a:t>
+            </a:r>
+            <a:r>
+              <a:rPr kumimoji="0" lang="en-US" altLang="en-US" sz="900" b="0" i="0" u="none" strike="noStrike" cap="none" normalizeH="0" baseline="0">
+                <a:ln>
+                  <a:noFill/>
+                </a:ln>
+                <a:solidFill>
+                  <a:srgbClr val="CC7832"/>
+                </a:solidFill>
+                <a:effectLst/>
+                <a:latin typeface="JetBrains Mono"/>
+              </a:rPr>
+              <a:t>\\</a:t>
+            </a:r>
+            <a:r>
+              <a:rPr kumimoji="0" lang="en-US" altLang="en-US" sz="900" b="0" i="0" u="none" strike="noStrike" cap="none" normalizeH="0" baseline="0">
+                <a:ln>
+                  <a:noFill/>
+                </a:ln>
+                <a:solidFill>
+                  <a:srgbClr val="6A8759"/>
+                </a:solidFill>
+                <a:effectLst/>
+                <a:latin typeface="JetBrains Mono"/>
+              </a:rPr>
+              <a:t>PySenseConfig.yaml'</a:t>
+            </a:r>
+            <a:r>
+              <a:rPr kumimoji="0" lang="en-US" altLang="en-US" sz="900" b="0" i="0" u="none" strike="noStrike" cap="none" normalizeH="0" baseline="0">
+                <a:ln>
+                  <a:noFill/>
+                </a:ln>
+                <a:solidFill>
+                  <a:srgbClr val="A9B7C6"/>
+                </a:solidFill>
+                <a:effectLst/>
+                <a:latin typeface="JetBrains Mono"/>
+              </a:rPr>
+              <a:t>)</a:t>
+            </a:r>
+            <a:br>
+              <a:rPr kumimoji="0" lang="en-US" altLang="en-US" sz="900" b="0" i="0" u="none" strike="noStrike" cap="none" normalizeH="0" baseline="0">
+                <a:ln>
+                  <a:noFill/>
+                </a:ln>
+                <a:solidFill>
+                  <a:srgbClr val="A9B7C6"/>
+                </a:solidFill>
+                <a:effectLst/>
+                <a:latin typeface="JetBrains Mono"/>
+              </a:rPr>
+            </a:br>
+            <a:br>
+              <a:rPr kumimoji="0" lang="en-US" altLang="en-US" sz="900" b="0" i="0" u="none" strike="noStrike" cap="none" normalizeH="0" baseline="0">
+                <a:ln>
+                  <a:noFill/>
+                </a:ln>
+                <a:solidFill>
+                  <a:srgbClr val="A9B7C6"/>
+                </a:solidFill>
+                <a:effectLst/>
+                <a:latin typeface="JetBrains Mono"/>
+              </a:rPr>
+            </a:br>
+            <a:r>
+              <a:rPr kumimoji="0" lang="en-US" altLang="en-US" sz="900" b="0" i="0" u="none" strike="noStrike" cap="none" normalizeH="0" baseline="0">
+                <a:ln>
+                  <a:noFill/>
+                </a:ln>
+                <a:solidFill>
+                  <a:srgbClr val="A9B7C6"/>
+                </a:solidFill>
+                <a:effectLst/>
+                <a:latin typeface="JetBrains Mono"/>
+              </a:rPr>
+              <a:t>elasticube = py_client.get_elasticube_by_name(</a:t>
+            </a:r>
+            <a:r>
+              <a:rPr kumimoji="0" lang="en-US" altLang="en-US" sz="900" b="0" i="0" u="none" strike="noStrike" cap="none" normalizeH="0" baseline="0">
+                <a:ln>
+                  <a:noFill/>
+                </a:ln>
+                <a:solidFill>
+                  <a:srgbClr val="6A8759"/>
+                </a:solidFill>
+                <a:effectLst/>
+                <a:latin typeface="JetBrains Mono"/>
+              </a:rPr>
+              <a:t>'PySense'</a:t>
+            </a:r>
+            <a:r>
+              <a:rPr kumimoji="0" lang="en-US" altLang="en-US" sz="900" b="0" i="0" u="none" strike="noStrike" cap="none" normalizeH="0" baseline="0">
+                <a:ln>
+                  <a:noFill/>
+                </a:ln>
+                <a:solidFill>
+                  <a:srgbClr val="A9B7C6"/>
+                </a:solidFill>
+                <a:effectLst/>
+                <a:latin typeface="JetBrains Mono"/>
+              </a:rPr>
+              <a:t>)</a:t>
+            </a:r>
+            <a:br>
+              <a:rPr kumimoji="0" lang="en-US" altLang="en-US" sz="900" b="0" i="0" u="none" strike="noStrike" cap="none" normalizeH="0" baseline="0">
+                <a:ln>
+                  <a:noFill/>
+                </a:ln>
+                <a:solidFill>
+                  <a:srgbClr val="A9B7C6"/>
+                </a:solidFill>
+                <a:effectLst/>
+                <a:latin typeface="JetBrains Mono"/>
+              </a:rPr>
+            </a:br>
+            <a:r>
+              <a:rPr kumimoji="0" lang="en-US" altLang="en-US" sz="900" b="0" i="0" u="none" strike="noStrike" cap="none" normalizeH="0" baseline="0">
+                <a:ln>
+                  <a:noFill/>
+                </a:ln>
+                <a:solidFill>
+                  <a:srgbClr val="A9B7C6"/>
+                </a:solidFill>
+                <a:effectLst/>
+                <a:latin typeface="JetBrains Mono"/>
+              </a:rPr>
+              <a:t>default_rule = elasticube.add_security_rule(</a:t>
+            </a:r>
+            <a:r>
+              <a:rPr kumimoji="0" lang="en-US" altLang="en-US" sz="900" b="0" i="0" u="none" strike="noStrike" cap="none" normalizeH="0" baseline="0">
+                <a:ln>
+                  <a:noFill/>
+                </a:ln>
+                <a:solidFill>
+                  <a:srgbClr val="6A8759"/>
+                </a:solidFill>
+                <a:effectLst/>
+                <a:latin typeface="JetBrains Mono"/>
+              </a:rPr>
+              <a:t>'Dim_Dates'</a:t>
+            </a:r>
+            <a:r>
+              <a:rPr kumimoji="0" lang="en-US" altLang="en-US" sz="900" b="0" i="0" u="none" strike="noStrike" cap="none" normalizeH="0" baseline="0">
+                <a:ln>
+                  <a:noFill/>
+                </a:ln>
+                <a:solidFill>
+                  <a:srgbClr val="CC7832"/>
+                </a:solidFill>
+                <a:effectLst/>
+                <a:latin typeface="JetBrains Mono"/>
+              </a:rPr>
+              <a:t>, </a:t>
+            </a:r>
+            <a:r>
+              <a:rPr kumimoji="0" lang="en-US" altLang="en-US" sz="900" b="0" i="0" u="none" strike="noStrike" cap="none" normalizeH="0" baseline="0">
+                <a:ln>
+                  <a:noFill/>
+                </a:ln>
+                <a:solidFill>
+                  <a:srgbClr val="6A8759"/>
+                </a:solidFill>
+                <a:effectLst/>
+                <a:latin typeface="JetBrains Mono"/>
+              </a:rPr>
+              <a:t>'BusinessDay'</a:t>
+            </a:r>
+            <a:r>
+              <a:rPr kumimoji="0" lang="en-US" altLang="en-US" sz="900" b="0" i="0" u="none" strike="noStrike" cap="none" normalizeH="0" baseline="0">
+                <a:ln>
+                  <a:noFill/>
+                </a:ln>
+                <a:solidFill>
+                  <a:srgbClr val="CC7832"/>
+                </a:solidFill>
+                <a:effectLst/>
+                <a:latin typeface="JetBrains Mono"/>
+              </a:rPr>
+              <a:t>, </a:t>
+            </a:r>
+            <a:r>
+              <a:rPr kumimoji="0" lang="en-US" altLang="en-US" sz="900" b="0" i="0" u="none" strike="noStrike" cap="none" normalizeH="0" baseline="0">
+                <a:ln>
+                  <a:noFill/>
+                </a:ln>
+                <a:solidFill>
+                  <a:srgbClr val="6A8759"/>
+                </a:solidFill>
+                <a:effectLst/>
+                <a:latin typeface="JetBrains Mono"/>
+              </a:rPr>
+              <a:t>'numeric'</a:t>
+            </a:r>
+            <a:r>
+              <a:rPr kumimoji="0" lang="en-US" altLang="en-US" sz="900" b="0" i="0" u="none" strike="noStrike" cap="none" normalizeH="0" baseline="0">
+                <a:ln>
+                  <a:noFill/>
+                </a:ln>
+                <a:solidFill>
+                  <a:srgbClr val="A9B7C6"/>
+                </a:solidFill>
+                <a:effectLst/>
+                <a:latin typeface="JetBrains Mono"/>
+              </a:rPr>
+              <a:t>)</a:t>
+            </a:r>
+            <a:br>
+              <a:rPr kumimoji="0" lang="en-US" altLang="en-US" sz="900" b="0" i="0" u="none" strike="noStrike" cap="none" normalizeH="0" baseline="0">
+                <a:ln>
+                  <a:noFill/>
+                </a:ln>
+                <a:solidFill>
+                  <a:srgbClr val="A9B7C6"/>
+                </a:solidFill>
+                <a:effectLst/>
+                <a:latin typeface="JetBrains Mono"/>
+              </a:rPr>
+            </a:br>
+            <a:br>
+              <a:rPr kumimoji="0" lang="en-US" altLang="en-US" sz="900" b="0" i="0" u="none" strike="noStrike" cap="none" normalizeH="0" baseline="0">
+                <a:ln>
+                  <a:noFill/>
+                </a:ln>
+                <a:solidFill>
+                  <a:srgbClr val="A9B7C6"/>
+                </a:solidFill>
+                <a:effectLst/>
+                <a:latin typeface="JetBrains Mono"/>
+              </a:rPr>
+            </a:br>
+            <a:r>
+              <a:rPr kumimoji="0" lang="en-US" altLang="en-US" sz="900" b="0" i="0" u="none" strike="noStrike" cap="none" normalizeH="0" baseline="0">
+                <a:ln>
+                  <a:noFill/>
+                </a:ln>
+                <a:solidFill>
+                  <a:srgbClr val="8888C6"/>
+                </a:solidFill>
+                <a:effectLst/>
+                <a:latin typeface="JetBrains Mono"/>
+              </a:rPr>
+              <a:t>print</a:t>
+            </a:r>
+            <a:r>
+              <a:rPr kumimoji="0" lang="en-US" altLang="en-US" sz="900" b="0" i="0" u="none" strike="noStrike" cap="none" normalizeH="0" baseline="0">
+                <a:ln>
+                  <a:noFill/>
+                </a:ln>
+                <a:solidFill>
+                  <a:srgbClr val="A9B7C6"/>
+                </a:solidFill>
+                <a:effectLst/>
+                <a:latin typeface="JetBrains Mono"/>
+              </a:rPr>
+              <a:t>(</a:t>
+            </a:r>
+            <a:r>
+              <a:rPr kumimoji="0" lang="en-US" altLang="en-US" sz="900" b="0" i="0" u="none" strike="noStrike" cap="none" normalizeH="0" baseline="0">
+                <a:ln>
+                  <a:noFill/>
+                </a:ln>
+                <a:solidFill>
+                  <a:srgbClr val="6A8759"/>
+                </a:solidFill>
+                <a:effectLst/>
+                <a:latin typeface="JetBrains Mono"/>
+              </a:rPr>
+              <a:t>'Default rule table: {}, column: {}, datatype: {}'</a:t>
+            </a:r>
+            <a:br>
+              <a:rPr kumimoji="0" lang="en-US" altLang="en-US" sz="900" b="0" i="0" u="none" strike="noStrike" cap="none" normalizeH="0" baseline="0">
+                <a:ln>
+                  <a:noFill/>
+                </a:ln>
+                <a:solidFill>
+                  <a:srgbClr val="6A8759"/>
+                </a:solidFill>
+                <a:effectLst/>
+                <a:latin typeface="JetBrains Mono"/>
+              </a:rPr>
+            </a:br>
+            <a:r>
+              <a:rPr kumimoji="0" lang="en-US" altLang="en-US" sz="900" b="0" i="0" u="none" strike="noStrike" cap="none" normalizeH="0" baseline="0">
+                <a:ln>
+                  <a:noFill/>
+                </a:ln>
+                <a:solidFill>
+                  <a:srgbClr val="6A8759"/>
+                </a:solidFill>
+                <a:effectLst/>
+                <a:latin typeface="JetBrains Mono"/>
+              </a:rPr>
+              <a:t>      </a:t>
+            </a:r>
+            <a:r>
+              <a:rPr kumimoji="0" lang="en-US" altLang="en-US" sz="900" b="0" i="0" u="none" strike="noStrike" cap="none" normalizeH="0" baseline="0">
+                <a:ln>
+                  <a:noFill/>
+                </a:ln>
+                <a:solidFill>
+                  <a:srgbClr val="A9B7C6"/>
+                </a:solidFill>
+                <a:effectLst/>
+                <a:latin typeface="JetBrains Mono"/>
+              </a:rPr>
+              <a:t>.format(default_rule.get_table()</a:t>
+            </a:r>
+            <a:r>
+              <a:rPr kumimoji="0" lang="en-US" altLang="en-US" sz="900" b="0" i="0" u="none" strike="noStrike" cap="none" normalizeH="0" baseline="0">
+                <a:ln>
+                  <a:noFill/>
+                </a:ln>
+                <a:solidFill>
+                  <a:srgbClr val="CC7832"/>
+                </a:solidFill>
+                <a:effectLst/>
+                <a:latin typeface="JetBrains Mono"/>
+              </a:rPr>
+              <a:t>, </a:t>
+            </a:r>
+            <a:r>
+              <a:rPr kumimoji="0" lang="en-US" altLang="en-US" sz="900" b="0" i="0" u="none" strike="noStrike" cap="none" normalizeH="0" baseline="0">
+                <a:ln>
+                  <a:noFill/>
+                </a:ln>
+                <a:solidFill>
+                  <a:srgbClr val="A9B7C6"/>
+                </a:solidFill>
+                <a:effectLst/>
+                <a:latin typeface="JetBrains Mono"/>
+              </a:rPr>
+              <a:t>default_rule.get_column()</a:t>
+            </a:r>
+            <a:r>
+              <a:rPr kumimoji="0" lang="en-US" altLang="en-US" sz="900" b="0" i="0" u="none" strike="noStrike" cap="none" normalizeH="0" baseline="0">
+                <a:ln>
+                  <a:noFill/>
+                </a:ln>
+                <a:solidFill>
+                  <a:srgbClr val="CC7832"/>
+                </a:solidFill>
+                <a:effectLst/>
+                <a:latin typeface="JetBrains Mono"/>
+              </a:rPr>
+              <a:t>, </a:t>
+            </a:r>
+            <a:r>
+              <a:rPr kumimoji="0" lang="en-US" altLang="en-US" sz="900" b="0" i="0" u="none" strike="noStrike" cap="none" normalizeH="0" baseline="0">
+                <a:ln>
+                  <a:noFill/>
+                </a:ln>
+                <a:solidFill>
+                  <a:srgbClr val="A9B7C6"/>
+                </a:solidFill>
+                <a:effectLst/>
+                <a:latin typeface="JetBrains Mono"/>
+              </a:rPr>
+              <a:t>default_rule.get_data_type()))</a:t>
+            </a:r>
+            <a:br>
+              <a:rPr kumimoji="0" lang="en-US" altLang="en-US" sz="900" b="0" i="0" u="none" strike="noStrike" cap="none" normalizeH="0" baseline="0">
+                <a:ln>
+                  <a:noFill/>
+                </a:ln>
+                <a:solidFill>
+                  <a:srgbClr val="A9B7C6"/>
+                </a:solidFill>
+                <a:effectLst/>
+                <a:latin typeface="JetBrains Mono"/>
+              </a:rPr>
+            </a:br>
+            <a:br>
+              <a:rPr kumimoji="0" lang="en-US" altLang="en-US" sz="900" b="0" i="0" u="none" strike="noStrike" cap="none" normalizeH="0" baseline="0">
+                <a:ln>
+                  <a:noFill/>
+                </a:ln>
+                <a:solidFill>
+                  <a:srgbClr val="A9B7C6"/>
+                </a:solidFill>
+                <a:effectLst/>
+                <a:latin typeface="JetBrains Mono"/>
+              </a:rPr>
+            </a:br>
+            <a:br>
+              <a:rPr kumimoji="0" lang="en-US" altLang="en-US" sz="900" b="0" i="0" u="none" strike="noStrike" cap="none" normalizeH="0" baseline="0">
+                <a:ln>
+                  <a:noFill/>
+                </a:ln>
+                <a:solidFill>
+                  <a:srgbClr val="A9B7C6"/>
+                </a:solidFill>
+                <a:effectLst/>
+                <a:latin typeface="JetBrains Mono"/>
+              </a:rPr>
+            </a:br>
+            <a:r>
+              <a:rPr kumimoji="0" lang="en-US" altLang="en-US" sz="900" b="0" i="0" u="none" strike="noStrike" cap="none" normalizeH="0" baseline="0">
+                <a:ln>
+                  <a:noFill/>
+                </a:ln>
+                <a:solidFill>
+                  <a:srgbClr val="A9B7C6"/>
+                </a:solidFill>
+                <a:effectLst/>
+                <a:latin typeface="JetBrains Mono"/>
+              </a:rPr>
+              <a:t>user = py_client.get_user_by_email(</a:t>
+            </a:r>
+            <a:r>
+              <a:rPr kumimoji="0" lang="en-US" altLang="en-US" sz="900" b="0" i="0" u="none" strike="noStrike" cap="none" normalizeH="0" baseline="0">
+                <a:ln>
+                  <a:noFill/>
+                </a:ln>
+                <a:solidFill>
+                  <a:srgbClr val="6A8759"/>
+                </a:solidFill>
+                <a:effectLst/>
+                <a:latin typeface="JetBrains Mono"/>
+              </a:rPr>
+              <a:t>'nathan.giusti@sisense.com'</a:t>
+            </a:r>
+            <a:r>
+              <a:rPr kumimoji="0" lang="en-US" altLang="en-US" sz="900" b="0" i="0" u="none" strike="noStrike" cap="none" normalizeH="0" baseline="0">
+                <a:ln>
+                  <a:noFill/>
+                </a:ln>
+                <a:solidFill>
+                  <a:srgbClr val="A9B7C6"/>
+                </a:solidFill>
+                <a:effectLst/>
+                <a:latin typeface="JetBrains Mono"/>
+              </a:rPr>
+              <a:t>)</a:t>
+            </a:r>
+            <a:br>
+              <a:rPr kumimoji="0" lang="en-US" altLang="en-US" sz="900" b="0" i="0" u="none" strike="noStrike" cap="none" normalizeH="0" baseline="0">
+                <a:ln>
+                  <a:noFill/>
+                </a:ln>
+                <a:solidFill>
+                  <a:srgbClr val="A9B7C6"/>
+                </a:solidFill>
+                <a:effectLst/>
+                <a:latin typeface="JetBrains Mono"/>
+              </a:rPr>
+            </a:br>
+            <a:r>
+              <a:rPr kumimoji="0" lang="en-US" altLang="en-US" sz="900" b="0" i="0" u="none" strike="noStrike" cap="none" normalizeH="0" baseline="0">
+                <a:ln>
+                  <a:noFill/>
+                </a:ln>
+                <a:solidFill>
+                  <a:srgbClr val="A9B7C6"/>
+                </a:solidFill>
+                <a:effectLst/>
+                <a:latin typeface="JetBrains Mono"/>
+              </a:rPr>
+              <a:t>user_rule = elasticube.add_security_rule(</a:t>
+            </a:r>
+            <a:r>
+              <a:rPr kumimoji="0" lang="en-US" altLang="en-US" sz="900" b="0" i="0" u="none" strike="noStrike" cap="none" normalizeH="0" baseline="0">
+                <a:ln>
+                  <a:noFill/>
+                </a:ln>
+                <a:solidFill>
+                  <a:srgbClr val="6A8759"/>
+                </a:solidFill>
+                <a:effectLst/>
+                <a:latin typeface="JetBrains Mono"/>
+              </a:rPr>
+              <a:t>'Dim_Dates'</a:t>
+            </a:r>
+            <a:r>
+              <a:rPr kumimoji="0" lang="en-US" altLang="en-US" sz="900" b="0" i="0" u="none" strike="noStrike" cap="none" normalizeH="0" baseline="0">
+                <a:ln>
+                  <a:noFill/>
+                </a:ln>
+                <a:solidFill>
+                  <a:srgbClr val="CC7832"/>
+                </a:solidFill>
+                <a:effectLst/>
+                <a:latin typeface="JetBrains Mono"/>
+              </a:rPr>
+              <a:t>, </a:t>
+            </a:r>
+            <a:r>
+              <a:rPr kumimoji="0" lang="en-US" altLang="en-US" sz="900" b="0" i="0" u="none" strike="noStrike" cap="none" normalizeH="0" baseline="0">
+                <a:ln>
+                  <a:noFill/>
+                </a:ln>
+                <a:solidFill>
+                  <a:srgbClr val="6A8759"/>
+                </a:solidFill>
+                <a:effectLst/>
+                <a:latin typeface="JetBrains Mono"/>
+              </a:rPr>
+              <a:t>'BusinessDay'</a:t>
+            </a:r>
+            <a:r>
+              <a:rPr kumimoji="0" lang="en-US" altLang="en-US" sz="900" b="0" i="0" u="none" strike="noStrike" cap="none" normalizeH="0" baseline="0">
+                <a:ln>
+                  <a:noFill/>
+                </a:ln>
+                <a:solidFill>
+                  <a:srgbClr val="CC7832"/>
+                </a:solidFill>
+                <a:effectLst/>
+                <a:latin typeface="JetBrains Mono"/>
+              </a:rPr>
+              <a:t>, </a:t>
+            </a:r>
+            <a:r>
+              <a:rPr kumimoji="0" lang="en-US" altLang="en-US" sz="900" b="0" i="0" u="none" strike="noStrike" cap="none" normalizeH="0" baseline="0">
+                <a:ln>
+                  <a:noFill/>
+                </a:ln>
+                <a:solidFill>
+                  <a:srgbClr val="6A8759"/>
+                </a:solidFill>
+                <a:effectLst/>
+                <a:latin typeface="JetBrains Mono"/>
+              </a:rPr>
+              <a:t>'numeric'</a:t>
+            </a:r>
+            <a:r>
+              <a:rPr kumimoji="0" lang="en-US" altLang="en-US" sz="900" b="0" i="0" u="none" strike="noStrike" cap="none" normalizeH="0" baseline="0">
+                <a:ln>
+                  <a:noFill/>
+                </a:ln>
+                <a:solidFill>
+                  <a:srgbClr val="CC7832"/>
+                </a:solidFill>
+                <a:effectLst/>
+                <a:latin typeface="JetBrains Mono"/>
+              </a:rPr>
+              <a:t>, </a:t>
+            </a:r>
+            <a:r>
+              <a:rPr kumimoji="0" lang="en-US" altLang="en-US" sz="900" b="0" i="0" u="none" strike="noStrike" cap="none" normalizeH="0" baseline="0">
+                <a:ln>
+                  <a:noFill/>
+                </a:ln>
+                <a:solidFill>
+                  <a:srgbClr val="AA4926"/>
+                </a:solidFill>
+                <a:effectLst/>
+                <a:latin typeface="JetBrains Mono"/>
+              </a:rPr>
+              <a:t>members</a:t>
+            </a:r>
+            <a:r>
+              <a:rPr kumimoji="0" lang="en-US" altLang="en-US" sz="900" b="0" i="0" u="none" strike="noStrike" cap="none" normalizeH="0" baseline="0">
+                <a:ln>
+                  <a:noFill/>
+                </a:ln>
+                <a:solidFill>
+                  <a:srgbClr val="A9B7C6"/>
+                </a:solidFill>
+                <a:effectLst/>
+                <a:latin typeface="JetBrains Mono"/>
+              </a:rPr>
+              <a:t>=[</a:t>
+            </a:r>
+            <a:r>
+              <a:rPr kumimoji="0" lang="en-US" altLang="en-US" sz="900" b="0" i="0" u="none" strike="noStrike" cap="none" normalizeH="0" baseline="0">
+                <a:ln>
+                  <a:noFill/>
+                </a:ln>
+                <a:solidFill>
+                  <a:srgbClr val="6A8759"/>
+                </a:solidFill>
+                <a:effectLst/>
+                <a:latin typeface="JetBrains Mono"/>
+              </a:rPr>
+              <a:t>'1'</a:t>
+            </a:r>
+            <a:r>
+              <a:rPr kumimoji="0" lang="en-US" altLang="en-US" sz="900" b="0" i="0" u="none" strike="noStrike" cap="none" normalizeH="0" baseline="0">
+                <a:ln>
+                  <a:noFill/>
+                </a:ln>
+                <a:solidFill>
+                  <a:srgbClr val="A9B7C6"/>
+                </a:solidFill>
+                <a:effectLst/>
+                <a:latin typeface="JetBrains Mono"/>
+              </a:rPr>
+              <a:t>]</a:t>
+            </a:r>
+            <a:r>
+              <a:rPr kumimoji="0" lang="en-US" altLang="en-US" sz="900" b="0" i="0" u="none" strike="noStrike" cap="none" normalizeH="0" baseline="0">
+                <a:ln>
+                  <a:noFill/>
+                </a:ln>
+                <a:solidFill>
+                  <a:srgbClr val="CC7832"/>
+                </a:solidFill>
+                <a:effectLst/>
+                <a:latin typeface="JetBrains Mono"/>
+              </a:rPr>
+              <a:t>, </a:t>
+            </a:r>
+            <a:r>
+              <a:rPr kumimoji="0" lang="en-US" altLang="en-US" sz="900" b="0" i="0" u="none" strike="noStrike" cap="none" normalizeH="0" baseline="0">
+                <a:ln>
+                  <a:noFill/>
+                </a:ln>
+                <a:solidFill>
+                  <a:srgbClr val="AA4926"/>
+                </a:solidFill>
+                <a:effectLst/>
+                <a:latin typeface="JetBrains Mono"/>
+              </a:rPr>
+              <a:t>shares</a:t>
+            </a:r>
+            <a:r>
+              <a:rPr kumimoji="0" lang="en-US" altLang="en-US" sz="900" b="0" i="0" u="none" strike="noStrike" cap="none" normalizeH="0" baseline="0">
+                <a:ln>
+                  <a:noFill/>
+                </a:ln>
+                <a:solidFill>
+                  <a:srgbClr val="A9B7C6"/>
+                </a:solidFill>
+                <a:effectLst/>
+                <a:latin typeface="JetBrains Mono"/>
+              </a:rPr>
+              <a:t>=user)</a:t>
+            </a:r>
+            <a:br>
+              <a:rPr kumimoji="0" lang="en-US" altLang="en-US" sz="900" b="0" i="0" u="none" strike="noStrike" cap="none" normalizeH="0" baseline="0">
+                <a:ln>
+                  <a:noFill/>
+                </a:ln>
+                <a:solidFill>
+                  <a:srgbClr val="A9B7C6"/>
+                </a:solidFill>
+                <a:effectLst/>
+                <a:latin typeface="JetBrains Mono"/>
+              </a:rPr>
+            </a:br>
+            <a:br>
+              <a:rPr kumimoji="0" lang="en-US" altLang="en-US" sz="900" b="0" i="0" u="none" strike="noStrike" cap="none" normalizeH="0" baseline="0">
+                <a:ln>
+                  <a:noFill/>
+                </a:ln>
+                <a:solidFill>
+                  <a:srgbClr val="A9B7C6"/>
+                </a:solidFill>
+                <a:effectLst/>
+                <a:latin typeface="JetBrains Mono"/>
+              </a:rPr>
+            </a:br>
+            <a:r>
+              <a:rPr kumimoji="0" lang="en-US" altLang="en-US" sz="900" b="0" i="0" u="none" strike="noStrike" cap="none" normalizeH="0" baseline="0">
+                <a:ln>
+                  <a:noFill/>
+                </a:ln>
+                <a:solidFill>
+                  <a:srgbClr val="8888C6"/>
+                </a:solidFill>
+                <a:effectLst/>
+                <a:latin typeface="JetBrains Mono"/>
+              </a:rPr>
+              <a:t>print</a:t>
+            </a:r>
+            <a:r>
+              <a:rPr kumimoji="0" lang="en-US" altLang="en-US" sz="900" b="0" i="0" u="none" strike="noStrike" cap="none" normalizeH="0" baseline="0">
+                <a:ln>
+                  <a:noFill/>
+                </a:ln>
+                <a:solidFill>
+                  <a:srgbClr val="A9B7C6"/>
+                </a:solidFill>
+                <a:effectLst/>
+                <a:latin typeface="JetBrains Mono"/>
+              </a:rPr>
+              <a:t>(</a:t>
+            </a:r>
+            <a:r>
+              <a:rPr kumimoji="0" lang="en-US" altLang="en-US" sz="900" b="0" i="0" u="none" strike="noStrike" cap="none" normalizeH="0" baseline="0">
+                <a:ln>
+                  <a:noFill/>
+                </a:ln>
+                <a:solidFill>
+                  <a:srgbClr val="6A8759"/>
+                </a:solidFill>
+                <a:effectLst/>
+                <a:latin typeface="JetBrains Mono"/>
+              </a:rPr>
+              <a:t>'User rule table: {}, column: {}, datatype: {}'</a:t>
+            </a:r>
+            <a:br>
+              <a:rPr kumimoji="0" lang="en-US" altLang="en-US" sz="900" b="0" i="0" u="none" strike="noStrike" cap="none" normalizeH="0" baseline="0">
+                <a:ln>
+                  <a:noFill/>
+                </a:ln>
+                <a:solidFill>
+                  <a:srgbClr val="6A8759"/>
+                </a:solidFill>
+                <a:effectLst/>
+                <a:latin typeface="JetBrains Mono"/>
+              </a:rPr>
+            </a:br>
+            <a:r>
+              <a:rPr kumimoji="0" lang="en-US" altLang="en-US" sz="900" b="0" i="0" u="none" strike="noStrike" cap="none" normalizeH="0" baseline="0">
+                <a:ln>
+                  <a:noFill/>
+                </a:ln>
+                <a:solidFill>
+                  <a:srgbClr val="6A8759"/>
+                </a:solidFill>
+                <a:effectLst/>
+                <a:latin typeface="JetBrains Mono"/>
+              </a:rPr>
+              <a:t>      </a:t>
+            </a:r>
+            <a:r>
+              <a:rPr kumimoji="0" lang="en-US" altLang="en-US" sz="900" b="0" i="0" u="none" strike="noStrike" cap="none" normalizeH="0" baseline="0">
+                <a:ln>
+                  <a:noFill/>
+                </a:ln>
+                <a:solidFill>
+                  <a:srgbClr val="A9B7C6"/>
+                </a:solidFill>
+                <a:effectLst/>
+                <a:latin typeface="JetBrains Mono"/>
+              </a:rPr>
+              <a:t>.format(user_rule.get_table()</a:t>
+            </a:r>
+            <a:r>
+              <a:rPr kumimoji="0" lang="en-US" altLang="en-US" sz="900" b="0" i="0" u="none" strike="noStrike" cap="none" normalizeH="0" baseline="0">
+                <a:ln>
+                  <a:noFill/>
+                </a:ln>
+                <a:solidFill>
+                  <a:srgbClr val="CC7832"/>
+                </a:solidFill>
+                <a:effectLst/>
+                <a:latin typeface="JetBrains Mono"/>
+              </a:rPr>
+              <a:t>, </a:t>
+            </a:r>
+            <a:r>
+              <a:rPr kumimoji="0" lang="en-US" altLang="en-US" sz="900" b="0" i="0" u="none" strike="noStrike" cap="none" normalizeH="0" baseline="0">
+                <a:ln>
+                  <a:noFill/>
+                </a:ln>
+                <a:solidFill>
+                  <a:srgbClr val="A9B7C6"/>
+                </a:solidFill>
+                <a:effectLst/>
+                <a:latin typeface="JetBrains Mono"/>
+              </a:rPr>
+              <a:t>user_rule.get_column()</a:t>
+            </a:r>
+            <a:r>
+              <a:rPr kumimoji="0" lang="en-US" altLang="en-US" sz="900" b="0" i="0" u="none" strike="noStrike" cap="none" normalizeH="0" baseline="0">
+                <a:ln>
+                  <a:noFill/>
+                </a:ln>
+                <a:solidFill>
+                  <a:srgbClr val="CC7832"/>
+                </a:solidFill>
+                <a:effectLst/>
+                <a:latin typeface="JetBrains Mono"/>
+              </a:rPr>
+              <a:t>, </a:t>
+            </a:r>
+            <a:r>
+              <a:rPr kumimoji="0" lang="en-US" altLang="en-US" sz="900" b="0" i="0" u="none" strike="noStrike" cap="none" normalizeH="0" baseline="0">
+                <a:ln>
+                  <a:noFill/>
+                </a:ln>
+                <a:solidFill>
+                  <a:srgbClr val="A9B7C6"/>
+                </a:solidFill>
+                <a:effectLst/>
+                <a:latin typeface="JetBrains Mono"/>
+              </a:rPr>
+              <a:t>user_rule.get_data_type()))</a:t>
+            </a:r>
+            <a:br>
+              <a:rPr kumimoji="0" lang="en-US" altLang="en-US" sz="900" b="0" i="0" u="none" strike="noStrike" cap="none" normalizeH="0" baseline="0">
+                <a:ln>
+                  <a:noFill/>
+                </a:ln>
+                <a:solidFill>
+                  <a:srgbClr val="A9B7C6"/>
+                </a:solidFill>
+                <a:effectLst/>
+                <a:latin typeface="JetBrains Mono"/>
+              </a:rPr>
+            </a:br>
+            <a:br>
+              <a:rPr kumimoji="0" lang="en-US" altLang="en-US" sz="900" b="0" i="0" u="none" strike="noStrike" cap="none" normalizeH="0" baseline="0">
+                <a:ln>
+                  <a:noFill/>
+                </a:ln>
+                <a:solidFill>
+                  <a:srgbClr val="A9B7C6"/>
+                </a:solidFill>
+                <a:effectLst/>
+                <a:latin typeface="JetBrains Mono"/>
+              </a:rPr>
+            </a:br>
+            <a:r>
+              <a:rPr kumimoji="0" lang="en-US" altLang="en-US" sz="900" b="0" i="0" u="none" strike="noStrike" cap="none" normalizeH="0" baseline="0">
+                <a:ln>
+                  <a:noFill/>
+                </a:ln>
+                <a:solidFill>
+                  <a:srgbClr val="A9B7C6"/>
+                </a:solidFill>
+                <a:effectLst/>
+                <a:latin typeface="JetBrains Mono"/>
+              </a:rPr>
+              <a:t>elasticube.delete_rule(</a:t>
+            </a:r>
+            <a:r>
+              <a:rPr kumimoji="0" lang="en-US" altLang="en-US" sz="900" b="0" i="0" u="none" strike="noStrike" cap="none" normalizeH="0" baseline="0">
+                <a:ln>
+                  <a:noFill/>
+                </a:ln>
+                <a:solidFill>
+                  <a:srgbClr val="6A8759"/>
+                </a:solidFill>
+                <a:effectLst/>
+                <a:latin typeface="JetBrains Mono"/>
+              </a:rPr>
+              <a:t>'Dim_Dates'</a:t>
+            </a:r>
+            <a:r>
+              <a:rPr kumimoji="0" lang="en-US" altLang="en-US" sz="900" b="0" i="0" u="none" strike="noStrike" cap="none" normalizeH="0" baseline="0">
+                <a:ln>
+                  <a:noFill/>
+                </a:ln>
+                <a:solidFill>
+                  <a:srgbClr val="CC7832"/>
+                </a:solidFill>
+                <a:effectLst/>
+                <a:latin typeface="JetBrains Mono"/>
+              </a:rPr>
+              <a:t>, </a:t>
+            </a:r>
+            <a:r>
+              <a:rPr kumimoji="0" lang="en-US" altLang="en-US" sz="900" b="0" i="0" u="none" strike="noStrike" cap="none" normalizeH="0" baseline="0">
+                <a:ln>
+                  <a:noFill/>
+                </a:ln>
+                <a:solidFill>
+                  <a:srgbClr val="6A8759"/>
+                </a:solidFill>
+                <a:effectLst/>
+                <a:latin typeface="JetBrains Mono"/>
+              </a:rPr>
+              <a:t>'BusinessDay'</a:t>
+            </a:r>
+            <a:r>
+              <a:rPr kumimoji="0" lang="en-US" altLang="en-US" sz="900" b="0" i="0" u="none" strike="noStrike" cap="none" normalizeH="0" baseline="0">
+                <a:ln>
+                  <a:noFill/>
+                </a:ln>
+                <a:solidFill>
+                  <a:srgbClr val="A9B7C6"/>
+                </a:solidFill>
+                <a:effectLst/>
+                <a:latin typeface="JetBrains Mono"/>
+              </a:rPr>
+              <a:t>)</a:t>
+            </a:r>
+            <a:endParaRPr kumimoji="0" lang="en-US" altLang="en-US" sz="1800" b="0" i="0" u="none" strike="noStrike" cap="none" normalizeH="0" baseline="0">
+              <a:ln>
+                <a:noFill/>
+              </a:ln>
+              <a:solidFill>
+                <a:schemeClr val="tx1"/>
+              </a:solidFill>
+              <a:effectLst/>
+              <a:latin typeface="Arial" panose="020B0604020202020204" pitchFamily="34" charset="0"/>
+            </a:endParaRPr>
+          </a:p>
+        </p:txBody>
+      </p:sp>
     </p:spTree>
     <p:extLst>
       <p:ext uri="{BB962C8B-B14F-4D97-AF65-F5344CB8AC3E}">
@@ -11399,19 +12715,7 @@
           <a:p>
             <a:r>
               <a:rPr lang="en-US" dirty="0"/>
-              <a:t>Get all your dashboards dash files</a:t>
-            </a:r>
-          </a:p>
-          <a:p>
-            <a:r>
-              <a:rPr lang="en-US" dirty="0"/>
-              <a:t>Save them to a folder</a:t>
-            </a:r>
-          </a:p>
-          <a:p>
-            <a:r>
-              <a:rPr lang="en-US" dirty="0"/>
-              <a:t>Print the paths to all the dashboards</a:t>
+              <a:t>Print out the title and id of all of your dashboards</a:t>
             </a:r>
           </a:p>
         </p:txBody>
@@ -11486,66 +12790,286 @@
           </a:p>
         </p:txBody>
       </p:sp>
-      <p:pic>
-        <p:nvPicPr>
-          <p:cNvPr id="4" name="Picture 3">
+      <p:sp>
+        <p:nvSpPr>
+          <p:cNvPr id="5" name="Rectangle 1">
             <a:extLst>
               <a:ext uri="{FF2B5EF4-FFF2-40B4-BE49-F238E27FC236}">
-                <a16:creationId xmlns:a16="http://schemas.microsoft.com/office/drawing/2014/main" id="{1D4275AD-122A-4C1C-80B8-9AF2A144747E}"/>
+                <a16:creationId xmlns:a16="http://schemas.microsoft.com/office/drawing/2014/main" id="{D3884E94-16E0-4785-A795-0640B563F4C2}"/>
               </a:ext>
             </a:extLst>
           </p:cNvPr>
-          <p:cNvPicPr>
-            <a:picLocks noChangeAspect="1"/>
-          </p:cNvPicPr>
+          <p:cNvSpPr>
+            <a:spLocks noChangeArrowheads="1"/>
+          </p:cNvSpPr>
           <p:nvPr/>
-        </p:nvPicPr>
-        <p:blipFill>
-          <a:blip r:embed="rId2"/>
-          <a:stretch>
-            <a:fillRect/>
-          </a:stretch>
-        </p:blipFill>
-        <p:spPr>
+        </p:nvSpPr>
+        <p:spPr bwMode="auto">
           <a:xfrm>
-            <a:off x="2055812" y="1905000"/>
-            <a:ext cx="7725853" cy="1838582"/>
+            <a:off x="1561226" y="2583849"/>
+            <a:ext cx="9675813" cy="369332"/>
           </a:xfrm>
           <a:prstGeom prst="rect">
             <a:avLst/>
           </a:prstGeom>
+          <a:solidFill>
+            <a:srgbClr val="2B2B2B"/>
+          </a:solidFill>
+          <a:ln>
+            <a:noFill/>
+          </a:ln>
+          <a:effectLst/>
+          <a:extLst>
+            <a:ext uri="{91240B29-F687-4F45-9708-019B960494DF}">
+              <a14:hiddenLine xmlns:a14="http://schemas.microsoft.com/office/drawing/2010/main" w="9525">
+                <a:solidFill>
+                  <a:schemeClr val="tx1"/>
+                </a:solidFill>
+                <a:miter lim="800000"/>
+                <a:headEnd/>
+                <a:tailEnd/>
+              </a14:hiddenLine>
+            </a:ext>
+            <a:ext uri="{AF507438-7753-43E0-B8FC-AC1667EBCBE1}">
+              <a14:hiddenEffects xmlns:a14="http://schemas.microsoft.com/office/drawing/2010/main">
+                <a:effectLst>
+                  <a:outerShdw dist="35921" dir="2700000" algn="ctr" rotWithShape="0">
+                    <a:schemeClr val="bg2"/>
+                  </a:outerShdw>
+                </a:effectLst>
+              </a14:hiddenEffects>
+            </a:ext>
+          </a:extLst>
         </p:spPr>
-      </p:pic>
-      <p:pic>
-        <p:nvPicPr>
-          <p:cNvPr id="6" name="Picture 5">
-            <a:extLst>
-              <a:ext uri="{FF2B5EF4-FFF2-40B4-BE49-F238E27FC236}">
-                <a16:creationId xmlns:a16="http://schemas.microsoft.com/office/drawing/2014/main" id="{983E525A-3A6D-4C4B-A373-AF63770ACF51}"/>
-              </a:ext>
-            </a:extLst>
-          </p:cNvPr>
-          <p:cNvPicPr>
-            <a:picLocks noChangeAspect="1"/>
-          </p:cNvPicPr>
-          <p:nvPr/>
-        </p:nvPicPr>
-        <p:blipFill>
-          <a:blip r:embed="rId3"/>
-          <a:stretch>
-            <a:fillRect/>
-          </a:stretch>
-        </p:blipFill>
-        <p:spPr>
-          <a:xfrm>
-            <a:off x="1016878" y="4343400"/>
-            <a:ext cx="10155067" cy="1390844"/>
-          </a:xfrm>
-          <a:prstGeom prst="rect">
-            <a:avLst/>
-          </a:prstGeom>
-        </p:spPr>
-      </p:pic>
+        <p:txBody>
+          <a:bodyPr vert="horz" wrap="square" lIns="91440" tIns="45720" rIns="91440" bIns="45720" numCol="1" anchor="ctr" anchorCtr="0" compatLnSpc="1">
+            <a:prstTxWarp prst="textNoShape">
+              <a:avLst/>
+            </a:prstTxWarp>
+            <a:spAutoFit/>
+          </a:bodyPr>
+          <a:lstStyle/>
+          <a:p>
+            <a:pPr lvl="0" defTabSz="914400" eaLnBrk="0" fontAlgn="base" hangingPunct="0">
+              <a:spcBef>
+                <a:spcPct val="0"/>
+              </a:spcBef>
+              <a:spcAft>
+                <a:spcPct val="0"/>
+              </a:spcAft>
+            </a:pPr>
+            <a:r>
+              <a:rPr kumimoji="0" lang="en-US" altLang="en-US" sz="900" b="0" i="0" u="none" strike="noStrike" cap="none" normalizeH="0" baseline="0" dirty="0">
+                <a:ln>
+                  <a:noFill/>
+                </a:ln>
+                <a:solidFill>
+                  <a:srgbClr val="CC7832"/>
+                </a:solidFill>
+                <a:effectLst/>
+                <a:latin typeface="JetBrains Mono"/>
+              </a:rPr>
+              <a:t>for </a:t>
+            </a:r>
+            <a:r>
+              <a:rPr kumimoji="0" lang="en-US" altLang="en-US" sz="900" b="0" i="0" u="none" strike="noStrike" cap="none" normalizeH="0" baseline="0" dirty="0">
+                <a:ln>
+                  <a:noFill/>
+                </a:ln>
+                <a:solidFill>
+                  <a:srgbClr val="A9B7C6"/>
+                </a:solidFill>
+                <a:effectLst/>
+                <a:latin typeface="JetBrains Mono"/>
+              </a:rPr>
+              <a:t>dashboard </a:t>
+            </a:r>
+            <a:r>
+              <a:rPr kumimoji="0" lang="en-US" altLang="en-US" sz="900" b="0" i="0" u="none" strike="noStrike" cap="none" normalizeH="0" baseline="0" dirty="0">
+                <a:ln>
+                  <a:noFill/>
+                </a:ln>
+                <a:solidFill>
+                  <a:srgbClr val="CC7832"/>
+                </a:solidFill>
+                <a:effectLst/>
+                <a:latin typeface="JetBrains Mono"/>
+              </a:rPr>
+              <a:t>in </a:t>
+            </a:r>
+            <a:r>
+              <a:rPr lang="en-US" altLang="en-US" sz="900" dirty="0" err="1">
+                <a:solidFill>
+                  <a:srgbClr val="A9B7C6"/>
+                </a:solidFill>
+                <a:latin typeface="JetBrains Mono"/>
+              </a:rPr>
+              <a:t>py_client.get_dashboards</a:t>
+            </a:r>
+            <a:r>
+              <a:rPr lang="en-US" altLang="en-US" sz="900" dirty="0">
+                <a:solidFill>
+                  <a:srgbClr val="A9B7C6"/>
+                </a:solidFill>
+                <a:latin typeface="JetBrains Mono"/>
+              </a:rPr>
+              <a:t>() </a:t>
+            </a:r>
+            <a:r>
+              <a:rPr kumimoji="0" lang="en-US" altLang="en-US" sz="900" b="0" i="0" u="none" strike="noStrike" cap="none" normalizeH="0" baseline="0" dirty="0">
+                <a:ln>
+                  <a:noFill/>
+                </a:ln>
+                <a:solidFill>
+                  <a:srgbClr val="A9B7C6"/>
+                </a:solidFill>
+                <a:effectLst/>
+                <a:latin typeface="JetBrains Mono"/>
+              </a:rPr>
+              <a:t>:</a:t>
+            </a:r>
+            <a:br>
+              <a:rPr kumimoji="0" lang="en-US" altLang="en-US" sz="900" b="0" i="0" u="none" strike="noStrike" cap="none" normalizeH="0" baseline="0" dirty="0">
+                <a:ln>
+                  <a:noFill/>
+                </a:ln>
+                <a:solidFill>
+                  <a:srgbClr val="A9B7C6"/>
+                </a:solidFill>
+                <a:effectLst/>
+                <a:latin typeface="JetBrains Mono"/>
+              </a:rPr>
+            </a:br>
+            <a:r>
+              <a:rPr kumimoji="0" lang="en-US" altLang="en-US" sz="900" b="0" i="0" u="none" strike="noStrike" cap="none" normalizeH="0" baseline="0" dirty="0">
+                <a:ln>
+                  <a:noFill/>
+                </a:ln>
+                <a:solidFill>
+                  <a:srgbClr val="A9B7C6"/>
+                </a:solidFill>
+                <a:effectLst/>
+                <a:latin typeface="JetBrains Mono"/>
+              </a:rPr>
+              <a:t>    </a:t>
+            </a:r>
+            <a:r>
+              <a:rPr kumimoji="0" lang="en-US" altLang="en-US" sz="900" b="0" i="0" u="none" strike="noStrike" cap="none" normalizeH="0" baseline="0" dirty="0">
+                <a:ln>
+                  <a:noFill/>
+                </a:ln>
+                <a:solidFill>
+                  <a:srgbClr val="8888C6"/>
+                </a:solidFill>
+                <a:effectLst/>
+                <a:latin typeface="JetBrains Mono"/>
+              </a:rPr>
+              <a:t>print</a:t>
+            </a:r>
+            <a:r>
+              <a:rPr kumimoji="0" lang="en-US" altLang="en-US" sz="900" b="0" i="0" u="none" strike="noStrike" cap="none" normalizeH="0" baseline="0" dirty="0">
+                <a:ln>
+                  <a:noFill/>
+                </a:ln>
+                <a:solidFill>
+                  <a:srgbClr val="A9B7C6"/>
+                </a:solidFill>
+                <a:effectLst/>
+                <a:latin typeface="JetBrains Mono"/>
+              </a:rPr>
+              <a:t>(</a:t>
+            </a:r>
+            <a:r>
+              <a:rPr kumimoji="0" lang="en-US" altLang="en-US" sz="900" b="0" i="0" u="none" strike="noStrike" cap="none" normalizeH="0" baseline="0" dirty="0" err="1">
+                <a:ln>
+                  <a:noFill/>
+                </a:ln>
+                <a:solidFill>
+                  <a:srgbClr val="A9B7C6"/>
+                </a:solidFill>
+                <a:effectLst/>
+                <a:latin typeface="JetBrains Mono"/>
+              </a:rPr>
+              <a:t>dashboard.get_id</a:t>
+            </a:r>
+            <a:r>
+              <a:rPr kumimoji="0" lang="en-US" altLang="en-US" sz="900" b="0" i="0" u="none" strike="noStrike" cap="none" normalizeH="0" baseline="0" dirty="0">
+                <a:ln>
+                  <a:noFill/>
+                </a:ln>
+                <a:solidFill>
+                  <a:srgbClr val="A9B7C6"/>
+                </a:solidFill>
+                <a:effectLst/>
+                <a:latin typeface="JetBrains Mono"/>
+              </a:rPr>
+              <a:t>() + </a:t>
+            </a:r>
+            <a:r>
+              <a:rPr kumimoji="0" lang="en-US" altLang="en-US" sz="900" b="0" i="0" u="none" strike="noStrike" cap="none" normalizeH="0" baseline="0" dirty="0">
+                <a:ln>
+                  <a:noFill/>
+                </a:ln>
+                <a:solidFill>
+                  <a:srgbClr val="6A8759"/>
+                </a:solidFill>
+                <a:effectLst/>
+                <a:latin typeface="JetBrains Mono"/>
+              </a:rPr>
+              <a:t>': ' </a:t>
+            </a:r>
+            <a:r>
+              <a:rPr kumimoji="0" lang="en-US" altLang="en-US" sz="900" b="0" i="0" u="none" strike="noStrike" cap="none" normalizeH="0" baseline="0" dirty="0">
+                <a:ln>
+                  <a:noFill/>
+                </a:ln>
+                <a:solidFill>
+                  <a:srgbClr val="A9B7C6"/>
+                </a:solidFill>
+                <a:effectLst/>
+                <a:latin typeface="JetBrains Mono"/>
+              </a:rPr>
+              <a:t>+ </a:t>
+            </a:r>
+            <a:r>
+              <a:rPr kumimoji="0" lang="en-US" altLang="en-US" sz="900" b="0" i="0" u="none" strike="noStrike" cap="none" normalizeH="0" baseline="0" dirty="0" err="1">
+                <a:ln>
+                  <a:noFill/>
+                </a:ln>
+                <a:solidFill>
+                  <a:srgbClr val="A9B7C6"/>
+                </a:solidFill>
+                <a:effectLst/>
+                <a:latin typeface="JetBrains Mono"/>
+              </a:rPr>
+              <a:t>dashboard.get_name</a:t>
+            </a:r>
+            <a:r>
+              <a:rPr kumimoji="0" lang="en-US" altLang="en-US" sz="900" b="0" i="0" u="none" strike="noStrike" cap="none" normalizeH="0" baseline="0" dirty="0">
+                <a:ln>
+                  <a:noFill/>
+                </a:ln>
+                <a:solidFill>
+                  <a:srgbClr val="A9B7C6"/>
+                </a:solidFill>
+                <a:effectLst/>
+                <a:latin typeface="JetBrains Mono"/>
+              </a:rPr>
+              <a:t>())</a:t>
+            </a:r>
+            <a:endParaRPr kumimoji="0" lang="en-US" altLang="en-US" sz="1800" b="0" i="0" u="none" strike="noStrike" cap="none" normalizeH="0" baseline="0" dirty="0">
+              <a:ln>
+                <a:noFill/>
+              </a:ln>
+              <a:solidFill>
+                <a:schemeClr val="tx1"/>
+              </a:solidFill>
+              <a:effectLst/>
+              <a:latin typeface="Arial" panose="020B0604020202020204" pitchFamily="34" charset="0"/>
+            </a:endParaRPr>
+          </a:p>
+        </p:txBody>
+      </p:sp>
     </p:spTree>
     <p:extLst>
       <p:ext uri="{BB962C8B-B14F-4D97-AF65-F5344CB8AC3E}">
@@ -12021,7 +13545,7 @@
           <p:cNvPr id="2" name="Title 1">
             <a:extLst>
               <a:ext uri="{FF2B5EF4-FFF2-40B4-BE49-F238E27FC236}">
-                <a16:creationId xmlns:a16="http://schemas.microsoft.com/office/drawing/2014/main" id="{A9F3CA17-A44F-4EE4-8F68-F55119CC6755}"/>
+                <a16:creationId xmlns:a16="http://schemas.microsoft.com/office/drawing/2014/main" id="{AAA943A8-F6AF-45FB-BA7A-F24B9C8AA571}"/>
               </a:ext>
             </a:extLst>
           </p:cNvPr>
@@ -12032,14 +13556,19 @@
             <p:ph type="title"/>
           </p:nvPr>
         </p:nvSpPr>
-        <p:spPr/>
+        <p:spPr>
+          <a:xfrm>
+            <a:off x="1218883" y="274637"/>
+            <a:ext cx="10360501" cy="715963"/>
+          </a:xfrm>
+        </p:spPr>
         <p:txBody>
           <a:bodyPr/>
           <a:lstStyle/>
           <a:p>
             <a:r>
               <a:rPr lang="en-US" dirty="0"/>
-              <a:t>Examples of Other SDKs</a:t>
+              <a:t>Sisense, REST, and Automation</a:t>
             </a:r>
           </a:p>
         </p:txBody>
@@ -12049,7 +13578,7 @@
           <p:cNvPr id="3" name="Content Placeholder 2">
             <a:extLst>
               <a:ext uri="{FF2B5EF4-FFF2-40B4-BE49-F238E27FC236}">
-                <a16:creationId xmlns:a16="http://schemas.microsoft.com/office/drawing/2014/main" id="{EEB369F8-2F8D-4B8A-B281-75AB48512D1C}"/>
+                <a16:creationId xmlns:a16="http://schemas.microsoft.com/office/drawing/2014/main" id="{F9F42571-0882-43F6-BC43-B5838D83241F}"/>
               </a:ext>
             </a:extLst>
           </p:cNvPr>
@@ -12060,60 +13589,67 @@
             <p:ph idx="1"/>
           </p:nvPr>
         </p:nvSpPr>
-        <p:spPr/>
+        <p:spPr>
+          <a:xfrm>
+            <a:off x="1103025" y="1407297"/>
+            <a:ext cx="8944211" cy="4840369"/>
+          </a:xfrm>
+        </p:spPr>
         <p:txBody>
-          <a:bodyPr/>
+          <a:bodyPr>
+            <a:normAutofit fontScale="92500" lnSpcReduction="20000"/>
+          </a:bodyPr>
           <a:lstStyle/>
           <a:p>
             <a:r>
               <a:rPr lang="en-US" dirty="0"/>
-              <a:t>Looker: </a:t>
+              <a:t>All communication between the front end and the back end of Sisense is accomplished via REST. </a:t>
+            </a:r>
+          </a:p>
+          <a:p>
+            <a:r>
+              <a:rPr lang="en-US" dirty="0"/>
+              <a:t>REST (Representational State Transfer) is a protocol that allows us to programmatically tell the server to do something for us, generally either</a:t>
             </a:r>
           </a:p>
           <a:p>
             <a:pPr lvl="1"/>
             <a:r>
               <a:rPr lang="en-US" dirty="0"/>
-              <a:t>Ruby, JavaScript, Python</a:t>
-            </a:r>
-          </a:p>
-          <a:p>
-            <a:r>
-              <a:rPr lang="en-US" dirty="0"/>
-              <a:t>Tableau:</a:t>
+              <a:t>Get information</a:t>
             </a:r>
           </a:p>
           <a:p>
             <a:pPr lvl="1"/>
             <a:r>
               <a:rPr lang="en-US" dirty="0"/>
-              <a:t>C, C++, Java, Python</a:t>
-            </a:r>
-          </a:p>
-          <a:p>
-            <a:r>
-              <a:rPr lang="en-US" dirty="0"/>
-              <a:t>Power BI:</a:t>
+              <a:t>Modify information</a:t>
             </a:r>
           </a:p>
           <a:p>
             <a:pPr lvl="1"/>
             <a:r>
               <a:rPr lang="en-US" dirty="0"/>
-              <a:t>.NET</a:t>
-            </a:r>
-          </a:p>
-          <a:p>
-            <a:r>
-              <a:rPr lang="en-US" dirty="0"/>
-              <a:t>Domo</a:t>
+              <a:t>Add information</a:t>
             </a:r>
           </a:p>
           <a:p>
             <a:pPr lvl="1"/>
             <a:r>
               <a:rPr lang="en-US" dirty="0"/>
-              <a:t>Java, Python</a:t>
+              <a:t>Delete information</a:t>
+            </a:r>
+          </a:p>
+          <a:p>
+            <a:r>
+              <a:rPr lang="en-US" dirty="0"/>
+              <a:t>When you click a button on the UI, you are activating a REST call. </a:t>
+            </a:r>
+          </a:p>
+          <a:p>
+            <a:r>
+              <a:rPr lang="en-US" dirty="0"/>
+              <a:t>Automation is skipping the button pressing and just making the REST call directly. </a:t>
             </a:r>
           </a:p>
         </p:txBody>
@@ -12121,7 +13657,7 @@
     </p:spTree>
     <p:extLst>
       <p:ext uri="{BB962C8B-B14F-4D97-AF65-F5344CB8AC3E}">
-        <p14:creationId xmlns:p14="http://schemas.microsoft.com/office/powerpoint/2010/main" val="2731728544"/>
+        <p14:creationId xmlns:p14="http://schemas.microsoft.com/office/powerpoint/2010/main" val="3957816765"/>
       </p:ext>
     </p:extLst>
   </p:cSld>
@@ -12165,7 +13701,7 @@
           <p:cNvPr id="2" name="Title 1">
             <a:extLst>
               <a:ext uri="{FF2B5EF4-FFF2-40B4-BE49-F238E27FC236}">
-                <a16:creationId xmlns:a16="http://schemas.microsoft.com/office/drawing/2014/main" id="{AAA943A8-F6AF-45FB-BA7A-F24B9C8AA571}"/>
+                <a16:creationId xmlns:a16="http://schemas.microsoft.com/office/drawing/2014/main" id="{C704E581-86A1-4D3C-B38E-B584EDCB5295}"/>
               </a:ext>
             </a:extLst>
           </p:cNvPr>
@@ -12176,19 +13712,18 @@
             <p:ph type="title"/>
           </p:nvPr>
         </p:nvSpPr>
-        <p:spPr>
-          <a:xfrm>
-            <a:off x="1218883" y="274637"/>
-            <a:ext cx="10360501" cy="715963"/>
-          </a:xfrm>
-        </p:spPr>
+        <p:spPr/>
         <p:txBody>
           <a:bodyPr/>
           <a:lstStyle/>
           <a:p>
             <a:r>
-              <a:rPr lang="en-US" dirty="0"/>
-              <a:t>Sisense, REST, and Automation</a:t>
+              <a:rPr lang="en-US" dirty="0" err="1"/>
+              <a:t>PySense</a:t>
+            </a:r>
+            <a:r>
+              <a:rPr lang="en-US" dirty="0"/>
+              <a:t> is Object Oriented Sisense	</a:t>
             </a:r>
           </a:p>
         </p:txBody>
@@ -12198,7 +13733,7 @@
           <p:cNvPr id="3" name="Content Placeholder 2">
             <a:extLst>
               <a:ext uri="{FF2B5EF4-FFF2-40B4-BE49-F238E27FC236}">
-                <a16:creationId xmlns:a16="http://schemas.microsoft.com/office/drawing/2014/main" id="{F9F42571-0882-43F6-BC43-B5838D83241F}"/>
+                <a16:creationId xmlns:a16="http://schemas.microsoft.com/office/drawing/2014/main" id="{CABCEE03-E989-40AC-9386-72FA6F9D92A0}"/>
               </a:ext>
             </a:extLst>
           </p:cNvPr>
@@ -12209,67 +13744,34 @@
             <p:ph idx="1"/>
           </p:nvPr>
         </p:nvSpPr>
-        <p:spPr>
-          <a:xfrm>
-            <a:off x="1103025" y="1407297"/>
-            <a:ext cx="8944211" cy="4840369"/>
-          </a:xfrm>
-        </p:spPr>
+        <p:spPr/>
         <p:txBody>
-          <a:bodyPr>
-            <a:normAutofit fontScale="92500" lnSpcReduction="20000"/>
-          </a:bodyPr>
+          <a:bodyPr/>
           <a:lstStyle/>
           <a:p>
             <a:r>
               <a:rPr lang="en-US" dirty="0"/>
-              <a:t>All communication between the front end and the back end of Sisense is accomplished via REST. </a:t>
-            </a:r>
-          </a:p>
-          <a:p>
-            <a:r>
-              <a:rPr lang="en-US" dirty="0"/>
-              <a:t>REST (Representational State Transfer) is a protocol that allows us to programmatically tell the server to do something for us, generally either</a:t>
-            </a:r>
-          </a:p>
-          <a:p>
-            <a:pPr lvl="1"/>
-            <a:r>
-              <a:rPr lang="en-US" dirty="0"/>
-              <a:t>Get information</a:t>
-            </a:r>
-          </a:p>
-          <a:p>
-            <a:pPr lvl="1"/>
-            <a:r>
-              <a:rPr lang="en-US" dirty="0"/>
-              <a:t>Modify information</a:t>
-            </a:r>
-          </a:p>
-          <a:p>
-            <a:pPr lvl="1"/>
-            <a:r>
-              <a:rPr lang="en-US" dirty="0"/>
-              <a:t>Add information</a:t>
-            </a:r>
-          </a:p>
-          <a:p>
-            <a:pPr lvl="1"/>
-            <a:r>
-              <a:rPr lang="en-US" dirty="0"/>
-              <a:t>Delete information</a:t>
-            </a:r>
-          </a:p>
-          <a:p>
-            <a:r>
-              <a:rPr lang="en-US" dirty="0"/>
-              <a:t>When you click a button on the UI, you are activating a REST call. </a:t>
-            </a:r>
-          </a:p>
-          <a:p>
-            <a:r>
-              <a:rPr lang="en-US" dirty="0"/>
-              <a:t>Automation is skipping the button pressing and just making the REST call directly. </a:t>
+              <a:t>Object Oriented Programming (OOP) takes abstract computer elements and models them as objects which are easier for humans to understand.</a:t>
+            </a:r>
+          </a:p>
+          <a:p>
+            <a:r>
+              <a:rPr lang="en-US" dirty="0"/>
+              <a:t>When you ask Sisense for a dashboard it returns you a JSON blob</a:t>
+            </a:r>
+          </a:p>
+          <a:p>
+            <a:r>
+              <a:rPr lang="en-US" dirty="0"/>
+              <a:t>When you ask </a:t>
+            </a:r>
+            <a:r>
+              <a:rPr lang="en-US" dirty="0" err="1"/>
+              <a:t>PySense</a:t>
+            </a:r>
+            <a:r>
+              <a:rPr lang="en-US" dirty="0"/>
+              <a:t> for a dashboard, it returns a dashboard object. </a:t>
             </a:r>
           </a:p>
         </p:txBody>
@@ -12277,7 +13779,7 @@
     </p:spTree>
     <p:extLst>
       <p:ext uri="{BB962C8B-B14F-4D97-AF65-F5344CB8AC3E}">
-        <p14:creationId xmlns:p14="http://schemas.microsoft.com/office/powerpoint/2010/main" val="3957816765"/>
+        <p14:creationId xmlns:p14="http://schemas.microsoft.com/office/powerpoint/2010/main" val="299691989"/>
       </p:ext>
     </p:extLst>
   </p:cSld>
@@ -12321,128 +13823,6 @@
           <p:cNvPr id="2" name="Title 1">
             <a:extLst>
               <a:ext uri="{FF2B5EF4-FFF2-40B4-BE49-F238E27FC236}">
-                <a16:creationId xmlns:a16="http://schemas.microsoft.com/office/drawing/2014/main" id="{C704E581-86A1-4D3C-B38E-B584EDCB5295}"/>
-              </a:ext>
-            </a:extLst>
-          </p:cNvPr>
-          <p:cNvSpPr>
-            <a:spLocks noGrp="1"/>
-          </p:cNvSpPr>
-          <p:nvPr>
-            <p:ph type="title"/>
-          </p:nvPr>
-        </p:nvSpPr>
-        <p:spPr/>
-        <p:txBody>
-          <a:bodyPr/>
-          <a:lstStyle/>
-          <a:p>
-            <a:r>
-              <a:rPr lang="en-US" dirty="0" err="1"/>
-              <a:t>PySense</a:t>
-            </a:r>
-            <a:r>
-              <a:rPr lang="en-US" dirty="0"/>
-              <a:t> is Object Oriented Sisense	</a:t>
-            </a:r>
-          </a:p>
-        </p:txBody>
-      </p:sp>
-      <p:sp>
-        <p:nvSpPr>
-          <p:cNvPr id="3" name="Content Placeholder 2">
-            <a:extLst>
-              <a:ext uri="{FF2B5EF4-FFF2-40B4-BE49-F238E27FC236}">
-                <a16:creationId xmlns:a16="http://schemas.microsoft.com/office/drawing/2014/main" id="{CABCEE03-E989-40AC-9386-72FA6F9D92A0}"/>
-              </a:ext>
-            </a:extLst>
-          </p:cNvPr>
-          <p:cNvSpPr>
-            <a:spLocks noGrp="1"/>
-          </p:cNvSpPr>
-          <p:nvPr>
-            <p:ph idx="1"/>
-          </p:nvPr>
-        </p:nvSpPr>
-        <p:spPr/>
-        <p:txBody>
-          <a:bodyPr/>
-          <a:lstStyle/>
-          <a:p>
-            <a:r>
-              <a:rPr lang="en-US" dirty="0"/>
-              <a:t>Object Oriented Programming (OOP) takes abstract computer elements and models them as objects which are easier for humans to understand.</a:t>
-            </a:r>
-          </a:p>
-          <a:p>
-            <a:r>
-              <a:rPr lang="en-US" dirty="0"/>
-              <a:t>When you ask Sisense for a dashboard it returns you a JSON blob</a:t>
-            </a:r>
-          </a:p>
-          <a:p>
-            <a:r>
-              <a:rPr lang="en-US" dirty="0"/>
-              <a:t>When you ask </a:t>
-            </a:r>
-            <a:r>
-              <a:rPr lang="en-US" dirty="0" err="1"/>
-              <a:t>PySense</a:t>
-            </a:r>
-            <a:r>
-              <a:rPr lang="en-US" dirty="0"/>
-              <a:t> for a dashboard, it returns a dashboard object. </a:t>
-            </a:r>
-          </a:p>
-        </p:txBody>
-      </p:sp>
-    </p:spTree>
-    <p:extLst>
-      <p:ext uri="{BB962C8B-B14F-4D97-AF65-F5344CB8AC3E}">
-        <p14:creationId xmlns:p14="http://schemas.microsoft.com/office/powerpoint/2010/main" val="299691989"/>
-      </p:ext>
-    </p:extLst>
-  </p:cSld>
-  <p:clrMapOvr>
-    <a:masterClrMapping/>
-  </p:clrMapOvr>
-  <mc:AlternateContent xmlns:mc="http://schemas.openxmlformats.org/markup-compatibility/2006" xmlns:p14="http://schemas.microsoft.com/office/powerpoint/2010/main">
-    <mc:Choice Requires="p14">
-      <p:transition spd="med" p14:dur="700">
-        <p:fade/>
-      </p:transition>
-    </mc:Choice>
-    <mc:Fallback xmlns="">
-      <p:transition spd="med">
-        <p:fade/>
-      </p:transition>
-    </mc:Fallback>
-  </mc:AlternateContent>
-</p:sld>
-</file>
-
-<file path=ppt/slides/slide7.xml><?xml version="1.0" encoding="utf-8"?>
-<p:sld xmlns:a="http://schemas.openxmlformats.org/drawingml/2006/main" xmlns:r="http://schemas.openxmlformats.org/officeDocument/2006/relationships" xmlns:p="http://schemas.openxmlformats.org/presentationml/2006/main">
-  <p:cSld>
-    <p:spTree>
-      <p:nvGrpSpPr>
-        <p:cNvPr id="1" name=""/>
-        <p:cNvGrpSpPr/>
-        <p:nvPr/>
-      </p:nvGrpSpPr>
-      <p:grpSpPr>
-        <a:xfrm>
-          <a:off x="0" y="0"/>
-          <a:ext cx="0" cy="0"/>
-          <a:chOff x="0" y="0"/>
-          <a:chExt cx="0" cy="0"/>
-        </a:xfrm>
-      </p:grpSpPr>
-      <p:sp>
-        <p:nvSpPr>
-          <p:cNvPr id="2" name="Title 1">
-            <a:extLst>
-              <a:ext uri="{FF2B5EF4-FFF2-40B4-BE49-F238E27FC236}">
                 <a16:creationId xmlns:a16="http://schemas.microsoft.com/office/drawing/2014/main" id="{3D42713F-2E33-40D8-802B-1F5AD76B59DB}"/>
               </a:ext>
             </a:extLst>
@@ -12610,7 +13990,7 @@
 </p:sld>
 </file>
 
-<file path=ppt/slides/slide8.xml><?xml version="1.0" encoding="utf-8"?>
+<file path=ppt/slides/slide7.xml><?xml version="1.0" encoding="utf-8"?>
 <p:sld xmlns:a="http://schemas.openxmlformats.org/drawingml/2006/main" xmlns:r="http://schemas.openxmlformats.org/officeDocument/2006/relationships" xmlns:p="http://schemas.openxmlformats.org/presentationml/2006/main">
   <p:cSld>
     <p:spTree>
@@ -12758,7 +14138,7 @@
 </p:sld>
 </file>
 
-<file path=ppt/slides/slide9.xml><?xml version="1.0" encoding="utf-8"?>
+<file path=ppt/slides/slide8.xml><?xml version="1.0" encoding="utf-8"?>
 <p:sld xmlns:a="http://schemas.openxmlformats.org/drawingml/2006/main" xmlns:r="http://schemas.openxmlformats.org/officeDocument/2006/relationships" xmlns:p="http://schemas.openxmlformats.org/presentationml/2006/main">
   <p:cSld>
     <p:spTree>
@@ -12880,6 +14260,311 @@
     <p:extLst>
       <p:ext uri="{BB962C8B-B14F-4D97-AF65-F5344CB8AC3E}">
         <p14:creationId xmlns:p14="http://schemas.microsoft.com/office/powerpoint/2010/main" val="3729979138"/>
+      </p:ext>
+    </p:extLst>
+  </p:cSld>
+  <p:clrMapOvr>
+    <a:masterClrMapping/>
+  </p:clrMapOvr>
+  <mc:AlternateContent xmlns:mc="http://schemas.openxmlformats.org/markup-compatibility/2006" xmlns:p14="http://schemas.microsoft.com/office/powerpoint/2010/main">
+    <mc:Choice Requires="p14">
+      <p:transition spd="med" p14:dur="700">
+        <p:fade/>
+      </p:transition>
+    </mc:Choice>
+    <mc:Fallback xmlns="">
+      <p:transition spd="med">
+        <p:fade/>
+      </p:transition>
+    </mc:Fallback>
+  </mc:AlternateContent>
+</p:sld>
+</file>
+
+<file path=ppt/slides/slide9.xml><?xml version="1.0" encoding="utf-8"?>
+<p:sld xmlns:a="http://schemas.openxmlformats.org/drawingml/2006/main" xmlns:r="http://schemas.openxmlformats.org/officeDocument/2006/relationships" xmlns:p="http://schemas.openxmlformats.org/presentationml/2006/main">
+  <p:cSld>
+    <p:spTree>
+      <p:nvGrpSpPr>
+        <p:cNvPr id="1" name=""/>
+        <p:cNvGrpSpPr/>
+        <p:nvPr/>
+      </p:nvGrpSpPr>
+      <p:grpSpPr>
+        <a:xfrm>
+          <a:off x="0" y="0"/>
+          <a:ext cx="0" cy="0"/>
+          <a:chOff x="0" y="0"/>
+          <a:chExt cx="0" cy="0"/>
+        </a:xfrm>
+      </p:grpSpPr>
+      <p:sp>
+        <p:nvSpPr>
+          <p:cNvPr id="2" name="Title 1">
+            <a:extLst>
+              <a:ext uri="{FF2B5EF4-FFF2-40B4-BE49-F238E27FC236}">
+                <a16:creationId xmlns:a16="http://schemas.microsoft.com/office/drawing/2014/main" id="{BD70C8AC-7EA8-43CD-B1BB-4E7FB11AD150}"/>
+              </a:ext>
+            </a:extLst>
+          </p:cNvPr>
+          <p:cNvSpPr>
+            <a:spLocks noGrp="1"/>
+          </p:cNvSpPr>
+          <p:nvPr>
+            <p:ph type="title"/>
+          </p:nvPr>
+        </p:nvSpPr>
+        <p:spPr/>
+        <p:txBody>
+          <a:bodyPr/>
+          <a:lstStyle/>
+          <a:p>
+            <a:r>
+              <a:rPr lang="en-US" dirty="0"/>
+              <a:t>Set up Python and </a:t>
+            </a:r>
+            <a:r>
+              <a:rPr lang="en-US" dirty="0" err="1"/>
+              <a:t>PySense</a:t>
+            </a:r>
+            <a:endParaRPr lang="en-US" dirty="0"/>
+          </a:p>
+        </p:txBody>
+      </p:sp>
+      <p:sp>
+        <p:nvSpPr>
+          <p:cNvPr id="3" name="Content Placeholder 2">
+            <a:extLst>
+              <a:ext uri="{FF2B5EF4-FFF2-40B4-BE49-F238E27FC236}">
+                <a16:creationId xmlns:a16="http://schemas.microsoft.com/office/drawing/2014/main" id="{26B6DFAD-7750-4EF1-B0FB-BC25002C952B}"/>
+              </a:ext>
+            </a:extLst>
+          </p:cNvPr>
+          <p:cNvSpPr>
+            <a:spLocks noGrp="1"/>
+          </p:cNvSpPr>
+          <p:nvPr>
+            <p:ph idx="1"/>
+          </p:nvPr>
+        </p:nvSpPr>
+        <p:spPr/>
+        <p:txBody>
+          <a:bodyPr/>
+          <a:lstStyle/>
+          <a:p>
+            <a:r>
+              <a:rPr lang="en-US" dirty="0"/>
+              <a:t>Install Python and an IDE of your choice. (</a:t>
+            </a:r>
+            <a:r>
+              <a:rPr lang="en-US" dirty="0" err="1"/>
+              <a:t>PySense</a:t>
+            </a:r>
+            <a:r>
+              <a:rPr lang="en-US" dirty="0"/>
+              <a:t> was developed on PyCharm). </a:t>
+            </a:r>
+          </a:p>
+          <a:p>
+            <a:r>
+              <a:rPr lang="en-US" dirty="0"/>
+              <a:t>Install the </a:t>
+            </a:r>
+            <a:r>
+              <a:rPr lang="en-US" dirty="0" err="1"/>
+              <a:t>PySense</a:t>
+            </a:r>
+            <a:r>
+              <a:rPr lang="en-US" dirty="0"/>
+              <a:t> library through pip</a:t>
+            </a:r>
+          </a:p>
+          <a:p>
+            <a:pPr lvl="1"/>
+            <a:r>
+              <a:rPr lang="en-US" dirty="0"/>
+              <a:t>pip install </a:t>
+            </a:r>
+            <a:r>
+              <a:rPr lang="en-US" dirty="0" err="1"/>
+              <a:t>PySenseSDK</a:t>
+            </a:r>
+            <a:endParaRPr lang="en-US" dirty="0"/>
+          </a:p>
+          <a:p>
+            <a:r>
+              <a:rPr lang="en-US" dirty="0"/>
+              <a:t>Include </a:t>
+            </a:r>
+            <a:r>
+              <a:rPr lang="en-US" dirty="0" err="1"/>
+              <a:t>PySense</a:t>
+            </a:r>
+            <a:r>
+              <a:rPr lang="en-US" dirty="0"/>
+              <a:t> in all your scripts: </a:t>
+            </a:r>
+          </a:p>
+        </p:txBody>
+      </p:sp>
+      <p:sp>
+        <p:nvSpPr>
+          <p:cNvPr id="4" name="Rectangle 1">
+            <a:extLst>
+              <a:ext uri="{FF2B5EF4-FFF2-40B4-BE49-F238E27FC236}">
+                <a16:creationId xmlns:a16="http://schemas.microsoft.com/office/drawing/2014/main" id="{4B7E0459-AA64-4C98-AEE2-1F840C31B803}"/>
+              </a:ext>
+            </a:extLst>
+          </p:cNvPr>
+          <p:cNvSpPr>
+            <a:spLocks noChangeArrowheads="1"/>
+          </p:cNvSpPr>
+          <p:nvPr/>
+        </p:nvSpPr>
+        <p:spPr bwMode="auto">
+          <a:xfrm>
+            <a:off x="6780212" y="3817517"/>
+            <a:ext cx="1905000" cy="230832"/>
+          </a:xfrm>
+          <a:prstGeom prst="rect">
+            <a:avLst/>
+          </a:prstGeom>
+          <a:solidFill>
+            <a:srgbClr val="2B2B2B"/>
+          </a:solidFill>
+          <a:ln>
+            <a:noFill/>
+          </a:ln>
+          <a:effectLst/>
+          <a:extLst>
+            <a:ext uri="{91240B29-F687-4F45-9708-019B960494DF}">
+              <a14:hiddenLine xmlns:a14="http://schemas.microsoft.com/office/drawing/2010/main" w="9525">
+                <a:solidFill>
+                  <a:schemeClr val="tx1"/>
+                </a:solidFill>
+                <a:miter lim="800000"/>
+                <a:headEnd/>
+                <a:tailEnd/>
+              </a14:hiddenLine>
+            </a:ext>
+            <a:ext uri="{AF507438-7753-43E0-B8FC-AC1667EBCBE1}">
+              <a14:hiddenEffects xmlns:a14="http://schemas.microsoft.com/office/drawing/2010/main">
+                <a:effectLst>
+                  <a:outerShdw dist="35921" dir="2700000" algn="ctr" rotWithShape="0">
+                    <a:schemeClr val="bg2"/>
+                  </a:outerShdw>
+                </a:effectLst>
+              </a14:hiddenEffects>
+            </a:ext>
+          </a:extLst>
+        </p:spPr>
+        <p:txBody>
+          <a:bodyPr vert="horz" wrap="square" lIns="91440" tIns="45720" rIns="91440" bIns="45720" numCol="1" anchor="ctr" anchorCtr="0" compatLnSpc="1">
+            <a:prstTxWarp prst="textNoShape">
+              <a:avLst/>
+            </a:prstTxWarp>
+            <a:spAutoFit/>
+          </a:bodyPr>
+          <a:lstStyle/>
+          <a:p>
+            <a:pPr marL="0" marR="0" lvl="0" indent="0" algn="l" defTabSz="914400" rtl="0" eaLnBrk="0" fontAlgn="base" latinLnBrk="0" hangingPunct="0">
+              <a:lnSpc>
+                <a:spcPct val="100000"/>
+              </a:lnSpc>
+              <a:spcBef>
+                <a:spcPct val="0"/>
+              </a:spcBef>
+              <a:spcAft>
+                <a:spcPct val="0"/>
+              </a:spcAft>
+              <a:buClrTx/>
+              <a:buSzTx/>
+              <a:buFontTx/>
+              <a:buNone/>
+              <a:tabLst/>
+            </a:pPr>
+            <a:r>
+              <a:rPr kumimoji="0" lang="en-US" altLang="en-US" sz="900" b="0" i="0" u="none" strike="noStrike" cap="none" normalizeH="0" baseline="0" dirty="0">
+                <a:ln>
+                  <a:noFill/>
+                </a:ln>
+                <a:solidFill>
+                  <a:srgbClr val="CC7832"/>
+                </a:solidFill>
+                <a:effectLst/>
+                <a:latin typeface="Consolas" panose="020B0609020204030204" pitchFamily="49" charset="0"/>
+              </a:rPr>
+              <a:t>from </a:t>
+            </a:r>
+            <a:r>
+              <a:rPr kumimoji="0" lang="en-US" altLang="en-US" sz="900" b="0" i="0" u="none" strike="noStrike" cap="none" normalizeH="0" baseline="0" dirty="0" err="1">
+                <a:ln>
+                  <a:noFill/>
+                </a:ln>
+                <a:solidFill>
+                  <a:srgbClr val="A9B7C6"/>
+                </a:solidFill>
+                <a:effectLst/>
+                <a:latin typeface="Consolas" panose="020B0609020204030204" pitchFamily="49" charset="0"/>
+              </a:rPr>
+              <a:t>PySense</a:t>
+            </a:r>
+            <a:r>
+              <a:rPr kumimoji="0" lang="en-US" altLang="en-US" sz="900" b="0" i="0" u="none" strike="noStrike" cap="none" normalizeH="0" baseline="0" dirty="0">
+                <a:ln>
+                  <a:noFill/>
+                </a:ln>
+                <a:solidFill>
+                  <a:srgbClr val="A9B7C6"/>
+                </a:solidFill>
+                <a:effectLst/>
+                <a:latin typeface="Consolas" panose="020B0609020204030204" pitchFamily="49" charset="0"/>
+              </a:rPr>
+              <a:t> </a:t>
+            </a:r>
+            <a:r>
+              <a:rPr kumimoji="0" lang="en-US" altLang="en-US" sz="900" b="0" i="0" u="none" strike="noStrike" cap="none" normalizeH="0" baseline="0" dirty="0">
+                <a:ln>
+                  <a:noFill/>
+                </a:ln>
+                <a:solidFill>
+                  <a:srgbClr val="CC7832"/>
+                </a:solidFill>
+                <a:effectLst/>
+                <a:latin typeface="Consolas" panose="020B0609020204030204" pitchFamily="49" charset="0"/>
+              </a:rPr>
+              <a:t>import </a:t>
+            </a:r>
+            <a:r>
+              <a:rPr kumimoji="0" lang="en-US" altLang="en-US" sz="900" b="0" i="0" u="none" strike="noStrike" cap="none" normalizeH="0" baseline="0" dirty="0" err="1">
+                <a:ln>
+                  <a:noFill/>
+                </a:ln>
+                <a:solidFill>
+                  <a:srgbClr val="A9B7C6"/>
+                </a:solidFill>
+                <a:effectLst/>
+                <a:latin typeface="Consolas" panose="020B0609020204030204" pitchFamily="49" charset="0"/>
+              </a:rPr>
+              <a:t>PySense</a:t>
+            </a:r>
+            <a:endParaRPr kumimoji="0" lang="en-US" altLang="en-US" sz="1800" b="0" i="0" u="none" strike="noStrike" cap="none" normalizeH="0" baseline="0" dirty="0">
+              <a:ln>
+                <a:noFill/>
+              </a:ln>
+              <a:solidFill>
+                <a:schemeClr val="tx1"/>
+              </a:solidFill>
+              <a:effectLst/>
+              <a:latin typeface="Arial" panose="020B0604020202020204" pitchFamily="34" charset="0"/>
+            </a:endParaRPr>
+          </a:p>
+        </p:txBody>
+      </p:sp>
+    </p:spTree>
+    <p:extLst>
+      <p:ext uri="{BB962C8B-B14F-4D97-AF65-F5344CB8AC3E}">
+        <p14:creationId xmlns:p14="http://schemas.microsoft.com/office/powerpoint/2010/main" val="1322414581"/>
       </p:ext>
     </p:extLst>
   </p:cSld>

--- a/PySenseTutorial.pptx
+++ b/PySenseTutorial.pptx
@@ -5,10 +5,10 @@
     <p:sldMasterId id="2147483660" r:id="rId4"/>
   </p:sldMasterIdLst>
   <p:notesMasterIdLst>
-    <p:notesMasterId r:id="rId34"/>
+    <p:notesMasterId r:id="rId37"/>
   </p:notesMasterIdLst>
   <p:handoutMasterIdLst>
-    <p:handoutMasterId r:id="rId35"/>
+    <p:handoutMasterId r:id="rId38"/>
   </p:handoutMasterIdLst>
   <p:sldIdLst>
     <p:sldId id="257" r:id="rId5"/>
@@ -23,23 +23,26 @@
     <p:sldId id="278" r:id="rId14"/>
     <p:sldId id="288" r:id="rId15"/>
     <p:sldId id="267" r:id="rId16"/>
-    <p:sldId id="303" r:id="rId17"/>
-    <p:sldId id="304" r:id="rId18"/>
-    <p:sldId id="289" r:id="rId19"/>
-    <p:sldId id="292" r:id="rId20"/>
-    <p:sldId id="274" r:id="rId21"/>
-    <p:sldId id="290" r:id="rId22"/>
-    <p:sldId id="293" r:id="rId23"/>
-    <p:sldId id="275" r:id="rId24"/>
-    <p:sldId id="276" r:id="rId25"/>
-    <p:sldId id="279" r:id="rId26"/>
-    <p:sldId id="291" r:id="rId27"/>
-    <p:sldId id="294" r:id="rId28"/>
-    <p:sldId id="280" r:id="rId29"/>
-    <p:sldId id="281" r:id="rId30"/>
-    <p:sldId id="295" r:id="rId31"/>
-    <p:sldId id="283" r:id="rId32"/>
-    <p:sldId id="297" r:id="rId33"/>
+    <p:sldId id="305" r:id="rId17"/>
+    <p:sldId id="306" r:id="rId18"/>
+    <p:sldId id="307" r:id="rId19"/>
+    <p:sldId id="303" r:id="rId20"/>
+    <p:sldId id="304" r:id="rId21"/>
+    <p:sldId id="289" r:id="rId22"/>
+    <p:sldId id="292" r:id="rId23"/>
+    <p:sldId id="274" r:id="rId24"/>
+    <p:sldId id="290" r:id="rId25"/>
+    <p:sldId id="293" r:id="rId26"/>
+    <p:sldId id="275" r:id="rId27"/>
+    <p:sldId id="276" r:id="rId28"/>
+    <p:sldId id="279" r:id="rId29"/>
+    <p:sldId id="291" r:id="rId30"/>
+    <p:sldId id="294" r:id="rId31"/>
+    <p:sldId id="280" r:id="rId32"/>
+    <p:sldId id="281" r:id="rId33"/>
+    <p:sldId id="295" r:id="rId34"/>
+    <p:sldId id="283" r:id="rId35"/>
+    <p:sldId id="297" r:id="rId36"/>
   </p:sldIdLst>
   <p:sldSz cx="12188825" cy="6858000"/>
   <p:notesSz cx="6858000" cy="9144000"/>
@@ -253,7 +256,7 @@
           <a:p>
             <a:fld id="{FE5B4EDC-59C0-49C7-8ADA-5A781B329E02}" type="datetimeFigureOut">
               <a:rPr lang="en-US"/>
-              <a:t>5/17/2020</a:t>
+              <a:t>6/4/2020</a:t>
             </a:fld>
             <a:endParaRPr/>
           </a:p>
@@ -418,7 +421,7 @@
           <a:p>
             <a:fld id="{F2D8D46A-B586-417D-BFBD-8C8FE0AAF762}" type="datetimeFigureOut">
               <a:rPr lang="en-US"/>
-              <a:t>5/17/2020</a:t>
+              <a:t>6/4/2020</a:t>
             </a:fld>
             <a:endParaRPr/>
           </a:p>
@@ -1520,7 +1523,7 @@
           <a:p>
             <a:fld id="{F0DFD029-FB74-4578-B929-F66AA97659CA}" type="datetimeFigureOut">
               <a:rPr lang="en-US"/>
-              <a:t>5/17/2020</a:t>
+              <a:t>6/4/2020</a:t>
             </a:fld>
             <a:endParaRPr/>
           </a:p>
@@ -1718,7 +1721,7 @@
           <a:p>
             <a:fld id="{F0DFD029-FB74-4578-B929-F66AA97659CA}" type="datetimeFigureOut">
               <a:rPr lang="en-US"/>
-              <a:t>5/17/2020</a:t>
+              <a:t>6/4/2020</a:t>
             </a:fld>
             <a:endParaRPr/>
           </a:p>
@@ -1926,7 +1929,7 @@
           <a:p>
             <a:fld id="{F0DFD029-FB74-4578-B929-F66AA97659CA}" type="datetimeFigureOut">
               <a:rPr lang="en-US"/>
-              <a:t>5/17/2020</a:t>
+              <a:t>6/4/2020</a:t>
             </a:fld>
             <a:endParaRPr/>
           </a:p>
@@ -2124,7 +2127,7 @@
           <a:p>
             <a:fld id="{F0DFD029-FB74-4578-B929-F66AA97659CA}" type="datetimeFigureOut">
               <a:rPr lang="en-US"/>
-              <a:t>5/17/2020</a:t>
+              <a:t>6/4/2020</a:t>
             </a:fld>
             <a:endParaRPr/>
           </a:p>
@@ -2556,7 +2559,7 @@
           <a:p>
             <a:fld id="{F0DFD029-FB74-4578-B929-F66AA97659CA}" type="datetimeFigureOut">
               <a:rPr lang="en-US"/>
-              <a:t>5/17/2020</a:t>
+              <a:t>6/4/2020</a:t>
             </a:fld>
             <a:endParaRPr/>
           </a:p>
@@ -2860,7 +2863,7 @@
           <a:p>
             <a:fld id="{F0DFD029-FB74-4578-B929-F66AA97659CA}" type="datetimeFigureOut">
               <a:rPr lang="en-US"/>
-              <a:t>5/17/2020</a:t>
+              <a:t>6/4/2020</a:t>
             </a:fld>
             <a:endParaRPr/>
           </a:p>
@@ -3316,7 +3319,7 @@
           <a:p>
             <a:fld id="{F0DFD029-FB74-4578-B929-F66AA97659CA}" type="datetimeFigureOut">
               <a:rPr lang="en-US"/>
-              <a:t>5/17/2020</a:t>
+              <a:t>6/4/2020</a:t>
             </a:fld>
             <a:endParaRPr/>
           </a:p>
@@ -3446,7 +3449,7 @@
           <a:p>
             <a:fld id="{F0DFD029-FB74-4578-B929-F66AA97659CA}" type="datetimeFigureOut">
               <a:rPr lang="en-US"/>
-              <a:t>5/17/2020</a:t>
+              <a:t>6/4/2020</a:t>
             </a:fld>
             <a:endParaRPr/>
           </a:p>
@@ -3553,7 +3556,7 @@
           <a:p>
             <a:fld id="{F0DFD029-FB74-4578-B929-F66AA97659CA}" type="datetimeFigureOut">
               <a:rPr lang="en-US"/>
-              <a:t>5/17/2020</a:t>
+              <a:t>6/4/2020</a:t>
             </a:fld>
             <a:endParaRPr/>
           </a:p>
@@ -3852,7 +3855,7 @@
           <a:p>
             <a:fld id="{F0DFD029-FB74-4578-B929-F66AA97659CA}" type="datetimeFigureOut">
               <a:rPr lang="en-US"/>
-              <a:t>5/17/2020</a:t>
+              <a:t>6/4/2020</a:t>
             </a:fld>
             <a:endParaRPr/>
           </a:p>
@@ -4140,7 +4143,7 @@
           <a:p>
             <a:fld id="{F0DFD029-FB74-4578-B929-F66AA97659CA}" type="datetimeFigureOut">
               <a:rPr lang="en-US"/>
-              <a:t>5/17/2020</a:t>
+              <a:t>6/4/2020</a:t>
             </a:fld>
             <a:endParaRPr/>
           </a:p>
@@ -4763,7 +4766,7 @@
             <a:fld id="{F0DFD029-FB74-4578-B929-F66AA97659CA}" type="datetimeFigureOut">
               <a:rPr lang="en-US"/>
               <a:pPr/>
-              <a:t>5/17/2020</a:t>
+              <a:t>6/4/2020</a:t>
             </a:fld>
             <a:endParaRPr/>
           </a:p>
@@ -5991,939 +5994,17 @@
           <a:p>
             <a:r>
               <a:rPr lang="en-US" dirty="0"/>
-              <a:t>We can do this two ways</a:t>
-            </a:r>
-          </a:p>
-          <a:p>
-            <a:pPr lvl="1"/>
-            <a:r>
-              <a:rPr lang="en-US" dirty="0"/>
-              <a:t>Inline:</a:t>
-            </a:r>
-          </a:p>
-          <a:p>
-            <a:pPr lvl="1"/>
-            <a:r>
-              <a:rPr lang="en-US" dirty="0"/>
-              <a:t>From file: </a:t>
-            </a:r>
-          </a:p>
-          <a:p>
-            <a:pPr lvl="2"/>
-            <a:r>
-              <a:rPr lang="en-US" dirty="0" err="1"/>
-              <a:t>SampleConfig.yaml</a:t>
-            </a:r>
-            <a:r>
-              <a:rPr lang="en-US" dirty="0"/>
-              <a:t>:</a:t>
-            </a:r>
-          </a:p>
-        </p:txBody>
-      </p:sp>
-      <p:sp>
-        <p:nvSpPr>
-          <p:cNvPr id="6" name="Rectangle 3">
-            <a:extLst>
-              <a:ext uri="{FF2B5EF4-FFF2-40B4-BE49-F238E27FC236}">
-                <a16:creationId xmlns:a16="http://schemas.microsoft.com/office/drawing/2014/main" id="{889F68C9-6A2D-49FA-B681-412795B0B0E5}"/>
-              </a:ext>
-            </a:extLst>
-          </p:cNvPr>
-          <p:cNvSpPr>
-            <a:spLocks noChangeArrowheads="1"/>
-          </p:cNvSpPr>
-          <p:nvPr/>
-        </p:nvSpPr>
-        <p:spPr bwMode="auto">
-          <a:xfrm>
-            <a:off x="3198812" y="4633077"/>
-            <a:ext cx="4114800" cy="230832"/>
-          </a:xfrm>
-          <a:prstGeom prst="rect">
-            <a:avLst/>
-          </a:prstGeom>
-          <a:solidFill>
-            <a:srgbClr val="2B2B2B"/>
-          </a:solidFill>
-          <a:ln>
-            <a:noFill/>
-          </a:ln>
-          <a:effectLst/>
-          <a:extLst>
-            <a:ext uri="{91240B29-F687-4F45-9708-019B960494DF}">
-              <a14:hiddenLine xmlns:a14="http://schemas.microsoft.com/office/drawing/2010/main" w="9525">
-                <a:solidFill>
-                  <a:schemeClr val="tx1"/>
-                </a:solidFill>
-                <a:miter lim="800000"/>
-                <a:headEnd/>
-                <a:tailEnd/>
-              </a14:hiddenLine>
-            </a:ext>
-            <a:ext uri="{AF507438-7753-43E0-B8FC-AC1667EBCBE1}">
-              <a14:hiddenEffects xmlns:a14="http://schemas.microsoft.com/office/drawing/2010/main">
-                <a:effectLst>
-                  <a:outerShdw dist="35921" dir="2700000" algn="ctr" rotWithShape="0">
-                    <a:schemeClr val="bg2"/>
-                  </a:outerShdw>
-                </a:effectLst>
-              </a14:hiddenEffects>
-            </a:ext>
-          </a:extLst>
-        </p:spPr>
-        <p:txBody>
-          <a:bodyPr vert="horz" wrap="square" lIns="91440" tIns="45720" rIns="91440" bIns="45720" numCol="1" anchor="ctr" anchorCtr="0" compatLnSpc="1">
-            <a:prstTxWarp prst="textNoShape">
-              <a:avLst/>
-            </a:prstTxWarp>
-            <a:spAutoFit/>
-          </a:bodyPr>
-          <a:lstStyle/>
-          <a:p>
-            <a:pPr marL="0" marR="0" lvl="0" indent="0" algn="l" defTabSz="914400" rtl="0" eaLnBrk="0" fontAlgn="base" latinLnBrk="0" hangingPunct="0">
-              <a:lnSpc>
-                <a:spcPct val="100000"/>
-              </a:lnSpc>
-              <a:spcBef>
-                <a:spcPct val="0"/>
-              </a:spcBef>
-              <a:spcAft>
-                <a:spcPct val="0"/>
-              </a:spcAft>
-              <a:buClrTx/>
-              <a:buSzTx/>
-              <a:buFontTx/>
-              <a:buNone/>
-              <a:tabLst/>
-            </a:pPr>
-            <a:r>
-              <a:rPr kumimoji="0" lang="en-US" altLang="en-US" sz="900" b="0" i="0" u="none" strike="noStrike" cap="none" normalizeH="0" baseline="0" dirty="0" err="1">
-                <a:ln>
-                  <a:noFill/>
-                </a:ln>
-                <a:solidFill>
-                  <a:srgbClr val="A9B7C6"/>
-                </a:solidFill>
-                <a:effectLst/>
-                <a:latin typeface="Consolas" panose="020B0609020204030204" pitchFamily="49" charset="0"/>
-              </a:rPr>
-              <a:t>py_client</a:t>
-            </a:r>
-            <a:r>
-              <a:rPr kumimoji="0" lang="en-US" altLang="en-US" sz="900" b="0" i="0" u="none" strike="noStrike" cap="none" normalizeH="0" baseline="0" dirty="0">
-                <a:ln>
-                  <a:noFill/>
-                </a:ln>
-                <a:solidFill>
-                  <a:srgbClr val="A9B7C6"/>
-                </a:solidFill>
-                <a:effectLst/>
-                <a:latin typeface="Consolas" panose="020B0609020204030204" pitchFamily="49" charset="0"/>
-              </a:rPr>
-              <a:t> = </a:t>
-            </a:r>
-            <a:r>
-              <a:rPr kumimoji="0" lang="en-US" altLang="en-US" sz="900" b="0" i="0" u="none" strike="noStrike" cap="none" normalizeH="0" baseline="0" dirty="0" err="1">
-                <a:ln>
-                  <a:noFill/>
-                </a:ln>
-                <a:solidFill>
-                  <a:srgbClr val="A9B7C6"/>
-                </a:solidFill>
-                <a:effectLst/>
-                <a:latin typeface="Consolas" panose="020B0609020204030204" pitchFamily="49" charset="0"/>
-              </a:rPr>
-              <a:t>PySense.authenticate_by_file</a:t>
-            </a:r>
-            <a:r>
-              <a:rPr kumimoji="0" lang="en-US" altLang="en-US" sz="900" b="0" i="0" u="none" strike="noStrike" cap="none" normalizeH="0" baseline="0" dirty="0">
-                <a:ln>
-                  <a:noFill/>
-                </a:ln>
-                <a:solidFill>
-                  <a:srgbClr val="A9B7C6"/>
-                </a:solidFill>
-                <a:effectLst/>
-                <a:latin typeface="Consolas" panose="020B0609020204030204" pitchFamily="49" charset="0"/>
-              </a:rPr>
-              <a:t>(</a:t>
-            </a:r>
-            <a:r>
-              <a:rPr kumimoji="0" lang="en-US" altLang="en-US" sz="900" b="0" i="0" u="none" strike="noStrike" cap="none" normalizeH="0" baseline="0" dirty="0">
-                <a:ln>
-                  <a:noFill/>
-                </a:ln>
-                <a:solidFill>
-                  <a:srgbClr val="6A8759"/>
-                </a:solidFill>
-                <a:effectLst/>
-                <a:latin typeface="Consolas" panose="020B0609020204030204" pitchFamily="49" charset="0"/>
-              </a:rPr>
-              <a:t>'</a:t>
-            </a:r>
-            <a:r>
-              <a:rPr kumimoji="0" lang="en-US" altLang="en-US" sz="900" b="0" i="0" u="none" strike="noStrike" cap="none" normalizeH="0" baseline="0" dirty="0" err="1">
-                <a:ln>
-                  <a:noFill/>
-                </a:ln>
-                <a:solidFill>
-                  <a:srgbClr val="6A8759"/>
-                </a:solidFill>
-                <a:effectLst/>
-                <a:latin typeface="Consolas" panose="020B0609020204030204" pitchFamily="49" charset="0"/>
-              </a:rPr>
-              <a:t>SampleConfig.yaml</a:t>
-            </a:r>
-            <a:r>
-              <a:rPr kumimoji="0" lang="en-US" altLang="en-US" sz="900" b="0" i="0" u="none" strike="noStrike" cap="none" normalizeH="0" baseline="0" dirty="0">
-                <a:ln>
-                  <a:noFill/>
-                </a:ln>
-                <a:solidFill>
-                  <a:srgbClr val="6A8759"/>
-                </a:solidFill>
-                <a:effectLst/>
-                <a:latin typeface="Consolas" panose="020B0609020204030204" pitchFamily="49" charset="0"/>
-              </a:rPr>
-              <a:t>'</a:t>
-            </a:r>
-            <a:r>
-              <a:rPr kumimoji="0" lang="en-US" altLang="en-US" sz="900" b="0" i="0" u="none" strike="noStrike" cap="none" normalizeH="0" baseline="0" dirty="0">
-                <a:ln>
-                  <a:noFill/>
-                </a:ln>
-                <a:solidFill>
-                  <a:srgbClr val="A9B7C6"/>
-                </a:solidFill>
-                <a:effectLst/>
-                <a:latin typeface="Consolas" panose="020B0609020204030204" pitchFamily="49" charset="0"/>
-              </a:rPr>
-              <a:t>)</a:t>
-            </a:r>
-            <a:endParaRPr kumimoji="0" lang="en-US" altLang="en-US" sz="1800" b="0" i="0" u="none" strike="noStrike" cap="none" normalizeH="0" baseline="0" dirty="0">
-              <a:ln>
-                <a:noFill/>
-              </a:ln>
-              <a:solidFill>
-                <a:schemeClr val="tx1"/>
-              </a:solidFill>
-              <a:effectLst/>
-              <a:latin typeface="Arial" panose="020B0604020202020204" pitchFamily="34" charset="0"/>
-            </a:endParaRPr>
-          </a:p>
-        </p:txBody>
-      </p:sp>
-      <p:sp>
-        <p:nvSpPr>
-          <p:cNvPr id="2" name="Rectangle 1">
-            <a:extLst>
-              <a:ext uri="{FF2B5EF4-FFF2-40B4-BE49-F238E27FC236}">
-                <a16:creationId xmlns:a16="http://schemas.microsoft.com/office/drawing/2014/main" id="{1E7E108A-75A6-437F-8D43-373D62AFDE23}"/>
-              </a:ext>
-            </a:extLst>
-          </p:cNvPr>
-          <p:cNvSpPr>
-            <a:spLocks noChangeArrowheads="1"/>
-          </p:cNvSpPr>
-          <p:nvPr/>
-        </p:nvSpPr>
-        <p:spPr bwMode="auto">
-          <a:xfrm>
-            <a:off x="2894012" y="4272598"/>
-            <a:ext cx="6780213" cy="230832"/>
-          </a:xfrm>
-          <a:prstGeom prst="rect">
-            <a:avLst/>
-          </a:prstGeom>
-          <a:solidFill>
-            <a:srgbClr val="2B2B2B"/>
-          </a:solidFill>
-          <a:ln>
-            <a:noFill/>
-          </a:ln>
-          <a:effectLst/>
-          <a:extLst>
-            <a:ext uri="{91240B29-F687-4F45-9708-019B960494DF}">
-              <a14:hiddenLine xmlns:a14="http://schemas.microsoft.com/office/drawing/2010/main" w="9525">
-                <a:solidFill>
-                  <a:schemeClr val="tx1"/>
-                </a:solidFill>
-                <a:miter lim="800000"/>
-                <a:headEnd/>
-                <a:tailEnd/>
-              </a14:hiddenLine>
-            </a:ext>
-            <a:ext uri="{AF507438-7753-43E0-B8FC-AC1667EBCBE1}">
-              <a14:hiddenEffects xmlns:a14="http://schemas.microsoft.com/office/drawing/2010/main">
-                <a:effectLst>
-                  <a:outerShdw dist="35921" dir="2700000" algn="ctr" rotWithShape="0">
-                    <a:schemeClr val="bg2"/>
-                  </a:outerShdw>
-                </a:effectLst>
-              </a14:hiddenEffects>
-            </a:ext>
-          </a:extLst>
-        </p:spPr>
-        <p:txBody>
-          <a:bodyPr vert="horz" wrap="square" lIns="91440" tIns="45720" rIns="91440" bIns="45720" numCol="1" anchor="ctr" anchorCtr="0" compatLnSpc="1">
-            <a:prstTxWarp prst="textNoShape">
-              <a:avLst/>
-            </a:prstTxWarp>
-            <a:spAutoFit/>
-          </a:bodyPr>
-          <a:lstStyle/>
-          <a:p>
-            <a:pPr marL="0" marR="0" lvl="0" indent="0" algn="l" defTabSz="914400" rtl="0" eaLnBrk="0" fontAlgn="base" latinLnBrk="0" hangingPunct="0">
-              <a:lnSpc>
-                <a:spcPct val="100000"/>
-              </a:lnSpc>
-              <a:spcBef>
-                <a:spcPct val="0"/>
-              </a:spcBef>
-              <a:spcAft>
-                <a:spcPct val="0"/>
-              </a:spcAft>
-              <a:buClrTx/>
-              <a:buSzTx/>
-              <a:buFontTx/>
-              <a:buNone/>
-              <a:tabLst/>
-            </a:pPr>
-            <a:r>
-              <a:rPr kumimoji="0" lang="en-US" altLang="en-US" sz="900" b="0" i="0" u="none" strike="noStrike" cap="none" normalizeH="0" baseline="0" dirty="0" err="1">
-                <a:ln>
-                  <a:noFill/>
-                </a:ln>
-                <a:solidFill>
-                  <a:srgbClr val="A9B7C6"/>
-                </a:solidFill>
-                <a:effectLst/>
-                <a:latin typeface="JetBrains Mono"/>
-              </a:rPr>
-              <a:t>py_client</a:t>
-            </a:r>
-            <a:r>
-              <a:rPr kumimoji="0" lang="en-US" altLang="en-US" sz="900" b="0" i="0" u="none" strike="noStrike" cap="none" normalizeH="0" baseline="0" dirty="0">
-                <a:ln>
-                  <a:noFill/>
-                </a:ln>
-                <a:solidFill>
-                  <a:srgbClr val="A9B7C6"/>
-                </a:solidFill>
-                <a:effectLst/>
-                <a:latin typeface="JetBrains Mono"/>
-              </a:rPr>
-              <a:t> = </a:t>
-            </a:r>
-            <a:r>
-              <a:rPr kumimoji="0" lang="en-US" altLang="en-US" sz="900" b="0" i="0" u="none" strike="noStrike" cap="none" normalizeH="0" baseline="0" dirty="0" err="1">
-                <a:ln>
-                  <a:noFill/>
-                </a:ln>
-                <a:solidFill>
-                  <a:srgbClr val="A9B7C6"/>
-                </a:solidFill>
-                <a:effectLst/>
-                <a:latin typeface="JetBrains Mono"/>
-              </a:rPr>
-              <a:t>PySense.PySense</a:t>
-            </a:r>
-            <a:r>
-              <a:rPr kumimoji="0" lang="en-US" altLang="en-US" sz="900" b="0" i="0" u="none" strike="noStrike" cap="none" normalizeH="0" baseline="0" dirty="0">
-                <a:ln>
-                  <a:noFill/>
-                </a:ln>
-                <a:solidFill>
-                  <a:srgbClr val="A9B7C6"/>
-                </a:solidFill>
-                <a:effectLst/>
-                <a:latin typeface="JetBrains Mono"/>
-              </a:rPr>
-              <a:t>(</a:t>
-            </a:r>
-            <a:r>
-              <a:rPr kumimoji="0" lang="en-US" altLang="en-US" sz="900" b="0" i="0" u="none" strike="noStrike" cap="none" normalizeH="0" baseline="0" dirty="0">
-                <a:ln>
-                  <a:noFill/>
-                </a:ln>
-                <a:solidFill>
-                  <a:srgbClr val="6A8759"/>
-                </a:solidFill>
-                <a:effectLst/>
-                <a:latin typeface="JetBrains Mono"/>
-              </a:rPr>
-              <a:t>'host'</a:t>
-            </a:r>
-            <a:r>
-              <a:rPr kumimoji="0" lang="en-US" altLang="en-US" sz="900" b="0" i="0" u="none" strike="noStrike" cap="none" normalizeH="0" baseline="0" dirty="0">
-                <a:ln>
-                  <a:noFill/>
-                </a:ln>
-                <a:solidFill>
-                  <a:srgbClr val="CC7832"/>
-                </a:solidFill>
-                <a:effectLst/>
-                <a:latin typeface="JetBrains Mono"/>
-              </a:rPr>
-              <a:t>, </a:t>
-            </a:r>
-            <a:r>
-              <a:rPr kumimoji="0" lang="en-US" altLang="en-US" sz="900" b="0" i="0" u="none" strike="noStrike" cap="none" normalizeH="0" baseline="0" dirty="0">
-                <a:ln>
-                  <a:noFill/>
-                </a:ln>
-                <a:solidFill>
-                  <a:srgbClr val="6A8759"/>
-                </a:solidFill>
-                <a:effectLst/>
-                <a:latin typeface="JetBrains Mono"/>
-              </a:rPr>
-              <a:t>'username'</a:t>
-            </a:r>
-            <a:r>
-              <a:rPr kumimoji="0" lang="en-US" altLang="en-US" sz="900" b="0" i="0" u="none" strike="noStrike" cap="none" normalizeH="0" baseline="0" dirty="0">
-                <a:ln>
-                  <a:noFill/>
-                </a:ln>
-                <a:solidFill>
-                  <a:srgbClr val="CC7832"/>
-                </a:solidFill>
-                <a:effectLst/>
-                <a:latin typeface="JetBrains Mono"/>
-              </a:rPr>
-              <a:t>, </a:t>
-            </a:r>
-            <a:r>
-              <a:rPr kumimoji="0" lang="en-US" altLang="en-US" sz="900" b="0" i="0" u="none" strike="noStrike" cap="none" normalizeH="0" baseline="0" dirty="0">
-                <a:ln>
-                  <a:noFill/>
-                </a:ln>
-                <a:solidFill>
-                  <a:srgbClr val="6A8759"/>
-                </a:solidFill>
-                <a:effectLst/>
-                <a:latin typeface="JetBrains Mono"/>
-              </a:rPr>
-              <a:t>'password'</a:t>
-            </a:r>
-            <a:r>
-              <a:rPr kumimoji="0" lang="en-US" altLang="en-US" sz="900" b="0" i="0" u="none" strike="noStrike" cap="none" normalizeH="0" baseline="0" dirty="0">
-                <a:ln>
-                  <a:noFill/>
-                </a:ln>
-                <a:solidFill>
-                  <a:srgbClr val="CC7832"/>
-                </a:solidFill>
-                <a:effectLst/>
-                <a:latin typeface="JetBrains Mono"/>
-              </a:rPr>
-              <a:t>, </a:t>
-            </a:r>
-            <a:r>
-              <a:rPr kumimoji="0" lang="en-US" altLang="en-US" sz="900" b="0" i="0" u="none" strike="noStrike" cap="none" normalizeH="0" baseline="0" dirty="0">
-                <a:ln>
-                  <a:noFill/>
-                </a:ln>
-                <a:solidFill>
-                  <a:srgbClr val="6A8759"/>
-                </a:solidFill>
-                <a:effectLst/>
-                <a:latin typeface="JetBrains Mono"/>
-              </a:rPr>
-              <a:t>'version'</a:t>
-            </a:r>
-            <a:r>
-              <a:rPr kumimoji="0" lang="en-US" altLang="en-US" sz="900" b="0" i="0" u="none" strike="noStrike" cap="none" normalizeH="0" baseline="0" dirty="0">
-                <a:ln>
-                  <a:noFill/>
-                </a:ln>
-                <a:solidFill>
-                  <a:srgbClr val="A9B7C6"/>
-                </a:solidFill>
-                <a:effectLst/>
-                <a:latin typeface="JetBrains Mono"/>
-              </a:rPr>
-              <a:t>) </a:t>
-            </a:r>
-            <a:endParaRPr kumimoji="0" lang="en-US" altLang="en-US" sz="1800" b="0" i="0" u="none" strike="noStrike" cap="none" normalizeH="0" baseline="0" dirty="0">
-              <a:ln>
-                <a:noFill/>
-              </a:ln>
-              <a:solidFill>
-                <a:schemeClr val="tx1"/>
-              </a:solidFill>
-              <a:effectLst/>
-              <a:latin typeface="Arial" panose="020B0604020202020204" pitchFamily="34" charset="0"/>
-            </a:endParaRPr>
-          </a:p>
-        </p:txBody>
-      </p:sp>
-      <p:sp>
-        <p:nvSpPr>
-          <p:cNvPr id="9" name="Rectangle 3">
-            <a:extLst>
-              <a:ext uri="{FF2B5EF4-FFF2-40B4-BE49-F238E27FC236}">
-                <a16:creationId xmlns:a16="http://schemas.microsoft.com/office/drawing/2014/main" id="{8B5EFE91-8B5F-4E4F-A3CF-F5C0C07F51FB}"/>
-              </a:ext>
-            </a:extLst>
-          </p:cNvPr>
-          <p:cNvSpPr>
-            <a:spLocks noChangeArrowheads="1"/>
-          </p:cNvSpPr>
-          <p:nvPr/>
-        </p:nvSpPr>
-        <p:spPr bwMode="auto">
-          <a:xfrm>
-            <a:off x="4494212" y="4993556"/>
-            <a:ext cx="4953000" cy="1754326"/>
-          </a:xfrm>
-          <a:prstGeom prst="rect">
-            <a:avLst/>
-          </a:prstGeom>
-          <a:solidFill>
-            <a:srgbClr val="2B2B2B"/>
-          </a:solidFill>
-          <a:ln>
-            <a:noFill/>
-          </a:ln>
-          <a:effectLst/>
-          <a:extLst>
-            <a:ext uri="{91240B29-F687-4F45-9708-019B960494DF}">
-              <a14:hiddenLine xmlns:a14="http://schemas.microsoft.com/office/drawing/2010/main" w="9525">
-                <a:solidFill>
-                  <a:schemeClr val="tx1"/>
-                </a:solidFill>
-                <a:miter lim="800000"/>
-                <a:headEnd/>
-                <a:tailEnd/>
-              </a14:hiddenLine>
-            </a:ext>
-            <a:ext uri="{AF507438-7753-43E0-B8FC-AC1667EBCBE1}">
-              <a14:hiddenEffects xmlns:a14="http://schemas.microsoft.com/office/drawing/2010/main">
-                <a:effectLst>
-                  <a:outerShdw dist="35921" dir="2700000" algn="ctr" rotWithShape="0">
-                    <a:schemeClr val="bg2"/>
-                  </a:outerShdw>
-                </a:effectLst>
-              </a14:hiddenEffects>
-            </a:ext>
-          </a:extLst>
-        </p:spPr>
-        <p:txBody>
-          <a:bodyPr vert="horz" wrap="square" lIns="91440" tIns="45720" rIns="91440" bIns="45720" numCol="1" anchor="ctr" anchorCtr="0" compatLnSpc="1">
-            <a:prstTxWarp prst="textNoShape">
-              <a:avLst/>
-            </a:prstTxWarp>
-            <a:spAutoFit/>
-          </a:bodyPr>
-          <a:lstStyle/>
-          <a:p>
-            <a:pPr marL="0" marR="0" lvl="0" indent="0" algn="l" defTabSz="914400" rtl="0" eaLnBrk="0" fontAlgn="base" latinLnBrk="0" hangingPunct="0">
-              <a:lnSpc>
-                <a:spcPct val="100000"/>
-              </a:lnSpc>
-              <a:spcBef>
-                <a:spcPct val="0"/>
-              </a:spcBef>
-              <a:spcAft>
-                <a:spcPct val="0"/>
-              </a:spcAft>
-              <a:buClrTx/>
-              <a:buSzTx/>
-              <a:buFontTx/>
-              <a:buNone/>
-              <a:tabLst/>
-            </a:pPr>
-            <a:r>
-              <a:rPr kumimoji="0" lang="en-US" altLang="en-US" sz="900" b="0" i="0" u="none" strike="noStrike" cap="none" normalizeH="0" baseline="0">
-                <a:ln>
-                  <a:noFill/>
-                </a:ln>
-                <a:solidFill>
-                  <a:srgbClr val="CC7832"/>
-                </a:solidFill>
-                <a:effectLst/>
-                <a:latin typeface="JetBrains Mono"/>
-              </a:rPr>
-              <a:t>host</a:t>
-            </a:r>
-            <a:r>
-              <a:rPr kumimoji="0" lang="en-US" altLang="en-US" sz="900" b="0" i="0" u="none" strike="noStrike" cap="none" normalizeH="0" baseline="0">
-                <a:ln>
-                  <a:noFill/>
-                </a:ln>
-                <a:solidFill>
-                  <a:srgbClr val="A9B7C6"/>
-                </a:solidFill>
-                <a:effectLst/>
-                <a:latin typeface="JetBrains Mono"/>
-              </a:rPr>
-              <a:t>: </a:t>
-            </a:r>
-            <a:r>
-              <a:rPr kumimoji="0" lang="en-US" altLang="en-US" sz="900" b="0" i="0" u="none" strike="noStrike" cap="none" normalizeH="0" baseline="0">
-                <a:ln>
-                  <a:noFill/>
-                </a:ln>
-                <a:solidFill>
-                  <a:srgbClr val="6A8759"/>
-                </a:solidFill>
-                <a:effectLst/>
-                <a:latin typeface="JetBrains Mono"/>
-              </a:rPr>
-              <a:t>'your_host'</a:t>
-            </a:r>
-            <a:br>
-              <a:rPr kumimoji="0" lang="en-US" altLang="en-US" sz="900" b="0" i="0" u="none" strike="noStrike" cap="none" normalizeH="0" baseline="0">
-                <a:ln>
-                  <a:noFill/>
-                </a:ln>
-                <a:solidFill>
-                  <a:srgbClr val="6A8759"/>
-                </a:solidFill>
-                <a:effectLst/>
-                <a:latin typeface="JetBrains Mono"/>
-              </a:rPr>
-            </a:br>
-            <a:r>
-              <a:rPr kumimoji="0" lang="en-US" altLang="en-US" sz="900" b="0" i="0" u="none" strike="noStrike" cap="none" normalizeH="0" baseline="0">
-                <a:ln>
-                  <a:noFill/>
-                </a:ln>
-                <a:solidFill>
-                  <a:srgbClr val="CC7832"/>
-                </a:solidFill>
-                <a:effectLst/>
-                <a:latin typeface="JetBrains Mono"/>
-              </a:rPr>
-              <a:t>username</a:t>
-            </a:r>
-            <a:r>
-              <a:rPr kumimoji="0" lang="en-US" altLang="en-US" sz="900" b="0" i="0" u="none" strike="noStrike" cap="none" normalizeH="0" baseline="0">
-                <a:ln>
-                  <a:noFill/>
-                </a:ln>
-                <a:solidFill>
-                  <a:srgbClr val="A9B7C6"/>
-                </a:solidFill>
-                <a:effectLst/>
-                <a:latin typeface="JetBrains Mono"/>
-              </a:rPr>
-              <a:t>: </a:t>
-            </a:r>
-            <a:r>
-              <a:rPr kumimoji="0" lang="en-US" altLang="en-US" sz="900" b="0" i="0" u="none" strike="noStrike" cap="none" normalizeH="0" baseline="0">
-                <a:ln>
-                  <a:noFill/>
-                </a:ln>
-                <a:solidFill>
-                  <a:srgbClr val="6A8759"/>
-                </a:solidFill>
-                <a:effectLst/>
-                <a:latin typeface="JetBrains Mono"/>
-              </a:rPr>
-              <a:t>'your_username@sample.com'</a:t>
-            </a:r>
-            <a:br>
-              <a:rPr kumimoji="0" lang="en-US" altLang="en-US" sz="900" b="0" i="0" u="none" strike="noStrike" cap="none" normalizeH="0" baseline="0">
-                <a:ln>
-                  <a:noFill/>
-                </a:ln>
-                <a:solidFill>
-                  <a:srgbClr val="6A8759"/>
-                </a:solidFill>
-                <a:effectLst/>
-                <a:latin typeface="JetBrains Mono"/>
-              </a:rPr>
-            </a:br>
-            <a:r>
-              <a:rPr kumimoji="0" lang="en-US" altLang="en-US" sz="900" b="0" i="0" u="none" strike="noStrike" cap="none" normalizeH="0" baseline="0">
-                <a:ln>
-                  <a:noFill/>
-                </a:ln>
-                <a:solidFill>
-                  <a:srgbClr val="CC7832"/>
-                </a:solidFill>
-                <a:effectLst/>
-                <a:latin typeface="JetBrains Mono"/>
-              </a:rPr>
-              <a:t>password</a:t>
-            </a:r>
-            <a:r>
-              <a:rPr kumimoji="0" lang="en-US" altLang="en-US" sz="900" b="0" i="0" u="none" strike="noStrike" cap="none" normalizeH="0" baseline="0">
-                <a:ln>
-                  <a:noFill/>
-                </a:ln>
-                <a:solidFill>
-                  <a:srgbClr val="A9B7C6"/>
-                </a:solidFill>
-                <a:effectLst/>
-                <a:latin typeface="JetBrains Mono"/>
-              </a:rPr>
-              <a:t>: </a:t>
-            </a:r>
-            <a:r>
-              <a:rPr kumimoji="0" lang="en-US" altLang="en-US" sz="900" b="0" i="0" u="none" strike="noStrike" cap="none" normalizeH="0" baseline="0">
-                <a:ln>
-                  <a:noFill/>
-                </a:ln>
-                <a:solidFill>
-                  <a:srgbClr val="6A8759"/>
-                </a:solidFill>
-                <a:effectLst/>
-                <a:latin typeface="JetBrains Mono"/>
-              </a:rPr>
-              <a:t>'your_password'</a:t>
-            </a:r>
-            <a:br>
-              <a:rPr kumimoji="0" lang="en-US" altLang="en-US" sz="900" b="0" i="0" u="none" strike="noStrike" cap="none" normalizeH="0" baseline="0">
-                <a:ln>
-                  <a:noFill/>
-                </a:ln>
-                <a:solidFill>
-                  <a:srgbClr val="6A8759"/>
-                </a:solidFill>
-                <a:effectLst/>
-                <a:latin typeface="JetBrains Mono"/>
-              </a:rPr>
-            </a:br>
-            <a:br>
-              <a:rPr kumimoji="0" lang="en-US" altLang="en-US" sz="900" b="0" i="0" u="none" strike="noStrike" cap="none" normalizeH="0" baseline="0">
-                <a:ln>
-                  <a:noFill/>
-                </a:ln>
-                <a:solidFill>
-                  <a:srgbClr val="6A8759"/>
-                </a:solidFill>
-                <a:effectLst/>
-                <a:latin typeface="JetBrains Mono"/>
-              </a:rPr>
-            </a:br>
-            <a:r>
-              <a:rPr kumimoji="0" lang="en-US" altLang="en-US" sz="900" b="0" i="1" u="none" strike="noStrike" cap="none" normalizeH="0" baseline="0">
-                <a:ln>
-                  <a:noFill/>
-                </a:ln>
-                <a:solidFill>
-                  <a:srgbClr val="629755"/>
-                </a:solidFill>
-                <a:effectLst/>
-                <a:latin typeface="JetBrains Mono"/>
-              </a:rPr>
-              <a:t># Windows or Linux</a:t>
-            </a:r>
-            <a:br>
-              <a:rPr kumimoji="0" lang="en-US" altLang="en-US" sz="900" b="0" i="1" u="none" strike="noStrike" cap="none" normalizeH="0" baseline="0">
-                <a:ln>
-                  <a:noFill/>
-                </a:ln>
-                <a:solidFill>
-                  <a:srgbClr val="629755"/>
-                </a:solidFill>
-                <a:effectLst/>
-                <a:latin typeface="JetBrains Mono"/>
-              </a:rPr>
-            </a:br>
-            <a:r>
-              <a:rPr kumimoji="0" lang="en-US" altLang="en-US" sz="900" b="0" i="0" u="none" strike="noStrike" cap="none" normalizeH="0" baseline="0">
-                <a:ln>
-                  <a:noFill/>
-                </a:ln>
-                <a:solidFill>
-                  <a:srgbClr val="CC7832"/>
-                </a:solidFill>
-                <a:effectLst/>
-                <a:latin typeface="JetBrains Mono"/>
-              </a:rPr>
-              <a:t>version</a:t>
-            </a:r>
-            <a:r>
-              <a:rPr kumimoji="0" lang="en-US" altLang="en-US" sz="900" b="0" i="0" u="none" strike="noStrike" cap="none" normalizeH="0" baseline="0">
-                <a:ln>
-                  <a:noFill/>
-                </a:ln>
-                <a:solidFill>
-                  <a:srgbClr val="A9B7C6"/>
-                </a:solidFill>
-                <a:effectLst/>
-                <a:latin typeface="JetBrains Mono"/>
-              </a:rPr>
-              <a:t>: </a:t>
-            </a:r>
-            <a:r>
-              <a:rPr kumimoji="0" lang="en-US" altLang="en-US" sz="900" b="0" i="0" u="none" strike="noStrike" cap="none" normalizeH="0" baseline="0">
-                <a:ln>
-                  <a:noFill/>
-                </a:ln>
-                <a:solidFill>
-                  <a:srgbClr val="6A8759"/>
-                </a:solidFill>
-                <a:effectLst/>
-                <a:latin typeface="JetBrains Mono"/>
-              </a:rPr>
-              <a:t>'Windows' </a:t>
-            </a:r>
-            <a:br>
-              <a:rPr kumimoji="0" lang="en-US" altLang="en-US" sz="900" b="0" i="0" u="none" strike="noStrike" cap="none" normalizeH="0" baseline="0">
-                <a:ln>
-                  <a:noFill/>
-                </a:ln>
-                <a:solidFill>
-                  <a:srgbClr val="6A8759"/>
-                </a:solidFill>
-                <a:effectLst/>
-                <a:latin typeface="JetBrains Mono"/>
-              </a:rPr>
-            </a:br>
-            <a:br>
-              <a:rPr kumimoji="0" lang="en-US" altLang="en-US" sz="900" b="0" i="0" u="none" strike="noStrike" cap="none" normalizeH="0" baseline="0">
-                <a:ln>
-                  <a:noFill/>
-                </a:ln>
-                <a:solidFill>
-                  <a:srgbClr val="6A8759"/>
-                </a:solidFill>
-                <a:effectLst/>
-                <a:latin typeface="JetBrains Mono"/>
-              </a:rPr>
-            </a:br>
-            <a:r>
-              <a:rPr kumimoji="0" lang="en-US" altLang="en-US" sz="900" b="0" i="1" u="none" strike="noStrike" cap="none" normalizeH="0" baseline="0">
-                <a:ln>
-                  <a:noFill/>
-                </a:ln>
-                <a:solidFill>
-                  <a:srgbClr val="629755"/>
-                </a:solidFill>
-                <a:effectLst/>
-                <a:latin typeface="JetBrains Mono"/>
-              </a:rPr>
-              <a:t># Optional. False by default. Set to true to turn on more detailed debugging</a:t>
-            </a:r>
-            <a:br>
-              <a:rPr kumimoji="0" lang="en-US" altLang="en-US" sz="900" b="0" i="1" u="none" strike="noStrike" cap="none" normalizeH="0" baseline="0">
-                <a:ln>
-                  <a:noFill/>
-                </a:ln>
-                <a:solidFill>
-                  <a:srgbClr val="629755"/>
-                </a:solidFill>
-                <a:effectLst/>
-                <a:latin typeface="JetBrains Mono"/>
-              </a:rPr>
-            </a:br>
-            <a:r>
-              <a:rPr kumimoji="0" lang="en-US" altLang="en-US" sz="900" b="0" i="0" u="none" strike="noStrike" cap="none" normalizeH="0" baseline="0">
-                <a:ln>
-                  <a:noFill/>
-                </a:ln>
-                <a:solidFill>
-                  <a:srgbClr val="CC7832"/>
-                </a:solidFill>
-                <a:effectLst/>
-                <a:latin typeface="JetBrains Mono"/>
-              </a:rPr>
-              <a:t>debug</a:t>
-            </a:r>
-            <a:r>
-              <a:rPr kumimoji="0" lang="en-US" altLang="en-US" sz="900" b="0" i="0" u="none" strike="noStrike" cap="none" normalizeH="0" baseline="0">
-                <a:ln>
-                  <a:noFill/>
-                </a:ln>
-                <a:solidFill>
-                  <a:srgbClr val="A9B7C6"/>
-                </a:solidFill>
-                <a:effectLst/>
-                <a:latin typeface="JetBrains Mono"/>
-              </a:rPr>
-              <a:t>: False</a:t>
-            </a:r>
-            <a:br>
-              <a:rPr kumimoji="0" lang="en-US" altLang="en-US" sz="900" b="0" i="0" u="none" strike="noStrike" cap="none" normalizeH="0" baseline="0">
-                <a:ln>
-                  <a:noFill/>
-                </a:ln>
-                <a:solidFill>
-                  <a:srgbClr val="A9B7C6"/>
-                </a:solidFill>
-                <a:effectLst/>
-                <a:latin typeface="JetBrains Mono"/>
-              </a:rPr>
-            </a:br>
-            <a:br>
-              <a:rPr kumimoji="0" lang="en-US" altLang="en-US" sz="900" b="0" i="0" u="none" strike="noStrike" cap="none" normalizeH="0" baseline="0">
-                <a:ln>
-                  <a:noFill/>
-                </a:ln>
-                <a:solidFill>
-                  <a:srgbClr val="A9B7C6"/>
-                </a:solidFill>
-                <a:effectLst/>
-                <a:latin typeface="JetBrains Mono"/>
-              </a:rPr>
-            </a:br>
-            <a:r>
-              <a:rPr kumimoji="0" lang="en-US" altLang="en-US" sz="900" b="0" i="1" u="none" strike="noStrike" cap="none" normalizeH="0" baseline="0">
-                <a:ln>
-                  <a:noFill/>
-                </a:ln>
-                <a:solidFill>
-                  <a:srgbClr val="629755"/>
-                </a:solidFill>
-                <a:effectLst/>
-                <a:latin typeface="JetBrains Mono"/>
-              </a:rPr>
-              <a:t># Optional. True by default. Set to false to turn off SSL Certificate Verification</a:t>
-            </a:r>
-            <a:br>
-              <a:rPr kumimoji="0" lang="en-US" altLang="en-US" sz="900" b="0" i="1" u="none" strike="noStrike" cap="none" normalizeH="0" baseline="0">
-                <a:ln>
-                  <a:noFill/>
-                </a:ln>
-                <a:solidFill>
-                  <a:srgbClr val="629755"/>
-                </a:solidFill>
-                <a:effectLst/>
-                <a:latin typeface="JetBrains Mono"/>
-              </a:rPr>
-            </a:br>
-            <a:r>
-              <a:rPr kumimoji="0" lang="en-US" altLang="en-US" sz="900" b="0" i="0" u="none" strike="noStrike" cap="none" normalizeH="0" baseline="0">
-                <a:ln>
-                  <a:noFill/>
-                </a:ln>
-                <a:solidFill>
-                  <a:srgbClr val="CC7832"/>
-                </a:solidFill>
-                <a:effectLst/>
-                <a:latin typeface="JetBrains Mono"/>
-              </a:rPr>
-              <a:t>verify</a:t>
-            </a:r>
-            <a:r>
-              <a:rPr kumimoji="0" lang="en-US" altLang="en-US" sz="900" b="0" i="0" u="none" strike="noStrike" cap="none" normalizeH="0" baseline="0">
-                <a:ln>
-                  <a:noFill/>
-                </a:ln>
-                <a:solidFill>
-                  <a:srgbClr val="A9B7C6"/>
-                </a:solidFill>
-                <a:effectLst/>
-                <a:latin typeface="JetBrains Mono"/>
-              </a:rPr>
-              <a:t>: True</a:t>
-            </a:r>
-            <a:endParaRPr kumimoji="0" lang="en-US" altLang="en-US" sz="1800" b="0" i="0" u="none" strike="noStrike" cap="none" normalizeH="0" baseline="0">
-              <a:ln>
-                <a:noFill/>
-              </a:ln>
-              <a:solidFill>
-                <a:schemeClr val="tx1"/>
-              </a:solidFill>
-              <a:effectLst/>
-              <a:latin typeface="Arial" panose="020B0604020202020204" pitchFamily="34" charset="0"/>
-            </a:endParaRPr>
+              <a:t>Authentication can be done either via username and password or via bearer token. </a:t>
+            </a:r>
+          </a:p>
+          <a:p>
+            <a:r>
+              <a:rPr lang="en-US" dirty="0"/>
+              <a:t>Authentication can be done inline or loaded from a file. </a:t>
+            </a:r>
+          </a:p>
+          <a:p>
+            <a:endParaRPr lang="en-US" dirty="0"/>
           </a:p>
         </p:txBody>
       </p:sp>
@@ -6974,7 +6055,7 @@
           <p:cNvPr id="2" name="Title 1">
             <a:extLst>
               <a:ext uri="{FF2B5EF4-FFF2-40B4-BE49-F238E27FC236}">
-                <a16:creationId xmlns:a16="http://schemas.microsoft.com/office/drawing/2014/main" id="{1B54C0D7-51F2-444C-A46B-B44EFB96D2AE}"/>
+                <a16:creationId xmlns:a16="http://schemas.microsoft.com/office/drawing/2014/main" id="{7637588F-98C6-4662-A074-4F5CD90E21CF}"/>
               </a:ext>
             </a:extLst>
           </p:cNvPr>
@@ -6991,12 +6072,8 @@
           <a:lstStyle/>
           <a:p>
             <a:r>
-              <a:rPr lang="en-US" dirty="0" err="1"/>
-              <a:t>PySense</a:t>
-            </a:r>
-            <a:r>
-              <a:rPr lang="en-US" dirty="0"/>
-              <a:t> Object</a:t>
+              <a:rPr lang="en-US" dirty="0"/>
+              <a:t>Authentication Options</a:t>
             </a:r>
           </a:p>
         </p:txBody>
@@ -7006,7 +6083,7 @@
           <p:cNvPr id="3" name="Content Placeholder 2">
             <a:extLst>
               <a:ext uri="{FF2B5EF4-FFF2-40B4-BE49-F238E27FC236}">
-                <a16:creationId xmlns:a16="http://schemas.microsoft.com/office/drawing/2014/main" id="{18F37E88-870C-4538-82E8-DACA727CA1FC}"/>
+                <a16:creationId xmlns:a16="http://schemas.microsoft.com/office/drawing/2014/main" id="{72A768F5-F1BD-4AE0-94AD-CA84E3CD3FA7}"/>
               </a:ext>
             </a:extLst>
           </p:cNvPr>
@@ -7019,66 +6096,37 @@
         </p:nvSpPr>
         <p:spPr/>
         <p:txBody>
-          <a:bodyPr>
-            <a:normAutofit/>
-          </a:bodyPr>
+          <a:bodyPr/>
           <a:lstStyle/>
           <a:p>
             <a:r>
               <a:rPr lang="en-US" dirty="0"/>
-              <a:t>Object returned by authentication is the Python representation of our server. Used for:</a:t>
-            </a:r>
-          </a:p>
-          <a:p>
-            <a:pPr lvl="1"/>
-            <a:r>
-              <a:rPr lang="en-US" dirty="0"/>
-              <a:t>Get/Add/Delete: users, </a:t>
-            </a:r>
-            <a:r>
-              <a:rPr lang="en-US" dirty="0" err="1"/>
-              <a:t>elasticubes</a:t>
-            </a:r>
-            <a:r>
-              <a:rPr lang="en-US" dirty="0"/>
-              <a:t>, dashboards</a:t>
-            </a:r>
-          </a:p>
-          <a:p>
-            <a:pPr lvl="1"/>
-            <a:r>
-              <a:rPr lang="en-US" dirty="0"/>
-              <a:t>Manage roles</a:t>
-            </a:r>
-          </a:p>
-          <a:p>
-            <a:pPr lvl="1"/>
-            <a:r>
-              <a:rPr lang="en-US" dirty="0"/>
-              <a:t>And more</a:t>
-            </a:r>
-          </a:p>
-          <a:p>
-            <a:r>
-              <a:rPr lang="en-US" dirty="0"/>
-              <a:t>Example: Get the role id for a role:</a:t>
-            </a:r>
-          </a:p>
-          <a:p>
-            <a:r>
-              <a:rPr lang="en-US" dirty="0"/>
-              <a:t>See </a:t>
-            </a:r>
-            <a:r>
-              <a:rPr lang="en-US" dirty="0">
-                <a:hlinkClick r:id="rId2"/>
-              </a:rPr>
-              <a:t>documentation</a:t>
-            </a:r>
-            <a:r>
-              <a:rPr lang="en-US" dirty="0"/>
-              <a:t> for full list of features</a:t>
-            </a:r>
+              <a:t>Inline, authenticate by username and password</a:t>
+            </a:r>
+          </a:p>
+          <a:p>
+            <a:endParaRPr lang="en-US" dirty="0"/>
+          </a:p>
+          <a:p>
+            <a:r>
+              <a:rPr lang="en-US" dirty="0"/>
+              <a:t>Inline, authenticate by bearer token</a:t>
+            </a:r>
+          </a:p>
+          <a:p>
+            <a:endParaRPr lang="en-US" dirty="0"/>
+          </a:p>
+          <a:p>
+            <a:r>
+              <a:rPr lang="en-US" dirty="0"/>
+              <a:t>By File</a:t>
+            </a:r>
+          </a:p>
+          <a:p>
+            <a:endParaRPr lang="en-US" dirty="0"/>
+          </a:p>
+          <a:p>
+            <a:endParaRPr lang="en-US" dirty="0"/>
           </a:p>
         </p:txBody>
       </p:sp>
@@ -7087,7 +6135,7 @@
           <p:cNvPr id="4" name="Rectangle 1">
             <a:extLst>
               <a:ext uri="{FF2B5EF4-FFF2-40B4-BE49-F238E27FC236}">
-                <a16:creationId xmlns:a16="http://schemas.microsoft.com/office/drawing/2014/main" id="{8530BD06-3D3A-49D8-A9B5-52EA5F73488D}"/>
+                <a16:creationId xmlns:a16="http://schemas.microsoft.com/office/drawing/2014/main" id="{43C759B2-1C01-4691-8759-6D4F97DDCB35}"/>
               </a:ext>
             </a:extLst>
           </p:cNvPr>
@@ -7098,8 +6146,8 @@
         </p:nvSpPr>
         <p:spPr bwMode="auto">
           <a:xfrm>
-            <a:off x="6627812" y="4114800"/>
-            <a:ext cx="1981200" cy="230832"/>
+            <a:off x="2589212" y="2437284"/>
+            <a:ext cx="5105400" cy="230832"/>
           </a:xfrm>
           <a:prstGeom prst="rect">
             <a:avLst/>
@@ -7169,7 +6217,7 @@
                 <a:effectLst/>
                 <a:latin typeface="JetBrains Mono"/>
               </a:rPr>
-              <a:t>py_client.get_role_id</a:t>
+              <a:t>py_client</a:t>
             </a:r>
             <a:r>
               <a:rPr kumimoji="0" lang="en-US" altLang="en-US" sz="900" b="0" i="0" u="none" strike="noStrike" cap="none" normalizeH="0" baseline="0" dirty="0">
@@ -7182,6 +6230,32 @@
                 <a:effectLst/>
                 <a:latin typeface="JetBrains Mono"/>
               </a:rPr>
+              <a:t> = </a:t>
+            </a:r>
+            <a:r>
+              <a:rPr kumimoji="0" lang="en-US" altLang="en-US" sz="900" b="0" i="0" u="none" strike="noStrike" cap="none" normalizeH="0" baseline="0" dirty="0" err="1">
+                <a:ln>
+                  <a:noFill/>
+                </a:ln>
+                <a:solidFill>
+                  <a:srgbClr val="A9B7C6"/>
+                </a:solidFill>
+                <a:effectLst/>
+                <a:latin typeface="JetBrains Mono"/>
+              </a:rPr>
+              <a:t>PySense.authenticate_by_passwword</a:t>
+            </a:r>
+            <a:r>
+              <a:rPr kumimoji="0" lang="en-US" altLang="en-US" sz="900" b="0" i="0" u="none" strike="noStrike" cap="none" normalizeH="0" baseline="0" dirty="0">
+                <a:ln>
+                  <a:noFill/>
+                </a:ln>
+                <a:solidFill>
+                  <a:srgbClr val="A9B7C6"/>
+                </a:solidFill>
+                <a:effectLst/>
+                <a:latin typeface="JetBrains Mono"/>
+              </a:rPr>
               <a:t>(</a:t>
             </a:r>
             <a:r>
@@ -7195,7 +6269,85 @@
                 <a:effectLst/>
                 <a:latin typeface="JetBrains Mono"/>
               </a:rPr>
-              <a:t>'Viewer'</a:t>
+              <a:t>'host'</a:t>
+            </a:r>
+            <a:r>
+              <a:rPr kumimoji="0" lang="en-US" altLang="en-US" sz="900" b="0" i="0" u="none" strike="noStrike" cap="none" normalizeH="0" baseline="0" dirty="0">
+                <a:ln>
+                  <a:noFill/>
+                </a:ln>
+                <a:solidFill>
+                  <a:srgbClr val="CC7832"/>
+                </a:solidFill>
+                <a:effectLst/>
+                <a:latin typeface="JetBrains Mono"/>
+              </a:rPr>
+              <a:t>, </a:t>
+            </a:r>
+            <a:r>
+              <a:rPr kumimoji="0" lang="en-US" altLang="en-US" sz="900" b="0" i="0" u="none" strike="noStrike" cap="none" normalizeH="0" baseline="0" dirty="0">
+                <a:ln>
+                  <a:noFill/>
+                </a:ln>
+                <a:solidFill>
+                  <a:srgbClr val="6A8759"/>
+                </a:solidFill>
+                <a:effectLst/>
+                <a:latin typeface="JetBrains Mono"/>
+              </a:rPr>
+              <a:t>'username'</a:t>
+            </a:r>
+            <a:r>
+              <a:rPr kumimoji="0" lang="en-US" altLang="en-US" sz="900" b="0" i="0" u="none" strike="noStrike" cap="none" normalizeH="0" baseline="0" dirty="0">
+                <a:ln>
+                  <a:noFill/>
+                </a:ln>
+                <a:solidFill>
+                  <a:srgbClr val="CC7832"/>
+                </a:solidFill>
+                <a:effectLst/>
+                <a:latin typeface="JetBrains Mono"/>
+              </a:rPr>
+              <a:t>, </a:t>
+            </a:r>
+            <a:r>
+              <a:rPr kumimoji="0" lang="en-US" altLang="en-US" sz="900" b="0" i="0" u="none" strike="noStrike" cap="none" normalizeH="0" baseline="0" dirty="0">
+                <a:ln>
+                  <a:noFill/>
+                </a:ln>
+                <a:solidFill>
+                  <a:srgbClr val="6A8759"/>
+                </a:solidFill>
+                <a:effectLst/>
+                <a:latin typeface="JetBrains Mono"/>
+              </a:rPr>
+              <a:t>'password'</a:t>
+            </a:r>
+            <a:r>
+              <a:rPr kumimoji="0" lang="en-US" altLang="en-US" sz="900" b="0" i="0" u="none" strike="noStrike" cap="none" normalizeH="0" baseline="0" dirty="0">
+                <a:ln>
+                  <a:noFill/>
+                </a:ln>
+                <a:solidFill>
+                  <a:srgbClr val="CC7832"/>
+                </a:solidFill>
+                <a:effectLst/>
+                <a:latin typeface="JetBrains Mono"/>
+              </a:rPr>
+              <a:t>, </a:t>
+            </a:r>
+            <a:r>
+              <a:rPr kumimoji="0" lang="en-US" altLang="en-US" sz="900" b="0" i="0" u="none" strike="noStrike" cap="none" normalizeH="0" baseline="0" dirty="0">
+                <a:ln>
+                  <a:noFill/>
+                </a:ln>
+                <a:solidFill>
+                  <a:srgbClr val="6A8759"/>
+                </a:solidFill>
+                <a:effectLst/>
+                <a:latin typeface="JetBrains Mono"/>
+              </a:rPr>
+              <a:t>'windows'</a:t>
             </a:r>
             <a:r>
               <a:rPr kumimoji="0" lang="en-US" altLang="en-US" sz="900" b="0" i="0" u="none" strike="noStrike" cap="none" normalizeH="0" baseline="0" dirty="0">
@@ -7223,10 +6375,357 @@
           </a:p>
         </p:txBody>
       </p:sp>
+      <p:sp>
+        <p:nvSpPr>
+          <p:cNvPr id="5" name="Rectangle 2">
+            <a:extLst>
+              <a:ext uri="{FF2B5EF4-FFF2-40B4-BE49-F238E27FC236}">
+                <a16:creationId xmlns:a16="http://schemas.microsoft.com/office/drawing/2014/main" id="{7A3E1250-306F-4097-B5B5-18A062AB06B9}"/>
+              </a:ext>
+            </a:extLst>
+          </p:cNvPr>
+          <p:cNvSpPr>
+            <a:spLocks noChangeArrowheads="1"/>
+          </p:cNvSpPr>
+          <p:nvPr/>
+        </p:nvSpPr>
+        <p:spPr bwMode="auto">
+          <a:xfrm>
+            <a:off x="2665412" y="3445164"/>
+            <a:ext cx="5102225" cy="230832"/>
+          </a:xfrm>
+          <a:prstGeom prst="rect">
+            <a:avLst/>
+          </a:prstGeom>
+          <a:solidFill>
+            <a:srgbClr val="2B2B2B"/>
+          </a:solidFill>
+          <a:ln>
+            <a:noFill/>
+          </a:ln>
+          <a:effectLst/>
+          <a:extLst>
+            <a:ext uri="{91240B29-F687-4F45-9708-019B960494DF}">
+              <a14:hiddenLine xmlns:a14="http://schemas.microsoft.com/office/drawing/2010/main" w="9525">
+                <a:solidFill>
+                  <a:schemeClr val="tx1"/>
+                </a:solidFill>
+                <a:miter lim="800000"/>
+                <a:headEnd/>
+                <a:tailEnd/>
+              </a14:hiddenLine>
+            </a:ext>
+            <a:ext uri="{AF507438-7753-43E0-B8FC-AC1667EBCBE1}">
+              <a14:hiddenEffects xmlns:a14="http://schemas.microsoft.com/office/drawing/2010/main">
+                <a:effectLst>
+                  <a:outerShdw dist="35921" dir="2700000" algn="ctr" rotWithShape="0">
+                    <a:schemeClr val="bg2"/>
+                  </a:outerShdw>
+                </a:effectLst>
+              </a14:hiddenEffects>
+            </a:ext>
+          </a:extLst>
+        </p:spPr>
+        <p:txBody>
+          <a:bodyPr vert="horz" wrap="square" lIns="91440" tIns="45720" rIns="91440" bIns="45720" numCol="1" anchor="ctr" anchorCtr="0" compatLnSpc="1">
+            <a:prstTxWarp prst="textNoShape">
+              <a:avLst/>
+            </a:prstTxWarp>
+            <a:spAutoFit/>
+          </a:bodyPr>
+          <a:lstStyle/>
+          <a:p>
+            <a:pPr marL="0" marR="0" lvl="0" indent="0" algn="l" defTabSz="914400" rtl="0" eaLnBrk="0" fontAlgn="base" latinLnBrk="0" hangingPunct="0">
+              <a:lnSpc>
+                <a:spcPct val="100000"/>
+              </a:lnSpc>
+              <a:spcBef>
+                <a:spcPct val="0"/>
+              </a:spcBef>
+              <a:spcAft>
+                <a:spcPct val="0"/>
+              </a:spcAft>
+              <a:buClrTx/>
+              <a:buSzTx/>
+              <a:buFontTx/>
+              <a:buNone/>
+              <a:tabLst/>
+            </a:pPr>
+            <a:r>
+              <a:rPr kumimoji="0" lang="en-US" altLang="en-US" sz="900" b="0" i="0" u="none" strike="noStrike" cap="none" normalizeH="0" baseline="0">
+                <a:ln>
+                  <a:noFill/>
+                </a:ln>
+                <a:solidFill>
+                  <a:srgbClr val="A9B7C6"/>
+                </a:solidFill>
+                <a:effectLst/>
+                <a:latin typeface="JetBrains Mono"/>
+              </a:rPr>
+              <a:t>py_client = PySense.authenticate_by_token(</a:t>
+            </a:r>
+            <a:r>
+              <a:rPr kumimoji="0" lang="en-US" altLang="en-US" sz="900" b="0" i="0" u="none" strike="noStrike" cap="none" normalizeH="0" baseline="0">
+                <a:ln>
+                  <a:noFill/>
+                </a:ln>
+                <a:solidFill>
+                  <a:srgbClr val="6A8759"/>
+                </a:solidFill>
+                <a:effectLst/>
+                <a:latin typeface="JetBrains Mono"/>
+              </a:rPr>
+              <a:t>'host'</a:t>
+            </a:r>
+            <a:r>
+              <a:rPr kumimoji="0" lang="en-US" altLang="en-US" sz="900" b="0" i="0" u="none" strike="noStrike" cap="none" normalizeH="0" baseline="0">
+                <a:ln>
+                  <a:noFill/>
+                </a:ln>
+                <a:solidFill>
+                  <a:srgbClr val="CC7832"/>
+                </a:solidFill>
+                <a:effectLst/>
+                <a:latin typeface="JetBrains Mono"/>
+              </a:rPr>
+              <a:t>, </a:t>
+            </a:r>
+            <a:r>
+              <a:rPr kumimoji="0" lang="en-US" altLang="en-US" sz="900" b="0" i="0" u="none" strike="noStrike" cap="none" normalizeH="0" baseline="0">
+                <a:ln>
+                  <a:noFill/>
+                </a:ln>
+                <a:solidFill>
+                  <a:srgbClr val="6A8759"/>
+                </a:solidFill>
+                <a:effectLst/>
+                <a:latin typeface="JetBrains Mono"/>
+              </a:rPr>
+              <a:t>'thebearertokenreturnedfromasisenselogincall'</a:t>
+            </a:r>
+            <a:r>
+              <a:rPr kumimoji="0" lang="en-US" altLang="en-US" sz="900" b="0" i="0" u="none" strike="noStrike" cap="none" normalizeH="0" baseline="0">
+                <a:ln>
+                  <a:noFill/>
+                </a:ln>
+                <a:solidFill>
+                  <a:srgbClr val="A9B7C6"/>
+                </a:solidFill>
+                <a:effectLst/>
+                <a:latin typeface="JetBrains Mono"/>
+              </a:rPr>
+              <a:t>)</a:t>
+            </a:r>
+            <a:endParaRPr kumimoji="0" lang="en-US" altLang="en-US" sz="1800" b="0" i="0" u="none" strike="noStrike" cap="none" normalizeH="0" baseline="0">
+              <a:ln>
+                <a:noFill/>
+              </a:ln>
+              <a:solidFill>
+                <a:schemeClr val="tx1"/>
+              </a:solidFill>
+              <a:effectLst/>
+              <a:latin typeface="Arial" panose="020B0604020202020204" pitchFamily="34" charset="0"/>
+            </a:endParaRPr>
+          </a:p>
+        </p:txBody>
+      </p:sp>
+      <p:sp>
+        <p:nvSpPr>
+          <p:cNvPr id="6" name="Rectangle 3">
+            <a:extLst>
+              <a:ext uri="{FF2B5EF4-FFF2-40B4-BE49-F238E27FC236}">
+                <a16:creationId xmlns:a16="http://schemas.microsoft.com/office/drawing/2014/main" id="{03E56DB7-4D85-4A29-844C-ADDC830CE33E}"/>
+              </a:ext>
+            </a:extLst>
+          </p:cNvPr>
+          <p:cNvSpPr>
+            <a:spLocks noChangeArrowheads="1"/>
+          </p:cNvSpPr>
+          <p:nvPr/>
+        </p:nvSpPr>
+        <p:spPr bwMode="auto">
+          <a:xfrm>
+            <a:off x="2361405" y="4804616"/>
+            <a:ext cx="5561013" cy="230832"/>
+          </a:xfrm>
+          <a:prstGeom prst="rect">
+            <a:avLst/>
+          </a:prstGeom>
+          <a:solidFill>
+            <a:srgbClr val="2B2B2B"/>
+          </a:solidFill>
+          <a:ln>
+            <a:noFill/>
+          </a:ln>
+          <a:effectLst/>
+          <a:extLst>
+            <a:ext uri="{91240B29-F687-4F45-9708-019B960494DF}">
+              <a14:hiddenLine xmlns:a14="http://schemas.microsoft.com/office/drawing/2010/main" w="9525">
+                <a:solidFill>
+                  <a:schemeClr val="tx1"/>
+                </a:solidFill>
+                <a:miter lim="800000"/>
+                <a:headEnd/>
+                <a:tailEnd/>
+              </a14:hiddenLine>
+            </a:ext>
+            <a:ext uri="{AF507438-7753-43E0-B8FC-AC1667EBCBE1}">
+              <a14:hiddenEffects xmlns:a14="http://schemas.microsoft.com/office/drawing/2010/main">
+                <a:effectLst>
+                  <a:outerShdw dist="35921" dir="2700000" algn="ctr" rotWithShape="0">
+                    <a:schemeClr val="bg2"/>
+                  </a:outerShdw>
+                </a:effectLst>
+              </a14:hiddenEffects>
+            </a:ext>
+          </a:extLst>
+        </p:spPr>
+        <p:txBody>
+          <a:bodyPr vert="horz" wrap="square" lIns="91440" tIns="45720" rIns="91440" bIns="45720" numCol="1" anchor="ctr" anchorCtr="0" compatLnSpc="1">
+            <a:prstTxWarp prst="textNoShape">
+              <a:avLst/>
+            </a:prstTxWarp>
+            <a:spAutoFit/>
+          </a:bodyPr>
+          <a:lstStyle/>
+          <a:p>
+            <a:pPr marL="0" marR="0" lvl="0" indent="0" algn="l" defTabSz="914400" rtl="0" eaLnBrk="0" fontAlgn="base" latinLnBrk="0" hangingPunct="0">
+              <a:lnSpc>
+                <a:spcPct val="100000"/>
+              </a:lnSpc>
+              <a:spcBef>
+                <a:spcPct val="0"/>
+              </a:spcBef>
+              <a:spcAft>
+                <a:spcPct val="0"/>
+              </a:spcAft>
+              <a:buClrTx/>
+              <a:buSzTx/>
+              <a:buFontTx/>
+              <a:buNone/>
+              <a:tabLst/>
+            </a:pPr>
+            <a:r>
+              <a:rPr kumimoji="0" lang="en-US" altLang="en-US" sz="900" b="0" i="0" u="none" strike="noStrike" cap="none" normalizeH="0" baseline="0" dirty="0" err="1">
+                <a:ln>
+                  <a:noFill/>
+                </a:ln>
+                <a:solidFill>
+                  <a:srgbClr val="A9B7C6"/>
+                </a:solidFill>
+                <a:effectLst/>
+                <a:latin typeface="JetBrains Mono"/>
+              </a:rPr>
+              <a:t>py_client</a:t>
+            </a:r>
+            <a:r>
+              <a:rPr kumimoji="0" lang="en-US" altLang="en-US" sz="900" b="0" i="0" u="none" strike="noStrike" cap="none" normalizeH="0" baseline="0" dirty="0">
+                <a:ln>
+                  <a:noFill/>
+                </a:ln>
+                <a:solidFill>
+                  <a:srgbClr val="A9B7C6"/>
+                </a:solidFill>
+                <a:effectLst/>
+                <a:latin typeface="JetBrains Mono"/>
+              </a:rPr>
+              <a:t> = </a:t>
+            </a:r>
+            <a:r>
+              <a:rPr kumimoji="0" lang="en-US" altLang="en-US" sz="900" b="0" i="0" u="none" strike="noStrike" cap="none" normalizeH="0" baseline="0" dirty="0" err="1">
+                <a:ln>
+                  <a:noFill/>
+                </a:ln>
+                <a:solidFill>
+                  <a:srgbClr val="A9B7C6"/>
+                </a:solidFill>
+                <a:effectLst/>
+                <a:latin typeface="JetBrains Mono"/>
+              </a:rPr>
+              <a:t>PySense.authenticate_by_file</a:t>
+            </a:r>
+            <a:r>
+              <a:rPr kumimoji="0" lang="en-US" altLang="en-US" sz="900" b="0" i="0" u="none" strike="noStrike" cap="none" normalizeH="0" baseline="0" dirty="0">
+                <a:ln>
+                  <a:noFill/>
+                </a:ln>
+                <a:solidFill>
+                  <a:srgbClr val="A9B7C6"/>
+                </a:solidFill>
+                <a:effectLst/>
+                <a:latin typeface="JetBrains Mono"/>
+              </a:rPr>
+              <a:t>(</a:t>
+            </a:r>
+            <a:r>
+              <a:rPr kumimoji="0" lang="en-US" altLang="en-US" sz="900" b="0" i="0" u="none" strike="noStrike" cap="none" normalizeH="0" baseline="0" dirty="0">
+                <a:ln>
+                  <a:noFill/>
+                </a:ln>
+                <a:solidFill>
+                  <a:srgbClr val="6A8759"/>
+                </a:solidFill>
+                <a:effectLst/>
+                <a:latin typeface="JetBrains Mono"/>
+              </a:rPr>
+              <a:t>'</a:t>
+            </a:r>
+            <a:r>
+              <a:rPr kumimoji="0" lang="en-US" altLang="en-US" sz="900" b="0" i="0" u="none" strike="noStrike" cap="none" normalizeH="0" baseline="0" dirty="0" err="1">
+                <a:ln>
+                  <a:noFill/>
+                </a:ln>
+                <a:solidFill>
+                  <a:srgbClr val="6A8759"/>
+                </a:solidFill>
+                <a:effectLst/>
+                <a:latin typeface="JetBrains Mono"/>
+              </a:rPr>
+              <a:t>SampleConfig.yaml</a:t>
+            </a:r>
+            <a:r>
+              <a:rPr kumimoji="0" lang="en-US" altLang="en-US" sz="900" b="0" i="0" u="none" strike="noStrike" cap="none" normalizeH="0" baseline="0" dirty="0">
+                <a:ln>
+                  <a:noFill/>
+                </a:ln>
+                <a:solidFill>
+                  <a:srgbClr val="6A8759"/>
+                </a:solidFill>
+                <a:effectLst/>
+                <a:latin typeface="JetBrains Mono"/>
+              </a:rPr>
+              <a:t>'</a:t>
+            </a:r>
+            <a:r>
+              <a:rPr kumimoji="0" lang="en-US" altLang="en-US" sz="900" b="0" i="0" u="none" strike="noStrike" cap="none" normalizeH="0" baseline="0" dirty="0">
+                <a:ln>
+                  <a:noFill/>
+                </a:ln>
+                <a:solidFill>
+                  <a:srgbClr val="A9B7C6"/>
+                </a:solidFill>
+                <a:effectLst/>
+                <a:latin typeface="JetBrains Mono"/>
+              </a:rPr>
+              <a:t>)</a:t>
+            </a:r>
+            <a:endParaRPr kumimoji="0" lang="en-US" altLang="en-US" sz="1800" b="0" i="0" u="none" strike="noStrike" cap="none" normalizeH="0" baseline="0" dirty="0">
+              <a:ln>
+                <a:noFill/>
+              </a:ln>
+              <a:solidFill>
+                <a:schemeClr val="tx1"/>
+              </a:solidFill>
+              <a:effectLst/>
+              <a:latin typeface="Arial" panose="020B0604020202020204" pitchFamily="34" charset="0"/>
+            </a:endParaRPr>
+          </a:p>
+        </p:txBody>
+      </p:sp>
     </p:spTree>
     <p:extLst>
       <p:ext uri="{BB962C8B-B14F-4D97-AF65-F5344CB8AC3E}">
-        <p14:creationId xmlns:p14="http://schemas.microsoft.com/office/powerpoint/2010/main" val="1457458202"/>
+        <p14:creationId xmlns:p14="http://schemas.microsoft.com/office/powerpoint/2010/main" val="2384998925"/>
       </p:ext>
     </p:extLst>
   </p:cSld>
@@ -7270,7 +6769,7 @@
           <p:cNvPr id="2" name="Title 1">
             <a:extLst>
               <a:ext uri="{FF2B5EF4-FFF2-40B4-BE49-F238E27FC236}">
-                <a16:creationId xmlns:a16="http://schemas.microsoft.com/office/drawing/2014/main" id="{0C514ADE-E8C3-45FB-BA14-911EC6E24C24}"/>
+                <a16:creationId xmlns:a16="http://schemas.microsoft.com/office/drawing/2014/main" id="{04F72B51-5FA2-4EF6-A9D0-BEE36D390B6A}"/>
               </a:ext>
             </a:extLst>
           </p:cNvPr>
@@ -7288,7 +6787,7 @@
           <a:p>
             <a:r>
               <a:rPr lang="en-US" dirty="0"/>
-              <a:t>Python Tips</a:t>
+              <a:t>Authentication File</a:t>
             </a:r>
           </a:p>
         </p:txBody>
@@ -7298,7 +6797,7 @@
           <p:cNvPr id="3" name="Content Placeholder 2">
             <a:extLst>
               <a:ext uri="{FF2B5EF4-FFF2-40B4-BE49-F238E27FC236}">
-                <a16:creationId xmlns:a16="http://schemas.microsoft.com/office/drawing/2014/main" id="{CB6F351A-E757-4F6D-92B4-840AABD93DCE}"/>
+                <a16:creationId xmlns:a16="http://schemas.microsoft.com/office/drawing/2014/main" id="{0586E942-D9A9-4210-BB89-17744F1B5E64}"/>
               </a:ext>
             </a:extLst>
           </p:cNvPr>
@@ -7309,841 +6808,74 @@
             <p:ph idx="1"/>
           </p:nvPr>
         </p:nvSpPr>
-        <p:spPr>
-          <a:xfrm>
-            <a:off x="1218883" y="1701797"/>
-            <a:ext cx="10360501" cy="4462272"/>
-          </a:xfrm>
-        </p:spPr>
+        <p:spPr/>
         <p:txBody>
           <a:bodyPr/>
           <a:lstStyle/>
           <a:p>
             <a:r>
               <a:rPr lang="en-US" dirty="0"/>
-              <a:t>Printing Hello World</a:t>
+              <a:t>The best way to load credentials is via file. </a:t>
+            </a:r>
+          </a:p>
+          <a:p>
+            <a:pPr lvl="1"/>
+            <a:r>
+              <a:rPr lang="en-US" dirty="0"/>
+              <a:t>Easy to use the same script for multiple environments</a:t>
+            </a:r>
+          </a:p>
+          <a:p>
+            <a:pPr lvl="1"/>
+            <a:r>
+              <a:rPr lang="en-US" dirty="0"/>
+              <a:t>Prevent accidentally sharing your credentials</a:t>
+            </a:r>
+          </a:p>
+          <a:p>
+            <a:pPr lvl="1"/>
+            <a:r>
+              <a:rPr lang="en-US" dirty="0"/>
+              <a:t>Easy to create and duplicate</a:t>
+            </a:r>
+          </a:p>
+          <a:p>
+            <a:r>
+              <a:rPr lang="en-US" dirty="0"/>
+              <a:t>A config file:</a:t>
+            </a:r>
+          </a:p>
+          <a:p>
+            <a:pPr lvl="1"/>
+            <a:r>
+              <a:rPr lang="en-US" dirty="0"/>
+              <a:t>Must contain the host </a:t>
+            </a:r>
+          </a:p>
+          <a:p>
+            <a:pPr lvl="1"/>
+            <a:r>
+              <a:rPr lang="en-US" dirty="0"/>
+              <a:t>Must contain either a username and password or a bearer token</a:t>
+            </a:r>
+          </a:p>
+          <a:p>
+            <a:pPr lvl="1"/>
+            <a:r>
+              <a:rPr lang="en-US" dirty="0"/>
+              <a:t>Can contain options for debug and SSL verify</a:t>
             </a:r>
           </a:p>
           <a:p>
             <a:pPr lvl="1"/>
             <a:endParaRPr lang="en-US" dirty="0"/>
-          </a:p>
-          <a:p>
-            <a:pPr lvl="1"/>
-            <a:endParaRPr lang="en-US" dirty="0"/>
-          </a:p>
-          <a:p>
-            <a:pPr lvl="1"/>
-            <a:endParaRPr lang="en-US" dirty="0"/>
-          </a:p>
-          <a:p>
-            <a:r>
-              <a:rPr lang="en-US" dirty="0"/>
-              <a:t>Iterating through list</a:t>
-            </a:r>
-          </a:p>
-        </p:txBody>
-      </p:sp>
-      <p:sp>
-        <p:nvSpPr>
-          <p:cNvPr id="4" name="Rectangle 1">
-            <a:extLst>
-              <a:ext uri="{FF2B5EF4-FFF2-40B4-BE49-F238E27FC236}">
-                <a16:creationId xmlns:a16="http://schemas.microsoft.com/office/drawing/2014/main" id="{2D818949-8DC9-4E31-8B6D-A2957793590B}"/>
-              </a:ext>
-            </a:extLst>
-          </p:cNvPr>
-          <p:cNvSpPr>
-            <a:spLocks noChangeArrowheads="1"/>
-          </p:cNvSpPr>
-          <p:nvPr/>
-        </p:nvSpPr>
-        <p:spPr bwMode="auto">
-          <a:xfrm>
-            <a:off x="1979612" y="2286000"/>
-            <a:ext cx="3286558" cy="230832"/>
-          </a:xfrm>
-          <a:prstGeom prst="rect">
-            <a:avLst/>
-          </a:prstGeom>
-          <a:solidFill>
-            <a:srgbClr val="2B2B2B"/>
-          </a:solidFill>
-          <a:ln>
-            <a:noFill/>
-          </a:ln>
-          <a:effectLst/>
-          <a:extLst>
-            <a:ext uri="{91240B29-F687-4F45-9708-019B960494DF}">
-              <a14:hiddenLine xmlns:a14="http://schemas.microsoft.com/office/drawing/2010/main" w="9525">
-                <a:solidFill>
-                  <a:schemeClr val="tx1"/>
-                </a:solidFill>
-                <a:miter lim="800000"/>
-                <a:headEnd/>
-                <a:tailEnd/>
-              </a14:hiddenLine>
-            </a:ext>
-            <a:ext uri="{AF507438-7753-43E0-B8FC-AC1667EBCBE1}">
-              <a14:hiddenEffects xmlns:a14="http://schemas.microsoft.com/office/drawing/2010/main">
-                <a:effectLst>
-                  <a:outerShdw dist="35921" dir="2700000" algn="ctr" rotWithShape="0">
-                    <a:schemeClr val="bg2"/>
-                  </a:outerShdw>
-                </a:effectLst>
-              </a14:hiddenEffects>
-            </a:ext>
-          </a:extLst>
-        </p:spPr>
-        <p:txBody>
-          <a:bodyPr vert="horz" wrap="square" lIns="91440" tIns="45720" rIns="91440" bIns="45720" numCol="1" anchor="ctr" anchorCtr="0" compatLnSpc="1">
-            <a:prstTxWarp prst="textNoShape">
-              <a:avLst/>
-            </a:prstTxWarp>
-            <a:spAutoFit/>
-          </a:bodyPr>
-          <a:lstStyle/>
-          <a:p>
-            <a:pPr marL="0" marR="0" lvl="0" indent="0" algn="l" defTabSz="914400" rtl="0" eaLnBrk="0" fontAlgn="base" latinLnBrk="0" hangingPunct="0">
-              <a:lnSpc>
-                <a:spcPct val="100000"/>
-              </a:lnSpc>
-              <a:spcBef>
-                <a:spcPct val="0"/>
-              </a:spcBef>
-              <a:spcAft>
-                <a:spcPct val="0"/>
-              </a:spcAft>
-              <a:buClrTx/>
-              <a:buSzTx/>
-              <a:buFontTx/>
-              <a:buNone/>
-              <a:tabLst/>
-            </a:pPr>
-            <a:r>
-              <a:rPr kumimoji="0" lang="en-US" altLang="en-US" sz="900" b="0" i="0" u="none" strike="noStrike" cap="none" normalizeH="0" baseline="0">
-                <a:ln>
-                  <a:noFill/>
-                </a:ln>
-                <a:solidFill>
-                  <a:srgbClr val="8888C6"/>
-                </a:solidFill>
-                <a:effectLst/>
-                <a:latin typeface="JetBrains Mono"/>
-              </a:rPr>
-              <a:t>print</a:t>
-            </a:r>
-            <a:r>
-              <a:rPr kumimoji="0" lang="en-US" altLang="en-US" sz="900" b="0" i="0" u="none" strike="noStrike" cap="none" normalizeH="0" baseline="0">
-                <a:ln>
-                  <a:noFill/>
-                </a:ln>
-                <a:solidFill>
-                  <a:srgbClr val="A9B7C6"/>
-                </a:solidFill>
-                <a:effectLst/>
-                <a:latin typeface="JetBrains Mono"/>
-              </a:rPr>
-              <a:t>(</a:t>
-            </a:r>
-            <a:r>
-              <a:rPr kumimoji="0" lang="en-US" altLang="en-US" sz="900" b="0" i="0" u="none" strike="noStrike" cap="none" normalizeH="0" baseline="0">
-                <a:ln>
-                  <a:noFill/>
-                </a:ln>
-                <a:solidFill>
-                  <a:srgbClr val="6A8759"/>
-                </a:solidFill>
-                <a:effectLst/>
-                <a:latin typeface="JetBrains Mono"/>
-              </a:rPr>
-              <a:t>'Hello World'</a:t>
-            </a:r>
-            <a:r>
-              <a:rPr kumimoji="0" lang="en-US" altLang="en-US" sz="900" b="0" i="0" u="none" strike="noStrike" cap="none" normalizeH="0" baseline="0">
-                <a:ln>
-                  <a:noFill/>
-                </a:ln>
-                <a:solidFill>
-                  <a:srgbClr val="A9B7C6"/>
-                </a:solidFill>
-                <a:effectLst/>
-                <a:latin typeface="JetBrains Mono"/>
-              </a:rPr>
-              <a:t>)</a:t>
-            </a:r>
-            <a:endParaRPr kumimoji="0" lang="en-US" altLang="en-US" sz="1800" b="0" i="0" u="none" strike="noStrike" cap="none" normalizeH="0" baseline="0">
-              <a:ln>
-                <a:noFill/>
-              </a:ln>
-              <a:solidFill>
-                <a:schemeClr val="tx1"/>
-              </a:solidFill>
-              <a:effectLst/>
-              <a:latin typeface="Arial" panose="020B0604020202020204" pitchFamily="34" charset="0"/>
-            </a:endParaRPr>
-          </a:p>
-        </p:txBody>
-      </p:sp>
-      <p:sp>
-        <p:nvSpPr>
-          <p:cNvPr id="5" name="Rectangle 2">
-            <a:extLst>
-              <a:ext uri="{FF2B5EF4-FFF2-40B4-BE49-F238E27FC236}">
-                <a16:creationId xmlns:a16="http://schemas.microsoft.com/office/drawing/2014/main" id="{32DDD047-1CD9-4D1F-95EB-4F4C47933E37}"/>
-              </a:ext>
-            </a:extLst>
-          </p:cNvPr>
-          <p:cNvSpPr>
-            <a:spLocks noChangeArrowheads="1"/>
-          </p:cNvSpPr>
-          <p:nvPr/>
-        </p:nvSpPr>
-        <p:spPr bwMode="auto">
-          <a:xfrm>
-            <a:off x="1966480" y="2720029"/>
-            <a:ext cx="3286558" cy="230832"/>
-          </a:xfrm>
-          <a:prstGeom prst="rect">
-            <a:avLst/>
-          </a:prstGeom>
-          <a:solidFill>
-            <a:srgbClr val="2B2B2B"/>
-          </a:solidFill>
-          <a:ln>
-            <a:noFill/>
-          </a:ln>
-          <a:effectLst/>
-          <a:extLst>
-            <a:ext uri="{91240B29-F687-4F45-9708-019B960494DF}">
-              <a14:hiddenLine xmlns:a14="http://schemas.microsoft.com/office/drawing/2010/main" w="9525">
-                <a:solidFill>
-                  <a:schemeClr val="tx1"/>
-                </a:solidFill>
-                <a:miter lim="800000"/>
-                <a:headEnd/>
-                <a:tailEnd/>
-              </a14:hiddenLine>
-            </a:ext>
-            <a:ext uri="{AF507438-7753-43E0-B8FC-AC1667EBCBE1}">
-              <a14:hiddenEffects xmlns:a14="http://schemas.microsoft.com/office/drawing/2010/main">
-                <a:effectLst>
-                  <a:outerShdw dist="35921" dir="2700000" algn="ctr" rotWithShape="0">
-                    <a:schemeClr val="bg2"/>
-                  </a:outerShdw>
-                </a:effectLst>
-              </a14:hiddenEffects>
-            </a:ext>
-          </a:extLst>
-        </p:spPr>
-        <p:txBody>
-          <a:bodyPr vert="horz" wrap="square" lIns="91440" tIns="45720" rIns="91440" bIns="45720" numCol="1" anchor="ctr" anchorCtr="0" compatLnSpc="1">
-            <a:prstTxWarp prst="textNoShape">
-              <a:avLst/>
-            </a:prstTxWarp>
-            <a:spAutoFit/>
-          </a:bodyPr>
-          <a:lstStyle/>
-          <a:p>
-            <a:pPr marL="0" marR="0" lvl="0" indent="0" algn="l" defTabSz="914400" rtl="0" eaLnBrk="0" fontAlgn="base" latinLnBrk="0" hangingPunct="0">
-              <a:lnSpc>
-                <a:spcPct val="100000"/>
-              </a:lnSpc>
-              <a:spcBef>
-                <a:spcPct val="0"/>
-              </a:spcBef>
-              <a:spcAft>
-                <a:spcPct val="0"/>
-              </a:spcAft>
-              <a:buClrTx/>
-              <a:buSzTx/>
-              <a:buFontTx/>
-              <a:buNone/>
-              <a:tabLst/>
-            </a:pPr>
-            <a:r>
-              <a:rPr kumimoji="0" lang="en-US" altLang="en-US" sz="900" b="0" i="0" u="none" strike="noStrike" cap="none" normalizeH="0" baseline="0">
-                <a:ln>
-                  <a:noFill/>
-                </a:ln>
-                <a:solidFill>
-                  <a:srgbClr val="8888C6"/>
-                </a:solidFill>
-                <a:effectLst/>
-                <a:latin typeface="JetBrains Mono"/>
-              </a:rPr>
-              <a:t>print</a:t>
-            </a:r>
-            <a:r>
-              <a:rPr kumimoji="0" lang="en-US" altLang="en-US" sz="900" b="0" i="0" u="none" strike="noStrike" cap="none" normalizeH="0" baseline="0">
-                <a:ln>
-                  <a:noFill/>
-                </a:ln>
-                <a:solidFill>
-                  <a:srgbClr val="A9B7C6"/>
-                </a:solidFill>
-                <a:effectLst/>
-                <a:latin typeface="JetBrains Mono"/>
-              </a:rPr>
-              <a:t>(</a:t>
-            </a:r>
-            <a:r>
-              <a:rPr kumimoji="0" lang="en-US" altLang="en-US" sz="900" b="0" i="0" u="none" strike="noStrike" cap="none" normalizeH="0" baseline="0">
-                <a:ln>
-                  <a:noFill/>
-                </a:ln>
-                <a:solidFill>
-                  <a:srgbClr val="6A8759"/>
-                </a:solidFill>
-                <a:effectLst/>
-                <a:latin typeface="JetBrains Mono"/>
-              </a:rPr>
-              <a:t>'Hello' </a:t>
-            </a:r>
-            <a:r>
-              <a:rPr kumimoji="0" lang="en-US" altLang="en-US" sz="900" b="0" i="0" u="none" strike="noStrike" cap="none" normalizeH="0" baseline="0">
-                <a:ln>
-                  <a:noFill/>
-                </a:ln>
-                <a:solidFill>
-                  <a:srgbClr val="A9B7C6"/>
-                </a:solidFill>
-                <a:effectLst/>
-                <a:latin typeface="JetBrains Mono"/>
-              </a:rPr>
-              <a:t>+ </a:t>
-            </a:r>
-            <a:r>
-              <a:rPr kumimoji="0" lang="en-US" altLang="en-US" sz="900" b="0" i="0" u="none" strike="noStrike" cap="none" normalizeH="0" baseline="0">
-                <a:ln>
-                  <a:noFill/>
-                </a:ln>
-                <a:solidFill>
-                  <a:srgbClr val="6A8759"/>
-                </a:solidFill>
-                <a:effectLst/>
-                <a:latin typeface="JetBrains Mono"/>
-              </a:rPr>
-              <a:t>' ' </a:t>
-            </a:r>
-            <a:r>
-              <a:rPr kumimoji="0" lang="en-US" altLang="en-US" sz="900" b="0" i="0" u="none" strike="noStrike" cap="none" normalizeH="0" baseline="0">
-                <a:ln>
-                  <a:noFill/>
-                </a:ln>
-                <a:solidFill>
-                  <a:srgbClr val="A9B7C6"/>
-                </a:solidFill>
-                <a:effectLst/>
-                <a:latin typeface="JetBrains Mono"/>
-              </a:rPr>
-              <a:t>+ </a:t>
-            </a:r>
-            <a:r>
-              <a:rPr kumimoji="0" lang="en-US" altLang="en-US" sz="900" b="0" i="0" u="none" strike="noStrike" cap="none" normalizeH="0" baseline="0">
-                <a:ln>
-                  <a:noFill/>
-                </a:ln>
-                <a:solidFill>
-                  <a:srgbClr val="6A8759"/>
-                </a:solidFill>
-                <a:effectLst/>
-                <a:latin typeface="JetBrains Mono"/>
-              </a:rPr>
-              <a:t>'World'</a:t>
-            </a:r>
-            <a:r>
-              <a:rPr kumimoji="0" lang="en-US" altLang="en-US" sz="900" b="0" i="0" u="none" strike="noStrike" cap="none" normalizeH="0" baseline="0">
-                <a:ln>
-                  <a:noFill/>
-                </a:ln>
-                <a:solidFill>
-                  <a:srgbClr val="A9B7C6"/>
-                </a:solidFill>
-                <a:effectLst/>
-                <a:latin typeface="JetBrains Mono"/>
-              </a:rPr>
-              <a:t>)</a:t>
-            </a:r>
-            <a:endParaRPr kumimoji="0" lang="en-US" altLang="en-US" sz="1800" b="0" i="0" u="none" strike="noStrike" cap="none" normalizeH="0" baseline="0">
-              <a:ln>
-                <a:noFill/>
-              </a:ln>
-              <a:solidFill>
-                <a:schemeClr val="tx1"/>
-              </a:solidFill>
-              <a:effectLst/>
-              <a:latin typeface="Arial" panose="020B0604020202020204" pitchFamily="34" charset="0"/>
-            </a:endParaRPr>
-          </a:p>
-        </p:txBody>
-      </p:sp>
-      <p:sp>
-        <p:nvSpPr>
-          <p:cNvPr id="6" name="Rectangle 3">
-            <a:extLst>
-              <a:ext uri="{FF2B5EF4-FFF2-40B4-BE49-F238E27FC236}">
-                <a16:creationId xmlns:a16="http://schemas.microsoft.com/office/drawing/2014/main" id="{ABD98528-7725-498F-9A41-576318530FF1}"/>
-              </a:ext>
-            </a:extLst>
-          </p:cNvPr>
-          <p:cNvSpPr>
-            <a:spLocks noChangeArrowheads="1"/>
-          </p:cNvSpPr>
-          <p:nvPr/>
-        </p:nvSpPr>
-        <p:spPr bwMode="auto">
-          <a:xfrm>
-            <a:off x="1979613" y="3177149"/>
-            <a:ext cx="3286558" cy="230832"/>
-          </a:xfrm>
-          <a:prstGeom prst="rect">
-            <a:avLst/>
-          </a:prstGeom>
-          <a:solidFill>
-            <a:srgbClr val="2B2B2B"/>
-          </a:solidFill>
-          <a:ln>
-            <a:noFill/>
-          </a:ln>
-          <a:effectLst/>
-          <a:extLst>
-            <a:ext uri="{91240B29-F687-4F45-9708-019B960494DF}">
-              <a14:hiddenLine xmlns:a14="http://schemas.microsoft.com/office/drawing/2010/main" w="9525">
-                <a:solidFill>
-                  <a:schemeClr val="tx1"/>
-                </a:solidFill>
-                <a:miter lim="800000"/>
-                <a:headEnd/>
-                <a:tailEnd/>
-              </a14:hiddenLine>
-            </a:ext>
-            <a:ext uri="{AF507438-7753-43E0-B8FC-AC1667EBCBE1}">
-              <a14:hiddenEffects xmlns:a14="http://schemas.microsoft.com/office/drawing/2010/main">
-                <a:effectLst>
-                  <a:outerShdw dist="35921" dir="2700000" algn="ctr" rotWithShape="0">
-                    <a:schemeClr val="bg2"/>
-                  </a:outerShdw>
-                </a:effectLst>
-              </a14:hiddenEffects>
-            </a:ext>
-          </a:extLst>
-        </p:spPr>
-        <p:txBody>
-          <a:bodyPr vert="horz" wrap="square" lIns="91440" tIns="45720" rIns="91440" bIns="45720" numCol="1" anchor="ctr" anchorCtr="0" compatLnSpc="1">
-            <a:prstTxWarp prst="textNoShape">
-              <a:avLst/>
-            </a:prstTxWarp>
-            <a:spAutoFit/>
-          </a:bodyPr>
-          <a:lstStyle/>
-          <a:p>
-            <a:pPr marL="0" marR="0" lvl="0" indent="0" algn="l" defTabSz="914400" rtl="0" eaLnBrk="0" fontAlgn="base" latinLnBrk="0" hangingPunct="0">
-              <a:lnSpc>
-                <a:spcPct val="100000"/>
-              </a:lnSpc>
-              <a:spcBef>
-                <a:spcPct val="0"/>
-              </a:spcBef>
-              <a:spcAft>
-                <a:spcPct val="0"/>
-              </a:spcAft>
-              <a:buClrTx/>
-              <a:buSzTx/>
-              <a:buFontTx/>
-              <a:buNone/>
-              <a:tabLst/>
-            </a:pPr>
-            <a:r>
-              <a:rPr kumimoji="0" lang="en-US" altLang="en-US" sz="900" b="0" i="0" u="none" strike="noStrike" cap="none" normalizeH="0" baseline="0">
-                <a:ln>
-                  <a:noFill/>
-                </a:ln>
-                <a:solidFill>
-                  <a:srgbClr val="8888C6"/>
-                </a:solidFill>
-                <a:effectLst/>
-                <a:latin typeface="JetBrains Mono"/>
-              </a:rPr>
-              <a:t>print</a:t>
-            </a:r>
-            <a:r>
-              <a:rPr kumimoji="0" lang="en-US" altLang="en-US" sz="900" b="0" i="0" u="none" strike="noStrike" cap="none" normalizeH="0" baseline="0">
-                <a:ln>
-                  <a:noFill/>
-                </a:ln>
-                <a:solidFill>
-                  <a:srgbClr val="A9B7C6"/>
-                </a:solidFill>
-                <a:effectLst/>
-                <a:latin typeface="JetBrains Mono"/>
-              </a:rPr>
-              <a:t>(</a:t>
-            </a:r>
-            <a:r>
-              <a:rPr kumimoji="0" lang="en-US" altLang="en-US" sz="900" b="0" i="0" u="none" strike="noStrike" cap="none" normalizeH="0" baseline="0">
-                <a:ln>
-                  <a:noFill/>
-                </a:ln>
-                <a:solidFill>
-                  <a:srgbClr val="6A8759"/>
-                </a:solidFill>
-                <a:effectLst/>
-                <a:latin typeface="JetBrains Mono"/>
-              </a:rPr>
-              <a:t>'{} {}'</a:t>
-            </a:r>
-            <a:r>
-              <a:rPr kumimoji="0" lang="en-US" altLang="en-US" sz="900" b="0" i="0" u="none" strike="noStrike" cap="none" normalizeH="0" baseline="0">
-                <a:ln>
-                  <a:noFill/>
-                </a:ln>
-                <a:solidFill>
-                  <a:srgbClr val="A9B7C6"/>
-                </a:solidFill>
-                <a:effectLst/>
-                <a:latin typeface="JetBrains Mono"/>
-              </a:rPr>
-              <a:t>.format(</a:t>
-            </a:r>
-            <a:r>
-              <a:rPr kumimoji="0" lang="en-US" altLang="en-US" sz="900" b="0" i="0" u="none" strike="noStrike" cap="none" normalizeH="0" baseline="0">
-                <a:ln>
-                  <a:noFill/>
-                </a:ln>
-                <a:solidFill>
-                  <a:srgbClr val="6A8759"/>
-                </a:solidFill>
-                <a:effectLst/>
-                <a:latin typeface="JetBrains Mono"/>
-              </a:rPr>
-              <a:t>'Hello'</a:t>
-            </a:r>
-            <a:r>
-              <a:rPr kumimoji="0" lang="en-US" altLang="en-US" sz="900" b="0" i="0" u="none" strike="noStrike" cap="none" normalizeH="0" baseline="0">
-                <a:ln>
-                  <a:noFill/>
-                </a:ln>
-                <a:solidFill>
-                  <a:srgbClr val="CC7832"/>
-                </a:solidFill>
-                <a:effectLst/>
-                <a:latin typeface="JetBrains Mono"/>
-              </a:rPr>
-              <a:t>, </a:t>
-            </a:r>
-            <a:r>
-              <a:rPr kumimoji="0" lang="en-US" altLang="en-US" sz="900" b="0" i="0" u="none" strike="noStrike" cap="none" normalizeH="0" baseline="0">
-                <a:ln>
-                  <a:noFill/>
-                </a:ln>
-                <a:solidFill>
-                  <a:srgbClr val="6A8759"/>
-                </a:solidFill>
-                <a:effectLst/>
-                <a:latin typeface="JetBrains Mono"/>
-              </a:rPr>
-              <a:t>'World'</a:t>
-            </a:r>
-            <a:r>
-              <a:rPr kumimoji="0" lang="en-US" altLang="en-US" sz="900" b="0" i="0" u="none" strike="noStrike" cap="none" normalizeH="0" baseline="0">
-                <a:ln>
-                  <a:noFill/>
-                </a:ln>
-                <a:solidFill>
-                  <a:srgbClr val="A9B7C6"/>
-                </a:solidFill>
-                <a:effectLst/>
-                <a:latin typeface="JetBrains Mono"/>
-              </a:rPr>
-              <a:t>))</a:t>
-            </a:r>
-            <a:endParaRPr kumimoji="0" lang="en-US" altLang="en-US" sz="1800" b="0" i="0" u="none" strike="noStrike" cap="none" normalizeH="0" baseline="0">
-              <a:ln>
-                <a:noFill/>
-              </a:ln>
-              <a:solidFill>
-                <a:schemeClr val="tx1"/>
-              </a:solidFill>
-              <a:effectLst/>
-              <a:latin typeface="Arial" panose="020B0604020202020204" pitchFamily="34" charset="0"/>
-            </a:endParaRPr>
-          </a:p>
-        </p:txBody>
-      </p:sp>
-      <p:sp>
-        <p:nvSpPr>
-          <p:cNvPr id="7" name="Rectangle 4">
-            <a:extLst>
-              <a:ext uri="{FF2B5EF4-FFF2-40B4-BE49-F238E27FC236}">
-                <a16:creationId xmlns:a16="http://schemas.microsoft.com/office/drawing/2014/main" id="{9AB3CBB4-85D8-4318-A4CA-628A7D10EAC6}"/>
-              </a:ext>
-            </a:extLst>
-          </p:cNvPr>
-          <p:cNvSpPr>
-            <a:spLocks noChangeArrowheads="1"/>
-          </p:cNvSpPr>
-          <p:nvPr/>
-        </p:nvSpPr>
-        <p:spPr bwMode="auto">
-          <a:xfrm>
-            <a:off x="1932565" y="4172297"/>
-            <a:ext cx="3286558" cy="507831"/>
-          </a:xfrm>
-          <a:prstGeom prst="rect">
-            <a:avLst/>
-          </a:prstGeom>
-          <a:solidFill>
-            <a:srgbClr val="2B2B2B"/>
-          </a:solidFill>
-          <a:ln>
-            <a:noFill/>
-          </a:ln>
-          <a:effectLst/>
-          <a:extLst>
-            <a:ext uri="{91240B29-F687-4F45-9708-019B960494DF}">
-              <a14:hiddenLine xmlns:a14="http://schemas.microsoft.com/office/drawing/2010/main" w="9525">
-                <a:solidFill>
-                  <a:schemeClr val="tx1"/>
-                </a:solidFill>
-                <a:miter lim="800000"/>
-                <a:headEnd/>
-                <a:tailEnd/>
-              </a14:hiddenLine>
-            </a:ext>
-            <a:ext uri="{AF507438-7753-43E0-B8FC-AC1667EBCBE1}">
-              <a14:hiddenEffects xmlns:a14="http://schemas.microsoft.com/office/drawing/2010/main">
-                <a:effectLst>
-                  <a:outerShdw dist="35921" dir="2700000" algn="ctr" rotWithShape="0">
-                    <a:schemeClr val="bg2"/>
-                  </a:outerShdw>
-                </a:effectLst>
-              </a14:hiddenEffects>
-            </a:ext>
-          </a:extLst>
-        </p:spPr>
-        <p:txBody>
-          <a:bodyPr vert="horz" wrap="square" lIns="91440" tIns="45720" rIns="91440" bIns="45720" numCol="1" anchor="ctr" anchorCtr="0" compatLnSpc="1">
-            <a:prstTxWarp prst="textNoShape">
-              <a:avLst/>
-            </a:prstTxWarp>
-            <a:spAutoFit/>
-          </a:bodyPr>
-          <a:lstStyle/>
-          <a:p>
-            <a:pPr marL="0" marR="0" lvl="0" indent="0" algn="l" defTabSz="914400" rtl="0" eaLnBrk="0" fontAlgn="base" latinLnBrk="0" hangingPunct="0">
-              <a:lnSpc>
-                <a:spcPct val="100000"/>
-              </a:lnSpc>
-              <a:spcBef>
-                <a:spcPct val="0"/>
-              </a:spcBef>
-              <a:spcAft>
-                <a:spcPct val="0"/>
-              </a:spcAft>
-              <a:buClrTx/>
-              <a:buSzTx/>
-              <a:buFontTx/>
-              <a:buNone/>
-              <a:tabLst/>
-            </a:pPr>
-            <a:r>
-              <a:rPr kumimoji="0" lang="en-US" altLang="en-US" sz="900" b="0" i="0" u="none" strike="noStrike" cap="none" normalizeH="0" baseline="0">
-                <a:ln>
-                  <a:noFill/>
-                </a:ln>
-                <a:solidFill>
-                  <a:srgbClr val="A9B7C6"/>
-                </a:solidFill>
-                <a:effectLst/>
-                <a:latin typeface="JetBrains Mono"/>
-              </a:rPr>
-              <a:t>arr = [</a:t>
-            </a:r>
-            <a:r>
-              <a:rPr kumimoji="0" lang="en-US" altLang="en-US" sz="900" b="0" i="0" u="none" strike="noStrike" cap="none" normalizeH="0" baseline="0">
-                <a:ln>
-                  <a:noFill/>
-                </a:ln>
-                <a:solidFill>
-                  <a:srgbClr val="6A8759"/>
-                </a:solidFill>
-                <a:effectLst/>
-                <a:latin typeface="JetBrains Mono"/>
-              </a:rPr>
-              <a:t>'Val1'</a:t>
-            </a:r>
-            <a:r>
-              <a:rPr kumimoji="0" lang="en-US" altLang="en-US" sz="900" b="0" i="0" u="none" strike="noStrike" cap="none" normalizeH="0" baseline="0">
-                <a:ln>
-                  <a:noFill/>
-                </a:ln>
-                <a:solidFill>
-                  <a:srgbClr val="CC7832"/>
-                </a:solidFill>
-                <a:effectLst/>
-                <a:latin typeface="JetBrains Mono"/>
-              </a:rPr>
-              <a:t>, </a:t>
-            </a:r>
-            <a:r>
-              <a:rPr kumimoji="0" lang="en-US" altLang="en-US" sz="900" b="0" i="0" u="none" strike="noStrike" cap="none" normalizeH="0" baseline="0">
-                <a:ln>
-                  <a:noFill/>
-                </a:ln>
-                <a:solidFill>
-                  <a:srgbClr val="6A8759"/>
-                </a:solidFill>
-                <a:effectLst/>
-                <a:latin typeface="JetBrains Mono"/>
-              </a:rPr>
-              <a:t>'Val2'</a:t>
-            </a:r>
-            <a:r>
-              <a:rPr kumimoji="0" lang="en-US" altLang="en-US" sz="900" b="0" i="0" u="none" strike="noStrike" cap="none" normalizeH="0" baseline="0">
-                <a:ln>
-                  <a:noFill/>
-                </a:ln>
-                <a:solidFill>
-                  <a:srgbClr val="A9B7C6"/>
-                </a:solidFill>
-                <a:effectLst/>
-                <a:latin typeface="JetBrains Mono"/>
-              </a:rPr>
-              <a:t>]</a:t>
-            </a:r>
-            <a:br>
-              <a:rPr kumimoji="0" lang="en-US" altLang="en-US" sz="900" b="0" i="0" u="none" strike="noStrike" cap="none" normalizeH="0" baseline="0">
-                <a:ln>
-                  <a:noFill/>
-                </a:ln>
-                <a:solidFill>
-                  <a:srgbClr val="A9B7C6"/>
-                </a:solidFill>
-                <a:effectLst/>
-                <a:latin typeface="JetBrains Mono"/>
-              </a:rPr>
-            </a:br>
-            <a:r>
-              <a:rPr kumimoji="0" lang="en-US" altLang="en-US" sz="900" b="0" i="0" u="none" strike="noStrike" cap="none" normalizeH="0" baseline="0">
-                <a:ln>
-                  <a:noFill/>
-                </a:ln>
-                <a:solidFill>
-                  <a:srgbClr val="CC7832"/>
-                </a:solidFill>
-                <a:effectLst/>
-                <a:latin typeface="JetBrains Mono"/>
-              </a:rPr>
-              <a:t>for </a:t>
-            </a:r>
-            <a:r>
-              <a:rPr kumimoji="0" lang="en-US" altLang="en-US" sz="900" b="0" i="0" u="none" strike="noStrike" cap="none" normalizeH="0" baseline="0">
-                <a:ln>
-                  <a:noFill/>
-                </a:ln>
-                <a:solidFill>
-                  <a:srgbClr val="A9B7C6"/>
-                </a:solidFill>
-                <a:effectLst/>
-                <a:latin typeface="JetBrains Mono"/>
-              </a:rPr>
-              <a:t>val_str </a:t>
-            </a:r>
-            <a:r>
-              <a:rPr kumimoji="0" lang="en-US" altLang="en-US" sz="900" b="0" i="0" u="none" strike="noStrike" cap="none" normalizeH="0" baseline="0">
-                <a:ln>
-                  <a:noFill/>
-                </a:ln>
-                <a:solidFill>
-                  <a:srgbClr val="CC7832"/>
-                </a:solidFill>
-                <a:effectLst/>
-                <a:latin typeface="JetBrains Mono"/>
-              </a:rPr>
-              <a:t>in </a:t>
-            </a:r>
-            <a:r>
-              <a:rPr kumimoji="0" lang="en-US" altLang="en-US" sz="900" b="0" i="0" u="none" strike="noStrike" cap="none" normalizeH="0" baseline="0">
-                <a:ln>
-                  <a:noFill/>
-                </a:ln>
-                <a:solidFill>
-                  <a:srgbClr val="A9B7C6"/>
-                </a:solidFill>
-                <a:effectLst/>
-                <a:latin typeface="JetBrains Mono"/>
-              </a:rPr>
-              <a:t>arr:</a:t>
-            </a:r>
-            <a:br>
-              <a:rPr kumimoji="0" lang="en-US" altLang="en-US" sz="900" b="0" i="0" u="none" strike="noStrike" cap="none" normalizeH="0" baseline="0">
-                <a:ln>
-                  <a:noFill/>
-                </a:ln>
-                <a:solidFill>
-                  <a:srgbClr val="A9B7C6"/>
-                </a:solidFill>
-                <a:effectLst/>
-                <a:latin typeface="JetBrains Mono"/>
-              </a:rPr>
-            </a:br>
-            <a:r>
-              <a:rPr kumimoji="0" lang="en-US" altLang="en-US" sz="900" b="0" i="0" u="none" strike="noStrike" cap="none" normalizeH="0" baseline="0">
-                <a:ln>
-                  <a:noFill/>
-                </a:ln>
-                <a:solidFill>
-                  <a:srgbClr val="A9B7C6"/>
-                </a:solidFill>
-                <a:effectLst/>
-                <a:latin typeface="JetBrains Mono"/>
-              </a:rPr>
-              <a:t>    </a:t>
-            </a:r>
-            <a:r>
-              <a:rPr kumimoji="0" lang="en-US" altLang="en-US" sz="900" b="0" i="0" u="none" strike="noStrike" cap="none" normalizeH="0" baseline="0">
-                <a:ln>
-                  <a:noFill/>
-                </a:ln>
-                <a:solidFill>
-                  <a:srgbClr val="8888C6"/>
-                </a:solidFill>
-                <a:effectLst/>
-                <a:latin typeface="JetBrains Mono"/>
-              </a:rPr>
-              <a:t>print</a:t>
-            </a:r>
-            <a:r>
-              <a:rPr kumimoji="0" lang="en-US" altLang="en-US" sz="900" b="0" i="0" u="none" strike="noStrike" cap="none" normalizeH="0" baseline="0">
-                <a:ln>
-                  <a:noFill/>
-                </a:ln>
-                <a:solidFill>
-                  <a:srgbClr val="A9B7C6"/>
-                </a:solidFill>
-                <a:effectLst/>
-                <a:latin typeface="JetBrains Mono"/>
-              </a:rPr>
-              <a:t>(val_str)</a:t>
-            </a:r>
-            <a:endParaRPr kumimoji="0" lang="en-US" altLang="en-US" sz="1800" b="0" i="0" u="none" strike="noStrike" cap="none" normalizeH="0" baseline="0">
-              <a:ln>
-                <a:noFill/>
-              </a:ln>
-              <a:solidFill>
-                <a:schemeClr val="tx1"/>
-              </a:solidFill>
-              <a:effectLst/>
-              <a:latin typeface="Arial" panose="020B0604020202020204" pitchFamily="34" charset="0"/>
-            </a:endParaRPr>
           </a:p>
         </p:txBody>
       </p:sp>
     </p:spTree>
     <p:extLst>
       <p:ext uri="{BB962C8B-B14F-4D97-AF65-F5344CB8AC3E}">
-        <p14:creationId xmlns:p14="http://schemas.microsoft.com/office/powerpoint/2010/main" val="3460961406"/>
+        <p14:creationId xmlns:p14="http://schemas.microsoft.com/office/powerpoint/2010/main" val="1674323413"/>
       </p:ext>
     </p:extLst>
   </p:cSld>
@@ -8187,6 +6919,1409 @@
           <p:cNvPr id="2" name="Title 1">
             <a:extLst>
               <a:ext uri="{FF2B5EF4-FFF2-40B4-BE49-F238E27FC236}">
+                <a16:creationId xmlns:a16="http://schemas.microsoft.com/office/drawing/2014/main" id="{549D4579-79EC-4C24-9D72-D276D25FAE9F}"/>
+              </a:ext>
+            </a:extLst>
+          </p:cNvPr>
+          <p:cNvSpPr>
+            <a:spLocks noGrp="1"/>
+          </p:cNvSpPr>
+          <p:nvPr>
+            <p:ph type="title"/>
+          </p:nvPr>
+        </p:nvSpPr>
+        <p:spPr/>
+        <p:txBody>
+          <a:bodyPr/>
+          <a:lstStyle/>
+          <a:p>
+            <a:r>
+              <a:rPr lang="en-US" dirty="0"/>
+              <a:t>Authentication File Examples</a:t>
+            </a:r>
+          </a:p>
+        </p:txBody>
+      </p:sp>
+      <p:pic>
+        <p:nvPicPr>
+          <p:cNvPr id="5" name="Picture 4">
+            <a:extLst>
+              <a:ext uri="{FF2B5EF4-FFF2-40B4-BE49-F238E27FC236}">
+                <a16:creationId xmlns:a16="http://schemas.microsoft.com/office/drawing/2014/main" id="{AA94CD4A-F6A5-4B4E-A441-E919C6207796}"/>
+              </a:ext>
+            </a:extLst>
+          </p:cNvPr>
+          <p:cNvPicPr>
+            <a:picLocks noChangeAspect="1"/>
+          </p:cNvPicPr>
+          <p:nvPr/>
+        </p:nvPicPr>
+        <p:blipFill>
+          <a:blip r:embed="rId2"/>
+          <a:stretch>
+            <a:fillRect/>
+          </a:stretch>
+        </p:blipFill>
+        <p:spPr>
+          <a:xfrm>
+            <a:off x="1141412" y="2050473"/>
+            <a:ext cx="3153215" cy="685896"/>
+          </a:xfrm>
+          <a:prstGeom prst="rect">
+            <a:avLst/>
+          </a:prstGeom>
+        </p:spPr>
+      </p:pic>
+      <p:pic>
+        <p:nvPicPr>
+          <p:cNvPr id="6" name="Picture 5">
+            <a:extLst>
+              <a:ext uri="{FF2B5EF4-FFF2-40B4-BE49-F238E27FC236}">
+                <a16:creationId xmlns:a16="http://schemas.microsoft.com/office/drawing/2014/main" id="{36576C74-5F6B-49C9-A27B-83CB2B50EE1F}"/>
+              </a:ext>
+            </a:extLst>
+          </p:cNvPr>
+          <p:cNvPicPr>
+            <a:picLocks noChangeAspect="1"/>
+          </p:cNvPicPr>
+          <p:nvPr/>
+        </p:nvPicPr>
+        <p:blipFill>
+          <a:blip r:embed="rId3"/>
+          <a:stretch>
+            <a:fillRect/>
+          </a:stretch>
+        </p:blipFill>
+        <p:spPr>
+          <a:xfrm>
+            <a:off x="1398622" y="3290647"/>
+            <a:ext cx="2638793" cy="990738"/>
+          </a:xfrm>
+          <a:prstGeom prst="rect">
+            <a:avLst/>
+          </a:prstGeom>
+        </p:spPr>
+      </p:pic>
+      <p:pic>
+        <p:nvPicPr>
+          <p:cNvPr id="8" name="Picture 7">
+            <a:extLst>
+              <a:ext uri="{FF2B5EF4-FFF2-40B4-BE49-F238E27FC236}">
+                <a16:creationId xmlns:a16="http://schemas.microsoft.com/office/drawing/2014/main" id="{D9A564EE-F0F6-4453-9308-E9780257C7C8}"/>
+              </a:ext>
+            </a:extLst>
+          </p:cNvPr>
+          <p:cNvPicPr>
+            <a:picLocks noChangeAspect="1"/>
+          </p:cNvPicPr>
+          <p:nvPr/>
+        </p:nvPicPr>
+        <p:blipFill>
+          <a:blip r:embed="rId4"/>
+          <a:stretch>
+            <a:fillRect/>
+          </a:stretch>
+        </p:blipFill>
+        <p:spPr>
+          <a:xfrm>
+            <a:off x="5389548" y="2050473"/>
+            <a:ext cx="2772162" cy="676369"/>
+          </a:xfrm>
+          <a:prstGeom prst="rect">
+            <a:avLst/>
+          </a:prstGeom>
+        </p:spPr>
+      </p:pic>
+      <p:pic>
+        <p:nvPicPr>
+          <p:cNvPr id="9" name="Picture 8">
+            <a:extLst>
+              <a:ext uri="{FF2B5EF4-FFF2-40B4-BE49-F238E27FC236}">
+                <a16:creationId xmlns:a16="http://schemas.microsoft.com/office/drawing/2014/main" id="{CEDED204-AB4A-43E7-AA12-177030461C17}"/>
+              </a:ext>
+            </a:extLst>
+          </p:cNvPr>
+          <p:cNvPicPr>
+            <a:picLocks noChangeAspect="1"/>
+          </p:cNvPicPr>
+          <p:nvPr/>
+        </p:nvPicPr>
+        <p:blipFill>
+          <a:blip r:embed="rId5"/>
+          <a:stretch>
+            <a:fillRect/>
+          </a:stretch>
+        </p:blipFill>
+        <p:spPr>
+          <a:xfrm>
+            <a:off x="5413360" y="3290647"/>
+            <a:ext cx="2581635" cy="619211"/>
+          </a:xfrm>
+          <a:prstGeom prst="rect">
+            <a:avLst/>
+          </a:prstGeom>
+        </p:spPr>
+      </p:pic>
+    </p:spTree>
+    <p:extLst>
+      <p:ext uri="{BB962C8B-B14F-4D97-AF65-F5344CB8AC3E}">
+        <p14:creationId xmlns:p14="http://schemas.microsoft.com/office/powerpoint/2010/main" val="2690995710"/>
+      </p:ext>
+    </p:extLst>
+  </p:cSld>
+  <p:clrMapOvr>
+    <a:masterClrMapping/>
+  </p:clrMapOvr>
+  <mc:AlternateContent xmlns:mc="http://schemas.openxmlformats.org/markup-compatibility/2006" xmlns:p14="http://schemas.microsoft.com/office/powerpoint/2010/main">
+    <mc:Choice Requires="p14">
+      <p:transition spd="med" p14:dur="700">
+        <p:fade/>
+      </p:transition>
+    </mc:Choice>
+    <mc:Fallback xmlns="">
+      <p:transition spd="med">
+        <p:fade/>
+      </p:transition>
+    </mc:Fallback>
+  </mc:AlternateContent>
+</p:sld>
+</file>
+
+<file path=ppt/slides/slide16.xml><?xml version="1.0" encoding="utf-8"?>
+<p:sld xmlns:a="http://schemas.openxmlformats.org/drawingml/2006/main" xmlns:r="http://schemas.openxmlformats.org/officeDocument/2006/relationships" xmlns:p="http://schemas.openxmlformats.org/presentationml/2006/main">
+  <p:cSld>
+    <p:spTree>
+      <p:nvGrpSpPr>
+        <p:cNvPr id="1" name=""/>
+        <p:cNvGrpSpPr/>
+        <p:nvPr/>
+      </p:nvGrpSpPr>
+      <p:grpSpPr>
+        <a:xfrm>
+          <a:off x="0" y="0"/>
+          <a:ext cx="0" cy="0"/>
+          <a:chOff x="0" y="0"/>
+          <a:chExt cx="0" cy="0"/>
+        </a:xfrm>
+      </p:grpSpPr>
+      <p:sp>
+        <p:nvSpPr>
+          <p:cNvPr id="2" name="Title 1">
+            <a:extLst>
+              <a:ext uri="{FF2B5EF4-FFF2-40B4-BE49-F238E27FC236}">
+                <a16:creationId xmlns:a16="http://schemas.microsoft.com/office/drawing/2014/main" id="{1B54C0D7-51F2-444C-A46B-B44EFB96D2AE}"/>
+              </a:ext>
+            </a:extLst>
+          </p:cNvPr>
+          <p:cNvSpPr>
+            <a:spLocks noGrp="1"/>
+          </p:cNvSpPr>
+          <p:nvPr>
+            <p:ph type="title"/>
+          </p:nvPr>
+        </p:nvSpPr>
+        <p:spPr/>
+        <p:txBody>
+          <a:bodyPr/>
+          <a:lstStyle/>
+          <a:p>
+            <a:r>
+              <a:rPr lang="en-US" dirty="0" err="1"/>
+              <a:t>PySense</a:t>
+            </a:r>
+            <a:r>
+              <a:rPr lang="en-US" dirty="0"/>
+              <a:t> Object</a:t>
+            </a:r>
+          </a:p>
+        </p:txBody>
+      </p:sp>
+      <p:sp>
+        <p:nvSpPr>
+          <p:cNvPr id="3" name="Content Placeholder 2">
+            <a:extLst>
+              <a:ext uri="{FF2B5EF4-FFF2-40B4-BE49-F238E27FC236}">
+                <a16:creationId xmlns:a16="http://schemas.microsoft.com/office/drawing/2014/main" id="{18F37E88-870C-4538-82E8-DACA727CA1FC}"/>
+              </a:ext>
+            </a:extLst>
+          </p:cNvPr>
+          <p:cNvSpPr>
+            <a:spLocks noGrp="1"/>
+          </p:cNvSpPr>
+          <p:nvPr>
+            <p:ph idx="1"/>
+          </p:nvPr>
+        </p:nvSpPr>
+        <p:spPr/>
+        <p:txBody>
+          <a:bodyPr>
+            <a:normAutofit/>
+          </a:bodyPr>
+          <a:lstStyle/>
+          <a:p>
+            <a:r>
+              <a:rPr lang="en-US" dirty="0"/>
+              <a:t>Object returned by authentication is the Python representation of our server. Used for:</a:t>
+            </a:r>
+          </a:p>
+          <a:p>
+            <a:pPr lvl="1"/>
+            <a:r>
+              <a:rPr lang="en-US" dirty="0"/>
+              <a:t>Get/Add/Delete: users, </a:t>
+            </a:r>
+            <a:r>
+              <a:rPr lang="en-US" dirty="0" err="1"/>
+              <a:t>elasticubes</a:t>
+            </a:r>
+            <a:r>
+              <a:rPr lang="en-US" dirty="0"/>
+              <a:t>, dashboards</a:t>
+            </a:r>
+          </a:p>
+          <a:p>
+            <a:pPr lvl="1"/>
+            <a:r>
+              <a:rPr lang="en-US" dirty="0"/>
+              <a:t>Manage roles</a:t>
+            </a:r>
+          </a:p>
+          <a:p>
+            <a:pPr lvl="1"/>
+            <a:r>
+              <a:rPr lang="en-US" dirty="0"/>
+              <a:t>And more</a:t>
+            </a:r>
+          </a:p>
+          <a:p>
+            <a:r>
+              <a:rPr lang="en-US" dirty="0"/>
+              <a:t>Example: Get the role id for a role:</a:t>
+            </a:r>
+          </a:p>
+          <a:p>
+            <a:r>
+              <a:rPr lang="en-US" dirty="0"/>
+              <a:t>See </a:t>
+            </a:r>
+            <a:r>
+              <a:rPr lang="en-US" dirty="0">
+                <a:hlinkClick r:id="rId2"/>
+              </a:rPr>
+              <a:t>documentation</a:t>
+            </a:r>
+            <a:r>
+              <a:rPr lang="en-US" dirty="0"/>
+              <a:t> for full list of features</a:t>
+            </a:r>
+          </a:p>
+        </p:txBody>
+      </p:sp>
+      <p:sp>
+        <p:nvSpPr>
+          <p:cNvPr id="4" name="Rectangle 1">
+            <a:extLst>
+              <a:ext uri="{FF2B5EF4-FFF2-40B4-BE49-F238E27FC236}">
+                <a16:creationId xmlns:a16="http://schemas.microsoft.com/office/drawing/2014/main" id="{8530BD06-3D3A-49D8-A9B5-52EA5F73488D}"/>
+              </a:ext>
+            </a:extLst>
+          </p:cNvPr>
+          <p:cNvSpPr>
+            <a:spLocks noChangeArrowheads="1"/>
+          </p:cNvSpPr>
+          <p:nvPr/>
+        </p:nvSpPr>
+        <p:spPr bwMode="auto">
+          <a:xfrm>
+            <a:off x="6627812" y="4114800"/>
+            <a:ext cx="1981200" cy="230832"/>
+          </a:xfrm>
+          <a:prstGeom prst="rect">
+            <a:avLst/>
+          </a:prstGeom>
+          <a:solidFill>
+            <a:srgbClr val="2B2B2B"/>
+          </a:solidFill>
+          <a:ln>
+            <a:noFill/>
+          </a:ln>
+          <a:effectLst/>
+          <a:extLst>
+            <a:ext uri="{91240B29-F687-4F45-9708-019B960494DF}">
+              <a14:hiddenLine xmlns:a14="http://schemas.microsoft.com/office/drawing/2010/main" w="9525">
+                <a:solidFill>
+                  <a:schemeClr val="tx1"/>
+                </a:solidFill>
+                <a:miter lim="800000"/>
+                <a:headEnd/>
+                <a:tailEnd/>
+              </a14:hiddenLine>
+            </a:ext>
+            <a:ext uri="{AF507438-7753-43E0-B8FC-AC1667EBCBE1}">
+              <a14:hiddenEffects xmlns:a14="http://schemas.microsoft.com/office/drawing/2010/main">
+                <a:effectLst>
+                  <a:outerShdw dist="35921" dir="2700000" algn="ctr" rotWithShape="0">
+                    <a:schemeClr val="bg2"/>
+                  </a:outerShdw>
+                </a:effectLst>
+              </a14:hiddenEffects>
+            </a:ext>
+          </a:extLst>
+        </p:spPr>
+        <p:txBody>
+          <a:bodyPr vert="horz" wrap="square" lIns="91440" tIns="45720" rIns="91440" bIns="45720" numCol="1" anchor="ctr" anchorCtr="0" compatLnSpc="1">
+            <a:prstTxWarp prst="textNoShape">
+              <a:avLst/>
+            </a:prstTxWarp>
+            <a:spAutoFit/>
+          </a:bodyPr>
+          <a:lstStyle/>
+          <a:p>
+            <a:pPr marL="0" marR="0" lvl="0" indent="0" algn="l" defTabSz="914400" rtl="0" eaLnBrk="0" fontAlgn="base" latinLnBrk="0" hangingPunct="0">
+              <a:lnSpc>
+                <a:spcPct val="100000"/>
+              </a:lnSpc>
+              <a:spcBef>
+                <a:spcPct val="0"/>
+              </a:spcBef>
+              <a:spcAft>
+                <a:spcPct val="0"/>
+              </a:spcAft>
+              <a:buClrTx/>
+              <a:buSzTx/>
+              <a:buFontTx/>
+              <a:buNone/>
+              <a:tabLst/>
+            </a:pPr>
+            <a:r>
+              <a:rPr kumimoji="0" lang="en-US" altLang="en-US" sz="900" b="0" i="0" u="none" strike="noStrike" cap="none" normalizeH="0" baseline="0" dirty="0" err="1">
+                <a:ln>
+                  <a:noFill/>
+                </a:ln>
+                <a:solidFill>
+                  <a:srgbClr val="A9B7C6"/>
+                </a:solidFill>
+                <a:effectLst/>
+                <a:latin typeface="JetBrains Mono"/>
+              </a:rPr>
+              <a:t>py_client.get_role_id</a:t>
+            </a:r>
+            <a:r>
+              <a:rPr kumimoji="0" lang="en-US" altLang="en-US" sz="900" b="0" i="0" u="none" strike="noStrike" cap="none" normalizeH="0" baseline="0" dirty="0">
+                <a:ln>
+                  <a:noFill/>
+                </a:ln>
+                <a:solidFill>
+                  <a:srgbClr val="A9B7C6"/>
+                </a:solidFill>
+                <a:effectLst/>
+                <a:latin typeface="JetBrains Mono"/>
+              </a:rPr>
+              <a:t>(</a:t>
+            </a:r>
+            <a:r>
+              <a:rPr kumimoji="0" lang="en-US" altLang="en-US" sz="900" b="0" i="0" u="none" strike="noStrike" cap="none" normalizeH="0" baseline="0" dirty="0">
+                <a:ln>
+                  <a:noFill/>
+                </a:ln>
+                <a:solidFill>
+                  <a:srgbClr val="6A8759"/>
+                </a:solidFill>
+                <a:effectLst/>
+                <a:latin typeface="JetBrains Mono"/>
+              </a:rPr>
+              <a:t>'Viewer'</a:t>
+            </a:r>
+            <a:r>
+              <a:rPr kumimoji="0" lang="en-US" altLang="en-US" sz="900" b="0" i="0" u="none" strike="noStrike" cap="none" normalizeH="0" baseline="0" dirty="0">
+                <a:ln>
+                  <a:noFill/>
+                </a:ln>
+                <a:solidFill>
+                  <a:srgbClr val="A9B7C6"/>
+                </a:solidFill>
+                <a:effectLst/>
+                <a:latin typeface="JetBrains Mono"/>
+              </a:rPr>
+              <a:t>)</a:t>
+            </a:r>
+            <a:endParaRPr kumimoji="0" lang="en-US" altLang="en-US" sz="1800" b="0" i="0" u="none" strike="noStrike" cap="none" normalizeH="0" baseline="0" dirty="0">
+              <a:ln>
+                <a:noFill/>
+              </a:ln>
+              <a:solidFill>
+                <a:schemeClr val="tx1"/>
+              </a:solidFill>
+              <a:effectLst/>
+              <a:latin typeface="Arial" panose="020B0604020202020204" pitchFamily="34" charset="0"/>
+            </a:endParaRPr>
+          </a:p>
+        </p:txBody>
+      </p:sp>
+    </p:spTree>
+    <p:extLst>
+      <p:ext uri="{BB962C8B-B14F-4D97-AF65-F5344CB8AC3E}">
+        <p14:creationId xmlns:p14="http://schemas.microsoft.com/office/powerpoint/2010/main" val="1457458202"/>
+      </p:ext>
+    </p:extLst>
+  </p:cSld>
+  <p:clrMapOvr>
+    <a:masterClrMapping/>
+  </p:clrMapOvr>
+  <mc:AlternateContent xmlns:mc="http://schemas.openxmlformats.org/markup-compatibility/2006" xmlns:p14="http://schemas.microsoft.com/office/powerpoint/2010/main">
+    <mc:Choice Requires="p14">
+      <p:transition spd="med" p14:dur="700">
+        <p:fade/>
+      </p:transition>
+    </mc:Choice>
+    <mc:Fallback xmlns="">
+      <p:transition spd="med">
+        <p:fade/>
+      </p:transition>
+    </mc:Fallback>
+  </mc:AlternateContent>
+</p:sld>
+</file>
+
+<file path=ppt/slides/slide17.xml><?xml version="1.0" encoding="utf-8"?>
+<p:sld xmlns:a="http://schemas.openxmlformats.org/drawingml/2006/main" xmlns:r="http://schemas.openxmlformats.org/officeDocument/2006/relationships" xmlns:p="http://schemas.openxmlformats.org/presentationml/2006/main">
+  <p:cSld>
+    <p:spTree>
+      <p:nvGrpSpPr>
+        <p:cNvPr id="1" name=""/>
+        <p:cNvGrpSpPr/>
+        <p:nvPr/>
+      </p:nvGrpSpPr>
+      <p:grpSpPr>
+        <a:xfrm>
+          <a:off x="0" y="0"/>
+          <a:ext cx="0" cy="0"/>
+          <a:chOff x="0" y="0"/>
+          <a:chExt cx="0" cy="0"/>
+        </a:xfrm>
+      </p:grpSpPr>
+      <p:sp>
+        <p:nvSpPr>
+          <p:cNvPr id="2" name="Title 1">
+            <a:extLst>
+              <a:ext uri="{FF2B5EF4-FFF2-40B4-BE49-F238E27FC236}">
+                <a16:creationId xmlns:a16="http://schemas.microsoft.com/office/drawing/2014/main" id="{0C514ADE-E8C3-45FB-BA14-911EC6E24C24}"/>
+              </a:ext>
+            </a:extLst>
+          </p:cNvPr>
+          <p:cNvSpPr>
+            <a:spLocks noGrp="1"/>
+          </p:cNvSpPr>
+          <p:nvPr>
+            <p:ph type="title"/>
+          </p:nvPr>
+        </p:nvSpPr>
+        <p:spPr/>
+        <p:txBody>
+          <a:bodyPr/>
+          <a:lstStyle/>
+          <a:p>
+            <a:r>
+              <a:rPr lang="en-US" dirty="0"/>
+              <a:t>Python Tips</a:t>
+            </a:r>
+          </a:p>
+        </p:txBody>
+      </p:sp>
+      <p:sp>
+        <p:nvSpPr>
+          <p:cNvPr id="3" name="Content Placeholder 2">
+            <a:extLst>
+              <a:ext uri="{FF2B5EF4-FFF2-40B4-BE49-F238E27FC236}">
+                <a16:creationId xmlns:a16="http://schemas.microsoft.com/office/drawing/2014/main" id="{CB6F351A-E757-4F6D-92B4-840AABD93DCE}"/>
+              </a:ext>
+            </a:extLst>
+          </p:cNvPr>
+          <p:cNvSpPr>
+            <a:spLocks noGrp="1"/>
+          </p:cNvSpPr>
+          <p:nvPr>
+            <p:ph idx="1"/>
+          </p:nvPr>
+        </p:nvSpPr>
+        <p:spPr>
+          <a:xfrm>
+            <a:off x="1218883" y="1701797"/>
+            <a:ext cx="10360501" cy="4462272"/>
+          </a:xfrm>
+        </p:spPr>
+        <p:txBody>
+          <a:bodyPr/>
+          <a:lstStyle/>
+          <a:p>
+            <a:r>
+              <a:rPr lang="en-US" dirty="0"/>
+              <a:t>Printing Hello World</a:t>
+            </a:r>
+          </a:p>
+          <a:p>
+            <a:pPr lvl="1"/>
+            <a:endParaRPr lang="en-US" dirty="0"/>
+          </a:p>
+          <a:p>
+            <a:pPr lvl="1"/>
+            <a:endParaRPr lang="en-US" dirty="0"/>
+          </a:p>
+          <a:p>
+            <a:pPr lvl="1"/>
+            <a:endParaRPr lang="en-US" dirty="0"/>
+          </a:p>
+          <a:p>
+            <a:r>
+              <a:rPr lang="en-US" dirty="0"/>
+              <a:t>Iterating through list</a:t>
+            </a:r>
+          </a:p>
+        </p:txBody>
+      </p:sp>
+      <p:sp>
+        <p:nvSpPr>
+          <p:cNvPr id="4" name="Rectangle 1">
+            <a:extLst>
+              <a:ext uri="{FF2B5EF4-FFF2-40B4-BE49-F238E27FC236}">
+                <a16:creationId xmlns:a16="http://schemas.microsoft.com/office/drawing/2014/main" id="{2D818949-8DC9-4E31-8B6D-A2957793590B}"/>
+              </a:ext>
+            </a:extLst>
+          </p:cNvPr>
+          <p:cNvSpPr>
+            <a:spLocks noChangeArrowheads="1"/>
+          </p:cNvSpPr>
+          <p:nvPr/>
+        </p:nvSpPr>
+        <p:spPr bwMode="auto">
+          <a:xfrm>
+            <a:off x="1979612" y="2286000"/>
+            <a:ext cx="3286558" cy="230832"/>
+          </a:xfrm>
+          <a:prstGeom prst="rect">
+            <a:avLst/>
+          </a:prstGeom>
+          <a:solidFill>
+            <a:srgbClr val="2B2B2B"/>
+          </a:solidFill>
+          <a:ln>
+            <a:noFill/>
+          </a:ln>
+          <a:effectLst/>
+          <a:extLst>
+            <a:ext uri="{91240B29-F687-4F45-9708-019B960494DF}">
+              <a14:hiddenLine xmlns:a14="http://schemas.microsoft.com/office/drawing/2010/main" w="9525">
+                <a:solidFill>
+                  <a:schemeClr val="tx1"/>
+                </a:solidFill>
+                <a:miter lim="800000"/>
+                <a:headEnd/>
+                <a:tailEnd/>
+              </a14:hiddenLine>
+            </a:ext>
+            <a:ext uri="{AF507438-7753-43E0-B8FC-AC1667EBCBE1}">
+              <a14:hiddenEffects xmlns:a14="http://schemas.microsoft.com/office/drawing/2010/main">
+                <a:effectLst>
+                  <a:outerShdw dist="35921" dir="2700000" algn="ctr" rotWithShape="0">
+                    <a:schemeClr val="bg2"/>
+                  </a:outerShdw>
+                </a:effectLst>
+              </a14:hiddenEffects>
+            </a:ext>
+          </a:extLst>
+        </p:spPr>
+        <p:txBody>
+          <a:bodyPr vert="horz" wrap="square" lIns="91440" tIns="45720" rIns="91440" bIns="45720" numCol="1" anchor="ctr" anchorCtr="0" compatLnSpc="1">
+            <a:prstTxWarp prst="textNoShape">
+              <a:avLst/>
+            </a:prstTxWarp>
+            <a:spAutoFit/>
+          </a:bodyPr>
+          <a:lstStyle/>
+          <a:p>
+            <a:pPr marL="0" marR="0" lvl="0" indent="0" algn="l" defTabSz="914400" rtl="0" eaLnBrk="0" fontAlgn="base" latinLnBrk="0" hangingPunct="0">
+              <a:lnSpc>
+                <a:spcPct val="100000"/>
+              </a:lnSpc>
+              <a:spcBef>
+                <a:spcPct val="0"/>
+              </a:spcBef>
+              <a:spcAft>
+                <a:spcPct val="0"/>
+              </a:spcAft>
+              <a:buClrTx/>
+              <a:buSzTx/>
+              <a:buFontTx/>
+              <a:buNone/>
+              <a:tabLst/>
+            </a:pPr>
+            <a:r>
+              <a:rPr kumimoji="0" lang="en-US" altLang="en-US" sz="900" b="0" i="0" u="none" strike="noStrike" cap="none" normalizeH="0" baseline="0">
+                <a:ln>
+                  <a:noFill/>
+                </a:ln>
+                <a:solidFill>
+                  <a:srgbClr val="8888C6"/>
+                </a:solidFill>
+                <a:effectLst/>
+                <a:latin typeface="JetBrains Mono"/>
+              </a:rPr>
+              <a:t>print</a:t>
+            </a:r>
+            <a:r>
+              <a:rPr kumimoji="0" lang="en-US" altLang="en-US" sz="900" b="0" i="0" u="none" strike="noStrike" cap="none" normalizeH="0" baseline="0">
+                <a:ln>
+                  <a:noFill/>
+                </a:ln>
+                <a:solidFill>
+                  <a:srgbClr val="A9B7C6"/>
+                </a:solidFill>
+                <a:effectLst/>
+                <a:latin typeface="JetBrains Mono"/>
+              </a:rPr>
+              <a:t>(</a:t>
+            </a:r>
+            <a:r>
+              <a:rPr kumimoji="0" lang="en-US" altLang="en-US" sz="900" b="0" i="0" u="none" strike="noStrike" cap="none" normalizeH="0" baseline="0">
+                <a:ln>
+                  <a:noFill/>
+                </a:ln>
+                <a:solidFill>
+                  <a:srgbClr val="6A8759"/>
+                </a:solidFill>
+                <a:effectLst/>
+                <a:latin typeface="JetBrains Mono"/>
+              </a:rPr>
+              <a:t>'Hello World'</a:t>
+            </a:r>
+            <a:r>
+              <a:rPr kumimoji="0" lang="en-US" altLang="en-US" sz="900" b="0" i="0" u="none" strike="noStrike" cap="none" normalizeH="0" baseline="0">
+                <a:ln>
+                  <a:noFill/>
+                </a:ln>
+                <a:solidFill>
+                  <a:srgbClr val="A9B7C6"/>
+                </a:solidFill>
+                <a:effectLst/>
+                <a:latin typeface="JetBrains Mono"/>
+              </a:rPr>
+              <a:t>)</a:t>
+            </a:r>
+            <a:endParaRPr kumimoji="0" lang="en-US" altLang="en-US" sz="1800" b="0" i="0" u="none" strike="noStrike" cap="none" normalizeH="0" baseline="0">
+              <a:ln>
+                <a:noFill/>
+              </a:ln>
+              <a:solidFill>
+                <a:schemeClr val="tx1"/>
+              </a:solidFill>
+              <a:effectLst/>
+              <a:latin typeface="Arial" panose="020B0604020202020204" pitchFamily="34" charset="0"/>
+            </a:endParaRPr>
+          </a:p>
+        </p:txBody>
+      </p:sp>
+      <p:sp>
+        <p:nvSpPr>
+          <p:cNvPr id="5" name="Rectangle 2">
+            <a:extLst>
+              <a:ext uri="{FF2B5EF4-FFF2-40B4-BE49-F238E27FC236}">
+                <a16:creationId xmlns:a16="http://schemas.microsoft.com/office/drawing/2014/main" id="{32DDD047-1CD9-4D1F-95EB-4F4C47933E37}"/>
+              </a:ext>
+            </a:extLst>
+          </p:cNvPr>
+          <p:cNvSpPr>
+            <a:spLocks noChangeArrowheads="1"/>
+          </p:cNvSpPr>
+          <p:nvPr/>
+        </p:nvSpPr>
+        <p:spPr bwMode="auto">
+          <a:xfrm>
+            <a:off x="1966480" y="2720029"/>
+            <a:ext cx="3286558" cy="230832"/>
+          </a:xfrm>
+          <a:prstGeom prst="rect">
+            <a:avLst/>
+          </a:prstGeom>
+          <a:solidFill>
+            <a:srgbClr val="2B2B2B"/>
+          </a:solidFill>
+          <a:ln>
+            <a:noFill/>
+          </a:ln>
+          <a:effectLst/>
+          <a:extLst>
+            <a:ext uri="{91240B29-F687-4F45-9708-019B960494DF}">
+              <a14:hiddenLine xmlns:a14="http://schemas.microsoft.com/office/drawing/2010/main" w="9525">
+                <a:solidFill>
+                  <a:schemeClr val="tx1"/>
+                </a:solidFill>
+                <a:miter lim="800000"/>
+                <a:headEnd/>
+                <a:tailEnd/>
+              </a14:hiddenLine>
+            </a:ext>
+            <a:ext uri="{AF507438-7753-43E0-B8FC-AC1667EBCBE1}">
+              <a14:hiddenEffects xmlns:a14="http://schemas.microsoft.com/office/drawing/2010/main">
+                <a:effectLst>
+                  <a:outerShdw dist="35921" dir="2700000" algn="ctr" rotWithShape="0">
+                    <a:schemeClr val="bg2"/>
+                  </a:outerShdw>
+                </a:effectLst>
+              </a14:hiddenEffects>
+            </a:ext>
+          </a:extLst>
+        </p:spPr>
+        <p:txBody>
+          <a:bodyPr vert="horz" wrap="square" lIns="91440" tIns="45720" rIns="91440" bIns="45720" numCol="1" anchor="ctr" anchorCtr="0" compatLnSpc="1">
+            <a:prstTxWarp prst="textNoShape">
+              <a:avLst/>
+            </a:prstTxWarp>
+            <a:spAutoFit/>
+          </a:bodyPr>
+          <a:lstStyle/>
+          <a:p>
+            <a:pPr marL="0" marR="0" lvl="0" indent="0" algn="l" defTabSz="914400" rtl="0" eaLnBrk="0" fontAlgn="base" latinLnBrk="0" hangingPunct="0">
+              <a:lnSpc>
+                <a:spcPct val="100000"/>
+              </a:lnSpc>
+              <a:spcBef>
+                <a:spcPct val="0"/>
+              </a:spcBef>
+              <a:spcAft>
+                <a:spcPct val="0"/>
+              </a:spcAft>
+              <a:buClrTx/>
+              <a:buSzTx/>
+              <a:buFontTx/>
+              <a:buNone/>
+              <a:tabLst/>
+            </a:pPr>
+            <a:r>
+              <a:rPr kumimoji="0" lang="en-US" altLang="en-US" sz="900" b="0" i="0" u="none" strike="noStrike" cap="none" normalizeH="0" baseline="0">
+                <a:ln>
+                  <a:noFill/>
+                </a:ln>
+                <a:solidFill>
+                  <a:srgbClr val="8888C6"/>
+                </a:solidFill>
+                <a:effectLst/>
+                <a:latin typeface="JetBrains Mono"/>
+              </a:rPr>
+              <a:t>print</a:t>
+            </a:r>
+            <a:r>
+              <a:rPr kumimoji="0" lang="en-US" altLang="en-US" sz="900" b="0" i="0" u="none" strike="noStrike" cap="none" normalizeH="0" baseline="0">
+                <a:ln>
+                  <a:noFill/>
+                </a:ln>
+                <a:solidFill>
+                  <a:srgbClr val="A9B7C6"/>
+                </a:solidFill>
+                <a:effectLst/>
+                <a:latin typeface="JetBrains Mono"/>
+              </a:rPr>
+              <a:t>(</a:t>
+            </a:r>
+            <a:r>
+              <a:rPr kumimoji="0" lang="en-US" altLang="en-US" sz="900" b="0" i="0" u="none" strike="noStrike" cap="none" normalizeH="0" baseline="0">
+                <a:ln>
+                  <a:noFill/>
+                </a:ln>
+                <a:solidFill>
+                  <a:srgbClr val="6A8759"/>
+                </a:solidFill>
+                <a:effectLst/>
+                <a:latin typeface="JetBrains Mono"/>
+              </a:rPr>
+              <a:t>'Hello' </a:t>
+            </a:r>
+            <a:r>
+              <a:rPr kumimoji="0" lang="en-US" altLang="en-US" sz="900" b="0" i="0" u="none" strike="noStrike" cap="none" normalizeH="0" baseline="0">
+                <a:ln>
+                  <a:noFill/>
+                </a:ln>
+                <a:solidFill>
+                  <a:srgbClr val="A9B7C6"/>
+                </a:solidFill>
+                <a:effectLst/>
+                <a:latin typeface="JetBrains Mono"/>
+              </a:rPr>
+              <a:t>+ </a:t>
+            </a:r>
+            <a:r>
+              <a:rPr kumimoji="0" lang="en-US" altLang="en-US" sz="900" b="0" i="0" u="none" strike="noStrike" cap="none" normalizeH="0" baseline="0">
+                <a:ln>
+                  <a:noFill/>
+                </a:ln>
+                <a:solidFill>
+                  <a:srgbClr val="6A8759"/>
+                </a:solidFill>
+                <a:effectLst/>
+                <a:latin typeface="JetBrains Mono"/>
+              </a:rPr>
+              <a:t>' ' </a:t>
+            </a:r>
+            <a:r>
+              <a:rPr kumimoji="0" lang="en-US" altLang="en-US" sz="900" b="0" i="0" u="none" strike="noStrike" cap="none" normalizeH="0" baseline="0">
+                <a:ln>
+                  <a:noFill/>
+                </a:ln>
+                <a:solidFill>
+                  <a:srgbClr val="A9B7C6"/>
+                </a:solidFill>
+                <a:effectLst/>
+                <a:latin typeface="JetBrains Mono"/>
+              </a:rPr>
+              <a:t>+ </a:t>
+            </a:r>
+            <a:r>
+              <a:rPr kumimoji="0" lang="en-US" altLang="en-US" sz="900" b="0" i="0" u="none" strike="noStrike" cap="none" normalizeH="0" baseline="0">
+                <a:ln>
+                  <a:noFill/>
+                </a:ln>
+                <a:solidFill>
+                  <a:srgbClr val="6A8759"/>
+                </a:solidFill>
+                <a:effectLst/>
+                <a:latin typeface="JetBrains Mono"/>
+              </a:rPr>
+              <a:t>'World'</a:t>
+            </a:r>
+            <a:r>
+              <a:rPr kumimoji="0" lang="en-US" altLang="en-US" sz="900" b="0" i="0" u="none" strike="noStrike" cap="none" normalizeH="0" baseline="0">
+                <a:ln>
+                  <a:noFill/>
+                </a:ln>
+                <a:solidFill>
+                  <a:srgbClr val="A9B7C6"/>
+                </a:solidFill>
+                <a:effectLst/>
+                <a:latin typeface="JetBrains Mono"/>
+              </a:rPr>
+              <a:t>)</a:t>
+            </a:r>
+            <a:endParaRPr kumimoji="0" lang="en-US" altLang="en-US" sz="1800" b="0" i="0" u="none" strike="noStrike" cap="none" normalizeH="0" baseline="0">
+              <a:ln>
+                <a:noFill/>
+              </a:ln>
+              <a:solidFill>
+                <a:schemeClr val="tx1"/>
+              </a:solidFill>
+              <a:effectLst/>
+              <a:latin typeface="Arial" panose="020B0604020202020204" pitchFamily="34" charset="0"/>
+            </a:endParaRPr>
+          </a:p>
+        </p:txBody>
+      </p:sp>
+      <p:sp>
+        <p:nvSpPr>
+          <p:cNvPr id="6" name="Rectangle 3">
+            <a:extLst>
+              <a:ext uri="{FF2B5EF4-FFF2-40B4-BE49-F238E27FC236}">
+                <a16:creationId xmlns:a16="http://schemas.microsoft.com/office/drawing/2014/main" id="{ABD98528-7725-498F-9A41-576318530FF1}"/>
+              </a:ext>
+            </a:extLst>
+          </p:cNvPr>
+          <p:cNvSpPr>
+            <a:spLocks noChangeArrowheads="1"/>
+          </p:cNvSpPr>
+          <p:nvPr/>
+        </p:nvSpPr>
+        <p:spPr bwMode="auto">
+          <a:xfrm>
+            <a:off x="1979613" y="3177149"/>
+            <a:ext cx="3286558" cy="230832"/>
+          </a:xfrm>
+          <a:prstGeom prst="rect">
+            <a:avLst/>
+          </a:prstGeom>
+          <a:solidFill>
+            <a:srgbClr val="2B2B2B"/>
+          </a:solidFill>
+          <a:ln>
+            <a:noFill/>
+          </a:ln>
+          <a:effectLst/>
+          <a:extLst>
+            <a:ext uri="{91240B29-F687-4F45-9708-019B960494DF}">
+              <a14:hiddenLine xmlns:a14="http://schemas.microsoft.com/office/drawing/2010/main" w="9525">
+                <a:solidFill>
+                  <a:schemeClr val="tx1"/>
+                </a:solidFill>
+                <a:miter lim="800000"/>
+                <a:headEnd/>
+                <a:tailEnd/>
+              </a14:hiddenLine>
+            </a:ext>
+            <a:ext uri="{AF507438-7753-43E0-B8FC-AC1667EBCBE1}">
+              <a14:hiddenEffects xmlns:a14="http://schemas.microsoft.com/office/drawing/2010/main">
+                <a:effectLst>
+                  <a:outerShdw dist="35921" dir="2700000" algn="ctr" rotWithShape="0">
+                    <a:schemeClr val="bg2"/>
+                  </a:outerShdw>
+                </a:effectLst>
+              </a14:hiddenEffects>
+            </a:ext>
+          </a:extLst>
+        </p:spPr>
+        <p:txBody>
+          <a:bodyPr vert="horz" wrap="square" lIns="91440" tIns="45720" rIns="91440" bIns="45720" numCol="1" anchor="ctr" anchorCtr="0" compatLnSpc="1">
+            <a:prstTxWarp prst="textNoShape">
+              <a:avLst/>
+            </a:prstTxWarp>
+            <a:spAutoFit/>
+          </a:bodyPr>
+          <a:lstStyle/>
+          <a:p>
+            <a:pPr marL="0" marR="0" lvl="0" indent="0" algn="l" defTabSz="914400" rtl="0" eaLnBrk="0" fontAlgn="base" latinLnBrk="0" hangingPunct="0">
+              <a:lnSpc>
+                <a:spcPct val="100000"/>
+              </a:lnSpc>
+              <a:spcBef>
+                <a:spcPct val="0"/>
+              </a:spcBef>
+              <a:spcAft>
+                <a:spcPct val="0"/>
+              </a:spcAft>
+              <a:buClrTx/>
+              <a:buSzTx/>
+              <a:buFontTx/>
+              <a:buNone/>
+              <a:tabLst/>
+            </a:pPr>
+            <a:r>
+              <a:rPr kumimoji="0" lang="en-US" altLang="en-US" sz="900" b="0" i="0" u="none" strike="noStrike" cap="none" normalizeH="0" baseline="0">
+                <a:ln>
+                  <a:noFill/>
+                </a:ln>
+                <a:solidFill>
+                  <a:srgbClr val="8888C6"/>
+                </a:solidFill>
+                <a:effectLst/>
+                <a:latin typeface="JetBrains Mono"/>
+              </a:rPr>
+              <a:t>print</a:t>
+            </a:r>
+            <a:r>
+              <a:rPr kumimoji="0" lang="en-US" altLang="en-US" sz="900" b="0" i="0" u="none" strike="noStrike" cap="none" normalizeH="0" baseline="0">
+                <a:ln>
+                  <a:noFill/>
+                </a:ln>
+                <a:solidFill>
+                  <a:srgbClr val="A9B7C6"/>
+                </a:solidFill>
+                <a:effectLst/>
+                <a:latin typeface="JetBrains Mono"/>
+              </a:rPr>
+              <a:t>(</a:t>
+            </a:r>
+            <a:r>
+              <a:rPr kumimoji="0" lang="en-US" altLang="en-US" sz="900" b="0" i="0" u="none" strike="noStrike" cap="none" normalizeH="0" baseline="0">
+                <a:ln>
+                  <a:noFill/>
+                </a:ln>
+                <a:solidFill>
+                  <a:srgbClr val="6A8759"/>
+                </a:solidFill>
+                <a:effectLst/>
+                <a:latin typeface="JetBrains Mono"/>
+              </a:rPr>
+              <a:t>'{} {}'</a:t>
+            </a:r>
+            <a:r>
+              <a:rPr kumimoji="0" lang="en-US" altLang="en-US" sz="900" b="0" i="0" u="none" strike="noStrike" cap="none" normalizeH="0" baseline="0">
+                <a:ln>
+                  <a:noFill/>
+                </a:ln>
+                <a:solidFill>
+                  <a:srgbClr val="A9B7C6"/>
+                </a:solidFill>
+                <a:effectLst/>
+                <a:latin typeface="JetBrains Mono"/>
+              </a:rPr>
+              <a:t>.format(</a:t>
+            </a:r>
+            <a:r>
+              <a:rPr kumimoji="0" lang="en-US" altLang="en-US" sz="900" b="0" i="0" u="none" strike="noStrike" cap="none" normalizeH="0" baseline="0">
+                <a:ln>
+                  <a:noFill/>
+                </a:ln>
+                <a:solidFill>
+                  <a:srgbClr val="6A8759"/>
+                </a:solidFill>
+                <a:effectLst/>
+                <a:latin typeface="JetBrains Mono"/>
+              </a:rPr>
+              <a:t>'Hello'</a:t>
+            </a:r>
+            <a:r>
+              <a:rPr kumimoji="0" lang="en-US" altLang="en-US" sz="900" b="0" i="0" u="none" strike="noStrike" cap="none" normalizeH="0" baseline="0">
+                <a:ln>
+                  <a:noFill/>
+                </a:ln>
+                <a:solidFill>
+                  <a:srgbClr val="CC7832"/>
+                </a:solidFill>
+                <a:effectLst/>
+                <a:latin typeface="JetBrains Mono"/>
+              </a:rPr>
+              <a:t>, </a:t>
+            </a:r>
+            <a:r>
+              <a:rPr kumimoji="0" lang="en-US" altLang="en-US" sz="900" b="0" i="0" u="none" strike="noStrike" cap="none" normalizeH="0" baseline="0">
+                <a:ln>
+                  <a:noFill/>
+                </a:ln>
+                <a:solidFill>
+                  <a:srgbClr val="6A8759"/>
+                </a:solidFill>
+                <a:effectLst/>
+                <a:latin typeface="JetBrains Mono"/>
+              </a:rPr>
+              <a:t>'World'</a:t>
+            </a:r>
+            <a:r>
+              <a:rPr kumimoji="0" lang="en-US" altLang="en-US" sz="900" b="0" i="0" u="none" strike="noStrike" cap="none" normalizeH="0" baseline="0">
+                <a:ln>
+                  <a:noFill/>
+                </a:ln>
+                <a:solidFill>
+                  <a:srgbClr val="A9B7C6"/>
+                </a:solidFill>
+                <a:effectLst/>
+                <a:latin typeface="JetBrains Mono"/>
+              </a:rPr>
+              <a:t>))</a:t>
+            </a:r>
+            <a:endParaRPr kumimoji="0" lang="en-US" altLang="en-US" sz="1800" b="0" i="0" u="none" strike="noStrike" cap="none" normalizeH="0" baseline="0">
+              <a:ln>
+                <a:noFill/>
+              </a:ln>
+              <a:solidFill>
+                <a:schemeClr val="tx1"/>
+              </a:solidFill>
+              <a:effectLst/>
+              <a:latin typeface="Arial" panose="020B0604020202020204" pitchFamily="34" charset="0"/>
+            </a:endParaRPr>
+          </a:p>
+        </p:txBody>
+      </p:sp>
+      <p:sp>
+        <p:nvSpPr>
+          <p:cNvPr id="7" name="Rectangle 4">
+            <a:extLst>
+              <a:ext uri="{FF2B5EF4-FFF2-40B4-BE49-F238E27FC236}">
+                <a16:creationId xmlns:a16="http://schemas.microsoft.com/office/drawing/2014/main" id="{9AB3CBB4-85D8-4318-A4CA-628A7D10EAC6}"/>
+              </a:ext>
+            </a:extLst>
+          </p:cNvPr>
+          <p:cNvSpPr>
+            <a:spLocks noChangeArrowheads="1"/>
+          </p:cNvSpPr>
+          <p:nvPr/>
+        </p:nvSpPr>
+        <p:spPr bwMode="auto">
+          <a:xfrm>
+            <a:off x="1932565" y="4172297"/>
+            <a:ext cx="3286558" cy="507831"/>
+          </a:xfrm>
+          <a:prstGeom prst="rect">
+            <a:avLst/>
+          </a:prstGeom>
+          <a:solidFill>
+            <a:srgbClr val="2B2B2B"/>
+          </a:solidFill>
+          <a:ln>
+            <a:noFill/>
+          </a:ln>
+          <a:effectLst/>
+          <a:extLst>
+            <a:ext uri="{91240B29-F687-4F45-9708-019B960494DF}">
+              <a14:hiddenLine xmlns:a14="http://schemas.microsoft.com/office/drawing/2010/main" w="9525">
+                <a:solidFill>
+                  <a:schemeClr val="tx1"/>
+                </a:solidFill>
+                <a:miter lim="800000"/>
+                <a:headEnd/>
+                <a:tailEnd/>
+              </a14:hiddenLine>
+            </a:ext>
+            <a:ext uri="{AF507438-7753-43E0-B8FC-AC1667EBCBE1}">
+              <a14:hiddenEffects xmlns:a14="http://schemas.microsoft.com/office/drawing/2010/main">
+                <a:effectLst>
+                  <a:outerShdw dist="35921" dir="2700000" algn="ctr" rotWithShape="0">
+                    <a:schemeClr val="bg2"/>
+                  </a:outerShdw>
+                </a:effectLst>
+              </a14:hiddenEffects>
+            </a:ext>
+          </a:extLst>
+        </p:spPr>
+        <p:txBody>
+          <a:bodyPr vert="horz" wrap="square" lIns="91440" tIns="45720" rIns="91440" bIns="45720" numCol="1" anchor="ctr" anchorCtr="0" compatLnSpc="1">
+            <a:prstTxWarp prst="textNoShape">
+              <a:avLst/>
+            </a:prstTxWarp>
+            <a:spAutoFit/>
+          </a:bodyPr>
+          <a:lstStyle/>
+          <a:p>
+            <a:pPr marL="0" marR="0" lvl="0" indent="0" algn="l" defTabSz="914400" rtl="0" eaLnBrk="0" fontAlgn="base" latinLnBrk="0" hangingPunct="0">
+              <a:lnSpc>
+                <a:spcPct val="100000"/>
+              </a:lnSpc>
+              <a:spcBef>
+                <a:spcPct val="0"/>
+              </a:spcBef>
+              <a:spcAft>
+                <a:spcPct val="0"/>
+              </a:spcAft>
+              <a:buClrTx/>
+              <a:buSzTx/>
+              <a:buFontTx/>
+              <a:buNone/>
+              <a:tabLst/>
+            </a:pPr>
+            <a:r>
+              <a:rPr kumimoji="0" lang="en-US" altLang="en-US" sz="900" b="0" i="0" u="none" strike="noStrike" cap="none" normalizeH="0" baseline="0">
+                <a:ln>
+                  <a:noFill/>
+                </a:ln>
+                <a:solidFill>
+                  <a:srgbClr val="A9B7C6"/>
+                </a:solidFill>
+                <a:effectLst/>
+                <a:latin typeface="JetBrains Mono"/>
+              </a:rPr>
+              <a:t>arr = [</a:t>
+            </a:r>
+            <a:r>
+              <a:rPr kumimoji="0" lang="en-US" altLang="en-US" sz="900" b="0" i="0" u="none" strike="noStrike" cap="none" normalizeH="0" baseline="0">
+                <a:ln>
+                  <a:noFill/>
+                </a:ln>
+                <a:solidFill>
+                  <a:srgbClr val="6A8759"/>
+                </a:solidFill>
+                <a:effectLst/>
+                <a:latin typeface="JetBrains Mono"/>
+              </a:rPr>
+              <a:t>'Val1'</a:t>
+            </a:r>
+            <a:r>
+              <a:rPr kumimoji="0" lang="en-US" altLang="en-US" sz="900" b="0" i="0" u="none" strike="noStrike" cap="none" normalizeH="0" baseline="0">
+                <a:ln>
+                  <a:noFill/>
+                </a:ln>
+                <a:solidFill>
+                  <a:srgbClr val="CC7832"/>
+                </a:solidFill>
+                <a:effectLst/>
+                <a:latin typeface="JetBrains Mono"/>
+              </a:rPr>
+              <a:t>, </a:t>
+            </a:r>
+            <a:r>
+              <a:rPr kumimoji="0" lang="en-US" altLang="en-US" sz="900" b="0" i="0" u="none" strike="noStrike" cap="none" normalizeH="0" baseline="0">
+                <a:ln>
+                  <a:noFill/>
+                </a:ln>
+                <a:solidFill>
+                  <a:srgbClr val="6A8759"/>
+                </a:solidFill>
+                <a:effectLst/>
+                <a:latin typeface="JetBrains Mono"/>
+              </a:rPr>
+              <a:t>'Val2'</a:t>
+            </a:r>
+            <a:r>
+              <a:rPr kumimoji="0" lang="en-US" altLang="en-US" sz="900" b="0" i="0" u="none" strike="noStrike" cap="none" normalizeH="0" baseline="0">
+                <a:ln>
+                  <a:noFill/>
+                </a:ln>
+                <a:solidFill>
+                  <a:srgbClr val="A9B7C6"/>
+                </a:solidFill>
+                <a:effectLst/>
+                <a:latin typeface="JetBrains Mono"/>
+              </a:rPr>
+              <a:t>]</a:t>
+            </a:r>
+            <a:br>
+              <a:rPr kumimoji="0" lang="en-US" altLang="en-US" sz="900" b="0" i="0" u="none" strike="noStrike" cap="none" normalizeH="0" baseline="0">
+                <a:ln>
+                  <a:noFill/>
+                </a:ln>
+                <a:solidFill>
+                  <a:srgbClr val="A9B7C6"/>
+                </a:solidFill>
+                <a:effectLst/>
+                <a:latin typeface="JetBrains Mono"/>
+              </a:rPr>
+            </a:br>
+            <a:r>
+              <a:rPr kumimoji="0" lang="en-US" altLang="en-US" sz="900" b="0" i="0" u="none" strike="noStrike" cap="none" normalizeH="0" baseline="0">
+                <a:ln>
+                  <a:noFill/>
+                </a:ln>
+                <a:solidFill>
+                  <a:srgbClr val="CC7832"/>
+                </a:solidFill>
+                <a:effectLst/>
+                <a:latin typeface="JetBrains Mono"/>
+              </a:rPr>
+              <a:t>for </a:t>
+            </a:r>
+            <a:r>
+              <a:rPr kumimoji="0" lang="en-US" altLang="en-US" sz="900" b="0" i="0" u="none" strike="noStrike" cap="none" normalizeH="0" baseline="0">
+                <a:ln>
+                  <a:noFill/>
+                </a:ln>
+                <a:solidFill>
+                  <a:srgbClr val="A9B7C6"/>
+                </a:solidFill>
+                <a:effectLst/>
+                <a:latin typeface="JetBrains Mono"/>
+              </a:rPr>
+              <a:t>val_str </a:t>
+            </a:r>
+            <a:r>
+              <a:rPr kumimoji="0" lang="en-US" altLang="en-US" sz="900" b="0" i="0" u="none" strike="noStrike" cap="none" normalizeH="0" baseline="0">
+                <a:ln>
+                  <a:noFill/>
+                </a:ln>
+                <a:solidFill>
+                  <a:srgbClr val="CC7832"/>
+                </a:solidFill>
+                <a:effectLst/>
+                <a:latin typeface="JetBrains Mono"/>
+              </a:rPr>
+              <a:t>in </a:t>
+            </a:r>
+            <a:r>
+              <a:rPr kumimoji="0" lang="en-US" altLang="en-US" sz="900" b="0" i="0" u="none" strike="noStrike" cap="none" normalizeH="0" baseline="0">
+                <a:ln>
+                  <a:noFill/>
+                </a:ln>
+                <a:solidFill>
+                  <a:srgbClr val="A9B7C6"/>
+                </a:solidFill>
+                <a:effectLst/>
+                <a:latin typeface="JetBrains Mono"/>
+              </a:rPr>
+              <a:t>arr:</a:t>
+            </a:r>
+            <a:br>
+              <a:rPr kumimoji="0" lang="en-US" altLang="en-US" sz="900" b="0" i="0" u="none" strike="noStrike" cap="none" normalizeH="0" baseline="0">
+                <a:ln>
+                  <a:noFill/>
+                </a:ln>
+                <a:solidFill>
+                  <a:srgbClr val="A9B7C6"/>
+                </a:solidFill>
+                <a:effectLst/>
+                <a:latin typeface="JetBrains Mono"/>
+              </a:rPr>
+            </a:br>
+            <a:r>
+              <a:rPr kumimoji="0" lang="en-US" altLang="en-US" sz="900" b="0" i="0" u="none" strike="noStrike" cap="none" normalizeH="0" baseline="0">
+                <a:ln>
+                  <a:noFill/>
+                </a:ln>
+                <a:solidFill>
+                  <a:srgbClr val="A9B7C6"/>
+                </a:solidFill>
+                <a:effectLst/>
+                <a:latin typeface="JetBrains Mono"/>
+              </a:rPr>
+              <a:t>    </a:t>
+            </a:r>
+            <a:r>
+              <a:rPr kumimoji="0" lang="en-US" altLang="en-US" sz="900" b="0" i="0" u="none" strike="noStrike" cap="none" normalizeH="0" baseline="0">
+                <a:ln>
+                  <a:noFill/>
+                </a:ln>
+                <a:solidFill>
+                  <a:srgbClr val="8888C6"/>
+                </a:solidFill>
+                <a:effectLst/>
+                <a:latin typeface="JetBrains Mono"/>
+              </a:rPr>
+              <a:t>print</a:t>
+            </a:r>
+            <a:r>
+              <a:rPr kumimoji="0" lang="en-US" altLang="en-US" sz="900" b="0" i="0" u="none" strike="noStrike" cap="none" normalizeH="0" baseline="0">
+                <a:ln>
+                  <a:noFill/>
+                </a:ln>
+                <a:solidFill>
+                  <a:srgbClr val="A9B7C6"/>
+                </a:solidFill>
+                <a:effectLst/>
+                <a:latin typeface="JetBrains Mono"/>
+              </a:rPr>
+              <a:t>(val_str)</a:t>
+            </a:r>
+            <a:endParaRPr kumimoji="0" lang="en-US" altLang="en-US" sz="1800" b="0" i="0" u="none" strike="noStrike" cap="none" normalizeH="0" baseline="0">
+              <a:ln>
+                <a:noFill/>
+              </a:ln>
+              <a:solidFill>
+                <a:schemeClr val="tx1"/>
+              </a:solidFill>
+              <a:effectLst/>
+              <a:latin typeface="Arial" panose="020B0604020202020204" pitchFamily="34" charset="0"/>
+            </a:endParaRPr>
+          </a:p>
+        </p:txBody>
+      </p:sp>
+    </p:spTree>
+    <p:extLst>
+      <p:ext uri="{BB962C8B-B14F-4D97-AF65-F5344CB8AC3E}">
+        <p14:creationId xmlns:p14="http://schemas.microsoft.com/office/powerpoint/2010/main" val="3460961406"/>
+      </p:ext>
+    </p:extLst>
+  </p:cSld>
+  <p:clrMapOvr>
+    <a:masterClrMapping/>
+  </p:clrMapOvr>
+  <mc:AlternateContent xmlns:mc="http://schemas.openxmlformats.org/markup-compatibility/2006" xmlns:p14="http://schemas.microsoft.com/office/powerpoint/2010/main">
+    <mc:Choice Requires="p14">
+      <p:transition spd="med" p14:dur="700">
+        <p:fade/>
+      </p:transition>
+    </mc:Choice>
+    <mc:Fallback xmlns="">
+      <p:transition spd="med">
+        <p:fade/>
+      </p:transition>
+    </mc:Fallback>
+  </mc:AlternateContent>
+</p:sld>
+</file>
+
+<file path=ppt/slides/slide18.xml><?xml version="1.0" encoding="utf-8"?>
+<p:sld xmlns:a="http://schemas.openxmlformats.org/drawingml/2006/main" xmlns:r="http://schemas.openxmlformats.org/officeDocument/2006/relationships" xmlns:p="http://schemas.openxmlformats.org/presentationml/2006/main">
+  <p:cSld>
+    <p:spTree>
+      <p:nvGrpSpPr>
+        <p:cNvPr id="1" name=""/>
+        <p:cNvGrpSpPr/>
+        <p:nvPr/>
+      </p:nvGrpSpPr>
+      <p:grpSpPr>
+        <a:xfrm>
+          <a:off x="0" y="0"/>
+          <a:ext cx="0" cy="0"/>
+          <a:chOff x="0" y="0"/>
+          <a:chExt cx="0" cy="0"/>
+        </a:xfrm>
+      </p:grpSpPr>
+      <p:sp>
+        <p:nvSpPr>
+          <p:cNvPr id="2" name="Title 1">
+            <a:extLst>
+              <a:ext uri="{FF2B5EF4-FFF2-40B4-BE49-F238E27FC236}">
                 <a16:creationId xmlns:a16="http://schemas.microsoft.com/office/drawing/2014/main" id="{0BE2205E-5DEB-4BCD-8512-D666ABFCA9C9}"/>
               </a:ext>
             </a:extLst>
@@ -8288,7 +8423,7 @@
 </p:sld>
 </file>
 
-<file path=ppt/slides/slide16.xml><?xml version="1.0" encoding="utf-8"?>
+<file path=ppt/slides/slide19.xml><?xml version="1.0" encoding="utf-8"?>
 <p:sld xmlns:a="http://schemas.openxmlformats.org/drawingml/2006/main" xmlns:r="http://schemas.openxmlformats.org/officeDocument/2006/relationships" xmlns:p="http://schemas.openxmlformats.org/presentationml/2006/main">
   <p:cSld>
     <p:spTree>
@@ -8418,7 +8553,124 @@
 </p:sld>
 </file>
 
-<file path=ppt/slides/slide17.xml><?xml version="1.0" encoding="utf-8"?>
+<file path=ppt/slides/slide2.xml><?xml version="1.0" encoding="utf-8"?>
+<p:sld xmlns:a="http://schemas.openxmlformats.org/drawingml/2006/main" xmlns:r="http://schemas.openxmlformats.org/officeDocument/2006/relationships" xmlns:p="http://schemas.openxmlformats.org/presentationml/2006/main">
+  <p:cSld>
+    <p:spTree>
+      <p:nvGrpSpPr>
+        <p:cNvPr id="1" name=""/>
+        <p:cNvGrpSpPr/>
+        <p:nvPr/>
+      </p:nvGrpSpPr>
+      <p:grpSpPr>
+        <a:xfrm>
+          <a:off x="0" y="0"/>
+          <a:ext cx="0" cy="0"/>
+          <a:chOff x="0" y="0"/>
+          <a:chExt cx="0" cy="0"/>
+        </a:xfrm>
+      </p:grpSpPr>
+      <p:sp>
+        <p:nvSpPr>
+          <p:cNvPr id="2" name="Title 1">
+            <a:extLst>
+              <a:ext uri="{FF2B5EF4-FFF2-40B4-BE49-F238E27FC236}">
+                <a16:creationId xmlns:a16="http://schemas.microsoft.com/office/drawing/2014/main" id="{6F029C30-31EA-44B9-84C5-77A5CF7D1101}"/>
+              </a:ext>
+            </a:extLst>
+          </p:cNvPr>
+          <p:cNvSpPr>
+            <a:spLocks noGrp="1"/>
+          </p:cNvSpPr>
+          <p:nvPr>
+            <p:ph type="title"/>
+          </p:nvPr>
+        </p:nvSpPr>
+        <p:spPr/>
+        <p:txBody>
+          <a:bodyPr/>
+          <a:lstStyle/>
+          <a:p>
+            <a:r>
+              <a:rPr lang="en-US" dirty="0"/>
+              <a:t>Goals</a:t>
+            </a:r>
+          </a:p>
+        </p:txBody>
+      </p:sp>
+      <p:sp>
+        <p:nvSpPr>
+          <p:cNvPr id="3" name="Content Placeholder 2">
+            <a:extLst>
+              <a:ext uri="{FF2B5EF4-FFF2-40B4-BE49-F238E27FC236}">
+                <a16:creationId xmlns:a16="http://schemas.microsoft.com/office/drawing/2014/main" id="{18129531-71BE-458B-9F14-0C64186A8FBA}"/>
+              </a:ext>
+            </a:extLst>
+          </p:cNvPr>
+          <p:cNvSpPr>
+            <a:spLocks noGrp="1"/>
+          </p:cNvSpPr>
+          <p:nvPr>
+            <p:ph idx="1"/>
+          </p:nvPr>
+        </p:nvSpPr>
+        <p:spPr/>
+        <p:txBody>
+          <a:bodyPr/>
+          <a:lstStyle/>
+          <a:p>
+            <a:r>
+              <a:rPr lang="en-US" dirty="0"/>
+              <a:t>Understand what </a:t>
+            </a:r>
+            <a:r>
+              <a:rPr lang="en-US" dirty="0" err="1"/>
+              <a:t>PySense</a:t>
+            </a:r>
+            <a:r>
+              <a:rPr lang="en-US" dirty="0"/>
+              <a:t> is and what it is capable of</a:t>
+            </a:r>
+          </a:p>
+          <a:p>
+            <a:r>
+              <a:rPr lang="en-US" dirty="0"/>
+              <a:t>Understand how to do a few basic tasks in </a:t>
+            </a:r>
+            <a:r>
+              <a:rPr lang="en-US" dirty="0" err="1"/>
+              <a:t>PySense</a:t>
+            </a:r>
+            <a:endParaRPr lang="en-US" dirty="0"/>
+          </a:p>
+        </p:txBody>
+      </p:sp>
+    </p:spTree>
+    <p:extLst>
+      <p:ext uri="{BB962C8B-B14F-4D97-AF65-F5344CB8AC3E}">
+        <p14:creationId xmlns:p14="http://schemas.microsoft.com/office/powerpoint/2010/main" val="4166968529"/>
+      </p:ext>
+    </p:extLst>
+  </p:cSld>
+  <p:clrMapOvr>
+    <a:masterClrMapping/>
+  </p:clrMapOvr>
+  <mc:AlternateContent xmlns:mc="http://schemas.openxmlformats.org/markup-compatibility/2006" xmlns:p14="http://schemas.microsoft.com/office/powerpoint/2010/main">
+    <mc:Choice Requires="p14">
+      <p:transition spd="med" p14:dur="700">
+        <p:fade/>
+      </p:transition>
+    </mc:Choice>
+    <mc:Fallback xmlns="">
+      <p:transition spd="med">
+        <p:fade/>
+      </p:transition>
+    </mc:Fallback>
+  </mc:AlternateContent>
+</p:sld>
+</file>
+
+<file path=ppt/slides/slide20.xml><?xml version="1.0" encoding="utf-8"?>
 <p:sld xmlns:a="http://schemas.openxmlformats.org/drawingml/2006/main" xmlns:r="http://schemas.openxmlformats.org/officeDocument/2006/relationships" xmlns:p="http://schemas.openxmlformats.org/presentationml/2006/main">
   <p:cSld>
     <p:spTree>
@@ -9004,7 +9256,7 @@
 </p:sld>
 </file>
 
-<file path=ppt/slides/slide18.xml><?xml version="1.0" encoding="utf-8"?>
+<file path=ppt/slides/slide21.xml><?xml version="1.0" encoding="utf-8"?>
 <p:sld xmlns:a="http://schemas.openxmlformats.org/drawingml/2006/main" xmlns:r="http://schemas.openxmlformats.org/officeDocument/2006/relationships" xmlns:p="http://schemas.openxmlformats.org/presentationml/2006/main">
   <p:cSld>
     <p:spTree>
@@ -9122,7 +9374,7 @@
 </p:sld>
 </file>
 
-<file path=ppt/slides/slide19.xml><?xml version="1.0" encoding="utf-8"?>
+<file path=ppt/slides/slide22.xml><?xml version="1.0" encoding="utf-8"?>
 <p:sld xmlns:a="http://schemas.openxmlformats.org/drawingml/2006/main" xmlns:r="http://schemas.openxmlformats.org/officeDocument/2006/relationships" xmlns:p="http://schemas.openxmlformats.org/presentationml/2006/main">
   <p:cSld>
     <p:spTree>
@@ -9252,124 +9504,7 @@
 </p:sld>
 </file>
 
-<file path=ppt/slides/slide2.xml><?xml version="1.0" encoding="utf-8"?>
-<p:sld xmlns:a="http://schemas.openxmlformats.org/drawingml/2006/main" xmlns:r="http://schemas.openxmlformats.org/officeDocument/2006/relationships" xmlns:p="http://schemas.openxmlformats.org/presentationml/2006/main">
-  <p:cSld>
-    <p:spTree>
-      <p:nvGrpSpPr>
-        <p:cNvPr id="1" name=""/>
-        <p:cNvGrpSpPr/>
-        <p:nvPr/>
-      </p:nvGrpSpPr>
-      <p:grpSpPr>
-        <a:xfrm>
-          <a:off x="0" y="0"/>
-          <a:ext cx="0" cy="0"/>
-          <a:chOff x="0" y="0"/>
-          <a:chExt cx="0" cy="0"/>
-        </a:xfrm>
-      </p:grpSpPr>
-      <p:sp>
-        <p:nvSpPr>
-          <p:cNvPr id="2" name="Title 1">
-            <a:extLst>
-              <a:ext uri="{FF2B5EF4-FFF2-40B4-BE49-F238E27FC236}">
-                <a16:creationId xmlns:a16="http://schemas.microsoft.com/office/drawing/2014/main" id="{6F029C30-31EA-44B9-84C5-77A5CF7D1101}"/>
-              </a:ext>
-            </a:extLst>
-          </p:cNvPr>
-          <p:cNvSpPr>
-            <a:spLocks noGrp="1"/>
-          </p:cNvSpPr>
-          <p:nvPr>
-            <p:ph type="title"/>
-          </p:nvPr>
-        </p:nvSpPr>
-        <p:spPr/>
-        <p:txBody>
-          <a:bodyPr/>
-          <a:lstStyle/>
-          <a:p>
-            <a:r>
-              <a:rPr lang="en-US" dirty="0"/>
-              <a:t>Goals</a:t>
-            </a:r>
-          </a:p>
-        </p:txBody>
-      </p:sp>
-      <p:sp>
-        <p:nvSpPr>
-          <p:cNvPr id="3" name="Content Placeholder 2">
-            <a:extLst>
-              <a:ext uri="{FF2B5EF4-FFF2-40B4-BE49-F238E27FC236}">
-                <a16:creationId xmlns:a16="http://schemas.microsoft.com/office/drawing/2014/main" id="{18129531-71BE-458B-9F14-0C64186A8FBA}"/>
-              </a:ext>
-            </a:extLst>
-          </p:cNvPr>
-          <p:cNvSpPr>
-            <a:spLocks noGrp="1"/>
-          </p:cNvSpPr>
-          <p:nvPr>
-            <p:ph idx="1"/>
-          </p:nvPr>
-        </p:nvSpPr>
-        <p:spPr/>
-        <p:txBody>
-          <a:bodyPr/>
-          <a:lstStyle/>
-          <a:p>
-            <a:r>
-              <a:rPr lang="en-US" dirty="0"/>
-              <a:t>Understand what </a:t>
-            </a:r>
-            <a:r>
-              <a:rPr lang="en-US" dirty="0" err="1"/>
-              <a:t>PySense</a:t>
-            </a:r>
-            <a:r>
-              <a:rPr lang="en-US" dirty="0"/>
-              <a:t> is and what it is capable of</a:t>
-            </a:r>
-          </a:p>
-          <a:p>
-            <a:r>
-              <a:rPr lang="en-US" dirty="0"/>
-              <a:t>Understand how to do a few basic tasks in </a:t>
-            </a:r>
-            <a:r>
-              <a:rPr lang="en-US" dirty="0" err="1"/>
-              <a:t>PySense</a:t>
-            </a:r>
-            <a:endParaRPr lang="en-US" dirty="0"/>
-          </a:p>
-        </p:txBody>
-      </p:sp>
-    </p:spTree>
-    <p:extLst>
-      <p:ext uri="{BB962C8B-B14F-4D97-AF65-F5344CB8AC3E}">
-        <p14:creationId xmlns:p14="http://schemas.microsoft.com/office/powerpoint/2010/main" val="4166968529"/>
-      </p:ext>
-    </p:extLst>
-  </p:cSld>
-  <p:clrMapOvr>
-    <a:masterClrMapping/>
-  </p:clrMapOvr>
-  <mc:AlternateContent xmlns:mc="http://schemas.openxmlformats.org/markup-compatibility/2006" xmlns:p14="http://schemas.microsoft.com/office/powerpoint/2010/main">
-    <mc:Choice Requires="p14">
-      <p:transition spd="med" p14:dur="700">
-        <p:fade/>
-      </p:transition>
-    </mc:Choice>
-    <mc:Fallback xmlns="">
-      <p:transition spd="med">
-        <p:fade/>
-      </p:transition>
-    </mc:Fallback>
-  </mc:AlternateContent>
-</p:sld>
-</file>
-
-<file path=ppt/slides/slide20.xml><?xml version="1.0" encoding="utf-8"?>
+<file path=ppt/slides/slide23.xml><?xml version="1.0" encoding="utf-8"?>
 <p:sld xmlns:a="http://schemas.openxmlformats.org/drawingml/2006/main" xmlns:r="http://schemas.openxmlformats.org/officeDocument/2006/relationships" xmlns:p="http://schemas.openxmlformats.org/presentationml/2006/main">
   <p:cSld>
     <p:spTree>
@@ -9758,7 +9893,7 @@
 </p:sld>
 </file>
 
-<file path=ppt/slides/slide21.xml><?xml version="1.0" encoding="utf-8"?>
+<file path=ppt/slides/slide24.xml><?xml version="1.0" encoding="utf-8"?>
 <p:sld xmlns:a="http://schemas.openxmlformats.org/drawingml/2006/main" xmlns:r="http://schemas.openxmlformats.org/officeDocument/2006/relationships" xmlns:p="http://schemas.openxmlformats.org/presentationml/2006/main">
   <p:cSld>
     <p:spTree>
@@ -9966,7 +10101,7 @@
 </p:sld>
 </file>
 
-<file path=ppt/slides/slide22.xml><?xml version="1.0" encoding="utf-8"?>
+<file path=ppt/slides/slide25.xml><?xml version="1.0" encoding="utf-8"?>
 <p:sld xmlns:a="http://schemas.openxmlformats.org/drawingml/2006/main" xmlns:r="http://schemas.openxmlformats.org/officeDocument/2006/relationships" xmlns:p="http://schemas.openxmlformats.org/presentationml/2006/main">
   <p:cSld>
     <p:spTree>
@@ -10528,7 +10663,7 @@
 </p:sld>
 </file>
 
-<file path=ppt/slides/slide23.xml><?xml version="1.0" encoding="utf-8"?>
+<file path=ppt/slides/slide26.xml><?xml version="1.0" encoding="utf-8"?>
 <p:sld xmlns:a="http://schemas.openxmlformats.org/drawingml/2006/main" xmlns:r="http://schemas.openxmlformats.org/officeDocument/2006/relationships" xmlns:p="http://schemas.openxmlformats.org/presentationml/2006/main">
   <p:cSld>
     <p:spTree>
@@ -10644,7 +10779,7 @@
 </p:sld>
 </file>
 
-<file path=ppt/slides/slide24.xml><?xml version="1.0" encoding="utf-8"?>
+<file path=ppt/slides/slide27.xml><?xml version="1.0" encoding="utf-8"?>
 <p:sld xmlns:a="http://schemas.openxmlformats.org/drawingml/2006/main" xmlns:r="http://schemas.openxmlformats.org/officeDocument/2006/relationships" xmlns:p="http://schemas.openxmlformats.org/presentationml/2006/main">
   <p:cSld>
     <p:spTree>
@@ -11830,7 +11965,7 @@
 </p:sld>
 </file>
 
-<file path=ppt/slides/slide25.xml><?xml version="1.0" encoding="utf-8"?>
+<file path=ppt/slides/slide28.xml><?xml version="1.0" encoding="utf-8"?>
 <p:sld xmlns:a="http://schemas.openxmlformats.org/drawingml/2006/main" xmlns:r="http://schemas.openxmlformats.org/officeDocument/2006/relationships" xmlns:p="http://schemas.openxmlformats.org/presentationml/2006/main">
   <p:cSld>
     <p:spTree>
@@ -12635,7 +12770,7 @@
 </p:sld>
 </file>
 
-<file path=ppt/slides/slide26.xml><?xml version="1.0" encoding="utf-8"?>
+<file path=ppt/slides/slide29.xml><?xml version="1.0" encoding="utf-8"?>
 <p:sld xmlns:a="http://schemas.openxmlformats.org/drawingml/2006/main" xmlns:r="http://schemas.openxmlformats.org/officeDocument/2006/relationships" xmlns:p="http://schemas.openxmlformats.org/presentationml/2006/main">
   <p:cSld>
     <p:spTree>
@@ -12724,648 +12859,6 @@
     <p:extLst>
       <p:ext uri="{BB962C8B-B14F-4D97-AF65-F5344CB8AC3E}">
         <p14:creationId xmlns:p14="http://schemas.microsoft.com/office/powerpoint/2010/main" val="914657268"/>
-      </p:ext>
-    </p:extLst>
-  </p:cSld>
-  <p:clrMapOvr>
-    <a:masterClrMapping/>
-  </p:clrMapOvr>
-  <mc:AlternateContent xmlns:mc="http://schemas.openxmlformats.org/markup-compatibility/2006" xmlns:p14="http://schemas.microsoft.com/office/powerpoint/2010/main">
-    <mc:Choice Requires="p14">
-      <p:transition spd="med" p14:dur="700">
-        <p:fade/>
-      </p:transition>
-    </mc:Choice>
-    <mc:Fallback xmlns="">
-      <p:transition spd="med">
-        <p:fade/>
-      </p:transition>
-    </mc:Fallback>
-  </mc:AlternateContent>
-</p:sld>
-</file>
-
-<file path=ppt/slides/slide27.xml><?xml version="1.0" encoding="utf-8"?>
-<p:sld xmlns:a="http://schemas.openxmlformats.org/drawingml/2006/main" xmlns:r="http://schemas.openxmlformats.org/officeDocument/2006/relationships" xmlns:p="http://schemas.openxmlformats.org/presentationml/2006/main">
-  <p:cSld>
-    <p:spTree>
-      <p:nvGrpSpPr>
-        <p:cNvPr id="1" name=""/>
-        <p:cNvGrpSpPr/>
-        <p:nvPr/>
-      </p:nvGrpSpPr>
-      <p:grpSpPr>
-        <a:xfrm>
-          <a:off x="0" y="0"/>
-          <a:ext cx="0" cy="0"/>
-          <a:chOff x="0" y="0"/>
-          <a:chExt cx="0" cy="0"/>
-        </a:xfrm>
-      </p:grpSpPr>
-      <p:sp>
-        <p:nvSpPr>
-          <p:cNvPr id="2" name="Title 1">
-            <a:extLst>
-              <a:ext uri="{FF2B5EF4-FFF2-40B4-BE49-F238E27FC236}">
-                <a16:creationId xmlns:a16="http://schemas.microsoft.com/office/drawing/2014/main" id="{DB3B9627-62D2-4FD0-8CAC-5D210DEEE519}"/>
-              </a:ext>
-            </a:extLst>
-          </p:cNvPr>
-          <p:cNvSpPr>
-            <a:spLocks noGrp="1"/>
-          </p:cNvSpPr>
-          <p:nvPr>
-            <p:ph type="title"/>
-          </p:nvPr>
-        </p:nvSpPr>
-        <p:spPr/>
-        <p:txBody>
-          <a:bodyPr/>
-          <a:lstStyle/>
-          <a:p>
-            <a:r>
-              <a:rPr lang="en-US" dirty="0"/>
-              <a:t>Exercise Four Solution</a:t>
-            </a:r>
-          </a:p>
-        </p:txBody>
-      </p:sp>
-      <p:sp>
-        <p:nvSpPr>
-          <p:cNvPr id="5" name="Rectangle 1">
-            <a:extLst>
-              <a:ext uri="{FF2B5EF4-FFF2-40B4-BE49-F238E27FC236}">
-                <a16:creationId xmlns:a16="http://schemas.microsoft.com/office/drawing/2014/main" id="{D3884E94-16E0-4785-A795-0640B563F4C2}"/>
-              </a:ext>
-            </a:extLst>
-          </p:cNvPr>
-          <p:cNvSpPr>
-            <a:spLocks noChangeArrowheads="1"/>
-          </p:cNvSpPr>
-          <p:nvPr/>
-        </p:nvSpPr>
-        <p:spPr bwMode="auto">
-          <a:xfrm>
-            <a:off x="1561226" y="2583849"/>
-            <a:ext cx="9675813" cy="369332"/>
-          </a:xfrm>
-          <a:prstGeom prst="rect">
-            <a:avLst/>
-          </a:prstGeom>
-          <a:solidFill>
-            <a:srgbClr val="2B2B2B"/>
-          </a:solidFill>
-          <a:ln>
-            <a:noFill/>
-          </a:ln>
-          <a:effectLst/>
-          <a:extLst>
-            <a:ext uri="{91240B29-F687-4F45-9708-019B960494DF}">
-              <a14:hiddenLine xmlns:a14="http://schemas.microsoft.com/office/drawing/2010/main" w="9525">
-                <a:solidFill>
-                  <a:schemeClr val="tx1"/>
-                </a:solidFill>
-                <a:miter lim="800000"/>
-                <a:headEnd/>
-                <a:tailEnd/>
-              </a14:hiddenLine>
-            </a:ext>
-            <a:ext uri="{AF507438-7753-43E0-B8FC-AC1667EBCBE1}">
-              <a14:hiddenEffects xmlns:a14="http://schemas.microsoft.com/office/drawing/2010/main">
-                <a:effectLst>
-                  <a:outerShdw dist="35921" dir="2700000" algn="ctr" rotWithShape="0">
-                    <a:schemeClr val="bg2"/>
-                  </a:outerShdw>
-                </a:effectLst>
-              </a14:hiddenEffects>
-            </a:ext>
-          </a:extLst>
-        </p:spPr>
-        <p:txBody>
-          <a:bodyPr vert="horz" wrap="square" lIns="91440" tIns="45720" rIns="91440" bIns="45720" numCol="1" anchor="ctr" anchorCtr="0" compatLnSpc="1">
-            <a:prstTxWarp prst="textNoShape">
-              <a:avLst/>
-            </a:prstTxWarp>
-            <a:spAutoFit/>
-          </a:bodyPr>
-          <a:lstStyle/>
-          <a:p>
-            <a:pPr lvl="0" defTabSz="914400" eaLnBrk="0" fontAlgn="base" hangingPunct="0">
-              <a:spcBef>
-                <a:spcPct val="0"/>
-              </a:spcBef>
-              <a:spcAft>
-                <a:spcPct val="0"/>
-              </a:spcAft>
-            </a:pPr>
-            <a:r>
-              <a:rPr kumimoji="0" lang="en-US" altLang="en-US" sz="900" b="0" i="0" u="none" strike="noStrike" cap="none" normalizeH="0" baseline="0" dirty="0">
-                <a:ln>
-                  <a:noFill/>
-                </a:ln>
-                <a:solidFill>
-                  <a:srgbClr val="CC7832"/>
-                </a:solidFill>
-                <a:effectLst/>
-                <a:latin typeface="JetBrains Mono"/>
-              </a:rPr>
-              <a:t>for </a:t>
-            </a:r>
-            <a:r>
-              <a:rPr kumimoji="0" lang="en-US" altLang="en-US" sz="900" b="0" i="0" u="none" strike="noStrike" cap="none" normalizeH="0" baseline="0" dirty="0">
-                <a:ln>
-                  <a:noFill/>
-                </a:ln>
-                <a:solidFill>
-                  <a:srgbClr val="A9B7C6"/>
-                </a:solidFill>
-                <a:effectLst/>
-                <a:latin typeface="JetBrains Mono"/>
-              </a:rPr>
-              <a:t>dashboard </a:t>
-            </a:r>
-            <a:r>
-              <a:rPr kumimoji="0" lang="en-US" altLang="en-US" sz="900" b="0" i="0" u="none" strike="noStrike" cap="none" normalizeH="0" baseline="0" dirty="0">
-                <a:ln>
-                  <a:noFill/>
-                </a:ln>
-                <a:solidFill>
-                  <a:srgbClr val="CC7832"/>
-                </a:solidFill>
-                <a:effectLst/>
-                <a:latin typeface="JetBrains Mono"/>
-              </a:rPr>
-              <a:t>in </a:t>
-            </a:r>
-            <a:r>
-              <a:rPr lang="en-US" altLang="en-US" sz="900" dirty="0" err="1">
-                <a:solidFill>
-                  <a:srgbClr val="A9B7C6"/>
-                </a:solidFill>
-                <a:latin typeface="JetBrains Mono"/>
-              </a:rPr>
-              <a:t>py_client.get_dashboards</a:t>
-            </a:r>
-            <a:r>
-              <a:rPr lang="en-US" altLang="en-US" sz="900" dirty="0">
-                <a:solidFill>
-                  <a:srgbClr val="A9B7C6"/>
-                </a:solidFill>
-                <a:latin typeface="JetBrains Mono"/>
-              </a:rPr>
-              <a:t>() </a:t>
-            </a:r>
-            <a:r>
-              <a:rPr kumimoji="0" lang="en-US" altLang="en-US" sz="900" b="0" i="0" u="none" strike="noStrike" cap="none" normalizeH="0" baseline="0" dirty="0">
-                <a:ln>
-                  <a:noFill/>
-                </a:ln>
-                <a:solidFill>
-                  <a:srgbClr val="A9B7C6"/>
-                </a:solidFill>
-                <a:effectLst/>
-                <a:latin typeface="JetBrains Mono"/>
-              </a:rPr>
-              <a:t>:</a:t>
-            </a:r>
-            <a:br>
-              <a:rPr kumimoji="0" lang="en-US" altLang="en-US" sz="900" b="0" i="0" u="none" strike="noStrike" cap="none" normalizeH="0" baseline="0" dirty="0">
-                <a:ln>
-                  <a:noFill/>
-                </a:ln>
-                <a:solidFill>
-                  <a:srgbClr val="A9B7C6"/>
-                </a:solidFill>
-                <a:effectLst/>
-                <a:latin typeface="JetBrains Mono"/>
-              </a:rPr>
-            </a:br>
-            <a:r>
-              <a:rPr kumimoji="0" lang="en-US" altLang="en-US" sz="900" b="0" i="0" u="none" strike="noStrike" cap="none" normalizeH="0" baseline="0" dirty="0">
-                <a:ln>
-                  <a:noFill/>
-                </a:ln>
-                <a:solidFill>
-                  <a:srgbClr val="A9B7C6"/>
-                </a:solidFill>
-                <a:effectLst/>
-                <a:latin typeface="JetBrains Mono"/>
-              </a:rPr>
-              <a:t>    </a:t>
-            </a:r>
-            <a:r>
-              <a:rPr kumimoji="0" lang="en-US" altLang="en-US" sz="900" b="0" i="0" u="none" strike="noStrike" cap="none" normalizeH="0" baseline="0" dirty="0">
-                <a:ln>
-                  <a:noFill/>
-                </a:ln>
-                <a:solidFill>
-                  <a:srgbClr val="8888C6"/>
-                </a:solidFill>
-                <a:effectLst/>
-                <a:latin typeface="JetBrains Mono"/>
-              </a:rPr>
-              <a:t>print</a:t>
-            </a:r>
-            <a:r>
-              <a:rPr kumimoji="0" lang="en-US" altLang="en-US" sz="900" b="0" i="0" u="none" strike="noStrike" cap="none" normalizeH="0" baseline="0" dirty="0">
-                <a:ln>
-                  <a:noFill/>
-                </a:ln>
-                <a:solidFill>
-                  <a:srgbClr val="A9B7C6"/>
-                </a:solidFill>
-                <a:effectLst/>
-                <a:latin typeface="JetBrains Mono"/>
-              </a:rPr>
-              <a:t>(</a:t>
-            </a:r>
-            <a:r>
-              <a:rPr kumimoji="0" lang="en-US" altLang="en-US" sz="900" b="0" i="0" u="none" strike="noStrike" cap="none" normalizeH="0" baseline="0" dirty="0" err="1">
-                <a:ln>
-                  <a:noFill/>
-                </a:ln>
-                <a:solidFill>
-                  <a:srgbClr val="A9B7C6"/>
-                </a:solidFill>
-                <a:effectLst/>
-                <a:latin typeface="JetBrains Mono"/>
-              </a:rPr>
-              <a:t>dashboard.get_id</a:t>
-            </a:r>
-            <a:r>
-              <a:rPr kumimoji="0" lang="en-US" altLang="en-US" sz="900" b="0" i="0" u="none" strike="noStrike" cap="none" normalizeH="0" baseline="0" dirty="0">
-                <a:ln>
-                  <a:noFill/>
-                </a:ln>
-                <a:solidFill>
-                  <a:srgbClr val="A9B7C6"/>
-                </a:solidFill>
-                <a:effectLst/>
-                <a:latin typeface="JetBrains Mono"/>
-              </a:rPr>
-              <a:t>() + </a:t>
-            </a:r>
-            <a:r>
-              <a:rPr kumimoji="0" lang="en-US" altLang="en-US" sz="900" b="0" i="0" u="none" strike="noStrike" cap="none" normalizeH="0" baseline="0" dirty="0">
-                <a:ln>
-                  <a:noFill/>
-                </a:ln>
-                <a:solidFill>
-                  <a:srgbClr val="6A8759"/>
-                </a:solidFill>
-                <a:effectLst/>
-                <a:latin typeface="JetBrains Mono"/>
-              </a:rPr>
-              <a:t>': ' </a:t>
-            </a:r>
-            <a:r>
-              <a:rPr kumimoji="0" lang="en-US" altLang="en-US" sz="900" b="0" i="0" u="none" strike="noStrike" cap="none" normalizeH="0" baseline="0" dirty="0">
-                <a:ln>
-                  <a:noFill/>
-                </a:ln>
-                <a:solidFill>
-                  <a:srgbClr val="A9B7C6"/>
-                </a:solidFill>
-                <a:effectLst/>
-                <a:latin typeface="JetBrains Mono"/>
-              </a:rPr>
-              <a:t>+ </a:t>
-            </a:r>
-            <a:r>
-              <a:rPr kumimoji="0" lang="en-US" altLang="en-US" sz="900" b="0" i="0" u="none" strike="noStrike" cap="none" normalizeH="0" baseline="0" dirty="0" err="1">
-                <a:ln>
-                  <a:noFill/>
-                </a:ln>
-                <a:solidFill>
-                  <a:srgbClr val="A9B7C6"/>
-                </a:solidFill>
-                <a:effectLst/>
-                <a:latin typeface="JetBrains Mono"/>
-              </a:rPr>
-              <a:t>dashboard.get_name</a:t>
-            </a:r>
-            <a:r>
-              <a:rPr kumimoji="0" lang="en-US" altLang="en-US" sz="900" b="0" i="0" u="none" strike="noStrike" cap="none" normalizeH="0" baseline="0" dirty="0">
-                <a:ln>
-                  <a:noFill/>
-                </a:ln>
-                <a:solidFill>
-                  <a:srgbClr val="A9B7C6"/>
-                </a:solidFill>
-                <a:effectLst/>
-                <a:latin typeface="JetBrains Mono"/>
-              </a:rPr>
-              <a:t>())</a:t>
-            </a:r>
-            <a:endParaRPr kumimoji="0" lang="en-US" altLang="en-US" sz="1800" b="0" i="0" u="none" strike="noStrike" cap="none" normalizeH="0" baseline="0" dirty="0">
-              <a:ln>
-                <a:noFill/>
-              </a:ln>
-              <a:solidFill>
-                <a:schemeClr val="tx1"/>
-              </a:solidFill>
-              <a:effectLst/>
-              <a:latin typeface="Arial" panose="020B0604020202020204" pitchFamily="34" charset="0"/>
-            </a:endParaRPr>
-          </a:p>
-        </p:txBody>
-      </p:sp>
-    </p:spTree>
-    <p:extLst>
-      <p:ext uri="{BB962C8B-B14F-4D97-AF65-F5344CB8AC3E}">
-        <p14:creationId xmlns:p14="http://schemas.microsoft.com/office/powerpoint/2010/main" val="637364522"/>
-      </p:ext>
-    </p:extLst>
-  </p:cSld>
-  <p:clrMapOvr>
-    <a:masterClrMapping/>
-  </p:clrMapOvr>
-  <mc:AlternateContent xmlns:mc="http://schemas.openxmlformats.org/markup-compatibility/2006" xmlns:p14="http://schemas.microsoft.com/office/powerpoint/2010/main">
-    <mc:Choice Requires="p14">
-      <p:transition spd="med" p14:dur="700">
-        <p:fade/>
-      </p:transition>
-    </mc:Choice>
-    <mc:Fallback xmlns="">
-      <p:transition spd="med">
-        <p:fade/>
-      </p:transition>
-    </mc:Fallback>
-  </mc:AlternateContent>
-</p:sld>
-</file>
-
-<file path=ppt/slides/slide28.xml><?xml version="1.0" encoding="utf-8"?>
-<p:sld xmlns:a="http://schemas.openxmlformats.org/drawingml/2006/main" xmlns:r="http://schemas.openxmlformats.org/officeDocument/2006/relationships" xmlns:p="http://schemas.openxmlformats.org/presentationml/2006/main">
-  <p:cSld>
-    <p:spTree>
-      <p:nvGrpSpPr>
-        <p:cNvPr id="1" name=""/>
-        <p:cNvGrpSpPr/>
-        <p:nvPr/>
-      </p:nvGrpSpPr>
-      <p:grpSpPr>
-        <a:xfrm>
-          <a:off x="0" y="0"/>
-          <a:ext cx="0" cy="0"/>
-          <a:chOff x="0" y="0"/>
-          <a:chExt cx="0" cy="0"/>
-        </a:xfrm>
-      </p:grpSpPr>
-      <p:sp>
-        <p:nvSpPr>
-          <p:cNvPr id="2" name="Title 1">
-            <a:extLst>
-              <a:ext uri="{FF2B5EF4-FFF2-40B4-BE49-F238E27FC236}">
-                <a16:creationId xmlns:a16="http://schemas.microsoft.com/office/drawing/2014/main" id="{406E189F-E28E-4B0D-8BEA-B790D08A34AA}"/>
-              </a:ext>
-            </a:extLst>
-          </p:cNvPr>
-          <p:cNvSpPr>
-            <a:spLocks noGrp="1"/>
-          </p:cNvSpPr>
-          <p:nvPr>
-            <p:ph type="title"/>
-          </p:nvPr>
-        </p:nvSpPr>
-        <p:spPr/>
-        <p:txBody>
-          <a:bodyPr/>
-          <a:lstStyle/>
-          <a:p>
-            <a:r>
-              <a:rPr lang="en-US" dirty="0" err="1"/>
-              <a:t>PySense</a:t>
-            </a:r>
-            <a:r>
-              <a:rPr lang="en-US" dirty="0"/>
-              <a:t> Tips!</a:t>
-            </a:r>
-          </a:p>
-        </p:txBody>
-      </p:sp>
-      <p:sp>
-        <p:nvSpPr>
-          <p:cNvPr id="3" name="Content Placeholder 2">
-            <a:extLst>
-              <a:ext uri="{FF2B5EF4-FFF2-40B4-BE49-F238E27FC236}">
-                <a16:creationId xmlns:a16="http://schemas.microsoft.com/office/drawing/2014/main" id="{911060B8-CFCF-4B26-9543-8D02596BB8CD}"/>
-              </a:ext>
-            </a:extLst>
-          </p:cNvPr>
-          <p:cNvSpPr>
-            <a:spLocks noGrp="1"/>
-          </p:cNvSpPr>
-          <p:nvPr>
-            <p:ph idx="1"/>
-          </p:nvPr>
-        </p:nvSpPr>
-        <p:spPr/>
-        <p:txBody>
-          <a:bodyPr>
-            <a:normAutofit fontScale="70000" lnSpcReduction="20000"/>
-          </a:bodyPr>
-          <a:lstStyle/>
-          <a:p>
-            <a:r>
-              <a:rPr lang="en-US" dirty="0"/>
-              <a:t>Some methods return arrays, some methods return a single object. This information should be in the documentation, but if you look at function names: </a:t>
-            </a:r>
-          </a:p>
-          <a:p>
-            <a:pPr lvl="1"/>
-            <a:r>
-              <a:rPr lang="en-US" dirty="0"/>
-              <a:t>Plural nouns (</a:t>
-            </a:r>
-            <a:r>
-              <a:rPr lang="en-US" dirty="0" err="1"/>
-              <a:t>get_dashboards</a:t>
-            </a:r>
-            <a:r>
-              <a:rPr lang="en-US" dirty="0"/>
-              <a:t>) always return arrays</a:t>
-            </a:r>
-          </a:p>
-          <a:p>
-            <a:pPr lvl="1"/>
-            <a:r>
-              <a:rPr lang="en-US" dirty="0"/>
-              <a:t>Singular nouns (</a:t>
-            </a:r>
-            <a:r>
-              <a:rPr lang="en-US" dirty="0" err="1"/>
-              <a:t>get_elasticube_by_name</a:t>
-            </a:r>
-            <a:r>
-              <a:rPr lang="en-US" dirty="0"/>
-              <a:t>) always return a single object. </a:t>
-            </a:r>
-          </a:p>
-          <a:p>
-            <a:r>
-              <a:rPr lang="en-US" dirty="0"/>
-              <a:t>Authenticate via file. You can set up a program to run very easily for multiple servers/clients by just pointing to a different config file. </a:t>
-            </a:r>
-          </a:p>
-          <a:p>
-            <a:r>
-              <a:rPr lang="en-US" dirty="0"/>
-              <a:t>Use the debug parameter to get a full log of what API calls are being made, along with their contents. You can turn this on and off between individual calls so you only log what you need.</a:t>
-            </a:r>
-          </a:p>
-          <a:p>
-            <a:r>
-              <a:rPr lang="en-US" dirty="0"/>
-              <a:t>All unsuccessful rest calls throw a </a:t>
-            </a:r>
-            <a:r>
-              <a:rPr lang="en-US" dirty="0" err="1"/>
-              <a:t>PySenseException</a:t>
-            </a:r>
-            <a:r>
-              <a:rPr lang="en-US" dirty="0"/>
-              <a:t>. You can catch and handle these exceptions to do retries or set up graceful failure conditions.  </a:t>
-            </a:r>
-          </a:p>
-          <a:p>
-            <a:r>
-              <a:rPr lang="en-US" dirty="0"/>
-              <a:t>You can use this for troubleshooting with clients. </a:t>
-            </a:r>
-          </a:p>
-          <a:p>
-            <a:pPr lvl="1"/>
-            <a:r>
-              <a:rPr lang="en-US" dirty="0"/>
-              <a:t>Write a program that runs a </a:t>
-            </a:r>
-            <a:r>
-              <a:rPr lang="en-US" dirty="0" err="1"/>
-              <a:t>sql</a:t>
-            </a:r>
-            <a:r>
-              <a:rPr lang="en-US" dirty="0"/>
-              <a:t> query for every dim table and ensure that the key is unique.</a:t>
-            </a:r>
-          </a:p>
-          <a:p>
-            <a:pPr lvl="1"/>
-            <a:r>
-              <a:rPr lang="en-US" dirty="0"/>
-              <a:t>Write a program that delivers a report of what </a:t>
-            </a:r>
-            <a:r>
-              <a:rPr lang="en-US" dirty="0" err="1"/>
-              <a:t>elasticubes</a:t>
-            </a:r>
-            <a:r>
-              <a:rPr lang="en-US" dirty="0"/>
-              <a:t> are being used by number of dashboards</a:t>
-            </a:r>
-          </a:p>
-          <a:p>
-            <a:pPr marL="0" indent="0">
-              <a:buNone/>
-            </a:pPr>
-            <a:endParaRPr lang="en-US" dirty="0"/>
-          </a:p>
-          <a:p>
-            <a:endParaRPr lang="en-US" dirty="0"/>
-          </a:p>
-          <a:p>
-            <a:endParaRPr lang="en-US" dirty="0"/>
-          </a:p>
-        </p:txBody>
-      </p:sp>
-    </p:spTree>
-    <p:extLst>
-      <p:ext uri="{BB962C8B-B14F-4D97-AF65-F5344CB8AC3E}">
-        <p14:creationId xmlns:p14="http://schemas.microsoft.com/office/powerpoint/2010/main" val="1176730980"/>
-      </p:ext>
-    </p:extLst>
-  </p:cSld>
-  <p:clrMapOvr>
-    <a:masterClrMapping/>
-  </p:clrMapOvr>
-  <mc:AlternateContent xmlns:mc="http://schemas.openxmlformats.org/markup-compatibility/2006" xmlns:p14="http://schemas.microsoft.com/office/powerpoint/2010/main">
-    <mc:Choice Requires="p14">
-      <p:transition spd="med" p14:dur="700">
-        <p:fade/>
-      </p:transition>
-    </mc:Choice>
-    <mc:Fallback xmlns="">
-      <p:transition spd="med">
-        <p:fade/>
-      </p:transition>
-    </mc:Fallback>
-  </mc:AlternateContent>
-</p:sld>
-</file>
-
-<file path=ppt/slides/slide29.xml><?xml version="1.0" encoding="utf-8"?>
-<p:sld xmlns:a="http://schemas.openxmlformats.org/drawingml/2006/main" xmlns:r="http://schemas.openxmlformats.org/officeDocument/2006/relationships" xmlns:p="http://schemas.openxmlformats.org/presentationml/2006/main">
-  <p:cSld>
-    <p:spTree>
-      <p:nvGrpSpPr>
-        <p:cNvPr id="1" name=""/>
-        <p:cNvGrpSpPr/>
-        <p:nvPr/>
-      </p:nvGrpSpPr>
-      <p:grpSpPr>
-        <a:xfrm>
-          <a:off x="0" y="0"/>
-          <a:ext cx="0" cy="0"/>
-          <a:chOff x="0" y="0"/>
-          <a:chExt cx="0" cy="0"/>
-        </a:xfrm>
-      </p:grpSpPr>
-      <p:sp>
-        <p:nvSpPr>
-          <p:cNvPr id="4" name="Content Placeholder 3">
-            <a:extLst>
-              <a:ext uri="{FF2B5EF4-FFF2-40B4-BE49-F238E27FC236}">
-                <a16:creationId xmlns:a16="http://schemas.microsoft.com/office/drawing/2014/main" id="{D5CB437B-D943-4EB3-8F5E-C4E779E33ED8}"/>
-              </a:ext>
-            </a:extLst>
-          </p:cNvPr>
-          <p:cNvSpPr>
-            <a:spLocks noGrp="1"/>
-          </p:cNvSpPr>
-          <p:nvPr>
-            <p:ph idx="1"/>
-          </p:nvPr>
-        </p:nvSpPr>
-        <p:spPr>
-          <a:xfrm>
-            <a:off x="4265612" y="1828800"/>
-            <a:ext cx="4189729" cy="4462272"/>
-          </a:xfrm>
-        </p:spPr>
-        <p:txBody>
-          <a:bodyPr/>
-          <a:lstStyle/>
-          <a:p>
-            <a:pPr marL="0" indent="0">
-              <a:buNone/>
-            </a:pPr>
-            <a:r>
-              <a:rPr lang="en-US" sz="16600" dirty="0">
-                <a:latin typeface="Brush Script MT" panose="03060802040406070304" pitchFamily="66" charset="0"/>
-              </a:rPr>
-              <a:t>Fin</a:t>
-            </a:r>
-            <a:endParaRPr lang="en-US" sz="9600" dirty="0"/>
-          </a:p>
-          <a:p>
-            <a:endParaRPr lang="en-US" dirty="0"/>
-          </a:p>
-        </p:txBody>
-      </p:sp>
-    </p:spTree>
-    <p:extLst>
-      <p:ext uri="{BB962C8B-B14F-4D97-AF65-F5344CB8AC3E}">
-        <p14:creationId xmlns:p14="http://schemas.microsoft.com/office/powerpoint/2010/main" val="794915196"/>
       </p:ext>
     </p:extLst>
   </p:cSld>
@@ -13502,6 +12995,648 @@
     <p:extLst>
       <p:ext uri="{BB962C8B-B14F-4D97-AF65-F5344CB8AC3E}">
         <p14:creationId xmlns:p14="http://schemas.microsoft.com/office/powerpoint/2010/main" val="2179763277"/>
+      </p:ext>
+    </p:extLst>
+  </p:cSld>
+  <p:clrMapOvr>
+    <a:masterClrMapping/>
+  </p:clrMapOvr>
+  <mc:AlternateContent xmlns:mc="http://schemas.openxmlformats.org/markup-compatibility/2006" xmlns:p14="http://schemas.microsoft.com/office/powerpoint/2010/main">
+    <mc:Choice Requires="p14">
+      <p:transition spd="med" p14:dur="700">
+        <p:fade/>
+      </p:transition>
+    </mc:Choice>
+    <mc:Fallback xmlns="">
+      <p:transition spd="med">
+        <p:fade/>
+      </p:transition>
+    </mc:Fallback>
+  </mc:AlternateContent>
+</p:sld>
+</file>
+
+<file path=ppt/slides/slide30.xml><?xml version="1.0" encoding="utf-8"?>
+<p:sld xmlns:a="http://schemas.openxmlformats.org/drawingml/2006/main" xmlns:r="http://schemas.openxmlformats.org/officeDocument/2006/relationships" xmlns:p="http://schemas.openxmlformats.org/presentationml/2006/main">
+  <p:cSld>
+    <p:spTree>
+      <p:nvGrpSpPr>
+        <p:cNvPr id="1" name=""/>
+        <p:cNvGrpSpPr/>
+        <p:nvPr/>
+      </p:nvGrpSpPr>
+      <p:grpSpPr>
+        <a:xfrm>
+          <a:off x="0" y="0"/>
+          <a:ext cx="0" cy="0"/>
+          <a:chOff x="0" y="0"/>
+          <a:chExt cx="0" cy="0"/>
+        </a:xfrm>
+      </p:grpSpPr>
+      <p:sp>
+        <p:nvSpPr>
+          <p:cNvPr id="2" name="Title 1">
+            <a:extLst>
+              <a:ext uri="{FF2B5EF4-FFF2-40B4-BE49-F238E27FC236}">
+                <a16:creationId xmlns:a16="http://schemas.microsoft.com/office/drawing/2014/main" id="{DB3B9627-62D2-4FD0-8CAC-5D210DEEE519}"/>
+              </a:ext>
+            </a:extLst>
+          </p:cNvPr>
+          <p:cNvSpPr>
+            <a:spLocks noGrp="1"/>
+          </p:cNvSpPr>
+          <p:nvPr>
+            <p:ph type="title"/>
+          </p:nvPr>
+        </p:nvSpPr>
+        <p:spPr/>
+        <p:txBody>
+          <a:bodyPr/>
+          <a:lstStyle/>
+          <a:p>
+            <a:r>
+              <a:rPr lang="en-US" dirty="0"/>
+              <a:t>Exercise Four Solution</a:t>
+            </a:r>
+          </a:p>
+        </p:txBody>
+      </p:sp>
+      <p:sp>
+        <p:nvSpPr>
+          <p:cNvPr id="5" name="Rectangle 1">
+            <a:extLst>
+              <a:ext uri="{FF2B5EF4-FFF2-40B4-BE49-F238E27FC236}">
+                <a16:creationId xmlns:a16="http://schemas.microsoft.com/office/drawing/2014/main" id="{D3884E94-16E0-4785-A795-0640B563F4C2}"/>
+              </a:ext>
+            </a:extLst>
+          </p:cNvPr>
+          <p:cNvSpPr>
+            <a:spLocks noChangeArrowheads="1"/>
+          </p:cNvSpPr>
+          <p:nvPr/>
+        </p:nvSpPr>
+        <p:spPr bwMode="auto">
+          <a:xfrm>
+            <a:off x="1561226" y="2583849"/>
+            <a:ext cx="9675813" cy="369332"/>
+          </a:xfrm>
+          <a:prstGeom prst="rect">
+            <a:avLst/>
+          </a:prstGeom>
+          <a:solidFill>
+            <a:srgbClr val="2B2B2B"/>
+          </a:solidFill>
+          <a:ln>
+            <a:noFill/>
+          </a:ln>
+          <a:effectLst/>
+          <a:extLst>
+            <a:ext uri="{91240B29-F687-4F45-9708-019B960494DF}">
+              <a14:hiddenLine xmlns:a14="http://schemas.microsoft.com/office/drawing/2010/main" w="9525">
+                <a:solidFill>
+                  <a:schemeClr val="tx1"/>
+                </a:solidFill>
+                <a:miter lim="800000"/>
+                <a:headEnd/>
+                <a:tailEnd/>
+              </a14:hiddenLine>
+            </a:ext>
+            <a:ext uri="{AF507438-7753-43E0-B8FC-AC1667EBCBE1}">
+              <a14:hiddenEffects xmlns:a14="http://schemas.microsoft.com/office/drawing/2010/main">
+                <a:effectLst>
+                  <a:outerShdw dist="35921" dir="2700000" algn="ctr" rotWithShape="0">
+                    <a:schemeClr val="bg2"/>
+                  </a:outerShdw>
+                </a:effectLst>
+              </a14:hiddenEffects>
+            </a:ext>
+          </a:extLst>
+        </p:spPr>
+        <p:txBody>
+          <a:bodyPr vert="horz" wrap="square" lIns="91440" tIns="45720" rIns="91440" bIns="45720" numCol="1" anchor="ctr" anchorCtr="0" compatLnSpc="1">
+            <a:prstTxWarp prst="textNoShape">
+              <a:avLst/>
+            </a:prstTxWarp>
+            <a:spAutoFit/>
+          </a:bodyPr>
+          <a:lstStyle/>
+          <a:p>
+            <a:pPr lvl="0" defTabSz="914400" eaLnBrk="0" fontAlgn="base" hangingPunct="0">
+              <a:spcBef>
+                <a:spcPct val="0"/>
+              </a:spcBef>
+              <a:spcAft>
+                <a:spcPct val="0"/>
+              </a:spcAft>
+            </a:pPr>
+            <a:r>
+              <a:rPr kumimoji="0" lang="en-US" altLang="en-US" sz="900" b="0" i="0" u="none" strike="noStrike" cap="none" normalizeH="0" baseline="0" dirty="0">
+                <a:ln>
+                  <a:noFill/>
+                </a:ln>
+                <a:solidFill>
+                  <a:srgbClr val="CC7832"/>
+                </a:solidFill>
+                <a:effectLst/>
+                <a:latin typeface="JetBrains Mono"/>
+              </a:rPr>
+              <a:t>for </a:t>
+            </a:r>
+            <a:r>
+              <a:rPr kumimoji="0" lang="en-US" altLang="en-US" sz="900" b="0" i="0" u="none" strike="noStrike" cap="none" normalizeH="0" baseline="0" dirty="0">
+                <a:ln>
+                  <a:noFill/>
+                </a:ln>
+                <a:solidFill>
+                  <a:srgbClr val="A9B7C6"/>
+                </a:solidFill>
+                <a:effectLst/>
+                <a:latin typeface="JetBrains Mono"/>
+              </a:rPr>
+              <a:t>dashboard </a:t>
+            </a:r>
+            <a:r>
+              <a:rPr kumimoji="0" lang="en-US" altLang="en-US" sz="900" b="0" i="0" u="none" strike="noStrike" cap="none" normalizeH="0" baseline="0" dirty="0">
+                <a:ln>
+                  <a:noFill/>
+                </a:ln>
+                <a:solidFill>
+                  <a:srgbClr val="CC7832"/>
+                </a:solidFill>
+                <a:effectLst/>
+                <a:latin typeface="JetBrains Mono"/>
+              </a:rPr>
+              <a:t>in </a:t>
+            </a:r>
+            <a:r>
+              <a:rPr lang="en-US" altLang="en-US" sz="900" dirty="0" err="1">
+                <a:solidFill>
+                  <a:srgbClr val="A9B7C6"/>
+                </a:solidFill>
+                <a:latin typeface="JetBrains Mono"/>
+              </a:rPr>
+              <a:t>py_client.get_dashboards</a:t>
+            </a:r>
+            <a:r>
+              <a:rPr lang="en-US" altLang="en-US" sz="900" dirty="0">
+                <a:solidFill>
+                  <a:srgbClr val="A9B7C6"/>
+                </a:solidFill>
+                <a:latin typeface="JetBrains Mono"/>
+              </a:rPr>
+              <a:t>() </a:t>
+            </a:r>
+            <a:r>
+              <a:rPr kumimoji="0" lang="en-US" altLang="en-US" sz="900" b="0" i="0" u="none" strike="noStrike" cap="none" normalizeH="0" baseline="0" dirty="0">
+                <a:ln>
+                  <a:noFill/>
+                </a:ln>
+                <a:solidFill>
+                  <a:srgbClr val="A9B7C6"/>
+                </a:solidFill>
+                <a:effectLst/>
+                <a:latin typeface="JetBrains Mono"/>
+              </a:rPr>
+              <a:t>:</a:t>
+            </a:r>
+            <a:br>
+              <a:rPr kumimoji="0" lang="en-US" altLang="en-US" sz="900" b="0" i="0" u="none" strike="noStrike" cap="none" normalizeH="0" baseline="0" dirty="0">
+                <a:ln>
+                  <a:noFill/>
+                </a:ln>
+                <a:solidFill>
+                  <a:srgbClr val="A9B7C6"/>
+                </a:solidFill>
+                <a:effectLst/>
+                <a:latin typeface="JetBrains Mono"/>
+              </a:rPr>
+            </a:br>
+            <a:r>
+              <a:rPr kumimoji="0" lang="en-US" altLang="en-US" sz="900" b="0" i="0" u="none" strike="noStrike" cap="none" normalizeH="0" baseline="0" dirty="0">
+                <a:ln>
+                  <a:noFill/>
+                </a:ln>
+                <a:solidFill>
+                  <a:srgbClr val="A9B7C6"/>
+                </a:solidFill>
+                <a:effectLst/>
+                <a:latin typeface="JetBrains Mono"/>
+              </a:rPr>
+              <a:t>    </a:t>
+            </a:r>
+            <a:r>
+              <a:rPr kumimoji="0" lang="en-US" altLang="en-US" sz="900" b="0" i="0" u="none" strike="noStrike" cap="none" normalizeH="0" baseline="0" dirty="0">
+                <a:ln>
+                  <a:noFill/>
+                </a:ln>
+                <a:solidFill>
+                  <a:srgbClr val="8888C6"/>
+                </a:solidFill>
+                <a:effectLst/>
+                <a:latin typeface="JetBrains Mono"/>
+              </a:rPr>
+              <a:t>print</a:t>
+            </a:r>
+            <a:r>
+              <a:rPr kumimoji="0" lang="en-US" altLang="en-US" sz="900" b="0" i="0" u="none" strike="noStrike" cap="none" normalizeH="0" baseline="0" dirty="0">
+                <a:ln>
+                  <a:noFill/>
+                </a:ln>
+                <a:solidFill>
+                  <a:srgbClr val="A9B7C6"/>
+                </a:solidFill>
+                <a:effectLst/>
+                <a:latin typeface="JetBrains Mono"/>
+              </a:rPr>
+              <a:t>(</a:t>
+            </a:r>
+            <a:r>
+              <a:rPr kumimoji="0" lang="en-US" altLang="en-US" sz="900" b="0" i="0" u="none" strike="noStrike" cap="none" normalizeH="0" baseline="0" dirty="0" err="1">
+                <a:ln>
+                  <a:noFill/>
+                </a:ln>
+                <a:solidFill>
+                  <a:srgbClr val="A9B7C6"/>
+                </a:solidFill>
+                <a:effectLst/>
+                <a:latin typeface="JetBrains Mono"/>
+              </a:rPr>
+              <a:t>dashboard.get_id</a:t>
+            </a:r>
+            <a:r>
+              <a:rPr kumimoji="0" lang="en-US" altLang="en-US" sz="900" b="0" i="0" u="none" strike="noStrike" cap="none" normalizeH="0" baseline="0" dirty="0">
+                <a:ln>
+                  <a:noFill/>
+                </a:ln>
+                <a:solidFill>
+                  <a:srgbClr val="A9B7C6"/>
+                </a:solidFill>
+                <a:effectLst/>
+                <a:latin typeface="JetBrains Mono"/>
+              </a:rPr>
+              <a:t>() + </a:t>
+            </a:r>
+            <a:r>
+              <a:rPr kumimoji="0" lang="en-US" altLang="en-US" sz="900" b="0" i="0" u="none" strike="noStrike" cap="none" normalizeH="0" baseline="0" dirty="0">
+                <a:ln>
+                  <a:noFill/>
+                </a:ln>
+                <a:solidFill>
+                  <a:srgbClr val="6A8759"/>
+                </a:solidFill>
+                <a:effectLst/>
+                <a:latin typeface="JetBrains Mono"/>
+              </a:rPr>
+              <a:t>': ' </a:t>
+            </a:r>
+            <a:r>
+              <a:rPr kumimoji="0" lang="en-US" altLang="en-US" sz="900" b="0" i="0" u="none" strike="noStrike" cap="none" normalizeH="0" baseline="0" dirty="0">
+                <a:ln>
+                  <a:noFill/>
+                </a:ln>
+                <a:solidFill>
+                  <a:srgbClr val="A9B7C6"/>
+                </a:solidFill>
+                <a:effectLst/>
+                <a:latin typeface="JetBrains Mono"/>
+              </a:rPr>
+              <a:t>+ </a:t>
+            </a:r>
+            <a:r>
+              <a:rPr kumimoji="0" lang="en-US" altLang="en-US" sz="900" b="0" i="0" u="none" strike="noStrike" cap="none" normalizeH="0" baseline="0" dirty="0" err="1">
+                <a:ln>
+                  <a:noFill/>
+                </a:ln>
+                <a:solidFill>
+                  <a:srgbClr val="A9B7C6"/>
+                </a:solidFill>
+                <a:effectLst/>
+                <a:latin typeface="JetBrains Mono"/>
+              </a:rPr>
+              <a:t>dashboard.get_name</a:t>
+            </a:r>
+            <a:r>
+              <a:rPr kumimoji="0" lang="en-US" altLang="en-US" sz="900" b="0" i="0" u="none" strike="noStrike" cap="none" normalizeH="0" baseline="0" dirty="0">
+                <a:ln>
+                  <a:noFill/>
+                </a:ln>
+                <a:solidFill>
+                  <a:srgbClr val="A9B7C6"/>
+                </a:solidFill>
+                <a:effectLst/>
+                <a:latin typeface="JetBrains Mono"/>
+              </a:rPr>
+              <a:t>())</a:t>
+            </a:r>
+            <a:endParaRPr kumimoji="0" lang="en-US" altLang="en-US" sz="1800" b="0" i="0" u="none" strike="noStrike" cap="none" normalizeH="0" baseline="0" dirty="0">
+              <a:ln>
+                <a:noFill/>
+              </a:ln>
+              <a:solidFill>
+                <a:schemeClr val="tx1"/>
+              </a:solidFill>
+              <a:effectLst/>
+              <a:latin typeface="Arial" panose="020B0604020202020204" pitchFamily="34" charset="0"/>
+            </a:endParaRPr>
+          </a:p>
+        </p:txBody>
+      </p:sp>
+    </p:spTree>
+    <p:extLst>
+      <p:ext uri="{BB962C8B-B14F-4D97-AF65-F5344CB8AC3E}">
+        <p14:creationId xmlns:p14="http://schemas.microsoft.com/office/powerpoint/2010/main" val="637364522"/>
+      </p:ext>
+    </p:extLst>
+  </p:cSld>
+  <p:clrMapOvr>
+    <a:masterClrMapping/>
+  </p:clrMapOvr>
+  <mc:AlternateContent xmlns:mc="http://schemas.openxmlformats.org/markup-compatibility/2006" xmlns:p14="http://schemas.microsoft.com/office/powerpoint/2010/main">
+    <mc:Choice Requires="p14">
+      <p:transition spd="med" p14:dur="700">
+        <p:fade/>
+      </p:transition>
+    </mc:Choice>
+    <mc:Fallback xmlns="">
+      <p:transition spd="med">
+        <p:fade/>
+      </p:transition>
+    </mc:Fallback>
+  </mc:AlternateContent>
+</p:sld>
+</file>
+
+<file path=ppt/slides/slide31.xml><?xml version="1.0" encoding="utf-8"?>
+<p:sld xmlns:a="http://schemas.openxmlformats.org/drawingml/2006/main" xmlns:r="http://schemas.openxmlformats.org/officeDocument/2006/relationships" xmlns:p="http://schemas.openxmlformats.org/presentationml/2006/main">
+  <p:cSld>
+    <p:spTree>
+      <p:nvGrpSpPr>
+        <p:cNvPr id="1" name=""/>
+        <p:cNvGrpSpPr/>
+        <p:nvPr/>
+      </p:nvGrpSpPr>
+      <p:grpSpPr>
+        <a:xfrm>
+          <a:off x="0" y="0"/>
+          <a:ext cx="0" cy="0"/>
+          <a:chOff x="0" y="0"/>
+          <a:chExt cx="0" cy="0"/>
+        </a:xfrm>
+      </p:grpSpPr>
+      <p:sp>
+        <p:nvSpPr>
+          <p:cNvPr id="2" name="Title 1">
+            <a:extLst>
+              <a:ext uri="{FF2B5EF4-FFF2-40B4-BE49-F238E27FC236}">
+                <a16:creationId xmlns:a16="http://schemas.microsoft.com/office/drawing/2014/main" id="{406E189F-E28E-4B0D-8BEA-B790D08A34AA}"/>
+              </a:ext>
+            </a:extLst>
+          </p:cNvPr>
+          <p:cNvSpPr>
+            <a:spLocks noGrp="1"/>
+          </p:cNvSpPr>
+          <p:nvPr>
+            <p:ph type="title"/>
+          </p:nvPr>
+        </p:nvSpPr>
+        <p:spPr/>
+        <p:txBody>
+          <a:bodyPr/>
+          <a:lstStyle/>
+          <a:p>
+            <a:r>
+              <a:rPr lang="en-US" dirty="0" err="1"/>
+              <a:t>PySense</a:t>
+            </a:r>
+            <a:r>
+              <a:rPr lang="en-US" dirty="0"/>
+              <a:t> Tips!</a:t>
+            </a:r>
+          </a:p>
+        </p:txBody>
+      </p:sp>
+      <p:sp>
+        <p:nvSpPr>
+          <p:cNvPr id="3" name="Content Placeholder 2">
+            <a:extLst>
+              <a:ext uri="{FF2B5EF4-FFF2-40B4-BE49-F238E27FC236}">
+                <a16:creationId xmlns:a16="http://schemas.microsoft.com/office/drawing/2014/main" id="{911060B8-CFCF-4B26-9543-8D02596BB8CD}"/>
+              </a:ext>
+            </a:extLst>
+          </p:cNvPr>
+          <p:cNvSpPr>
+            <a:spLocks noGrp="1"/>
+          </p:cNvSpPr>
+          <p:nvPr>
+            <p:ph idx="1"/>
+          </p:nvPr>
+        </p:nvSpPr>
+        <p:spPr/>
+        <p:txBody>
+          <a:bodyPr>
+            <a:normAutofit fontScale="70000" lnSpcReduction="20000"/>
+          </a:bodyPr>
+          <a:lstStyle/>
+          <a:p>
+            <a:r>
+              <a:rPr lang="en-US" dirty="0"/>
+              <a:t>Some methods return arrays, some methods return a single object. This information should be in the documentation, but if you look at function names: </a:t>
+            </a:r>
+          </a:p>
+          <a:p>
+            <a:pPr lvl="1"/>
+            <a:r>
+              <a:rPr lang="en-US" dirty="0"/>
+              <a:t>Plural nouns (</a:t>
+            </a:r>
+            <a:r>
+              <a:rPr lang="en-US" dirty="0" err="1"/>
+              <a:t>get_dashboards</a:t>
+            </a:r>
+            <a:r>
+              <a:rPr lang="en-US" dirty="0"/>
+              <a:t>) always return arrays</a:t>
+            </a:r>
+          </a:p>
+          <a:p>
+            <a:pPr lvl="1"/>
+            <a:r>
+              <a:rPr lang="en-US" dirty="0"/>
+              <a:t>Singular nouns (</a:t>
+            </a:r>
+            <a:r>
+              <a:rPr lang="en-US" dirty="0" err="1"/>
+              <a:t>get_elasticube_by_name</a:t>
+            </a:r>
+            <a:r>
+              <a:rPr lang="en-US" dirty="0"/>
+              <a:t>) always return a single object. </a:t>
+            </a:r>
+          </a:p>
+          <a:p>
+            <a:r>
+              <a:rPr lang="en-US" dirty="0"/>
+              <a:t>Authenticate via file. You can set up a program to run very easily for multiple servers/clients by just pointing to a different config file. </a:t>
+            </a:r>
+          </a:p>
+          <a:p>
+            <a:r>
+              <a:rPr lang="en-US" dirty="0"/>
+              <a:t>Use the debug parameter to get a full log of what API calls are being made, along with their contents. You can turn this on and off between individual calls so you only log what you need.</a:t>
+            </a:r>
+          </a:p>
+          <a:p>
+            <a:r>
+              <a:rPr lang="en-US" dirty="0"/>
+              <a:t>All unsuccessful rest calls throw a </a:t>
+            </a:r>
+            <a:r>
+              <a:rPr lang="en-US" dirty="0" err="1"/>
+              <a:t>PySenseException</a:t>
+            </a:r>
+            <a:r>
+              <a:rPr lang="en-US" dirty="0"/>
+              <a:t>. You can catch and handle these exceptions to do retries or set up graceful failure conditions.  </a:t>
+            </a:r>
+          </a:p>
+          <a:p>
+            <a:r>
+              <a:rPr lang="en-US" dirty="0"/>
+              <a:t>You can use this for troubleshooting with clients. </a:t>
+            </a:r>
+          </a:p>
+          <a:p>
+            <a:pPr lvl="1"/>
+            <a:r>
+              <a:rPr lang="en-US" dirty="0"/>
+              <a:t>Write a program that runs a </a:t>
+            </a:r>
+            <a:r>
+              <a:rPr lang="en-US" dirty="0" err="1"/>
+              <a:t>sql</a:t>
+            </a:r>
+            <a:r>
+              <a:rPr lang="en-US" dirty="0"/>
+              <a:t> query for every dim table and ensure that the key is unique.</a:t>
+            </a:r>
+          </a:p>
+          <a:p>
+            <a:pPr lvl="1"/>
+            <a:r>
+              <a:rPr lang="en-US" dirty="0"/>
+              <a:t>Write a program that delivers a report of what </a:t>
+            </a:r>
+            <a:r>
+              <a:rPr lang="en-US" dirty="0" err="1"/>
+              <a:t>elasticubes</a:t>
+            </a:r>
+            <a:r>
+              <a:rPr lang="en-US" dirty="0"/>
+              <a:t> are being used by number of dashboards</a:t>
+            </a:r>
+          </a:p>
+          <a:p>
+            <a:pPr marL="0" indent="0">
+              <a:buNone/>
+            </a:pPr>
+            <a:endParaRPr lang="en-US" dirty="0"/>
+          </a:p>
+          <a:p>
+            <a:endParaRPr lang="en-US" dirty="0"/>
+          </a:p>
+          <a:p>
+            <a:endParaRPr lang="en-US" dirty="0"/>
+          </a:p>
+        </p:txBody>
+      </p:sp>
+    </p:spTree>
+    <p:extLst>
+      <p:ext uri="{BB962C8B-B14F-4D97-AF65-F5344CB8AC3E}">
+        <p14:creationId xmlns:p14="http://schemas.microsoft.com/office/powerpoint/2010/main" val="1176730980"/>
+      </p:ext>
+    </p:extLst>
+  </p:cSld>
+  <p:clrMapOvr>
+    <a:masterClrMapping/>
+  </p:clrMapOvr>
+  <mc:AlternateContent xmlns:mc="http://schemas.openxmlformats.org/markup-compatibility/2006" xmlns:p14="http://schemas.microsoft.com/office/powerpoint/2010/main">
+    <mc:Choice Requires="p14">
+      <p:transition spd="med" p14:dur="700">
+        <p:fade/>
+      </p:transition>
+    </mc:Choice>
+    <mc:Fallback xmlns="">
+      <p:transition spd="med">
+        <p:fade/>
+      </p:transition>
+    </mc:Fallback>
+  </mc:AlternateContent>
+</p:sld>
+</file>
+
+<file path=ppt/slides/slide32.xml><?xml version="1.0" encoding="utf-8"?>
+<p:sld xmlns:a="http://schemas.openxmlformats.org/drawingml/2006/main" xmlns:r="http://schemas.openxmlformats.org/officeDocument/2006/relationships" xmlns:p="http://schemas.openxmlformats.org/presentationml/2006/main">
+  <p:cSld>
+    <p:spTree>
+      <p:nvGrpSpPr>
+        <p:cNvPr id="1" name=""/>
+        <p:cNvGrpSpPr/>
+        <p:nvPr/>
+      </p:nvGrpSpPr>
+      <p:grpSpPr>
+        <a:xfrm>
+          <a:off x="0" y="0"/>
+          <a:ext cx="0" cy="0"/>
+          <a:chOff x="0" y="0"/>
+          <a:chExt cx="0" cy="0"/>
+        </a:xfrm>
+      </p:grpSpPr>
+      <p:sp>
+        <p:nvSpPr>
+          <p:cNvPr id="4" name="Content Placeholder 3">
+            <a:extLst>
+              <a:ext uri="{FF2B5EF4-FFF2-40B4-BE49-F238E27FC236}">
+                <a16:creationId xmlns:a16="http://schemas.microsoft.com/office/drawing/2014/main" id="{D5CB437B-D943-4EB3-8F5E-C4E779E33ED8}"/>
+              </a:ext>
+            </a:extLst>
+          </p:cNvPr>
+          <p:cNvSpPr>
+            <a:spLocks noGrp="1"/>
+          </p:cNvSpPr>
+          <p:nvPr>
+            <p:ph idx="1"/>
+          </p:nvPr>
+        </p:nvSpPr>
+        <p:spPr>
+          <a:xfrm>
+            <a:off x="4265612" y="1828800"/>
+            <a:ext cx="4189729" cy="4462272"/>
+          </a:xfrm>
+        </p:spPr>
+        <p:txBody>
+          <a:bodyPr/>
+          <a:lstStyle/>
+          <a:p>
+            <a:pPr marL="0" indent="0">
+              <a:buNone/>
+            </a:pPr>
+            <a:r>
+              <a:rPr lang="en-US" sz="16600" dirty="0">
+                <a:latin typeface="Brush Script MT" panose="03060802040406070304" pitchFamily="66" charset="0"/>
+              </a:rPr>
+              <a:t>Fin</a:t>
+            </a:r>
+            <a:endParaRPr lang="en-US" sz="9600" dirty="0"/>
+          </a:p>
+          <a:p>
+            <a:endParaRPr lang="en-US" dirty="0"/>
+          </a:p>
+        </p:txBody>
+      </p:sp>
+    </p:spTree>
+    <p:extLst>
+      <p:ext uri="{BB962C8B-B14F-4D97-AF65-F5344CB8AC3E}">
+        <p14:creationId xmlns:p14="http://schemas.microsoft.com/office/powerpoint/2010/main" val="794915196"/>
       </p:ext>
     </p:extLst>
   </p:cSld>
@@ -15537,6 +15672,15 @@
 </file>
 
 <file path=customXml/item1.xml><?xml version="1.0" encoding="utf-8"?>
+<?mso-contentType ?>
+<FormTemplates xmlns="http://schemas.microsoft.com/sharepoint/v3/contenttype/forms">
+  <Display>DocumentLibraryForm</Display>
+  <Edit>AssetEditForm</Edit>
+  <New>DocumentLibraryForm</New>
+</FormTemplates>
+</file>
+
+<file path=customXml/item2.xml><?xml version="1.0" encoding="utf-8"?>
 <p:properties xmlns:p="http://schemas.microsoft.com/office/2006/metadata/properties" xmlns:xsi="http://www.w3.org/2001/XMLSchema-instance" xmlns:pc="http://schemas.microsoft.com/office/infopath/2007/PartnerControls">
   <documentManagement>
     <LocPublishedLinkedAssetsLookup xmlns="4873beb7-5857-4685-be1f-d57550cc96cc" xsi:nil="true"/>
@@ -15670,15 +15814,6 @@
     <LocMarketGroupTiers2 xmlns="4873beb7-5857-4685-be1f-d57550cc96cc" xsi:nil="true"/>
   </documentManagement>
 </p:properties>
-</file>
-
-<file path=customXml/item2.xml><?xml version="1.0" encoding="utf-8"?>
-<?mso-contentType ?>
-<FormTemplates xmlns="http://schemas.microsoft.com/sharepoint/v3/contenttype/forms">
-  <Display>DocumentLibraryForm</Display>
-  <Edit>AssetEditForm</Edit>
-  <New>DocumentLibraryForm</New>
-</FormTemplates>
 </file>
 
 <file path=customXml/item3.xml><?xml version="1.0" encoding="utf-8"?>
@@ -16722,6 +16857,14 @@
 </file>
 
 <file path=customXml/itemProps1.xml><?xml version="1.0" encoding="utf-8"?>
+<ds:datastoreItem xmlns:ds="http://schemas.openxmlformats.org/officeDocument/2006/customXml" ds:itemID="{3836F65B-1B07-41EE-A0E8-BC6EF3855225}">
+  <ds:schemaRefs>
+    <ds:schemaRef ds:uri="http://schemas.microsoft.com/sharepoint/v3/contenttype/forms"/>
+  </ds:schemaRefs>
+</ds:datastoreItem>
+</file>
+
+<file path=customXml/itemProps2.xml><?xml version="1.0" encoding="utf-8"?>
 <ds:datastoreItem xmlns:ds="http://schemas.openxmlformats.org/officeDocument/2006/customXml" ds:itemID="{60C67BEE-D13F-4BD2-98A5-34D8A0977F68}">
   <ds:schemaRefs>
     <ds:schemaRef ds:uri="4873beb7-5857-4685-be1f-d57550cc96cc"/>
@@ -16733,14 +16876,6 @@
     <ds:schemaRef ds:uri="http://schemas.microsoft.com/office/infopath/2007/PartnerControls"/>
     <ds:schemaRef ds:uri="http://www.w3.org/XML/1998/namespace"/>
     <ds:schemaRef ds:uri="http://purl.org/dc/dcmitype/"/>
-  </ds:schemaRefs>
-</ds:datastoreItem>
-</file>
-
-<file path=customXml/itemProps2.xml><?xml version="1.0" encoding="utf-8"?>
-<ds:datastoreItem xmlns:ds="http://schemas.openxmlformats.org/officeDocument/2006/customXml" ds:itemID="{3836F65B-1B07-41EE-A0E8-BC6EF3855225}">
-  <ds:schemaRefs>
-    <ds:schemaRef ds:uri="http://schemas.microsoft.com/sharepoint/v3/contenttype/forms"/>
   </ds:schemaRefs>
 </ds:datastoreItem>
 </file>
